--- a/Project_Presentation_Employee_Attrition_Prediction.pptx
+++ b/Project_Presentation_Employee_Attrition_Prediction.pptx
@@ -5,17 +5,18 @@
     <p:sldMasterId id="2147483648" r:id="rId1"/>
   </p:sldMasterIdLst>
   <p:notesMasterIdLst>
-    <p:notesMasterId r:id="rId10"/>
+    <p:notesMasterId r:id="rId11"/>
   </p:notesMasterIdLst>
   <p:sldIdLst>
     <p:sldId id="259" r:id="rId2"/>
     <p:sldId id="263" r:id="rId3"/>
     <p:sldId id="257" r:id="rId4"/>
-    <p:sldId id="258" r:id="rId5"/>
-    <p:sldId id="261" r:id="rId6"/>
-    <p:sldId id="1603" r:id="rId7"/>
-    <p:sldId id="262" r:id="rId8"/>
-    <p:sldId id="265" r:id="rId9"/>
+    <p:sldId id="1605" r:id="rId5"/>
+    <p:sldId id="258" r:id="rId6"/>
+    <p:sldId id="261" r:id="rId7"/>
+    <p:sldId id="1603" r:id="rId8"/>
+    <p:sldId id="262" r:id="rId9"/>
+    <p:sldId id="265" r:id="rId10"/>
   </p:sldIdLst>
   <p:sldSz cx="12192000" cy="6858000"/>
   <p:notesSz cx="6858000" cy="9144000"/>
@@ -11726,7 +11727,7 @@
           <a:p>
             <a:fld id="{D9DC0902-B928-4F0F-BBCD-04DEB66ED9A2}" type="slidenum">
               <a:rPr lang="en-US" smtClean="0"/>
-              <a:t>4</a:t>
+              <a:t>5</a:t>
             </a:fld>
             <a:endParaRPr lang="en-US"/>
           </a:p>
@@ -11810,7 +11811,7 @@
           <a:p>
             <a:fld id="{D9DC0902-B928-4F0F-BBCD-04DEB66ED9A2}" type="slidenum">
               <a:rPr lang="en-US" smtClean="0"/>
-              <a:t>8</a:t>
+              <a:t>9</a:t>
             </a:fld>
             <a:endParaRPr lang="en-US"/>
           </a:p>
@@ -16984,6 +16985,410 @@
           <a:chExt cx="0" cy="0"/>
         </a:xfrm>
       </p:grpSpPr>
+      <p:pic>
+        <p:nvPicPr>
+          <p:cNvPr id="4" name="Picture 3" descr="A blue squares with white text&#10;&#10;Description automatically generated">
+            <a:extLst>
+              <a:ext uri="{FF2B5EF4-FFF2-40B4-BE49-F238E27FC236}">
+                <a16:creationId xmlns:a16="http://schemas.microsoft.com/office/drawing/2014/main" id="{E8CCB4C3-A1E3-C498-4505-DC6818B92938}"/>
+              </a:ext>
+            </a:extLst>
+          </p:cNvPr>
+          <p:cNvPicPr>
+            <a:picLocks noChangeAspect="1"/>
+          </p:cNvPicPr>
+          <p:nvPr/>
+        </p:nvPicPr>
+        <p:blipFill>
+          <a:blip r:embed="rId2"/>
+          <a:stretch>
+            <a:fillRect/>
+          </a:stretch>
+        </p:blipFill>
+        <p:spPr>
+          <a:xfrm>
+            <a:off x="4322200" y="1773903"/>
+            <a:ext cx="3517119" cy="3270920"/>
+          </a:xfrm>
+          <a:prstGeom prst="rect">
+            <a:avLst/>
+          </a:prstGeom>
+        </p:spPr>
+      </p:pic>
+      <p:cxnSp>
+        <p:nvCxnSpPr>
+          <p:cNvPr id="11" name="Straight Connector 10">
+            <a:extLst>
+              <a:ext uri="{FF2B5EF4-FFF2-40B4-BE49-F238E27FC236}">
+                <a16:creationId xmlns:a16="http://schemas.microsoft.com/office/drawing/2014/main" id="{DCD67800-37AC-4E14-89B0-F79DCB3FB86D}"/>
+              </a:ext>
+              <a:ext uri="{C183D7F6-B498-43B3-948B-1728B52AA6E4}">
+                <adec:decorative xmlns:adec="http://schemas.microsoft.com/office/drawing/2017/decorative" val="1"/>
+              </a:ext>
+            </a:extLst>
+          </p:cNvPr>
+          <p:cNvCxnSpPr>
+            <a:cxnSpLocks noGrp="1" noRot="1" noChangeAspect="1" noMove="1" noResize="1" noEditPoints="1" noAdjustHandles="1" noChangeArrowheads="1" noChangeShapeType="1"/>
+          </p:cNvCxnSpPr>
+          <p:nvPr>
+            <p:extLst>
+              <p:ext uri="{386F3935-93C4-4BCD-93E2-E3B085C9AB24}">
+                <p16:designElem xmlns:p16="http://schemas.microsoft.com/office/powerpoint/2015/main" val="1"/>
+              </p:ext>
+            </p:extLst>
+          </p:nvPr>
+        </p:nvCxnSpPr>
+        <p:spPr>
+          <a:xfrm>
+            <a:off x="4165600" y="1573887"/>
+            <a:ext cx="0" cy="3710227"/>
+          </a:xfrm>
+          <a:prstGeom prst="line">
+            <a:avLst/>
+          </a:prstGeom>
+          <a:ln w="19050">
+            <a:solidFill>
+              <a:srgbClr val="7F7F7F"/>
+            </a:solidFill>
+          </a:ln>
+        </p:spPr>
+        <p:style>
+          <a:lnRef idx="1">
+            <a:schemeClr val="accent1"/>
+          </a:lnRef>
+          <a:fillRef idx="0">
+            <a:schemeClr val="accent1"/>
+          </a:fillRef>
+          <a:effectRef idx="0">
+            <a:schemeClr val="accent1"/>
+          </a:effectRef>
+          <a:fontRef idx="minor">
+            <a:schemeClr val="tx1"/>
+          </a:fontRef>
+        </p:style>
+      </p:cxnSp>
+      <p:pic>
+        <p:nvPicPr>
+          <p:cNvPr id="5" name="Content Placeholder 9" descr="A blue squares with white text&#10;&#10;Description automatically generated">
+            <a:extLst>
+              <a:ext uri="{FF2B5EF4-FFF2-40B4-BE49-F238E27FC236}">
+                <a16:creationId xmlns:a16="http://schemas.microsoft.com/office/drawing/2014/main" id="{51257B1A-7131-4C21-57DB-A94CCD2D56AC}"/>
+              </a:ext>
+            </a:extLst>
+          </p:cNvPr>
+          <p:cNvPicPr>
+            <a:picLocks noChangeAspect="1"/>
+          </p:cNvPicPr>
+          <p:nvPr/>
+        </p:nvPicPr>
+        <p:blipFill>
+          <a:blip r:embed="rId3"/>
+          <a:stretch>
+            <a:fillRect/>
+          </a:stretch>
+        </p:blipFill>
+        <p:spPr>
+          <a:xfrm>
+            <a:off x="7869801" y="1790467"/>
+            <a:ext cx="3537345" cy="3254356"/>
+          </a:xfrm>
+          <a:prstGeom prst="rect">
+            <a:avLst/>
+          </a:prstGeom>
+        </p:spPr>
+      </p:pic>
+      <p:cxnSp>
+        <p:nvCxnSpPr>
+          <p:cNvPr id="13" name="Straight Connector 12">
+            <a:extLst>
+              <a:ext uri="{FF2B5EF4-FFF2-40B4-BE49-F238E27FC236}">
+                <a16:creationId xmlns:a16="http://schemas.microsoft.com/office/drawing/2014/main" id="{20F1788F-A5AE-4188-8274-F7F2E3833ECD}"/>
+              </a:ext>
+              <a:ext uri="{C183D7F6-B498-43B3-948B-1728B52AA6E4}">
+                <adec:decorative xmlns:adec="http://schemas.microsoft.com/office/drawing/2017/decorative" val="1"/>
+              </a:ext>
+            </a:extLst>
+          </p:cNvPr>
+          <p:cNvCxnSpPr>
+            <a:cxnSpLocks noGrp="1" noRot="1" noChangeAspect="1" noMove="1" noResize="1" noEditPoints="1" noAdjustHandles="1" noChangeArrowheads="1" noChangeShapeType="1"/>
+          </p:cNvCxnSpPr>
+          <p:nvPr>
+            <p:extLst>
+              <p:ext uri="{386F3935-93C4-4BCD-93E2-E3B085C9AB24}">
+                <p16:designElem xmlns:p16="http://schemas.microsoft.com/office/powerpoint/2015/main" val="1"/>
+              </p:ext>
+            </p:extLst>
+          </p:nvPr>
+        </p:nvCxnSpPr>
+        <p:spPr>
+          <a:xfrm>
+            <a:off x="7995920" y="1573887"/>
+            <a:ext cx="0" cy="3710227"/>
+          </a:xfrm>
+          <a:prstGeom prst="line">
+            <a:avLst/>
+          </a:prstGeom>
+          <a:ln w="19050">
+            <a:solidFill>
+              <a:srgbClr val="7F7F7F"/>
+            </a:solidFill>
+          </a:ln>
+        </p:spPr>
+        <p:style>
+          <a:lnRef idx="1">
+            <a:schemeClr val="accent1"/>
+          </a:lnRef>
+          <a:fillRef idx="0">
+            <a:schemeClr val="accent1"/>
+          </a:fillRef>
+          <a:effectRef idx="0">
+            <a:schemeClr val="accent1"/>
+          </a:effectRef>
+          <a:fontRef idx="minor">
+            <a:schemeClr val="tx1"/>
+          </a:fontRef>
+        </p:style>
+      </p:cxnSp>
+      <p:pic>
+        <p:nvPicPr>
+          <p:cNvPr id="6" name="Content Placeholder 15" descr="A blue and white graph&#10;&#10;Description automatically generated">
+            <a:extLst>
+              <a:ext uri="{FF2B5EF4-FFF2-40B4-BE49-F238E27FC236}">
+                <a16:creationId xmlns:a16="http://schemas.microsoft.com/office/drawing/2014/main" id="{7A9D9373-1E99-1F6B-1EE4-10E10364F865}"/>
+              </a:ext>
+            </a:extLst>
+          </p:cNvPr>
+          <p:cNvPicPr>
+            <a:picLocks noChangeAspect="1"/>
+          </p:cNvPicPr>
+          <p:nvPr/>
+        </p:nvPicPr>
+        <p:blipFill>
+          <a:blip r:embed="rId4"/>
+          <a:stretch>
+            <a:fillRect/>
+          </a:stretch>
+        </p:blipFill>
+        <p:spPr>
+          <a:xfrm>
+            <a:off x="461400" y="1773903"/>
+            <a:ext cx="3517120" cy="3244543"/>
+          </a:xfrm>
+          <a:prstGeom prst="rect">
+            <a:avLst/>
+          </a:prstGeom>
+          <a:solidFill>
+            <a:srgbClr val="FFFFFF">
+              <a:shade val="85000"/>
+            </a:srgbClr>
+          </a:solidFill>
+          <a:scene3d>
+            <a:camera prst="orthographicFront"/>
+            <a:lightRig rig="twoPt" dir="t">
+              <a:rot lat="0" lon="0" rev="7200000"/>
+            </a:lightRig>
+          </a:scene3d>
+          <a:sp3d>
+            <a:bevelT w="25400" h="19050"/>
+            <a:contourClr>
+              <a:srgbClr val="FFFFFF"/>
+            </a:contourClr>
+          </a:sp3d>
+        </p:spPr>
+      </p:pic>
+      <p:sp>
+        <p:nvSpPr>
+          <p:cNvPr id="7" name="&quot;Not Allowed&quot; Symbol 6">
+            <a:extLst>
+              <a:ext uri="{FF2B5EF4-FFF2-40B4-BE49-F238E27FC236}">
+                <a16:creationId xmlns:a16="http://schemas.microsoft.com/office/drawing/2014/main" id="{E1D54D72-ED59-C6A9-1DB3-EE69161881A4}"/>
+              </a:ext>
+            </a:extLst>
+          </p:cNvPr>
+          <p:cNvSpPr/>
+          <p:nvPr/>
+        </p:nvSpPr>
+        <p:spPr>
+          <a:xfrm>
+            <a:off x="1371600" y="4280170"/>
+            <a:ext cx="214009" cy="204281"/>
+          </a:xfrm>
+          <a:prstGeom prst="noSmoking">
+            <a:avLst/>
+          </a:prstGeom>
+          <a:solidFill>
+            <a:schemeClr val="accent2"/>
+          </a:solidFill>
+        </p:spPr>
+        <p:style>
+          <a:lnRef idx="2">
+            <a:schemeClr val="accent1">
+              <a:shade val="15000"/>
+            </a:schemeClr>
+          </a:lnRef>
+          <a:fillRef idx="1">
+            <a:schemeClr val="accent1"/>
+          </a:fillRef>
+          <a:effectRef idx="0">
+            <a:schemeClr val="accent1"/>
+          </a:effectRef>
+          <a:fontRef idx="minor">
+            <a:schemeClr val="lt1"/>
+          </a:fontRef>
+        </p:style>
+        <p:txBody>
+          <a:bodyPr rtlCol="0" anchor="ctr"/>
+          <a:lstStyle/>
+          <a:p>
+            <a:pPr algn="ctr"/>
+            <a:endParaRPr lang="en-US">
+              <a:solidFill>
+                <a:schemeClr val="tx1"/>
+              </a:solidFill>
+            </a:endParaRPr>
+          </a:p>
+        </p:txBody>
+      </p:sp>
+      <p:sp>
+        <p:nvSpPr>
+          <p:cNvPr id="8" name="&quot;Not Allowed&quot; Symbol 7">
+            <a:extLst>
+              <a:ext uri="{FF2B5EF4-FFF2-40B4-BE49-F238E27FC236}">
+                <a16:creationId xmlns:a16="http://schemas.microsoft.com/office/drawing/2014/main" id="{C154E393-62AE-0634-D826-132AEA4DB35B}"/>
+              </a:ext>
+            </a:extLst>
+          </p:cNvPr>
+          <p:cNvSpPr/>
+          <p:nvPr/>
+        </p:nvSpPr>
+        <p:spPr>
+          <a:xfrm>
+            <a:off x="5078998" y="4280170"/>
+            <a:ext cx="214009" cy="204281"/>
+          </a:xfrm>
+          <a:prstGeom prst="noSmoking">
+            <a:avLst/>
+          </a:prstGeom>
+          <a:solidFill>
+            <a:schemeClr val="accent2"/>
+          </a:solidFill>
+        </p:spPr>
+        <p:style>
+          <a:lnRef idx="2">
+            <a:schemeClr val="accent1">
+              <a:shade val="15000"/>
+            </a:schemeClr>
+          </a:lnRef>
+          <a:fillRef idx="1">
+            <a:schemeClr val="accent1"/>
+          </a:fillRef>
+          <a:effectRef idx="0">
+            <a:schemeClr val="accent1"/>
+          </a:effectRef>
+          <a:fontRef idx="minor">
+            <a:schemeClr val="lt1"/>
+          </a:fontRef>
+        </p:style>
+        <p:txBody>
+          <a:bodyPr rtlCol="0" anchor="ctr"/>
+          <a:lstStyle/>
+          <a:p>
+            <a:pPr algn="ctr"/>
+            <a:endParaRPr lang="en-US">
+              <a:solidFill>
+                <a:schemeClr val="tx1"/>
+              </a:solidFill>
+            </a:endParaRPr>
+          </a:p>
+        </p:txBody>
+      </p:sp>
+      <p:sp>
+        <p:nvSpPr>
+          <p:cNvPr id="9" name="Smiley Face 8">
+            <a:extLst>
+              <a:ext uri="{FF2B5EF4-FFF2-40B4-BE49-F238E27FC236}">
+                <a16:creationId xmlns:a16="http://schemas.microsoft.com/office/drawing/2014/main" id="{EBB507D8-7FDC-7945-4CF3-370117E96D55}"/>
+              </a:ext>
+            </a:extLst>
+          </p:cNvPr>
+          <p:cNvSpPr/>
+          <p:nvPr/>
+        </p:nvSpPr>
+        <p:spPr>
+          <a:xfrm>
+            <a:off x="8791470" y="4280170"/>
+            <a:ext cx="214003" cy="204281"/>
+          </a:xfrm>
+          <a:prstGeom prst="smileyFace">
+            <a:avLst/>
+          </a:prstGeom>
+          <a:solidFill>
+            <a:schemeClr val="accent2"/>
+          </a:solidFill>
+        </p:spPr>
+        <p:style>
+          <a:lnRef idx="2">
+            <a:schemeClr val="accent1">
+              <a:shade val="15000"/>
+            </a:schemeClr>
+          </a:lnRef>
+          <a:fillRef idx="1">
+            <a:schemeClr val="accent1"/>
+          </a:fillRef>
+          <a:effectRef idx="0">
+            <a:schemeClr val="accent1"/>
+          </a:effectRef>
+          <a:fontRef idx="minor">
+            <a:schemeClr val="lt1"/>
+          </a:fontRef>
+        </p:style>
+        <p:txBody>
+          <a:bodyPr rtlCol="0" anchor="ctr"/>
+          <a:lstStyle/>
+          <a:p>
+            <a:pPr algn="ctr"/>
+            <a:endParaRPr lang="en-US"/>
+          </a:p>
+        </p:txBody>
+      </p:sp>
+    </p:spTree>
+    <p:extLst>
+      <p:ext uri="{BB962C8B-B14F-4D97-AF65-F5344CB8AC3E}">
+        <p14:creationId xmlns:p14="http://schemas.microsoft.com/office/powerpoint/2010/main" val="3805467070"/>
+      </p:ext>
+    </p:extLst>
+  </p:cSld>
+  <p:clrMapOvr>
+    <a:masterClrMapping/>
+  </p:clrMapOvr>
+</p:sld>
+</file>
+
+<file path=ppt/slides/slide5.xml><?xml version="1.0" encoding="utf-8"?>
+<p:sld xmlns:a="http://schemas.openxmlformats.org/drawingml/2006/main" xmlns:r="http://schemas.openxmlformats.org/officeDocument/2006/relationships" xmlns:p="http://schemas.openxmlformats.org/presentationml/2006/main">
+  <p:cSld>
+    <p:bg>
+      <p:bgPr>
+        <a:solidFill>
+          <a:schemeClr val="bg1"/>
+        </a:solidFill>
+        <a:effectLst/>
+      </p:bgPr>
+    </p:bg>
+    <p:spTree>
+      <p:nvGrpSpPr>
+        <p:cNvPr id="1" name=""/>
+        <p:cNvGrpSpPr/>
+        <p:nvPr/>
+      </p:nvGrpSpPr>
+      <p:grpSpPr>
+        <a:xfrm>
+          <a:off x="0" y="0"/>
+          <a:ext cx="0" cy="0"/>
+          <a:chOff x="0" y="0"/>
+          <a:chExt cx="0" cy="0"/>
+        </a:xfrm>
+      </p:grpSpPr>
       <p:sp useBgFill="1">
         <p:nvSpPr>
           <p:cNvPr id="64" name="Rectangle 63">
@@ -17446,7 +17851,7 @@
 </p:sld>
 </file>
 
-<file path=ppt/slides/slide5.xml><?xml version="1.0" encoding="utf-8"?>
+<file path=ppt/slides/slide6.xml><?xml version="1.0" encoding="utf-8"?>
 <p:sld xmlns:a="http://schemas.openxmlformats.org/drawingml/2006/main" xmlns:r="http://schemas.openxmlformats.org/officeDocument/2006/relationships" xmlns:p="http://schemas.openxmlformats.org/presentationml/2006/main">
   <p:cSld>
     <p:bg>
@@ -17904,7 +18309,7 @@
             </a:r>
             <a:r>
               <a:rPr lang="en-US" sz="2000" dirty="0" err="1"/>
-              <a:t>y_nn_pred</a:t>
+              <a:t>y_pred</a:t>
             </a:r>
             <a:r>
               <a:rPr lang="en-US" sz="2000" dirty="0"/>
@@ -17966,7 +18371,7 @@
 </p:sld>
 </file>
 
-<file path=ppt/slides/slide6.xml><?xml version="1.0" encoding="utf-8"?>
+<file path=ppt/slides/slide7.xml><?xml version="1.0" encoding="utf-8"?>
 <p:sld xmlns:a="http://schemas.openxmlformats.org/drawingml/2006/main" xmlns:r="http://schemas.openxmlformats.org/officeDocument/2006/relationships" xmlns:p="http://schemas.openxmlformats.org/presentationml/2006/main">
   <p:cSld>
     <p:spTree>
@@ -17995,7 +18400,13 @@
           <p:cNvGraphicFramePr>
             <a:graphicFrameLocks noGrp="1"/>
           </p:cNvGraphicFramePr>
-          <p:nvPr/>
+          <p:nvPr>
+            <p:extLst>
+              <p:ext uri="{D42A27DB-BD31-4B8C-83A1-F6EECF244321}">
+                <p14:modId xmlns:p14="http://schemas.microsoft.com/office/powerpoint/2010/main" val="1200863350"/>
+              </p:ext>
+            </p:extLst>
+          </p:nvPr>
         </p:nvGraphicFramePr>
         <p:xfrm>
           <a:off x="80682" y="71719"/>
@@ -18442,7 +18853,7 @@
                           <a:latin typeface="Arial" panose="020B0604020202020204" pitchFamily="34" charset="0"/>
                           <a:cs typeface="Arial" panose="020B0604020202020204" pitchFamily="34" charset="0"/>
                         </a:rPr>
-                        <a:t>Data </a:t>
+                        <a:t>Data Team No 15</a:t>
                       </a:r>
                     </a:p>
                   </a:txBody>
@@ -19685,7 +20096,7 @@
 </p:sld>
 </file>
 
-<file path=ppt/slides/slide7.xml><?xml version="1.0" encoding="utf-8"?>
+<file path=ppt/slides/slide8.xml><?xml version="1.0" encoding="utf-8"?>
 <p:sld xmlns:a="http://schemas.openxmlformats.org/drawingml/2006/main" xmlns:r="http://schemas.openxmlformats.org/officeDocument/2006/relationships" xmlns:p="http://schemas.openxmlformats.org/presentationml/2006/main">
   <p:cSld>
     <p:bg>
@@ -20521,7 +20932,7 @@
 </p:sld>
 </file>
 
-<file path=ppt/slides/slide8.xml><?xml version="1.0" encoding="utf-8"?>
+<file path=ppt/slides/slide9.xml><?xml version="1.0" encoding="utf-8"?>
 <p:sld xmlns:a="http://schemas.openxmlformats.org/drawingml/2006/main" xmlns:r="http://schemas.openxmlformats.org/officeDocument/2006/relationships" xmlns:p="http://schemas.openxmlformats.org/presentationml/2006/main">
   <p:cSld>
     <p:bg>
@@ -21003,6 +21414,55 @@
           <a:lnRef idx="2">
             <a:schemeClr val="accent1">
               <a:shade val="50000"/>
+            </a:schemeClr>
+          </a:lnRef>
+          <a:fillRef idx="1">
+            <a:schemeClr val="accent1"/>
+          </a:fillRef>
+          <a:effectRef idx="0">
+            <a:schemeClr val="accent1"/>
+          </a:effectRef>
+          <a:fontRef idx="minor">
+            <a:schemeClr val="lt1"/>
+          </a:fontRef>
+        </p:style>
+        <p:txBody>
+          <a:bodyPr rtlCol="0" anchor="ctr"/>
+          <a:lstStyle/>
+          <a:p>
+            <a:pPr algn="ctr"/>
+            <a:endParaRPr lang="en-US"/>
+          </a:p>
+        </p:txBody>
+      </p:sp>
+      <p:sp>
+        <p:nvSpPr>
+          <p:cNvPr id="3" name="Smiley Face 2">
+            <a:extLst>
+              <a:ext uri="{FF2B5EF4-FFF2-40B4-BE49-F238E27FC236}">
+                <a16:creationId xmlns:a16="http://schemas.microsoft.com/office/drawing/2014/main" id="{68860FC2-820D-AA2C-D176-9DB8B8ADE4C1}"/>
+              </a:ext>
+            </a:extLst>
+          </p:cNvPr>
+          <p:cNvSpPr/>
+          <p:nvPr/>
+        </p:nvSpPr>
+        <p:spPr>
+          <a:xfrm>
+            <a:off x="8220451" y="5310973"/>
+            <a:ext cx="675974" cy="686797"/>
+          </a:xfrm>
+          <a:prstGeom prst="smileyFace">
+            <a:avLst/>
+          </a:prstGeom>
+          <a:solidFill>
+            <a:schemeClr val="accent2"/>
+          </a:solidFill>
+        </p:spPr>
+        <p:style>
+          <a:lnRef idx="2">
+            <a:schemeClr val="accent1">
+              <a:shade val="15000"/>
             </a:schemeClr>
           </a:lnRef>
           <a:fillRef idx="1">

--- a/Project_Presentation_Employee_Attrition_Prediction.pptx
+++ b/Project_Presentation_Employee_Attrition_Prediction.pptx
@@ -5,18 +5,21 @@
     <p:sldMasterId id="2147483648" r:id="rId1"/>
   </p:sldMasterIdLst>
   <p:notesMasterIdLst>
-    <p:notesMasterId r:id="rId11"/>
+    <p:notesMasterId r:id="rId14"/>
   </p:notesMasterIdLst>
   <p:sldIdLst>
     <p:sldId id="259" r:id="rId2"/>
     <p:sldId id="263" r:id="rId3"/>
-    <p:sldId id="257" r:id="rId4"/>
-    <p:sldId id="1605" r:id="rId5"/>
-    <p:sldId id="258" r:id="rId6"/>
-    <p:sldId id="261" r:id="rId7"/>
-    <p:sldId id="1603" r:id="rId8"/>
-    <p:sldId id="262" r:id="rId9"/>
-    <p:sldId id="265" r:id="rId10"/>
+    <p:sldId id="1606" r:id="rId4"/>
+    <p:sldId id="1609" r:id="rId5"/>
+    <p:sldId id="1610" r:id="rId6"/>
+    <p:sldId id="257" r:id="rId7"/>
+    <p:sldId id="258" r:id="rId8"/>
+    <p:sldId id="1605" r:id="rId9"/>
+    <p:sldId id="261" r:id="rId10"/>
+    <p:sldId id="1603" r:id="rId11"/>
+    <p:sldId id="262" r:id="rId12"/>
+    <p:sldId id="265" r:id="rId13"/>
   </p:sldIdLst>
   <p:sldSz cx="12192000" cy="6858000"/>
   <p:notesSz cx="6858000" cy="9144000"/>
@@ -11727,7 +11730,7 @@
           <a:p>
             <a:fld id="{D9DC0902-B928-4F0F-BBCD-04DEB66ED9A2}" type="slidenum">
               <a:rPr lang="en-US" smtClean="0"/>
-              <a:t>5</a:t>
+              <a:t>7</a:t>
             </a:fld>
             <a:endParaRPr lang="en-US"/>
           </a:p>
@@ -11811,7 +11814,7 @@
           <a:p>
             <a:fld id="{D9DC0902-B928-4F0F-BBCD-04DEB66ED9A2}" type="slidenum">
               <a:rPr lang="en-US" smtClean="0"/>
-              <a:t>9</a:t>
+              <a:t>12</a:t>
             </a:fld>
             <a:endParaRPr lang="en-US"/>
           </a:p>
@@ -16162,2216 +16165,7 @@
 </p:sld>
 </file>
 
-<file path=ppt/slides/slide2.xml><?xml version="1.0" encoding="utf-8"?>
-<p:sld xmlns:a="http://schemas.openxmlformats.org/drawingml/2006/main" xmlns:r="http://schemas.openxmlformats.org/officeDocument/2006/relationships" xmlns:p="http://schemas.openxmlformats.org/presentationml/2006/main">
-  <p:cSld>
-    <p:bg>
-      <p:bgPr>
-        <a:solidFill>
-          <a:schemeClr val="bg1"/>
-        </a:solidFill>
-        <a:effectLst/>
-      </p:bgPr>
-    </p:bg>
-    <p:spTree>
-      <p:nvGrpSpPr>
-        <p:cNvPr id="1" name=""/>
-        <p:cNvGrpSpPr/>
-        <p:nvPr/>
-      </p:nvGrpSpPr>
-      <p:grpSpPr>
-        <a:xfrm>
-          <a:off x="0" y="0"/>
-          <a:ext cx="0" cy="0"/>
-          <a:chOff x="0" y="0"/>
-          <a:chExt cx="0" cy="0"/>
-        </a:xfrm>
-      </p:grpSpPr>
-      <p:sp useBgFill="1">
-        <p:nvSpPr>
-          <p:cNvPr id="10" name="Rectangle 9">
-            <a:extLst>
-              <a:ext uri="{FF2B5EF4-FFF2-40B4-BE49-F238E27FC236}">
-                <a16:creationId xmlns:a16="http://schemas.microsoft.com/office/drawing/2014/main" id="{B14C2221-2B8C-494D-9442-F812DF4E8794}"/>
-              </a:ext>
-              <a:ext uri="{C183D7F6-B498-43B3-948B-1728B52AA6E4}">
-                <adec:decorative xmlns:adec="http://schemas.microsoft.com/office/drawing/2017/decorative" val="1"/>
-              </a:ext>
-            </a:extLst>
-          </p:cNvPr>
-          <p:cNvSpPr>
-            <a:spLocks noGrp="1" noRot="1" noChangeAspect="1" noMove="1" noResize="1" noEditPoints="1" noAdjustHandles="1" noChangeArrowheads="1" noChangeShapeType="1" noTextEdit="1"/>
-          </p:cNvSpPr>
-          <p:nvPr>
-            <p:extLst>
-              <p:ext uri="{386F3935-93C4-4BCD-93E2-E3B085C9AB24}">
-                <p16:designElem xmlns:p16="http://schemas.microsoft.com/office/powerpoint/2015/main" val="1"/>
-              </p:ext>
-            </p:extLst>
-          </p:nvPr>
-        </p:nvSpPr>
-        <p:spPr>
-          <a:xfrm>
-            <a:off x="0" y="-1"/>
-            <a:ext cx="12188952" cy="6858000"/>
-          </a:xfrm>
-          <a:prstGeom prst="rect">
-            <a:avLst/>
-          </a:prstGeom>
-          <a:ln>
-            <a:noFill/>
-          </a:ln>
-        </p:spPr>
-        <p:style>
-          <a:lnRef idx="2">
-            <a:schemeClr val="accent1">
-              <a:shade val="50000"/>
-            </a:schemeClr>
-          </a:lnRef>
-          <a:fillRef idx="1">
-            <a:schemeClr val="accent1"/>
-          </a:fillRef>
-          <a:effectRef idx="0">
-            <a:schemeClr val="accent1"/>
-          </a:effectRef>
-          <a:fontRef idx="minor">
-            <a:schemeClr val="lt1"/>
-          </a:fontRef>
-        </p:style>
-        <p:txBody>
-          <a:bodyPr rtlCol="0" anchor="ctr"/>
-          <a:lstStyle/>
-          <a:p>
-            <a:pPr algn="ctr"/>
-            <a:endParaRPr lang="en-US"/>
-          </a:p>
-        </p:txBody>
-      </p:sp>
-      <p:sp>
-        <p:nvSpPr>
-          <p:cNvPr id="2" name="Title 1">
-            <a:extLst>
-              <a:ext uri="{FF2B5EF4-FFF2-40B4-BE49-F238E27FC236}">
-                <a16:creationId xmlns:a16="http://schemas.microsoft.com/office/drawing/2014/main" id="{6BCB115F-A4C9-C88F-8A56-3D7373CEDBE5}"/>
-              </a:ext>
-            </a:extLst>
-          </p:cNvPr>
-          <p:cNvSpPr>
-            <a:spLocks noGrp="1"/>
-          </p:cNvSpPr>
-          <p:nvPr>
-            <p:ph type="title"/>
-          </p:nvPr>
-        </p:nvSpPr>
-        <p:spPr>
-          <a:xfrm>
-            <a:off x="838200" y="3513931"/>
-            <a:ext cx="3143250" cy="2601119"/>
-          </a:xfrm>
-        </p:spPr>
-        <p:txBody>
-          <a:bodyPr anchor="t">
-            <a:normAutofit/>
-          </a:bodyPr>
-          <a:lstStyle/>
-          <a:p>
-            <a:pPr algn="ctr"/>
-            <a:r>
-              <a:rPr lang="en-US" sz="4000"/>
-              <a:t>Problem Statement </a:t>
-            </a:r>
-          </a:p>
-        </p:txBody>
-      </p:sp>
-      <p:pic>
-        <p:nvPicPr>
-          <p:cNvPr id="7" name="Graphic 6" descr="Laptop Secure">
-            <a:extLst>
-              <a:ext uri="{FF2B5EF4-FFF2-40B4-BE49-F238E27FC236}">
-                <a16:creationId xmlns:a16="http://schemas.microsoft.com/office/drawing/2014/main" id="{6BF3967B-E333-76E6-4361-5160946468DF}"/>
-              </a:ext>
-            </a:extLst>
-          </p:cNvPr>
-          <p:cNvPicPr>
-            <a:picLocks noChangeAspect="1"/>
-          </p:cNvPicPr>
-          <p:nvPr/>
-        </p:nvPicPr>
-        <p:blipFill>
-          <a:blip r:embed="rId2">
-            <a:extLst>
-              <a:ext uri="{28A0092B-C50C-407E-A947-70E740481C1C}">
-                <a14:useLocalDpi xmlns:a14="http://schemas.microsoft.com/office/drawing/2010/main" val="0"/>
-              </a:ext>
-              <a:ext uri="{96DAC541-7B7A-43D3-8B79-37D633B846F1}">
-                <asvg:svgBlip xmlns:asvg="http://schemas.microsoft.com/office/drawing/2016/SVG/main" r:embed="rId3"/>
-              </a:ext>
-            </a:extLst>
-          </a:blip>
-          <a:stretch>
-            <a:fillRect/>
-          </a:stretch>
-        </p:blipFill>
-        <p:spPr>
-          <a:xfrm>
-            <a:off x="1981200" y="2429670"/>
-            <a:ext cx="914400" cy="914400"/>
-          </a:xfrm>
-          <a:prstGeom prst="rect">
-            <a:avLst/>
-          </a:prstGeom>
-        </p:spPr>
-      </p:pic>
-      <p:sp>
-        <p:nvSpPr>
-          <p:cNvPr id="3" name="Content Placeholder 2">
-            <a:extLst>
-              <a:ext uri="{FF2B5EF4-FFF2-40B4-BE49-F238E27FC236}">
-                <a16:creationId xmlns:a16="http://schemas.microsoft.com/office/drawing/2014/main" id="{9CB38231-4E7A-837B-0AFC-46B68282A407}"/>
-              </a:ext>
-            </a:extLst>
-          </p:cNvPr>
-          <p:cNvSpPr>
-            <a:spLocks noGrp="1"/>
-          </p:cNvSpPr>
-          <p:nvPr>
-            <p:ph idx="1"/>
-          </p:nvPr>
-        </p:nvSpPr>
-        <p:spPr>
-          <a:xfrm>
-            <a:off x="4200652" y="730249"/>
-            <a:ext cx="7153147" cy="5384801"/>
-          </a:xfrm>
-        </p:spPr>
-        <p:txBody>
-          <a:bodyPr anchor="ctr">
-            <a:normAutofit/>
-          </a:bodyPr>
-          <a:lstStyle/>
-          <a:p>
-            <a:pPr marL="0" indent="0">
-              <a:buNone/>
-            </a:pPr>
-            <a:r>
-              <a:rPr lang="en-US" sz="1800" dirty="0">
-                <a:latin typeface="+mn-lt"/>
-              </a:rPr>
-              <a:t>The goal is to predict employee attrition, which is a critical issue for fast-growing organizations. Attrition, caused by resignation leads to economic and operational challenges, including recruitment and training costs</a:t>
-            </a:r>
-            <a:r>
-              <a:rPr lang="en-US" sz="1800" dirty="0"/>
-              <a:t>. Using a predictive model, HR teams can take proactive steps to minimize turnover and improve workforce stability.</a:t>
-            </a:r>
-          </a:p>
-          <a:p>
-            <a:pPr marL="0" indent="0">
-              <a:buNone/>
-            </a:pPr>
-            <a:r>
-              <a:rPr lang="en-US" sz="1800" b="1" dirty="0"/>
-              <a:t>Key Idea : </a:t>
-            </a:r>
-          </a:p>
-          <a:p>
-            <a:r>
-              <a:rPr lang="en-US" sz="1800" dirty="0">
-                <a:latin typeface="+mn-lt"/>
-              </a:rPr>
-              <a:t>Manual methods </a:t>
-            </a:r>
-            <a:r>
-              <a:rPr lang="en-US" sz="1800" dirty="0"/>
-              <a:t>to predict attrition are time-consuming and lack accuracy .</a:t>
-            </a:r>
-            <a:endParaRPr lang="en-US" sz="1800" dirty="0">
-              <a:latin typeface="+mn-lt"/>
-            </a:endParaRPr>
-          </a:p>
-          <a:p>
-            <a:r>
-              <a:rPr lang="en-US" sz="1800" dirty="0"/>
-              <a:t>Use machine learning models to analyze employee data and predict attrition.</a:t>
-            </a:r>
-            <a:r>
-              <a:rPr lang="en-US" sz="1800" dirty="0">
-                <a:latin typeface="+mn-lt"/>
-              </a:rPr>
-              <a:t> </a:t>
-            </a:r>
-          </a:p>
-          <a:p>
-            <a:r>
-              <a:rPr lang="en-US" sz="1800" dirty="0">
-                <a:latin typeface="+mn-lt"/>
-              </a:rPr>
-              <a:t>Identifying employees likely to leave can help organizations take proactive measures.</a:t>
-            </a:r>
-          </a:p>
-        </p:txBody>
-      </p:sp>
-    </p:spTree>
-    <p:extLst>
-      <p:ext uri="{BB962C8B-B14F-4D97-AF65-F5344CB8AC3E}">
-        <p14:creationId xmlns:p14="http://schemas.microsoft.com/office/powerpoint/2010/main" val="1681830628"/>
-      </p:ext>
-    </p:extLst>
-  </p:cSld>
-  <p:clrMapOvr>
-    <a:masterClrMapping/>
-  </p:clrMapOvr>
-</p:sld>
-</file>
-
-<file path=ppt/slides/slide3.xml><?xml version="1.0" encoding="utf-8"?>
-<p:sld xmlns:a="http://schemas.openxmlformats.org/drawingml/2006/main" xmlns:r="http://schemas.openxmlformats.org/officeDocument/2006/relationships" xmlns:p="http://schemas.openxmlformats.org/presentationml/2006/main">
-  <p:cSld>
-    <p:bg>
-      <p:bgPr>
-        <a:solidFill>
-          <a:schemeClr val="bg1"/>
-        </a:solidFill>
-        <a:effectLst/>
-      </p:bgPr>
-    </p:bg>
-    <p:spTree>
-      <p:nvGrpSpPr>
-        <p:cNvPr id="1" name=""/>
-        <p:cNvGrpSpPr/>
-        <p:nvPr/>
-      </p:nvGrpSpPr>
-      <p:grpSpPr>
-        <a:xfrm>
-          <a:off x="0" y="0"/>
-          <a:ext cx="0" cy="0"/>
-          <a:chOff x="0" y="0"/>
-          <a:chExt cx="0" cy="0"/>
-        </a:xfrm>
-      </p:grpSpPr>
-      <p:sp useBgFill="1">
-        <p:nvSpPr>
-          <p:cNvPr id="9" name="Rectangle 8">
-            <a:extLst>
-              <a:ext uri="{FF2B5EF4-FFF2-40B4-BE49-F238E27FC236}">
-                <a16:creationId xmlns:a16="http://schemas.microsoft.com/office/drawing/2014/main" id="{2E442304-DDBD-4F7B-8017-36BCC863FB40}"/>
-              </a:ext>
-              <a:ext uri="{C183D7F6-B498-43B3-948B-1728B52AA6E4}">
-                <adec:decorative xmlns:adec="http://schemas.microsoft.com/office/drawing/2017/decorative" val="1"/>
-              </a:ext>
-            </a:extLst>
-          </p:cNvPr>
-          <p:cNvSpPr>
-            <a:spLocks noGrp="1" noRot="1" noChangeAspect="1" noMove="1" noResize="1" noEditPoints="1" noAdjustHandles="1" noChangeArrowheads="1" noChangeShapeType="1" noTextEdit="1"/>
-          </p:cNvSpPr>
-          <p:nvPr>
-            <p:extLst>
-              <p:ext uri="{386F3935-93C4-4BCD-93E2-E3B085C9AB24}">
-                <p16:designElem xmlns:p16="http://schemas.microsoft.com/office/powerpoint/2015/main" val="1"/>
-              </p:ext>
-            </p:extLst>
-          </p:nvPr>
-        </p:nvSpPr>
-        <p:spPr>
-          <a:xfrm>
-            <a:off x="0" y="0"/>
-            <a:ext cx="12188952" cy="6858000"/>
-          </a:xfrm>
-          <a:prstGeom prst="rect">
-            <a:avLst/>
-          </a:prstGeom>
-          <a:ln>
-            <a:noFill/>
-          </a:ln>
-        </p:spPr>
-        <p:style>
-          <a:lnRef idx="2">
-            <a:schemeClr val="accent1">
-              <a:shade val="50000"/>
-            </a:schemeClr>
-          </a:lnRef>
-          <a:fillRef idx="1">
-            <a:schemeClr val="accent1"/>
-          </a:fillRef>
-          <a:effectRef idx="0">
-            <a:schemeClr val="accent1"/>
-          </a:effectRef>
-          <a:fontRef idx="minor">
-            <a:schemeClr val="lt1"/>
-          </a:fontRef>
-        </p:style>
-        <p:txBody>
-          <a:bodyPr rtlCol="0" anchor="ctr"/>
-          <a:lstStyle/>
-          <a:p>
-            <a:pPr algn="ctr"/>
-            <a:endParaRPr lang="en-US"/>
-          </a:p>
-        </p:txBody>
-      </p:sp>
-      <p:sp>
-        <p:nvSpPr>
-          <p:cNvPr id="2" name="Title 1">
-            <a:extLst>
-              <a:ext uri="{FF2B5EF4-FFF2-40B4-BE49-F238E27FC236}">
-                <a16:creationId xmlns:a16="http://schemas.microsoft.com/office/drawing/2014/main" id="{BF7AE10D-1E53-67AD-D667-6F6890214D33}"/>
-              </a:ext>
-            </a:extLst>
-          </p:cNvPr>
-          <p:cNvSpPr>
-            <a:spLocks noGrp="1"/>
-          </p:cNvSpPr>
-          <p:nvPr>
-            <p:ph type="title"/>
-          </p:nvPr>
-        </p:nvSpPr>
-        <p:spPr>
-          <a:xfrm>
-            <a:off x="635000" y="640823"/>
-            <a:ext cx="3418659" cy="5583148"/>
-          </a:xfrm>
-        </p:spPr>
-        <p:txBody>
-          <a:bodyPr anchor="ctr">
-            <a:normAutofit/>
-          </a:bodyPr>
-          <a:lstStyle/>
-          <a:p>
-            <a:r>
-              <a:rPr lang="en-US" sz="3200" b="1" dirty="0"/>
-              <a:t>Different Model and their f1- Score </a:t>
-            </a:r>
-          </a:p>
-        </p:txBody>
-      </p:sp>
-      <p:sp>
-        <p:nvSpPr>
-          <p:cNvPr id="11" name="sketch line">
-            <a:extLst>
-              <a:ext uri="{FF2B5EF4-FFF2-40B4-BE49-F238E27FC236}">
-                <a16:creationId xmlns:a16="http://schemas.microsoft.com/office/drawing/2014/main" id="{5E107275-3853-46FD-A241-DE4355A42675}"/>
-              </a:ext>
-              <a:ext uri="{C183D7F6-B498-43B3-948B-1728B52AA6E4}">
-                <adec:decorative xmlns:adec="http://schemas.microsoft.com/office/drawing/2017/decorative" val="1"/>
-              </a:ext>
-            </a:extLst>
-          </p:cNvPr>
-          <p:cNvSpPr>
-            <a:spLocks noGrp="1" noRot="1" noChangeAspect="1" noMove="1" noResize="1" noEditPoints="1" noAdjustHandles="1" noChangeArrowheads="1" noChangeShapeType="1" noTextEdit="1"/>
-          </p:cNvSpPr>
-          <p:nvPr>
-            <p:extLst>
-              <p:ext uri="{386F3935-93C4-4BCD-93E2-E3B085C9AB24}">
-                <p16:designElem xmlns:p16="http://schemas.microsoft.com/office/powerpoint/2015/main" val="1"/>
-              </p:ext>
-            </p:extLst>
-          </p:nvPr>
-        </p:nvSpPr>
-        <p:spPr>
-          <a:xfrm rot="5400000">
-            <a:off x="1627450" y="3462719"/>
-            <a:ext cx="5410200" cy="18288"/>
-          </a:xfrm>
-          <a:custGeom>
-            <a:avLst/>
-            <a:gdLst>
-              <a:gd name="connsiteX0" fmla="*/ 0 w 5410200"/>
-              <a:gd name="connsiteY0" fmla="*/ 0 h 18288"/>
-              <a:gd name="connsiteX1" fmla="*/ 568071 w 5410200"/>
-              <a:gd name="connsiteY1" fmla="*/ 0 h 18288"/>
-              <a:gd name="connsiteX2" fmla="*/ 1298448 w 5410200"/>
-              <a:gd name="connsiteY2" fmla="*/ 0 h 18288"/>
-              <a:gd name="connsiteX3" fmla="*/ 1920621 w 5410200"/>
-              <a:gd name="connsiteY3" fmla="*/ 0 h 18288"/>
-              <a:gd name="connsiteX4" fmla="*/ 2488692 w 5410200"/>
-              <a:gd name="connsiteY4" fmla="*/ 0 h 18288"/>
-              <a:gd name="connsiteX5" fmla="*/ 3219069 w 5410200"/>
-              <a:gd name="connsiteY5" fmla="*/ 0 h 18288"/>
-              <a:gd name="connsiteX6" fmla="*/ 3895344 w 5410200"/>
-              <a:gd name="connsiteY6" fmla="*/ 0 h 18288"/>
-              <a:gd name="connsiteX7" fmla="*/ 4571619 w 5410200"/>
-              <a:gd name="connsiteY7" fmla="*/ 0 h 18288"/>
-              <a:gd name="connsiteX8" fmla="*/ 5410200 w 5410200"/>
-              <a:gd name="connsiteY8" fmla="*/ 0 h 18288"/>
-              <a:gd name="connsiteX9" fmla="*/ 5410200 w 5410200"/>
-              <a:gd name="connsiteY9" fmla="*/ 18288 h 18288"/>
-              <a:gd name="connsiteX10" fmla="*/ 4842129 w 5410200"/>
-              <a:gd name="connsiteY10" fmla="*/ 18288 h 18288"/>
-              <a:gd name="connsiteX11" fmla="*/ 4328160 w 5410200"/>
-              <a:gd name="connsiteY11" fmla="*/ 18288 h 18288"/>
-              <a:gd name="connsiteX12" fmla="*/ 3597783 w 5410200"/>
-              <a:gd name="connsiteY12" fmla="*/ 18288 h 18288"/>
-              <a:gd name="connsiteX13" fmla="*/ 3029712 w 5410200"/>
-              <a:gd name="connsiteY13" fmla="*/ 18288 h 18288"/>
-              <a:gd name="connsiteX14" fmla="*/ 2299335 w 5410200"/>
-              <a:gd name="connsiteY14" fmla="*/ 18288 h 18288"/>
-              <a:gd name="connsiteX15" fmla="*/ 1514856 w 5410200"/>
-              <a:gd name="connsiteY15" fmla="*/ 18288 h 18288"/>
-              <a:gd name="connsiteX16" fmla="*/ 892683 w 5410200"/>
-              <a:gd name="connsiteY16" fmla="*/ 18288 h 18288"/>
-              <a:gd name="connsiteX17" fmla="*/ 0 w 5410200"/>
-              <a:gd name="connsiteY17" fmla="*/ 18288 h 18288"/>
-              <a:gd name="connsiteX18" fmla="*/ 0 w 5410200"/>
-              <a:gd name="connsiteY18" fmla="*/ 0 h 18288"/>
-            </a:gdLst>
-            <a:ahLst/>
-            <a:cxnLst>
-              <a:cxn ang="0">
-                <a:pos x="connsiteX0" y="connsiteY0"/>
-              </a:cxn>
-              <a:cxn ang="0">
-                <a:pos x="connsiteX1" y="connsiteY1"/>
-              </a:cxn>
-              <a:cxn ang="0">
-                <a:pos x="connsiteX2" y="connsiteY2"/>
-              </a:cxn>
-              <a:cxn ang="0">
-                <a:pos x="connsiteX3" y="connsiteY3"/>
-              </a:cxn>
-              <a:cxn ang="0">
-                <a:pos x="connsiteX4" y="connsiteY4"/>
-              </a:cxn>
-              <a:cxn ang="0">
-                <a:pos x="connsiteX5" y="connsiteY5"/>
-              </a:cxn>
-              <a:cxn ang="0">
-                <a:pos x="connsiteX6" y="connsiteY6"/>
-              </a:cxn>
-              <a:cxn ang="0">
-                <a:pos x="connsiteX7" y="connsiteY7"/>
-              </a:cxn>
-              <a:cxn ang="0">
-                <a:pos x="connsiteX8" y="connsiteY8"/>
-              </a:cxn>
-              <a:cxn ang="0">
-                <a:pos x="connsiteX9" y="connsiteY9"/>
-              </a:cxn>
-              <a:cxn ang="0">
-                <a:pos x="connsiteX10" y="connsiteY10"/>
-              </a:cxn>
-              <a:cxn ang="0">
-                <a:pos x="connsiteX11" y="connsiteY11"/>
-              </a:cxn>
-              <a:cxn ang="0">
-                <a:pos x="connsiteX12" y="connsiteY12"/>
-              </a:cxn>
-              <a:cxn ang="0">
-                <a:pos x="connsiteX13" y="connsiteY13"/>
-              </a:cxn>
-              <a:cxn ang="0">
-                <a:pos x="connsiteX14" y="connsiteY14"/>
-              </a:cxn>
-              <a:cxn ang="0">
-                <a:pos x="connsiteX15" y="connsiteY15"/>
-              </a:cxn>
-              <a:cxn ang="0">
-                <a:pos x="connsiteX16" y="connsiteY16"/>
-              </a:cxn>
-              <a:cxn ang="0">
-                <a:pos x="connsiteX17" y="connsiteY17"/>
-              </a:cxn>
-              <a:cxn ang="0">
-                <a:pos x="connsiteX18" y="connsiteY18"/>
-              </a:cxn>
-            </a:cxnLst>
-            <a:rect l="l" t="t" r="r" b="b"/>
-            <a:pathLst>
-              <a:path w="5410200" h="18288" fill="none" extrusionOk="0">
-                <a:moveTo>
-                  <a:pt x="0" y="0"/>
-                </a:moveTo>
-                <a:cubicBezTo>
-                  <a:pt x="163050" y="-18707"/>
-                  <a:pt x="319321" y="-16364"/>
-                  <a:pt x="568071" y="0"/>
-                </a:cubicBezTo>
-                <a:cubicBezTo>
-                  <a:pt x="816821" y="16364"/>
-                  <a:pt x="1013224" y="-7268"/>
-                  <a:pt x="1298448" y="0"/>
-                </a:cubicBezTo>
-                <a:cubicBezTo>
-                  <a:pt x="1583672" y="7268"/>
-                  <a:pt x="1631711" y="-3367"/>
-                  <a:pt x="1920621" y="0"/>
-                </a:cubicBezTo>
-                <a:cubicBezTo>
-                  <a:pt x="2209531" y="3367"/>
-                  <a:pt x="2364420" y="-19184"/>
-                  <a:pt x="2488692" y="0"/>
-                </a:cubicBezTo>
-                <a:cubicBezTo>
-                  <a:pt x="2612964" y="19184"/>
-                  <a:pt x="3023298" y="-34627"/>
-                  <a:pt x="3219069" y="0"/>
-                </a:cubicBezTo>
-                <a:cubicBezTo>
-                  <a:pt x="3414840" y="34627"/>
-                  <a:pt x="3656810" y="24043"/>
-                  <a:pt x="3895344" y="0"/>
-                </a:cubicBezTo>
-                <a:cubicBezTo>
-                  <a:pt x="4133879" y="-24043"/>
-                  <a:pt x="4393984" y="-19577"/>
-                  <a:pt x="4571619" y="0"/>
-                </a:cubicBezTo>
-                <a:cubicBezTo>
-                  <a:pt x="4749255" y="19577"/>
-                  <a:pt x="5179928" y="-6281"/>
-                  <a:pt x="5410200" y="0"/>
-                </a:cubicBezTo>
-                <a:cubicBezTo>
-                  <a:pt x="5410730" y="6954"/>
-                  <a:pt x="5410934" y="12839"/>
-                  <a:pt x="5410200" y="18288"/>
-                </a:cubicBezTo>
-                <a:cubicBezTo>
-                  <a:pt x="5139060" y="6751"/>
-                  <a:pt x="5121593" y="31035"/>
-                  <a:pt x="4842129" y="18288"/>
-                </a:cubicBezTo>
-                <a:cubicBezTo>
-                  <a:pt x="4562665" y="5541"/>
-                  <a:pt x="4448273" y="9487"/>
-                  <a:pt x="4328160" y="18288"/>
-                </a:cubicBezTo>
-                <a:cubicBezTo>
-                  <a:pt x="4208047" y="27089"/>
-                  <a:pt x="3760936" y="22567"/>
-                  <a:pt x="3597783" y="18288"/>
-                </a:cubicBezTo>
-                <a:cubicBezTo>
-                  <a:pt x="3434630" y="14009"/>
-                  <a:pt x="3299718" y="33213"/>
-                  <a:pt x="3029712" y="18288"/>
-                </a:cubicBezTo>
-                <a:cubicBezTo>
-                  <a:pt x="2759706" y="3363"/>
-                  <a:pt x="2640159" y="27394"/>
-                  <a:pt x="2299335" y="18288"/>
-                </a:cubicBezTo>
-                <a:cubicBezTo>
-                  <a:pt x="1958511" y="9182"/>
-                  <a:pt x="1801186" y="28985"/>
-                  <a:pt x="1514856" y="18288"/>
-                </a:cubicBezTo>
-                <a:cubicBezTo>
-                  <a:pt x="1228526" y="7591"/>
-                  <a:pt x="1063509" y="-5305"/>
-                  <a:pt x="892683" y="18288"/>
-                </a:cubicBezTo>
-                <a:cubicBezTo>
-                  <a:pt x="721857" y="41881"/>
-                  <a:pt x="186945" y="-20897"/>
-                  <a:pt x="0" y="18288"/>
-                </a:cubicBezTo>
-                <a:cubicBezTo>
-                  <a:pt x="-570" y="9279"/>
-                  <a:pt x="132" y="5100"/>
-                  <a:pt x="0" y="0"/>
-                </a:cubicBezTo>
-                <a:close/>
-              </a:path>
-              <a:path w="5410200" h="18288" stroke="0" extrusionOk="0">
-                <a:moveTo>
-                  <a:pt x="0" y="0"/>
-                </a:moveTo>
-                <a:cubicBezTo>
-                  <a:pt x="285096" y="-4925"/>
-                  <a:pt x="376456" y="22268"/>
-                  <a:pt x="622173" y="0"/>
-                </a:cubicBezTo>
-                <a:cubicBezTo>
-                  <a:pt x="867890" y="-22268"/>
-                  <a:pt x="1031392" y="7228"/>
-                  <a:pt x="1136142" y="0"/>
-                </a:cubicBezTo>
-                <a:cubicBezTo>
-                  <a:pt x="1240892" y="-7228"/>
-                  <a:pt x="1561853" y="9877"/>
-                  <a:pt x="1920621" y="0"/>
-                </a:cubicBezTo>
-                <a:cubicBezTo>
-                  <a:pt x="2279389" y="-9877"/>
-                  <a:pt x="2367255" y="19546"/>
-                  <a:pt x="2542794" y="0"/>
-                </a:cubicBezTo>
-                <a:cubicBezTo>
-                  <a:pt x="2718333" y="-19546"/>
-                  <a:pt x="2866732" y="-22226"/>
-                  <a:pt x="3164967" y="0"/>
-                </a:cubicBezTo>
-                <a:cubicBezTo>
-                  <a:pt x="3463202" y="22226"/>
-                  <a:pt x="3568055" y="-2765"/>
-                  <a:pt x="3949446" y="0"/>
-                </a:cubicBezTo>
-                <a:cubicBezTo>
-                  <a:pt x="4330837" y="2765"/>
-                  <a:pt x="4287895" y="10557"/>
-                  <a:pt x="4517517" y="0"/>
-                </a:cubicBezTo>
-                <a:cubicBezTo>
-                  <a:pt x="4747139" y="-10557"/>
-                  <a:pt x="5149588" y="8716"/>
-                  <a:pt x="5410200" y="0"/>
-                </a:cubicBezTo>
-                <a:cubicBezTo>
-                  <a:pt x="5409517" y="5414"/>
-                  <a:pt x="5409480" y="12510"/>
-                  <a:pt x="5410200" y="18288"/>
-                </a:cubicBezTo>
-                <a:cubicBezTo>
-                  <a:pt x="5163327" y="41494"/>
-                  <a:pt x="5008749" y="10693"/>
-                  <a:pt x="4842129" y="18288"/>
-                </a:cubicBezTo>
-                <a:cubicBezTo>
-                  <a:pt x="4675509" y="25883"/>
-                  <a:pt x="4433401" y="-615"/>
-                  <a:pt x="4165854" y="18288"/>
-                </a:cubicBezTo>
-                <a:cubicBezTo>
-                  <a:pt x="3898308" y="37191"/>
-                  <a:pt x="3809032" y="-8710"/>
-                  <a:pt x="3543681" y="18288"/>
-                </a:cubicBezTo>
-                <a:cubicBezTo>
-                  <a:pt x="3278330" y="45286"/>
-                  <a:pt x="3073876" y="-15917"/>
-                  <a:pt x="2759202" y="18288"/>
-                </a:cubicBezTo>
-                <a:cubicBezTo>
-                  <a:pt x="2444528" y="52493"/>
-                  <a:pt x="2204144" y="3372"/>
-                  <a:pt x="1974723" y="18288"/>
-                </a:cubicBezTo>
-                <a:cubicBezTo>
-                  <a:pt x="1745302" y="33204"/>
-                  <a:pt x="1602335" y="31490"/>
-                  <a:pt x="1406652" y="18288"/>
-                </a:cubicBezTo>
-                <a:cubicBezTo>
-                  <a:pt x="1210969" y="5086"/>
-                  <a:pt x="923948" y="3161"/>
-                  <a:pt x="730377" y="18288"/>
-                </a:cubicBezTo>
-                <a:cubicBezTo>
-                  <a:pt x="536806" y="33415"/>
-                  <a:pt x="336496" y="-141"/>
-                  <a:pt x="0" y="18288"/>
-                </a:cubicBezTo>
-                <a:cubicBezTo>
-                  <a:pt x="-306" y="11061"/>
-                  <a:pt x="-655" y="7751"/>
-                  <a:pt x="0" y="0"/>
-                </a:cubicBezTo>
-                <a:close/>
-              </a:path>
-            </a:pathLst>
-          </a:custGeom>
-          <a:solidFill>
-            <a:schemeClr val="accent2"/>
-          </a:solidFill>
-          <a:ln w="41275" cap="rnd">
-            <a:solidFill>
-              <a:schemeClr val="accent2"/>
-            </a:solidFill>
-            <a:round/>
-            <a:extLst>
-              <a:ext uri="{C807C97D-BFC1-408E-A445-0C87EB9F89A2}">
-                <ask:lineSketchStyleProps xmlns:ask="http://schemas.microsoft.com/office/drawing/2018/sketchyshapes" sd="1219033472">
-                  <a:prstGeom prst="rect">
-                    <a:avLst/>
-                  </a:prstGeom>
-                  <ask:type>
-                    <ask:lineSketchFreehand/>
-                  </ask:type>
-                </ask:lineSketchStyleProps>
-              </a:ext>
-            </a:extLst>
-          </a:ln>
-        </p:spPr>
-        <p:style>
-          <a:lnRef idx="2">
-            <a:schemeClr val="accent1">
-              <a:shade val="50000"/>
-            </a:schemeClr>
-          </a:lnRef>
-          <a:fillRef idx="1">
-            <a:schemeClr val="accent1"/>
-          </a:fillRef>
-          <a:effectRef idx="0">
-            <a:schemeClr val="accent1"/>
-          </a:effectRef>
-          <a:fontRef idx="minor">
-            <a:schemeClr val="lt1"/>
-          </a:fontRef>
-        </p:style>
-        <p:txBody>
-          <a:bodyPr rtlCol="0" anchor="ctr"/>
-          <a:lstStyle/>
-          <a:p>
-            <a:pPr algn="ctr"/>
-            <a:endParaRPr lang="en-US"/>
-          </a:p>
-        </p:txBody>
-      </p:sp>
-      <p:graphicFrame>
-        <p:nvGraphicFramePr>
-          <p:cNvPr id="5" name="Content Placeholder 2">
-            <a:extLst>
-              <a:ext uri="{FF2B5EF4-FFF2-40B4-BE49-F238E27FC236}">
-                <a16:creationId xmlns:a16="http://schemas.microsoft.com/office/drawing/2014/main" id="{CBBC9B08-1EF0-E406-EA77-D399DB680EBD}"/>
-              </a:ext>
-            </a:extLst>
-          </p:cNvPr>
-          <p:cNvGraphicFramePr>
-            <a:graphicFrameLocks noGrp="1"/>
-          </p:cNvGraphicFramePr>
-          <p:nvPr>
-            <p:ph idx="1"/>
-            <p:extLst>
-              <p:ext uri="{D42A27DB-BD31-4B8C-83A1-F6EECF244321}">
-                <p14:modId xmlns:p14="http://schemas.microsoft.com/office/powerpoint/2010/main" val="4028283347"/>
-              </p:ext>
-            </p:extLst>
-          </p:nvPr>
-        </p:nvGraphicFramePr>
-        <p:xfrm>
-          <a:off x="4648018" y="640822"/>
-          <a:ext cx="6900512" cy="5536141"/>
-        </p:xfrm>
-        <a:graphic>
-          <a:graphicData uri="http://schemas.openxmlformats.org/drawingml/2006/diagram">
-            <dgm:relIds xmlns:dgm="http://schemas.openxmlformats.org/drawingml/2006/diagram" xmlns:r="http://schemas.openxmlformats.org/officeDocument/2006/relationships" r:dm="rId2" r:lo="rId3" r:qs="rId4" r:cs="rId5"/>
-          </a:graphicData>
-        </a:graphic>
-      </p:graphicFrame>
-    </p:spTree>
-    <p:extLst>
-      <p:ext uri="{BB962C8B-B14F-4D97-AF65-F5344CB8AC3E}">
-        <p14:creationId xmlns:p14="http://schemas.microsoft.com/office/powerpoint/2010/main" val="2742328153"/>
-      </p:ext>
-    </p:extLst>
-  </p:cSld>
-  <p:clrMapOvr>
-    <a:masterClrMapping/>
-  </p:clrMapOvr>
-</p:sld>
-</file>
-
-<file path=ppt/slides/slide4.xml><?xml version="1.0" encoding="utf-8"?>
-<p:sld xmlns:a="http://schemas.openxmlformats.org/drawingml/2006/main" xmlns:r="http://schemas.openxmlformats.org/officeDocument/2006/relationships" xmlns:p="http://schemas.openxmlformats.org/presentationml/2006/main">
-  <p:cSld>
-    <p:bg>
-      <p:bgPr>
-        <a:solidFill>
-          <a:schemeClr val="bg1"/>
-        </a:solidFill>
-        <a:effectLst/>
-      </p:bgPr>
-    </p:bg>
-    <p:spTree>
-      <p:nvGrpSpPr>
-        <p:cNvPr id="1" name=""/>
-        <p:cNvGrpSpPr/>
-        <p:nvPr/>
-      </p:nvGrpSpPr>
-      <p:grpSpPr>
-        <a:xfrm>
-          <a:off x="0" y="0"/>
-          <a:ext cx="0" cy="0"/>
-          <a:chOff x="0" y="0"/>
-          <a:chExt cx="0" cy="0"/>
-        </a:xfrm>
-      </p:grpSpPr>
-      <p:pic>
-        <p:nvPicPr>
-          <p:cNvPr id="4" name="Picture 3" descr="A blue squares with white text&#10;&#10;Description automatically generated">
-            <a:extLst>
-              <a:ext uri="{FF2B5EF4-FFF2-40B4-BE49-F238E27FC236}">
-                <a16:creationId xmlns:a16="http://schemas.microsoft.com/office/drawing/2014/main" id="{E8CCB4C3-A1E3-C498-4505-DC6818B92938}"/>
-              </a:ext>
-            </a:extLst>
-          </p:cNvPr>
-          <p:cNvPicPr>
-            <a:picLocks noChangeAspect="1"/>
-          </p:cNvPicPr>
-          <p:nvPr/>
-        </p:nvPicPr>
-        <p:blipFill>
-          <a:blip r:embed="rId2"/>
-          <a:stretch>
-            <a:fillRect/>
-          </a:stretch>
-        </p:blipFill>
-        <p:spPr>
-          <a:xfrm>
-            <a:off x="4322200" y="1773903"/>
-            <a:ext cx="3517119" cy="3270920"/>
-          </a:xfrm>
-          <a:prstGeom prst="rect">
-            <a:avLst/>
-          </a:prstGeom>
-        </p:spPr>
-      </p:pic>
-      <p:cxnSp>
-        <p:nvCxnSpPr>
-          <p:cNvPr id="11" name="Straight Connector 10">
-            <a:extLst>
-              <a:ext uri="{FF2B5EF4-FFF2-40B4-BE49-F238E27FC236}">
-                <a16:creationId xmlns:a16="http://schemas.microsoft.com/office/drawing/2014/main" id="{DCD67800-37AC-4E14-89B0-F79DCB3FB86D}"/>
-              </a:ext>
-              <a:ext uri="{C183D7F6-B498-43B3-948B-1728B52AA6E4}">
-                <adec:decorative xmlns:adec="http://schemas.microsoft.com/office/drawing/2017/decorative" val="1"/>
-              </a:ext>
-            </a:extLst>
-          </p:cNvPr>
-          <p:cNvCxnSpPr>
-            <a:cxnSpLocks noGrp="1" noRot="1" noChangeAspect="1" noMove="1" noResize="1" noEditPoints="1" noAdjustHandles="1" noChangeArrowheads="1" noChangeShapeType="1"/>
-          </p:cNvCxnSpPr>
-          <p:nvPr>
-            <p:extLst>
-              <p:ext uri="{386F3935-93C4-4BCD-93E2-E3B085C9AB24}">
-                <p16:designElem xmlns:p16="http://schemas.microsoft.com/office/powerpoint/2015/main" val="1"/>
-              </p:ext>
-            </p:extLst>
-          </p:nvPr>
-        </p:nvCxnSpPr>
-        <p:spPr>
-          <a:xfrm>
-            <a:off x="4165600" y="1573887"/>
-            <a:ext cx="0" cy="3710227"/>
-          </a:xfrm>
-          <a:prstGeom prst="line">
-            <a:avLst/>
-          </a:prstGeom>
-          <a:ln w="19050">
-            <a:solidFill>
-              <a:srgbClr val="7F7F7F"/>
-            </a:solidFill>
-          </a:ln>
-        </p:spPr>
-        <p:style>
-          <a:lnRef idx="1">
-            <a:schemeClr val="accent1"/>
-          </a:lnRef>
-          <a:fillRef idx="0">
-            <a:schemeClr val="accent1"/>
-          </a:fillRef>
-          <a:effectRef idx="0">
-            <a:schemeClr val="accent1"/>
-          </a:effectRef>
-          <a:fontRef idx="minor">
-            <a:schemeClr val="tx1"/>
-          </a:fontRef>
-        </p:style>
-      </p:cxnSp>
-      <p:pic>
-        <p:nvPicPr>
-          <p:cNvPr id="5" name="Content Placeholder 9" descr="A blue squares with white text&#10;&#10;Description automatically generated">
-            <a:extLst>
-              <a:ext uri="{FF2B5EF4-FFF2-40B4-BE49-F238E27FC236}">
-                <a16:creationId xmlns:a16="http://schemas.microsoft.com/office/drawing/2014/main" id="{51257B1A-7131-4C21-57DB-A94CCD2D56AC}"/>
-              </a:ext>
-            </a:extLst>
-          </p:cNvPr>
-          <p:cNvPicPr>
-            <a:picLocks noChangeAspect="1"/>
-          </p:cNvPicPr>
-          <p:nvPr/>
-        </p:nvPicPr>
-        <p:blipFill>
-          <a:blip r:embed="rId3"/>
-          <a:stretch>
-            <a:fillRect/>
-          </a:stretch>
-        </p:blipFill>
-        <p:spPr>
-          <a:xfrm>
-            <a:off x="7869801" y="1790467"/>
-            <a:ext cx="3537345" cy="3254356"/>
-          </a:xfrm>
-          <a:prstGeom prst="rect">
-            <a:avLst/>
-          </a:prstGeom>
-        </p:spPr>
-      </p:pic>
-      <p:cxnSp>
-        <p:nvCxnSpPr>
-          <p:cNvPr id="13" name="Straight Connector 12">
-            <a:extLst>
-              <a:ext uri="{FF2B5EF4-FFF2-40B4-BE49-F238E27FC236}">
-                <a16:creationId xmlns:a16="http://schemas.microsoft.com/office/drawing/2014/main" id="{20F1788F-A5AE-4188-8274-F7F2E3833ECD}"/>
-              </a:ext>
-              <a:ext uri="{C183D7F6-B498-43B3-948B-1728B52AA6E4}">
-                <adec:decorative xmlns:adec="http://schemas.microsoft.com/office/drawing/2017/decorative" val="1"/>
-              </a:ext>
-            </a:extLst>
-          </p:cNvPr>
-          <p:cNvCxnSpPr>
-            <a:cxnSpLocks noGrp="1" noRot="1" noChangeAspect="1" noMove="1" noResize="1" noEditPoints="1" noAdjustHandles="1" noChangeArrowheads="1" noChangeShapeType="1"/>
-          </p:cNvCxnSpPr>
-          <p:nvPr>
-            <p:extLst>
-              <p:ext uri="{386F3935-93C4-4BCD-93E2-E3B085C9AB24}">
-                <p16:designElem xmlns:p16="http://schemas.microsoft.com/office/powerpoint/2015/main" val="1"/>
-              </p:ext>
-            </p:extLst>
-          </p:nvPr>
-        </p:nvCxnSpPr>
-        <p:spPr>
-          <a:xfrm>
-            <a:off x="7995920" y="1573887"/>
-            <a:ext cx="0" cy="3710227"/>
-          </a:xfrm>
-          <a:prstGeom prst="line">
-            <a:avLst/>
-          </a:prstGeom>
-          <a:ln w="19050">
-            <a:solidFill>
-              <a:srgbClr val="7F7F7F"/>
-            </a:solidFill>
-          </a:ln>
-        </p:spPr>
-        <p:style>
-          <a:lnRef idx="1">
-            <a:schemeClr val="accent1"/>
-          </a:lnRef>
-          <a:fillRef idx="0">
-            <a:schemeClr val="accent1"/>
-          </a:fillRef>
-          <a:effectRef idx="0">
-            <a:schemeClr val="accent1"/>
-          </a:effectRef>
-          <a:fontRef idx="minor">
-            <a:schemeClr val="tx1"/>
-          </a:fontRef>
-        </p:style>
-      </p:cxnSp>
-      <p:pic>
-        <p:nvPicPr>
-          <p:cNvPr id="6" name="Content Placeholder 15" descr="A blue and white graph&#10;&#10;Description automatically generated">
-            <a:extLst>
-              <a:ext uri="{FF2B5EF4-FFF2-40B4-BE49-F238E27FC236}">
-                <a16:creationId xmlns:a16="http://schemas.microsoft.com/office/drawing/2014/main" id="{7A9D9373-1E99-1F6B-1EE4-10E10364F865}"/>
-              </a:ext>
-            </a:extLst>
-          </p:cNvPr>
-          <p:cNvPicPr>
-            <a:picLocks noChangeAspect="1"/>
-          </p:cNvPicPr>
-          <p:nvPr/>
-        </p:nvPicPr>
-        <p:blipFill>
-          <a:blip r:embed="rId4"/>
-          <a:stretch>
-            <a:fillRect/>
-          </a:stretch>
-        </p:blipFill>
-        <p:spPr>
-          <a:xfrm>
-            <a:off x="461400" y="1773903"/>
-            <a:ext cx="3517120" cy="3244543"/>
-          </a:xfrm>
-          <a:prstGeom prst="rect">
-            <a:avLst/>
-          </a:prstGeom>
-          <a:solidFill>
-            <a:srgbClr val="FFFFFF">
-              <a:shade val="85000"/>
-            </a:srgbClr>
-          </a:solidFill>
-          <a:scene3d>
-            <a:camera prst="orthographicFront"/>
-            <a:lightRig rig="twoPt" dir="t">
-              <a:rot lat="0" lon="0" rev="7200000"/>
-            </a:lightRig>
-          </a:scene3d>
-          <a:sp3d>
-            <a:bevelT w="25400" h="19050"/>
-            <a:contourClr>
-              <a:srgbClr val="FFFFFF"/>
-            </a:contourClr>
-          </a:sp3d>
-        </p:spPr>
-      </p:pic>
-      <p:sp>
-        <p:nvSpPr>
-          <p:cNvPr id="7" name="&quot;Not Allowed&quot; Symbol 6">
-            <a:extLst>
-              <a:ext uri="{FF2B5EF4-FFF2-40B4-BE49-F238E27FC236}">
-                <a16:creationId xmlns:a16="http://schemas.microsoft.com/office/drawing/2014/main" id="{E1D54D72-ED59-C6A9-1DB3-EE69161881A4}"/>
-              </a:ext>
-            </a:extLst>
-          </p:cNvPr>
-          <p:cNvSpPr/>
-          <p:nvPr/>
-        </p:nvSpPr>
-        <p:spPr>
-          <a:xfrm>
-            <a:off x="1371600" y="4280170"/>
-            <a:ext cx="214009" cy="204281"/>
-          </a:xfrm>
-          <a:prstGeom prst="noSmoking">
-            <a:avLst/>
-          </a:prstGeom>
-          <a:solidFill>
-            <a:schemeClr val="accent2"/>
-          </a:solidFill>
-        </p:spPr>
-        <p:style>
-          <a:lnRef idx="2">
-            <a:schemeClr val="accent1">
-              <a:shade val="15000"/>
-            </a:schemeClr>
-          </a:lnRef>
-          <a:fillRef idx="1">
-            <a:schemeClr val="accent1"/>
-          </a:fillRef>
-          <a:effectRef idx="0">
-            <a:schemeClr val="accent1"/>
-          </a:effectRef>
-          <a:fontRef idx="minor">
-            <a:schemeClr val="lt1"/>
-          </a:fontRef>
-        </p:style>
-        <p:txBody>
-          <a:bodyPr rtlCol="0" anchor="ctr"/>
-          <a:lstStyle/>
-          <a:p>
-            <a:pPr algn="ctr"/>
-            <a:endParaRPr lang="en-US">
-              <a:solidFill>
-                <a:schemeClr val="tx1"/>
-              </a:solidFill>
-            </a:endParaRPr>
-          </a:p>
-        </p:txBody>
-      </p:sp>
-      <p:sp>
-        <p:nvSpPr>
-          <p:cNvPr id="8" name="&quot;Not Allowed&quot; Symbol 7">
-            <a:extLst>
-              <a:ext uri="{FF2B5EF4-FFF2-40B4-BE49-F238E27FC236}">
-                <a16:creationId xmlns:a16="http://schemas.microsoft.com/office/drawing/2014/main" id="{C154E393-62AE-0634-D826-132AEA4DB35B}"/>
-              </a:ext>
-            </a:extLst>
-          </p:cNvPr>
-          <p:cNvSpPr/>
-          <p:nvPr/>
-        </p:nvSpPr>
-        <p:spPr>
-          <a:xfrm>
-            <a:off x="5078998" y="4280170"/>
-            <a:ext cx="214009" cy="204281"/>
-          </a:xfrm>
-          <a:prstGeom prst="noSmoking">
-            <a:avLst/>
-          </a:prstGeom>
-          <a:solidFill>
-            <a:schemeClr val="accent2"/>
-          </a:solidFill>
-        </p:spPr>
-        <p:style>
-          <a:lnRef idx="2">
-            <a:schemeClr val="accent1">
-              <a:shade val="15000"/>
-            </a:schemeClr>
-          </a:lnRef>
-          <a:fillRef idx="1">
-            <a:schemeClr val="accent1"/>
-          </a:fillRef>
-          <a:effectRef idx="0">
-            <a:schemeClr val="accent1"/>
-          </a:effectRef>
-          <a:fontRef idx="minor">
-            <a:schemeClr val="lt1"/>
-          </a:fontRef>
-        </p:style>
-        <p:txBody>
-          <a:bodyPr rtlCol="0" anchor="ctr"/>
-          <a:lstStyle/>
-          <a:p>
-            <a:pPr algn="ctr"/>
-            <a:endParaRPr lang="en-US">
-              <a:solidFill>
-                <a:schemeClr val="tx1"/>
-              </a:solidFill>
-            </a:endParaRPr>
-          </a:p>
-        </p:txBody>
-      </p:sp>
-      <p:sp>
-        <p:nvSpPr>
-          <p:cNvPr id="9" name="Smiley Face 8">
-            <a:extLst>
-              <a:ext uri="{FF2B5EF4-FFF2-40B4-BE49-F238E27FC236}">
-                <a16:creationId xmlns:a16="http://schemas.microsoft.com/office/drawing/2014/main" id="{EBB507D8-7FDC-7945-4CF3-370117E96D55}"/>
-              </a:ext>
-            </a:extLst>
-          </p:cNvPr>
-          <p:cNvSpPr/>
-          <p:nvPr/>
-        </p:nvSpPr>
-        <p:spPr>
-          <a:xfrm>
-            <a:off x="8791470" y="4280170"/>
-            <a:ext cx="214003" cy="204281"/>
-          </a:xfrm>
-          <a:prstGeom prst="smileyFace">
-            <a:avLst/>
-          </a:prstGeom>
-          <a:solidFill>
-            <a:schemeClr val="accent2"/>
-          </a:solidFill>
-        </p:spPr>
-        <p:style>
-          <a:lnRef idx="2">
-            <a:schemeClr val="accent1">
-              <a:shade val="15000"/>
-            </a:schemeClr>
-          </a:lnRef>
-          <a:fillRef idx="1">
-            <a:schemeClr val="accent1"/>
-          </a:fillRef>
-          <a:effectRef idx="0">
-            <a:schemeClr val="accent1"/>
-          </a:effectRef>
-          <a:fontRef idx="minor">
-            <a:schemeClr val="lt1"/>
-          </a:fontRef>
-        </p:style>
-        <p:txBody>
-          <a:bodyPr rtlCol="0" anchor="ctr"/>
-          <a:lstStyle/>
-          <a:p>
-            <a:pPr algn="ctr"/>
-            <a:endParaRPr lang="en-US"/>
-          </a:p>
-        </p:txBody>
-      </p:sp>
-    </p:spTree>
-    <p:extLst>
-      <p:ext uri="{BB962C8B-B14F-4D97-AF65-F5344CB8AC3E}">
-        <p14:creationId xmlns:p14="http://schemas.microsoft.com/office/powerpoint/2010/main" val="3805467070"/>
-      </p:ext>
-    </p:extLst>
-  </p:cSld>
-  <p:clrMapOvr>
-    <a:masterClrMapping/>
-  </p:clrMapOvr>
-</p:sld>
-</file>
-
-<file path=ppt/slides/slide5.xml><?xml version="1.0" encoding="utf-8"?>
-<p:sld xmlns:a="http://schemas.openxmlformats.org/drawingml/2006/main" xmlns:r="http://schemas.openxmlformats.org/officeDocument/2006/relationships" xmlns:p="http://schemas.openxmlformats.org/presentationml/2006/main">
-  <p:cSld>
-    <p:bg>
-      <p:bgPr>
-        <a:solidFill>
-          <a:schemeClr val="bg1"/>
-        </a:solidFill>
-        <a:effectLst/>
-      </p:bgPr>
-    </p:bg>
-    <p:spTree>
-      <p:nvGrpSpPr>
-        <p:cNvPr id="1" name=""/>
-        <p:cNvGrpSpPr/>
-        <p:nvPr/>
-      </p:nvGrpSpPr>
-      <p:grpSpPr>
-        <a:xfrm>
-          <a:off x="0" y="0"/>
-          <a:ext cx="0" cy="0"/>
-          <a:chOff x="0" y="0"/>
-          <a:chExt cx="0" cy="0"/>
-        </a:xfrm>
-      </p:grpSpPr>
-      <p:sp useBgFill="1">
-        <p:nvSpPr>
-          <p:cNvPr id="64" name="Rectangle 63">
-            <a:extLst>
-              <a:ext uri="{FF2B5EF4-FFF2-40B4-BE49-F238E27FC236}">
-                <a16:creationId xmlns:a16="http://schemas.microsoft.com/office/drawing/2014/main" id="{9B7AD9F6-8CE7-4299-8FC6-328F4DCD3FF9}"/>
-              </a:ext>
-              <a:ext uri="{C183D7F6-B498-43B3-948B-1728B52AA6E4}">
-                <adec:decorative xmlns:adec="http://schemas.microsoft.com/office/drawing/2017/decorative" val="1"/>
-              </a:ext>
-            </a:extLst>
-          </p:cNvPr>
-          <p:cNvSpPr>
-            <a:spLocks noGrp="1" noRot="1" noChangeAspect="1" noMove="1" noResize="1" noEditPoints="1" noAdjustHandles="1" noChangeArrowheads="1" noChangeShapeType="1" noTextEdit="1"/>
-          </p:cNvSpPr>
-          <p:nvPr>
-            <p:extLst>
-              <p:ext uri="{386F3935-93C4-4BCD-93E2-E3B085C9AB24}">
-                <p16:designElem xmlns:p16="http://schemas.microsoft.com/office/powerpoint/2015/main" val="1"/>
-              </p:ext>
-            </p:extLst>
-          </p:nvPr>
-        </p:nvSpPr>
-        <p:spPr>
-          <a:xfrm>
-            <a:off x="0" y="0"/>
-            <a:ext cx="12188952" cy="6858000"/>
-          </a:xfrm>
-          <a:prstGeom prst="rect">
-            <a:avLst/>
-          </a:prstGeom>
-          <a:ln>
-            <a:noFill/>
-          </a:ln>
-        </p:spPr>
-        <p:style>
-          <a:lnRef idx="2">
-            <a:schemeClr val="accent1">
-              <a:shade val="50000"/>
-            </a:schemeClr>
-          </a:lnRef>
-          <a:fillRef idx="1">
-            <a:schemeClr val="accent1"/>
-          </a:fillRef>
-          <a:effectRef idx="0">
-            <a:schemeClr val="accent1"/>
-          </a:effectRef>
-          <a:fontRef idx="minor">
-            <a:schemeClr val="lt1"/>
-          </a:fontRef>
-        </p:style>
-        <p:txBody>
-          <a:bodyPr rtlCol="0" anchor="ctr"/>
-          <a:lstStyle/>
-          <a:p>
-            <a:pPr algn="ctr"/>
-            <a:endParaRPr lang="en-US"/>
-          </a:p>
-        </p:txBody>
-      </p:sp>
-      <p:sp>
-        <p:nvSpPr>
-          <p:cNvPr id="2" name="Title 1">
-            <a:extLst>
-              <a:ext uri="{FF2B5EF4-FFF2-40B4-BE49-F238E27FC236}">
-                <a16:creationId xmlns:a16="http://schemas.microsoft.com/office/drawing/2014/main" id="{D16C11D4-3A5E-0FFD-1BE9-E572C80AC527}"/>
-              </a:ext>
-            </a:extLst>
-          </p:cNvPr>
-          <p:cNvSpPr>
-            <a:spLocks noGrp="1"/>
-          </p:cNvSpPr>
-          <p:nvPr>
-            <p:ph type="title"/>
-          </p:nvPr>
-        </p:nvSpPr>
-        <p:spPr>
-          <a:xfrm>
-            <a:off x="890338" y="640080"/>
-            <a:ext cx="3734014" cy="3566160"/>
-          </a:xfrm>
-        </p:spPr>
-        <p:txBody>
-          <a:bodyPr vert="horz" lIns="91440" tIns="45720" rIns="91440" bIns="45720" rtlCol="0" anchor="b">
-            <a:normAutofit/>
-          </a:bodyPr>
-          <a:lstStyle/>
-          <a:p>
-            <a:r>
-              <a:rPr lang="en-US" sz="3200" b="1" dirty="0"/>
-              <a:t>Can this help further improvement ? </a:t>
-            </a:r>
-            <a:br>
-              <a:rPr lang="en-US" sz="2600" dirty="0"/>
-            </a:br>
-            <a:br>
-              <a:rPr lang="en-US" sz="2600" dirty="0"/>
-            </a:br>
-            <a:r>
-              <a:rPr lang="en-US" sz="2000" dirty="0"/>
-              <a:t>If one model is highly accurate, assembling with other model is unlikely to improve the overall accuracy.</a:t>
-            </a:r>
-          </a:p>
-        </p:txBody>
-      </p:sp>
-      <p:sp>
-        <p:nvSpPr>
-          <p:cNvPr id="52" name="sketchy line">
-            <a:extLst>
-              <a:ext uri="{FF2B5EF4-FFF2-40B4-BE49-F238E27FC236}">
-                <a16:creationId xmlns:a16="http://schemas.microsoft.com/office/drawing/2014/main" id="{F49775AF-8896-43EE-92C6-83497D6DC56F}"/>
-              </a:ext>
-              <a:ext uri="{C183D7F6-B498-43B3-948B-1728B52AA6E4}">
-                <adec:decorative xmlns:adec="http://schemas.microsoft.com/office/drawing/2017/decorative" val="1"/>
-              </a:ext>
-            </a:extLst>
-          </p:cNvPr>
-          <p:cNvSpPr>
-            <a:spLocks noGrp="1" noRot="1" noChangeAspect="1" noMove="1" noResize="1" noEditPoints="1" noAdjustHandles="1" noChangeArrowheads="1" noChangeShapeType="1" noTextEdit="1"/>
-          </p:cNvSpPr>
-          <p:nvPr>
-            <p:extLst>
-              <p:ext uri="{386F3935-93C4-4BCD-93E2-E3B085C9AB24}">
-                <p16:designElem xmlns:p16="http://schemas.microsoft.com/office/powerpoint/2015/main" val="1"/>
-              </p:ext>
-            </p:extLst>
-          </p:nvPr>
-        </p:nvSpPr>
-        <p:spPr>
-          <a:xfrm>
-            <a:off x="890338" y="4409267"/>
-            <a:ext cx="3474720" cy="18288"/>
-          </a:xfrm>
-          <a:custGeom>
-            <a:avLst/>
-            <a:gdLst>
-              <a:gd name="connsiteX0" fmla="*/ 0 w 3474720"/>
-              <a:gd name="connsiteY0" fmla="*/ 0 h 18288"/>
-              <a:gd name="connsiteX1" fmla="*/ 694944 w 3474720"/>
-              <a:gd name="connsiteY1" fmla="*/ 0 h 18288"/>
-              <a:gd name="connsiteX2" fmla="*/ 1355141 w 3474720"/>
-              <a:gd name="connsiteY2" fmla="*/ 0 h 18288"/>
-              <a:gd name="connsiteX3" fmla="*/ 2015338 w 3474720"/>
-              <a:gd name="connsiteY3" fmla="*/ 0 h 18288"/>
-              <a:gd name="connsiteX4" fmla="*/ 2779776 w 3474720"/>
-              <a:gd name="connsiteY4" fmla="*/ 0 h 18288"/>
-              <a:gd name="connsiteX5" fmla="*/ 3474720 w 3474720"/>
-              <a:gd name="connsiteY5" fmla="*/ 0 h 18288"/>
-              <a:gd name="connsiteX6" fmla="*/ 3474720 w 3474720"/>
-              <a:gd name="connsiteY6" fmla="*/ 18288 h 18288"/>
-              <a:gd name="connsiteX7" fmla="*/ 2779776 w 3474720"/>
-              <a:gd name="connsiteY7" fmla="*/ 18288 h 18288"/>
-              <a:gd name="connsiteX8" fmla="*/ 2189074 w 3474720"/>
-              <a:gd name="connsiteY8" fmla="*/ 18288 h 18288"/>
-              <a:gd name="connsiteX9" fmla="*/ 1528877 w 3474720"/>
-              <a:gd name="connsiteY9" fmla="*/ 18288 h 18288"/>
-              <a:gd name="connsiteX10" fmla="*/ 868680 w 3474720"/>
-              <a:gd name="connsiteY10" fmla="*/ 18288 h 18288"/>
-              <a:gd name="connsiteX11" fmla="*/ 0 w 3474720"/>
-              <a:gd name="connsiteY11" fmla="*/ 18288 h 18288"/>
-              <a:gd name="connsiteX12" fmla="*/ 0 w 3474720"/>
-              <a:gd name="connsiteY12" fmla="*/ 0 h 18288"/>
-            </a:gdLst>
-            <a:ahLst/>
-            <a:cxnLst>
-              <a:cxn ang="0">
-                <a:pos x="connsiteX0" y="connsiteY0"/>
-              </a:cxn>
-              <a:cxn ang="0">
-                <a:pos x="connsiteX1" y="connsiteY1"/>
-              </a:cxn>
-              <a:cxn ang="0">
-                <a:pos x="connsiteX2" y="connsiteY2"/>
-              </a:cxn>
-              <a:cxn ang="0">
-                <a:pos x="connsiteX3" y="connsiteY3"/>
-              </a:cxn>
-              <a:cxn ang="0">
-                <a:pos x="connsiteX4" y="connsiteY4"/>
-              </a:cxn>
-              <a:cxn ang="0">
-                <a:pos x="connsiteX5" y="connsiteY5"/>
-              </a:cxn>
-              <a:cxn ang="0">
-                <a:pos x="connsiteX6" y="connsiteY6"/>
-              </a:cxn>
-              <a:cxn ang="0">
-                <a:pos x="connsiteX7" y="connsiteY7"/>
-              </a:cxn>
-              <a:cxn ang="0">
-                <a:pos x="connsiteX8" y="connsiteY8"/>
-              </a:cxn>
-              <a:cxn ang="0">
-                <a:pos x="connsiteX9" y="connsiteY9"/>
-              </a:cxn>
-              <a:cxn ang="0">
-                <a:pos x="connsiteX10" y="connsiteY10"/>
-              </a:cxn>
-              <a:cxn ang="0">
-                <a:pos x="connsiteX11" y="connsiteY11"/>
-              </a:cxn>
-              <a:cxn ang="0">
-                <a:pos x="connsiteX12" y="connsiteY12"/>
-              </a:cxn>
-            </a:cxnLst>
-            <a:rect l="l" t="t" r="r" b="b"/>
-            <a:pathLst>
-              <a:path w="3474720" h="18288" fill="none" extrusionOk="0">
-                <a:moveTo>
-                  <a:pt x="0" y="0"/>
-                </a:moveTo>
-                <a:cubicBezTo>
-                  <a:pt x="224454" y="-14544"/>
-                  <a:pt x="495407" y="26540"/>
-                  <a:pt x="694944" y="0"/>
-                </a:cubicBezTo>
-                <a:cubicBezTo>
-                  <a:pt x="894481" y="-26540"/>
-                  <a:pt x="1130063" y="24713"/>
-                  <a:pt x="1355141" y="0"/>
-                </a:cubicBezTo>
-                <a:cubicBezTo>
-                  <a:pt x="1580219" y="-24713"/>
-                  <a:pt x="1820099" y="26695"/>
-                  <a:pt x="2015338" y="0"/>
-                </a:cubicBezTo>
-                <a:cubicBezTo>
-                  <a:pt x="2210577" y="-26695"/>
-                  <a:pt x="2402045" y="165"/>
-                  <a:pt x="2779776" y="0"/>
-                </a:cubicBezTo>
-                <a:cubicBezTo>
-                  <a:pt x="3157507" y="-165"/>
-                  <a:pt x="3286859" y="-15571"/>
-                  <a:pt x="3474720" y="0"/>
-                </a:cubicBezTo>
-                <a:cubicBezTo>
-                  <a:pt x="3474286" y="7551"/>
-                  <a:pt x="3474253" y="9822"/>
-                  <a:pt x="3474720" y="18288"/>
-                </a:cubicBezTo>
-                <a:cubicBezTo>
-                  <a:pt x="3233904" y="29845"/>
-                  <a:pt x="2945134" y="-5256"/>
-                  <a:pt x="2779776" y="18288"/>
-                </a:cubicBezTo>
-                <a:cubicBezTo>
-                  <a:pt x="2614418" y="41832"/>
-                  <a:pt x="2339768" y="22709"/>
-                  <a:pt x="2189074" y="18288"/>
-                </a:cubicBezTo>
-                <a:cubicBezTo>
-                  <a:pt x="2038380" y="13867"/>
-                  <a:pt x="1817434" y="-4947"/>
-                  <a:pt x="1528877" y="18288"/>
-                </a:cubicBezTo>
-                <a:cubicBezTo>
-                  <a:pt x="1240320" y="41523"/>
-                  <a:pt x="1042447" y="37198"/>
-                  <a:pt x="868680" y="18288"/>
-                </a:cubicBezTo>
-                <a:cubicBezTo>
-                  <a:pt x="694913" y="-622"/>
-                  <a:pt x="233232" y="44909"/>
-                  <a:pt x="0" y="18288"/>
-                </a:cubicBezTo>
-                <a:cubicBezTo>
-                  <a:pt x="60" y="11696"/>
-                  <a:pt x="66" y="3758"/>
-                  <a:pt x="0" y="0"/>
-                </a:cubicBezTo>
-                <a:close/>
-              </a:path>
-              <a:path w="3474720" h="18288" stroke="0" extrusionOk="0">
-                <a:moveTo>
-                  <a:pt x="0" y="0"/>
-                </a:moveTo>
-                <a:cubicBezTo>
-                  <a:pt x="202328" y="-14716"/>
-                  <a:pt x="332722" y="-11499"/>
-                  <a:pt x="625450" y="0"/>
-                </a:cubicBezTo>
-                <a:cubicBezTo>
-                  <a:pt x="918178" y="11499"/>
-                  <a:pt x="1096688" y="5123"/>
-                  <a:pt x="1389888" y="0"/>
-                </a:cubicBezTo>
-                <a:cubicBezTo>
-                  <a:pt x="1683088" y="-5123"/>
-                  <a:pt x="1835981" y="-14038"/>
-                  <a:pt x="1980590" y="0"/>
-                </a:cubicBezTo>
-                <a:cubicBezTo>
-                  <a:pt x="2125199" y="14038"/>
-                  <a:pt x="2396099" y="-7203"/>
-                  <a:pt x="2571293" y="0"/>
-                </a:cubicBezTo>
-                <a:cubicBezTo>
-                  <a:pt x="2746487" y="7203"/>
-                  <a:pt x="3041609" y="-12036"/>
-                  <a:pt x="3474720" y="0"/>
-                </a:cubicBezTo>
-                <a:cubicBezTo>
-                  <a:pt x="3474638" y="4406"/>
-                  <a:pt x="3474631" y="9982"/>
-                  <a:pt x="3474720" y="18288"/>
-                </a:cubicBezTo>
-                <a:cubicBezTo>
-                  <a:pt x="3324873" y="21876"/>
-                  <a:pt x="3136771" y="12587"/>
-                  <a:pt x="2814523" y="18288"/>
-                </a:cubicBezTo>
-                <a:cubicBezTo>
-                  <a:pt x="2492275" y="23989"/>
-                  <a:pt x="2294402" y="47111"/>
-                  <a:pt x="2154326" y="18288"/>
-                </a:cubicBezTo>
-                <a:cubicBezTo>
-                  <a:pt x="2014250" y="-10535"/>
-                  <a:pt x="1820317" y="33903"/>
-                  <a:pt x="1494130" y="18288"/>
-                </a:cubicBezTo>
-                <a:cubicBezTo>
-                  <a:pt x="1167943" y="2673"/>
-                  <a:pt x="948432" y="14868"/>
-                  <a:pt x="729691" y="18288"/>
-                </a:cubicBezTo>
-                <a:cubicBezTo>
-                  <a:pt x="510950" y="21708"/>
-                  <a:pt x="264032" y="24354"/>
-                  <a:pt x="0" y="18288"/>
-                </a:cubicBezTo>
-                <a:cubicBezTo>
-                  <a:pt x="189" y="14288"/>
-                  <a:pt x="-703" y="3747"/>
-                  <a:pt x="0" y="0"/>
-                </a:cubicBezTo>
-                <a:close/>
-              </a:path>
-            </a:pathLst>
-          </a:custGeom>
-          <a:solidFill>
-            <a:schemeClr val="accent2"/>
-          </a:solidFill>
-          <a:ln w="44450" cap="rnd">
-            <a:solidFill>
-              <a:schemeClr val="accent2"/>
-            </a:solidFill>
-            <a:round/>
-            <a:extLst>
-              <a:ext uri="{C807C97D-BFC1-408E-A445-0C87EB9F89A2}">
-                <ask:lineSketchStyleProps xmlns:ask="http://schemas.microsoft.com/office/drawing/2018/sketchyshapes" sd="2863741219">
-                  <a:prstGeom prst="rect">
-                    <a:avLst/>
-                  </a:prstGeom>
-                  <ask:type>
-                    <ask:lineSketchFreehand/>
-                  </ask:type>
-                </ask:lineSketchStyleProps>
-              </a:ext>
-            </a:extLst>
-          </a:ln>
-        </p:spPr>
-        <p:style>
-          <a:lnRef idx="2">
-            <a:schemeClr val="accent1">
-              <a:shade val="50000"/>
-            </a:schemeClr>
-          </a:lnRef>
-          <a:fillRef idx="1">
-            <a:schemeClr val="accent1"/>
-          </a:fillRef>
-          <a:effectRef idx="0">
-            <a:schemeClr val="accent1"/>
-          </a:effectRef>
-          <a:fontRef idx="minor">
-            <a:schemeClr val="lt1"/>
-          </a:fontRef>
-        </p:style>
-        <p:txBody>
-          <a:bodyPr rtlCol="0" anchor="ctr"/>
-          <a:lstStyle/>
-          <a:p>
-            <a:pPr algn="ctr"/>
-            <a:endParaRPr lang="en-US"/>
-          </a:p>
-        </p:txBody>
-      </p:sp>
-      <p:graphicFrame>
-        <p:nvGraphicFramePr>
-          <p:cNvPr id="7" name="Content Placeholder 6">
-            <a:extLst>
-              <a:ext uri="{FF2B5EF4-FFF2-40B4-BE49-F238E27FC236}">
-                <a16:creationId xmlns:a16="http://schemas.microsoft.com/office/drawing/2014/main" id="{C4A148F3-207C-4E8D-8EF4-53230AED821A}"/>
-              </a:ext>
-            </a:extLst>
-          </p:cNvPr>
-          <p:cNvGraphicFramePr>
-            <a:graphicFrameLocks noGrp="1"/>
-          </p:cNvGraphicFramePr>
-          <p:nvPr>
-            <p:ph idx="1"/>
-            <p:extLst>
-              <p:ext uri="{D42A27DB-BD31-4B8C-83A1-F6EECF244321}">
-                <p14:modId xmlns:p14="http://schemas.microsoft.com/office/powerpoint/2010/main" val="1382211875"/>
-              </p:ext>
-            </p:extLst>
-          </p:nvPr>
-        </p:nvGraphicFramePr>
-        <p:xfrm>
-          <a:off x="8196585" y="3875499"/>
-          <a:ext cx="3992367" cy="2776536"/>
-        </p:xfrm>
-        <a:graphic>
-          <a:graphicData uri="http://schemas.openxmlformats.org/drawingml/2006/diagram">
-            <dgm:relIds xmlns:dgm="http://schemas.openxmlformats.org/drawingml/2006/diagram" xmlns:r="http://schemas.openxmlformats.org/officeDocument/2006/relationships" r:dm="rId3" r:lo="rId4" r:qs="rId5" r:cs="rId6"/>
-          </a:graphicData>
-        </a:graphic>
-      </p:graphicFrame>
-      <p:graphicFrame>
-        <p:nvGraphicFramePr>
-          <p:cNvPr id="3" name="Content Placeholder 6">
-            <a:extLst>
-              <a:ext uri="{FF2B5EF4-FFF2-40B4-BE49-F238E27FC236}">
-                <a16:creationId xmlns:a16="http://schemas.microsoft.com/office/drawing/2014/main" id="{4FC9D468-9A31-AC54-1240-392FF8B1EE87}"/>
-              </a:ext>
-            </a:extLst>
-          </p:cNvPr>
-          <p:cNvGraphicFramePr>
-            <a:graphicFrameLocks/>
-          </p:cNvGraphicFramePr>
-          <p:nvPr>
-            <p:extLst>
-              <p:ext uri="{D42A27DB-BD31-4B8C-83A1-F6EECF244321}">
-                <p14:modId xmlns:p14="http://schemas.microsoft.com/office/powerpoint/2010/main" val="3707468698"/>
-              </p:ext>
-            </p:extLst>
-          </p:nvPr>
-        </p:nvGraphicFramePr>
-        <p:xfrm>
-          <a:off x="4851305" y="778212"/>
-          <a:ext cx="4876356" cy="3097287"/>
-        </p:xfrm>
-        <a:graphic>
-          <a:graphicData uri="http://schemas.openxmlformats.org/drawingml/2006/diagram">
-            <dgm:relIds xmlns:dgm="http://schemas.openxmlformats.org/drawingml/2006/diagram" xmlns:r="http://schemas.openxmlformats.org/officeDocument/2006/relationships" r:dm="rId8" r:lo="rId9" r:qs="rId10" r:cs="rId11"/>
-          </a:graphicData>
-        </a:graphic>
-      </p:graphicFrame>
-    </p:spTree>
-    <p:extLst>
-      <p:ext uri="{BB962C8B-B14F-4D97-AF65-F5344CB8AC3E}">
-        <p14:creationId xmlns:p14="http://schemas.microsoft.com/office/powerpoint/2010/main" val="320234465"/>
-      </p:ext>
-    </p:extLst>
-  </p:cSld>
-  <p:clrMapOvr>
-    <a:masterClrMapping/>
-  </p:clrMapOvr>
-</p:sld>
-</file>
-
-<file path=ppt/slides/slide6.xml><?xml version="1.0" encoding="utf-8"?>
-<p:sld xmlns:a="http://schemas.openxmlformats.org/drawingml/2006/main" xmlns:r="http://schemas.openxmlformats.org/officeDocument/2006/relationships" xmlns:p="http://schemas.openxmlformats.org/presentationml/2006/main">
-  <p:cSld>
-    <p:bg>
-      <p:bgPr>
-        <a:solidFill>
-          <a:schemeClr val="bg1"/>
-        </a:solidFill>
-        <a:effectLst/>
-      </p:bgPr>
-    </p:bg>
-    <p:spTree>
-      <p:nvGrpSpPr>
-        <p:cNvPr id="1" name=""/>
-        <p:cNvGrpSpPr/>
-        <p:nvPr/>
-      </p:nvGrpSpPr>
-      <p:grpSpPr>
-        <a:xfrm>
-          <a:off x="0" y="0"/>
-          <a:ext cx="0" cy="0"/>
-          <a:chOff x="0" y="0"/>
-          <a:chExt cx="0" cy="0"/>
-        </a:xfrm>
-      </p:grpSpPr>
-      <p:sp useBgFill="1">
-        <p:nvSpPr>
-          <p:cNvPr id="10" name="Rectangle 9">
-            <a:extLst>
-              <a:ext uri="{FF2B5EF4-FFF2-40B4-BE49-F238E27FC236}">
-                <a16:creationId xmlns:a16="http://schemas.microsoft.com/office/drawing/2014/main" id="{743AA782-23D1-4521-8CAD-47662984AA08}"/>
-              </a:ext>
-              <a:ext uri="{C183D7F6-B498-43B3-948B-1728B52AA6E4}">
-                <adec:decorative xmlns:adec="http://schemas.microsoft.com/office/drawing/2017/decorative" val="1"/>
-              </a:ext>
-            </a:extLst>
-          </p:cNvPr>
-          <p:cNvSpPr>
-            <a:spLocks noGrp="1" noRot="1" noChangeAspect="1" noMove="1" noResize="1" noEditPoints="1" noAdjustHandles="1" noChangeArrowheads="1" noChangeShapeType="1" noTextEdit="1"/>
-          </p:cNvSpPr>
-          <p:nvPr>
-            <p:extLst>
-              <p:ext uri="{386F3935-93C4-4BCD-93E2-E3B085C9AB24}">
-                <p16:designElem xmlns:p16="http://schemas.microsoft.com/office/powerpoint/2015/main" val="1"/>
-              </p:ext>
-            </p:extLst>
-          </p:nvPr>
-        </p:nvSpPr>
-        <p:spPr>
-          <a:xfrm>
-            <a:off x="0" y="0"/>
-            <a:ext cx="12192000" cy="6858000"/>
-          </a:xfrm>
-          <a:prstGeom prst="rect">
-            <a:avLst/>
-          </a:prstGeom>
-          <a:ln>
-            <a:noFill/>
-          </a:ln>
-        </p:spPr>
-        <p:style>
-          <a:lnRef idx="2">
-            <a:schemeClr val="accent1">
-              <a:shade val="50000"/>
-            </a:schemeClr>
-          </a:lnRef>
-          <a:fillRef idx="1">
-            <a:schemeClr val="accent1"/>
-          </a:fillRef>
-          <a:effectRef idx="0">
-            <a:schemeClr val="accent1"/>
-          </a:effectRef>
-          <a:fontRef idx="minor">
-            <a:schemeClr val="lt1"/>
-          </a:fontRef>
-        </p:style>
-        <p:txBody>
-          <a:bodyPr rtlCol="0" anchor="ctr"/>
-          <a:lstStyle/>
-          <a:p>
-            <a:pPr algn="ctr"/>
-            <a:endParaRPr lang="en-US"/>
-          </a:p>
-        </p:txBody>
-      </p:sp>
-      <p:sp>
-        <p:nvSpPr>
-          <p:cNvPr id="2" name="Title 1">
-            <a:extLst>
-              <a:ext uri="{FF2B5EF4-FFF2-40B4-BE49-F238E27FC236}">
-                <a16:creationId xmlns:a16="http://schemas.microsoft.com/office/drawing/2014/main" id="{813117B0-1D65-49CA-95E9-828CF423B6A0}"/>
-              </a:ext>
-            </a:extLst>
-          </p:cNvPr>
-          <p:cNvSpPr>
-            <a:spLocks noGrp="1"/>
-          </p:cNvSpPr>
-          <p:nvPr>
-            <p:ph type="title"/>
-          </p:nvPr>
-        </p:nvSpPr>
-        <p:spPr>
-          <a:xfrm>
-            <a:off x="630936" y="640080"/>
-            <a:ext cx="4818888" cy="1481328"/>
-          </a:xfrm>
-        </p:spPr>
-        <p:txBody>
-          <a:bodyPr vert="horz" lIns="91440" tIns="45720" rIns="91440" bIns="45720" rtlCol="0" anchor="b">
-            <a:normAutofit/>
-          </a:bodyPr>
-          <a:lstStyle/>
-          <a:p>
-            <a:r>
-              <a:rPr lang="en-US" sz="3800" b="1" kern="1200" dirty="0">
-                <a:solidFill>
-                  <a:schemeClr val="tx1"/>
-                </a:solidFill>
-                <a:latin typeface="+mj-lt"/>
-                <a:ea typeface="+mj-ea"/>
-                <a:cs typeface="+mj-cs"/>
-              </a:rPr>
-              <a:t>Can we improve using neural network ? </a:t>
-            </a:r>
-          </a:p>
-        </p:txBody>
-      </p:sp>
-      <p:sp>
-        <p:nvSpPr>
-          <p:cNvPr id="12" name="sketch line">
-            <a:extLst>
-              <a:ext uri="{FF2B5EF4-FFF2-40B4-BE49-F238E27FC236}">
-                <a16:creationId xmlns:a16="http://schemas.microsoft.com/office/drawing/2014/main" id="{71877DBC-BB60-40F0-AC93-2ACDBAAE60CE}"/>
-              </a:ext>
-              <a:ext uri="{C183D7F6-B498-43B3-948B-1728B52AA6E4}">
-                <adec:decorative xmlns:adec="http://schemas.microsoft.com/office/drawing/2017/decorative" val="1"/>
-              </a:ext>
-            </a:extLst>
-          </p:cNvPr>
-          <p:cNvSpPr>
-            <a:spLocks noGrp="1" noRot="1" noChangeAspect="1" noMove="1" noResize="1" noEditPoints="1" noAdjustHandles="1" noChangeArrowheads="1" noChangeShapeType="1" noTextEdit="1"/>
-          </p:cNvSpPr>
-          <p:nvPr>
-            <p:extLst>
-              <p:ext uri="{386F3935-93C4-4BCD-93E2-E3B085C9AB24}">
-                <p16:designElem xmlns:p16="http://schemas.microsoft.com/office/powerpoint/2015/main" val="1"/>
-              </p:ext>
-            </p:extLst>
-          </p:nvPr>
-        </p:nvSpPr>
-        <p:spPr>
-          <a:xfrm>
-            <a:off x="643278" y="2372868"/>
-            <a:ext cx="3255095" cy="18288"/>
-          </a:xfrm>
-          <a:custGeom>
-            <a:avLst/>
-            <a:gdLst>
-              <a:gd name="connsiteX0" fmla="*/ 0 w 3255095"/>
-              <a:gd name="connsiteY0" fmla="*/ 0 h 18288"/>
-              <a:gd name="connsiteX1" fmla="*/ 618468 w 3255095"/>
-              <a:gd name="connsiteY1" fmla="*/ 0 h 18288"/>
-              <a:gd name="connsiteX2" fmla="*/ 1269487 w 3255095"/>
-              <a:gd name="connsiteY2" fmla="*/ 0 h 18288"/>
-              <a:gd name="connsiteX3" fmla="*/ 1953057 w 3255095"/>
-              <a:gd name="connsiteY3" fmla="*/ 0 h 18288"/>
-              <a:gd name="connsiteX4" fmla="*/ 2636627 w 3255095"/>
-              <a:gd name="connsiteY4" fmla="*/ 0 h 18288"/>
-              <a:gd name="connsiteX5" fmla="*/ 3255095 w 3255095"/>
-              <a:gd name="connsiteY5" fmla="*/ 0 h 18288"/>
-              <a:gd name="connsiteX6" fmla="*/ 3255095 w 3255095"/>
-              <a:gd name="connsiteY6" fmla="*/ 18288 h 18288"/>
-              <a:gd name="connsiteX7" fmla="*/ 2538974 w 3255095"/>
-              <a:gd name="connsiteY7" fmla="*/ 18288 h 18288"/>
-              <a:gd name="connsiteX8" fmla="*/ 1822853 w 3255095"/>
-              <a:gd name="connsiteY8" fmla="*/ 18288 h 18288"/>
-              <a:gd name="connsiteX9" fmla="*/ 1171834 w 3255095"/>
-              <a:gd name="connsiteY9" fmla="*/ 18288 h 18288"/>
-              <a:gd name="connsiteX10" fmla="*/ 0 w 3255095"/>
-              <a:gd name="connsiteY10" fmla="*/ 18288 h 18288"/>
-              <a:gd name="connsiteX11" fmla="*/ 0 w 3255095"/>
-              <a:gd name="connsiteY11" fmla="*/ 0 h 18288"/>
-            </a:gdLst>
-            <a:ahLst/>
-            <a:cxnLst>
-              <a:cxn ang="0">
-                <a:pos x="connsiteX0" y="connsiteY0"/>
-              </a:cxn>
-              <a:cxn ang="0">
-                <a:pos x="connsiteX1" y="connsiteY1"/>
-              </a:cxn>
-              <a:cxn ang="0">
-                <a:pos x="connsiteX2" y="connsiteY2"/>
-              </a:cxn>
-              <a:cxn ang="0">
-                <a:pos x="connsiteX3" y="connsiteY3"/>
-              </a:cxn>
-              <a:cxn ang="0">
-                <a:pos x="connsiteX4" y="connsiteY4"/>
-              </a:cxn>
-              <a:cxn ang="0">
-                <a:pos x="connsiteX5" y="connsiteY5"/>
-              </a:cxn>
-              <a:cxn ang="0">
-                <a:pos x="connsiteX6" y="connsiteY6"/>
-              </a:cxn>
-              <a:cxn ang="0">
-                <a:pos x="connsiteX7" y="connsiteY7"/>
-              </a:cxn>
-              <a:cxn ang="0">
-                <a:pos x="connsiteX8" y="connsiteY8"/>
-              </a:cxn>
-              <a:cxn ang="0">
-                <a:pos x="connsiteX9" y="connsiteY9"/>
-              </a:cxn>
-              <a:cxn ang="0">
-                <a:pos x="connsiteX10" y="connsiteY10"/>
-              </a:cxn>
-              <a:cxn ang="0">
-                <a:pos x="connsiteX11" y="connsiteY11"/>
-              </a:cxn>
-            </a:cxnLst>
-            <a:rect l="l" t="t" r="r" b="b"/>
-            <a:pathLst>
-              <a:path w="3255095" h="18288" fill="none" extrusionOk="0">
-                <a:moveTo>
-                  <a:pt x="0" y="0"/>
-                </a:moveTo>
-                <a:cubicBezTo>
-                  <a:pt x="240201" y="-22123"/>
-                  <a:pt x="462021" y="-19623"/>
-                  <a:pt x="618468" y="0"/>
-                </a:cubicBezTo>
-                <a:cubicBezTo>
-                  <a:pt x="774915" y="19623"/>
-                  <a:pt x="974734" y="2035"/>
-                  <a:pt x="1269487" y="0"/>
-                </a:cubicBezTo>
-                <a:cubicBezTo>
-                  <a:pt x="1564240" y="-2035"/>
-                  <a:pt x="1733579" y="10639"/>
-                  <a:pt x="1953057" y="0"/>
-                </a:cubicBezTo>
-                <a:cubicBezTo>
-                  <a:pt x="2172535" y="-10639"/>
-                  <a:pt x="2453962" y="14018"/>
-                  <a:pt x="2636627" y="0"/>
-                </a:cubicBezTo>
-                <a:cubicBezTo>
-                  <a:pt x="2819292" y="-14018"/>
-                  <a:pt x="3121375" y="5399"/>
-                  <a:pt x="3255095" y="0"/>
-                </a:cubicBezTo>
-                <a:cubicBezTo>
-                  <a:pt x="3254386" y="8157"/>
-                  <a:pt x="3254682" y="12125"/>
-                  <a:pt x="3255095" y="18288"/>
-                </a:cubicBezTo>
-                <a:cubicBezTo>
-                  <a:pt x="3088545" y="23203"/>
-                  <a:pt x="2687475" y="7419"/>
-                  <a:pt x="2538974" y="18288"/>
-                </a:cubicBezTo>
-                <a:cubicBezTo>
-                  <a:pt x="2390473" y="29157"/>
-                  <a:pt x="2137381" y="-8959"/>
-                  <a:pt x="1822853" y="18288"/>
-                </a:cubicBezTo>
-                <a:cubicBezTo>
-                  <a:pt x="1508325" y="45535"/>
-                  <a:pt x="1466437" y="20385"/>
-                  <a:pt x="1171834" y="18288"/>
-                </a:cubicBezTo>
-                <a:cubicBezTo>
-                  <a:pt x="877231" y="16191"/>
-                  <a:pt x="561097" y="37643"/>
-                  <a:pt x="0" y="18288"/>
-                </a:cubicBezTo>
-                <a:cubicBezTo>
-                  <a:pt x="-46" y="12483"/>
-                  <a:pt x="-203" y="6491"/>
-                  <a:pt x="0" y="0"/>
-                </a:cubicBezTo>
-                <a:close/>
-              </a:path>
-              <a:path w="3255095" h="18288" stroke="0" extrusionOk="0">
-                <a:moveTo>
-                  <a:pt x="0" y="0"/>
-                </a:moveTo>
-                <a:cubicBezTo>
-                  <a:pt x="291965" y="19429"/>
-                  <a:pt x="363155" y="8568"/>
-                  <a:pt x="618468" y="0"/>
-                </a:cubicBezTo>
-                <a:cubicBezTo>
-                  <a:pt x="873781" y="-8568"/>
-                  <a:pt x="904459" y="-19505"/>
-                  <a:pt x="1171834" y="0"/>
-                </a:cubicBezTo>
-                <a:cubicBezTo>
-                  <a:pt x="1439209" y="19505"/>
-                  <a:pt x="1744369" y="9790"/>
-                  <a:pt x="1887955" y="0"/>
-                </a:cubicBezTo>
-                <a:cubicBezTo>
-                  <a:pt x="2031541" y="-9790"/>
-                  <a:pt x="2346378" y="21240"/>
-                  <a:pt x="2506423" y="0"/>
-                </a:cubicBezTo>
-                <a:cubicBezTo>
-                  <a:pt x="2666468" y="-21240"/>
-                  <a:pt x="2990257" y="30414"/>
-                  <a:pt x="3255095" y="0"/>
-                </a:cubicBezTo>
-                <a:cubicBezTo>
-                  <a:pt x="3254831" y="4493"/>
-                  <a:pt x="3255479" y="9472"/>
-                  <a:pt x="3255095" y="18288"/>
-                </a:cubicBezTo>
-                <a:cubicBezTo>
-                  <a:pt x="3120743" y="16690"/>
-                  <a:pt x="2759628" y="42462"/>
-                  <a:pt x="2604076" y="18288"/>
-                </a:cubicBezTo>
-                <a:cubicBezTo>
-                  <a:pt x="2448524" y="-5886"/>
-                  <a:pt x="2184336" y="19599"/>
-                  <a:pt x="1887955" y="18288"/>
-                </a:cubicBezTo>
-                <a:cubicBezTo>
-                  <a:pt x="1591574" y="16977"/>
-                  <a:pt x="1548845" y="6870"/>
-                  <a:pt x="1334589" y="18288"/>
-                </a:cubicBezTo>
-                <a:cubicBezTo>
-                  <a:pt x="1120333" y="29706"/>
-                  <a:pt x="996014" y="9662"/>
-                  <a:pt x="683570" y="18288"/>
-                </a:cubicBezTo>
-                <a:cubicBezTo>
-                  <a:pt x="371126" y="26914"/>
-                  <a:pt x="198687" y="16167"/>
-                  <a:pt x="0" y="18288"/>
-                </a:cubicBezTo>
-                <a:cubicBezTo>
-                  <a:pt x="843" y="9577"/>
-                  <a:pt x="371" y="6900"/>
-                  <a:pt x="0" y="0"/>
-                </a:cubicBezTo>
-                <a:close/>
-              </a:path>
-            </a:pathLst>
-          </a:custGeom>
-          <a:solidFill>
-            <a:schemeClr val="accent2"/>
-          </a:solidFill>
-          <a:ln w="38100" cap="rnd">
-            <a:solidFill>
-              <a:schemeClr val="accent2"/>
-            </a:solidFill>
-            <a:round/>
-            <a:extLst>
-              <a:ext uri="{C807C97D-BFC1-408E-A445-0C87EB9F89A2}">
-                <ask:lineSketchStyleProps xmlns:ask="http://schemas.microsoft.com/office/drawing/2018/sketchyshapes" sd="1219033472">
-                  <a:prstGeom prst="rect">
-                    <a:avLst/>
-                  </a:prstGeom>
-                  <ask:type>
-                    <ask:lineSketchFreehand/>
-                  </ask:type>
-                </ask:lineSketchStyleProps>
-              </a:ext>
-            </a:extLst>
-          </a:ln>
-        </p:spPr>
-        <p:style>
-          <a:lnRef idx="2">
-            <a:schemeClr val="accent1">
-              <a:shade val="50000"/>
-            </a:schemeClr>
-          </a:lnRef>
-          <a:fillRef idx="1">
-            <a:schemeClr val="accent1"/>
-          </a:fillRef>
-          <a:effectRef idx="0">
-            <a:schemeClr val="accent1"/>
-          </a:effectRef>
-          <a:fontRef idx="minor">
-            <a:schemeClr val="lt1"/>
-          </a:fontRef>
-        </p:style>
-        <p:txBody>
-          <a:bodyPr rtlCol="0" anchor="ctr"/>
-          <a:lstStyle/>
-          <a:p>
-            <a:pPr algn="ctr"/>
-            <a:endParaRPr lang="en-US"/>
-          </a:p>
-        </p:txBody>
-      </p:sp>
-      <p:sp>
-        <p:nvSpPr>
-          <p:cNvPr id="4" name="Content Placeholder 3">
-            <a:extLst>
-              <a:ext uri="{FF2B5EF4-FFF2-40B4-BE49-F238E27FC236}">
-                <a16:creationId xmlns:a16="http://schemas.microsoft.com/office/drawing/2014/main" id="{F0364838-53A3-C1E5-BE6F-9E27F00B48DD}"/>
-              </a:ext>
-            </a:extLst>
-          </p:cNvPr>
-          <p:cNvSpPr>
-            <a:spLocks noGrp="1"/>
-          </p:cNvSpPr>
-          <p:nvPr>
-            <p:ph sz="half" idx="2"/>
-          </p:nvPr>
-        </p:nvSpPr>
-        <p:spPr>
-          <a:xfrm>
-            <a:off x="630936" y="2660904"/>
-            <a:ext cx="4818888" cy="3547872"/>
-          </a:xfrm>
-        </p:spPr>
-        <p:txBody>
-          <a:bodyPr vert="horz" lIns="91440" tIns="45720" rIns="91440" bIns="45720" rtlCol="0" anchor="t">
-            <a:normAutofit/>
-          </a:bodyPr>
-          <a:lstStyle/>
-          <a:p>
-            <a:r>
-              <a:rPr lang="en-US" sz="2000" dirty="0"/>
-              <a:t>f1 score 91% in single try . </a:t>
-            </a:r>
-          </a:p>
-          <a:p>
-            <a:r>
-              <a:rPr lang="en-US" sz="2000" dirty="0"/>
-              <a:t>Accuracy reduces when we add more layer and number of neurons in each layer  ( f1 reduces to 61% also )</a:t>
-            </a:r>
-          </a:p>
-          <a:p>
-            <a:r>
-              <a:rPr lang="en-US" sz="2000" b="1" dirty="0"/>
-              <a:t>Random forest is still best for our problem.</a:t>
-            </a:r>
-          </a:p>
-          <a:p>
-            <a:r>
-              <a:rPr lang="en-US" sz="2000" dirty="0"/>
-              <a:t>Even though using sigmoid at the output layer this will not give 0 and 1 directly .</a:t>
-            </a:r>
-          </a:p>
-          <a:p>
-            <a:r>
-              <a:rPr lang="en-US" sz="2000" dirty="0"/>
-              <a:t>Use (</a:t>
-            </a:r>
-            <a:r>
-              <a:rPr lang="en-US" sz="2000" dirty="0" err="1"/>
-              <a:t>y_pred</a:t>
-            </a:r>
-            <a:r>
-              <a:rPr lang="en-US" sz="2000" dirty="0"/>
-              <a:t> &gt; 0.6).</a:t>
-            </a:r>
-            <a:r>
-              <a:rPr lang="en-US" sz="2000" dirty="0" err="1"/>
-              <a:t>astype</a:t>
-            </a:r>
-            <a:r>
-              <a:rPr lang="en-US" sz="2000" dirty="0"/>
-              <a:t>(int) to get binary prediction .</a:t>
-            </a:r>
-          </a:p>
-        </p:txBody>
-      </p:sp>
-      <p:pic>
-        <p:nvPicPr>
-          <p:cNvPr id="5" name="Content Placeholder 4" descr="A screenshot of a computer&#10;&#10;Description automatically generated">
-            <a:extLst>
-              <a:ext uri="{FF2B5EF4-FFF2-40B4-BE49-F238E27FC236}">
-                <a16:creationId xmlns:a16="http://schemas.microsoft.com/office/drawing/2014/main" id="{EA8E0A5F-73AA-27D0-684F-EBD45C094503}"/>
-              </a:ext>
-            </a:extLst>
-          </p:cNvPr>
-          <p:cNvPicPr>
-            <a:picLocks noGrp="1" noChangeAspect="1"/>
-          </p:cNvPicPr>
-          <p:nvPr>
-            <p:ph sz="half" idx="1"/>
-          </p:nvPr>
-        </p:nvPicPr>
-        <p:blipFill>
-          <a:blip r:embed="rId2"/>
-          <a:stretch>
-            <a:fillRect/>
-          </a:stretch>
-        </p:blipFill>
-        <p:spPr>
-          <a:xfrm>
-            <a:off x="6099048" y="1880018"/>
-            <a:ext cx="5458968" cy="3097964"/>
-          </a:xfrm>
-          <a:prstGeom prst="rect">
-            <a:avLst/>
-          </a:prstGeom>
-        </p:spPr>
-      </p:pic>
-    </p:spTree>
-    <p:extLst>
-      <p:ext uri="{BB962C8B-B14F-4D97-AF65-F5344CB8AC3E}">
-        <p14:creationId xmlns:p14="http://schemas.microsoft.com/office/powerpoint/2010/main" val="1295955427"/>
-      </p:ext>
-    </p:extLst>
-  </p:cSld>
-  <p:clrMapOvr>
-    <a:masterClrMapping/>
-  </p:clrMapOvr>
-</p:sld>
-</file>
-
-<file path=ppt/slides/slide7.xml><?xml version="1.0" encoding="utf-8"?>
+<file path=ppt/slides/slide10.xml><?xml version="1.0" encoding="utf-8"?>
 <p:sld xmlns:a="http://schemas.openxmlformats.org/drawingml/2006/main" xmlns:r="http://schemas.openxmlformats.org/officeDocument/2006/relationships" xmlns:p="http://schemas.openxmlformats.org/presentationml/2006/main">
   <p:cSld>
     <p:spTree>
@@ -20096,7 +17890,7 @@
 </p:sld>
 </file>
 
-<file path=ppt/slides/slide8.xml><?xml version="1.0" encoding="utf-8"?>
+<file path=ppt/slides/slide11.xml><?xml version="1.0" encoding="utf-8"?>
 <p:sld xmlns:a="http://schemas.openxmlformats.org/drawingml/2006/main" xmlns:r="http://schemas.openxmlformats.org/officeDocument/2006/relationships" xmlns:p="http://schemas.openxmlformats.org/presentationml/2006/main">
   <p:cSld>
     <p:bg>
@@ -20932,7 +18726,7 @@
 </p:sld>
 </file>
 
-<file path=ppt/slides/slide9.xml><?xml version="1.0" encoding="utf-8"?>
+<file path=ppt/slides/slide12.xml><?xml version="1.0" encoding="utf-8"?>
 <p:sld xmlns:a="http://schemas.openxmlformats.org/drawingml/2006/main" xmlns:r="http://schemas.openxmlformats.org/officeDocument/2006/relationships" xmlns:p="http://schemas.openxmlformats.org/presentationml/2006/main">
   <p:cSld>
     <p:bg>
@@ -21488,6 +19282,3631 @@
     <p:extLst>
       <p:ext uri="{BB962C8B-B14F-4D97-AF65-F5344CB8AC3E}">
         <p14:creationId xmlns:p14="http://schemas.microsoft.com/office/powerpoint/2010/main" val="2346099622"/>
+      </p:ext>
+    </p:extLst>
+  </p:cSld>
+  <p:clrMapOvr>
+    <a:masterClrMapping/>
+  </p:clrMapOvr>
+</p:sld>
+</file>
+
+<file path=ppt/slides/slide2.xml><?xml version="1.0" encoding="utf-8"?>
+<p:sld xmlns:a="http://schemas.openxmlformats.org/drawingml/2006/main" xmlns:r="http://schemas.openxmlformats.org/officeDocument/2006/relationships" xmlns:p="http://schemas.openxmlformats.org/presentationml/2006/main">
+  <p:cSld>
+    <p:bg>
+      <p:bgPr>
+        <a:solidFill>
+          <a:schemeClr val="bg1"/>
+        </a:solidFill>
+        <a:effectLst/>
+      </p:bgPr>
+    </p:bg>
+    <p:spTree>
+      <p:nvGrpSpPr>
+        <p:cNvPr id="1" name=""/>
+        <p:cNvGrpSpPr/>
+        <p:nvPr/>
+      </p:nvGrpSpPr>
+      <p:grpSpPr>
+        <a:xfrm>
+          <a:off x="0" y="0"/>
+          <a:ext cx="0" cy="0"/>
+          <a:chOff x="0" y="0"/>
+          <a:chExt cx="0" cy="0"/>
+        </a:xfrm>
+      </p:grpSpPr>
+      <p:sp useBgFill="1">
+        <p:nvSpPr>
+          <p:cNvPr id="10" name="Rectangle 9">
+            <a:extLst>
+              <a:ext uri="{FF2B5EF4-FFF2-40B4-BE49-F238E27FC236}">
+                <a16:creationId xmlns:a16="http://schemas.microsoft.com/office/drawing/2014/main" id="{B14C2221-2B8C-494D-9442-F812DF4E8794}"/>
+              </a:ext>
+              <a:ext uri="{C183D7F6-B498-43B3-948B-1728B52AA6E4}">
+                <adec:decorative xmlns:adec="http://schemas.microsoft.com/office/drawing/2017/decorative" val="1"/>
+              </a:ext>
+            </a:extLst>
+          </p:cNvPr>
+          <p:cNvSpPr>
+            <a:spLocks noGrp="1" noRot="1" noChangeAspect="1" noMove="1" noResize="1" noEditPoints="1" noAdjustHandles="1" noChangeArrowheads="1" noChangeShapeType="1" noTextEdit="1"/>
+          </p:cNvSpPr>
+          <p:nvPr>
+            <p:extLst>
+              <p:ext uri="{386F3935-93C4-4BCD-93E2-E3B085C9AB24}">
+                <p16:designElem xmlns:p16="http://schemas.microsoft.com/office/powerpoint/2015/main" val="1"/>
+              </p:ext>
+            </p:extLst>
+          </p:nvPr>
+        </p:nvSpPr>
+        <p:spPr>
+          <a:xfrm>
+            <a:off x="0" y="-1"/>
+            <a:ext cx="12188952" cy="6858000"/>
+          </a:xfrm>
+          <a:prstGeom prst="rect">
+            <a:avLst/>
+          </a:prstGeom>
+          <a:ln>
+            <a:noFill/>
+          </a:ln>
+        </p:spPr>
+        <p:style>
+          <a:lnRef idx="2">
+            <a:schemeClr val="accent1">
+              <a:shade val="50000"/>
+            </a:schemeClr>
+          </a:lnRef>
+          <a:fillRef idx="1">
+            <a:schemeClr val="accent1"/>
+          </a:fillRef>
+          <a:effectRef idx="0">
+            <a:schemeClr val="accent1"/>
+          </a:effectRef>
+          <a:fontRef idx="minor">
+            <a:schemeClr val="lt1"/>
+          </a:fontRef>
+        </p:style>
+        <p:txBody>
+          <a:bodyPr rtlCol="0" anchor="ctr"/>
+          <a:lstStyle/>
+          <a:p>
+            <a:pPr algn="ctr"/>
+            <a:endParaRPr lang="en-US"/>
+          </a:p>
+        </p:txBody>
+      </p:sp>
+      <p:sp>
+        <p:nvSpPr>
+          <p:cNvPr id="2" name="Title 1">
+            <a:extLst>
+              <a:ext uri="{FF2B5EF4-FFF2-40B4-BE49-F238E27FC236}">
+                <a16:creationId xmlns:a16="http://schemas.microsoft.com/office/drawing/2014/main" id="{6BCB115F-A4C9-C88F-8A56-3D7373CEDBE5}"/>
+              </a:ext>
+            </a:extLst>
+          </p:cNvPr>
+          <p:cNvSpPr>
+            <a:spLocks noGrp="1"/>
+          </p:cNvSpPr>
+          <p:nvPr>
+            <p:ph type="title"/>
+          </p:nvPr>
+        </p:nvSpPr>
+        <p:spPr>
+          <a:xfrm>
+            <a:off x="838200" y="3513931"/>
+            <a:ext cx="3143250" cy="2601119"/>
+          </a:xfrm>
+        </p:spPr>
+        <p:txBody>
+          <a:bodyPr anchor="t">
+            <a:normAutofit/>
+          </a:bodyPr>
+          <a:lstStyle/>
+          <a:p>
+            <a:pPr algn="ctr"/>
+            <a:r>
+              <a:rPr lang="en-US" sz="4000"/>
+              <a:t>Problem Statement </a:t>
+            </a:r>
+          </a:p>
+        </p:txBody>
+      </p:sp>
+      <p:pic>
+        <p:nvPicPr>
+          <p:cNvPr id="7" name="Graphic 6" descr="Laptop Secure">
+            <a:extLst>
+              <a:ext uri="{FF2B5EF4-FFF2-40B4-BE49-F238E27FC236}">
+                <a16:creationId xmlns:a16="http://schemas.microsoft.com/office/drawing/2014/main" id="{6BF3967B-E333-76E6-4361-5160946468DF}"/>
+              </a:ext>
+            </a:extLst>
+          </p:cNvPr>
+          <p:cNvPicPr>
+            <a:picLocks noChangeAspect="1"/>
+          </p:cNvPicPr>
+          <p:nvPr/>
+        </p:nvPicPr>
+        <p:blipFill>
+          <a:blip r:embed="rId2">
+            <a:extLst>
+              <a:ext uri="{28A0092B-C50C-407E-A947-70E740481C1C}">
+                <a14:useLocalDpi xmlns:a14="http://schemas.microsoft.com/office/drawing/2010/main" val="0"/>
+              </a:ext>
+              <a:ext uri="{96DAC541-7B7A-43D3-8B79-37D633B846F1}">
+                <asvg:svgBlip xmlns:asvg="http://schemas.microsoft.com/office/drawing/2016/SVG/main" r:embed="rId3"/>
+              </a:ext>
+            </a:extLst>
+          </a:blip>
+          <a:stretch>
+            <a:fillRect/>
+          </a:stretch>
+        </p:blipFill>
+        <p:spPr>
+          <a:xfrm>
+            <a:off x="1981200" y="2429670"/>
+            <a:ext cx="914400" cy="914400"/>
+          </a:xfrm>
+          <a:prstGeom prst="rect">
+            <a:avLst/>
+          </a:prstGeom>
+        </p:spPr>
+      </p:pic>
+      <p:sp>
+        <p:nvSpPr>
+          <p:cNvPr id="3" name="Content Placeholder 2">
+            <a:extLst>
+              <a:ext uri="{FF2B5EF4-FFF2-40B4-BE49-F238E27FC236}">
+                <a16:creationId xmlns:a16="http://schemas.microsoft.com/office/drawing/2014/main" id="{9CB38231-4E7A-837B-0AFC-46B68282A407}"/>
+              </a:ext>
+            </a:extLst>
+          </p:cNvPr>
+          <p:cNvSpPr>
+            <a:spLocks noGrp="1"/>
+          </p:cNvSpPr>
+          <p:nvPr>
+            <p:ph idx="1"/>
+          </p:nvPr>
+        </p:nvSpPr>
+        <p:spPr>
+          <a:xfrm>
+            <a:off x="4200652" y="730249"/>
+            <a:ext cx="7153147" cy="5384801"/>
+          </a:xfrm>
+        </p:spPr>
+        <p:txBody>
+          <a:bodyPr anchor="ctr">
+            <a:normAutofit/>
+          </a:bodyPr>
+          <a:lstStyle/>
+          <a:p>
+            <a:pPr marL="0" indent="0">
+              <a:buNone/>
+            </a:pPr>
+            <a:r>
+              <a:rPr lang="en-US" sz="1800" dirty="0">
+                <a:latin typeface="+mn-lt"/>
+              </a:rPr>
+              <a:t>The goal is to predict employee attrition, which is a critical issue for fast-growing organizations. Attrition, caused by resignation leads to economic and operational challenges, including recruitment and training costs</a:t>
+            </a:r>
+            <a:r>
+              <a:rPr lang="en-US" sz="1800" dirty="0"/>
+              <a:t>. Using a predictive model, HR teams can take proactive steps to minimize turnover and improve workforce stability.</a:t>
+            </a:r>
+          </a:p>
+          <a:p>
+            <a:pPr marL="0" indent="0">
+              <a:buNone/>
+            </a:pPr>
+            <a:r>
+              <a:rPr lang="en-US" sz="1800" b="1" dirty="0"/>
+              <a:t>Key Idea : </a:t>
+            </a:r>
+          </a:p>
+          <a:p>
+            <a:r>
+              <a:rPr lang="en-US" sz="1800" dirty="0">
+                <a:latin typeface="+mn-lt"/>
+              </a:rPr>
+              <a:t>Manual methods </a:t>
+            </a:r>
+            <a:r>
+              <a:rPr lang="en-US" sz="1800" dirty="0"/>
+              <a:t>to predict attrition are time-consuming and lack accuracy .</a:t>
+            </a:r>
+            <a:endParaRPr lang="en-US" sz="1800" dirty="0">
+              <a:latin typeface="+mn-lt"/>
+            </a:endParaRPr>
+          </a:p>
+          <a:p>
+            <a:r>
+              <a:rPr lang="en-US" sz="1800" dirty="0"/>
+              <a:t>Use machine learning models to analyze employee data and predict attrition.</a:t>
+            </a:r>
+            <a:r>
+              <a:rPr lang="en-US" sz="1800" dirty="0">
+                <a:latin typeface="+mn-lt"/>
+              </a:rPr>
+              <a:t> </a:t>
+            </a:r>
+          </a:p>
+          <a:p>
+            <a:r>
+              <a:rPr lang="en-US" sz="1800" dirty="0">
+                <a:latin typeface="+mn-lt"/>
+              </a:rPr>
+              <a:t>Identifying employees likely to leave can help organizations take proactive measures.</a:t>
+            </a:r>
+          </a:p>
+        </p:txBody>
+      </p:sp>
+    </p:spTree>
+    <p:extLst>
+      <p:ext uri="{BB962C8B-B14F-4D97-AF65-F5344CB8AC3E}">
+        <p14:creationId xmlns:p14="http://schemas.microsoft.com/office/powerpoint/2010/main" val="1681830628"/>
+      </p:ext>
+    </p:extLst>
+  </p:cSld>
+  <p:clrMapOvr>
+    <a:masterClrMapping/>
+  </p:clrMapOvr>
+</p:sld>
+</file>
+
+<file path=ppt/slides/slide3.xml><?xml version="1.0" encoding="utf-8"?>
+<p:sld xmlns:a="http://schemas.openxmlformats.org/drawingml/2006/main" xmlns:r="http://schemas.openxmlformats.org/officeDocument/2006/relationships" xmlns:p="http://schemas.openxmlformats.org/presentationml/2006/main">
+  <p:cSld>
+    <p:bg>
+      <p:bgPr>
+        <a:solidFill>
+          <a:schemeClr val="bg1"/>
+        </a:solidFill>
+        <a:effectLst/>
+      </p:bgPr>
+    </p:bg>
+    <p:spTree>
+      <p:nvGrpSpPr>
+        <p:cNvPr id="1" name=""/>
+        <p:cNvGrpSpPr/>
+        <p:nvPr/>
+      </p:nvGrpSpPr>
+      <p:grpSpPr>
+        <a:xfrm>
+          <a:off x="0" y="0"/>
+          <a:ext cx="0" cy="0"/>
+          <a:chOff x="0" y="0"/>
+          <a:chExt cx="0" cy="0"/>
+        </a:xfrm>
+      </p:grpSpPr>
+      <p:sp useBgFill="1">
+        <p:nvSpPr>
+          <p:cNvPr id="16" name="Rectangle 15">
+            <a:extLst>
+              <a:ext uri="{FF2B5EF4-FFF2-40B4-BE49-F238E27FC236}">
+                <a16:creationId xmlns:a16="http://schemas.microsoft.com/office/drawing/2014/main" id="{C4879EFC-8E62-4E00-973C-C45EE9EC676D}"/>
+              </a:ext>
+              <a:ext uri="{C183D7F6-B498-43B3-948B-1728B52AA6E4}">
+                <adec:decorative xmlns:adec="http://schemas.microsoft.com/office/drawing/2017/decorative" val="1"/>
+              </a:ext>
+            </a:extLst>
+          </p:cNvPr>
+          <p:cNvSpPr>
+            <a:spLocks noGrp="1" noRot="1" noChangeAspect="1" noMove="1" noResize="1" noEditPoints="1" noAdjustHandles="1" noChangeArrowheads="1" noChangeShapeType="1" noTextEdit="1"/>
+          </p:cNvSpPr>
+          <p:nvPr>
+            <p:extLst>
+              <p:ext uri="{386F3935-93C4-4BCD-93E2-E3B085C9AB24}">
+                <p16:designElem xmlns:p16="http://schemas.microsoft.com/office/powerpoint/2015/main" val="1"/>
+              </p:ext>
+            </p:extLst>
+          </p:nvPr>
+        </p:nvSpPr>
+        <p:spPr>
+          <a:xfrm>
+            <a:off x="0" y="0"/>
+            <a:ext cx="12188952" cy="6858000"/>
+          </a:xfrm>
+          <a:prstGeom prst="rect">
+            <a:avLst/>
+          </a:prstGeom>
+          <a:ln>
+            <a:noFill/>
+          </a:ln>
+        </p:spPr>
+        <p:style>
+          <a:lnRef idx="2">
+            <a:schemeClr val="accent1">
+              <a:shade val="50000"/>
+            </a:schemeClr>
+          </a:lnRef>
+          <a:fillRef idx="1">
+            <a:schemeClr val="accent1"/>
+          </a:fillRef>
+          <a:effectRef idx="0">
+            <a:schemeClr val="accent1"/>
+          </a:effectRef>
+          <a:fontRef idx="minor">
+            <a:schemeClr val="lt1"/>
+          </a:fontRef>
+        </p:style>
+        <p:txBody>
+          <a:bodyPr rtlCol="0" anchor="ctr"/>
+          <a:lstStyle/>
+          <a:p>
+            <a:pPr algn="ctr"/>
+            <a:endParaRPr lang="en-US"/>
+          </a:p>
+        </p:txBody>
+      </p:sp>
+      <p:sp>
+        <p:nvSpPr>
+          <p:cNvPr id="2" name="Title 1">
+            <a:extLst>
+              <a:ext uri="{FF2B5EF4-FFF2-40B4-BE49-F238E27FC236}">
+                <a16:creationId xmlns:a16="http://schemas.microsoft.com/office/drawing/2014/main" id="{6A93A010-1ABF-AC8D-6FBF-9FB0DEAF6792}"/>
+              </a:ext>
+            </a:extLst>
+          </p:cNvPr>
+          <p:cNvSpPr>
+            <a:spLocks noGrp="1"/>
+          </p:cNvSpPr>
+          <p:nvPr>
+            <p:ph type="title"/>
+          </p:nvPr>
+        </p:nvSpPr>
+        <p:spPr>
+          <a:xfrm>
+            <a:off x="638881" y="457200"/>
+            <a:ext cx="10909640" cy="1368614"/>
+          </a:xfrm>
+        </p:spPr>
+        <p:txBody>
+          <a:bodyPr vert="horz" lIns="91440" tIns="45720" rIns="91440" bIns="45720" rtlCol="0" anchor="ctr">
+            <a:normAutofit/>
+          </a:bodyPr>
+          <a:lstStyle/>
+          <a:p>
+            <a:pPr algn="ctr"/>
+            <a:r>
+              <a:rPr lang="en-US" sz="6600" b="1"/>
+              <a:t>Know the Data</a:t>
+            </a:r>
+          </a:p>
+        </p:txBody>
+      </p:sp>
+      <p:sp>
+        <p:nvSpPr>
+          <p:cNvPr id="18" name="sketch line">
+            <a:extLst>
+              <a:ext uri="{FF2B5EF4-FFF2-40B4-BE49-F238E27FC236}">
+                <a16:creationId xmlns:a16="http://schemas.microsoft.com/office/drawing/2014/main" id="{D6A9C53F-5F90-40A5-8C85-5412D39C8C68}"/>
+              </a:ext>
+              <a:ext uri="{C183D7F6-B498-43B3-948B-1728B52AA6E4}">
+                <adec:decorative xmlns:adec="http://schemas.microsoft.com/office/drawing/2017/decorative" val="1"/>
+              </a:ext>
+            </a:extLst>
+          </p:cNvPr>
+          <p:cNvSpPr>
+            <a:spLocks noGrp="1" noRot="1" noChangeAspect="1" noMove="1" noResize="1" noEditPoints="1" noAdjustHandles="1" noChangeArrowheads="1" noChangeShapeType="1" noTextEdit="1"/>
+          </p:cNvSpPr>
+          <p:nvPr>
+            <p:extLst>
+              <p:ext uri="{386F3935-93C4-4BCD-93E2-E3B085C9AB24}">
+                <p16:designElem xmlns:p16="http://schemas.microsoft.com/office/powerpoint/2015/main" val="1"/>
+              </p:ext>
+            </p:extLst>
+          </p:nvPr>
+        </p:nvSpPr>
+        <p:spPr>
+          <a:xfrm>
+            <a:off x="4450080" y="1850683"/>
+            <a:ext cx="3291840" cy="18288"/>
+          </a:xfrm>
+          <a:custGeom>
+            <a:avLst/>
+            <a:gdLst>
+              <a:gd name="connsiteX0" fmla="*/ 0 w 3291840"/>
+              <a:gd name="connsiteY0" fmla="*/ 0 h 18288"/>
+              <a:gd name="connsiteX1" fmla="*/ 658368 w 3291840"/>
+              <a:gd name="connsiteY1" fmla="*/ 0 h 18288"/>
+              <a:gd name="connsiteX2" fmla="*/ 1283818 w 3291840"/>
+              <a:gd name="connsiteY2" fmla="*/ 0 h 18288"/>
+              <a:gd name="connsiteX3" fmla="*/ 1909267 w 3291840"/>
+              <a:gd name="connsiteY3" fmla="*/ 0 h 18288"/>
+              <a:gd name="connsiteX4" fmla="*/ 2633472 w 3291840"/>
+              <a:gd name="connsiteY4" fmla="*/ 0 h 18288"/>
+              <a:gd name="connsiteX5" fmla="*/ 3291840 w 3291840"/>
+              <a:gd name="connsiteY5" fmla="*/ 0 h 18288"/>
+              <a:gd name="connsiteX6" fmla="*/ 3291840 w 3291840"/>
+              <a:gd name="connsiteY6" fmla="*/ 18288 h 18288"/>
+              <a:gd name="connsiteX7" fmla="*/ 2633472 w 3291840"/>
+              <a:gd name="connsiteY7" fmla="*/ 18288 h 18288"/>
+              <a:gd name="connsiteX8" fmla="*/ 2073859 w 3291840"/>
+              <a:gd name="connsiteY8" fmla="*/ 18288 h 18288"/>
+              <a:gd name="connsiteX9" fmla="*/ 1448410 w 3291840"/>
+              <a:gd name="connsiteY9" fmla="*/ 18288 h 18288"/>
+              <a:gd name="connsiteX10" fmla="*/ 822960 w 3291840"/>
+              <a:gd name="connsiteY10" fmla="*/ 18288 h 18288"/>
+              <a:gd name="connsiteX11" fmla="*/ 0 w 3291840"/>
+              <a:gd name="connsiteY11" fmla="*/ 18288 h 18288"/>
+              <a:gd name="connsiteX12" fmla="*/ 0 w 3291840"/>
+              <a:gd name="connsiteY12" fmla="*/ 0 h 18288"/>
+            </a:gdLst>
+            <a:ahLst/>
+            <a:cxnLst>
+              <a:cxn ang="0">
+                <a:pos x="connsiteX0" y="connsiteY0"/>
+              </a:cxn>
+              <a:cxn ang="0">
+                <a:pos x="connsiteX1" y="connsiteY1"/>
+              </a:cxn>
+              <a:cxn ang="0">
+                <a:pos x="connsiteX2" y="connsiteY2"/>
+              </a:cxn>
+              <a:cxn ang="0">
+                <a:pos x="connsiteX3" y="connsiteY3"/>
+              </a:cxn>
+              <a:cxn ang="0">
+                <a:pos x="connsiteX4" y="connsiteY4"/>
+              </a:cxn>
+              <a:cxn ang="0">
+                <a:pos x="connsiteX5" y="connsiteY5"/>
+              </a:cxn>
+              <a:cxn ang="0">
+                <a:pos x="connsiteX6" y="connsiteY6"/>
+              </a:cxn>
+              <a:cxn ang="0">
+                <a:pos x="connsiteX7" y="connsiteY7"/>
+              </a:cxn>
+              <a:cxn ang="0">
+                <a:pos x="connsiteX8" y="connsiteY8"/>
+              </a:cxn>
+              <a:cxn ang="0">
+                <a:pos x="connsiteX9" y="connsiteY9"/>
+              </a:cxn>
+              <a:cxn ang="0">
+                <a:pos x="connsiteX10" y="connsiteY10"/>
+              </a:cxn>
+              <a:cxn ang="0">
+                <a:pos x="connsiteX11" y="connsiteY11"/>
+              </a:cxn>
+              <a:cxn ang="0">
+                <a:pos x="connsiteX12" y="connsiteY12"/>
+              </a:cxn>
+            </a:cxnLst>
+            <a:rect l="l" t="t" r="r" b="b"/>
+            <a:pathLst>
+              <a:path w="3291840" h="18288" fill="none" extrusionOk="0">
+                <a:moveTo>
+                  <a:pt x="0" y="0"/>
+                </a:moveTo>
+                <a:cubicBezTo>
+                  <a:pt x="173077" y="-20031"/>
+                  <a:pt x="443104" y="6424"/>
+                  <a:pt x="658368" y="0"/>
+                </a:cubicBezTo>
+                <a:cubicBezTo>
+                  <a:pt x="873632" y="-6424"/>
+                  <a:pt x="1034028" y="11764"/>
+                  <a:pt x="1283818" y="0"/>
+                </a:cubicBezTo>
+                <a:cubicBezTo>
+                  <a:pt x="1533608" y="-11764"/>
+                  <a:pt x="1691227" y="-30112"/>
+                  <a:pt x="1909267" y="0"/>
+                </a:cubicBezTo>
+                <a:cubicBezTo>
+                  <a:pt x="2127307" y="30112"/>
+                  <a:pt x="2272465" y="-18735"/>
+                  <a:pt x="2633472" y="0"/>
+                </a:cubicBezTo>
+                <a:cubicBezTo>
+                  <a:pt x="2994479" y="18735"/>
+                  <a:pt x="3023324" y="-32030"/>
+                  <a:pt x="3291840" y="0"/>
+                </a:cubicBezTo>
+                <a:cubicBezTo>
+                  <a:pt x="3291406" y="7551"/>
+                  <a:pt x="3291373" y="9822"/>
+                  <a:pt x="3291840" y="18288"/>
+                </a:cubicBezTo>
+                <a:cubicBezTo>
+                  <a:pt x="3048445" y="38989"/>
+                  <a:pt x="2846548" y="-14400"/>
+                  <a:pt x="2633472" y="18288"/>
+                </a:cubicBezTo>
+                <a:cubicBezTo>
+                  <a:pt x="2420396" y="50976"/>
+                  <a:pt x="2304099" y="6336"/>
+                  <a:pt x="2073859" y="18288"/>
+                </a:cubicBezTo>
+                <a:cubicBezTo>
+                  <a:pt x="1843619" y="30240"/>
+                  <a:pt x="1706926" y="10778"/>
+                  <a:pt x="1448410" y="18288"/>
+                </a:cubicBezTo>
+                <a:cubicBezTo>
+                  <a:pt x="1189894" y="25798"/>
+                  <a:pt x="1002278" y="8992"/>
+                  <a:pt x="822960" y="18288"/>
+                </a:cubicBezTo>
+                <a:cubicBezTo>
+                  <a:pt x="643642" y="27585"/>
+                  <a:pt x="307039" y="38051"/>
+                  <a:pt x="0" y="18288"/>
+                </a:cubicBezTo>
+                <a:cubicBezTo>
+                  <a:pt x="60" y="11696"/>
+                  <a:pt x="66" y="3758"/>
+                  <a:pt x="0" y="0"/>
+                </a:cubicBezTo>
+                <a:close/>
+              </a:path>
+              <a:path w="3291840" h="18288" stroke="0" extrusionOk="0">
+                <a:moveTo>
+                  <a:pt x="0" y="0"/>
+                </a:moveTo>
+                <a:cubicBezTo>
+                  <a:pt x="195850" y="28018"/>
+                  <a:pt x="434891" y="17390"/>
+                  <a:pt x="592531" y="0"/>
+                </a:cubicBezTo>
+                <a:cubicBezTo>
+                  <a:pt x="750171" y="-17390"/>
+                  <a:pt x="1018709" y="32200"/>
+                  <a:pt x="1316736" y="0"/>
+                </a:cubicBezTo>
+                <a:cubicBezTo>
+                  <a:pt x="1614763" y="-32200"/>
+                  <a:pt x="1696480" y="-11367"/>
+                  <a:pt x="1876349" y="0"/>
+                </a:cubicBezTo>
+                <a:cubicBezTo>
+                  <a:pt x="2056218" y="11367"/>
+                  <a:pt x="2193364" y="13433"/>
+                  <a:pt x="2435962" y="0"/>
+                </a:cubicBezTo>
+                <a:cubicBezTo>
+                  <a:pt x="2678560" y="-13433"/>
+                  <a:pt x="3010901" y="-42367"/>
+                  <a:pt x="3291840" y="0"/>
+                </a:cubicBezTo>
+                <a:cubicBezTo>
+                  <a:pt x="3291758" y="4406"/>
+                  <a:pt x="3291751" y="9982"/>
+                  <a:pt x="3291840" y="18288"/>
+                </a:cubicBezTo>
+                <a:cubicBezTo>
+                  <a:pt x="3108993" y="14228"/>
+                  <a:pt x="2952658" y="46900"/>
+                  <a:pt x="2666390" y="18288"/>
+                </a:cubicBezTo>
+                <a:cubicBezTo>
+                  <a:pt x="2380122" y="-10324"/>
+                  <a:pt x="2263855" y="41055"/>
+                  <a:pt x="2040941" y="18288"/>
+                </a:cubicBezTo>
+                <a:cubicBezTo>
+                  <a:pt x="1818027" y="-4479"/>
+                  <a:pt x="1675097" y="6509"/>
+                  <a:pt x="1415491" y="18288"/>
+                </a:cubicBezTo>
+                <a:cubicBezTo>
+                  <a:pt x="1155885" y="30068"/>
+                  <a:pt x="852976" y="36210"/>
+                  <a:pt x="691286" y="18288"/>
+                </a:cubicBezTo>
+                <a:cubicBezTo>
+                  <a:pt x="529596" y="366"/>
+                  <a:pt x="187183" y="13912"/>
+                  <a:pt x="0" y="18288"/>
+                </a:cubicBezTo>
+                <a:cubicBezTo>
+                  <a:pt x="189" y="14288"/>
+                  <a:pt x="-703" y="3747"/>
+                  <a:pt x="0" y="0"/>
+                </a:cubicBezTo>
+                <a:close/>
+              </a:path>
+            </a:pathLst>
+          </a:custGeom>
+          <a:solidFill>
+            <a:schemeClr val="accent2"/>
+          </a:solidFill>
+          <a:ln w="41275" cap="rnd">
+            <a:solidFill>
+              <a:schemeClr val="accent2"/>
+            </a:solidFill>
+            <a:round/>
+            <a:extLst>
+              <a:ext uri="{C807C97D-BFC1-408E-A445-0C87EB9F89A2}">
+                <ask:lineSketchStyleProps xmlns:ask="http://schemas.microsoft.com/office/drawing/2018/sketchyshapes" sd="2863741219">
+                  <a:prstGeom prst="rect">
+                    <a:avLst/>
+                  </a:prstGeom>
+                  <ask:type>
+                    <ask:lineSketchFreehand/>
+                  </ask:type>
+                </ask:lineSketchStyleProps>
+              </a:ext>
+            </a:extLst>
+          </a:ln>
+        </p:spPr>
+        <p:style>
+          <a:lnRef idx="2">
+            <a:schemeClr val="accent1">
+              <a:shade val="50000"/>
+            </a:schemeClr>
+          </a:lnRef>
+          <a:fillRef idx="1">
+            <a:schemeClr val="accent1"/>
+          </a:fillRef>
+          <a:effectRef idx="0">
+            <a:schemeClr val="accent1"/>
+          </a:effectRef>
+          <a:fontRef idx="minor">
+            <a:schemeClr val="lt1"/>
+          </a:fontRef>
+        </p:style>
+        <p:txBody>
+          <a:bodyPr rtlCol="0" anchor="ctr"/>
+          <a:lstStyle/>
+          <a:p>
+            <a:pPr algn="ctr"/>
+            <a:endParaRPr lang="en-US"/>
+          </a:p>
+        </p:txBody>
+      </p:sp>
+      <p:pic>
+        <p:nvPicPr>
+          <p:cNvPr id="5" name="Content Placeholder 4">
+            <a:extLst>
+              <a:ext uri="{FF2B5EF4-FFF2-40B4-BE49-F238E27FC236}">
+                <a16:creationId xmlns:a16="http://schemas.microsoft.com/office/drawing/2014/main" id="{6AF20CBA-B516-9726-3537-9FB2251AF375}"/>
+              </a:ext>
+            </a:extLst>
+          </p:cNvPr>
+          <p:cNvPicPr>
+            <a:picLocks noGrp="1" noChangeAspect="1"/>
+          </p:cNvPicPr>
+          <p:nvPr>
+            <p:ph idx="1"/>
+          </p:nvPr>
+        </p:nvPicPr>
+        <p:blipFill>
+          <a:blip r:embed="rId2"/>
+          <a:stretch>
+            <a:fillRect/>
+          </a:stretch>
+        </p:blipFill>
+        <p:spPr>
+          <a:xfrm>
+            <a:off x="412444" y="1948704"/>
+            <a:ext cx="4426283" cy="4608584"/>
+          </a:xfrm>
+          <a:prstGeom prst="rect">
+            <a:avLst/>
+          </a:prstGeom>
+        </p:spPr>
+      </p:pic>
+      <p:pic>
+        <p:nvPicPr>
+          <p:cNvPr id="11" name="Picture 10">
+            <a:extLst>
+              <a:ext uri="{FF2B5EF4-FFF2-40B4-BE49-F238E27FC236}">
+                <a16:creationId xmlns:a16="http://schemas.microsoft.com/office/drawing/2014/main" id="{00C7AFAE-3CDB-4498-6879-D724DCB0E137}"/>
+              </a:ext>
+            </a:extLst>
+          </p:cNvPr>
+          <p:cNvPicPr>
+            <a:picLocks noChangeAspect="1"/>
+          </p:cNvPicPr>
+          <p:nvPr/>
+        </p:nvPicPr>
+        <p:blipFill>
+          <a:blip r:embed="rId3"/>
+          <a:stretch>
+            <a:fillRect/>
+          </a:stretch>
+        </p:blipFill>
+        <p:spPr>
+          <a:xfrm>
+            <a:off x="5637125" y="2048303"/>
+            <a:ext cx="6389156" cy="4472409"/>
+          </a:xfrm>
+          <a:prstGeom prst="rect">
+            <a:avLst/>
+          </a:prstGeom>
+        </p:spPr>
+      </p:pic>
+    </p:spTree>
+    <p:extLst>
+      <p:ext uri="{BB962C8B-B14F-4D97-AF65-F5344CB8AC3E}">
+        <p14:creationId xmlns:p14="http://schemas.microsoft.com/office/powerpoint/2010/main" val="2284510628"/>
+      </p:ext>
+    </p:extLst>
+  </p:cSld>
+  <p:clrMapOvr>
+    <a:masterClrMapping/>
+  </p:clrMapOvr>
+</p:sld>
+</file>
+
+<file path=ppt/slides/slide4.xml><?xml version="1.0" encoding="utf-8"?>
+<p:sld xmlns:a="http://schemas.openxmlformats.org/drawingml/2006/main" xmlns:r="http://schemas.openxmlformats.org/officeDocument/2006/relationships" xmlns:p="http://schemas.openxmlformats.org/presentationml/2006/main">
+  <p:cSld>
+    <p:bg>
+      <p:bgPr>
+        <a:solidFill>
+          <a:schemeClr val="bg1"/>
+        </a:solidFill>
+        <a:effectLst/>
+      </p:bgPr>
+    </p:bg>
+    <p:spTree>
+      <p:nvGrpSpPr>
+        <p:cNvPr id="1" name=""/>
+        <p:cNvGrpSpPr/>
+        <p:nvPr/>
+      </p:nvGrpSpPr>
+      <p:grpSpPr>
+        <a:xfrm>
+          <a:off x="0" y="0"/>
+          <a:ext cx="0" cy="0"/>
+          <a:chOff x="0" y="0"/>
+          <a:chExt cx="0" cy="0"/>
+        </a:xfrm>
+      </p:grpSpPr>
+      <p:sp useBgFill="1">
+        <p:nvSpPr>
+          <p:cNvPr id="14" name="Rectangle 13">
+            <a:extLst>
+              <a:ext uri="{FF2B5EF4-FFF2-40B4-BE49-F238E27FC236}">
+                <a16:creationId xmlns:a16="http://schemas.microsoft.com/office/drawing/2014/main" id="{C4879EFC-8E62-4E00-973C-C45EE9EC676D}"/>
+              </a:ext>
+              <a:ext uri="{C183D7F6-B498-43B3-948B-1728B52AA6E4}">
+                <adec:decorative xmlns:adec="http://schemas.microsoft.com/office/drawing/2017/decorative" val="1"/>
+              </a:ext>
+            </a:extLst>
+          </p:cNvPr>
+          <p:cNvSpPr>
+            <a:spLocks noGrp="1" noRot="1" noChangeAspect="1" noMove="1" noResize="1" noEditPoints="1" noAdjustHandles="1" noChangeArrowheads="1" noChangeShapeType="1" noTextEdit="1"/>
+          </p:cNvSpPr>
+          <p:nvPr>
+            <p:extLst>
+              <p:ext uri="{386F3935-93C4-4BCD-93E2-E3B085C9AB24}">
+                <p16:designElem xmlns:p16="http://schemas.microsoft.com/office/powerpoint/2015/main" val="1"/>
+              </p:ext>
+            </p:extLst>
+          </p:nvPr>
+        </p:nvSpPr>
+        <p:spPr>
+          <a:xfrm>
+            <a:off x="0" y="0"/>
+            <a:ext cx="12188952" cy="6858000"/>
+          </a:xfrm>
+          <a:prstGeom prst="rect">
+            <a:avLst/>
+          </a:prstGeom>
+          <a:ln>
+            <a:noFill/>
+          </a:ln>
+        </p:spPr>
+        <p:style>
+          <a:lnRef idx="2">
+            <a:schemeClr val="accent1">
+              <a:shade val="50000"/>
+            </a:schemeClr>
+          </a:lnRef>
+          <a:fillRef idx="1">
+            <a:schemeClr val="accent1"/>
+          </a:fillRef>
+          <a:effectRef idx="0">
+            <a:schemeClr val="accent1"/>
+          </a:effectRef>
+          <a:fontRef idx="minor">
+            <a:schemeClr val="lt1"/>
+          </a:fontRef>
+        </p:style>
+        <p:txBody>
+          <a:bodyPr rtlCol="0" anchor="ctr"/>
+          <a:lstStyle/>
+          <a:p>
+            <a:pPr algn="ctr"/>
+            <a:endParaRPr lang="en-US"/>
+          </a:p>
+        </p:txBody>
+      </p:sp>
+      <p:sp>
+        <p:nvSpPr>
+          <p:cNvPr id="2" name="Title 1">
+            <a:extLst>
+              <a:ext uri="{FF2B5EF4-FFF2-40B4-BE49-F238E27FC236}">
+                <a16:creationId xmlns:a16="http://schemas.microsoft.com/office/drawing/2014/main" id="{3A28765D-2052-4A9E-855A-66D72BB56D20}"/>
+              </a:ext>
+            </a:extLst>
+          </p:cNvPr>
+          <p:cNvSpPr>
+            <a:spLocks noGrp="1"/>
+          </p:cNvSpPr>
+          <p:nvPr>
+            <p:ph type="title"/>
+          </p:nvPr>
+        </p:nvSpPr>
+        <p:spPr>
+          <a:xfrm>
+            <a:off x="638881" y="457200"/>
+            <a:ext cx="10909640" cy="1368614"/>
+          </a:xfrm>
+        </p:spPr>
+        <p:txBody>
+          <a:bodyPr vert="horz" lIns="91440" tIns="45720" rIns="91440" bIns="45720" rtlCol="0" anchor="ctr">
+            <a:normAutofit/>
+          </a:bodyPr>
+          <a:lstStyle/>
+          <a:p>
+            <a:pPr algn="ctr"/>
+            <a:r>
+              <a:rPr lang="en-US" sz="5600" b="1"/>
+              <a:t>Handle outliers and Missing Values</a:t>
+            </a:r>
+          </a:p>
+        </p:txBody>
+      </p:sp>
+      <p:sp>
+        <p:nvSpPr>
+          <p:cNvPr id="16" name="sketch line">
+            <a:extLst>
+              <a:ext uri="{FF2B5EF4-FFF2-40B4-BE49-F238E27FC236}">
+                <a16:creationId xmlns:a16="http://schemas.microsoft.com/office/drawing/2014/main" id="{D6A9C53F-5F90-40A5-8C85-5412D39C8C68}"/>
+              </a:ext>
+              <a:ext uri="{C183D7F6-B498-43B3-948B-1728B52AA6E4}">
+                <adec:decorative xmlns:adec="http://schemas.microsoft.com/office/drawing/2017/decorative" val="1"/>
+              </a:ext>
+            </a:extLst>
+          </p:cNvPr>
+          <p:cNvSpPr>
+            <a:spLocks noGrp="1" noRot="1" noChangeAspect="1" noMove="1" noResize="1" noEditPoints="1" noAdjustHandles="1" noChangeArrowheads="1" noChangeShapeType="1" noTextEdit="1"/>
+          </p:cNvSpPr>
+          <p:nvPr>
+            <p:extLst>
+              <p:ext uri="{386F3935-93C4-4BCD-93E2-E3B085C9AB24}">
+                <p16:designElem xmlns:p16="http://schemas.microsoft.com/office/powerpoint/2015/main" val="1"/>
+              </p:ext>
+            </p:extLst>
+          </p:nvPr>
+        </p:nvSpPr>
+        <p:spPr>
+          <a:xfrm>
+            <a:off x="4450080" y="1850683"/>
+            <a:ext cx="3291840" cy="18288"/>
+          </a:xfrm>
+          <a:custGeom>
+            <a:avLst/>
+            <a:gdLst>
+              <a:gd name="connsiteX0" fmla="*/ 0 w 3291840"/>
+              <a:gd name="connsiteY0" fmla="*/ 0 h 18288"/>
+              <a:gd name="connsiteX1" fmla="*/ 658368 w 3291840"/>
+              <a:gd name="connsiteY1" fmla="*/ 0 h 18288"/>
+              <a:gd name="connsiteX2" fmla="*/ 1283818 w 3291840"/>
+              <a:gd name="connsiteY2" fmla="*/ 0 h 18288"/>
+              <a:gd name="connsiteX3" fmla="*/ 1909267 w 3291840"/>
+              <a:gd name="connsiteY3" fmla="*/ 0 h 18288"/>
+              <a:gd name="connsiteX4" fmla="*/ 2633472 w 3291840"/>
+              <a:gd name="connsiteY4" fmla="*/ 0 h 18288"/>
+              <a:gd name="connsiteX5" fmla="*/ 3291840 w 3291840"/>
+              <a:gd name="connsiteY5" fmla="*/ 0 h 18288"/>
+              <a:gd name="connsiteX6" fmla="*/ 3291840 w 3291840"/>
+              <a:gd name="connsiteY6" fmla="*/ 18288 h 18288"/>
+              <a:gd name="connsiteX7" fmla="*/ 2633472 w 3291840"/>
+              <a:gd name="connsiteY7" fmla="*/ 18288 h 18288"/>
+              <a:gd name="connsiteX8" fmla="*/ 2073859 w 3291840"/>
+              <a:gd name="connsiteY8" fmla="*/ 18288 h 18288"/>
+              <a:gd name="connsiteX9" fmla="*/ 1448410 w 3291840"/>
+              <a:gd name="connsiteY9" fmla="*/ 18288 h 18288"/>
+              <a:gd name="connsiteX10" fmla="*/ 822960 w 3291840"/>
+              <a:gd name="connsiteY10" fmla="*/ 18288 h 18288"/>
+              <a:gd name="connsiteX11" fmla="*/ 0 w 3291840"/>
+              <a:gd name="connsiteY11" fmla="*/ 18288 h 18288"/>
+              <a:gd name="connsiteX12" fmla="*/ 0 w 3291840"/>
+              <a:gd name="connsiteY12" fmla="*/ 0 h 18288"/>
+            </a:gdLst>
+            <a:ahLst/>
+            <a:cxnLst>
+              <a:cxn ang="0">
+                <a:pos x="connsiteX0" y="connsiteY0"/>
+              </a:cxn>
+              <a:cxn ang="0">
+                <a:pos x="connsiteX1" y="connsiteY1"/>
+              </a:cxn>
+              <a:cxn ang="0">
+                <a:pos x="connsiteX2" y="connsiteY2"/>
+              </a:cxn>
+              <a:cxn ang="0">
+                <a:pos x="connsiteX3" y="connsiteY3"/>
+              </a:cxn>
+              <a:cxn ang="0">
+                <a:pos x="connsiteX4" y="connsiteY4"/>
+              </a:cxn>
+              <a:cxn ang="0">
+                <a:pos x="connsiteX5" y="connsiteY5"/>
+              </a:cxn>
+              <a:cxn ang="0">
+                <a:pos x="connsiteX6" y="connsiteY6"/>
+              </a:cxn>
+              <a:cxn ang="0">
+                <a:pos x="connsiteX7" y="connsiteY7"/>
+              </a:cxn>
+              <a:cxn ang="0">
+                <a:pos x="connsiteX8" y="connsiteY8"/>
+              </a:cxn>
+              <a:cxn ang="0">
+                <a:pos x="connsiteX9" y="connsiteY9"/>
+              </a:cxn>
+              <a:cxn ang="0">
+                <a:pos x="connsiteX10" y="connsiteY10"/>
+              </a:cxn>
+              <a:cxn ang="0">
+                <a:pos x="connsiteX11" y="connsiteY11"/>
+              </a:cxn>
+              <a:cxn ang="0">
+                <a:pos x="connsiteX12" y="connsiteY12"/>
+              </a:cxn>
+            </a:cxnLst>
+            <a:rect l="l" t="t" r="r" b="b"/>
+            <a:pathLst>
+              <a:path w="3291840" h="18288" fill="none" extrusionOk="0">
+                <a:moveTo>
+                  <a:pt x="0" y="0"/>
+                </a:moveTo>
+                <a:cubicBezTo>
+                  <a:pt x="173077" y="-20031"/>
+                  <a:pt x="443104" y="6424"/>
+                  <a:pt x="658368" y="0"/>
+                </a:cubicBezTo>
+                <a:cubicBezTo>
+                  <a:pt x="873632" y="-6424"/>
+                  <a:pt x="1034028" y="11764"/>
+                  <a:pt x="1283818" y="0"/>
+                </a:cubicBezTo>
+                <a:cubicBezTo>
+                  <a:pt x="1533608" y="-11764"/>
+                  <a:pt x="1691227" y="-30112"/>
+                  <a:pt x="1909267" y="0"/>
+                </a:cubicBezTo>
+                <a:cubicBezTo>
+                  <a:pt x="2127307" y="30112"/>
+                  <a:pt x="2272465" y="-18735"/>
+                  <a:pt x="2633472" y="0"/>
+                </a:cubicBezTo>
+                <a:cubicBezTo>
+                  <a:pt x="2994479" y="18735"/>
+                  <a:pt x="3023324" y="-32030"/>
+                  <a:pt x="3291840" y="0"/>
+                </a:cubicBezTo>
+                <a:cubicBezTo>
+                  <a:pt x="3291406" y="7551"/>
+                  <a:pt x="3291373" y="9822"/>
+                  <a:pt x="3291840" y="18288"/>
+                </a:cubicBezTo>
+                <a:cubicBezTo>
+                  <a:pt x="3048445" y="38989"/>
+                  <a:pt x="2846548" y="-14400"/>
+                  <a:pt x="2633472" y="18288"/>
+                </a:cubicBezTo>
+                <a:cubicBezTo>
+                  <a:pt x="2420396" y="50976"/>
+                  <a:pt x="2304099" y="6336"/>
+                  <a:pt x="2073859" y="18288"/>
+                </a:cubicBezTo>
+                <a:cubicBezTo>
+                  <a:pt x="1843619" y="30240"/>
+                  <a:pt x="1706926" y="10778"/>
+                  <a:pt x="1448410" y="18288"/>
+                </a:cubicBezTo>
+                <a:cubicBezTo>
+                  <a:pt x="1189894" y="25798"/>
+                  <a:pt x="1002278" y="8992"/>
+                  <a:pt x="822960" y="18288"/>
+                </a:cubicBezTo>
+                <a:cubicBezTo>
+                  <a:pt x="643642" y="27585"/>
+                  <a:pt x="307039" y="38051"/>
+                  <a:pt x="0" y="18288"/>
+                </a:cubicBezTo>
+                <a:cubicBezTo>
+                  <a:pt x="60" y="11696"/>
+                  <a:pt x="66" y="3758"/>
+                  <a:pt x="0" y="0"/>
+                </a:cubicBezTo>
+                <a:close/>
+              </a:path>
+              <a:path w="3291840" h="18288" stroke="0" extrusionOk="0">
+                <a:moveTo>
+                  <a:pt x="0" y="0"/>
+                </a:moveTo>
+                <a:cubicBezTo>
+                  <a:pt x="195850" y="28018"/>
+                  <a:pt x="434891" y="17390"/>
+                  <a:pt x="592531" y="0"/>
+                </a:cubicBezTo>
+                <a:cubicBezTo>
+                  <a:pt x="750171" y="-17390"/>
+                  <a:pt x="1018709" y="32200"/>
+                  <a:pt x="1316736" y="0"/>
+                </a:cubicBezTo>
+                <a:cubicBezTo>
+                  <a:pt x="1614763" y="-32200"/>
+                  <a:pt x="1696480" y="-11367"/>
+                  <a:pt x="1876349" y="0"/>
+                </a:cubicBezTo>
+                <a:cubicBezTo>
+                  <a:pt x="2056218" y="11367"/>
+                  <a:pt x="2193364" y="13433"/>
+                  <a:pt x="2435962" y="0"/>
+                </a:cubicBezTo>
+                <a:cubicBezTo>
+                  <a:pt x="2678560" y="-13433"/>
+                  <a:pt x="3010901" y="-42367"/>
+                  <a:pt x="3291840" y="0"/>
+                </a:cubicBezTo>
+                <a:cubicBezTo>
+                  <a:pt x="3291758" y="4406"/>
+                  <a:pt x="3291751" y="9982"/>
+                  <a:pt x="3291840" y="18288"/>
+                </a:cubicBezTo>
+                <a:cubicBezTo>
+                  <a:pt x="3108993" y="14228"/>
+                  <a:pt x="2952658" y="46900"/>
+                  <a:pt x="2666390" y="18288"/>
+                </a:cubicBezTo>
+                <a:cubicBezTo>
+                  <a:pt x="2380122" y="-10324"/>
+                  <a:pt x="2263855" y="41055"/>
+                  <a:pt x="2040941" y="18288"/>
+                </a:cubicBezTo>
+                <a:cubicBezTo>
+                  <a:pt x="1818027" y="-4479"/>
+                  <a:pt x="1675097" y="6509"/>
+                  <a:pt x="1415491" y="18288"/>
+                </a:cubicBezTo>
+                <a:cubicBezTo>
+                  <a:pt x="1155885" y="30068"/>
+                  <a:pt x="852976" y="36210"/>
+                  <a:pt x="691286" y="18288"/>
+                </a:cubicBezTo>
+                <a:cubicBezTo>
+                  <a:pt x="529596" y="366"/>
+                  <a:pt x="187183" y="13912"/>
+                  <a:pt x="0" y="18288"/>
+                </a:cubicBezTo>
+                <a:cubicBezTo>
+                  <a:pt x="189" y="14288"/>
+                  <a:pt x="-703" y="3747"/>
+                  <a:pt x="0" y="0"/>
+                </a:cubicBezTo>
+                <a:close/>
+              </a:path>
+            </a:pathLst>
+          </a:custGeom>
+          <a:solidFill>
+            <a:schemeClr val="accent2"/>
+          </a:solidFill>
+          <a:ln w="41275" cap="rnd">
+            <a:solidFill>
+              <a:schemeClr val="accent2"/>
+            </a:solidFill>
+            <a:round/>
+            <a:extLst>
+              <a:ext uri="{C807C97D-BFC1-408E-A445-0C87EB9F89A2}">
+                <ask:lineSketchStyleProps xmlns:ask="http://schemas.microsoft.com/office/drawing/2018/sketchyshapes" sd="2863741219">
+                  <a:prstGeom prst="rect">
+                    <a:avLst/>
+                  </a:prstGeom>
+                  <ask:type>
+                    <ask:lineSketchFreehand/>
+                  </ask:type>
+                </ask:lineSketchStyleProps>
+              </a:ext>
+            </a:extLst>
+          </a:ln>
+        </p:spPr>
+        <p:style>
+          <a:lnRef idx="2">
+            <a:schemeClr val="accent1">
+              <a:shade val="50000"/>
+            </a:schemeClr>
+          </a:lnRef>
+          <a:fillRef idx="1">
+            <a:schemeClr val="accent1"/>
+          </a:fillRef>
+          <a:effectRef idx="0">
+            <a:schemeClr val="accent1"/>
+          </a:effectRef>
+          <a:fontRef idx="minor">
+            <a:schemeClr val="lt1"/>
+          </a:fontRef>
+        </p:style>
+        <p:txBody>
+          <a:bodyPr rtlCol="0" anchor="ctr"/>
+          <a:lstStyle/>
+          <a:p>
+            <a:pPr algn="ctr"/>
+            <a:endParaRPr lang="en-US"/>
+          </a:p>
+        </p:txBody>
+      </p:sp>
+      <p:pic>
+        <p:nvPicPr>
+          <p:cNvPr id="9" name="Content Placeholder 8">
+            <a:extLst>
+              <a:ext uri="{FF2B5EF4-FFF2-40B4-BE49-F238E27FC236}">
+                <a16:creationId xmlns:a16="http://schemas.microsoft.com/office/drawing/2014/main" id="{637DB863-1E35-AF00-B8AE-88E6B1C36A11}"/>
+              </a:ext>
+            </a:extLst>
+          </p:cNvPr>
+          <p:cNvPicPr>
+            <a:picLocks noGrp="1" noChangeAspect="1"/>
+          </p:cNvPicPr>
+          <p:nvPr>
+            <p:ph sz="half" idx="1"/>
+          </p:nvPr>
+        </p:nvPicPr>
+        <p:blipFill>
+          <a:blip r:embed="rId2"/>
+          <a:stretch>
+            <a:fillRect/>
+          </a:stretch>
+        </p:blipFill>
+        <p:spPr>
+          <a:xfrm>
+            <a:off x="631895" y="2642616"/>
+            <a:ext cx="4990705" cy="3605784"/>
+          </a:xfrm>
+          <a:prstGeom prst="rect">
+            <a:avLst/>
+          </a:prstGeom>
+        </p:spPr>
+      </p:pic>
+      <p:pic>
+        <p:nvPicPr>
+          <p:cNvPr id="7" name="Content Placeholder 6">
+            <a:extLst>
+              <a:ext uri="{FF2B5EF4-FFF2-40B4-BE49-F238E27FC236}">
+                <a16:creationId xmlns:a16="http://schemas.microsoft.com/office/drawing/2014/main" id="{8E91B96C-6519-16EA-92AB-988D567C5DD5}"/>
+              </a:ext>
+            </a:extLst>
+          </p:cNvPr>
+          <p:cNvPicPr>
+            <a:picLocks noGrp="1" noChangeAspect="1"/>
+          </p:cNvPicPr>
+          <p:nvPr>
+            <p:ph sz="half" idx="2"/>
+          </p:nvPr>
+        </p:nvPicPr>
+        <p:blipFill>
+          <a:blip r:embed="rId3"/>
+          <a:stretch>
+            <a:fillRect/>
+          </a:stretch>
+        </p:blipFill>
+        <p:spPr>
+          <a:xfrm>
+            <a:off x="6254496" y="2894526"/>
+            <a:ext cx="5614416" cy="3101964"/>
+          </a:xfrm>
+          <a:prstGeom prst="rect">
+            <a:avLst/>
+          </a:prstGeom>
+        </p:spPr>
+      </p:pic>
+    </p:spTree>
+    <p:extLst>
+      <p:ext uri="{BB962C8B-B14F-4D97-AF65-F5344CB8AC3E}">
+        <p14:creationId xmlns:p14="http://schemas.microsoft.com/office/powerpoint/2010/main" val="3102940402"/>
+      </p:ext>
+    </p:extLst>
+  </p:cSld>
+  <p:clrMapOvr>
+    <a:masterClrMapping/>
+  </p:clrMapOvr>
+</p:sld>
+</file>
+
+<file path=ppt/slides/slide5.xml><?xml version="1.0" encoding="utf-8"?>
+<p:sld xmlns:a="http://schemas.openxmlformats.org/drawingml/2006/main" xmlns:r="http://schemas.openxmlformats.org/officeDocument/2006/relationships" xmlns:p="http://schemas.openxmlformats.org/presentationml/2006/main">
+  <p:cSld>
+    <p:bg>
+      <p:bgPr>
+        <a:solidFill>
+          <a:schemeClr val="bg1"/>
+        </a:solidFill>
+        <a:effectLst/>
+      </p:bgPr>
+    </p:bg>
+    <p:spTree>
+      <p:nvGrpSpPr>
+        <p:cNvPr id="1" name=""/>
+        <p:cNvGrpSpPr/>
+        <p:nvPr/>
+      </p:nvGrpSpPr>
+      <p:grpSpPr>
+        <a:xfrm>
+          <a:off x="0" y="0"/>
+          <a:ext cx="0" cy="0"/>
+          <a:chOff x="0" y="0"/>
+          <a:chExt cx="0" cy="0"/>
+        </a:xfrm>
+      </p:grpSpPr>
+      <p:sp useBgFill="1">
+        <p:nvSpPr>
+          <p:cNvPr id="10" name="Rectangle 9">
+            <a:extLst>
+              <a:ext uri="{FF2B5EF4-FFF2-40B4-BE49-F238E27FC236}">
+                <a16:creationId xmlns:a16="http://schemas.microsoft.com/office/drawing/2014/main" id="{665DBBEF-238B-476B-96AB-8AAC3224ECEA}"/>
+              </a:ext>
+              <a:ext uri="{C183D7F6-B498-43B3-948B-1728B52AA6E4}">
+                <adec:decorative xmlns:adec="http://schemas.microsoft.com/office/drawing/2017/decorative" val="1"/>
+              </a:ext>
+            </a:extLst>
+          </p:cNvPr>
+          <p:cNvSpPr>
+            <a:spLocks noGrp="1" noRot="1" noChangeAspect="1" noMove="1" noResize="1" noEditPoints="1" noAdjustHandles="1" noChangeArrowheads="1" noChangeShapeType="1" noTextEdit="1"/>
+          </p:cNvSpPr>
+          <p:nvPr>
+            <p:extLst>
+              <p:ext uri="{386F3935-93C4-4BCD-93E2-E3B085C9AB24}">
+                <p16:designElem xmlns:p16="http://schemas.microsoft.com/office/powerpoint/2015/main" val="1"/>
+              </p:ext>
+            </p:extLst>
+          </p:nvPr>
+        </p:nvSpPr>
+        <p:spPr>
+          <a:xfrm>
+            <a:off x="0" y="0"/>
+            <a:ext cx="12192000" cy="6858000"/>
+          </a:xfrm>
+          <a:prstGeom prst="rect">
+            <a:avLst/>
+          </a:prstGeom>
+          <a:ln>
+            <a:noFill/>
+          </a:ln>
+        </p:spPr>
+        <p:style>
+          <a:lnRef idx="2">
+            <a:schemeClr val="accent1">
+              <a:shade val="50000"/>
+            </a:schemeClr>
+          </a:lnRef>
+          <a:fillRef idx="1">
+            <a:schemeClr val="accent1"/>
+          </a:fillRef>
+          <a:effectRef idx="0">
+            <a:schemeClr val="accent1"/>
+          </a:effectRef>
+          <a:fontRef idx="minor">
+            <a:schemeClr val="lt1"/>
+          </a:fontRef>
+        </p:style>
+        <p:txBody>
+          <a:bodyPr rtlCol="0" anchor="ctr"/>
+          <a:lstStyle/>
+          <a:p>
+            <a:pPr algn="ctr"/>
+            <a:endParaRPr lang="en-US"/>
+          </a:p>
+        </p:txBody>
+      </p:sp>
+      <p:sp>
+        <p:nvSpPr>
+          <p:cNvPr id="2" name="Title 1">
+            <a:extLst>
+              <a:ext uri="{FF2B5EF4-FFF2-40B4-BE49-F238E27FC236}">
+                <a16:creationId xmlns:a16="http://schemas.microsoft.com/office/drawing/2014/main" id="{6AC0C3AA-8B14-D7EC-90ED-C604CFA24272}"/>
+              </a:ext>
+            </a:extLst>
+          </p:cNvPr>
+          <p:cNvSpPr>
+            <a:spLocks noGrp="1"/>
+          </p:cNvSpPr>
+          <p:nvPr>
+            <p:ph type="title"/>
+          </p:nvPr>
+        </p:nvSpPr>
+        <p:spPr>
+          <a:xfrm>
+            <a:off x="638882" y="639193"/>
+            <a:ext cx="3571810" cy="3573516"/>
+          </a:xfrm>
+        </p:spPr>
+        <p:txBody>
+          <a:bodyPr vert="horz" lIns="91440" tIns="45720" rIns="91440" bIns="45720" rtlCol="0" anchor="b">
+            <a:normAutofit/>
+          </a:bodyPr>
+          <a:lstStyle/>
+          <a:p>
+            <a:r>
+              <a:rPr lang="en-US" sz="5100" b="1" kern="1200">
+                <a:solidFill>
+                  <a:schemeClr val="tx1"/>
+                </a:solidFill>
+                <a:latin typeface="+mj-lt"/>
+                <a:ea typeface="+mj-ea"/>
+                <a:cs typeface="+mj-cs"/>
+              </a:rPr>
+              <a:t>Correlation</a:t>
+            </a:r>
+            <a:r>
+              <a:rPr lang="en-US" sz="5100" kern="1200">
+                <a:solidFill>
+                  <a:schemeClr val="tx1"/>
+                </a:solidFill>
+                <a:latin typeface="+mj-lt"/>
+                <a:ea typeface="+mj-ea"/>
+                <a:cs typeface="+mj-cs"/>
+              </a:rPr>
+              <a:t> </a:t>
+            </a:r>
+          </a:p>
+        </p:txBody>
+      </p:sp>
+      <p:sp>
+        <p:nvSpPr>
+          <p:cNvPr id="12" name="sketch line">
+            <a:extLst>
+              <a:ext uri="{FF2B5EF4-FFF2-40B4-BE49-F238E27FC236}">
+                <a16:creationId xmlns:a16="http://schemas.microsoft.com/office/drawing/2014/main" id="{3FCFB1DE-0B7E-48CC-BA90-B2AB0889F9D6}"/>
+              </a:ext>
+              <a:ext uri="{C183D7F6-B498-43B3-948B-1728B52AA6E4}">
+                <adec:decorative xmlns:adec="http://schemas.microsoft.com/office/drawing/2017/decorative" val="1"/>
+              </a:ext>
+            </a:extLst>
+          </p:cNvPr>
+          <p:cNvSpPr>
+            <a:spLocks noGrp="1" noRot="1" noChangeAspect="1" noMove="1" noResize="1" noEditPoints="1" noAdjustHandles="1" noChangeArrowheads="1" noChangeShapeType="1" noTextEdit="1"/>
+          </p:cNvSpPr>
+          <p:nvPr>
+            <p:extLst>
+              <p:ext uri="{386F3935-93C4-4BCD-93E2-E3B085C9AB24}">
+                <p16:designElem xmlns:p16="http://schemas.microsoft.com/office/powerpoint/2015/main" val="1"/>
+              </p:ext>
+            </p:extLst>
+          </p:nvPr>
+        </p:nvSpPr>
+        <p:spPr>
+          <a:xfrm>
+            <a:off x="643278" y="4409267"/>
+            <a:ext cx="3255095" cy="18288"/>
+          </a:xfrm>
+          <a:custGeom>
+            <a:avLst/>
+            <a:gdLst>
+              <a:gd name="connsiteX0" fmla="*/ 0 w 3255095"/>
+              <a:gd name="connsiteY0" fmla="*/ 0 h 18288"/>
+              <a:gd name="connsiteX1" fmla="*/ 618468 w 3255095"/>
+              <a:gd name="connsiteY1" fmla="*/ 0 h 18288"/>
+              <a:gd name="connsiteX2" fmla="*/ 1269487 w 3255095"/>
+              <a:gd name="connsiteY2" fmla="*/ 0 h 18288"/>
+              <a:gd name="connsiteX3" fmla="*/ 1953057 w 3255095"/>
+              <a:gd name="connsiteY3" fmla="*/ 0 h 18288"/>
+              <a:gd name="connsiteX4" fmla="*/ 2636627 w 3255095"/>
+              <a:gd name="connsiteY4" fmla="*/ 0 h 18288"/>
+              <a:gd name="connsiteX5" fmla="*/ 3255095 w 3255095"/>
+              <a:gd name="connsiteY5" fmla="*/ 0 h 18288"/>
+              <a:gd name="connsiteX6" fmla="*/ 3255095 w 3255095"/>
+              <a:gd name="connsiteY6" fmla="*/ 18288 h 18288"/>
+              <a:gd name="connsiteX7" fmla="*/ 2538974 w 3255095"/>
+              <a:gd name="connsiteY7" fmla="*/ 18288 h 18288"/>
+              <a:gd name="connsiteX8" fmla="*/ 1822853 w 3255095"/>
+              <a:gd name="connsiteY8" fmla="*/ 18288 h 18288"/>
+              <a:gd name="connsiteX9" fmla="*/ 1171834 w 3255095"/>
+              <a:gd name="connsiteY9" fmla="*/ 18288 h 18288"/>
+              <a:gd name="connsiteX10" fmla="*/ 0 w 3255095"/>
+              <a:gd name="connsiteY10" fmla="*/ 18288 h 18288"/>
+              <a:gd name="connsiteX11" fmla="*/ 0 w 3255095"/>
+              <a:gd name="connsiteY11" fmla="*/ 0 h 18288"/>
+            </a:gdLst>
+            <a:ahLst/>
+            <a:cxnLst>
+              <a:cxn ang="0">
+                <a:pos x="connsiteX0" y="connsiteY0"/>
+              </a:cxn>
+              <a:cxn ang="0">
+                <a:pos x="connsiteX1" y="connsiteY1"/>
+              </a:cxn>
+              <a:cxn ang="0">
+                <a:pos x="connsiteX2" y="connsiteY2"/>
+              </a:cxn>
+              <a:cxn ang="0">
+                <a:pos x="connsiteX3" y="connsiteY3"/>
+              </a:cxn>
+              <a:cxn ang="0">
+                <a:pos x="connsiteX4" y="connsiteY4"/>
+              </a:cxn>
+              <a:cxn ang="0">
+                <a:pos x="connsiteX5" y="connsiteY5"/>
+              </a:cxn>
+              <a:cxn ang="0">
+                <a:pos x="connsiteX6" y="connsiteY6"/>
+              </a:cxn>
+              <a:cxn ang="0">
+                <a:pos x="connsiteX7" y="connsiteY7"/>
+              </a:cxn>
+              <a:cxn ang="0">
+                <a:pos x="connsiteX8" y="connsiteY8"/>
+              </a:cxn>
+              <a:cxn ang="0">
+                <a:pos x="connsiteX9" y="connsiteY9"/>
+              </a:cxn>
+              <a:cxn ang="0">
+                <a:pos x="connsiteX10" y="connsiteY10"/>
+              </a:cxn>
+              <a:cxn ang="0">
+                <a:pos x="connsiteX11" y="connsiteY11"/>
+              </a:cxn>
+            </a:cxnLst>
+            <a:rect l="l" t="t" r="r" b="b"/>
+            <a:pathLst>
+              <a:path w="3255095" h="18288" fill="none" extrusionOk="0">
+                <a:moveTo>
+                  <a:pt x="0" y="0"/>
+                </a:moveTo>
+                <a:cubicBezTo>
+                  <a:pt x="240201" y="-22123"/>
+                  <a:pt x="462021" y="-19623"/>
+                  <a:pt x="618468" y="0"/>
+                </a:cubicBezTo>
+                <a:cubicBezTo>
+                  <a:pt x="774915" y="19623"/>
+                  <a:pt x="974734" y="2035"/>
+                  <a:pt x="1269487" y="0"/>
+                </a:cubicBezTo>
+                <a:cubicBezTo>
+                  <a:pt x="1564240" y="-2035"/>
+                  <a:pt x="1733579" y="10639"/>
+                  <a:pt x="1953057" y="0"/>
+                </a:cubicBezTo>
+                <a:cubicBezTo>
+                  <a:pt x="2172535" y="-10639"/>
+                  <a:pt x="2453962" y="14018"/>
+                  <a:pt x="2636627" y="0"/>
+                </a:cubicBezTo>
+                <a:cubicBezTo>
+                  <a:pt x="2819292" y="-14018"/>
+                  <a:pt x="3121375" y="5399"/>
+                  <a:pt x="3255095" y="0"/>
+                </a:cubicBezTo>
+                <a:cubicBezTo>
+                  <a:pt x="3254386" y="8157"/>
+                  <a:pt x="3254682" y="12125"/>
+                  <a:pt x="3255095" y="18288"/>
+                </a:cubicBezTo>
+                <a:cubicBezTo>
+                  <a:pt x="3088545" y="23203"/>
+                  <a:pt x="2687475" y="7419"/>
+                  <a:pt x="2538974" y="18288"/>
+                </a:cubicBezTo>
+                <a:cubicBezTo>
+                  <a:pt x="2390473" y="29157"/>
+                  <a:pt x="2137381" y="-8959"/>
+                  <a:pt x="1822853" y="18288"/>
+                </a:cubicBezTo>
+                <a:cubicBezTo>
+                  <a:pt x="1508325" y="45535"/>
+                  <a:pt x="1466437" y="20385"/>
+                  <a:pt x="1171834" y="18288"/>
+                </a:cubicBezTo>
+                <a:cubicBezTo>
+                  <a:pt x="877231" y="16191"/>
+                  <a:pt x="561097" y="37643"/>
+                  <a:pt x="0" y="18288"/>
+                </a:cubicBezTo>
+                <a:cubicBezTo>
+                  <a:pt x="-46" y="12483"/>
+                  <a:pt x="-203" y="6491"/>
+                  <a:pt x="0" y="0"/>
+                </a:cubicBezTo>
+                <a:close/>
+              </a:path>
+              <a:path w="3255095" h="18288" stroke="0" extrusionOk="0">
+                <a:moveTo>
+                  <a:pt x="0" y="0"/>
+                </a:moveTo>
+                <a:cubicBezTo>
+                  <a:pt x="291965" y="19429"/>
+                  <a:pt x="363155" y="8568"/>
+                  <a:pt x="618468" y="0"/>
+                </a:cubicBezTo>
+                <a:cubicBezTo>
+                  <a:pt x="873781" y="-8568"/>
+                  <a:pt x="904459" y="-19505"/>
+                  <a:pt x="1171834" y="0"/>
+                </a:cubicBezTo>
+                <a:cubicBezTo>
+                  <a:pt x="1439209" y="19505"/>
+                  <a:pt x="1744369" y="9790"/>
+                  <a:pt x="1887955" y="0"/>
+                </a:cubicBezTo>
+                <a:cubicBezTo>
+                  <a:pt x="2031541" y="-9790"/>
+                  <a:pt x="2346378" y="21240"/>
+                  <a:pt x="2506423" y="0"/>
+                </a:cubicBezTo>
+                <a:cubicBezTo>
+                  <a:pt x="2666468" y="-21240"/>
+                  <a:pt x="2990257" y="30414"/>
+                  <a:pt x="3255095" y="0"/>
+                </a:cubicBezTo>
+                <a:cubicBezTo>
+                  <a:pt x="3254831" y="4493"/>
+                  <a:pt x="3255479" y="9472"/>
+                  <a:pt x="3255095" y="18288"/>
+                </a:cubicBezTo>
+                <a:cubicBezTo>
+                  <a:pt x="3120743" y="16690"/>
+                  <a:pt x="2759628" y="42462"/>
+                  <a:pt x="2604076" y="18288"/>
+                </a:cubicBezTo>
+                <a:cubicBezTo>
+                  <a:pt x="2448524" y="-5886"/>
+                  <a:pt x="2184336" y="19599"/>
+                  <a:pt x="1887955" y="18288"/>
+                </a:cubicBezTo>
+                <a:cubicBezTo>
+                  <a:pt x="1591574" y="16977"/>
+                  <a:pt x="1548845" y="6870"/>
+                  <a:pt x="1334589" y="18288"/>
+                </a:cubicBezTo>
+                <a:cubicBezTo>
+                  <a:pt x="1120333" y="29706"/>
+                  <a:pt x="996014" y="9662"/>
+                  <a:pt x="683570" y="18288"/>
+                </a:cubicBezTo>
+                <a:cubicBezTo>
+                  <a:pt x="371126" y="26914"/>
+                  <a:pt x="198687" y="16167"/>
+                  <a:pt x="0" y="18288"/>
+                </a:cubicBezTo>
+                <a:cubicBezTo>
+                  <a:pt x="843" y="9577"/>
+                  <a:pt x="371" y="6900"/>
+                  <a:pt x="0" y="0"/>
+                </a:cubicBezTo>
+                <a:close/>
+              </a:path>
+            </a:pathLst>
+          </a:custGeom>
+          <a:solidFill>
+            <a:schemeClr val="accent2"/>
+          </a:solidFill>
+          <a:ln w="38100" cap="rnd">
+            <a:solidFill>
+              <a:schemeClr val="accent2"/>
+            </a:solidFill>
+            <a:round/>
+            <a:extLst>
+              <a:ext uri="{C807C97D-BFC1-408E-A445-0C87EB9F89A2}">
+                <ask:lineSketchStyleProps xmlns:ask="http://schemas.microsoft.com/office/drawing/2018/sketchyshapes" sd="1219033472">
+                  <a:prstGeom prst="rect">
+                    <a:avLst/>
+                  </a:prstGeom>
+                  <ask:type>
+                    <ask:lineSketchFreehand/>
+                  </ask:type>
+                </ask:lineSketchStyleProps>
+              </a:ext>
+            </a:extLst>
+          </a:ln>
+        </p:spPr>
+        <p:style>
+          <a:lnRef idx="2">
+            <a:schemeClr val="accent1">
+              <a:shade val="50000"/>
+            </a:schemeClr>
+          </a:lnRef>
+          <a:fillRef idx="1">
+            <a:schemeClr val="accent1"/>
+          </a:fillRef>
+          <a:effectRef idx="0">
+            <a:schemeClr val="accent1"/>
+          </a:effectRef>
+          <a:fontRef idx="minor">
+            <a:schemeClr val="lt1"/>
+          </a:fontRef>
+        </p:style>
+        <p:txBody>
+          <a:bodyPr rtlCol="0" anchor="ctr"/>
+          <a:lstStyle/>
+          <a:p>
+            <a:pPr algn="ctr"/>
+            <a:endParaRPr lang="en-US"/>
+          </a:p>
+        </p:txBody>
+      </p:sp>
+      <p:pic>
+        <p:nvPicPr>
+          <p:cNvPr id="5" name="Content Placeholder 4" descr="A colorful squares with black text&#10;&#10;Description automatically generated with medium confidence">
+            <a:extLst>
+              <a:ext uri="{FF2B5EF4-FFF2-40B4-BE49-F238E27FC236}">
+                <a16:creationId xmlns:a16="http://schemas.microsoft.com/office/drawing/2014/main" id="{1E2A12EB-9970-45B1-9DBC-B6955FE55D75}"/>
+              </a:ext>
+            </a:extLst>
+          </p:cNvPr>
+          <p:cNvPicPr>
+            <a:picLocks noGrp="1" noChangeAspect="1"/>
+          </p:cNvPicPr>
+          <p:nvPr>
+            <p:ph idx="1"/>
+          </p:nvPr>
+        </p:nvPicPr>
+        <p:blipFill>
+          <a:blip r:embed="rId2"/>
+          <a:stretch>
+            <a:fillRect/>
+          </a:stretch>
+        </p:blipFill>
+        <p:spPr>
+          <a:xfrm>
+            <a:off x="4654296" y="926242"/>
+            <a:ext cx="7214616" cy="4978084"/>
+          </a:xfrm>
+          <a:prstGeom prst="rect">
+            <a:avLst/>
+          </a:prstGeom>
+        </p:spPr>
+      </p:pic>
+    </p:spTree>
+    <p:extLst>
+      <p:ext uri="{BB962C8B-B14F-4D97-AF65-F5344CB8AC3E}">
+        <p14:creationId xmlns:p14="http://schemas.microsoft.com/office/powerpoint/2010/main" val="91781852"/>
+      </p:ext>
+    </p:extLst>
+  </p:cSld>
+  <p:clrMapOvr>
+    <a:masterClrMapping/>
+  </p:clrMapOvr>
+</p:sld>
+</file>
+
+<file path=ppt/slides/slide6.xml><?xml version="1.0" encoding="utf-8"?>
+<p:sld xmlns:a="http://schemas.openxmlformats.org/drawingml/2006/main" xmlns:r="http://schemas.openxmlformats.org/officeDocument/2006/relationships" xmlns:p="http://schemas.openxmlformats.org/presentationml/2006/main">
+  <p:cSld>
+    <p:bg>
+      <p:bgPr>
+        <a:solidFill>
+          <a:schemeClr val="bg1"/>
+        </a:solidFill>
+        <a:effectLst/>
+      </p:bgPr>
+    </p:bg>
+    <p:spTree>
+      <p:nvGrpSpPr>
+        <p:cNvPr id="1" name=""/>
+        <p:cNvGrpSpPr/>
+        <p:nvPr/>
+      </p:nvGrpSpPr>
+      <p:grpSpPr>
+        <a:xfrm>
+          <a:off x="0" y="0"/>
+          <a:ext cx="0" cy="0"/>
+          <a:chOff x="0" y="0"/>
+          <a:chExt cx="0" cy="0"/>
+        </a:xfrm>
+      </p:grpSpPr>
+      <p:sp useBgFill="1">
+        <p:nvSpPr>
+          <p:cNvPr id="9" name="Rectangle 8">
+            <a:extLst>
+              <a:ext uri="{FF2B5EF4-FFF2-40B4-BE49-F238E27FC236}">
+                <a16:creationId xmlns:a16="http://schemas.microsoft.com/office/drawing/2014/main" id="{2E442304-DDBD-4F7B-8017-36BCC863FB40}"/>
+              </a:ext>
+              <a:ext uri="{C183D7F6-B498-43B3-948B-1728B52AA6E4}">
+                <adec:decorative xmlns:adec="http://schemas.microsoft.com/office/drawing/2017/decorative" val="1"/>
+              </a:ext>
+            </a:extLst>
+          </p:cNvPr>
+          <p:cNvSpPr>
+            <a:spLocks noGrp="1" noRot="1" noChangeAspect="1" noMove="1" noResize="1" noEditPoints="1" noAdjustHandles="1" noChangeArrowheads="1" noChangeShapeType="1" noTextEdit="1"/>
+          </p:cNvSpPr>
+          <p:nvPr>
+            <p:extLst>
+              <p:ext uri="{386F3935-93C4-4BCD-93E2-E3B085C9AB24}">
+                <p16:designElem xmlns:p16="http://schemas.microsoft.com/office/powerpoint/2015/main" val="1"/>
+              </p:ext>
+            </p:extLst>
+          </p:nvPr>
+        </p:nvSpPr>
+        <p:spPr>
+          <a:xfrm>
+            <a:off x="0" y="0"/>
+            <a:ext cx="12188952" cy="6858000"/>
+          </a:xfrm>
+          <a:prstGeom prst="rect">
+            <a:avLst/>
+          </a:prstGeom>
+          <a:ln>
+            <a:noFill/>
+          </a:ln>
+        </p:spPr>
+        <p:style>
+          <a:lnRef idx="2">
+            <a:schemeClr val="accent1">
+              <a:shade val="50000"/>
+            </a:schemeClr>
+          </a:lnRef>
+          <a:fillRef idx="1">
+            <a:schemeClr val="accent1"/>
+          </a:fillRef>
+          <a:effectRef idx="0">
+            <a:schemeClr val="accent1"/>
+          </a:effectRef>
+          <a:fontRef idx="minor">
+            <a:schemeClr val="lt1"/>
+          </a:fontRef>
+        </p:style>
+        <p:txBody>
+          <a:bodyPr rtlCol="0" anchor="ctr"/>
+          <a:lstStyle/>
+          <a:p>
+            <a:pPr algn="ctr"/>
+            <a:endParaRPr lang="en-US"/>
+          </a:p>
+        </p:txBody>
+      </p:sp>
+      <p:sp>
+        <p:nvSpPr>
+          <p:cNvPr id="2" name="Title 1">
+            <a:extLst>
+              <a:ext uri="{FF2B5EF4-FFF2-40B4-BE49-F238E27FC236}">
+                <a16:creationId xmlns:a16="http://schemas.microsoft.com/office/drawing/2014/main" id="{BF7AE10D-1E53-67AD-D667-6F6890214D33}"/>
+              </a:ext>
+            </a:extLst>
+          </p:cNvPr>
+          <p:cNvSpPr>
+            <a:spLocks noGrp="1"/>
+          </p:cNvSpPr>
+          <p:nvPr>
+            <p:ph type="title"/>
+          </p:nvPr>
+        </p:nvSpPr>
+        <p:spPr>
+          <a:xfrm>
+            <a:off x="635000" y="640823"/>
+            <a:ext cx="3418659" cy="5583148"/>
+          </a:xfrm>
+        </p:spPr>
+        <p:txBody>
+          <a:bodyPr anchor="ctr">
+            <a:normAutofit/>
+          </a:bodyPr>
+          <a:lstStyle/>
+          <a:p>
+            <a:r>
+              <a:rPr lang="en-US" sz="3200" b="1" dirty="0"/>
+              <a:t>Different Model and their f1- Score </a:t>
+            </a:r>
+          </a:p>
+        </p:txBody>
+      </p:sp>
+      <p:sp>
+        <p:nvSpPr>
+          <p:cNvPr id="11" name="sketch line">
+            <a:extLst>
+              <a:ext uri="{FF2B5EF4-FFF2-40B4-BE49-F238E27FC236}">
+                <a16:creationId xmlns:a16="http://schemas.microsoft.com/office/drawing/2014/main" id="{5E107275-3853-46FD-A241-DE4355A42675}"/>
+              </a:ext>
+              <a:ext uri="{C183D7F6-B498-43B3-948B-1728B52AA6E4}">
+                <adec:decorative xmlns:adec="http://schemas.microsoft.com/office/drawing/2017/decorative" val="1"/>
+              </a:ext>
+            </a:extLst>
+          </p:cNvPr>
+          <p:cNvSpPr>
+            <a:spLocks noGrp="1" noRot="1" noChangeAspect="1" noMove="1" noResize="1" noEditPoints="1" noAdjustHandles="1" noChangeArrowheads="1" noChangeShapeType="1" noTextEdit="1"/>
+          </p:cNvSpPr>
+          <p:nvPr>
+            <p:extLst>
+              <p:ext uri="{386F3935-93C4-4BCD-93E2-E3B085C9AB24}">
+                <p16:designElem xmlns:p16="http://schemas.microsoft.com/office/powerpoint/2015/main" val="1"/>
+              </p:ext>
+            </p:extLst>
+          </p:nvPr>
+        </p:nvSpPr>
+        <p:spPr>
+          <a:xfrm rot="5400000">
+            <a:off x="1627450" y="3462719"/>
+            <a:ext cx="5410200" cy="18288"/>
+          </a:xfrm>
+          <a:custGeom>
+            <a:avLst/>
+            <a:gdLst>
+              <a:gd name="connsiteX0" fmla="*/ 0 w 5410200"/>
+              <a:gd name="connsiteY0" fmla="*/ 0 h 18288"/>
+              <a:gd name="connsiteX1" fmla="*/ 568071 w 5410200"/>
+              <a:gd name="connsiteY1" fmla="*/ 0 h 18288"/>
+              <a:gd name="connsiteX2" fmla="*/ 1298448 w 5410200"/>
+              <a:gd name="connsiteY2" fmla="*/ 0 h 18288"/>
+              <a:gd name="connsiteX3" fmla="*/ 1920621 w 5410200"/>
+              <a:gd name="connsiteY3" fmla="*/ 0 h 18288"/>
+              <a:gd name="connsiteX4" fmla="*/ 2488692 w 5410200"/>
+              <a:gd name="connsiteY4" fmla="*/ 0 h 18288"/>
+              <a:gd name="connsiteX5" fmla="*/ 3219069 w 5410200"/>
+              <a:gd name="connsiteY5" fmla="*/ 0 h 18288"/>
+              <a:gd name="connsiteX6" fmla="*/ 3895344 w 5410200"/>
+              <a:gd name="connsiteY6" fmla="*/ 0 h 18288"/>
+              <a:gd name="connsiteX7" fmla="*/ 4571619 w 5410200"/>
+              <a:gd name="connsiteY7" fmla="*/ 0 h 18288"/>
+              <a:gd name="connsiteX8" fmla="*/ 5410200 w 5410200"/>
+              <a:gd name="connsiteY8" fmla="*/ 0 h 18288"/>
+              <a:gd name="connsiteX9" fmla="*/ 5410200 w 5410200"/>
+              <a:gd name="connsiteY9" fmla="*/ 18288 h 18288"/>
+              <a:gd name="connsiteX10" fmla="*/ 4842129 w 5410200"/>
+              <a:gd name="connsiteY10" fmla="*/ 18288 h 18288"/>
+              <a:gd name="connsiteX11" fmla="*/ 4328160 w 5410200"/>
+              <a:gd name="connsiteY11" fmla="*/ 18288 h 18288"/>
+              <a:gd name="connsiteX12" fmla="*/ 3597783 w 5410200"/>
+              <a:gd name="connsiteY12" fmla="*/ 18288 h 18288"/>
+              <a:gd name="connsiteX13" fmla="*/ 3029712 w 5410200"/>
+              <a:gd name="connsiteY13" fmla="*/ 18288 h 18288"/>
+              <a:gd name="connsiteX14" fmla="*/ 2299335 w 5410200"/>
+              <a:gd name="connsiteY14" fmla="*/ 18288 h 18288"/>
+              <a:gd name="connsiteX15" fmla="*/ 1514856 w 5410200"/>
+              <a:gd name="connsiteY15" fmla="*/ 18288 h 18288"/>
+              <a:gd name="connsiteX16" fmla="*/ 892683 w 5410200"/>
+              <a:gd name="connsiteY16" fmla="*/ 18288 h 18288"/>
+              <a:gd name="connsiteX17" fmla="*/ 0 w 5410200"/>
+              <a:gd name="connsiteY17" fmla="*/ 18288 h 18288"/>
+              <a:gd name="connsiteX18" fmla="*/ 0 w 5410200"/>
+              <a:gd name="connsiteY18" fmla="*/ 0 h 18288"/>
+            </a:gdLst>
+            <a:ahLst/>
+            <a:cxnLst>
+              <a:cxn ang="0">
+                <a:pos x="connsiteX0" y="connsiteY0"/>
+              </a:cxn>
+              <a:cxn ang="0">
+                <a:pos x="connsiteX1" y="connsiteY1"/>
+              </a:cxn>
+              <a:cxn ang="0">
+                <a:pos x="connsiteX2" y="connsiteY2"/>
+              </a:cxn>
+              <a:cxn ang="0">
+                <a:pos x="connsiteX3" y="connsiteY3"/>
+              </a:cxn>
+              <a:cxn ang="0">
+                <a:pos x="connsiteX4" y="connsiteY4"/>
+              </a:cxn>
+              <a:cxn ang="0">
+                <a:pos x="connsiteX5" y="connsiteY5"/>
+              </a:cxn>
+              <a:cxn ang="0">
+                <a:pos x="connsiteX6" y="connsiteY6"/>
+              </a:cxn>
+              <a:cxn ang="0">
+                <a:pos x="connsiteX7" y="connsiteY7"/>
+              </a:cxn>
+              <a:cxn ang="0">
+                <a:pos x="connsiteX8" y="connsiteY8"/>
+              </a:cxn>
+              <a:cxn ang="0">
+                <a:pos x="connsiteX9" y="connsiteY9"/>
+              </a:cxn>
+              <a:cxn ang="0">
+                <a:pos x="connsiteX10" y="connsiteY10"/>
+              </a:cxn>
+              <a:cxn ang="0">
+                <a:pos x="connsiteX11" y="connsiteY11"/>
+              </a:cxn>
+              <a:cxn ang="0">
+                <a:pos x="connsiteX12" y="connsiteY12"/>
+              </a:cxn>
+              <a:cxn ang="0">
+                <a:pos x="connsiteX13" y="connsiteY13"/>
+              </a:cxn>
+              <a:cxn ang="0">
+                <a:pos x="connsiteX14" y="connsiteY14"/>
+              </a:cxn>
+              <a:cxn ang="0">
+                <a:pos x="connsiteX15" y="connsiteY15"/>
+              </a:cxn>
+              <a:cxn ang="0">
+                <a:pos x="connsiteX16" y="connsiteY16"/>
+              </a:cxn>
+              <a:cxn ang="0">
+                <a:pos x="connsiteX17" y="connsiteY17"/>
+              </a:cxn>
+              <a:cxn ang="0">
+                <a:pos x="connsiteX18" y="connsiteY18"/>
+              </a:cxn>
+            </a:cxnLst>
+            <a:rect l="l" t="t" r="r" b="b"/>
+            <a:pathLst>
+              <a:path w="5410200" h="18288" fill="none" extrusionOk="0">
+                <a:moveTo>
+                  <a:pt x="0" y="0"/>
+                </a:moveTo>
+                <a:cubicBezTo>
+                  <a:pt x="163050" y="-18707"/>
+                  <a:pt x="319321" y="-16364"/>
+                  <a:pt x="568071" y="0"/>
+                </a:cubicBezTo>
+                <a:cubicBezTo>
+                  <a:pt x="816821" y="16364"/>
+                  <a:pt x="1013224" y="-7268"/>
+                  <a:pt x="1298448" y="0"/>
+                </a:cubicBezTo>
+                <a:cubicBezTo>
+                  <a:pt x="1583672" y="7268"/>
+                  <a:pt x="1631711" y="-3367"/>
+                  <a:pt x="1920621" y="0"/>
+                </a:cubicBezTo>
+                <a:cubicBezTo>
+                  <a:pt x="2209531" y="3367"/>
+                  <a:pt x="2364420" y="-19184"/>
+                  <a:pt x="2488692" y="0"/>
+                </a:cubicBezTo>
+                <a:cubicBezTo>
+                  <a:pt x="2612964" y="19184"/>
+                  <a:pt x="3023298" y="-34627"/>
+                  <a:pt x="3219069" y="0"/>
+                </a:cubicBezTo>
+                <a:cubicBezTo>
+                  <a:pt x="3414840" y="34627"/>
+                  <a:pt x="3656810" y="24043"/>
+                  <a:pt x="3895344" y="0"/>
+                </a:cubicBezTo>
+                <a:cubicBezTo>
+                  <a:pt x="4133879" y="-24043"/>
+                  <a:pt x="4393984" y="-19577"/>
+                  <a:pt x="4571619" y="0"/>
+                </a:cubicBezTo>
+                <a:cubicBezTo>
+                  <a:pt x="4749255" y="19577"/>
+                  <a:pt x="5179928" y="-6281"/>
+                  <a:pt x="5410200" y="0"/>
+                </a:cubicBezTo>
+                <a:cubicBezTo>
+                  <a:pt x="5410730" y="6954"/>
+                  <a:pt x="5410934" y="12839"/>
+                  <a:pt x="5410200" y="18288"/>
+                </a:cubicBezTo>
+                <a:cubicBezTo>
+                  <a:pt x="5139060" y="6751"/>
+                  <a:pt x="5121593" y="31035"/>
+                  <a:pt x="4842129" y="18288"/>
+                </a:cubicBezTo>
+                <a:cubicBezTo>
+                  <a:pt x="4562665" y="5541"/>
+                  <a:pt x="4448273" y="9487"/>
+                  <a:pt x="4328160" y="18288"/>
+                </a:cubicBezTo>
+                <a:cubicBezTo>
+                  <a:pt x="4208047" y="27089"/>
+                  <a:pt x="3760936" y="22567"/>
+                  <a:pt x="3597783" y="18288"/>
+                </a:cubicBezTo>
+                <a:cubicBezTo>
+                  <a:pt x="3434630" y="14009"/>
+                  <a:pt x="3299718" y="33213"/>
+                  <a:pt x="3029712" y="18288"/>
+                </a:cubicBezTo>
+                <a:cubicBezTo>
+                  <a:pt x="2759706" y="3363"/>
+                  <a:pt x="2640159" y="27394"/>
+                  <a:pt x="2299335" y="18288"/>
+                </a:cubicBezTo>
+                <a:cubicBezTo>
+                  <a:pt x="1958511" y="9182"/>
+                  <a:pt x="1801186" y="28985"/>
+                  <a:pt x="1514856" y="18288"/>
+                </a:cubicBezTo>
+                <a:cubicBezTo>
+                  <a:pt x="1228526" y="7591"/>
+                  <a:pt x="1063509" y="-5305"/>
+                  <a:pt x="892683" y="18288"/>
+                </a:cubicBezTo>
+                <a:cubicBezTo>
+                  <a:pt x="721857" y="41881"/>
+                  <a:pt x="186945" y="-20897"/>
+                  <a:pt x="0" y="18288"/>
+                </a:cubicBezTo>
+                <a:cubicBezTo>
+                  <a:pt x="-570" y="9279"/>
+                  <a:pt x="132" y="5100"/>
+                  <a:pt x="0" y="0"/>
+                </a:cubicBezTo>
+                <a:close/>
+              </a:path>
+              <a:path w="5410200" h="18288" stroke="0" extrusionOk="0">
+                <a:moveTo>
+                  <a:pt x="0" y="0"/>
+                </a:moveTo>
+                <a:cubicBezTo>
+                  <a:pt x="285096" y="-4925"/>
+                  <a:pt x="376456" y="22268"/>
+                  <a:pt x="622173" y="0"/>
+                </a:cubicBezTo>
+                <a:cubicBezTo>
+                  <a:pt x="867890" y="-22268"/>
+                  <a:pt x="1031392" y="7228"/>
+                  <a:pt x="1136142" y="0"/>
+                </a:cubicBezTo>
+                <a:cubicBezTo>
+                  <a:pt x="1240892" y="-7228"/>
+                  <a:pt x="1561853" y="9877"/>
+                  <a:pt x="1920621" y="0"/>
+                </a:cubicBezTo>
+                <a:cubicBezTo>
+                  <a:pt x="2279389" y="-9877"/>
+                  <a:pt x="2367255" y="19546"/>
+                  <a:pt x="2542794" y="0"/>
+                </a:cubicBezTo>
+                <a:cubicBezTo>
+                  <a:pt x="2718333" y="-19546"/>
+                  <a:pt x="2866732" y="-22226"/>
+                  <a:pt x="3164967" y="0"/>
+                </a:cubicBezTo>
+                <a:cubicBezTo>
+                  <a:pt x="3463202" y="22226"/>
+                  <a:pt x="3568055" y="-2765"/>
+                  <a:pt x="3949446" y="0"/>
+                </a:cubicBezTo>
+                <a:cubicBezTo>
+                  <a:pt x="4330837" y="2765"/>
+                  <a:pt x="4287895" y="10557"/>
+                  <a:pt x="4517517" y="0"/>
+                </a:cubicBezTo>
+                <a:cubicBezTo>
+                  <a:pt x="4747139" y="-10557"/>
+                  <a:pt x="5149588" y="8716"/>
+                  <a:pt x="5410200" y="0"/>
+                </a:cubicBezTo>
+                <a:cubicBezTo>
+                  <a:pt x="5409517" y="5414"/>
+                  <a:pt x="5409480" y="12510"/>
+                  <a:pt x="5410200" y="18288"/>
+                </a:cubicBezTo>
+                <a:cubicBezTo>
+                  <a:pt x="5163327" y="41494"/>
+                  <a:pt x="5008749" y="10693"/>
+                  <a:pt x="4842129" y="18288"/>
+                </a:cubicBezTo>
+                <a:cubicBezTo>
+                  <a:pt x="4675509" y="25883"/>
+                  <a:pt x="4433401" y="-615"/>
+                  <a:pt x="4165854" y="18288"/>
+                </a:cubicBezTo>
+                <a:cubicBezTo>
+                  <a:pt x="3898308" y="37191"/>
+                  <a:pt x="3809032" y="-8710"/>
+                  <a:pt x="3543681" y="18288"/>
+                </a:cubicBezTo>
+                <a:cubicBezTo>
+                  <a:pt x="3278330" y="45286"/>
+                  <a:pt x="3073876" y="-15917"/>
+                  <a:pt x="2759202" y="18288"/>
+                </a:cubicBezTo>
+                <a:cubicBezTo>
+                  <a:pt x="2444528" y="52493"/>
+                  <a:pt x="2204144" y="3372"/>
+                  <a:pt x="1974723" y="18288"/>
+                </a:cubicBezTo>
+                <a:cubicBezTo>
+                  <a:pt x="1745302" y="33204"/>
+                  <a:pt x="1602335" y="31490"/>
+                  <a:pt x="1406652" y="18288"/>
+                </a:cubicBezTo>
+                <a:cubicBezTo>
+                  <a:pt x="1210969" y="5086"/>
+                  <a:pt x="923948" y="3161"/>
+                  <a:pt x="730377" y="18288"/>
+                </a:cubicBezTo>
+                <a:cubicBezTo>
+                  <a:pt x="536806" y="33415"/>
+                  <a:pt x="336496" y="-141"/>
+                  <a:pt x="0" y="18288"/>
+                </a:cubicBezTo>
+                <a:cubicBezTo>
+                  <a:pt x="-306" y="11061"/>
+                  <a:pt x="-655" y="7751"/>
+                  <a:pt x="0" y="0"/>
+                </a:cubicBezTo>
+                <a:close/>
+              </a:path>
+            </a:pathLst>
+          </a:custGeom>
+          <a:solidFill>
+            <a:schemeClr val="accent2"/>
+          </a:solidFill>
+          <a:ln w="41275" cap="rnd">
+            <a:solidFill>
+              <a:schemeClr val="accent2"/>
+            </a:solidFill>
+            <a:round/>
+            <a:extLst>
+              <a:ext uri="{C807C97D-BFC1-408E-A445-0C87EB9F89A2}">
+                <ask:lineSketchStyleProps xmlns:ask="http://schemas.microsoft.com/office/drawing/2018/sketchyshapes" sd="1219033472">
+                  <a:prstGeom prst="rect">
+                    <a:avLst/>
+                  </a:prstGeom>
+                  <ask:type>
+                    <ask:lineSketchFreehand/>
+                  </ask:type>
+                </ask:lineSketchStyleProps>
+              </a:ext>
+            </a:extLst>
+          </a:ln>
+        </p:spPr>
+        <p:style>
+          <a:lnRef idx="2">
+            <a:schemeClr val="accent1">
+              <a:shade val="50000"/>
+            </a:schemeClr>
+          </a:lnRef>
+          <a:fillRef idx="1">
+            <a:schemeClr val="accent1"/>
+          </a:fillRef>
+          <a:effectRef idx="0">
+            <a:schemeClr val="accent1"/>
+          </a:effectRef>
+          <a:fontRef idx="minor">
+            <a:schemeClr val="lt1"/>
+          </a:fontRef>
+        </p:style>
+        <p:txBody>
+          <a:bodyPr rtlCol="0" anchor="ctr"/>
+          <a:lstStyle/>
+          <a:p>
+            <a:pPr algn="ctr"/>
+            <a:endParaRPr lang="en-US"/>
+          </a:p>
+        </p:txBody>
+      </p:sp>
+      <p:graphicFrame>
+        <p:nvGraphicFramePr>
+          <p:cNvPr id="5" name="Content Placeholder 2">
+            <a:extLst>
+              <a:ext uri="{FF2B5EF4-FFF2-40B4-BE49-F238E27FC236}">
+                <a16:creationId xmlns:a16="http://schemas.microsoft.com/office/drawing/2014/main" id="{CBBC9B08-1EF0-E406-EA77-D399DB680EBD}"/>
+              </a:ext>
+            </a:extLst>
+          </p:cNvPr>
+          <p:cNvGraphicFramePr>
+            <a:graphicFrameLocks noGrp="1"/>
+          </p:cNvGraphicFramePr>
+          <p:nvPr>
+            <p:ph idx="1"/>
+            <p:extLst>
+              <p:ext uri="{D42A27DB-BD31-4B8C-83A1-F6EECF244321}">
+                <p14:modId xmlns:p14="http://schemas.microsoft.com/office/powerpoint/2010/main" val="4028283347"/>
+              </p:ext>
+            </p:extLst>
+          </p:nvPr>
+        </p:nvGraphicFramePr>
+        <p:xfrm>
+          <a:off x="4648018" y="640822"/>
+          <a:ext cx="6900512" cy="5536141"/>
+        </p:xfrm>
+        <a:graphic>
+          <a:graphicData uri="http://schemas.openxmlformats.org/drawingml/2006/diagram">
+            <dgm:relIds xmlns:dgm="http://schemas.openxmlformats.org/drawingml/2006/diagram" xmlns:r="http://schemas.openxmlformats.org/officeDocument/2006/relationships" r:dm="rId2" r:lo="rId3" r:qs="rId4" r:cs="rId5"/>
+          </a:graphicData>
+        </a:graphic>
+      </p:graphicFrame>
+    </p:spTree>
+    <p:extLst>
+      <p:ext uri="{BB962C8B-B14F-4D97-AF65-F5344CB8AC3E}">
+        <p14:creationId xmlns:p14="http://schemas.microsoft.com/office/powerpoint/2010/main" val="2742328153"/>
+      </p:ext>
+    </p:extLst>
+  </p:cSld>
+  <p:clrMapOvr>
+    <a:masterClrMapping/>
+  </p:clrMapOvr>
+</p:sld>
+</file>
+
+<file path=ppt/slides/slide7.xml><?xml version="1.0" encoding="utf-8"?>
+<p:sld xmlns:a="http://schemas.openxmlformats.org/drawingml/2006/main" xmlns:r="http://schemas.openxmlformats.org/officeDocument/2006/relationships" xmlns:p="http://schemas.openxmlformats.org/presentationml/2006/main">
+  <p:cSld>
+    <p:bg>
+      <p:bgPr>
+        <a:solidFill>
+          <a:schemeClr val="bg1"/>
+        </a:solidFill>
+        <a:effectLst/>
+      </p:bgPr>
+    </p:bg>
+    <p:spTree>
+      <p:nvGrpSpPr>
+        <p:cNvPr id="1" name=""/>
+        <p:cNvGrpSpPr/>
+        <p:nvPr/>
+      </p:nvGrpSpPr>
+      <p:grpSpPr>
+        <a:xfrm>
+          <a:off x="0" y="0"/>
+          <a:ext cx="0" cy="0"/>
+          <a:chOff x="0" y="0"/>
+          <a:chExt cx="0" cy="0"/>
+        </a:xfrm>
+      </p:grpSpPr>
+      <p:sp useBgFill="1">
+        <p:nvSpPr>
+          <p:cNvPr id="64" name="Rectangle 63">
+            <a:extLst>
+              <a:ext uri="{FF2B5EF4-FFF2-40B4-BE49-F238E27FC236}">
+                <a16:creationId xmlns:a16="http://schemas.microsoft.com/office/drawing/2014/main" id="{9B7AD9F6-8CE7-4299-8FC6-328F4DCD3FF9}"/>
+              </a:ext>
+              <a:ext uri="{C183D7F6-B498-43B3-948B-1728B52AA6E4}">
+                <adec:decorative xmlns:adec="http://schemas.microsoft.com/office/drawing/2017/decorative" val="1"/>
+              </a:ext>
+            </a:extLst>
+          </p:cNvPr>
+          <p:cNvSpPr>
+            <a:spLocks noGrp="1" noRot="1" noChangeAspect="1" noMove="1" noResize="1" noEditPoints="1" noAdjustHandles="1" noChangeArrowheads="1" noChangeShapeType="1" noTextEdit="1"/>
+          </p:cNvSpPr>
+          <p:nvPr>
+            <p:extLst>
+              <p:ext uri="{386F3935-93C4-4BCD-93E2-E3B085C9AB24}">
+                <p16:designElem xmlns:p16="http://schemas.microsoft.com/office/powerpoint/2015/main" val="1"/>
+              </p:ext>
+            </p:extLst>
+          </p:nvPr>
+        </p:nvSpPr>
+        <p:spPr>
+          <a:xfrm>
+            <a:off x="0" y="0"/>
+            <a:ext cx="12188952" cy="6858000"/>
+          </a:xfrm>
+          <a:prstGeom prst="rect">
+            <a:avLst/>
+          </a:prstGeom>
+          <a:ln>
+            <a:noFill/>
+          </a:ln>
+        </p:spPr>
+        <p:style>
+          <a:lnRef idx="2">
+            <a:schemeClr val="accent1">
+              <a:shade val="50000"/>
+            </a:schemeClr>
+          </a:lnRef>
+          <a:fillRef idx="1">
+            <a:schemeClr val="accent1"/>
+          </a:fillRef>
+          <a:effectRef idx="0">
+            <a:schemeClr val="accent1"/>
+          </a:effectRef>
+          <a:fontRef idx="minor">
+            <a:schemeClr val="lt1"/>
+          </a:fontRef>
+        </p:style>
+        <p:txBody>
+          <a:bodyPr rtlCol="0" anchor="ctr"/>
+          <a:lstStyle/>
+          <a:p>
+            <a:pPr algn="ctr"/>
+            <a:endParaRPr lang="en-US"/>
+          </a:p>
+        </p:txBody>
+      </p:sp>
+      <p:sp>
+        <p:nvSpPr>
+          <p:cNvPr id="2" name="Title 1">
+            <a:extLst>
+              <a:ext uri="{FF2B5EF4-FFF2-40B4-BE49-F238E27FC236}">
+                <a16:creationId xmlns:a16="http://schemas.microsoft.com/office/drawing/2014/main" id="{D16C11D4-3A5E-0FFD-1BE9-E572C80AC527}"/>
+              </a:ext>
+            </a:extLst>
+          </p:cNvPr>
+          <p:cNvSpPr>
+            <a:spLocks noGrp="1"/>
+          </p:cNvSpPr>
+          <p:nvPr>
+            <p:ph type="title"/>
+          </p:nvPr>
+        </p:nvSpPr>
+        <p:spPr>
+          <a:xfrm>
+            <a:off x="890338" y="640080"/>
+            <a:ext cx="3734014" cy="3566160"/>
+          </a:xfrm>
+        </p:spPr>
+        <p:txBody>
+          <a:bodyPr vert="horz" lIns="91440" tIns="45720" rIns="91440" bIns="45720" rtlCol="0" anchor="b">
+            <a:normAutofit/>
+          </a:bodyPr>
+          <a:lstStyle/>
+          <a:p>
+            <a:r>
+              <a:rPr lang="en-US" sz="3200" b="1" dirty="0"/>
+              <a:t>Can this help further improvement ? </a:t>
+            </a:r>
+            <a:br>
+              <a:rPr lang="en-US" sz="2600" dirty="0"/>
+            </a:br>
+            <a:br>
+              <a:rPr lang="en-US" sz="2600" dirty="0"/>
+            </a:br>
+            <a:r>
+              <a:rPr lang="en-US" sz="2000" dirty="0"/>
+              <a:t>If one model is highly accurate, assembling with other model is unlikely to improve the overall accuracy.</a:t>
+            </a:r>
+          </a:p>
+        </p:txBody>
+      </p:sp>
+      <p:sp>
+        <p:nvSpPr>
+          <p:cNvPr id="52" name="sketchy line">
+            <a:extLst>
+              <a:ext uri="{FF2B5EF4-FFF2-40B4-BE49-F238E27FC236}">
+                <a16:creationId xmlns:a16="http://schemas.microsoft.com/office/drawing/2014/main" id="{F49775AF-8896-43EE-92C6-83497D6DC56F}"/>
+              </a:ext>
+              <a:ext uri="{C183D7F6-B498-43B3-948B-1728B52AA6E4}">
+                <adec:decorative xmlns:adec="http://schemas.microsoft.com/office/drawing/2017/decorative" val="1"/>
+              </a:ext>
+            </a:extLst>
+          </p:cNvPr>
+          <p:cNvSpPr>
+            <a:spLocks noGrp="1" noRot="1" noChangeAspect="1" noMove="1" noResize="1" noEditPoints="1" noAdjustHandles="1" noChangeArrowheads="1" noChangeShapeType="1" noTextEdit="1"/>
+          </p:cNvSpPr>
+          <p:nvPr>
+            <p:extLst>
+              <p:ext uri="{386F3935-93C4-4BCD-93E2-E3B085C9AB24}">
+                <p16:designElem xmlns:p16="http://schemas.microsoft.com/office/powerpoint/2015/main" val="1"/>
+              </p:ext>
+            </p:extLst>
+          </p:nvPr>
+        </p:nvSpPr>
+        <p:spPr>
+          <a:xfrm>
+            <a:off x="890338" y="4409267"/>
+            <a:ext cx="3474720" cy="18288"/>
+          </a:xfrm>
+          <a:custGeom>
+            <a:avLst/>
+            <a:gdLst>
+              <a:gd name="connsiteX0" fmla="*/ 0 w 3474720"/>
+              <a:gd name="connsiteY0" fmla="*/ 0 h 18288"/>
+              <a:gd name="connsiteX1" fmla="*/ 694944 w 3474720"/>
+              <a:gd name="connsiteY1" fmla="*/ 0 h 18288"/>
+              <a:gd name="connsiteX2" fmla="*/ 1355141 w 3474720"/>
+              <a:gd name="connsiteY2" fmla="*/ 0 h 18288"/>
+              <a:gd name="connsiteX3" fmla="*/ 2015338 w 3474720"/>
+              <a:gd name="connsiteY3" fmla="*/ 0 h 18288"/>
+              <a:gd name="connsiteX4" fmla="*/ 2779776 w 3474720"/>
+              <a:gd name="connsiteY4" fmla="*/ 0 h 18288"/>
+              <a:gd name="connsiteX5" fmla="*/ 3474720 w 3474720"/>
+              <a:gd name="connsiteY5" fmla="*/ 0 h 18288"/>
+              <a:gd name="connsiteX6" fmla="*/ 3474720 w 3474720"/>
+              <a:gd name="connsiteY6" fmla="*/ 18288 h 18288"/>
+              <a:gd name="connsiteX7" fmla="*/ 2779776 w 3474720"/>
+              <a:gd name="connsiteY7" fmla="*/ 18288 h 18288"/>
+              <a:gd name="connsiteX8" fmla="*/ 2189074 w 3474720"/>
+              <a:gd name="connsiteY8" fmla="*/ 18288 h 18288"/>
+              <a:gd name="connsiteX9" fmla="*/ 1528877 w 3474720"/>
+              <a:gd name="connsiteY9" fmla="*/ 18288 h 18288"/>
+              <a:gd name="connsiteX10" fmla="*/ 868680 w 3474720"/>
+              <a:gd name="connsiteY10" fmla="*/ 18288 h 18288"/>
+              <a:gd name="connsiteX11" fmla="*/ 0 w 3474720"/>
+              <a:gd name="connsiteY11" fmla="*/ 18288 h 18288"/>
+              <a:gd name="connsiteX12" fmla="*/ 0 w 3474720"/>
+              <a:gd name="connsiteY12" fmla="*/ 0 h 18288"/>
+            </a:gdLst>
+            <a:ahLst/>
+            <a:cxnLst>
+              <a:cxn ang="0">
+                <a:pos x="connsiteX0" y="connsiteY0"/>
+              </a:cxn>
+              <a:cxn ang="0">
+                <a:pos x="connsiteX1" y="connsiteY1"/>
+              </a:cxn>
+              <a:cxn ang="0">
+                <a:pos x="connsiteX2" y="connsiteY2"/>
+              </a:cxn>
+              <a:cxn ang="0">
+                <a:pos x="connsiteX3" y="connsiteY3"/>
+              </a:cxn>
+              <a:cxn ang="0">
+                <a:pos x="connsiteX4" y="connsiteY4"/>
+              </a:cxn>
+              <a:cxn ang="0">
+                <a:pos x="connsiteX5" y="connsiteY5"/>
+              </a:cxn>
+              <a:cxn ang="0">
+                <a:pos x="connsiteX6" y="connsiteY6"/>
+              </a:cxn>
+              <a:cxn ang="0">
+                <a:pos x="connsiteX7" y="connsiteY7"/>
+              </a:cxn>
+              <a:cxn ang="0">
+                <a:pos x="connsiteX8" y="connsiteY8"/>
+              </a:cxn>
+              <a:cxn ang="0">
+                <a:pos x="connsiteX9" y="connsiteY9"/>
+              </a:cxn>
+              <a:cxn ang="0">
+                <a:pos x="connsiteX10" y="connsiteY10"/>
+              </a:cxn>
+              <a:cxn ang="0">
+                <a:pos x="connsiteX11" y="connsiteY11"/>
+              </a:cxn>
+              <a:cxn ang="0">
+                <a:pos x="connsiteX12" y="connsiteY12"/>
+              </a:cxn>
+            </a:cxnLst>
+            <a:rect l="l" t="t" r="r" b="b"/>
+            <a:pathLst>
+              <a:path w="3474720" h="18288" fill="none" extrusionOk="0">
+                <a:moveTo>
+                  <a:pt x="0" y="0"/>
+                </a:moveTo>
+                <a:cubicBezTo>
+                  <a:pt x="224454" y="-14544"/>
+                  <a:pt x="495407" y="26540"/>
+                  <a:pt x="694944" y="0"/>
+                </a:cubicBezTo>
+                <a:cubicBezTo>
+                  <a:pt x="894481" y="-26540"/>
+                  <a:pt x="1130063" y="24713"/>
+                  <a:pt x="1355141" y="0"/>
+                </a:cubicBezTo>
+                <a:cubicBezTo>
+                  <a:pt x="1580219" y="-24713"/>
+                  <a:pt x="1820099" y="26695"/>
+                  <a:pt x="2015338" y="0"/>
+                </a:cubicBezTo>
+                <a:cubicBezTo>
+                  <a:pt x="2210577" y="-26695"/>
+                  <a:pt x="2402045" y="165"/>
+                  <a:pt x="2779776" y="0"/>
+                </a:cubicBezTo>
+                <a:cubicBezTo>
+                  <a:pt x="3157507" y="-165"/>
+                  <a:pt x="3286859" y="-15571"/>
+                  <a:pt x="3474720" y="0"/>
+                </a:cubicBezTo>
+                <a:cubicBezTo>
+                  <a:pt x="3474286" y="7551"/>
+                  <a:pt x="3474253" y="9822"/>
+                  <a:pt x="3474720" y="18288"/>
+                </a:cubicBezTo>
+                <a:cubicBezTo>
+                  <a:pt x="3233904" y="29845"/>
+                  <a:pt x="2945134" y="-5256"/>
+                  <a:pt x="2779776" y="18288"/>
+                </a:cubicBezTo>
+                <a:cubicBezTo>
+                  <a:pt x="2614418" y="41832"/>
+                  <a:pt x="2339768" y="22709"/>
+                  <a:pt x="2189074" y="18288"/>
+                </a:cubicBezTo>
+                <a:cubicBezTo>
+                  <a:pt x="2038380" y="13867"/>
+                  <a:pt x="1817434" y="-4947"/>
+                  <a:pt x="1528877" y="18288"/>
+                </a:cubicBezTo>
+                <a:cubicBezTo>
+                  <a:pt x="1240320" y="41523"/>
+                  <a:pt x="1042447" y="37198"/>
+                  <a:pt x="868680" y="18288"/>
+                </a:cubicBezTo>
+                <a:cubicBezTo>
+                  <a:pt x="694913" y="-622"/>
+                  <a:pt x="233232" y="44909"/>
+                  <a:pt x="0" y="18288"/>
+                </a:cubicBezTo>
+                <a:cubicBezTo>
+                  <a:pt x="60" y="11696"/>
+                  <a:pt x="66" y="3758"/>
+                  <a:pt x="0" y="0"/>
+                </a:cubicBezTo>
+                <a:close/>
+              </a:path>
+              <a:path w="3474720" h="18288" stroke="0" extrusionOk="0">
+                <a:moveTo>
+                  <a:pt x="0" y="0"/>
+                </a:moveTo>
+                <a:cubicBezTo>
+                  <a:pt x="202328" y="-14716"/>
+                  <a:pt x="332722" y="-11499"/>
+                  <a:pt x="625450" y="0"/>
+                </a:cubicBezTo>
+                <a:cubicBezTo>
+                  <a:pt x="918178" y="11499"/>
+                  <a:pt x="1096688" y="5123"/>
+                  <a:pt x="1389888" y="0"/>
+                </a:cubicBezTo>
+                <a:cubicBezTo>
+                  <a:pt x="1683088" y="-5123"/>
+                  <a:pt x="1835981" y="-14038"/>
+                  <a:pt x="1980590" y="0"/>
+                </a:cubicBezTo>
+                <a:cubicBezTo>
+                  <a:pt x="2125199" y="14038"/>
+                  <a:pt x="2396099" y="-7203"/>
+                  <a:pt x="2571293" y="0"/>
+                </a:cubicBezTo>
+                <a:cubicBezTo>
+                  <a:pt x="2746487" y="7203"/>
+                  <a:pt x="3041609" y="-12036"/>
+                  <a:pt x="3474720" y="0"/>
+                </a:cubicBezTo>
+                <a:cubicBezTo>
+                  <a:pt x="3474638" y="4406"/>
+                  <a:pt x="3474631" y="9982"/>
+                  <a:pt x="3474720" y="18288"/>
+                </a:cubicBezTo>
+                <a:cubicBezTo>
+                  <a:pt x="3324873" y="21876"/>
+                  <a:pt x="3136771" y="12587"/>
+                  <a:pt x="2814523" y="18288"/>
+                </a:cubicBezTo>
+                <a:cubicBezTo>
+                  <a:pt x="2492275" y="23989"/>
+                  <a:pt x="2294402" y="47111"/>
+                  <a:pt x="2154326" y="18288"/>
+                </a:cubicBezTo>
+                <a:cubicBezTo>
+                  <a:pt x="2014250" y="-10535"/>
+                  <a:pt x="1820317" y="33903"/>
+                  <a:pt x="1494130" y="18288"/>
+                </a:cubicBezTo>
+                <a:cubicBezTo>
+                  <a:pt x="1167943" y="2673"/>
+                  <a:pt x="948432" y="14868"/>
+                  <a:pt x="729691" y="18288"/>
+                </a:cubicBezTo>
+                <a:cubicBezTo>
+                  <a:pt x="510950" y="21708"/>
+                  <a:pt x="264032" y="24354"/>
+                  <a:pt x="0" y="18288"/>
+                </a:cubicBezTo>
+                <a:cubicBezTo>
+                  <a:pt x="189" y="14288"/>
+                  <a:pt x="-703" y="3747"/>
+                  <a:pt x="0" y="0"/>
+                </a:cubicBezTo>
+                <a:close/>
+              </a:path>
+            </a:pathLst>
+          </a:custGeom>
+          <a:solidFill>
+            <a:schemeClr val="accent2"/>
+          </a:solidFill>
+          <a:ln w="44450" cap="rnd">
+            <a:solidFill>
+              <a:schemeClr val="accent2"/>
+            </a:solidFill>
+            <a:round/>
+            <a:extLst>
+              <a:ext uri="{C807C97D-BFC1-408E-A445-0C87EB9F89A2}">
+                <ask:lineSketchStyleProps xmlns:ask="http://schemas.microsoft.com/office/drawing/2018/sketchyshapes" sd="2863741219">
+                  <a:prstGeom prst="rect">
+                    <a:avLst/>
+                  </a:prstGeom>
+                  <ask:type>
+                    <ask:lineSketchFreehand/>
+                  </ask:type>
+                </ask:lineSketchStyleProps>
+              </a:ext>
+            </a:extLst>
+          </a:ln>
+        </p:spPr>
+        <p:style>
+          <a:lnRef idx="2">
+            <a:schemeClr val="accent1">
+              <a:shade val="50000"/>
+            </a:schemeClr>
+          </a:lnRef>
+          <a:fillRef idx="1">
+            <a:schemeClr val="accent1"/>
+          </a:fillRef>
+          <a:effectRef idx="0">
+            <a:schemeClr val="accent1"/>
+          </a:effectRef>
+          <a:fontRef idx="minor">
+            <a:schemeClr val="lt1"/>
+          </a:fontRef>
+        </p:style>
+        <p:txBody>
+          <a:bodyPr rtlCol="0" anchor="ctr"/>
+          <a:lstStyle/>
+          <a:p>
+            <a:pPr algn="ctr"/>
+            <a:endParaRPr lang="en-US"/>
+          </a:p>
+        </p:txBody>
+      </p:sp>
+      <p:graphicFrame>
+        <p:nvGraphicFramePr>
+          <p:cNvPr id="7" name="Content Placeholder 6">
+            <a:extLst>
+              <a:ext uri="{FF2B5EF4-FFF2-40B4-BE49-F238E27FC236}">
+                <a16:creationId xmlns:a16="http://schemas.microsoft.com/office/drawing/2014/main" id="{C4A148F3-207C-4E8D-8EF4-53230AED821A}"/>
+              </a:ext>
+            </a:extLst>
+          </p:cNvPr>
+          <p:cNvGraphicFramePr>
+            <a:graphicFrameLocks noGrp="1"/>
+          </p:cNvGraphicFramePr>
+          <p:nvPr>
+            <p:ph idx="1"/>
+            <p:extLst>
+              <p:ext uri="{D42A27DB-BD31-4B8C-83A1-F6EECF244321}">
+                <p14:modId xmlns:p14="http://schemas.microsoft.com/office/powerpoint/2010/main" val="1382211875"/>
+              </p:ext>
+            </p:extLst>
+          </p:nvPr>
+        </p:nvGraphicFramePr>
+        <p:xfrm>
+          <a:off x="8196585" y="3875499"/>
+          <a:ext cx="3992367" cy="2776536"/>
+        </p:xfrm>
+        <a:graphic>
+          <a:graphicData uri="http://schemas.openxmlformats.org/drawingml/2006/diagram">
+            <dgm:relIds xmlns:dgm="http://schemas.openxmlformats.org/drawingml/2006/diagram" xmlns:r="http://schemas.openxmlformats.org/officeDocument/2006/relationships" r:dm="rId3" r:lo="rId4" r:qs="rId5" r:cs="rId6"/>
+          </a:graphicData>
+        </a:graphic>
+      </p:graphicFrame>
+      <p:graphicFrame>
+        <p:nvGraphicFramePr>
+          <p:cNvPr id="3" name="Content Placeholder 6">
+            <a:extLst>
+              <a:ext uri="{FF2B5EF4-FFF2-40B4-BE49-F238E27FC236}">
+                <a16:creationId xmlns:a16="http://schemas.microsoft.com/office/drawing/2014/main" id="{4FC9D468-9A31-AC54-1240-392FF8B1EE87}"/>
+              </a:ext>
+            </a:extLst>
+          </p:cNvPr>
+          <p:cNvGraphicFramePr>
+            <a:graphicFrameLocks/>
+          </p:cNvGraphicFramePr>
+          <p:nvPr>
+            <p:extLst>
+              <p:ext uri="{D42A27DB-BD31-4B8C-83A1-F6EECF244321}">
+                <p14:modId xmlns:p14="http://schemas.microsoft.com/office/powerpoint/2010/main" val="3707468698"/>
+              </p:ext>
+            </p:extLst>
+          </p:nvPr>
+        </p:nvGraphicFramePr>
+        <p:xfrm>
+          <a:off x="4851305" y="778212"/>
+          <a:ext cx="4876356" cy="3097287"/>
+        </p:xfrm>
+        <a:graphic>
+          <a:graphicData uri="http://schemas.openxmlformats.org/drawingml/2006/diagram">
+            <dgm:relIds xmlns:dgm="http://schemas.openxmlformats.org/drawingml/2006/diagram" xmlns:r="http://schemas.openxmlformats.org/officeDocument/2006/relationships" r:dm="rId8" r:lo="rId9" r:qs="rId10" r:cs="rId11"/>
+          </a:graphicData>
+        </a:graphic>
+      </p:graphicFrame>
+    </p:spTree>
+    <p:extLst>
+      <p:ext uri="{BB962C8B-B14F-4D97-AF65-F5344CB8AC3E}">
+        <p14:creationId xmlns:p14="http://schemas.microsoft.com/office/powerpoint/2010/main" val="320234465"/>
+      </p:ext>
+    </p:extLst>
+  </p:cSld>
+  <p:clrMapOvr>
+    <a:masterClrMapping/>
+  </p:clrMapOvr>
+</p:sld>
+</file>
+
+<file path=ppt/slides/slide8.xml><?xml version="1.0" encoding="utf-8"?>
+<p:sld xmlns:a="http://schemas.openxmlformats.org/drawingml/2006/main" xmlns:r="http://schemas.openxmlformats.org/officeDocument/2006/relationships" xmlns:p="http://schemas.openxmlformats.org/presentationml/2006/main">
+  <p:cSld>
+    <p:bg>
+      <p:bgPr>
+        <a:solidFill>
+          <a:schemeClr val="bg1"/>
+        </a:solidFill>
+        <a:effectLst/>
+      </p:bgPr>
+    </p:bg>
+    <p:spTree>
+      <p:nvGrpSpPr>
+        <p:cNvPr id="1" name=""/>
+        <p:cNvGrpSpPr/>
+        <p:nvPr/>
+      </p:nvGrpSpPr>
+      <p:grpSpPr>
+        <a:xfrm>
+          <a:off x="0" y="0"/>
+          <a:ext cx="0" cy="0"/>
+          <a:chOff x="0" y="0"/>
+          <a:chExt cx="0" cy="0"/>
+        </a:xfrm>
+      </p:grpSpPr>
+      <p:pic>
+        <p:nvPicPr>
+          <p:cNvPr id="4" name="Picture 3" descr="A blue squares with white text&#10;&#10;Description automatically generated">
+            <a:extLst>
+              <a:ext uri="{FF2B5EF4-FFF2-40B4-BE49-F238E27FC236}">
+                <a16:creationId xmlns:a16="http://schemas.microsoft.com/office/drawing/2014/main" id="{E8CCB4C3-A1E3-C498-4505-DC6818B92938}"/>
+              </a:ext>
+            </a:extLst>
+          </p:cNvPr>
+          <p:cNvPicPr>
+            <a:picLocks noChangeAspect="1"/>
+          </p:cNvPicPr>
+          <p:nvPr/>
+        </p:nvPicPr>
+        <p:blipFill>
+          <a:blip r:embed="rId2"/>
+          <a:stretch>
+            <a:fillRect/>
+          </a:stretch>
+        </p:blipFill>
+        <p:spPr>
+          <a:xfrm>
+            <a:off x="4322200" y="1773903"/>
+            <a:ext cx="3517119" cy="3270920"/>
+          </a:xfrm>
+          <a:prstGeom prst="rect">
+            <a:avLst/>
+          </a:prstGeom>
+        </p:spPr>
+      </p:pic>
+      <p:cxnSp>
+        <p:nvCxnSpPr>
+          <p:cNvPr id="11" name="Straight Connector 10">
+            <a:extLst>
+              <a:ext uri="{FF2B5EF4-FFF2-40B4-BE49-F238E27FC236}">
+                <a16:creationId xmlns:a16="http://schemas.microsoft.com/office/drawing/2014/main" id="{DCD67800-37AC-4E14-89B0-F79DCB3FB86D}"/>
+              </a:ext>
+              <a:ext uri="{C183D7F6-B498-43B3-948B-1728B52AA6E4}">
+                <adec:decorative xmlns:adec="http://schemas.microsoft.com/office/drawing/2017/decorative" val="1"/>
+              </a:ext>
+            </a:extLst>
+          </p:cNvPr>
+          <p:cNvCxnSpPr>
+            <a:cxnSpLocks noGrp="1" noRot="1" noChangeAspect="1" noMove="1" noResize="1" noEditPoints="1" noAdjustHandles="1" noChangeArrowheads="1" noChangeShapeType="1"/>
+          </p:cNvCxnSpPr>
+          <p:nvPr>
+            <p:extLst>
+              <p:ext uri="{386F3935-93C4-4BCD-93E2-E3B085C9AB24}">
+                <p16:designElem xmlns:p16="http://schemas.microsoft.com/office/powerpoint/2015/main" val="1"/>
+              </p:ext>
+            </p:extLst>
+          </p:nvPr>
+        </p:nvCxnSpPr>
+        <p:spPr>
+          <a:xfrm>
+            <a:off x="4165600" y="1573887"/>
+            <a:ext cx="0" cy="3710227"/>
+          </a:xfrm>
+          <a:prstGeom prst="line">
+            <a:avLst/>
+          </a:prstGeom>
+          <a:ln w="19050">
+            <a:solidFill>
+              <a:srgbClr val="7F7F7F"/>
+            </a:solidFill>
+          </a:ln>
+        </p:spPr>
+        <p:style>
+          <a:lnRef idx="1">
+            <a:schemeClr val="accent1"/>
+          </a:lnRef>
+          <a:fillRef idx="0">
+            <a:schemeClr val="accent1"/>
+          </a:fillRef>
+          <a:effectRef idx="0">
+            <a:schemeClr val="accent1"/>
+          </a:effectRef>
+          <a:fontRef idx="minor">
+            <a:schemeClr val="tx1"/>
+          </a:fontRef>
+        </p:style>
+      </p:cxnSp>
+      <p:pic>
+        <p:nvPicPr>
+          <p:cNvPr id="5" name="Content Placeholder 9" descr="A blue squares with white text&#10;&#10;Description automatically generated">
+            <a:extLst>
+              <a:ext uri="{FF2B5EF4-FFF2-40B4-BE49-F238E27FC236}">
+                <a16:creationId xmlns:a16="http://schemas.microsoft.com/office/drawing/2014/main" id="{51257B1A-7131-4C21-57DB-A94CCD2D56AC}"/>
+              </a:ext>
+            </a:extLst>
+          </p:cNvPr>
+          <p:cNvPicPr>
+            <a:picLocks noChangeAspect="1"/>
+          </p:cNvPicPr>
+          <p:nvPr/>
+        </p:nvPicPr>
+        <p:blipFill>
+          <a:blip r:embed="rId3"/>
+          <a:stretch>
+            <a:fillRect/>
+          </a:stretch>
+        </p:blipFill>
+        <p:spPr>
+          <a:xfrm>
+            <a:off x="7869801" y="1790467"/>
+            <a:ext cx="3537345" cy="3254356"/>
+          </a:xfrm>
+          <a:prstGeom prst="rect">
+            <a:avLst/>
+          </a:prstGeom>
+        </p:spPr>
+      </p:pic>
+      <p:cxnSp>
+        <p:nvCxnSpPr>
+          <p:cNvPr id="13" name="Straight Connector 12">
+            <a:extLst>
+              <a:ext uri="{FF2B5EF4-FFF2-40B4-BE49-F238E27FC236}">
+                <a16:creationId xmlns:a16="http://schemas.microsoft.com/office/drawing/2014/main" id="{20F1788F-A5AE-4188-8274-F7F2E3833ECD}"/>
+              </a:ext>
+              <a:ext uri="{C183D7F6-B498-43B3-948B-1728B52AA6E4}">
+                <adec:decorative xmlns:adec="http://schemas.microsoft.com/office/drawing/2017/decorative" val="1"/>
+              </a:ext>
+            </a:extLst>
+          </p:cNvPr>
+          <p:cNvCxnSpPr>
+            <a:cxnSpLocks noGrp="1" noRot="1" noChangeAspect="1" noMove="1" noResize="1" noEditPoints="1" noAdjustHandles="1" noChangeArrowheads="1" noChangeShapeType="1"/>
+          </p:cNvCxnSpPr>
+          <p:nvPr>
+            <p:extLst>
+              <p:ext uri="{386F3935-93C4-4BCD-93E2-E3B085C9AB24}">
+                <p16:designElem xmlns:p16="http://schemas.microsoft.com/office/powerpoint/2015/main" val="1"/>
+              </p:ext>
+            </p:extLst>
+          </p:nvPr>
+        </p:nvCxnSpPr>
+        <p:spPr>
+          <a:xfrm>
+            <a:off x="7995920" y="1573887"/>
+            <a:ext cx="0" cy="3710227"/>
+          </a:xfrm>
+          <a:prstGeom prst="line">
+            <a:avLst/>
+          </a:prstGeom>
+          <a:ln w="19050">
+            <a:solidFill>
+              <a:srgbClr val="7F7F7F"/>
+            </a:solidFill>
+          </a:ln>
+        </p:spPr>
+        <p:style>
+          <a:lnRef idx="1">
+            <a:schemeClr val="accent1"/>
+          </a:lnRef>
+          <a:fillRef idx="0">
+            <a:schemeClr val="accent1"/>
+          </a:fillRef>
+          <a:effectRef idx="0">
+            <a:schemeClr val="accent1"/>
+          </a:effectRef>
+          <a:fontRef idx="minor">
+            <a:schemeClr val="tx1"/>
+          </a:fontRef>
+        </p:style>
+      </p:cxnSp>
+      <p:pic>
+        <p:nvPicPr>
+          <p:cNvPr id="6" name="Content Placeholder 15" descr="A blue and white graph&#10;&#10;Description automatically generated">
+            <a:extLst>
+              <a:ext uri="{FF2B5EF4-FFF2-40B4-BE49-F238E27FC236}">
+                <a16:creationId xmlns:a16="http://schemas.microsoft.com/office/drawing/2014/main" id="{7A9D9373-1E99-1F6B-1EE4-10E10364F865}"/>
+              </a:ext>
+            </a:extLst>
+          </p:cNvPr>
+          <p:cNvPicPr>
+            <a:picLocks noChangeAspect="1"/>
+          </p:cNvPicPr>
+          <p:nvPr/>
+        </p:nvPicPr>
+        <p:blipFill>
+          <a:blip r:embed="rId4"/>
+          <a:stretch>
+            <a:fillRect/>
+          </a:stretch>
+        </p:blipFill>
+        <p:spPr>
+          <a:xfrm>
+            <a:off x="461400" y="1773903"/>
+            <a:ext cx="3517120" cy="3244543"/>
+          </a:xfrm>
+          <a:prstGeom prst="rect">
+            <a:avLst/>
+          </a:prstGeom>
+          <a:solidFill>
+            <a:srgbClr val="FFFFFF">
+              <a:shade val="85000"/>
+            </a:srgbClr>
+          </a:solidFill>
+          <a:scene3d>
+            <a:camera prst="orthographicFront"/>
+            <a:lightRig rig="twoPt" dir="t">
+              <a:rot lat="0" lon="0" rev="7200000"/>
+            </a:lightRig>
+          </a:scene3d>
+          <a:sp3d>
+            <a:bevelT w="25400" h="19050"/>
+            <a:contourClr>
+              <a:srgbClr val="FFFFFF"/>
+            </a:contourClr>
+          </a:sp3d>
+        </p:spPr>
+      </p:pic>
+      <p:sp>
+        <p:nvSpPr>
+          <p:cNvPr id="7" name="&quot;Not Allowed&quot; Symbol 6">
+            <a:extLst>
+              <a:ext uri="{FF2B5EF4-FFF2-40B4-BE49-F238E27FC236}">
+                <a16:creationId xmlns:a16="http://schemas.microsoft.com/office/drawing/2014/main" id="{E1D54D72-ED59-C6A9-1DB3-EE69161881A4}"/>
+              </a:ext>
+            </a:extLst>
+          </p:cNvPr>
+          <p:cNvSpPr/>
+          <p:nvPr/>
+        </p:nvSpPr>
+        <p:spPr>
+          <a:xfrm>
+            <a:off x="1371600" y="4280170"/>
+            <a:ext cx="214009" cy="204281"/>
+          </a:xfrm>
+          <a:prstGeom prst="noSmoking">
+            <a:avLst/>
+          </a:prstGeom>
+          <a:solidFill>
+            <a:schemeClr val="accent2"/>
+          </a:solidFill>
+        </p:spPr>
+        <p:style>
+          <a:lnRef idx="2">
+            <a:schemeClr val="accent1">
+              <a:shade val="15000"/>
+            </a:schemeClr>
+          </a:lnRef>
+          <a:fillRef idx="1">
+            <a:schemeClr val="accent1"/>
+          </a:fillRef>
+          <a:effectRef idx="0">
+            <a:schemeClr val="accent1"/>
+          </a:effectRef>
+          <a:fontRef idx="minor">
+            <a:schemeClr val="lt1"/>
+          </a:fontRef>
+        </p:style>
+        <p:txBody>
+          <a:bodyPr rtlCol="0" anchor="ctr"/>
+          <a:lstStyle/>
+          <a:p>
+            <a:pPr algn="ctr"/>
+            <a:endParaRPr lang="en-US">
+              <a:solidFill>
+                <a:schemeClr val="tx1"/>
+              </a:solidFill>
+            </a:endParaRPr>
+          </a:p>
+        </p:txBody>
+      </p:sp>
+      <p:sp>
+        <p:nvSpPr>
+          <p:cNvPr id="8" name="&quot;Not Allowed&quot; Symbol 7">
+            <a:extLst>
+              <a:ext uri="{FF2B5EF4-FFF2-40B4-BE49-F238E27FC236}">
+                <a16:creationId xmlns:a16="http://schemas.microsoft.com/office/drawing/2014/main" id="{C154E393-62AE-0634-D826-132AEA4DB35B}"/>
+              </a:ext>
+            </a:extLst>
+          </p:cNvPr>
+          <p:cNvSpPr/>
+          <p:nvPr/>
+        </p:nvSpPr>
+        <p:spPr>
+          <a:xfrm>
+            <a:off x="5078998" y="4280170"/>
+            <a:ext cx="214009" cy="204281"/>
+          </a:xfrm>
+          <a:prstGeom prst="noSmoking">
+            <a:avLst/>
+          </a:prstGeom>
+          <a:solidFill>
+            <a:schemeClr val="accent2"/>
+          </a:solidFill>
+        </p:spPr>
+        <p:style>
+          <a:lnRef idx="2">
+            <a:schemeClr val="accent1">
+              <a:shade val="15000"/>
+            </a:schemeClr>
+          </a:lnRef>
+          <a:fillRef idx="1">
+            <a:schemeClr val="accent1"/>
+          </a:fillRef>
+          <a:effectRef idx="0">
+            <a:schemeClr val="accent1"/>
+          </a:effectRef>
+          <a:fontRef idx="minor">
+            <a:schemeClr val="lt1"/>
+          </a:fontRef>
+        </p:style>
+        <p:txBody>
+          <a:bodyPr rtlCol="0" anchor="ctr"/>
+          <a:lstStyle/>
+          <a:p>
+            <a:pPr algn="ctr"/>
+            <a:endParaRPr lang="en-US">
+              <a:solidFill>
+                <a:schemeClr val="tx1"/>
+              </a:solidFill>
+            </a:endParaRPr>
+          </a:p>
+        </p:txBody>
+      </p:sp>
+      <p:sp>
+        <p:nvSpPr>
+          <p:cNvPr id="9" name="Smiley Face 8">
+            <a:extLst>
+              <a:ext uri="{FF2B5EF4-FFF2-40B4-BE49-F238E27FC236}">
+                <a16:creationId xmlns:a16="http://schemas.microsoft.com/office/drawing/2014/main" id="{EBB507D8-7FDC-7945-4CF3-370117E96D55}"/>
+              </a:ext>
+            </a:extLst>
+          </p:cNvPr>
+          <p:cNvSpPr/>
+          <p:nvPr/>
+        </p:nvSpPr>
+        <p:spPr>
+          <a:xfrm>
+            <a:off x="8791470" y="4280170"/>
+            <a:ext cx="214003" cy="204281"/>
+          </a:xfrm>
+          <a:prstGeom prst="smileyFace">
+            <a:avLst/>
+          </a:prstGeom>
+          <a:solidFill>
+            <a:schemeClr val="accent2"/>
+          </a:solidFill>
+        </p:spPr>
+        <p:style>
+          <a:lnRef idx="2">
+            <a:schemeClr val="accent1">
+              <a:shade val="15000"/>
+            </a:schemeClr>
+          </a:lnRef>
+          <a:fillRef idx="1">
+            <a:schemeClr val="accent1"/>
+          </a:fillRef>
+          <a:effectRef idx="0">
+            <a:schemeClr val="accent1"/>
+          </a:effectRef>
+          <a:fontRef idx="minor">
+            <a:schemeClr val="lt1"/>
+          </a:fontRef>
+        </p:style>
+        <p:txBody>
+          <a:bodyPr rtlCol="0" anchor="ctr"/>
+          <a:lstStyle/>
+          <a:p>
+            <a:pPr algn="ctr"/>
+            <a:endParaRPr lang="en-US"/>
+          </a:p>
+        </p:txBody>
+      </p:sp>
+    </p:spTree>
+    <p:extLst>
+      <p:ext uri="{BB962C8B-B14F-4D97-AF65-F5344CB8AC3E}">
+        <p14:creationId xmlns:p14="http://schemas.microsoft.com/office/powerpoint/2010/main" val="3805467070"/>
+      </p:ext>
+    </p:extLst>
+  </p:cSld>
+  <p:clrMapOvr>
+    <a:masterClrMapping/>
+  </p:clrMapOvr>
+</p:sld>
+</file>
+
+<file path=ppt/slides/slide9.xml><?xml version="1.0" encoding="utf-8"?>
+<p:sld xmlns:a="http://schemas.openxmlformats.org/drawingml/2006/main" xmlns:r="http://schemas.openxmlformats.org/officeDocument/2006/relationships" xmlns:p="http://schemas.openxmlformats.org/presentationml/2006/main">
+  <p:cSld>
+    <p:bg>
+      <p:bgPr>
+        <a:solidFill>
+          <a:schemeClr val="bg1"/>
+        </a:solidFill>
+        <a:effectLst/>
+      </p:bgPr>
+    </p:bg>
+    <p:spTree>
+      <p:nvGrpSpPr>
+        <p:cNvPr id="1" name=""/>
+        <p:cNvGrpSpPr/>
+        <p:nvPr/>
+      </p:nvGrpSpPr>
+      <p:grpSpPr>
+        <a:xfrm>
+          <a:off x="0" y="0"/>
+          <a:ext cx="0" cy="0"/>
+          <a:chOff x="0" y="0"/>
+          <a:chExt cx="0" cy="0"/>
+        </a:xfrm>
+      </p:grpSpPr>
+      <p:sp useBgFill="1">
+        <p:nvSpPr>
+          <p:cNvPr id="10" name="Rectangle 9">
+            <a:extLst>
+              <a:ext uri="{FF2B5EF4-FFF2-40B4-BE49-F238E27FC236}">
+                <a16:creationId xmlns:a16="http://schemas.microsoft.com/office/drawing/2014/main" id="{743AA782-23D1-4521-8CAD-47662984AA08}"/>
+              </a:ext>
+              <a:ext uri="{C183D7F6-B498-43B3-948B-1728B52AA6E4}">
+                <adec:decorative xmlns:adec="http://schemas.microsoft.com/office/drawing/2017/decorative" val="1"/>
+              </a:ext>
+            </a:extLst>
+          </p:cNvPr>
+          <p:cNvSpPr>
+            <a:spLocks noGrp="1" noRot="1" noChangeAspect="1" noMove="1" noResize="1" noEditPoints="1" noAdjustHandles="1" noChangeArrowheads="1" noChangeShapeType="1" noTextEdit="1"/>
+          </p:cNvSpPr>
+          <p:nvPr>
+            <p:extLst>
+              <p:ext uri="{386F3935-93C4-4BCD-93E2-E3B085C9AB24}">
+                <p16:designElem xmlns:p16="http://schemas.microsoft.com/office/powerpoint/2015/main" val="1"/>
+              </p:ext>
+            </p:extLst>
+          </p:nvPr>
+        </p:nvSpPr>
+        <p:spPr>
+          <a:xfrm>
+            <a:off x="0" y="0"/>
+            <a:ext cx="12192000" cy="6858000"/>
+          </a:xfrm>
+          <a:prstGeom prst="rect">
+            <a:avLst/>
+          </a:prstGeom>
+          <a:ln>
+            <a:noFill/>
+          </a:ln>
+        </p:spPr>
+        <p:style>
+          <a:lnRef idx="2">
+            <a:schemeClr val="accent1">
+              <a:shade val="50000"/>
+            </a:schemeClr>
+          </a:lnRef>
+          <a:fillRef idx="1">
+            <a:schemeClr val="accent1"/>
+          </a:fillRef>
+          <a:effectRef idx="0">
+            <a:schemeClr val="accent1"/>
+          </a:effectRef>
+          <a:fontRef idx="minor">
+            <a:schemeClr val="lt1"/>
+          </a:fontRef>
+        </p:style>
+        <p:txBody>
+          <a:bodyPr rtlCol="0" anchor="ctr"/>
+          <a:lstStyle/>
+          <a:p>
+            <a:pPr algn="ctr"/>
+            <a:endParaRPr lang="en-US"/>
+          </a:p>
+        </p:txBody>
+      </p:sp>
+      <p:sp>
+        <p:nvSpPr>
+          <p:cNvPr id="2" name="Title 1">
+            <a:extLst>
+              <a:ext uri="{FF2B5EF4-FFF2-40B4-BE49-F238E27FC236}">
+                <a16:creationId xmlns:a16="http://schemas.microsoft.com/office/drawing/2014/main" id="{813117B0-1D65-49CA-95E9-828CF423B6A0}"/>
+              </a:ext>
+            </a:extLst>
+          </p:cNvPr>
+          <p:cNvSpPr>
+            <a:spLocks noGrp="1"/>
+          </p:cNvSpPr>
+          <p:nvPr>
+            <p:ph type="title"/>
+          </p:nvPr>
+        </p:nvSpPr>
+        <p:spPr>
+          <a:xfrm>
+            <a:off x="630936" y="640080"/>
+            <a:ext cx="4818888" cy="1481328"/>
+          </a:xfrm>
+        </p:spPr>
+        <p:txBody>
+          <a:bodyPr vert="horz" lIns="91440" tIns="45720" rIns="91440" bIns="45720" rtlCol="0" anchor="b">
+            <a:normAutofit/>
+          </a:bodyPr>
+          <a:lstStyle/>
+          <a:p>
+            <a:r>
+              <a:rPr lang="en-US" sz="3800" b="1" kern="1200" dirty="0">
+                <a:solidFill>
+                  <a:schemeClr val="tx1"/>
+                </a:solidFill>
+                <a:latin typeface="+mj-lt"/>
+                <a:ea typeface="+mj-ea"/>
+                <a:cs typeface="+mj-cs"/>
+              </a:rPr>
+              <a:t>Can we improve using neural network ? </a:t>
+            </a:r>
+          </a:p>
+        </p:txBody>
+      </p:sp>
+      <p:sp>
+        <p:nvSpPr>
+          <p:cNvPr id="12" name="sketch line">
+            <a:extLst>
+              <a:ext uri="{FF2B5EF4-FFF2-40B4-BE49-F238E27FC236}">
+                <a16:creationId xmlns:a16="http://schemas.microsoft.com/office/drawing/2014/main" id="{71877DBC-BB60-40F0-AC93-2ACDBAAE60CE}"/>
+              </a:ext>
+              <a:ext uri="{C183D7F6-B498-43B3-948B-1728B52AA6E4}">
+                <adec:decorative xmlns:adec="http://schemas.microsoft.com/office/drawing/2017/decorative" val="1"/>
+              </a:ext>
+            </a:extLst>
+          </p:cNvPr>
+          <p:cNvSpPr>
+            <a:spLocks noGrp="1" noRot="1" noChangeAspect="1" noMove="1" noResize="1" noEditPoints="1" noAdjustHandles="1" noChangeArrowheads="1" noChangeShapeType="1" noTextEdit="1"/>
+          </p:cNvSpPr>
+          <p:nvPr>
+            <p:extLst>
+              <p:ext uri="{386F3935-93C4-4BCD-93E2-E3B085C9AB24}">
+                <p16:designElem xmlns:p16="http://schemas.microsoft.com/office/powerpoint/2015/main" val="1"/>
+              </p:ext>
+            </p:extLst>
+          </p:nvPr>
+        </p:nvSpPr>
+        <p:spPr>
+          <a:xfrm>
+            <a:off x="643278" y="2372868"/>
+            <a:ext cx="3255095" cy="18288"/>
+          </a:xfrm>
+          <a:custGeom>
+            <a:avLst/>
+            <a:gdLst>
+              <a:gd name="connsiteX0" fmla="*/ 0 w 3255095"/>
+              <a:gd name="connsiteY0" fmla="*/ 0 h 18288"/>
+              <a:gd name="connsiteX1" fmla="*/ 618468 w 3255095"/>
+              <a:gd name="connsiteY1" fmla="*/ 0 h 18288"/>
+              <a:gd name="connsiteX2" fmla="*/ 1269487 w 3255095"/>
+              <a:gd name="connsiteY2" fmla="*/ 0 h 18288"/>
+              <a:gd name="connsiteX3" fmla="*/ 1953057 w 3255095"/>
+              <a:gd name="connsiteY3" fmla="*/ 0 h 18288"/>
+              <a:gd name="connsiteX4" fmla="*/ 2636627 w 3255095"/>
+              <a:gd name="connsiteY4" fmla="*/ 0 h 18288"/>
+              <a:gd name="connsiteX5" fmla="*/ 3255095 w 3255095"/>
+              <a:gd name="connsiteY5" fmla="*/ 0 h 18288"/>
+              <a:gd name="connsiteX6" fmla="*/ 3255095 w 3255095"/>
+              <a:gd name="connsiteY6" fmla="*/ 18288 h 18288"/>
+              <a:gd name="connsiteX7" fmla="*/ 2538974 w 3255095"/>
+              <a:gd name="connsiteY7" fmla="*/ 18288 h 18288"/>
+              <a:gd name="connsiteX8" fmla="*/ 1822853 w 3255095"/>
+              <a:gd name="connsiteY8" fmla="*/ 18288 h 18288"/>
+              <a:gd name="connsiteX9" fmla="*/ 1171834 w 3255095"/>
+              <a:gd name="connsiteY9" fmla="*/ 18288 h 18288"/>
+              <a:gd name="connsiteX10" fmla="*/ 0 w 3255095"/>
+              <a:gd name="connsiteY10" fmla="*/ 18288 h 18288"/>
+              <a:gd name="connsiteX11" fmla="*/ 0 w 3255095"/>
+              <a:gd name="connsiteY11" fmla="*/ 0 h 18288"/>
+            </a:gdLst>
+            <a:ahLst/>
+            <a:cxnLst>
+              <a:cxn ang="0">
+                <a:pos x="connsiteX0" y="connsiteY0"/>
+              </a:cxn>
+              <a:cxn ang="0">
+                <a:pos x="connsiteX1" y="connsiteY1"/>
+              </a:cxn>
+              <a:cxn ang="0">
+                <a:pos x="connsiteX2" y="connsiteY2"/>
+              </a:cxn>
+              <a:cxn ang="0">
+                <a:pos x="connsiteX3" y="connsiteY3"/>
+              </a:cxn>
+              <a:cxn ang="0">
+                <a:pos x="connsiteX4" y="connsiteY4"/>
+              </a:cxn>
+              <a:cxn ang="0">
+                <a:pos x="connsiteX5" y="connsiteY5"/>
+              </a:cxn>
+              <a:cxn ang="0">
+                <a:pos x="connsiteX6" y="connsiteY6"/>
+              </a:cxn>
+              <a:cxn ang="0">
+                <a:pos x="connsiteX7" y="connsiteY7"/>
+              </a:cxn>
+              <a:cxn ang="0">
+                <a:pos x="connsiteX8" y="connsiteY8"/>
+              </a:cxn>
+              <a:cxn ang="0">
+                <a:pos x="connsiteX9" y="connsiteY9"/>
+              </a:cxn>
+              <a:cxn ang="0">
+                <a:pos x="connsiteX10" y="connsiteY10"/>
+              </a:cxn>
+              <a:cxn ang="0">
+                <a:pos x="connsiteX11" y="connsiteY11"/>
+              </a:cxn>
+            </a:cxnLst>
+            <a:rect l="l" t="t" r="r" b="b"/>
+            <a:pathLst>
+              <a:path w="3255095" h="18288" fill="none" extrusionOk="0">
+                <a:moveTo>
+                  <a:pt x="0" y="0"/>
+                </a:moveTo>
+                <a:cubicBezTo>
+                  <a:pt x="240201" y="-22123"/>
+                  <a:pt x="462021" y="-19623"/>
+                  <a:pt x="618468" y="0"/>
+                </a:cubicBezTo>
+                <a:cubicBezTo>
+                  <a:pt x="774915" y="19623"/>
+                  <a:pt x="974734" y="2035"/>
+                  <a:pt x="1269487" y="0"/>
+                </a:cubicBezTo>
+                <a:cubicBezTo>
+                  <a:pt x="1564240" y="-2035"/>
+                  <a:pt x="1733579" y="10639"/>
+                  <a:pt x="1953057" y="0"/>
+                </a:cubicBezTo>
+                <a:cubicBezTo>
+                  <a:pt x="2172535" y="-10639"/>
+                  <a:pt x="2453962" y="14018"/>
+                  <a:pt x="2636627" y="0"/>
+                </a:cubicBezTo>
+                <a:cubicBezTo>
+                  <a:pt x="2819292" y="-14018"/>
+                  <a:pt x="3121375" y="5399"/>
+                  <a:pt x="3255095" y="0"/>
+                </a:cubicBezTo>
+                <a:cubicBezTo>
+                  <a:pt x="3254386" y="8157"/>
+                  <a:pt x="3254682" y="12125"/>
+                  <a:pt x="3255095" y="18288"/>
+                </a:cubicBezTo>
+                <a:cubicBezTo>
+                  <a:pt x="3088545" y="23203"/>
+                  <a:pt x="2687475" y="7419"/>
+                  <a:pt x="2538974" y="18288"/>
+                </a:cubicBezTo>
+                <a:cubicBezTo>
+                  <a:pt x="2390473" y="29157"/>
+                  <a:pt x="2137381" y="-8959"/>
+                  <a:pt x="1822853" y="18288"/>
+                </a:cubicBezTo>
+                <a:cubicBezTo>
+                  <a:pt x="1508325" y="45535"/>
+                  <a:pt x="1466437" y="20385"/>
+                  <a:pt x="1171834" y="18288"/>
+                </a:cubicBezTo>
+                <a:cubicBezTo>
+                  <a:pt x="877231" y="16191"/>
+                  <a:pt x="561097" y="37643"/>
+                  <a:pt x="0" y="18288"/>
+                </a:cubicBezTo>
+                <a:cubicBezTo>
+                  <a:pt x="-46" y="12483"/>
+                  <a:pt x="-203" y="6491"/>
+                  <a:pt x="0" y="0"/>
+                </a:cubicBezTo>
+                <a:close/>
+              </a:path>
+              <a:path w="3255095" h="18288" stroke="0" extrusionOk="0">
+                <a:moveTo>
+                  <a:pt x="0" y="0"/>
+                </a:moveTo>
+                <a:cubicBezTo>
+                  <a:pt x="291965" y="19429"/>
+                  <a:pt x="363155" y="8568"/>
+                  <a:pt x="618468" y="0"/>
+                </a:cubicBezTo>
+                <a:cubicBezTo>
+                  <a:pt x="873781" y="-8568"/>
+                  <a:pt x="904459" y="-19505"/>
+                  <a:pt x="1171834" y="0"/>
+                </a:cubicBezTo>
+                <a:cubicBezTo>
+                  <a:pt x="1439209" y="19505"/>
+                  <a:pt x="1744369" y="9790"/>
+                  <a:pt x="1887955" y="0"/>
+                </a:cubicBezTo>
+                <a:cubicBezTo>
+                  <a:pt x="2031541" y="-9790"/>
+                  <a:pt x="2346378" y="21240"/>
+                  <a:pt x="2506423" y="0"/>
+                </a:cubicBezTo>
+                <a:cubicBezTo>
+                  <a:pt x="2666468" y="-21240"/>
+                  <a:pt x="2990257" y="30414"/>
+                  <a:pt x="3255095" y="0"/>
+                </a:cubicBezTo>
+                <a:cubicBezTo>
+                  <a:pt x="3254831" y="4493"/>
+                  <a:pt x="3255479" y="9472"/>
+                  <a:pt x="3255095" y="18288"/>
+                </a:cubicBezTo>
+                <a:cubicBezTo>
+                  <a:pt x="3120743" y="16690"/>
+                  <a:pt x="2759628" y="42462"/>
+                  <a:pt x="2604076" y="18288"/>
+                </a:cubicBezTo>
+                <a:cubicBezTo>
+                  <a:pt x="2448524" y="-5886"/>
+                  <a:pt x="2184336" y="19599"/>
+                  <a:pt x="1887955" y="18288"/>
+                </a:cubicBezTo>
+                <a:cubicBezTo>
+                  <a:pt x="1591574" y="16977"/>
+                  <a:pt x="1548845" y="6870"/>
+                  <a:pt x="1334589" y="18288"/>
+                </a:cubicBezTo>
+                <a:cubicBezTo>
+                  <a:pt x="1120333" y="29706"/>
+                  <a:pt x="996014" y="9662"/>
+                  <a:pt x="683570" y="18288"/>
+                </a:cubicBezTo>
+                <a:cubicBezTo>
+                  <a:pt x="371126" y="26914"/>
+                  <a:pt x="198687" y="16167"/>
+                  <a:pt x="0" y="18288"/>
+                </a:cubicBezTo>
+                <a:cubicBezTo>
+                  <a:pt x="843" y="9577"/>
+                  <a:pt x="371" y="6900"/>
+                  <a:pt x="0" y="0"/>
+                </a:cubicBezTo>
+                <a:close/>
+              </a:path>
+            </a:pathLst>
+          </a:custGeom>
+          <a:solidFill>
+            <a:schemeClr val="accent2"/>
+          </a:solidFill>
+          <a:ln w="38100" cap="rnd">
+            <a:solidFill>
+              <a:schemeClr val="accent2"/>
+            </a:solidFill>
+            <a:round/>
+            <a:extLst>
+              <a:ext uri="{C807C97D-BFC1-408E-A445-0C87EB9F89A2}">
+                <ask:lineSketchStyleProps xmlns:ask="http://schemas.microsoft.com/office/drawing/2018/sketchyshapes" sd="1219033472">
+                  <a:prstGeom prst="rect">
+                    <a:avLst/>
+                  </a:prstGeom>
+                  <ask:type>
+                    <ask:lineSketchFreehand/>
+                  </ask:type>
+                </ask:lineSketchStyleProps>
+              </a:ext>
+            </a:extLst>
+          </a:ln>
+        </p:spPr>
+        <p:style>
+          <a:lnRef idx="2">
+            <a:schemeClr val="accent1">
+              <a:shade val="50000"/>
+            </a:schemeClr>
+          </a:lnRef>
+          <a:fillRef idx="1">
+            <a:schemeClr val="accent1"/>
+          </a:fillRef>
+          <a:effectRef idx="0">
+            <a:schemeClr val="accent1"/>
+          </a:effectRef>
+          <a:fontRef idx="minor">
+            <a:schemeClr val="lt1"/>
+          </a:fontRef>
+        </p:style>
+        <p:txBody>
+          <a:bodyPr rtlCol="0" anchor="ctr"/>
+          <a:lstStyle/>
+          <a:p>
+            <a:pPr algn="ctr"/>
+            <a:endParaRPr lang="en-US"/>
+          </a:p>
+        </p:txBody>
+      </p:sp>
+      <p:sp>
+        <p:nvSpPr>
+          <p:cNvPr id="4" name="Content Placeholder 3">
+            <a:extLst>
+              <a:ext uri="{FF2B5EF4-FFF2-40B4-BE49-F238E27FC236}">
+                <a16:creationId xmlns:a16="http://schemas.microsoft.com/office/drawing/2014/main" id="{F0364838-53A3-C1E5-BE6F-9E27F00B48DD}"/>
+              </a:ext>
+            </a:extLst>
+          </p:cNvPr>
+          <p:cNvSpPr>
+            <a:spLocks noGrp="1"/>
+          </p:cNvSpPr>
+          <p:nvPr>
+            <p:ph sz="half" idx="2"/>
+          </p:nvPr>
+        </p:nvSpPr>
+        <p:spPr>
+          <a:xfrm>
+            <a:off x="630936" y="2660904"/>
+            <a:ext cx="4818888" cy="3547872"/>
+          </a:xfrm>
+        </p:spPr>
+        <p:txBody>
+          <a:bodyPr vert="horz" lIns="91440" tIns="45720" rIns="91440" bIns="45720" rtlCol="0" anchor="t">
+            <a:normAutofit/>
+          </a:bodyPr>
+          <a:lstStyle/>
+          <a:p>
+            <a:r>
+              <a:rPr lang="en-US" sz="2000" dirty="0"/>
+              <a:t>f1 score 91% in single try . </a:t>
+            </a:r>
+          </a:p>
+          <a:p>
+            <a:r>
+              <a:rPr lang="en-US" sz="2000" dirty="0"/>
+              <a:t>Accuracy reduces when we add more layer and number of neurons in each layer  ( f1 reduces to 61% also )</a:t>
+            </a:r>
+          </a:p>
+          <a:p>
+            <a:r>
+              <a:rPr lang="en-US" sz="2000" b="1" dirty="0"/>
+              <a:t>Random forest is still best for our problem.</a:t>
+            </a:r>
+          </a:p>
+          <a:p>
+            <a:r>
+              <a:rPr lang="en-US" sz="2000" dirty="0"/>
+              <a:t>Even though using sigmoid at the output layer this will not give 0 and 1 directly .</a:t>
+            </a:r>
+          </a:p>
+          <a:p>
+            <a:r>
+              <a:rPr lang="en-US" sz="2000" dirty="0"/>
+              <a:t>Use (</a:t>
+            </a:r>
+            <a:r>
+              <a:rPr lang="en-US" sz="2000" dirty="0" err="1"/>
+              <a:t>y_pred</a:t>
+            </a:r>
+            <a:r>
+              <a:rPr lang="en-US" sz="2000" dirty="0"/>
+              <a:t> &gt; 0.6).</a:t>
+            </a:r>
+            <a:r>
+              <a:rPr lang="en-US" sz="2000" dirty="0" err="1"/>
+              <a:t>astype</a:t>
+            </a:r>
+            <a:r>
+              <a:rPr lang="en-US" sz="2000" dirty="0"/>
+              <a:t>(int) to get binary prediction .</a:t>
+            </a:r>
+          </a:p>
+        </p:txBody>
+      </p:sp>
+      <p:pic>
+        <p:nvPicPr>
+          <p:cNvPr id="5" name="Content Placeholder 4" descr="A screenshot of a computer&#10;&#10;Description automatically generated">
+            <a:extLst>
+              <a:ext uri="{FF2B5EF4-FFF2-40B4-BE49-F238E27FC236}">
+                <a16:creationId xmlns:a16="http://schemas.microsoft.com/office/drawing/2014/main" id="{EA8E0A5F-73AA-27D0-684F-EBD45C094503}"/>
+              </a:ext>
+            </a:extLst>
+          </p:cNvPr>
+          <p:cNvPicPr>
+            <a:picLocks noGrp="1" noChangeAspect="1"/>
+          </p:cNvPicPr>
+          <p:nvPr>
+            <p:ph sz="half" idx="1"/>
+          </p:nvPr>
+        </p:nvPicPr>
+        <p:blipFill>
+          <a:blip r:embed="rId2"/>
+          <a:stretch>
+            <a:fillRect/>
+          </a:stretch>
+        </p:blipFill>
+        <p:spPr>
+          <a:xfrm>
+            <a:off x="6099048" y="1880018"/>
+            <a:ext cx="5458968" cy="3097964"/>
+          </a:xfrm>
+          <a:prstGeom prst="rect">
+            <a:avLst/>
+          </a:prstGeom>
+        </p:spPr>
+      </p:pic>
+    </p:spTree>
+    <p:extLst>
+      <p:ext uri="{BB962C8B-B14F-4D97-AF65-F5344CB8AC3E}">
+        <p14:creationId xmlns:p14="http://schemas.microsoft.com/office/powerpoint/2010/main" val="1295955427"/>
       </p:ext>
     </p:extLst>
   </p:cSld>

--- a/Project_Presentation_Employee_Attrition_Prediction.pptx
+++ b/Project_Presentation_Employee_Attrition_Prediction.pptx
@@ -5,7 +5,7 @@
     <p:sldMasterId id="2147483648" r:id="rId1"/>
   </p:sldMasterIdLst>
   <p:notesMasterIdLst>
-    <p:notesMasterId r:id="rId14"/>
+    <p:notesMasterId r:id="rId15"/>
   </p:notesMasterIdLst>
   <p:sldIdLst>
     <p:sldId id="259" r:id="rId2"/>
@@ -13,13 +13,14 @@
     <p:sldId id="1606" r:id="rId4"/>
     <p:sldId id="1609" r:id="rId5"/>
     <p:sldId id="1610" r:id="rId6"/>
-    <p:sldId id="257" r:id="rId7"/>
-    <p:sldId id="258" r:id="rId8"/>
-    <p:sldId id="1605" r:id="rId9"/>
-    <p:sldId id="261" r:id="rId10"/>
-    <p:sldId id="1603" r:id="rId11"/>
-    <p:sldId id="262" r:id="rId12"/>
-    <p:sldId id="265" r:id="rId13"/>
+    <p:sldId id="1611" r:id="rId7"/>
+    <p:sldId id="257" r:id="rId8"/>
+    <p:sldId id="258" r:id="rId9"/>
+    <p:sldId id="1605" r:id="rId10"/>
+    <p:sldId id="261" r:id="rId11"/>
+    <p:sldId id="1603" r:id="rId12"/>
+    <p:sldId id="262" r:id="rId13"/>
+    <p:sldId id="265" r:id="rId14"/>
   </p:sldIdLst>
   <p:sldSz cx="12192000" cy="6858000"/>
   <p:notesSz cx="6858000" cy="9144000"/>
@@ -2688,8 +2689,13 @@
           <a:pPr algn="l"/>
           <a:r>
             <a:rPr lang="en-US" dirty="0"/>
-            <a:t>Used features with high correlation only</a:t>
+            <a:t>Used </a:t>
           </a:r>
+          <a:r>
+            <a:rPr lang="en-US" dirty="0" err="1"/>
+            <a:t>StandardScaler</a:t>
+          </a:r>
+          <a:endParaRPr lang="en-US" dirty="0"/>
         </a:p>
       </dgm:t>
     </dgm:pt>
@@ -2929,7 +2935,7 @@
           <a:pPr algn="l"/>
           <a:r>
             <a:rPr lang="en-US" dirty="0"/>
-            <a:t>Not used any categorical variable </a:t>
+            <a:t>Used categorical variable as well</a:t>
           </a:r>
         </a:p>
       </dgm:t>
@@ -2966,7 +2972,7 @@
           <a:pPr algn="l"/>
           <a:r>
             <a:rPr lang="en-US" dirty="0"/>
-            <a:t>Used all columns </a:t>
+            <a:t>Used numerical columns </a:t>
           </a:r>
         </a:p>
       </dgm:t>
@@ -2983,6 +2989,43 @@
       </dgm:t>
     </dgm:pt>
     <dgm:pt modelId="{AE82748C-AC59-464E-B247-439ED178086D}" type="sibTrans" cxnId="{E68A80FD-1C37-44A9-894D-604203F0C51D}">
+      <dgm:prSet/>
+      <dgm:spPr/>
+      <dgm:t>
+        <a:bodyPr/>
+        <a:lstStyle/>
+        <a:p>
+          <a:endParaRPr lang="en-US"/>
+        </a:p>
+      </dgm:t>
+    </dgm:pt>
+    <dgm:pt modelId="{BB1F6F43-E23D-4EA9-AC40-2EC9712A8DB0}">
+      <dgm:prSet/>
+      <dgm:spPr/>
+      <dgm:t>
+        <a:bodyPr/>
+        <a:lstStyle/>
+        <a:p>
+          <a:pPr algn="l"/>
+          <a:r>
+            <a:rPr lang="en-US" dirty="0"/>
+            <a:t>Used features with high correlation only</a:t>
+          </a:r>
+        </a:p>
+      </dgm:t>
+    </dgm:pt>
+    <dgm:pt modelId="{D97ACDAA-3921-409E-84A8-BEAE666BA87D}" type="parTrans" cxnId="{DB22C239-922F-472F-B8EF-519C934D9D76}">
+      <dgm:prSet/>
+      <dgm:spPr/>
+      <dgm:t>
+        <a:bodyPr/>
+        <a:lstStyle/>
+        <a:p>
+          <a:endParaRPr lang="en-US"/>
+        </a:p>
+      </dgm:t>
+    </dgm:pt>
+    <dgm:pt modelId="{87317E56-7708-421D-A8AA-D0A8FB135E10}" type="sibTrans" cxnId="{DB22C239-922F-472F-B8EF-519C934D9D76}">
       <dgm:prSet/>
       <dgm:spPr/>
       <dgm:t>
@@ -3085,11 +3128,13 @@
   </dgm:ptLst>
   <dgm:cxnLst>
     <dgm:cxn modelId="{569D0803-80F0-4E70-9644-B0D257DEABC3}" srcId="{BED7FE2B-2E73-4F95-AD2C-1BE75880880B}" destId="{ED784AFE-1B07-45C6-BE33-1AEB9AC9BAAC}" srcOrd="3" destOrd="0" parTransId="{94EAB192-E3BE-4320-B348-DCCC50471BA4}" sibTransId="{B61018DC-C143-4FC0-94E6-55754A95636F}"/>
+    <dgm:cxn modelId="{AC34BB07-E5B2-473D-BD9C-4FD60332DF1F}" type="presOf" srcId="{BB1F6F43-E23D-4EA9-AC40-2EC9712A8DB0}" destId="{79B3A317-3956-43BF-B5F8-40147E78DD33}" srcOrd="0" destOrd="2" presId="urn:microsoft.com/office/officeart/2005/8/layout/default"/>
     <dgm:cxn modelId="{8A29C313-AB51-45EF-84F2-5D4CE5CA8B8A}" srcId="{BED7FE2B-2E73-4F95-AD2C-1BE75880880B}" destId="{707B5BAB-8C26-4275-AC1F-7D8509F0C0E4}" srcOrd="4" destOrd="0" parTransId="{BAB89A00-AEFB-4DBA-95FB-7D9D478CE76A}" sibTransId="{3EA05EB8-CD0C-4A1F-8787-E4D6BF620AA3}"/>
     <dgm:cxn modelId="{E9B27E1F-77E1-478F-BE85-439D0EC7C839}" srcId="{BED7FE2B-2E73-4F95-AD2C-1BE75880880B}" destId="{B2A3550B-981A-4CF7-A13D-F8A653557F1F}" srcOrd="2" destOrd="0" parTransId="{7C636F8B-D888-4B47-8FE7-835D43AEA275}" sibTransId="{6556471A-E858-45C8-B184-47CF9748ED16}"/>
     <dgm:cxn modelId="{A7684F23-C153-47F4-A5C3-9E3D16F57C7E}" type="presOf" srcId="{CC050EFE-8108-43FE-9F48-9E70F52489C1}" destId="{63406FD2-4322-4D8B-9847-80EC07198A92}" srcOrd="0" destOrd="0" presId="urn:microsoft.com/office/officeart/2005/8/layout/default"/>
     <dgm:cxn modelId="{DB2BA925-835A-4C03-9BBF-099C5F2E2E27}" srcId="{BED7FE2B-2E73-4F95-AD2C-1BE75880880B}" destId="{7D29E4BA-724A-4F0F-AAAC-896F91B289D5}" srcOrd="1" destOrd="0" parTransId="{B7E3D47B-D778-4369-ADA3-B79910C86514}" sibTransId="{01F7D7CE-74AB-4007-B5C1-E0482C3F60AD}"/>
     <dgm:cxn modelId="{2506FF35-0B73-4924-B3A6-CDA6CCE4D254}" type="presOf" srcId="{7D29E4BA-724A-4F0F-AAAC-896F91B289D5}" destId="{8F35218B-0B29-4537-A959-F065B533DCA0}" srcOrd="0" destOrd="0" presId="urn:microsoft.com/office/officeart/2005/8/layout/default"/>
+    <dgm:cxn modelId="{DB22C239-922F-472F-B8EF-519C934D9D76}" srcId="{ED784AFE-1B07-45C6-BE33-1AEB9AC9BAAC}" destId="{BB1F6F43-E23D-4EA9-AC40-2EC9712A8DB0}" srcOrd="1" destOrd="0" parTransId="{D97ACDAA-3921-409E-84A8-BEAE666BA87D}" sibTransId="{87317E56-7708-421D-A8AA-D0A8FB135E10}"/>
     <dgm:cxn modelId="{327A003A-95FF-4036-879E-395A761AE4AE}" type="presOf" srcId="{A48216D7-7077-4AD6-9795-06A1DEBB9070}" destId="{2F70ABAD-FD34-4D55-B5C9-FDB43501D535}" srcOrd="0" destOrd="0" presId="urn:microsoft.com/office/officeart/2005/8/layout/default"/>
     <dgm:cxn modelId="{56FB655D-01C2-4A56-9E24-E34DBD47A63F}" srcId="{ED784AFE-1B07-45C6-BE33-1AEB9AC9BAAC}" destId="{4292E375-61D9-4158-9C09-DF8F34317D5D}" srcOrd="0" destOrd="0" parTransId="{EF2C9413-C3D8-4BAA-8B47-8B63D4B1AABB}" sibTransId="{7C2E2CE5-EC43-4804-9BB2-DB62C8021990}"/>
     <dgm:cxn modelId="{EAE6F147-9D6A-4D7B-A86B-150AAD957A6A}" srcId="{7D29E4BA-724A-4F0F-AAAC-896F91B289D5}" destId="{4E005EB3-5501-40C1-AF1B-54CE7CD9360F}" srcOrd="0" destOrd="0" parTransId="{6D40B7BD-16CA-414B-AF09-504801BA60EF}" sibTransId="{E7EE611D-3CF4-481C-BC7C-5BE7048D352B}"/>
@@ -4101,7 +4146,7 @@
           </a:pPr>
           <a:r>
             <a:rPr lang="en-US" sz="1300" kern="1200" dirty="0"/>
-            <a:t>Used all columns </a:t>
+            <a:t>Used numerical columns </a:t>
           </a:r>
         </a:p>
       </dsp:txBody>
@@ -4220,7 +4265,7 @@
           </a:pPr>
           <a:r>
             <a:rPr lang="en-US" sz="1300" kern="1200" dirty="0"/>
-            <a:t>Not used any categorical variable </a:t>
+            <a:t>Used categorical variable as well</a:t>
           </a:r>
         </a:p>
       </dsp:txBody>
@@ -4300,6 +4345,29 @@
             <a:rPr lang="en-US" sz="1700" kern="1200" dirty="0"/>
             <a:t>Logistic Regression 60.81%</a:t>
           </a:r>
+        </a:p>
+        <a:p>
+          <a:pPr marL="114300" lvl="1" indent="-114300" algn="l" defTabSz="577850">
+            <a:lnSpc>
+              <a:spcPct val="90000"/>
+            </a:lnSpc>
+            <a:spcBef>
+              <a:spcPct val="0"/>
+            </a:spcBef>
+            <a:spcAft>
+              <a:spcPct val="15000"/>
+            </a:spcAft>
+            <a:buChar char="•"/>
+          </a:pPr>
+          <a:r>
+            <a:rPr lang="en-US" sz="1300" kern="1200" dirty="0"/>
+            <a:t>Used </a:t>
+          </a:r>
+          <a:r>
+            <a:rPr lang="en-US" sz="1300" kern="1200" dirty="0" err="1"/>
+            <a:t>StandardScaler</a:t>
+          </a:r>
+          <a:endParaRPr lang="en-US" sz="1300" kern="1200" dirty="0"/>
         </a:p>
         <a:p>
           <a:pPr marL="114300" lvl="1" indent="-114300" algn="l" defTabSz="577850">
@@ -11730,7 +11798,7 @@
           <a:p>
             <a:fld id="{D9DC0902-B928-4F0F-BBCD-04DEB66ED9A2}" type="slidenum">
               <a:rPr lang="en-US" smtClean="0"/>
-              <a:t>7</a:t>
+              <a:t>8</a:t>
             </a:fld>
             <a:endParaRPr lang="en-US"/>
           </a:p>
@@ -11814,7 +11882,7 @@
           <a:p>
             <a:fld id="{D9DC0902-B928-4F0F-BBCD-04DEB66ED9A2}" type="slidenum">
               <a:rPr lang="en-US" smtClean="0"/>
-              <a:t>12</a:t>
+              <a:t>13</a:t>
             </a:fld>
             <a:endParaRPr lang="en-US"/>
           </a:p>
@@ -16152,6 +16220,52 @@
           </a:p>
         </p:txBody>
       </p:sp>
+      <p:pic>
+        <p:nvPicPr>
+          <p:cNvPr id="2" name="Picture 6">
+            <a:extLst>
+              <a:ext uri="{FF2B5EF4-FFF2-40B4-BE49-F238E27FC236}">
+                <a16:creationId xmlns:a16="http://schemas.microsoft.com/office/drawing/2014/main" id="{826F5664-9502-BD68-925D-B69050C942D6}"/>
+              </a:ext>
+            </a:extLst>
+          </p:cNvPr>
+          <p:cNvPicPr>
+            <a:picLocks noChangeAspect="1" noChangeArrowheads="1"/>
+          </p:cNvPicPr>
+          <p:nvPr/>
+        </p:nvPicPr>
+        <p:blipFill rotWithShape="1">
+          <a:blip r:embed="rId2">
+            <a:biLevel thresh="25000"/>
+            <a:extLst>
+              <a:ext uri="{28A0092B-C50C-407E-A947-70E740481C1C}">
+                <a14:useLocalDpi xmlns:a14="http://schemas.microsoft.com/office/drawing/2010/main" val="0"/>
+              </a:ext>
+            </a:extLst>
+          </a:blip>
+          <a:srcRect l="22117" t="9724" r="19603" b="12061"/>
+          <a:stretch/>
+        </p:blipFill>
+        <p:spPr bwMode="auto">
+          <a:xfrm>
+            <a:off x="575117" y="191897"/>
+            <a:ext cx="1451723" cy="1377275"/>
+          </a:xfrm>
+          <a:prstGeom prst="rect">
+            <a:avLst/>
+          </a:prstGeom>
+          <a:noFill/>
+          <a:extLst>
+            <a:ext uri="{909E8E84-426E-40DD-AFC4-6F175D3DCCD1}">
+              <a14:hiddenFill xmlns:a14="http://schemas.microsoft.com/office/drawing/2010/main">
+                <a:solidFill>
+                  <a:srgbClr val="FFFFFF"/>
+                </a:solidFill>
+              </a14:hiddenFill>
+            </a:ext>
+          </a:extLst>
+        </p:spPr>
+      </p:pic>
     </p:spTree>
     <p:extLst>
       <p:ext uri="{BB962C8B-B14F-4D97-AF65-F5344CB8AC3E}">
@@ -16166,6 +16280,526 @@
 </file>
 
 <file path=ppt/slides/slide10.xml><?xml version="1.0" encoding="utf-8"?>
+<p:sld xmlns:a="http://schemas.openxmlformats.org/drawingml/2006/main" xmlns:r="http://schemas.openxmlformats.org/officeDocument/2006/relationships" xmlns:p="http://schemas.openxmlformats.org/presentationml/2006/main">
+  <p:cSld>
+    <p:bg>
+      <p:bgPr>
+        <a:solidFill>
+          <a:schemeClr val="bg1"/>
+        </a:solidFill>
+        <a:effectLst/>
+      </p:bgPr>
+    </p:bg>
+    <p:spTree>
+      <p:nvGrpSpPr>
+        <p:cNvPr id="1" name=""/>
+        <p:cNvGrpSpPr/>
+        <p:nvPr/>
+      </p:nvGrpSpPr>
+      <p:grpSpPr>
+        <a:xfrm>
+          <a:off x="0" y="0"/>
+          <a:ext cx="0" cy="0"/>
+          <a:chOff x="0" y="0"/>
+          <a:chExt cx="0" cy="0"/>
+        </a:xfrm>
+      </p:grpSpPr>
+      <p:sp useBgFill="1">
+        <p:nvSpPr>
+          <p:cNvPr id="10" name="Rectangle 9">
+            <a:extLst>
+              <a:ext uri="{FF2B5EF4-FFF2-40B4-BE49-F238E27FC236}">
+                <a16:creationId xmlns:a16="http://schemas.microsoft.com/office/drawing/2014/main" id="{743AA782-23D1-4521-8CAD-47662984AA08}"/>
+              </a:ext>
+              <a:ext uri="{C183D7F6-B498-43B3-948B-1728B52AA6E4}">
+                <adec:decorative xmlns:adec="http://schemas.microsoft.com/office/drawing/2017/decorative" val="1"/>
+              </a:ext>
+            </a:extLst>
+          </p:cNvPr>
+          <p:cNvSpPr>
+            <a:spLocks noGrp="1" noRot="1" noChangeAspect="1" noMove="1" noResize="1" noEditPoints="1" noAdjustHandles="1" noChangeArrowheads="1" noChangeShapeType="1" noTextEdit="1"/>
+          </p:cNvSpPr>
+          <p:nvPr>
+            <p:extLst>
+              <p:ext uri="{386F3935-93C4-4BCD-93E2-E3B085C9AB24}">
+                <p16:designElem xmlns:p16="http://schemas.microsoft.com/office/powerpoint/2015/main" val="1"/>
+              </p:ext>
+            </p:extLst>
+          </p:nvPr>
+        </p:nvSpPr>
+        <p:spPr>
+          <a:xfrm>
+            <a:off x="0" y="0"/>
+            <a:ext cx="12192000" cy="6858000"/>
+          </a:xfrm>
+          <a:prstGeom prst="rect">
+            <a:avLst/>
+          </a:prstGeom>
+          <a:ln>
+            <a:noFill/>
+          </a:ln>
+        </p:spPr>
+        <p:style>
+          <a:lnRef idx="2">
+            <a:schemeClr val="accent1">
+              <a:shade val="50000"/>
+            </a:schemeClr>
+          </a:lnRef>
+          <a:fillRef idx="1">
+            <a:schemeClr val="accent1"/>
+          </a:fillRef>
+          <a:effectRef idx="0">
+            <a:schemeClr val="accent1"/>
+          </a:effectRef>
+          <a:fontRef idx="minor">
+            <a:schemeClr val="lt1"/>
+          </a:fontRef>
+        </p:style>
+        <p:txBody>
+          <a:bodyPr rtlCol="0" anchor="ctr"/>
+          <a:lstStyle/>
+          <a:p>
+            <a:pPr algn="ctr"/>
+            <a:endParaRPr lang="en-US"/>
+          </a:p>
+        </p:txBody>
+      </p:sp>
+      <p:sp>
+        <p:nvSpPr>
+          <p:cNvPr id="2" name="Title 1">
+            <a:extLst>
+              <a:ext uri="{FF2B5EF4-FFF2-40B4-BE49-F238E27FC236}">
+                <a16:creationId xmlns:a16="http://schemas.microsoft.com/office/drawing/2014/main" id="{813117B0-1D65-49CA-95E9-828CF423B6A0}"/>
+              </a:ext>
+            </a:extLst>
+          </p:cNvPr>
+          <p:cNvSpPr>
+            <a:spLocks noGrp="1"/>
+          </p:cNvSpPr>
+          <p:nvPr>
+            <p:ph type="title"/>
+          </p:nvPr>
+        </p:nvSpPr>
+        <p:spPr>
+          <a:xfrm>
+            <a:off x="630936" y="640080"/>
+            <a:ext cx="4818888" cy="1481328"/>
+          </a:xfrm>
+        </p:spPr>
+        <p:txBody>
+          <a:bodyPr vert="horz" lIns="91440" tIns="45720" rIns="91440" bIns="45720" rtlCol="0" anchor="b">
+            <a:normAutofit/>
+          </a:bodyPr>
+          <a:lstStyle/>
+          <a:p>
+            <a:r>
+              <a:rPr lang="en-US" sz="3800" b="1" kern="1200" dirty="0">
+                <a:solidFill>
+                  <a:schemeClr val="tx1"/>
+                </a:solidFill>
+                <a:latin typeface="+mj-lt"/>
+                <a:ea typeface="+mj-ea"/>
+                <a:cs typeface="+mj-cs"/>
+              </a:rPr>
+              <a:t>Can we improve using neural network ? </a:t>
+            </a:r>
+          </a:p>
+        </p:txBody>
+      </p:sp>
+      <p:sp>
+        <p:nvSpPr>
+          <p:cNvPr id="12" name="sketch line">
+            <a:extLst>
+              <a:ext uri="{FF2B5EF4-FFF2-40B4-BE49-F238E27FC236}">
+                <a16:creationId xmlns:a16="http://schemas.microsoft.com/office/drawing/2014/main" id="{71877DBC-BB60-40F0-AC93-2ACDBAAE60CE}"/>
+              </a:ext>
+              <a:ext uri="{C183D7F6-B498-43B3-948B-1728B52AA6E4}">
+                <adec:decorative xmlns:adec="http://schemas.microsoft.com/office/drawing/2017/decorative" val="1"/>
+              </a:ext>
+            </a:extLst>
+          </p:cNvPr>
+          <p:cNvSpPr>
+            <a:spLocks noGrp="1" noRot="1" noChangeAspect="1" noMove="1" noResize="1" noEditPoints="1" noAdjustHandles="1" noChangeArrowheads="1" noChangeShapeType="1" noTextEdit="1"/>
+          </p:cNvSpPr>
+          <p:nvPr>
+            <p:extLst>
+              <p:ext uri="{386F3935-93C4-4BCD-93E2-E3B085C9AB24}">
+                <p16:designElem xmlns:p16="http://schemas.microsoft.com/office/powerpoint/2015/main" val="1"/>
+              </p:ext>
+            </p:extLst>
+          </p:nvPr>
+        </p:nvSpPr>
+        <p:spPr>
+          <a:xfrm>
+            <a:off x="643278" y="2372868"/>
+            <a:ext cx="3255095" cy="18288"/>
+          </a:xfrm>
+          <a:custGeom>
+            <a:avLst/>
+            <a:gdLst>
+              <a:gd name="connsiteX0" fmla="*/ 0 w 3255095"/>
+              <a:gd name="connsiteY0" fmla="*/ 0 h 18288"/>
+              <a:gd name="connsiteX1" fmla="*/ 618468 w 3255095"/>
+              <a:gd name="connsiteY1" fmla="*/ 0 h 18288"/>
+              <a:gd name="connsiteX2" fmla="*/ 1269487 w 3255095"/>
+              <a:gd name="connsiteY2" fmla="*/ 0 h 18288"/>
+              <a:gd name="connsiteX3" fmla="*/ 1953057 w 3255095"/>
+              <a:gd name="connsiteY3" fmla="*/ 0 h 18288"/>
+              <a:gd name="connsiteX4" fmla="*/ 2636627 w 3255095"/>
+              <a:gd name="connsiteY4" fmla="*/ 0 h 18288"/>
+              <a:gd name="connsiteX5" fmla="*/ 3255095 w 3255095"/>
+              <a:gd name="connsiteY5" fmla="*/ 0 h 18288"/>
+              <a:gd name="connsiteX6" fmla="*/ 3255095 w 3255095"/>
+              <a:gd name="connsiteY6" fmla="*/ 18288 h 18288"/>
+              <a:gd name="connsiteX7" fmla="*/ 2538974 w 3255095"/>
+              <a:gd name="connsiteY7" fmla="*/ 18288 h 18288"/>
+              <a:gd name="connsiteX8" fmla="*/ 1822853 w 3255095"/>
+              <a:gd name="connsiteY8" fmla="*/ 18288 h 18288"/>
+              <a:gd name="connsiteX9" fmla="*/ 1171834 w 3255095"/>
+              <a:gd name="connsiteY9" fmla="*/ 18288 h 18288"/>
+              <a:gd name="connsiteX10" fmla="*/ 0 w 3255095"/>
+              <a:gd name="connsiteY10" fmla="*/ 18288 h 18288"/>
+              <a:gd name="connsiteX11" fmla="*/ 0 w 3255095"/>
+              <a:gd name="connsiteY11" fmla="*/ 0 h 18288"/>
+            </a:gdLst>
+            <a:ahLst/>
+            <a:cxnLst>
+              <a:cxn ang="0">
+                <a:pos x="connsiteX0" y="connsiteY0"/>
+              </a:cxn>
+              <a:cxn ang="0">
+                <a:pos x="connsiteX1" y="connsiteY1"/>
+              </a:cxn>
+              <a:cxn ang="0">
+                <a:pos x="connsiteX2" y="connsiteY2"/>
+              </a:cxn>
+              <a:cxn ang="0">
+                <a:pos x="connsiteX3" y="connsiteY3"/>
+              </a:cxn>
+              <a:cxn ang="0">
+                <a:pos x="connsiteX4" y="connsiteY4"/>
+              </a:cxn>
+              <a:cxn ang="0">
+                <a:pos x="connsiteX5" y="connsiteY5"/>
+              </a:cxn>
+              <a:cxn ang="0">
+                <a:pos x="connsiteX6" y="connsiteY6"/>
+              </a:cxn>
+              <a:cxn ang="0">
+                <a:pos x="connsiteX7" y="connsiteY7"/>
+              </a:cxn>
+              <a:cxn ang="0">
+                <a:pos x="connsiteX8" y="connsiteY8"/>
+              </a:cxn>
+              <a:cxn ang="0">
+                <a:pos x="connsiteX9" y="connsiteY9"/>
+              </a:cxn>
+              <a:cxn ang="0">
+                <a:pos x="connsiteX10" y="connsiteY10"/>
+              </a:cxn>
+              <a:cxn ang="0">
+                <a:pos x="connsiteX11" y="connsiteY11"/>
+              </a:cxn>
+            </a:cxnLst>
+            <a:rect l="l" t="t" r="r" b="b"/>
+            <a:pathLst>
+              <a:path w="3255095" h="18288" fill="none" extrusionOk="0">
+                <a:moveTo>
+                  <a:pt x="0" y="0"/>
+                </a:moveTo>
+                <a:cubicBezTo>
+                  <a:pt x="240201" y="-22123"/>
+                  <a:pt x="462021" y="-19623"/>
+                  <a:pt x="618468" y="0"/>
+                </a:cubicBezTo>
+                <a:cubicBezTo>
+                  <a:pt x="774915" y="19623"/>
+                  <a:pt x="974734" y="2035"/>
+                  <a:pt x="1269487" y="0"/>
+                </a:cubicBezTo>
+                <a:cubicBezTo>
+                  <a:pt x="1564240" y="-2035"/>
+                  <a:pt x="1733579" y="10639"/>
+                  <a:pt x="1953057" y="0"/>
+                </a:cubicBezTo>
+                <a:cubicBezTo>
+                  <a:pt x="2172535" y="-10639"/>
+                  <a:pt x="2453962" y="14018"/>
+                  <a:pt x="2636627" y="0"/>
+                </a:cubicBezTo>
+                <a:cubicBezTo>
+                  <a:pt x="2819292" y="-14018"/>
+                  <a:pt x="3121375" y="5399"/>
+                  <a:pt x="3255095" y="0"/>
+                </a:cubicBezTo>
+                <a:cubicBezTo>
+                  <a:pt x="3254386" y="8157"/>
+                  <a:pt x="3254682" y="12125"/>
+                  <a:pt x="3255095" y="18288"/>
+                </a:cubicBezTo>
+                <a:cubicBezTo>
+                  <a:pt x="3088545" y="23203"/>
+                  <a:pt x="2687475" y="7419"/>
+                  <a:pt x="2538974" y="18288"/>
+                </a:cubicBezTo>
+                <a:cubicBezTo>
+                  <a:pt x="2390473" y="29157"/>
+                  <a:pt x="2137381" y="-8959"/>
+                  <a:pt x="1822853" y="18288"/>
+                </a:cubicBezTo>
+                <a:cubicBezTo>
+                  <a:pt x="1508325" y="45535"/>
+                  <a:pt x="1466437" y="20385"/>
+                  <a:pt x="1171834" y="18288"/>
+                </a:cubicBezTo>
+                <a:cubicBezTo>
+                  <a:pt x="877231" y="16191"/>
+                  <a:pt x="561097" y="37643"/>
+                  <a:pt x="0" y="18288"/>
+                </a:cubicBezTo>
+                <a:cubicBezTo>
+                  <a:pt x="-46" y="12483"/>
+                  <a:pt x="-203" y="6491"/>
+                  <a:pt x="0" y="0"/>
+                </a:cubicBezTo>
+                <a:close/>
+              </a:path>
+              <a:path w="3255095" h="18288" stroke="0" extrusionOk="0">
+                <a:moveTo>
+                  <a:pt x="0" y="0"/>
+                </a:moveTo>
+                <a:cubicBezTo>
+                  <a:pt x="291965" y="19429"/>
+                  <a:pt x="363155" y="8568"/>
+                  <a:pt x="618468" y="0"/>
+                </a:cubicBezTo>
+                <a:cubicBezTo>
+                  <a:pt x="873781" y="-8568"/>
+                  <a:pt x="904459" y="-19505"/>
+                  <a:pt x="1171834" y="0"/>
+                </a:cubicBezTo>
+                <a:cubicBezTo>
+                  <a:pt x="1439209" y="19505"/>
+                  <a:pt x="1744369" y="9790"/>
+                  <a:pt x="1887955" y="0"/>
+                </a:cubicBezTo>
+                <a:cubicBezTo>
+                  <a:pt x="2031541" y="-9790"/>
+                  <a:pt x="2346378" y="21240"/>
+                  <a:pt x="2506423" y="0"/>
+                </a:cubicBezTo>
+                <a:cubicBezTo>
+                  <a:pt x="2666468" y="-21240"/>
+                  <a:pt x="2990257" y="30414"/>
+                  <a:pt x="3255095" y="0"/>
+                </a:cubicBezTo>
+                <a:cubicBezTo>
+                  <a:pt x="3254831" y="4493"/>
+                  <a:pt x="3255479" y="9472"/>
+                  <a:pt x="3255095" y="18288"/>
+                </a:cubicBezTo>
+                <a:cubicBezTo>
+                  <a:pt x="3120743" y="16690"/>
+                  <a:pt x="2759628" y="42462"/>
+                  <a:pt x="2604076" y="18288"/>
+                </a:cubicBezTo>
+                <a:cubicBezTo>
+                  <a:pt x="2448524" y="-5886"/>
+                  <a:pt x="2184336" y="19599"/>
+                  <a:pt x="1887955" y="18288"/>
+                </a:cubicBezTo>
+                <a:cubicBezTo>
+                  <a:pt x="1591574" y="16977"/>
+                  <a:pt x="1548845" y="6870"/>
+                  <a:pt x="1334589" y="18288"/>
+                </a:cubicBezTo>
+                <a:cubicBezTo>
+                  <a:pt x="1120333" y="29706"/>
+                  <a:pt x="996014" y="9662"/>
+                  <a:pt x="683570" y="18288"/>
+                </a:cubicBezTo>
+                <a:cubicBezTo>
+                  <a:pt x="371126" y="26914"/>
+                  <a:pt x="198687" y="16167"/>
+                  <a:pt x="0" y="18288"/>
+                </a:cubicBezTo>
+                <a:cubicBezTo>
+                  <a:pt x="843" y="9577"/>
+                  <a:pt x="371" y="6900"/>
+                  <a:pt x="0" y="0"/>
+                </a:cubicBezTo>
+                <a:close/>
+              </a:path>
+            </a:pathLst>
+          </a:custGeom>
+          <a:solidFill>
+            <a:schemeClr val="accent2"/>
+          </a:solidFill>
+          <a:ln w="38100" cap="rnd">
+            <a:solidFill>
+              <a:schemeClr val="accent2"/>
+            </a:solidFill>
+            <a:round/>
+            <a:extLst>
+              <a:ext uri="{C807C97D-BFC1-408E-A445-0C87EB9F89A2}">
+                <ask:lineSketchStyleProps xmlns:ask="http://schemas.microsoft.com/office/drawing/2018/sketchyshapes" sd="1219033472">
+                  <a:prstGeom prst="rect">
+                    <a:avLst/>
+                  </a:prstGeom>
+                  <ask:type>
+                    <ask:lineSketchFreehand/>
+                  </ask:type>
+                </ask:lineSketchStyleProps>
+              </a:ext>
+            </a:extLst>
+          </a:ln>
+        </p:spPr>
+        <p:style>
+          <a:lnRef idx="2">
+            <a:schemeClr val="accent1">
+              <a:shade val="50000"/>
+            </a:schemeClr>
+          </a:lnRef>
+          <a:fillRef idx="1">
+            <a:schemeClr val="accent1"/>
+          </a:fillRef>
+          <a:effectRef idx="0">
+            <a:schemeClr val="accent1"/>
+          </a:effectRef>
+          <a:fontRef idx="minor">
+            <a:schemeClr val="lt1"/>
+          </a:fontRef>
+        </p:style>
+        <p:txBody>
+          <a:bodyPr rtlCol="0" anchor="ctr"/>
+          <a:lstStyle/>
+          <a:p>
+            <a:pPr algn="ctr"/>
+            <a:endParaRPr lang="en-US"/>
+          </a:p>
+        </p:txBody>
+      </p:sp>
+      <p:sp>
+        <p:nvSpPr>
+          <p:cNvPr id="4" name="Content Placeholder 3">
+            <a:extLst>
+              <a:ext uri="{FF2B5EF4-FFF2-40B4-BE49-F238E27FC236}">
+                <a16:creationId xmlns:a16="http://schemas.microsoft.com/office/drawing/2014/main" id="{F0364838-53A3-C1E5-BE6F-9E27F00B48DD}"/>
+              </a:ext>
+            </a:extLst>
+          </p:cNvPr>
+          <p:cNvSpPr>
+            <a:spLocks noGrp="1"/>
+          </p:cNvSpPr>
+          <p:nvPr>
+            <p:ph sz="half" idx="2"/>
+          </p:nvPr>
+        </p:nvSpPr>
+        <p:spPr>
+          <a:xfrm>
+            <a:off x="630936" y="2660904"/>
+            <a:ext cx="4818888" cy="3547872"/>
+          </a:xfrm>
+        </p:spPr>
+        <p:txBody>
+          <a:bodyPr vert="horz" lIns="91440" tIns="45720" rIns="91440" bIns="45720" rtlCol="0" anchor="t">
+            <a:normAutofit/>
+          </a:bodyPr>
+          <a:lstStyle/>
+          <a:p>
+            <a:r>
+              <a:rPr lang="en-US" sz="2000" dirty="0"/>
+              <a:t>f1 score 91% in single try . </a:t>
+            </a:r>
+          </a:p>
+          <a:p>
+            <a:r>
+              <a:rPr lang="en-US" sz="2000" dirty="0"/>
+              <a:t>Accuracy reduces when we add more layer and number of neurons in each layer  ( f1 reduces to 61% also )</a:t>
+            </a:r>
+          </a:p>
+          <a:p>
+            <a:r>
+              <a:rPr lang="en-US" sz="2000" b="1" dirty="0"/>
+              <a:t>Random forest is still best for our problem.</a:t>
+            </a:r>
+          </a:p>
+          <a:p>
+            <a:r>
+              <a:rPr lang="en-US" sz="2000" dirty="0"/>
+              <a:t>Even though using sigmoid at the output layer this will not give 0 and 1 directly .</a:t>
+            </a:r>
+          </a:p>
+          <a:p>
+            <a:r>
+              <a:rPr lang="en-US" sz="2000" dirty="0"/>
+              <a:t>Use (</a:t>
+            </a:r>
+            <a:r>
+              <a:rPr lang="en-US" sz="2000" dirty="0" err="1"/>
+              <a:t>y_pred</a:t>
+            </a:r>
+            <a:r>
+              <a:rPr lang="en-US" sz="2000" dirty="0"/>
+              <a:t> &gt; 0.6).</a:t>
+            </a:r>
+            <a:r>
+              <a:rPr lang="en-US" sz="2000" dirty="0" err="1"/>
+              <a:t>astype</a:t>
+            </a:r>
+            <a:r>
+              <a:rPr lang="en-US" sz="2000" dirty="0"/>
+              <a:t>(int) to get binary prediction .</a:t>
+            </a:r>
+          </a:p>
+        </p:txBody>
+      </p:sp>
+      <p:pic>
+        <p:nvPicPr>
+          <p:cNvPr id="5" name="Content Placeholder 4" descr="A screenshot of a computer&#10;&#10;Description automatically generated">
+            <a:extLst>
+              <a:ext uri="{FF2B5EF4-FFF2-40B4-BE49-F238E27FC236}">
+                <a16:creationId xmlns:a16="http://schemas.microsoft.com/office/drawing/2014/main" id="{EA8E0A5F-73AA-27D0-684F-EBD45C094503}"/>
+              </a:ext>
+            </a:extLst>
+          </p:cNvPr>
+          <p:cNvPicPr>
+            <a:picLocks noGrp="1" noChangeAspect="1"/>
+          </p:cNvPicPr>
+          <p:nvPr>
+            <p:ph sz="half" idx="1"/>
+          </p:nvPr>
+        </p:nvPicPr>
+        <p:blipFill>
+          <a:blip r:embed="rId2"/>
+          <a:stretch>
+            <a:fillRect/>
+          </a:stretch>
+        </p:blipFill>
+        <p:spPr>
+          <a:xfrm>
+            <a:off x="6099048" y="1880018"/>
+            <a:ext cx="5458968" cy="3097964"/>
+          </a:xfrm>
+          <a:prstGeom prst="rect">
+            <a:avLst/>
+          </a:prstGeom>
+        </p:spPr>
+      </p:pic>
+    </p:spTree>
+    <p:extLst>
+      <p:ext uri="{BB962C8B-B14F-4D97-AF65-F5344CB8AC3E}">
+        <p14:creationId xmlns:p14="http://schemas.microsoft.com/office/powerpoint/2010/main" val="1295955427"/>
+      </p:ext>
+    </p:extLst>
+  </p:cSld>
+  <p:clrMapOvr>
+    <a:masterClrMapping/>
+  </p:clrMapOvr>
+</p:sld>
+</file>
+
+<file path=ppt/slides/slide11.xml><?xml version="1.0" encoding="utf-8"?>
 <p:sld xmlns:a="http://schemas.openxmlformats.org/drawingml/2006/main" xmlns:r="http://schemas.openxmlformats.org/officeDocument/2006/relationships" xmlns:p="http://schemas.openxmlformats.org/presentationml/2006/main">
   <p:cSld>
     <p:spTree>
@@ -16197,7 +16831,7 @@
           <p:nvPr>
             <p:extLst>
               <p:ext uri="{D42A27DB-BD31-4B8C-83A1-F6EECF244321}">
-                <p14:modId xmlns:p14="http://schemas.microsoft.com/office/powerpoint/2010/main" val="1200863350"/>
+                <p14:modId xmlns:p14="http://schemas.microsoft.com/office/powerpoint/2010/main" val="3634625122"/>
               </p:ext>
             </p:extLst>
           </p:nvPr>
@@ -16647,7 +17281,7 @@
                           <a:latin typeface="Arial" panose="020B0604020202020204" pitchFamily="34" charset="0"/>
                           <a:cs typeface="Arial" panose="020B0604020202020204" pitchFamily="34" charset="0"/>
                         </a:rPr>
-                        <a:t>Data Team No 15</a:t>
+                        <a:t>Team No 15</a:t>
                       </a:r>
                     </a:p>
                   </a:txBody>
@@ -17890,7 +18524,7 @@
 </p:sld>
 </file>
 
-<file path=ppt/slides/slide11.xml><?xml version="1.0" encoding="utf-8"?>
+<file path=ppt/slides/slide12.xml><?xml version="1.0" encoding="utf-8"?>
 <p:sld xmlns:a="http://schemas.openxmlformats.org/drawingml/2006/main" xmlns:r="http://schemas.openxmlformats.org/officeDocument/2006/relationships" xmlns:p="http://schemas.openxmlformats.org/presentationml/2006/main">
   <p:cSld>
     <p:bg>
@@ -18681,34 +19315,26 @@
           <a:lstStyle/>
           <a:p>
             <a:r>
-              <a:rPr lang="en-US" sz="2200"/>
-              <a:t>HyperParameter tunning is important to improve the model . We have done GridSearchCv to do tunning of our model as our data was not that big . </a:t>
-            </a:r>
-          </a:p>
-          <a:p>
-            <a:pPr lvl="1"/>
-            <a:r>
-              <a:rPr lang="en-US" sz="2200"/>
-              <a:t>Random forest : max_depth=16, n_estimators=162 </a:t>
-            </a:r>
-          </a:p>
-          <a:p>
-            <a:pPr lvl="1"/>
-            <a:r>
-              <a:rPr lang="en-US" sz="2200"/>
-              <a:t>Decision Tree : 'max_depth': 22, 'min_samples_leaf': 5, 'min_samples_split': 10</a:t>
+              <a:rPr lang="en-US" sz="2200" dirty="0"/>
+              <a:t>Feature selection based on correlation also helped us here . </a:t>
             </a:r>
           </a:p>
           <a:p>
             <a:r>
-              <a:rPr lang="en-US" sz="2200"/>
-              <a:t>Exploring advanced techniques like ensemble models or deep learning could enhance predictive performance . </a:t>
+              <a:rPr lang="en-US" sz="2200" dirty="0"/>
+              <a:t>Data Cleaning also helps improve the model .</a:t>
             </a:r>
           </a:p>
           <a:p>
             <a:r>
-              <a:rPr lang="en-US" sz="2200"/>
-              <a:t>Feature selection based on correlation also helped us here . </a:t>
+              <a:rPr lang="en-US" sz="2200" dirty="0"/>
+              <a:t>Hyper Parameter tunning is important to improve the model . </a:t>
+            </a:r>
+          </a:p>
+          <a:p>
+            <a:r>
+              <a:rPr lang="en-US" sz="2200" dirty="0"/>
+              <a:t>Exploring advanced techniques like ensemble models or deep learning could enhance predictive performance but not always not to jump directly on them .  </a:t>
             </a:r>
           </a:p>
         </p:txBody>
@@ -18726,7 +19352,7 @@
 </p:sld>
 </file>
 
-<file path=ppt/slides/slide12.xml><?xml version="1.0" encoding="utf-8"?>
+<file path=ppt/slides/slide13.xml><?xml version="1.0" encoding="utf-8"?>
 <p:sld xmlns:a="http://schemas.openxmlformats.org/drawingml/2006/main" xmlns:r="http://schemas.openxmlformats.org/officeDocument/2006/relationships" xmlns:p="http://schemas.openxmlformats.org/presentationml/2006/main">
   <p:cSld>
     <p:bg>
@@ -20995,6 +21621,367 @@
       </p:grpSpPr>
       <p:sp useBgFill="1">
         <p:nvSpPr>
+          <p:cNvPr id="8" name="Rectangle 7">
+            <a:extLst>
+              <a:ext uri="{FF2B5EF4-FFF2-40B4-BE49-F238E27FC236}">
+                <a16:creationId xmlns:a16="http://schemas.microsoft.com/office/drawing/2014/main" id="{389575E1-3389-451A-A5F7-27854C25C599}"/>
+              </a:ext>
+              <a:ext uri="{C183D7F6-B498-43B3-948B-1728B52AA6E4}">
+                <adec:decorative xmlns:adec="http://schemas.microsoft.com/office/drawing/2017/decorative" val="1"/>
+              </a:ext>
+            </a:extLst>
+          </p:cNvPr>
+          <p:cNvSpPr>
+            <a:spLocks noGrp="1" noRot="1" noChangeAspect="1" noMove="1" noResize="1" noEditPoints="1" noAdjustHandles="1" noChangeArrowheads="1" noChangeShapeType="1" noTextEdit="1"/>
+          </p:cNvSpPr>
+          <p:nvPr>
+            <p:extLst>
+              <p:ext uri="{386F3935-93C4-4BCD-93E2-E3B085C9AB24}">
+                <p16:designElem xmlns:p16="http://schemas.microsoft.com/office/powerpoint/2015/main" val="1"/>
+              </p:ext>
+            </p:extLst>
+          </p:nvPr>
+        </p:nvSpPr>
+        <p:spPr>
+          <a:xfrm>
+            <a:off x="3048" y="4293"/>
+            <a:ext cx="12188952" cy="6858000"/>
+          </a:xfrm>
+          <a:prstGeom prst="rect">
+            <a:avLst/>
+          </a:prstGeom>
+          <a:ln>
+            <a:noFill/>
+          </a:ln>
+        </p:spPr>
+        <p:style>
+          <a:lnRef idx="2">
+            <a:schemeClr val="accent1">
+              <a:shade val="50000"/>
+            </a:schemeClr>
+          </a:lnRef>
+          <a:fillRef idx="1">
+            <a:schemeClr val="accent1"/>
+          </a:fillRef>
+          <a:effectRef idx="0">
+            <a:schemeClr val="accent1"/>
+          </a:effectRef>
+          <a:fontRef idx="minor">
+            <a:schemeClr val="lt1"/>
+          </a:fontRef>
+        </p:style>
+        <p:txBody>
+          <a:bodyPr rtlCol="0" anchor="ctr"/>
+          <a:lstStyle/>
+          <a:p>
+            <a:pPr algn="ctr"/>
+            <a:endParaRPr lang="en-US"/>
+          </a:p>
+        </p:txBody>
+      </p:sp>
+      <p:sp>
+        <p:nvSpPr>
+          <p:cNvPr id="10" name="Rectangle 9">
+            <a:extLst>
+              <a:ext uri="{FF2B5EF4-FFF2-40B4-BE49-F238E27FC236}">
+                <a16:creationId xmlns:a16="http://schemas.microsoft.com/office/drawing/2014/main" id="{A53CCC5C-D88E-40FB-B30B-23DCDBD01D37}"/>
+              </a:ext>
+              <a:ext uri="{C183D7F6-B498-43B3-948B-1728B52AA6E4}">
+                <adec:decorative xmlns:adec="http://schemas.microsoft.com/office/drawing/2017/decorative" val="1"/>
+              </a:ext>
+            </a:extLst>
+          </p:cNvPr>
+          <p:cNvSpPr>
+            <a:spLocks noGrp="1" noRot="1" noChangeAspect="1" noMove="1" noResize="1" noEditPoints="1" noAdjustHandles="1" noChangeArrowheads="1" noChangeShapeType="1" noTextEdit="1"/>
+          </p:cNvSpPr>
+          <p:nvPr>
+            <p:extLst>
+              <p:ext uri="{386F3935-93C4-4BCD-93E2-E3B085C9AB24}">
+                <p16:designElem xmlns:p16="http://schemas.microsoft.com/office/powerpoint/2015/main" val="1"/>
+              </p:ext>
+            </p:extLst>
+          </p:nvPr>
+        </p:nvSpPr>
+        <p:spPr>
+          <a:xfrm>
+            <a:off x="0" y="-4"/>
+            <a:ext cx="4167268" cy="6858004"/>
+          </a:xfrm>
+          <a:prstGeom prst="rect">
+            <a:avLst/>
+          </a:prstGeom>
+          <a:solidFill>
+            <a:schemeClr val="accent2"/>
+          </a:solidFill>
+          <a:ln>
+            <a:noFill/>
+          </a:ln>
+        </p:spPr>
+        <p:style>
+          <a:lnRef idx="2">
+            <a:schemeClr val="accent1">
+              <a:shade val="50000"/>
+            </a:schemeClr>
+          </a:lnRef>
+          <a:fillRef idx="1">
+            <a:schemeClr val="accent1"/>
+          </a:fillRef>
+          <a:effectRef idx="0">
+            <a:schemeClr val="accent1"/>
+          </a:effectRef>
+          <a:fontRef idx="minor">
+            <a:schemeClr val="lt1"/>
+          </a:fontRef>
+        </p:style>
+        <p:txBody>
+          <a:bodyPr rtlCol="0" anchor="ctr"/>
+          <a:lstStyle/>
+          <a:p>
+            <a:pPr algn="ctr"/>
+            <a:endParaRPr lang="en-US"/>
+          </a:p>
+        </p:txBody>
+      </p:sp>
+      <p:sp>
+        <p:nvSpPr>
+          <p:cNvPr id="2" name="Title 1">
+            <a:extLst>
+              <a:ext uri="{FF2B5EF4-FFF2-40B4-BE49-F238E27FC236}">
+                <a16:creationId xmlns:a16="http://schemas.microsoft.com/office/drawing/2014/main" id="{2BE1F3DB-7F41-1A08-2EA9-C59338E9DA18}"/>
+              </a:ext>
+            </a:extLst>
+          </p:cNvPr>
+          <p:cNvSpPr>
+            <a:spLocks noGrp="1"/>
+          </p:cNvSpPr>
+          <p:nvPr>
+            <p:ph type="title"/>
+          </p:nvPr>
+        </p:nvSpPr>
+        <p:spPr>
+          <a:xfrm>
+            <a:off x="686834" y="591344"/>
+            <a:ext cx="3200400" cy="5585619"/>
+          </a:xfrm>
+        </p:spPr>
+        <p:txBody>
+          <a:bodyPr>
+            <a:normAutofit/>
+          </a:bodyPr>
+          <a:lstStyle/>
+          <a:p>
+            <a:r>
+              <a:rPr lang="en-US" sz="3400">
+                <a:solidFill>
+                  <a:srgbClr val="FFFFFF"/>
+                </a:solidFill>
+              </a:rPr>
+              <a:t>Hyperparameter Tunning</a:t>
+            </a:r>
+          </a:p>
+        </p:txBody>
+      </p:sp>
+      <p:sp>
+        <p:nvSpPr>
+          <p:cNvPr id="12" name="Arc 11">
+            <a:extLst>
+              <a:ext uri="{FF2B5EF4-FFF2-40B4-BE49-F238E27FC236}">
+                <a16:creationId xmlns:a16="http://schemas.microsoft.com/office/drawing/2014/main" id="{081E4A58-353D-44AE-B2FC-2A74E2E400F7}"/>
+              </a:ext>
+              <a:ext uri="{C183D7F6-B498-43B3-948B-1728B52AA6E4}">
+                <adec:decorative xmlns:adec="http://schemas.microsoft.com/office/drawing/2017/decorative" val="1"/>
+              </a:ext>
+            </a:extLst>
+          </p:cNvPr>
+          <p:cNvSpPr>
+            <a:spLocks noGrp="1" noRot="1" noChangeAspect="1" noMove="1" noResize="1" noEditPoints="1" noAdjustHandles="1" noChangeArrowheads="1" noChangeShapeType="1" noTextEdit="1"/>
+          </p:cNvSpPr>
+          <p:nvPr>
+            <p:extLst>
+              <p:ext uri="{386F3935-93C4-4BCD-93E2-E3B085C9AB24}">
+                <p16:designElem xmlns:p16="http://schemas.microsoft.com/office/powerpoint/2015/main" val="1"/>
+              </p:ext>
+            </p:extLst>
+          </p:nvPr>
+        </p:nvSpPr>
+        <p:spPr>
+          <a:xfrm flipV="1">
+            <a:off x="7550402" y="2455479"/>
+            <a:ext cx="4083433" cy="4083433"/>
+          </a:xfrm>
+          <a:prstGeom prst="arc">
+            <a:avLst/>
+          </a:prstGeom>
+          <a:ln w="127000" cap="rnd">
+            <a:solidFill>
+              <a:schemeClr val="accent4"/>
+            </a:solidFill>
+            <a:prstDash val="dash"/>
+          </a:ln>
+        </p:spPr>
+        <p:style>
+          <a:lnRef idx="1">
+            <a:schemeClr val="accent1"/>
+          </a:lnRef>
+          <a:fillRef idx="0">
+            <a:schemeClr val="accent1"/>
+          </a:fillRef>
+          <a:effectRef idx="0">
+            <a:schemeClr val="accent1"/>
+          </a:effectRef>
+          <a:fontRef idx="minor">
+            <a:schemeClr val="tx1"/>
+          </a:fontRef>
+        </p:style>
+        <p:txBody>
+          <a:bodyPr rtlCol="0" anchor="ctr"/>
+          <a:lstStyle/>
+          <a:p>
+            <a:pPr algn="ctr"/>
+            <a:endParaRPr lang="en-US" dirty="0"/>
+          </a:p>
+        </p:txBody>
+      </p:sp>
+      <p:sp>
+        <p:nvSpPr>
+          <p:cNvPr id="3" name="Content Placeholder 2">
+            <a:extLst>
+              <a:ext uri="{FF2B5EF4-FFF2-40B4-BE49-F238E27FC236}">
+                <a16:creationId xmlns:a16="http://schemas.microsoft.com/office/drawing/2014/main" id="{2AED621A-7B0D-054D-50B1-72DAEDE017AF}"/>
+              </a:ext>
+            </a:extLst>
+          </p:cNvPr>
+          <p:cNvSpPr>
+            <a:spLocks noGrp="1"/>
+          </p:cNvSpPr>
+          <p:nvPr>
+            <p:ph idx="1"/>
+          </p:nvPr>
+        </p:nvSpPr>
+        <p:spPr>
+          <a:xfrm>
+            <a:off x="4447308" y="591344"/>
+            <a:ext cx="6906491" cy="5585619"/>
+          </a:xfrm>
+        </p:spPr>
+        <p:txBody>
+          <a:bodyPr anchor="ctr">
+            <a:normAutofit/>
+          </a:bodyPr>
+          <a:lstStyle/>
+          <a:p>
+            <a:r>
+              <a:rPr lang="en-US" dirty="0"/>
+              <a:t>We have done </a:t>
+            </a:r>
+            <a:r>
+              <a:rPr lang="en-US" dirty="0" err="1"/>
+              <a:t>GridSearchCv</a:t>
+            </a:r>
+            <a:r>
+              <a:rPr lang="en-US" dirty="0"/>
+              <a:t> to do tunning of our model as our data was not that big .</a:t>
+            </a:r>
+          </a:p>
+          <a:p>
+            <a:pPr lvl="1"/>
+            <a:r>
+              <a:rPr lang="en-US" dirty="0"/>
+              <a:t>Random forest : </a:t>
+            </a:r>
+            <a:r>
+              <a:rPr lang="en-US" dirty="0" err="1"/>
+              <a:t>max_depth</a:t>
+            </a:r>
+            <a:r>
+              <a:rPr lang="en-US" dirty="0"/>
+              <a:t>=16, </a:t>
+            </a:r>
+            <a:r>
+              <a:rPr lang="en-US" dirty="0" err="1"/>
+              <a:t>n_estimators</a:t>
+            </a:r>
+            <a:r>
+              <a:rPr lang="en-US" dirty="0"/>
+              <a:t>=162 </a:t>
+            </a:r>
+          </a:p>
+          <a:p>
+            <a:pPr lvl="1"/>
+            <a:r>
+              <a:rPr lang="en-US" dirty="0"/>
+              <a:t>Decision Tree : '</a:t>
+            </a:r>
+            <a:r>
+              <a:rPr lang="en-US" dirty="0" err="1"/>
+              <a:t>max_depth</a:t>
+            </a:r>
+            <a:r>
+              <a:rPr lang="en-US" dirty="0"/>
+              <a:t>': 22, '</a:t>
+            </a:r>
+            <a:r>
+              <a:rPr lang="en-US" dirty="0" err="1"/>
+              <a:t>min_samples_leaf</a:t>
+            </a:r>
+            <a:r>
+              <a:rPr lang="en-US" dirty="0"/>
+              <a:t>': 5, '</a:t>
+            </a:r>
+            <a:r>
+              <a:rPr lang="en-US" dirty="0" err="1"/>
+              <a:t>min_samples_split</a:t>
+            </a:r>
+            <a:r>
+              <a:rPr lang="en-US" dirty="0"/>
+              <a:t>': 10</a:t>
+            </a:r>
+          </a:p>
+          <a:p>
+            <a:endParaRPr lang="en-US" dirty="0"/>
+          </a:p>
+        </p:txBody>
+      </p:sp>
+    </p:spTree>
+    <p:extLst>
+      <p:ext uri="{BB962C8B-B14F-4D97-AF65-F5344CB8AC3E}">
+        <p14:creationId xmlns:p14="http://schemas.microsoft.com/office/powerpoint/2010/main" val="4065749416"/>
+      </p:ext>
+    </p:extLst>
+  </p:cSld>
+  <p:clrMapOvr>
+    <a:masterClrMapping/>
+  </p:clrMapOvr>
+</p:sld>
+</file>
+
+<file path=ppt/slides/slide7.xml><?xml version="1.0" encoding="utf-8"?>
+<p:sld xmlns:a="http://schemas.openxmlformats.org/drawingml/2006/main" xmlns:r="http://schemas.openxmlformats.org/officeDocument/2006/relationships" xmlns:p="http://schemas.openxmlformats.org/presentationml/2006/main">
+  <p:cSld>
+    <p:bg>
+      <p:bgPr>
+        <a:solidFill>
+          <a:schemeClr val="bg1"/>
+        </a:solidFill>
+        <a:effectLst/>
+      </p:bgPr>
+    </p:bg>
+    <p:spTree>
+      <p:nvGrpSpPr>
+        <p:cNvPr id="1" name=""/>
+        <p:cNvGrpSpPr/>
+        <p:nvPr/>
+      </p:nvGrpSpPr>
+      <p:grpSpPr>
+        <a:xfrm>
+          <a:off x="0" y="0"/>
+          <a:ext cx="0" cy="0"/>
+          <a:chOff x="0" y="0"/>
+          <a:chExt cx="0" cy="0"/>
+        </a:xfrm>
+      </p:grpSpPr>
+      <p:sp useBgFill="1">
+        <p:nvSpPr>
           <p:cNvPr id="9" name="Rectangle 8">
             <a:extLst>
               <a:ext uri="{FF2B5EF4-FFF2-40B4-BE49-F238E27FC236}">
@@ -21477,7 +22464,7 @@
             <p:ph idx="1"/>
             <p:extLst>
               <p:ext uri="{D42A27DB-BD31-4B8C-83A1-F6EECF244321}">
-                <p14:modId xmlns:p14="http://schemas.microsoft.com/office/powerpoint/2010/main" val="4028283347"/>
+                <p14:modId xmlns:p14="http://schemas.microsoft.com/office/powerpoint/2010/main" val="3350864797"/>
               </p:ext>
             </p:extLst>
           </p:nvPr>
@@ -21505,7 +22492,7 @@
 </p:sld>
 </file>
 
-<file path=ppt/slides/slide7.xml><?xml version="1.0" encoding="utf-8"?>
+<file path=ppt/slides/slide8.xml><?xml version="1.0" encoding="utf-8"?>
 <p:sld xmlns:a="http://schemas.openxmlformats.org/drawingml/2006/main" xmlns:r="http://schemas.openxmlformats.org/officeDocument/2006/relationships" xmlns:p="http://schemas.openxmlformats.org/presentationml/2006/main">
   <p:cSld>
     <p:bg>
@@ -21992,7 +22979,7 @@
 </p:sld>
 </file>
 
-<file path=ppt/slides/slide8.xml><?xml version="1.0" encoding="utf-8"?>
+<file path=ppt/slides/slide9.xml><?xml version="1.0" encoding="utf-8"?>
 <p:sld xmlns:a="http://schemas.openxmlformats.org/drawingml/2006/main" xmlns:r="http://schemas.openxmlformats.org/officeDocument/2006/relationships" xmlns:p="http://schemas.openxmlformats.org/presentationml/2006/main">
   <p:cSld>
     <p:bg>
@@ -22387,526 +23374,6 @@
     <p:extLst>
       <p:ext uri="{BB962C8B-B14F-4D97-AF65-F5344CB8AC3E}">
         <p14:creationId xmlns:p14="http://schemas.microsoft.com/office/powerpoint/2010/main" val="3805467070"/>
-      </p:ext>
-    </p:extLst>
-  </p:cSld>
-  <p:clrMapOvr>
-    <a:masterClrMapping/>
-  </p:clrMapOvr>
-</p:sld>
-</file>
-
-<file path=ppt/slides/slide9.xml><?xml version="1.0" encoding="utf-8"?>
-<p:sld xmlns:a="http://schemas.openxmlformats.org/drawingml/2006/main" xmlns:r="http://schemas.openxmlformats.org/officeDocument/2006/relationships" xmlns:p="http://schemas.openxmlformats.org/presentationml/2006/main">
-  <p:cSld>
-    <p:bg>
-      <p:bgPr>
-        <a:solidFill>
-          <a:schemeClr val="bg1"/>
-        </a:solidFill>
-        <a:effectLst/>
-      </p:bgPr>
-    </p:bg>
-    <p:spTree>
-      <p:nvGrpSpPr>
-        <p:cNvPr id="1" name=""/>
-        <p:cNvGrpSpPr/>
-        <p:nvPr/>
-      </p:nvGrpSpPr>
-      <p:grpSpPr>
-        <a:xfrm>
-          <a:off x="0" y="0"/>
-          <a:ext cx="0" cy="0"/>
-          <a:chOff x="0" y="0"/>
-          <a:chExt cx="0" cy="0"/>
-        </a:xfrm>
-      </p:grpSpPr>
-      <p:sp useBgFill="1">
-        <p:nvSpPr>
-          <p:cNvPr id="10" name="Rectangle 9">
-            <a:extLst>
-              <a:ext uri="{FF2B5EF4-FFF2-40B4-BE49-F238E27FC236}">
-                <a16:creationId xmlns:a16="http://schemas.microsoft.com/office/drawing/2014/main" id="{743AA782-23D1-4521-8CAD-47662984AA08}"/>
-              </a:ext>
-              <a:ext uri="{C183D7F6-B498-43B3-948B-1728B52AA6E4}">
-                <adec:decorative xmlns:adec="http://schemas.microsoft.com/office/drawing/2017/decorative" val="1"/>
-              </a:ext>
-            </a:extLst>
-          </p:cNvPr>
-          <p:cNvSpPr>
-            <a:spLocks noGrp="1" noRot="1" noChangeAspect="1" noMove="1" noResize="1" noEditPoints="1" noAdjustHandles="1" noChangeArrowheads="1" noChangeShapeType="1" noTextEdit="1"/>
-          </p:cNvSpPr>
-          <p:nvPr>
-            <p:extLst>
-              <p:ext uri="{386F3935-93C4-4BCD-93E2-E3B085C9AB24}">
-                <p16:designElem xmlns:p16="http://schemas.microsoft.com/office/powerpoint/2015/main" val="1"/>
-              </p:ext>
-            </p:extLst>
-          </p:nvPr>
-        </p:nvSpPr>
-        <p:spPr>
-          <a:xfrm>
-            <a:off x="0" y="0"/>
-            <a:ext cx="12192000" cy="6858000"/>
-          </a:xfrm>
-          <a:prstGeom prst="rect">
-            <a:avLst/>
-          </a:prstGeom>
-          <a:ln>
-            <a:noFill/>
-          </a:ln>
-        </p:spPr>
-        <p:style>
-          <a:lnRef idx="2">
-            <a:schemeClr val="accent1">
-              <a:shade val="50000"/>
-            </a:schemeClr>
-          </a:lnRef>
-          <a:fillRef idx="1">
-            <a:schemeClr val="accent1"/>
-          </a:fillRef>
-          <a:effectRef idx="0">
-            <a:schemeClr val="accent1"/>
-          </a:effectRef>
-          <a:fontRef idx="minor">
-            <a:schemeClr val="lt1"/>
-          </a:fontRef>
-        </p:style>
-        <p:txBody>
-          <a:bodyPr rtlCol="0" anchor="ctr"/>
-          <a:lstStyle/>
-          <a:p>
-            <a:pPr algn="ctr"/>
-            <a:endParaRPr lang="en-US"/>
-          </a:p>
-        </p:txBody>
-      </p:sp>
-      <p:sp>
-        <p:nvSpPr>
-          <p:cNvPr id="2" name="Title 1">
-            <a:extLst>
-              <a:ext uri="{FF2B5EF4-FFF2-40B4-BE49-F238E27FC236}">
-                <a16:creationId xmlns:a16="http://schemas.microsoft.com/office/drawing/2014/main" id="{813117B0-1D65-49CA-95E9-828CF423B6A0}"/>
-              </a:ext>
-            </a:extLst>
-          </p:cNvPr>
-          <p:cNvSpPr>
-            <a:spLocks noGrp="1"/>
-          </p:cNvSpPr>
-          <p:nvPr>
-            <p:ph type="title"/>
-          </p:nvPr>
-        </p:nvSpPr>
-        <p:spPr>
-          <a:xfrm>
-            <a:off x="630936" y="640080"/>
-            <a:ext cx="4818888" cy="1481328"/>
-          </a:xfrm>
-        </p:spPr>
-        <p:txBody>
-          <a:bodyPr vert="horz" lIns="91440" tIns="45720" rIns="91440" bIns="45720" rtlCol="0" anchor="b">
-            <a:normAutofit/>
-          </a:bodyPr>
-          <a:lstStyle/>
-          <a:p>
-            <a:r>
-              <a:rPr lang="en-US" sz="3800" b="1" kern="1200" dirty="0">
-                <a:solidFill>
-                  <a:schemeClr val="tx1"/>
-                </a:solidFill>
-                <a:latin typeface="+mj-lt"/>
-                <a:ea typeface="+mj-ea"/>
-                <a:cs typeface="+mj-cs"/>
-              </a:rPr>
-              <a:t>Can we improve using neural network ? </a:t>
-            </a:r>
-          </a:p>
-        </p:txBody>
-      </p:sp>
-      <p:sp>
-        <p:nvSpPr>
-          <p:cNvPr id="12" name="sketch line">
-            <a:extLst>
-              <a:ext uri="{FF2B5EF4-FFF2-40B4-BE49-F238E27FC236}">
-                <a16:creationId xmlns:a16="http://schemas.microsoft.com/office/drawing/2014/main" id="{71877DBC-BB60-40F0-AC93-2ACDBAAE60CE}"/>
-              </a:ext>
-              <a:ext uri="{C183D7F6-B498-43B3-948B-1728B52AA6E4}">
-                <adec:decorative xmlns:adec="http://schemas.microsoft.com/office/drawing/2017/decorative" val="1"/>
-              </a:ext>
-            </a:extLst>
-          </p:cNvPr>
-          <p:cNvSpPr>
-            <a:spLocks noGrp="1" noRot="1" noChangeAspect="1" noMove="1" noResize="1" noEditPoints="1" noAdjustHandles="1" noChangeArrowheads="1" noChangeShapeType="1" noTextEdit="1"/>
-          </p:cNvSpPr>
-          <p:nvPr>
-            <p:extLst>
-              <p:ext uri="{386F3935-93C4-4BCD-93E2-E3B085C9AB24}">
-                <p16:designElem xmlns:p16="http://schemas.microsoft.com/office/powerpoint/2015/main" val="1"/>
-              </p:ext>
-            </p:extLst>
-          </p:nvPr>
-        </p:nvSpPr>
-        <p:spPr>
-          <a:xfrm>
-            <a:off x="643278" y="2372868"/>
-            <a:ext cx="3255095" cy="18288"/>
-          </a:xfrm>
-          <a:custGeom>
-            <a:avLst/>
-            <a:gdLst>
-              <a:gd name="connsiteX0" fmla="*/ 0 w 3255095"/>
-              <a:gd name="connsiteY0" fmla="*/ 0 h 18288"/>
-              <a:gd name="connsiteX1" fmla="*/ 618468 w 3255095"/>
-              <a:gd name="connsiteY1" fmla="*/ 0 h 18288"/>
-              <a:gd name="connsiteX2" fmla="*/ 1269487 w 3255095"/>
-              <a:gd name="connsiteY2" fmla="*/ 0 h 18288"/>
-              <a:gd name="connsiteX3" fmla="*/ 1953057 w 3255095"/>
-              <a:gd name="connsiteY3" fmla="*/ 0 h 18288"/>
-              <a:gd name="connsiteX4" fmla="*/ 2636627 w 3255095"/>
-              <a:gd name="connsiteY4" fmla="*/ 0 h 18288"/>
-              <a:gd name="connsiteX5" fmla="*/ 3255095 w 3255095"/>
-              <a:gd name="connsiteY5" fmla="*/ 0 h 18288"/>
-              <a:gd name="connsiteX6" fmla="*/ 3255095 w 3255095"/>
-              <a:gd name="connsiteY6" fmla="*/ 18288 h 18288"/>
-              <a:gd name="connsiteX7" fmla="*/ 2538974 w 3255095"/>
-              <a:gd name="connsiteY7" fmla="*/ 18288 h 18288"/>
-              <a:gd name="connsiteX8" fmla="*/ 1822853 w 3255095"/>
-              <a:gd name="connsiteY8" fmla="*/ 18288 h 18288"/>
-              <a:gd name="connsiteX9" fmla="*/ 1171834 w 3255095"/>
-              <a:gd name="connsiteY9" fmla="*/ 18288 h 18288"/>
-              <a:gd name="connsiteX10" fmla="*/ 0 w 3255095"/>
-              <a:gd name="connsiteY10" fmla="*/ 18288 h 18288"/>
-              <a:gd name="connsiteX11" fmla="*/ 0 w 3255095"/>
-              <a:gd name="connsiteY11" fmla="*/ 0 h 18288"/>
-            </a:gdLst>
-            <a:ahLst/>
-            <a:cxnLst>
-              <a:cxn ang="0">
-                <a:pos x="connsiteX0" y="connsiteY0"/>
-              </a:cxn>
-              <a:cxn ang="0">
-                <a:pos x="connsiteX1" y="connsiteY1"/>
-              </a:cxn>
-              <a:cxn ang="0">
-                <a:pos x="connsiteX2" y="connsiteY2"/>
-              </a:cxn>
-              <a:cxn ang="0">
-                <a:pos x="connsiteX3" y="connsiteY3"/>
-              </a:cxn>
-              <a:cxn ang="0">
-                <a:pos x="connsiteX4" y="connsiteY4"/>
-              </a:cxn>
-              <a:cxn ang="0">
-                <a:pos x="connsiteX5" y="connsiteY5"/>
-              </a:cxn>
-              <a:cxn ang="0">
-                <a:pos x="connsiteX6" y="connsiteY6"/>
-              </a:cxn>
-              <a:cxn ang="0">
-                <a:pos x="connsiteX7" y="connsiteY7"/>
-              </a:cxn>
-              <a:cxn ang="0">
-                <a:pos x="connsiteX8" y="connsiteY8"/>
-              </a:cxn>
-              <a:cxn ang="0">
-                <a:pos x="connsiteX9" y="connsiteY9"/>
-              </a:cxn>
-              <a:cxn ang="0">
-                <a:pos x="connsiteX10" y="connsiteY10"/>
-              </a:cxn>
-              <a:cxn ang="0">
-                <a:pos x="connsiteX11" y="connsiteY11"/>
-              </a:cxn>
-            </a:cxnLst>
-            <a:rect l="l" t="t" r="r" b="b"/>
-            <a:pathLst>
-              <a:path w="3255095" h="18288" fill="none" extrusionOk="0">
-                <a:moveTo>
-                  <a:pt x="0" y="0"/>
-                </a:moveTo>
-                <a:cubicBezTo>
-                  <a:pt x="240201" y="-22123"/>
-                  <a:pt x="462021" y="-19623"/>
-                  <a:pt x="618468" y="0"/>
-                </a:cubicBezTo>
-                <a:cubicBezTo>
-                  <a:pt x="774915" y="19623"/>
-                  <a:pt x="974734" y="2035"/>
-                  <a:pt x="1269487" y="0"/>
-                </a:cubicBezTo>
-                <a:cubicBezTo>
-                  <a:pt x="1564240" y="-2035"/>
-                  <a:pt x="1733579" y="10639"/>
-                  <a:pt x="1953057" y="0"/>
-                </a:cubicBezTo>
-                <a:cubicBezTo>
-                  <a:pt x="2172535" y="-10639"/>
-                  <a:pt x="2453962" y="14018"/>
-                  <a:pt x="2636627" y="0"/>
-                </a:cubicBezTo>
-                <a:cubicBezTo>
-                  <a:pt x="2819292" y="-14018"/>
-                  <a:pt x="3121375" y="5399"/>
-                  <a:pt x="3255095" y="0"/>
-                </a:cubicBezTo>
-                <a:cubicBezTo>
-                  <a:pt x="3254386" y="8157"/>
-                  <a:pt x="3254682" y="12125"/>
-                  <a:pt x="3255095" y="18288"/>
-                </a:cubicBezTo>
-                <a:cubicBezTo>
-                  <a:pt x="3088545" y="23203"/>
-                  <a:pt x="2687475" y="7419"/>
-                  <a:pt x="2538974" y="18288"/>
-                </a:cubicBezTo>
-                <a:cubicBezTo>
-                  <a:pt x="2390473" y="29157"/>
-                  <a:pt x="2137381" y="-8959"/>
-                  <a:pt x="1822853" y="18288"/>
-                </a:cubicBezTo>
-                <a:cubicBezTo>
-                  <a:pt x="1508325" y="45535"/>
-                  <a:pt x="1466437" y="20385"/>
-                  <a:pt x="1171834" y="18288"/>
-                </a:cubicBezTo>
-                <a:cubicBezTo>
-                  <a:pt x="877231" y="16191"/>
-                  <a:pt x="561097" y="37643"/>
-                  <a:pt x="0" y="18288"/>
-                </a:cubicBezTo>
-                <a:cubicBezTo>
-                  <a:pt x="-46" y="12483"/>
-                  <a:pt x="-203" y="6491"/>
-                  <a:pt x="0" y="0"/>
-                </a:cubicBezTo>
-                <a:close/>
-              </a:path>
-              <a:path w="3255095" h="18288" stroke="0" extrusionOk="0">
-                <a:moveTo>
-                  <a:pt x="0" y="0"/>
-                </a:moveTo>
-                <a:cubicBezTo>
-                  <a:pt x="291965" y="19429"/>
-                  <a:pt x="363155" y="8568"/>
-                  <a:pt x="618468" y="0"/>
-                </a:cubicBezTo>
-                <a:cubicBezTo>
-                  <a:pt x="873781" y="-8568"/>
-                  <a:pt x="904459" y="-19505"/>
-                  <a:pt x="1171834" y="0"/>
-                </a:cubicBezTo>
-                <a:cubicBezTo>
-                  <a:pt x="1439209" y="19505"/>
-                  <a:pt x="1744369" y="9790"/>
-                  <a:pt x="1887955" y="0"/>
-                </a:cubicBezTo>
-                <a:cubicBezTo>
-                  <a:pt x="2031541" y="-9790"/>
-                  <a:pt x="2346378" y="21240"/>
-                  <a:pt x="2506423" y="0"/>
-                </a:cubicBezTo>
-                <a:cubicBezTo>
-                  <a:pt x="2666468" y="-21240"/>
-                  <a:pt x="2990257" y="30414"/>
-                  <a:pt x="3255095" y="0"/>
-                </a:cubicBezTo>
-                <a:cubicBezTo>
-                  <a:pt x="3254831" y="4493"/>
-                  <a:pt x="3255479" y="9472"/>
-                  <a:pt x="3255095" y="18288"/>
-                </a:cubicBezTo>
-                <a:cubicBezTo>
-                  <a:pt x="3120743" y="16690"/>
-                  <a:pt x="2759628" y="42462"/>
-                  <a:pt x="2604076" y="18288"/>
-                </a:cubicBezTo>
-                <a:cubicBezTo>
-                  <a:pt x="2448524" y="-5886"/>
-                  <a:pt x="2184336" y="19599"/>
-                  <a:pt x="1887955" y="18288"/>
-                </a:cubicBezTo>
-                <a:cubicBezTo>
-                  <a:pt x="1591574" y="16977"/>
-                  <a:pt x="1548845" y="6870"/>
-                  <a:pt x="1334589" y="18288"/>
-                </a:cubicBezTo>
-                <a:cubicBezTo>
-                  <a:pt x="1120333" y="29706"/>
-                  <a:pt x="996014" y="9662"/>
-                  <a:pt x="683570" y="18288"/>
-                </a:cubicBezTo>
-                <a:cubicBezTo>
-                  <a:pt x="371126" y="26914"/>
-                  <a:pt x="198687" y="16167"/>
-                  <a:pt x="0" y="18288"/>
-                </a:cubicBezTo>
-                <a:cubicBezTo>
-                  <a:pt x="843" y="9577"/>
-                  <a:pt x="371" y="6900"/>
-                  <a:pt x="0" y="0"/>
-                </a:cubicBezTo>
-                <a:close/>
-              </a:path>
-            </a:pathLst>
-          </a:custGeom>
-          <a:solidFill>
-            <a:schemeClr val="accent2"/>
-          </a:solidFill>
-          <a:ln w="38100" cap="rnd">
-            <a:solidFill>
-              <a:schemeClr val="accent2"/>
-            </a:solidFill>
-            <a:round/>
-            <a:extLst>
-              <a:ext uri="{C807C97D-BFC1-408E-A445-0C87EB9F89A2}">
-                <ask:lineSketchStyleProps xmlns:ask="http://schemas.microsoft.com/office/drawing/2018/sketchyshapes" sd="1219033472">
-                  <a:prstGeom prst="rect">
-                    <a:avLst/>
-                  </a:prstGeom>
-                  <ask:type>
-                    <ask:lineSketchFreehand/>
-                  </ask:type>
-                </ask:lineSketchStyleProps>
-              </a:ext>
-            </a:extLst>
-          </a:ln>
-        </p:spPr>
-        <p:style>
-          <a:lnRef idx="2">
-            <a:schemeClr val="accent1">
-              <a:shade val="50000"/>
-            </a:schemeClr>
-          </a:lnRef>
-          <a:fillRef idx="1">
-            <a:schemeClr val="accent1"/>
-          </a:fillRef>
-          <a:effectRef idx="0">
-            <a:schemeClr val="accent1"/>
-          </a:effectRef>
-          <a:fontRef idx="minor">
-            <a:schemeClr val="lt1"/>
-          </a:fontRef>
-        </p:style>
-        <p:txBody>
-          <a:bodyPr rtlCol="0" anchor="ctr"/>
-          <a:lstStyle/>
-          <a:p>
-            <a:pPr algn="ctr"/>
-            <a:endParaRPr lang="en-US"/>
-          </a:p>
-        </p:txBody>
-      </p:sp>
-      <p:sp>
-        <p:nvSpPr>
-          <p:cNvPr id="4" name="Content Placeholder 3">
-            <a:extLst>
-              <a:ext uri="{FF2B5EF4-FFF2-40B4-BE49-F238E27FC236}">
-                <a16:creationId xmlns:a16="http://schemas.microsoft.com/office/drawing/2014/main" id="{F0364838-53A3-C1E5-BE6F-9E27F00B48DD}"/>
-              </a:ext>
-            </a:extLst>
-          </p:cNvPr>
-          <p:cNvSpPr>
-            <a:spLocks noGrp="1"/>
-          </p:cNvSpPr>
-          <p:nvPr>
-            <p:ph sz="half" idx="2"/>
-          </p:nvPr>
-        </p:nvSpPr>
-        <p:spPr>
-          <a:xfrm>
-            <a:off x="630936" y="2660904"/>
-            <a:ext cx="4818888" cy="3547872"/>
-          </a:xfrm>
-        </p:spPr>
-        <p:txBody>
-          <a:bodyPr vert="horz" lIns="91440" tIns="45720" rIns="91440" bIns="45720" rtlCol="0" anchor="t">
-            <a:normAutofit/>
-          </a:bodyPr>
-          <a:lstStyle/>
-          <a:p>
-            <a:r>
-              <a:rPr lang="en-US" sz="2000" dirty="0"/>
-              <a:t>f1 score 91% in single try . </a:t>
-            </a:r>
-          </a:p>
-          <a:p>
-            <a:r>
-              <a:rPr lang="en-US" sz="2000" dirty="0"/>
-              <a:t>Accuracy reduces when we add more layer and number of neurons in each layer  ( f1 reduces to 61% also )</a:t>
-            </a:r>
-          </a:p>
-          <a:p>
-            <a:r>
-              <a:rPr lang="en-US" sz="2000" b="1" dirty="0"/>
-              <a:t>Random forest is still best for our problem.</a:t>
-            </a:r>
-          </a:p>
-          <a:p>
-            <a:r>
-              <a:rPr lang="en-US" sz="2000" dirty="0"/>
-              <a:t>Even though using sigmoid at the output layer this will not give 0 and 1 directly .</a:t>
-            </a:r>
-          </a:p>
-          <a:p>
-            <a:r>
-              <a:rPr lang="en-US" sz="2000" dirty="0"/>
-              <a:t>Use (</a:t>
-            </a:r>
-            <a:r>
-              <a:rPr lang="en-US" sz="2000" dirty="0" err="1"/>
-              <a:t>y_pred</a:t>
-            </a:r>
-            <a:r>
-              <a:rPr lang="en-US" sz="2000" dirty="0"/>
-              <a:t> &gt; 0.6).</a:t>
-            </a:r>
-            <a:r>
-              <a:rPr lang="en-US" sz="2000" dirty="0" err="1"/>
-              <a:t>astype</a:t>
-            </a:r>
-            <a:r>
-              <a:rPr lang="en-US" sz="2000" dirty="0"/>
-              <a:t>(int) to get binary prediction .</a:t>
-            </a:r>
-          </a:p>
-        </p:txBody>
-      </p:sp>
-      <p:pic>
-        <p:nvPicPr>
-          <p:cNvPr id="5" name="Content Placeholder 4" descr="A screenshot of a computer&#10;&#10;Description automatically generated">
-            <a:extLst>
-              <a:ext uri="{FF2B5EF4-FFF2-40B4-BE49-F238E27FC236}">
-                <a16:creationId xmlns:a16="http://schemas.microsoft.com/office/drawing/2014/main" id="{EA8E0A5F-73AA-27D0-684F-EBD45C094503}"/>
-              </a:ext>
-            </a:extLst>
-          </p:cNvPr>
-          <p:cNvPicPr>
-            <a:picLocks noGrp="1" noChangeAspect="1"/>
-          </p:cNvPicPr>
-          <p:nvPr>
-            <p:ph sz="half" idx="1"/>
-          </p:nvPr>
-        </p:nvPicPr>
-        <p:blipFill>
-          <a:blip r:embed="rId2"/>
-          <a:stretch>
-            <a:fillRect/>
-          </a:stretch>
-        </p:blipFill>
-        <p:spPr>
-          <a:xfrm>
-            <a:off x="6099048" y="1880018"/>
-            <a:ext cx="5458968" cy="3097964"/>
-          </a:xfrm>
-          <a:prstGeom prst="rect">
-            <a:avLst/>
-          </a:prstGeom>
-        </p:spPr>
-      </p:pic>
-    </p:spTree>
-    <p:extLst>
-      <p:ext uri="{BB962C8B-B14F-4D97-AF65-F5344CB8AC3E}">
-        <p14:creationId xmlns:p14="http://schemas.microsoft.com/office/powerpoint/2010/main" val="1295955427"/>
       </p:ext>
     </p:extLst>
   </p:cSld>

--- a/Project_Presentation_Employee_Attrition_Prediction.pptx
+++ b/Project_Presentation_Employee_Attrition_Prediction.pptx
@@ -5,7 +5,7 @@
     <p:sldMasterId id="2147483648" r:id="rId1"/>
   </p:sldMasterIdLst>
   <p:notesMasterIdLst>
-    <p:notesMasterId r:id="rId15"/>
+    <p:notesMasterId r:id="rId17"/>
   </p:notesMasterIdLst>
   <p:sldIdLst>
     <p:sldId id="259" r:id="rId2"/>
@@ -18,9 +18,11 @@
     <p:sldId id="258" r:id="rId9"/>
     <p:sldId id="1605" r:id="rId10"/>
     <p:sldId id="261" r:id="rId11"/>
-    <p:sldId id="1603" r:id="rId12"/>
-    <p:sldId id="262" r:id="rId13"/>
-    <p:sldId id="265" r:id="rId14"/>
+    <p:sldId id="1612" r:id="rId12"/>
+    <p:sldId id="1613" r:id="rId13"/>
+    <p:sldId id="1603" r:id="rId14"/>
+    <p:sldId id="262" r:id="rId15"/>
+    <p:sldId id="265" r:id="rId16"/>
   </p:sldIdLst>
   <p:sldSz cx="12192000" cy="6858000"/>
   <p:notesSz cx="6858000" cy="9144000"/>
@@ -3136,10 +3138,10 @@
     <dgm:cxn modelId="{2506FF35-0B73-4924-B3A6-CDA6CCE4D254}" type="presOf" srcId="{7D29E4BA-724A-4F0F-AAAC-896F91B289D5}" destId="{8F35218B-0B29-4537-A959-F065B533DCA0}" srcOrd="0" destOrd="0" presId="urn:microsoft.com/office/officeart/2005/8/layout/default"/>
     <dgm:cxn modelId="{DB22C239-922F-472F-B8EF-519C934D9D76}" srcId="{ED784AFE-1B07-45C6-BE33-1AEB9AC9BAAC}" destId="{BB1F6F43-E23D-4EA9-AC40-2EC9712A8DB0}" srcOrd="1" destOrd="0" parTransId="{D97ACDAA-3921-409E-84A8-BEAE666BA87D}" sibTransId="{87317E56-7708-421D-A8AA-D0A8FB135E10}"/>
     <dgm:cxn modelId="{327A003A-95FF-4036-879E-395A761AE4AE}" type="presOf" srcId="{A48216D7-7077-4AD6-9795-06A1DEBB9070}" destId="{2F70ABAD-FD34-4D55-B5C9-FDB43501D535}" srcOrd="0" destOrd="0" presId="urn:microsoft.com/office/officeart/2005/8/layout/default"/>
+    <dgm:cxn modelId="{EAE6F147-9D6A-4D7B-A86B-150AAD957A6A}" srcId="{7D29E4BA-724A-4F0F-AAAC-896F91B289D5}" destId="{4E005EB3-5501-40C1-AF1B-54CE7CD9360F}" srcOrd="0" destOrd="0" parTransId="{6D40B7BD-16CA-414B-AF09-504801BA60EF}" sibTransId="{E7EE611D-3CF4-481C-BC7C-5BE7048D352B}"/>
+    <dgm:cxn modelId="{CE694954-9E6A-418D-9B79-5F79324B5D44}" type="presOf" srcId="{B180E4AB-9ED3-4A31-8DF4-1A84E957DC34}" destId="{4841FE55-6EF3-474D-A028-5B9AFFAF4649}" srcOrd="0" destOrd="0" presId="urn:microsoft.com/office/officeart/2005/8/layout/default"/>
     <dgm:cxn modelId="{56FB655D-01C2-4A56-9E24-E34DBD47A63F}" srcId="{ED784AFE-1B07-45C6-BE33-1AEB9AC9BAAC}" destId="{4292E375-61D9-4158-9C09-DF8F34317D5D}" srcOrd="0" destOrd="0" parTransId="{EF2C9413-C3D8-4BAA-8B47-8B63D4B1AABB}" sibTransId="{7C2E2CE5-EC43-4804-9BB2-DB62C8021990}"/>
-    <dgm:cxn modelId="{EAE6F147-9D6A-4D7B-A86B-150AAD957A6A}" srcId="{7D29E4BA-724A-4F0F-AAAC-896F91B289D5}" destId="{4E005EB3-5501-40C1-AF1B-54CE7CD9360F}" srcOrd="0" destOrd="0" parTransId="{6D40B7BD-16CA-414B-AF09-504801BA60EF}" sibTransId="{E7EE611D-3CF4-481C-BC7C-5BE7048D352B}"/>
     <dgm:cxn modelId="{47013673-3601-4AD8-9B2E-44F7DCB11541}" srcId="{BED7FE2B-2E73-4F95-AD2C-1BE75880880B}" destId="{CC050EFE-8108-43FE-9F48-9E70F52489C1}" srcOrd="5" destOrd="0" parTransId="{EA30F8A1-BD9A-4A76-B111-44A1361C01EE}" sibTransId="{93B753EF-65FD-42AF-8845-FD099EDAA830}"/>
-    <dgm:cxn modelId="{CE694954-9E6A-418D-9B79-5F79324B5D44}" type="presOf" srcId="{B180E4AB-9ED3-4A31-8DF4-1A84E957DC34}" destId="{4841FE55-6EF3-474D-A028-5B9AFFAF4649}" srcOrd="0" destOrd="0" presId="urn:microsoft.com/office/officeart/2005/8/layout/default"/>
     <dgm:cxn modelId="{9B0FA176-374C-4017-9629-4C63A679BF5F}" type="presOf" srcId="{5D257861-C90E-41A1-8ADC-2F2D32BC6AC3}" destId="{4841FE55-6EF3-474D-A028-5B9AFFAF4649}" srcOrd="0" destOrd="1" presId="urn:microsoft.com/office/officeart/2005/8/layout/default"/>
     <dgm:cxn modelId="{34EB947B-4D41-42BA-8B62-03BC2F67A1E2}" type="presOf" srcId="{CF233DCB-DD28-4106-B364-7A95CAD6200C}" destId="{D4F68EC4-739F-407B-AE53-0ACC131A628B}" srcOrd="0" destOrd="2" presId="urn:microsoft.com/office/officeart/2005/8/layout/default"/>
     <dgm:cxn modelId="{D4A9857D-8319-428D-9776-D23067CB4F28}" srcId="{BED7FE2B-2E73-4F95-AD2C-1BE75880880B}" destId="{B180E4AB-9ED3-4A31-8DF4-1A84E957DC34}" srcOrd="0" destOrd="0" parTransId="{0AB4E1F8-BA5D-47ED-9E09-55F151C86E00}" sibTransId="{1FA59D29-EC3F-4EB6-848D-B86E0825326F}"/>
@@ -11466,7 +11468,7 @@
           <a:p>
             <a:fld id="{55EBF7F1-AB8B-45B9-85D6-EEAB5CA0B4C8}" type="datetimeFigureOut">
               <a:rPr lang="en-US" smtClean="0"/>
-              <a:t>12/4/2024</a:t>
+              <a:t>12/5/24</a:t>
             </a:fld>
             <a:endParaRPr lang="en-US"/>
           </a:p>
@@ -11882,7 +11884,7 @@
           <a:p>
             <a:fld id="{D9DC0902-B928-4F0F-BBCD-04DEB66ED9A2}" type="slidenum">
               <a:rPr lang="en-US" smtClean="0"/>
-              <a:t>13</a:t>
+              <a:t>15</a:t>
             </a:fld>
             <a:endParaRPr lang="en-US"/>
           </a:p>
@@ -12048,7 +12050,7 @@
           <a:p>
             <a:fld id="{84B92407-704D-4C58-9180-B5C5B3785A42}" type="datetimeFigureOut">
               <a:rPr lang="en-US" smtClean="0"/>
-              <a:t>12/4/2024</a:t>
+              <a:t>12/5/24</a:t>
             </a:fld>
             <a:endParaRPr lang="en-US"/>
           </a:p>
@@ -12246,7 +12248,7 @@
           <a:p>
             <a:fld id="{84B92407-704D-4C58-9180-B5C5B3785A42}" type="datetimeFigureOut">
               <a:rPr lang="en-US" smtClean="0"/>
-              <a:t>12/4/2024</a:t>
+              <a:t>12/5/24</a:t>
             </a:fld>
             <a:endParaRPr lang="en-US"/>
           </a:p>
@@ -12454,7 +12456,7 @@
           <a:p>
             <a:fld id="{84B92407-704D-4C58-9180-B5C5B3785A42}" type="datetimeFigureOut">
               <a:rPr lang="en-US" smtClean="0"/>
-              <a:t>12/4/2024</a:t>
+              <a:t>12/5/24</a:t>
             </a:fld>
             <a:endParaRPr lang="en-US"/>
           </a:p>
@@ -12652,7 +12654,7 @@
           <a:p>
             <a:fld id="{84B92407-704D-4C58-9180-B5C5B3785A42}" type="datetimeFigureOut">
               <a:rPr lang="en-US" smtClean="0"/>
-              <a:t>12/4/2024</a:t>
+              <a:t>12/5/24</a:t>
             </a:fld>
             <a:endParaRPr lang="en-US"/>
           </a:p>
@@ -12927,7 +12929,7 @@
           <a:p>
             <a:fld id="{84B92407-704D-4C58-9180-B5C5B3785A42}" type="datetimeFigureOut">
               <a:rPr lang="en-US" smtClean="0"/>
-              <a:t>12/4/2024</a:t>
+              <a:t>12/5/24</a:t>
             </a:fld>
             <a:endParaRPr lang="en-US"/>
           </a:p>
@@ -13192,7 +13194,7 @@
           <a:p>
             <a:fld id="{84B92407-704D-4C58-9180-B5C5B3785A42}" type="datetimeFigureOut">
               <a:rPr lang="en-US" smtClean="0"/>
-              <a:t>12/4/2024</a:t>
+              <a:t>12/5/24</a:t>
             </a:fld>
             <a:endParaRPr lang="en-US"/>
           </a:p>
@@ -13604,7 +13606,7 @@
           <a:p>
             <a:fld id="{84B92407-704D-4C58-9180-B5C5B3785A42}" type="datetimeFigureOut">
               <a:rPr lang="en-US" smtClean="0"/>
-              <a:t>12/4/2024</a:t>
+              <a:t>12/5/24</a:t>
             </a:fld>
             <a:endParaRPr lang="en-US"/>
           </a:p>
@@ -13745,7 +13747,7 @@
           <a:p>
             <a:fld id="{84B92407-704D-4C58-9180-B5C5B3785A42}" type="datetimeFigureOut">
               <a:rPr lang="en-US" smtClean="0"/>
-              <a:t>12/4/2024</a:t>
+              <a:t>12/5/24</a:t>
             </a:fld>
             <a:endParaRPr lang="en-US"/>
           </a:p>
@@ -13858,7 +13860,7 @@
           <a:p>
             <a:fld id="{84B92407-704D-4C58-9180-B5C5B3785A42}" type="datetimeFigureOut">
               <a:rPr lang="en-US" smtClean="0"/>
-              <a:t>12/4/2024</a:t>
+              <a:t>12/5/24</a:t>
             </a:fld>
             <a:endParaRPr lang="en-US"/>
           </a:p>
@@ -14169,7 +14171,7 @@
           <a:p>
             <a:fld id="{84B92407-704D-4C58-9180-B5C5B3785A42}" type="datetimeFigureOut">
               <a:rPr lang="en-US" smtClean="0"/>
-              <a:t>12/4/2024</a:t>
+              <a:t>12/5/24</a:t>
             </a:fld>
             <a:endParaRPr lang="en-US"/>
           </a:p>
@@ -14457,7 +14459,7 @@
           <a:p>
             <a:fld id="{84B92407-704D-4C58-9180-B5C5B3785A42}" type="datetimeFigureOut">
               <a:rPr lang="en-US" smtClean="0"/>
-              <a:t>12/4/2024</a:t>
+              <a:t>12/5/24</a:t>
             </a:fld>
             <a:endParaRPr lang="en-US"/>
           </a:p>
@@ -14698,7 +14700,7 @@
           <a:p>
             <a:fld id="{84B92407-704D-4C58-9180-B5C5B3785A42}" type="datetimeFigureOut">
               <a:rPr lang="en-US" smtClean="0"/>
-              <a:t>12/4/2024</a:t>
+              <a:t>12/5/24</a:t>
             </a:fld>
             <a:endParaRPr lang="en-US"/>
           </a:p>
@@ -16800,6 +16802,1660 @@
 </file>
 
 <file path=ppt/slides/slide11.xml><?xml version="1.0" encoding="utf-8"?>
+<p:sld xmlns:a="http://schemas.openxmlformats.org/drawingml/2006/main" xmlns:r="http://schemas.openxmlformats.org/officeDocument/2006/relationships" xmlns:p="http://schemas.openxmlformats.org/presentationml/2006/main">
+  <p:cSld>
+    <p:bg>
+      <p:bgPr>
+        <a:solidFill>
+          <a:schemeClr val="bg1"/>
+        </a:solidFill>
+        <a:effectLst/>
+      </p:bgPr>
+    </p:bg>
+    <p:spTree>
+      <p:nvGrpSpPr>
+        <p:cNvPr id="1" name=""/>
+        <p:cNvGrpSpPr/>
+        <p:nvPr/>
+      </p:nvGrpSpPr>
+      <p:grpSpPr>
+        <a:xfrm>
+          <a:off x="0" y="0"/>
+          <a:ext cx="0" cy="0"/>
+          <a:chOff x="0" y="0"/>
+          <a:chExt cx="0" cy="0"/>
+        </a:xfrm>
+      </p:grpSpPr>
+      <p:sp useBgFill="1">
+        <p:nvSpPr>
+          <p:cNvPr id="46" name="Rectangle 45">
+            <a:extLst>
+              <a:ext uri="{FF2B5EF4-FFF2-40B4-BE49-F238E27FC236}">
+                <a16:creationId xmlns:a16="http://schemas.microsoft.com/office/drawing/2014/main" id="{327D73B4-9F5C-4A64-A179-51B9500CB8B5}"/>
+              </a:ext>
+              <a:ext uri="{C183D7F6-B498-43B3-948B-1728B52AA6E4}">
+                <adec:decorative xmlns:adec="http://schemas.microsoft.com/office/drawing/2017/decorative" val="1"/>
+              </a:ext>
+            </a:extLst>
+          </p:cNvPr>
+          <p:cNvSpPr>
+            <a:spLocks noGrp="1" noRot="1" noChangeAspect="1" noMove="1" noResize="1" noEditPoints="1" noAdjustHandles="1" noChangeArrowheads="1" noChangeShapeType="1" noTextEdit="1"/>
+          </p:cNvSpPr>
+          <p:nvPr>
+            <p:extLst>
+              <p:ext uri="{386F3935-93C4-4BCD-93E2-E3B085C9AB24}">
+                <p16:designElem xmlns:p16="http://schemas.microsoft.com/office/powerpoint/2015/main" val="1"/>
+              </p:ext>
+            </p:extLst>
+          </p:nvPr>
+        </p:nvSpPr>
+        <p:spPr>
+          <a:xfrm>
+            <a:off x="0" y="0"/>
+            <a:ext cx="12192000" cy="6858000"/>
+          </a:xfrm>
+          <a:prstGeom prst="rect">
+            <a:avLst/>
+          </a:prstGeom>
+          <a:ln>
+            <a:noFill/>
+          </a:ln>
+        </p:spPr>
+        <p:style>
+          <a:lnRef idx="2">
+            <a:schemeClr val="accent1">
+              <a:shade val="50000"/>
+            </a:schemeClr>
+          </a:lnRef>
+          <a:fillRef idx="1">
+            <a:schemeClr val="accent1"/>
+          </a:fillRef>
+          <a:effectRef idx="0">
+            <a:schemeClr val="accent1"/>
+          </a:effectRef>
+          <a:fontRef idx="minor">
+            <a:schemeClr val="lt1"/>
+          </a:fontRef>
+        </p:style>
+        <p:txBody>
+          <a:bodyPr rtlCol="0" anchor="ctr"/>
+          <a:lstStyle/>
+          <a:p>
+            <a:pPr algn="ctr"/>
+            <a:endParaRPr lang="en-US" dirty="0"/>
+          </a:p>
+        </p:txBody>
+      </p:sp>
+      <p:sp>
+        <p:nvSpPr>
+          <p:cNvPr id="2" name="Title 1">
+            <a:extLst>
+              <a:ext uri="{FF2B5EF4-FFF2-40B4-BE49-F238E27FC236}">
+                <a16:creationId xmlns:a16="http://schemas.microsoft.com/office/drawing/2014/main" id="{B112B596-4846-9A17-A8AD-7F855E2DA635}"/>
+              </a:ext>
+            </a:extLst>
+          </p:cNvPr>
+          <p:cNvSpPr>
+            <a:spLocks noGrp="1"/>
+          </p:cNvSpPr>
+          <p:nvPr>
+            <p:ph type="title"/>
+          </p:nvPr>
+        </p:nvSpPr>
+        <p:spPr>
+          <a:xfrm>
+            <a:off x="6657715" y="467271"/>
+            <a:ext cx="4195674" cy="2052522"/>
+          </a:xfrm>
+        </p:spPr>
+        <p:txBody>
+          <a:bodyPr vert="horz" lIns="91440" tIns="45720" rIns="91440" bIns="45720" rtlCol="0" anchor="b">
+            <a:normAutofit/>
+          </a:bodyPr>
+          <a:lstStyle/>
+          <a:p>
+            <a:r>
+              <a:rPr lang="en-US" sz="3100" b="1" i="0" u="none" strike="noStrike" kern="1200">
+                <a:solidFill>
+                  <a:schemeClr val="tx1"/>
+                </a:solidFill>
+                <a:effectLst/>
+                <a:latin typeface="+mj-lt"/>
+                <a:ea typeface="+mj-ea"/>
+                <a:cs typeface="+mj-cs"/>
+              </a:rPr>
+              <a:t>Deployment Summary for Employee Attrition Web Application</a:t>
+            </a:r>
+            <a:br>
+              <a:rPr lang="en-US" sz="3100" b="1" i="0" u="none" strike="noStrike" kern="1200">
+                <a:solidFill>
+                  <a:schemeClr val="tx1"/>
+                </a:solidFill>
+                <a:effectLst/>
+                <a:latin typeface="+mj-lt"/>
+                <a:ea typeface="+mj-ea"/>
+                <a:cs typeface="+mj-cs"/>
+              </a:rPr>
+            </a:br>
+            <a:endParaRPr lang="en-US" sz="3100" kern="1200">
+              <a:solidFill>
+                <a:schemeClr val="tx1"/>
+              </a:solidFill>
+              <a:latin typeface="+mj-lt"/>
+              <a:ea typeface="+mj-ea"/>
+              <a:cs typeface="+mj-cs"/>
+            </a:endParaRPr>
+          </a:p>
+        </p:txBody>
+      </p:sp>
+      <p:sp>
+        <p:nvSpPr>
+          <p:cNvPr id="48" name="Oval 47">
+            <a:extLst>
+              <a:ext uri="{FF2B5EF4-FFF2-40B4-BE49-F238E27FC236}">
+                <a16:creationId xmlns:a16="http://schemas.microsoft.com/office/drawing/2014/main" id="{C1F06963-6374-4B48-844F-071A9BAAAE02}"/>
+              </a:ext>
+              <a:ext uri="{C183D7F6-B498-43B3-948B-1728B52AA6E4}">
+                <adec:decorative xmlns:adec="http://schemas.microsoft.com/office/drawing/2017/decorative" val="1"/>
+              </a:ext>
+            </a:extLst>
+          </p:cNvPr>
+          <p:cNvSpPr>
+            <a:spLocks noGrp="1" noRot="1" noChangeAspect="1" noMove="1" noResize="1" noEditPoints="1" noAdjustHandles="1" noChangeArrowheads="1" noChangeShapeType="1" noTextEdit="1"/>
+          </p:cNvSpPr>
+          <p:nvPr>
+            <p:extLst>
+              <p:ext uri="{386F3935-93C4-4BCD-93E2-E3B085C9AB24}">
+                <p16:designElem xmlns:p16="http://schemas.microsoft.com/office/powerpoint/2015/main" val="1"/>
+              </p:ext>
+            </p:extLst>
+          </p:nvPr>
+        </p:nvSpPr>
+        <p:spPr>
+          <a:xfrm>
+            <a:off x="322965" y="554152"/>
+            <a:ext cx="5742189" cy="5742189"/>
+          </a:xfrm>
+          <a:prstGeom prst="ellipse">
+            <a:avLst/>
+          </a:prstGeom>
+          <a:gradFill flip="none" rotWithShape="1">
+            <a:gsLst>
+              <a:gs pos="0">
+                <a:schemeClr val="accent1"/>
+              </a:gs>
+              <a:gs pos="100000">
+                <a:schemeClr val="accent2"/>
+              </a:gs>
+            </a:gsLst>
+            <a:lin ang="2700000" scaled="1"/>
+            <a:tileRect/>
+          </a:gradFill>
+          <a:ln>
+            <a:noFill/>
+          </a:ln>
+        </p:spPr>
+        <p:style>
+          <a:lnRef idx="2">
+            <a:schemeClr val="accent1">
+              <a:shade val="50000"/>
+            </a:schemeClr>
+          </a:lnRef>
+          <a:fillRef idx="1">
+            <a:schemeClr val="accent1"/>
+          </a:fillRef>
+          <a:effectRef idx="0">
+            <a:schemeClr val="accent1"/>
+          </a:effectRef>
+          <a:fontRef idx="minor">
+            <a:schemeClr val="lt1"/>
+          </a:fontRef>
+        </p:style>
+        <p:txBody>
+          <a:bodyPr rtlCol="0" anchor="ctr"/>
+          <a:lstStyle/>
+          <a:p>
+            <a:pPr algn="ctr"/>
+            <a:endParaRPr lang="en-US"/>
+          </a:p>
+        </p:txBody>
+      </p:sp>
+      <p:grpSp>
+        <p:nvGrpSpPr>
+          <p:cNvPr id="50" name="Group 49">
+            <a:extLst>
+              <a:ext uri="{FF2B5EF4-FFF2-40B4-BE49-F238E27FC236}">
+                <a16:creationId xmlns:a16="http://schemas.microsoft.com/office/drawing/2014/main" id="{5614C7C0-FA1D-4105-8345-1DF76F9870A8}"/>
+              </a:ext>
+              <a:ext uri="{C183D7F6-B498-43B3-948B-1728B52AA6E4}">
+                <adec:decorative xmlns:adec="http://schemas.microsoft.com/office/drawing/2017/decorative" val="1"/>
+              </a:ext>
+            </a:extLst>
+          </p:cNvPr>
+          <p:cNvGrpSpPr>
+            <a:grpSpLocks noGrp="1" noUngrp="1" noRot="1" noChangeAspect="1" noMove="1" noResize="1"/>
+          </p:cNvGrpSpPr>
+          <p:nvPr>
+            <p:extLst>
+              <p:ext uri="{386F3935-93C4-4BCD-93E2-E3B085C9AB24}">
+                <p16:designElem xmlns:p16="http://schemas.microsoft.com/office/powerpoint/2015/main" val="1"/>
+              </p:ext>
+            </p:extLst>
+          </p:nvPr>
+        </p:nvGrpSpPr>
+        <p:grpSpPr>
+          <a:xfrm>
+            <a:off x="422753" y="703679"/>
+            <a:ext cx="753718" cy="1016562"/>
+            <a:chOff x="422753" y="703679"/>
+            <a:chExt cx="753718" cy="1016562"/>
+          </a:xfrm>
+        </p:grpSpPr>
+        <p:sp>
+          <p:nvSpPr>
+            <p:cNvPr id="51" name="Graphic 11">
+              <a:extLst>
+                <a:ext uri="{FF2B5EF4-FFF2-40B4-BE49-F238E27FC236}">
+                  <a16:creationId xmlns:a16="http://schemas.microsoft.com/office/drawing/2014/main" id="{6CB927A4-E432-4310-9CD5-E89FF5063179}"/>
+                </a:ext>
+                <a:ext uri="{C183D7F6-B498-43B3-948B-1728B52AA6E4}">
+                  <adec:decorative xmlns:adec="http://schemas.microsoft.com/office/drawing/2017/decorative" val="1"/>
+                </a:ext>
+              </a:extLst>
+            </p:cNvPr>
+            <p:cNvSpPr/>
+            <p:nvPr>
+              <p:extLst>
+                <p:ext uri="{386F3935-93C4-4BCD-93E2-E3B085C9AB24}">
+                  <p16:designElem xmlns:p16="http://schemas.microsoft.com/office/powerpoint/2015/main" val="1"/>
+                </p:ext>
+              </p:extLst>
+            </p:nvPr>
+          </p:nvSpPr>
+          <p:spPr>
+            <a:xfrm>
+              <a:off x="1004956" y="703679"/>
+              <a:ext cx="171515" cy="171515"/>
+            </a:xfrm>
+            <a:custGeom>
+              <a:avLst/>
+              <a:gdLst>
+                <a:gd name="connsiteX0" fmla="*/ 159874 w 171515"/>
+                <a:gd name="connsiteY0" fmla="*/ 74116 h 171515"/>
+                <a:gd name="connsiteX1" fmla="*/ 97399 w 171515"/>
+                <a:gd name="connsiteY1" fmla="*/ 74116 h 171515"/>
+                <a:gd name="connsiteX2" fmla="*/ 97399 w 171515"/>
+                <a:gd name="connsiteY2" fmla="*/ 11641 h 171515"/>
+                <a:gd name="connsiteX3" fmla="*/ 85758 w 171515"/>
+                <a:gd name="connsiteY3" fmla="*/ 0 h 171515"/>
+                <a:gd name="connsiteX4" fmla="*/ 74116 w 171515"/>
+                <a:gd name="connsiteY4" fmla="*/ 11641 h 171515"/>
+                <a:gd name="connsiteX5" fmla="*/ 74116 w 171515"/>
+                <a:gd name="connsiteY5" fmla="*/ 74116 h 171515"/>
+                <a:gd name="connsiteX6" fmla="*/ 11641 w 171515"/>
+                <a:gd name="connsiteY6" fmla="*/ 74116 h 171515"/>
+                <a:gd name="connsiteX7" fmla="*/ 0 w 171515"/>
+                <a:gd name="connsiteY7" fmla="*/ 85758 h 171515"/>
+                <a:gd name="connsiteX8" fmla="*/ 11641 w 171515"/>
+                <a:gd name="connsiteY8" fmla="*/ 97399 h 171515"/>
+                <a:gd name="connsiteX9" fmla="*/ 74116 w 171515"/>
+                <a:gd name="connsiteY9" fmla="*/ 97399 h 171515"/>
+                <a:gd name="connsiteX10" fmla="*/ 74116 w 171515"/>
+                <a:gd name="connsiteY10" fmla="*/ 159874 h 171515"/>
+                <a:gd name="connsiteX11" fmla="*/ 85758 w 171515"/>
+                <a:gd name="connsiteY11" fmla="*/ 171515 h 171515"/>
+                <a:gd name="connsiteX12" fmla="*/ 97399 w 171515"/>
+                <a:gd name="connsiteY12" fmla="*/ 159874 h 171515"/>
+                <a:gd name="connsiteX13" fmla="*/ 97399 w 171515"/>
+                <a:gd name="connsiteY13" fmla="*/ 97399 h 171515"/>
+                <a:gd name="connsiteX14" fmla="*/ 159874 w 171515"/>
+                <a:gd name="connsiteY14" fmla="*/ 97399 h 171515"/>
+                <a:gd name="connsiteX15" fmla="*/ 171515 w 171515"/>
+                <a:gd name="connsiteY15" fmla="*/ 85758 h 171515"/>
+                <a:gd name="connsiteX16" fmla="*/ 159874 w 171515"/>
+                <a:gd name="connsiteY16" fmla="*/ 74116 h 171515"/>
+              </a:gdLst>
+              <a:ahLst/>
+              <a:cxnLst>
+                <a:cxn ang="0">
+                  <a:pos x="connsiteX0" y="connsiteY0"/>
+                </a:cxn>
+                <a:cxn ang="0">
+                  <a:pos x="connsiteX1" y="connsiteY1"/>
+                </a:cxn>
+                <a:cxn ang="0">
+                  <a:pos x="connsiteX2" y="connsiteY2"/>
+                </a:cxn>
+                <a:cxn ang="0">
+                  <a:pos x="connsiteX3" y="connsiteY3"/>
+                </a:cxn>
+                <a:cxn ang="0">
+                  <a:pos x="connsiteX4" y="connsiteY4"/>
+                </a:cxn>
+                <a:cxn ang="0">
+                  <a:pos x="connsiteX5" y="connsiteY5"/>
+                </a:cxn>
+                <a:cxn ang="0">
+                  <a:pos x="connsiteX6" y="connsiteY6"/>
+                </a:cxn>
+                <a:cxn ang="0">
+                  <a:pos x="connsiteX7" y="connsiteY7"/>
+                </a:cxn>
+                <a:cxn ang="0">
+                  <a:pos x="connsiteX8" y="connsiteY8"/>
+                </a:cxn>
+                <a:cxn ang="0">
+                  <a:pos x="connsiteX9" y="connsiteY9"/>
+                </a:cxn>
+                <a:cxn ang="0">
+                  <a:pos x="connsiteX10" y="connsiteY10"/>
+                </a:cxn>
+                <a:cxn ang="0">
+                  <a:pos x="connsiteX11" y="connsiteY11"/>
+                </a:cxn>
+                <a:cxn ang="0">
+                  <a:pos x="connsiteX12" y="connsiteY12"/>
+                </a:cxn>
+                <a:cxn ang="0">
+                  <a:pos x="connsiteX13" y="connsiteY13"/>
+                </a:cxn>
+                <a:cxn ang="0">
+                  <a:pos x="connsiteX14" y="connsiteY14"/>
+                </a:cxn>
+                <a:cxn ang="0">
+                  <a:pos x="connsiteX15" y="connsiteY15"/>
+                </a:cxn>
+                <a:cxn ang="0">
+                  <a:pos x="connsiteX16" y="connsiteY16"/>
+                </a:cxn>
+              </a:cxnLst>
+              <a:rect l="l" t="t" r="r" b="b"/>
+              <a:pathLst>
+                <a:path w="171515" h="171515">
+                  <a:moveTo>
+                    <a:pt x="159874" y="74116"/>
+                  </a:moveTo>
+                  <a:lnTo>
+                    <a:pt x="97399" y="74116"/>
+                  </a:lnTo>
+                  <a:lnTo>
+                    <a:pt x="97399" y="11641"/>
+                  </a:lnTo>
+                  <a:cubicBezTo>
+                    <a:pt x="97399" y="5212"/>
+                    <a:pt x="92187" y="0"/>
+                    <a:pt x="85758" y="0"/>
+                  </a:cubicBezTo>
+                  <a:cubicBezTo>
+                    <a:pt x="79328" y="0"/>
+                    <a:pt x="74116" y="5212"/>
+                    <a:pt x="74116" y="11641"/>
+                  </a:cubicBezTo>
+                  <a:lnTo>
+                    <a:pt x="74116" y="74116"/>
+                  </a:lnTo>
+                  <a:lnTo>
+                    <a:pt x="11641" y="74116"/>
+                  </a:lnTo>
+                  <a:cubicBezTo>
+                    <a:pt x="5212" y="74116"/>
+                    <a:pt x="0" y="79328"/>
+                    <a:pt x="0" y="85758"/>
+                  </a:cubicBezTo>
+                  <a:cubicBezTo>
+                    <a:pt x="0" y="92187"/>
+                    <a:pt x="5212" y="97399"/>
+                    <a:pt x="11641" y="97399"/>
+                  </a:cubicBezTo>
+                  <a:lnTo>
+                    <a:pt x="74116" y="97399"/>
+                  </a:lnTo>
+                  <a:lnTo>
+                    <a:pt x="74116" y="159874"/>
+                  </a:lnTo>
+                  <a:cubicBezTo>
+                    <a:pt x="74116" y="166303"/>
+                    <a:pt x="79328" y="171515"/>
+                    <a:pt x="85758" y="171515"/>
+                  </a:cubicBezTo>
+                  <a:cubicBezTo>
+                    <a:pt x="92187" y="171515"/>
+                    <a:pt x="97399" y="166303"/>
+                    <a:pt x="97399" y="159874"/>
+                  </a:cubicBezTo>
+                  <a:lnTo>
+                    <a:pt x="97399" y="97399"/>
+                  </a:lnTo>
+                  <a:lnTo>
+                    <a:pt x="159874" y="97399"/>
+                  </a:lnTo>
+                  <a:cubicBezTo>
+                    <a:pt x="166303" y="97399"/>
+                    <a:pt x="171515" y="92187"/>
+                    <a:pt x="171515" y="85758"/>
+                  </a:cubicBezTo>
+                  <a:cubicBezTo>
+                    <a:pt x="171515" y="79328"/>
+                    <a:pt x="166303" y="74116"/>
+                    <a:pt x="159874" y="74116"/>
+                  </a:cubicBezTo>
+                  <a:close/>
+                </a:path>
+              </a:pathLst>
+            </a:custGeom>
+            <a:solidFill>
+              <a:schemeClr val="accent1"/>
+            </a:solidFill>
+            <a:ln w="776" cap="flat">
+              <a:noFill/>
+              <a:prstDash val="solid"/>
+              <a:miter/>
+            </a:ln>
+          </p:spPr>
+          <p:txBody>
+            <a:bodyPr rtlCol="0" anchor="ctr"/>
+            <a:lstStyle/>
+            <a:p>
+              <a:endParaRPr lang="en-US"/>
+            </a:p>
+          </p:txBody>
+        </p:sp>
+        <p:sp>
+          <p:nvSpPr>
+            <p:cNvPr id="52" name="Graphic 12">
+              <a:extLst>
+                <a:ext uri="{FF2B5EF4-FFF2-40B4-BE49-F238E27FC236}">
+                  <a16:creationId xmlns:a16="http://schemas.microsoft.com/office/drawing/2014/main" id="{1453BF6C-B012-48B7-B4E8-6D7AC7C27D02}"/>
+                </a:ext>
+                <a:ext uri="{C183D7F6-B498-43B3-948B-1728B52AA6E4}">
+                  <adec:decorative xmlns:adec="http://schemas.microsoft.com/office/drawing/2017/decorative" val="1"/>
+                </a:ext>
+              </a:extLst>
+            </p:cNvPr>
+            <p:cNvSpPr/>
+            <p:nvPr>
+              <p:extLst>
+                <p:ext uri="{386F3935-93C4-4BCD-93E2-E3B085C9AB24}">
+                  <p16:designElem xmlns:p16="http://schemas.microsoft.com/office/powerpoint/2015/main" val="1"/>
+                </p:ext>
+              </p:extLst>
+            </p:nvPr>
+          </p:nvSpPr>
+          <p:spPr>
+            <a:xfrm>
+              <a:off x="422753" y="1562696"/>
+              <a:ext cx="157545" cy="157545"/>
+            </a:xfrm>
+            <a:custGeom>
+              <a:avLst/>
+              <a:gdLst>
+                <a:gd name="connsiteX0" fmla="*/ 78773 w 157545"/>
+                <a:gd name="connsiteY0" fmla="*/ 23283 h 157545"/>
+                <a:gd name="connsiteX1" fmla="*/ 134262 w 157545"/>
+                <a:gd name="connsiteY1" fmla="*/ 78773 h 157545"/>
+                <a:gd name="connsiteX2" fmla="*/ 78773 w 157545"/>
+                <a:gd name="connsiteY2" fmla="*/ 134262 h 157545"/>
+                <a:gd name="connsiteX3" fmla="*/ 23283 w 157545"/>
+                <a:gd name="connsiteY3" fmla="*/ 78773 h 157545"/>
+                <a:gd name="connsiteX4" fmla="*/ 78773 w 157545"/>
+                <a:gd name="connsiteY4" fmla="*/ 23283 h 157545"/>
+                <a:gd name="connsiteX5" fmla="*/ 78773 w 157545"/>
+                <a:gd name="connsiteY5" fmla="*/ 0 h 157545"/>
+                <a:gd name="connsiteX6" fmla="*/ 0 w 157545"/>
+                <a:gd name="connsiteY6" fmla="*/ 78773 h 157545"/>
+                <a:gd name="connsiteX7" fmla="*/ 78773 w 157545"/>
+                <a:gd name="connsiteY7" fmla="*/ 157545 h 157545"/>
+                <a:gd name="connsiteX8" fmla="*/ 157545 w 157545"/>
+                <a:gd name="connsiteY8" fmla="*/ 78773 h 157545"/>
+                <a:gd name="connsiteX9" fmla="*/ 78773 w 157545"/>
+                <a:gd name="connsiteY9" fmla="*/ 0 h 157545"/>
+              </a:gdLst>
+              <a:ahLst/>
+              <a:cxnLst>
+                <a:cxn ang="0">
+                  <a:pos x="connsiteX0" y="connsiteY0"/>
+                </a:cxn>
+                <a:cxn ang="0">
+                  <a:pos x="connsiteX1" y="connsiteY1"/>
+                </a:cxn>
+                <a:cxn ang="0">
+                  <a:pos x="connsiteX2" y="connsiteY2"/>
+                </a:cxn>
+                <a:cxn ang="0">
+                  <a:pos x="connsiteX3" y="connsiteY3"/>
+                </a:cxn>
+                <a:cxn ang="0">
+                  <a:pos x="connsiteX4" y="connsiteY4"/>
+                </a:cxn>
+                <a:cxn ang="0">
+                  <a:pos x="connsiteX5" y="connsiteY5"/>
+                </a:cxn>
+                <a:cxn ang="0">
+                  <a:pos x="connsiteX6" y="connsiteY6"/>
+                </a:cxn>
+                <a:cxn ang="0">
+                  <a:pos x="connsiteX7" y="connsiteY7"/>
+                </a:cxn>
+                <a:cxn ang="0">
+                  <a:pos x="connsiteX8" y="connsiteY8"/>
+                </a:cxn>
+                <a:cxn ang="0">
+                  <a:pos x="connsiteX9" y="connsiteY9"/>
+                </a:cxn>
+              </a:cxnLst>
+              <a:rect l="l" t="t" r="r" b="b"/>
+              <a:pathLst>
+                <a:path w="157545" h="157545">
+                  <a:moveTo>
+                    <a:pt x="78773" y="23283"/>
+                  </a:moveTo>
+                  <a:cubicBezTo>
+                    <a:pt x="109419" y="23283"/>
+                    <a:pt x="134262" y="48126"/>
+                    <a:pt x="134262" y="78773"/>
+                  </a:cubicBezTo>
+                  <a:cubicBezTo>
+                    <a:pt x="134262" y="109419"/>
+                    <a:pt x="109419" y="134262"/>
+                    <a:pt x="78773" y="134262"/>
+                  </a:cubicBezTo>
+                  <a:cubicBezTo>
+                    <a:pt x="48126" y="134262"/>
+                    <a:pt x="23283" y="109419"/>
+                    <a:pt x="23283" y="78773"/>
+                  </a:cubicBezTo>
+                  <a:cubicBezTo>
+                    <a:pt x="23312" y="48139"/>
+                    <a:pt x="48139" y="23312"/>
+                    <a:pt x="78773" y="23283"/>
+                  </a:cubicBezTo>
+                  <a:moveTo>
+                    <a:pt x="78773" y="0"/>
+                  </a:moveTo>
+                  <a:cubicBezTo>
+                    <a:pt x="35268" y="0"/>
+                    <a:pt x="0" y="35268"/>
+                    <a:pt x="0" y="78773"/>
+                  </a:cubicBezTo>
+                  <a:cubicBezTo>
+                    <a:pt x="0" y="122277"/>
+                    <a:pt x="35268" y="157545"/>
+                    <a:pt x="78773" y="157545"/>
+                  </a:cubicBezTo>
+                  <a:cubicBezTo>
+                    <a:pt x="122277" y="157545"/>
+                    <a:pt x="157545" y="122277"/>
+                    <a:pt x="157545" y="78773"/>
+                  </a:cubicBezTo>
+                  <a:cubicBezTo>
+                    <a:pt x="157545" y="35268"/>
+                    <a:pt x="122277" y="0"/>
+                    <a:pt x="78773" y="0"/>
+                  </a:cubicBezTo>
+                  <a:close/>
+                </a:path>
+              </a:pathLst>
+            </a:custGeom>
+            <a:solidFill>
+              <a:schemeClr val="accent1"/>
+            </a:solidFill>
+            <a:ln w="751" cap="flat">
+              <a:noFill/>
+              <a:prstDash val="solid"/>
+              <a:miter/>
+            </a:ln>
+          </p:spPr>
+          <p:txBody>
+            <a:bodyPr rtlCol="0" anchor="ctr"/>
+            <a:lstStyle/>
+            <a:p>
+              <a:endParaRPr lang="en-US"/>
+            </a:p>
+          </p:txBody>
+        </p:sp>
+      </p:grpSp>
+      <p:pic>
+        <p:nvPicPr>
+          <p:cNvPr id="24" name="Graphic 23" descr="Server">
+            <a:extLst>
+              <a:ext uri="{FF2B5EF4-FFF2-40B4-BE49-F238E27FC236}">
+                <a16:creationId xmlns:a16="http://schemas.microsoft.com/office/drawing/2014/main" id="{F3E642F2-5AF1-4F97-365C-FB2DD0BE7758}"/>
+              </a:ext>
+            </a:extLst>
+          </p:cNvPr>
+          <p:cNvPicPr>
+            <a:picLocks noChangeAspect="1"/>
+          </p:cNvPicPr>
+          <p:nvPr/>
+        </p:nvPicPr>
+        <p:blipFill>
+          <a:blip r:embed="rId2">
+            <a:extLst>
+              <a:ext uri="{28A0092B-C50C-407E-A947-70E740481C1C}">
+                <a14:useLocalDpi xmlns:a14="http://schemas.microsoft.com/office/drawing/2010/main" val="0"/>
+              </a:ext>
+              <a:ext uri="{96DAC541-7B7A-43D3-8B79-37D633B846F1}">
+                <asvg:svgBlip xmlns:asvg="http://schemas.microsoft.com/office/drawing/2016/SVG/main" r:embed="rId3"/>
+              </a:ext>
+            </a:extLst>
+          </a:blip>
+          <a:stretch>
+            <a:fillRect/>
+          </a:stretch>
+        </p:blipFill>
+        <p:spPr>
+          <a:xfrm>
+            <a:off x="1217770" y="1448957"/>
+            <a:ext cx="3952579" cy="3952579"/>
+          </a:xfrm>
+          <a:prstGeom prst="rect">
+            <a:avLst/>
+          </a:prstGeom>
+        </p:spPr>
+      </p:pic>
+      <p:sp>
+        <p:nvSpPr>
+          <p:cNvPr id="6" name="TextBox 5">
+            <a:extLst>
+              <a:ext uri="{FF2B5EF4-FFF2-40B4-BE49-F238E27FC236}">
+                <a16:creationId xmlns:a16="http://schemas.microsoft.com/office/drawing/2014/main" id="{0DB6A1A2-C30E-904E-4C51-AE541AC69383}"/>
+              </a:ext>
+            </a:extLst>
+          </p:cNvPr>
+          <p:cNvSpPr txBox="1"/>
+          <p:nvPr/>
+        </p:nvSpPr>
+        <p:spPr>
+          <a:xfrm>
+            <a:off x="6695359" y="2990818"/>
+            <a:ext cx="4158031" cy="2913872"/>
+          </a:xfrm>
+          <a:prstGeom prst="rect">
+            <a:avLst/>
+          </a:prstGeom>
+        </p:spPr>
+        <p:txBody>
+          <a:bodyPr vert="horz" lIns="91440" tIns="45720" rIns="91440" bIns="45720" rtlCol="0" anchor="t">
+            <a:normAutofit/>
+          </a:bodyPr>
+          <a:lstStyle/>
+          <a:p>
+            <a:pPr indent="-228600">
+              <a:lnSpc>
+                <a:spcPct val="90000"/>
+              </a:lnSpc>
+              <a:spcAft>
+                <a:spcPts val="600"/>
+              </a:spcAft>
+              <a:buFont typeface="Arial" panose="020B0604020202020204" pitchFamily="34" charset="0"/>
+              <a:buChar char="•"/>
+            </a:pPr>
+            <a:r>
+              <a:rPr lang="en-US" sz="1400" b="1" i="0" u="none" strike="noStrike">
+                <a:solidFill>
+                  <a:schemeClr val="tx1">
+                    <a:alpha val="80000"/>
+                  </a:schemeClr>
+                </a:solidFill>
+                <a:effectLst/>
+              </a:rPr>
+              <a:t>Current State:</a:t>
+            </a:r>
+          </a:p>
+          <a:p>
+            <a:pPr indent="-228600">
+              <a:lnSpc>
+                <a:spcPct val="90000"/>
+              </a:lnSpc>
+              <a:spcAft>
+                <a:spcPts val="600"/>
+              </a:spcAft>
+              <a:buFont typeface="Arial" panose="020B0604020202020204" pitchFamily="34" charset="0"/>
+              <a:buChar char="•"/>
+            </a:pPr>
+            <a:r>
+              <a:rPr lang="en-US" sz="1400" b="0" i="0" u="none" strike="noStrike">
+                <a:solidFill>
+                  <a:schemeClr val="tx1">
+                    <a:alpha val="80000"/>
+                  </a:schemeClr>
+                </a:solidFill>
+                <a:effectLst/>
+              </a:rPr>
+              <a:t>Local deployment for Front-End (FE) and Back-End (BE) services.</a:t>
+            </a:r>
+          </a:p>
+          <a:p>
+            <a:pPr indent="-228600">
+              <a:lnSpc>
+                <a:spcPct val="90000"/>
+              </a:lnSpc>
+              <a:spcAft>
+                <a:spcPts val="600"/>
+              </a:spcAft>
+              <a:buFont typeface="Arial" panose="020B0604020202020204" pitchFamily="34" charset="0"/>
+              <a:buChar char="•"/>
+            </a:pPr>
+            <a:r>
+              <a:rPr lang="en-US" sz="1400" b="0" i="0" u="none" strike="noStrike">
+                <a:solidFill>
+                  <a:schemeClr val="tx1">
+                    <a:alpha val="80000"/>
+                  </a:schemeClr>
+                </a:solidFill>
+                <a:effectLst/>
+              </a:rPr>
+              <a:t>Accessible via tunneling tools for testing and development.</a:t>
+            </a:r>
+          </a:p>
+          <a:p>
+            <a:pPr indent="-228600">
+              <a:lnSpc>
+                <a:spcPct val="90000"/>
+              </a:lnSpc>
+              <a:spcAft>
+                <a:spcPts val="600"/>
+              </a:spcAft>
+              <a:buFont typeface="Arial" panose="020B0604020202020204" pitchFamily="34" charset="0"/>
+              <a:buChar char="•"/>
+            </a:pPr>
+            <a:r>
+              <a:rPr lang="en-US" sz="1400" b="1" i="0" u="none" strike="noStrike">
+                <a:solidFill>
+                  <a:schemeClr val="tx1">
+                    <a:alpha val="80000"/>
+                  </a:schemeClr>
+                </a:solidFill>
+                <a:effectLst/>
+              </a:rPr>
+              <a:t>Future Plan:</a:t>
+            </a:r>
+          </a:p>
+          <a:p>
+            <a:pPr indent="-228600">
+              <a:lnSpc>
+                <a:spcPct val="90000"/>
+              </a:lnSpc>
+              <a:spcAft>
+                <a:spcPts val="600"/>
+              </a:spcAft>
+              <a:buFont typeface="Arial" panose="020B0604020202020204" pitchFamily="34" charset="0"/>
+              <a:buChar char="•"/>
+            </a:pPr>
+            <a:r>
+              <a:rPr lang="en-US" sz="1400" b="1" i="0" u="none" strike="noStrike">
+                <a:solidFill>
+                  <a:schemeClr val="tx1">
+                    <a:alpha val="80000"/>
+                  </a:schemeClr>
+                </a:solidFill>
+                <a:effectLst/>
+              </a:rPr>
+              <a:t>Cloud Deployment</a:t>
+            </a:r>
+            <a:r>
+              <a:rPr lang="en-US" sz="1400" b="0" i="0" u="none" strike="noStrike">
+                <a:solidFill>
+                  <a:schemeClr val="tx1">
+                    <a:alpha val="80000"/>
+                  </a:schemeClr>
+                </a:solidFill>
+                <a:effectLst/>
+              </a:rPr>
+              <a:t>:</a:t>
+            </a:r>
+          </a:p>
+          <a:p>
+            <a:pPr marL="742950" lvl="1" indent="-228600">
+              <a:lnSpc>
+                <a:spcPct val="90000"/>
+              </a:lnSpc>
+              <a:spcAft>
+                <a:spcPts val="600"/>
+              </a:spcAft>
+              <a:buFont typeface="Arial" panose="020B0604020202020204" pitchFamily="34" charset="0"/>
+              <a:buChar char="•"/>
+            </a:pPr>
+            <a:r>
+              <a:rPr lang="en-US" sz="1400" b="0" i="0" u="none" strike="noStrike">
+                <a:solidFill>
+                  <a:schemeClr val="tx1">
+                    <a:alpha val="80000"/>
+                  </a:schemeClr>
+                </a:solidFill>
+                <a:effectLst/>
+              </a:rPr>
+              <a:t>Target platforms: AWS, Azure, or Google Cloud.</a:t>
+            </a:r>
+          </a:p>
+          <a:p>
+            <a:pPr marL="742950" lvl="1" indent="-228600">
+              <a:lnSpc>
+                <a:spcPct val="90000"/>
+              </a:lnSpc>
+              <a:spcAft>
+                <a:spcPts val="600"/>
+              </a:spcAft>
+              <a:buFont typeface="Arial" panose="020B0604020202020204" pitchFamily="34" charset="0"/>
+              <a:buChar char="•"/>
+            </a:pPr>
+            <a:r>
+              <a:rPr lang="en-US" sz="1400" b="0" i="0" u="none" strike="noStrike">
+                <a:solidFill>
+                  <a:schemeClr val="tx1">
+                    <a:alpha val="80000"/>
+                  </a:schemeClr>
+                </a:solidFill>
+                <a:effectLst/>
+              </a:rPr>
+              <a:t>Goals: High availability, scalability, and secure access.</a:t>
+            </a:r>
+          </a:p>
+        </p:txBody>
+      </p:sp>
+      <p:sp>
+        <p:nvSpPr>
+          <p:cNvPr id="54" name="Graphic 10">
+            <a:extLst>
+              <a:ext uri="{FF2B5EF4-FFF2-40B4-BE49-F238E27FC236}">
+                <a16:creationId xmlns:a16="http://schemas.microsoft.com/office/drawing/2014/main" id="{E3020543-B24B-4EC4-8FFC-8DD88EEA91A8}"/>
+              </a:ext>
+              <a:ext uri="{C183D7F6-B498-43B3-948B-1728B52AA6E4}">
+                <adec:decorative xmlns:adec="http://schemas.microsoft.com/office/drawing/2017/decorative" val="1"/>
+              </a:ext>
+            </a:extLst>
+          </p:cNvPr>
+          <p:cNvSpPr>
+            <a:spLocks noGrp="1" noRot="1" noChangeAspect="1" noMove="1" noResize="1" noEditPoints="1" noAdjustHandles="1" noChangeArrowheads="1" noChangeShapeType="1" noTextEdit="1"/>
+          </p:cNvSpPr>
+          <p:nvPr>
+            <p:extLst>
+              <p:ext uri="{386F3935-93C4-4BCD-93E2-E3B085C9AB24}">
+                <p16:designElem xmlns:p16="http://schemas.microsoft.com/office/powerpoint/2015/main" val="1"/>
+              </p:ext>
+            </p:extLst>
+          </p:nvPr>
+        </p:nvSpPr>
+        <p:spPr>
+          <a:xfrm>
+            <a:off x="5454149" y="5775082"/>
+            <a:ext cx="112426" cy="112426"/>
+          </a:xfrm>
+          <a:custGeom>
+            <a:avLst/>
+            <a:gdLst>
+              <a:gd name="connsiteX0" fmla="*/ 112426 w 112426"/>
+              <a:gd name="connsiteY0" fmla="*/ 56213 h 112426"/>
+              <a:gd name="connsiteX1" fmla="*/ 56213 w 112426"/>
+              <a:gd name="connsiteY1" fmla="*/ 112426 h 112426"/>
+              <a:gd name="connsiteX2" fmla="*/ 0 w 112426"/>
+              <a:gd name="connsiteY2" fmla="*/ 56213 h 112426"/>
+              <a:gd name="connsiteX3" fmla="*/ 56213 w 112426"/>
+              <a:gd name="connsiteY3" fmla="*/ 0 h 112426"/>
+              <a:gd name="connsiteX4" fmla="*/ 112426 w 112426"/>
+              <a:gd name="connsiteY4" fmla="*/ 56213 h 112426"/>
+            </a:gdLst>
+            <a:ahLst/>
+            <a:cxnLst>
+              <a:cxn ang="0">
+                <a:pos x="connsiteX0" y="connsiteY0"/>
+              </a:cxn>
+              <a:cxn ang="0">
+                <a:pos x="connsiteX1" y="connsiteY1"/>
+              </a:cxn>
+              <a:cxn ang="0">
+                <a:pos x="connsiteX2" y="connsiteY2"/>
+              </a:cxn>
+              <a:cxn ang="0">
+                <a:pos x="connsiteX3" y="connsiteY3"/>
+              </a:cxn>
+              <a:cxn ang="0">
+                <a:pos x="connsiteX4" y="connsiteY4"/>
+              </a:cxn>
+            </a:cxnLst>
+            <a:rect l="l" t="t" r="r" b="b"/>
+            <a:pathLst>
+              <a:path w="112426" h="112426">
+                <a:moveTo>
+                  <a:pt x="112426" y="56213"/>
+                </a:moveTo>
+                <a:cubicBezTo>
+                  <a:pt x="112426" y="87259"/>
+                  <a:pt x="87259" y="112426"/>
+                  <a:pt x="56213" y="112426"/>
+                </a:cubicBezTo>
+                <a:cubicBezTo>
+                  <a:pt x="25167" y="112426"/>
+                  <a:pt x="0" y="87259"/>
+                  <a:pt x="0" y="56213"/>
+                </a:cubicBezTo>
+                <a:cubicBezTo>
+                  <a:pt x="0" y="25167"/>
+                  <a:pt x="25167" y="0"/>
+                  <a:pt x="56213" y="0"/>
+                </a:cubicBezTo>
+                <a:cubicBezTo>
+                  <a:pt x="87259" y="0"/>
+                  <a:pt x="112426" y="25167"/>
+                  <a:pt x="112426" y="56213"/>
+                </a:cubicBezTo>
+                <a:close/>
+              </a:path>
+            </a:pathLst>
+          </a:custGeom>
+          <a:solidFill>
+            <a:schemeClr val="accent1"/>
+          </a:solidFill>
+          <a:ln w="516" cap="flat">
+            <a:noFill/>
+            <a:prstDash val="solid"/>
+            <a:miter/>
+          </a:ln>
+        </p:spPr>
+        <p:txBody>
+          <a:bodyPr rtlCol="0" anchor="ctr"/>
+          <a:lstStyle/>
+          <a:p>
+            <a:endParaRPr lang="en-US"/>
+          </a:p>
+        </p:txBody>
+      </p:sp>
+      <p:cxnSp>
+        <p:nvCxnSpPr>
+          <p:cNvPr id="56" name="Straight Connector 55">
+            <a:extLst>
+              <a:ext uri="{FF2B5EF4-FFF2-40B4-BE49-F238E27FC236}">
+                <a16:creationId xmlns:a16="http://schemas.microsoft.com/office/drawing/2014/main" id="{C49DA8F6-BCC1-4447-B54C-57856834B94B}"/>
+              </a:ext>
+              <a:ext uri="{C183D7F6-B498-43B3-948B-1728B52AA6E4}">
+                <adec:decorative xmlns:adec="http://schemas.microsoft.com/office/drawing/2017/decorative" val="1"/>
+              </a:ext>
+            </a:extLst>
+          </p:cNvPr>
+          <p:cNvCxnSpPr>
+            <a:cxnSpLocks noGrp="1" noRot="1" noChangeAspect="1" noMove="1" noResize="1" noEditPoints="1" noAdjustHandles="1" noChangeArrowheads="1" noChangeShapeType="1"/>
+          </p:cNvCxnSpPr>
+          <p:nvPr>
+            <p:extLst>
+              <p:ext uri="{386F3935-93C4-4BCD-93E2-E3B085C9AB24}">
+                <p16:designElem xmlns:p16="http://schemas.microsoft.com/office/powerpoint/2015/main" val="1"/>
+              </p:ext>
+            </p:extLst>
+          </p:nvPr>
+        </p:nvCxnSpPr>
+        <p:spPr>
+          <a:xfrm>
+            <a:off x="11586162" y="3610394"/>
+            <a:ext cx="0" cy="3238728"/>
+          </a:xfrm>
+          <a:prstGeom prst="line">
+            <a:avLst/>
+          </a:prstGeom>
+          <a:ln w="25400" cap="sq">
+            <a:gradFill flip="none" rotWithShape="1">
+              <a:gsLst>
+                <a:gs pos="0">
+                  <a:schemeClr val="accent1"/>
+                </a:gs>
+                <a:gs pos="100000">
+                  <a:schemeClr val="accent2"/>
+                </a:gs>
+              </a:gsLst>
+              <a:lin ang="16200000" scaled="1"/>
+              <a:tileRect/>
+            </a:gradFill>
+            <a:bevel/>
+          </a:ln>
+        </p:spPr>
+        <p:style>
+          <a:lnRef idx="1">
+            <a:schemeClr val="accent1"/>
+          </a:lnRef>
+          <a:fillRef idx="0">
+            <a:schemeClr val="accent1"/>
+          </a:fillRef>
+          <a:effectRef idx="0">
+            <a:schemeClr val="accent1"/>
+          </a:effectRef>
+          <a:fontRef idx="minor">
+            <a:schemeClr val="tx1"/>
+          </a:fontRef>
+        </p:style>
+      </p:cxnSp>
+    </p:spTree>
+    <p:extLst>
+      <p:ext uri="{BB962C8B-B14F-4D97-AF65-F5344CB8AC3E}">
+        <p14:creationId xmlns:p14="http://schemas.microsoft.com/office/powerpoint/2010/main" val="3904481312"/>
+      </p:ext>
+    </p:extLst>
+  </p:cSld>
+  <p:clrMapOvr>
+    <a:masterClrMapping/>
+  </p:clrMapOvr>
+</p:sld>
+</file>
+
+<file path=ppt/slides/slide12.xml><?xml version="1.0" encoding="utf-8"?>
+<p:sld xmlns:a="http://schemas.openxmlformats.org/drawingml/2006/main" xmlns:r="http://schemas.openxmlformats.org/officeDocument/2006/relationships" xmlns:p="http://schemas.openxmlformats.org/presentationml/2006/main">
+  <p:cSld>
+    <p:bg>
+      <p:bgPr>
+        <a:solidFill>
+          <a:schemeClr val="bg1"/>
+        </a:solidFill>
+        <a:effectLst/>
+      </p:bgPr>
+    </p:bg>
+    <p:spTree>
+      <p:nvGrpSpPr>
+        <p:cNvPr id="1" name=""/>
+        <p:cNvGrpSpPr/>
+        <p:nvPr/>
+      </p:nvGrpSpPr>
+      <p:grpSpPr>
+        <a:xfrm>
+          <a:off x="0" y="0"/>
+          <a:ext cx="0" cy="0"/>
+          <a:chOff x="0" y="0"/>
+          <a:chExt cx="0" cy="0"/>
+        </a:xfrm>
+      </p:grpSpPr>
+      <p:sp>
+        <p:nvSpPr>
+          <p:cNvPr id="10" name="Rectangle 9">
+            <a:extLst>
+              <a:ext uri="{FF2B5EF4-FFF2-40B4-BE49-F238E27FC236}">
+                <a16:creationId xmlns:a16="http://schemas.microsoft.com/office/drawing/2014/main" id="{F3060C83-F051-4F0E-ABAD-AA0DFC48B218}"/>
+              </a:ext>
+              <a:ext uri="{C183D7F6-B498-43B3-948B-1728B52AA6E4}">
+                <adec:decorative xmlns:adec="http://schemas.microsoft.com/office/drawing/2017/decorative" val="1"/>
+              </a:ext>
+            </a:extLst>
+          </p:cNvPr>
+          <p:cNvSpPr>
+            <a:spLocks noGrp="1" noRot="1" noChangeAspect="1" noMove="1" noResize="1" noEditPoints="1" noAdjustHandles="1" noChangeArrowheads="1" noChangeShapeType="1" noTextEdit="1"/>
+          </p:cNvSpPr>
+          <p:nvPr>
+            <p:extLst>
+              <p:ext uri="{386F3935-93C4-4BCD-93E2-E3B085C9AB24}">
+                <p16:designElem xmlns:p16="http://schemas.microsoft.com/office/powerpoint/2015/main" val="1"/>
+              </p:ext>
+            </p:extLst>
+          </p:nvPr>
+        </p:nvSpPr>
+        <p:spPr>
+          <a:xfrm>
+            <a:off x="0" y="0"/>
+            <a:ext cx="12192000" cy="6858000"/>
+          </a:xfrm>
+          <a:prstGeom prst="rect">
+            <a:avLst/>
+          </a:prstGeom>
+          <a:solidFill>
+            <a:schemeClr val="bg1"/>
+          </a:solidFill>
+          <a:ln>
+            <a:noFill/>
+          </a:ln>
+        </p:spPr>
+        <p:style>
+          <a:lnRef idx="2">
+            <a:schemeClr val="accent1">
+              <a:shade val="50000"/>
+            </a:schemeClr>
+          </a:lnRef>
+          <a:fillRef idx="1">
+            <a:schemeClr val="accent1"/>
+          </a:fillRef>
+          <a:effectRef idx="0">
+            <a:schemeClr val="accent1"/>
+          </a:effectRef>
+          <a:fontRef idx="minor">
+            <a:schemeClr val="lt1"/>
+          </a:fontRef>
+        </p:style>
+        <p:txBody>
+          <a:bodyPr rtlCol="0" anchor="ctr"/>
+          <a:lstStyle/>
+          <a:p>
+            <a:pPr algn="ctr"/>
+            <a:endParaRPr lang="en-US" dirty="0"/>
+          </a:p>
+        </p:txBody>
+      </p:sp>
+      <p:sp>
+        <p:nvSpPr>
+          <p:cNvPr id="12" name="Freeform: Shape 11">
+            <a:extLst>
+              <a:ext uri="{FF2B5EF4-FFF2-40B4-BE49-F238E27FC236}">
+                <a16:creationId xmlns:a16="http://schemas.microsoft.com/office/drawing/2014/main" id="{83C98ABE-055B-441F-B07E-44F97F083C39}"/>
+              </a:ext>
+              <a:ext uri="{C183D7F6-B498-43B3-948B-1728B52AA6E4}">
+                <adec:decorative xmlns:adec="http://schemas.microsoft.com/office/drawing/2017/decorative" val="1"/>
+              </a:ext>
+            </a:extLst>
+          </p:cNvPr>
+          <p:cNvSpPr>
+            <a:spLocks noGrp="1" noRot="1" noChangeAspect="1" noMove="1" noResize="1" noEditPoints="1" noAdjustHandles="1" noChangeArrowheads="1" noChangeShapeType="1" noTextEdit="1"/>
+          </p:cNvSpPr>
+          <p:nvPr>
+            <p:extLst>
+              <p:ext uri="{386F3935-93C4-4BCD-93E2-E3B085C9AB24}">
+                <p16:designElem xmlns:p16="http://schemas.microsoft.com/office/powerpoint/2015/main" val="1"/>
+              </p:ext>
+            </p:extLst>
+          </p:nvPr>
+        </p:nvSpPr>
+        <p:spPr>
+          <a:xfrm rot="18900000" flipH="1">
+            <a:off x="-376156" y="-253670"/>
+            <a:ext cx="1827638" cy="1376989"/>
+          </a:xfrm>
+          <a:custGeom>
+            <a:avLst/>
+            <a:gdLst>
+              <a:gd name="connsiteX0" fmla="*/ 0 w 1827638"/>
+              <a:gd name="connsiteY0" fmla="*/ 987379 h 1376989"/>
+              <a:gd name="connsiteX1" fmla="*/ 987379 w 1827638"/>
+              <a:gd name="connsiteY1" fmla="*/ 0 h 1376989"/>
+              <a:gd name="connsiteX2" fmla="*/ 1827638 w 1827638"/>
+              <a:gd name="connsiteY2" fmla="*/ 840260 h 1376989"/>
+              <a:gd name="connsiteX3" fmla="*/ 1827638 w 1827638"/>
+              <a:gd name="connsiteY3" fmla="*/ 1376989 h 1376989"/>
+              <a:gd name="connsiteX4" fmla="*/ 0 w 1827638"/>
+              <a:gd name="connsiteY4" fmla="*/ 1376989 h 1376989"/>
+            </a:gdLst>
+            <a:ahLst/>
+            <a:cxnLst>
+              <a:cxn ang="0">
+                <a:pos x="connsiteX0" y="connsiteY0"/>
+              </a:cxn>
+              <a:cxn ang="0">
+                <a:pos x="connsiteX1" y="connsiteY1"/>
+              </a:cxn>
+              <a:cxn ang="0">
+                <a:pos x="connsiteX2" y="connsiteY2"/>
+              </a:cxn>
+              <a:cxn ang="0">
+                <a:pos x="connsiteX3" y="connsiteY3"/>
+              </a:cxn>
+              <a:cxn ang="0">
+                <a:pos x="connsiteX4" y="connsiteY4"/>
+              </a:cxn>
+            </a:cxnLst>
+            <a:rect l="l" t="t" r="r" b="b"/>
+            <a:pathLst>
+              <a:path w="1827638" h="1376989">
+                <a:moveTo>
+                  <a:pt x="0" y="987379"/>
+                </a:moveTo>
+                <a:lnTo>
+                  <a:pt x="987379" y="0"/>
+                </a:lnTo>
+                <a:lnTo>
+                  <a:pt x="1827638" y="840260"/>
+                </a:lnTo>
+                <a:lnTo>
+                  <a:pt x="1827638" y="1376989"/>
+                </a:lnTo>
+                <a:lnTo>
+                  <a:pt x="0" y="1376989"/>
+                </a:lnTo>
+                <a:close/>
+              </a:path>
+            </a:pathLst>
+          </a:custGeom>
+          <a:solidFill>
+            <a:schemeClr val="accent1">
+              <a:alpha val="30000"/>
+            </a:schemeClr>
+          </a:solidFill>
+          <a:ln>
+            <a:noFill/>
+          </a:ln>
+        </p:spPr>
+        <p:style>
+          <a:lnRef idx="2">
+            <a:schemeClr val="accent1">
+              <a:shade val="50000"/>
+            </a:schemeClr>
+          </a:lnRef>
+          <a:fillRef idx="1">
+            <a:schemeClr val="accent1"/>
+          </a:fillRef>
+          <a:effectRef idx="0">
+            <a:schemeClr val="accent1"/>
+          </a:effectRef>
+          <a:fontRef idx="minor">
+            <a:schemeClr val="lt1"/>
+          </a:fontRef>
+        </p:style>
+        <p:txBody>
+          <a:bodyPr rtlCol="0" anchor="ctr"/>
+          <a:lstStyle/>
+          <a:p>
+            <a:pPr algn="ctr"/>
+            <a:endParaRPr lang="en-US" dirty="0"/>
+          </a:p>
+        </p:txBody>
+      </p:sp>
+      <p:sp>
+        <p:nvSpPr>
+          <p:cNvPr id="14" name="Rectangle 13">
+            <a:extLst>
+              <a:ext uri="{FF2B5EF4-FFF2-40B4-BE49-F238E27FC236}">
+                <a16:creationId xmlns:a16="http://schemas.microsoft.com/office/drawing/2014/main" id="{29FDB030-9B49-4CED-8CCD-4D99382388AC}"/>
+              </a:ext>
+              <a:ext uri="{C183D7F6-B498-43B3-948B-1728B52AA6E4}">
+                <adec:decorative xmlns:adec="http://schemas.microsoft.com/office/drawing/2017/decorative" val="1"/>
+              </a:ext>
+            </a:extLst>
+          </p:cNvPr>
+          <p:cNvSpPr>
+            <a:spLocks noGrp="1" noRot="1" noChangeAspect="1" noMove="1" noResize="1" noEditPoints="1" noAdjustHandles="1" noChangeArrowheads="1" noChangeShapeType="1" noTextEdit="1"/>
+          </p:cNvSpPr>
+          <p:nvPr>
+            <p:extLst>
+              <p:ext uri="{386F3935-93C4-4BCD-93E2-E3B085C9AB24}">
+                <p16:designElem xmlns:p16="http://schemas.microsoft.com/office/powerpoint/2015/main" val="1"/>
+              </p:ext>
+            </p:extLst>
+          </p:nvPr>
+        </p:nvSpPr>
+        <p:spPr>
+          <a:xfrm rot="18900000" flipH="1">
+            <a:off x="891641" y="422146"/>
+            <a:ext cx="645368" cy="645368"/>
+          </a:xfrm>
+          <a:prstGeom prst="rect">
+            <a:avLst/>
+          </a:prstGeom>
+          <a:solidFill>
+            <a:schemeClr val="accent1">
+              <a:alpha val="30000"/>
+            </a:schemeClr>
+          </a:solidFill>
+          <a:ln>
+            <a:noFill/>
+          </a:ln>
+        </p:spPr>
+        <p:style>
+          <a:lnRef idx="2">
+            <a:schemeClr val="accent1">
+              <a:shade val="50000"/>
+            </a:schemeClr>
+          </a:lnRef>
+          <a:fillRef idx="1">
+            <a:schemeClr val="accent1"/>
+          </a:fillRef>
+          <a:effectRef idx="0">
+            <a:schemeClr val="accent1"/>
+          </a:effectRef>
+          <a:fontRef idx="minor">
+            <a:schemeClr val="lt1"/>
+          </a:fontRef>
+        </p:style>
+        <p:txBody>
+          <a:bodyPr rtlCol="0" anchor="ctr"/>
+          <a:lstStyle/>
+          <a:p>
+            <a:pPr algn="ctr"/>
+            <a:endParaRPr lang="en-US"/>
+          </a:p>
+        </p:txBody>
+      </p:sp>
+      <p:sp>
+        <p:nvSpPr>
+          <p:cNvPr id="16" name="Rectangle 15">
+            <a:extLst>
+              <a:ext uri="{FF2B5EF4-FFF2-40B4-BE49-F238E27FC236}">
+                <a16:creationId xmlns:a16="http://schemas.microsoft.com/office/drawing/2014/main" id="{3783CA14-24A1-485C-8B30-D6A5D87987AD}"/>
+              </a:ext>
+              <a:ext uri="{C183D7F6-B498-43B3-948B-1728B52AA6E4}">
+                <adec:decorative xmlns:adec="http://schemas.microsoft.com/office/drawing/2017/decorative" val="1"/>
+              </a:ext>
+            </a:extLst>
+          </p:cNvPr>
+          <p:cNvSpPr>
+            <a:spLocks noGrp="1" noRot="1" noChangeAspect="1" noMove="1" noResize="1" noEditPoints="1" noAdjustHandles="1" noChangeArrowheads="1" noChangeShapeType="1" noTextEdit="1"/>
+          </p:cNvSpPr>
+          <p:nvPr>
+            <p:extLst>
+              <p:ext uri="{386F3935-93C4-4BCD-93E2-E3B085C9AB24}">
+                <p16:designElem xmlns:p16="http://schemas.microsoft.com/office/powerpoint/2015/main" val="1"/>
+              </p:ext>
+            </p:extLst>
+          </p:nvPr>
+        </p:nvSpPr>
+        <p:spPr>
+          <a:xfrm rot="18900000" flipH="1">
+            <a:off x="10043482" y="655140"/>
+            <a:ext cx="687472" cy="687472"/>
+          </a:xfrm>
+          <a:prstGeom prst="rect">
+            <a:avLst/>
+          </a:prstGeom>
+          <a:solidFill>
+            <a:schemeClr val="accent4">
+              <a:alpha val="30000"/>
+            </a:schemeClr>
+          </a:solidFill>
+          <a:ln>
+            <a:noFill/>
+          </a:ln>
+        </p:spPr>
+        <p:style>
+          <a:lnRef idx="2">
+            <a:schemeClr val="accent1">
+              <a:shade val="50000"/>
+            </a:schemeClr>
+          </a:lnRef>
+          <a:fillRef idx="1">
+            <a:schemeClr val="accent1"/>
+          </a:fillRef>
+          <a:effectRef idx="0">
+            <a:schemeClr val="accent1"/>
+          </a:effectRef>
+          <a:fontRef idx="minor">
+            <a:schemeClr val="lt1"/>
+          </a:fontRef>
+        </p:style>
+        <p:txBody>
+          <a:bodyPr rtlCol="0" anchor="ctr"/>
+          <a:lstStyle/>
+          <a:p>
+            <a:pPr algn="ctr"/>
+            <a:endParaRPr lang="en-US"/>
+          </a:p>
+        </p:txBody>
+      </p:sp>
+      <p:sp>
+        <p:nvSpPr>
+          <p:cNvPr id="18" name="Freeform: Shape 17">
+            <a:extLst>
+              <a:ext uri="{FF2B5EF4-FFF2-40B4-BE49-F238E27FC236}">
+                <a16:creationId xmlns:a16="http://schemas.microsoft.com/office/drawing/2014/main" id="{9A97C86A-04D6-40F7-AE84-31AB43E6A846}"/>
+              </a:ext>
+              <a:ext uri="{C183D7F6-B498-43B3-948B-1728B52AA6E4}">
+                <adec:decorative xmlns:adec="http://schemas.microsoft.com/office/drawing/2017/decorative" val="1"/>
+              </a:ext>
+            </a:extLst>
+          </p:cNvPr>
+          <p:cNvSpPr>
+            <a:spLocks noGrp="1" noRot="1" noChangeAspect="1" noMove="1" noResize="1" noEditPoints="1" noAdjustHandles="1" noChangeArrowheads="1" noChangeShapeType="1" noTextEdit="1"/>
+          </p:cNvSpPr>
+          <p:nvPr>
+            <p:extLst>
+              <p:ext uri="{386F3935-93C4-4BCD-93E2-E3B085C9AB24}">
+                <p16:designElem xmlns:p16="http://schemas.microsoft.com/office/powerpoint/2015/main" val="1"/>
+              </p:ext>
+            </p:extLst>
+          </p:nvPr>
+        </p:nvSpPr>
+        <p:spPr>
+          <a:xfrm rot="10800000" flipH="1">
+            <a:off x="9356643" y="0"/>
+            <a:ext cx="2835357" cy="1480837"/>
+          </a:xfrm>
+          <a:custGeom>
+            <a:avLst/>
+            <a:gdLst>
+              <a:gd name="connsiteX0" fmla="*/ 2835357 w 2835357"/>
+              <a:gd name="connsiteY0" fmla="*/ 1480837 h 1480837"/>
+              <a:gd name="connsiteX1" fmla="*/ 0 w 2835357"/>
+              <a:gd name="connsiteY1" fmla="*/ 1480837 h 1480837"/>
+              <a:gd name="connsiteX2" fmla="*/ 1552727 w 2835357"/>
+              <a:gd name="connsiteY2" fmla="*/ 0 h 1480837"/>
+              <a:gd name="connsiteX3" fmla="*/ 2835357 w 2835357"/>
+              <a:gd name="connsiteY3" fmla="*/ 1223245 h 1480837"/>
+            </a:gdLst>
+            <a:ahLst/>
+            <a:cxnLst>
+              <a:cxn ang="0">
+                <a:pos x="connsiteX0" y="connsiteY0"/>
+              </a:cxn>
+              <a:cxn ang="0">
+                <a:pos x="connsiteX1" y="connsiteY1"/>
+              </a:cxn>
+              <a:cxn ang="0">
+                <a:pos x="connsiteX2" y="connsiteY2"/>
+              </a:cxn>
+              <a:cxn ang="0">
+                <a:pos x="connsiteX3" y="connsiteY3"/>
+              </a:cxn>
+            </a:cxnLst>
+            <a:rect l="l" t="t" r="r" b="b"/>
+            <a:pathLst>
+              <a:path w="2835357" h="1480837">
+                <a:moveTo>
+                  <a:pt x="2835357" y="1480837"/>
+                </a:moveTo>
+                <a:lnTo>
+                  <a:pt x="0" y="1480837"/>
+                </a:lnTo>
+                <a:lnTo>
+                  <a:pt x="1552727" y="0"/>
+                </a:lnTo>
+                <a:lnTo>
+                  <a:pt x="2835357" y="1223245"/>
+                </a:lnTo>
+                <a:close/>
+              </a:path>
+            </a:pathLst>
+          </a:custGeom>
+          <a:solidFill>
+            <a:schemeClr val="accent4">
+              <a:alpha val="30000"/>
+            </a:schemeClr>
+          </a:solidFill>
+          <a:ln>
+            <a:noFill/>
+          </a:ln>
+        </p:spPr>
+        <p:style>
+          <a:lnRef idx="2">
+            <a:schemeClr val="accent1">
+              <a:shade val="50000"/>
+            </a:schemeClr>
+          </a:lnRef>
+          <a:fillRef idx="1">
+            <a:schemeClr val="accent1"/>
+          </a:fillRef>
+          <a:effectRef idx="0">
+            <a:schemeClr val="accent1"/>
+          </a:effectRef>
+          <a:fontRef idx="minor">
+            <a:schemeClr val="lt1"/>
+          </a:fontRef>
+        </p:style>
+        <p:txBody>
+          <a:bodyPr wrap="square" rtlCol="0" anchor="ctr">
+            <a:noAutofit/>
+          </a:bodyPr>
+          <a:lstStyle/>
+          <a:p>
+            <a:pPr algn="ctr"/>
+            <a:endParaRPr lang="en-US" dirty="0"/>
+          </a:p>
+        </p:txBody>
+      </p:sp>
+      <p:sp>
+        <p:nvSpPr>
+          <p:cNvPr id="20" name="Isosceles Triangle 19">
+            <a:extLst>
+              <a:ext uri="{FF2B5EF4-FFF2-40B4-BE49-F238E27FC236}">
+                <a16:creationId xmlns:a16="http://schemas.microsoft.com/office/drawing/2014/main" id="{FF9F2414-84E8-453E-B1F3-389FDE8192D9}"/>
+              </a:ext>
+              <a:ext uri="{C183D7F6-B498-43B3-948B-1728B52AA6E4}">
+                <adec:decorative xmlns:adec="http://schemas.microsoft.com/office/drawing/2017/decorative" val="1"/>
+              </a:ext>
+            </a:extLst>
+          </p:cNvPr>
+          <p:cNvSpPr>
+            <a:spLocks noGrp="1" noRot="1" noChangeAspect="1" noMove="1" noResize="1" noEditPoints="1" noAdjustHandles="1" noChangeArrowheads="1" noChangeShapeType="1" noTextEdit="1"/>
+          </p:cNvSpPr>
+          <p:nvPr>
+            <p:extLst>
+              <p:ext uri="{386F3935-93C4-4BCD-93E2-E3B085C9AB24}">
+                <p16:designElem xmlns:p16="http://schemas.microsoft.com/office/powerpoint/2015/main" val="1"/>
+              </p:ext>
+            </p:extLst>
+          </p:nvPr>
+        </p:nvSpPr>
+        <p:spPr>
+          <a:xfrm flipH="1">
+            <a:off x="7976344" y="6115501"/>
+            <a:ext cx="1494513" cy="742499"/>
+          </a:xfrm>
+          <a:prstGeom prst="triangle">
+            <a:avLst/>
+          </a:prstGeom>
+          <a:solidFill>
+            <a:schemeClr val="accent1">
+              <a:alpha val="30000"/>
+            </a:schemeClr>
+          </a:solidFill>
+          <a:ln>
+            <a:noFill/>
+          </a:ln>
+        </p:spPr>
+        <p:style>
+          <a:lnRef idx="2">
+            <a:schemeClr val="accent1">
+              <a:shade val="50000"/>
+            </a:schemeClr>
+          </a:lnRef>
+          <a:fillRef idx="1">
+            <a:schemeClr val="accent1"/>
+          </a:fillRef>
+          <a:effectRef idx="0">
+            <a:schemeClr val="accent1"/>
+          </a:effectRef>
+          <a:fontRef idx="minor">
+            <a:schemeClr val="lt1"/>
+          </a:fontRef>
+        </p:style>
+        <p:txBody>
+          <a:bodyPr rtlCol="0" anchor="ctr"/>
+          <a:lstStyle/>
+          <a:p>
+            <a:pPr algn="ctr"/>
+            <a:endParaRPr lang="en-US"/>
+          </a:p>
+        </p:txBody>
+      </p:sp>
+      <p:pic>
+        <p:nvPicPr>
+          <p:cNvPr id="5" name="Picture 4">
+            <a:extLst>
+              <a:ext uri="{FF2B5EF4-FFF2-40B4-BE49-F238E27FC236}">
+                <a16:creationId xmlns:a16="http://schemas.microsoft.com/office/drawing/2014/main" id="{D3AA70A0-7745-A6F3-D1D9-5C1D5A2C103C}"/>
+              </a:ext>
+            </a:extLst>
+          </p:cNvPr>
+          <p:cNvPicPr>
+            <a:picLocks noChangeAspect="1"/>
+          </p:cNvPicPr>
+          <p:nvPr/>
+        </p:nvPicPr>
+        <p:blipFill>
+          <a:blip r:embed="rId2"/>
+          <a:stretch>
+            <a:fillRect/>
+          </a:stretch>
+        </p:blipFill>
+        <p:spPr>
+          <a:xfrm>
+            <a:off x="3700443" y="643467"/>
+            <a:ext cx="4791114" cy="5571065"/>
+          </a:xfrm>
+          <a:prstGeom prst="rect">
+            <a:avLst/>
+          </a:prstGeom>
+          <a:ln>
+            <a:noFill/>
+          </a:ln>
+        </p:spPr>
+      </p:pic>
+      <p:sp>
+        <p:nvSpPr>
+          <p:cNvPr id="22" name="Isosceles Triangle 21">
+            <a:extLst>
+              <a:ext uri="{FF2B5EF4-FFF2-40B4-BE49-F238E27FC236}">
+                <a16:creationId xmlns:a16="http://schemas.microsoft.com/office/drawing/2014/main" id="{3ECA69A1-7536-43AC-85EF-C7106179F5ED}"/>
+              </a:ext>
+              <a:ext uri="{C183D7F6-B498-43B3-948B-1728B52AA6E4}">
+                <adec:decorative xmlns:adec="http://schemas.microsoft.com/office/drawing/2017/decorative" val="1"/>
+              </a:ext>
+            </a:extLst>
+          </p:cNvPr>
+          <p:cNvSpPr>
+            <a:spLocks noGrp="1" noRot="1" noChangeAspect="1" noMove="1" noResize="1" noEditPoints="1" noAdjustHandles="1" noChangeArrowheads="1" noChangeShapeType="1" noTextEdit="1"/>
+          </p:cNvSpPr>
+          <p:nvPr>
+            <p:extLst>
+              <p:ext uri="{386F3935-93C4-4BCD-93E2-E3B085C9AB24}">
+                <p16:designElem xmlns:p16="http://schemas.microsoft.com/office/powerpoint/2015/main" val="1"/>
+              </p:ext>
+            </p:extLst>
+          </p:nvPr>
+        </p:nvSpPr>
+        <p:spPr>
+          <a:xfrm flipH="1">
+            <a:off x="7604080" y="6453143"/>
+            <a:ext cx="814903" cy="404857"/>
+          </a:xfrm>
+          <a:prstGeom prst="triangle">
+            <a:avLst/>
+          </a:prstGeom>
+          <a:solidFill>
+            <a:schemeClr val="accent1">
+              <a:alpha val="30000"/>
+            </a:schemeClr>
+          </a:solidFill>
+          <a:ln>
+            <a:noFill/>
+          </a:ln>
+        </p:spPr>
+        <p:style>
+          <a:lnRef idx="2">
+            <a:schemeClr val="accent1">
+              <a:shade val="50000"/>
+            </a:schemeClr>
+          </a:lnRef>
+          <a:fillRef idx="1">
+            <a:schemeClr val="accent1"/>
+          </a:fillRef>
+          <a:effectRef idx="0">
+            <a:schemeClr val="accent1"/>
+          </a:effectRef>
+          <a:fontRef idx="minor">
+            <a:schemeClr val="lt1"/>
+          </a:fontRef>
+        </p:style>
+        <p:txBody>
+          <a:bodyPr rtlCol="0" anchor="ctr"/>
+          <a:lstStyle/>
+          <a:p>
+            <a:pPr algn="ctr"/>
+            <a:endParaRPr lang="en-US"/>
+          </a:p>
+        </p:txBody>
+      </p:sp>
+    </p:spTree>
+    <p:extLst>
+      <p:ext uri="{BB962C8B-B14F-4D97-AF65-F5344CB8AC3E}">
+        <p14:creationId xmlns:p14="http://schemas.microsoft.com/office/powerpoint/2010/main" val="3348495434"/>
+      </p:ext>
+    </p:extLst>
+  </p:cSld>
+  <p:clrMapOvr>
+    <a:masterClrMapping/>
+  </p:clrMapOvr>
+</p:sld>
+</file>
+
+<file path=ppt/slides/slide13.xml><?xml version="1.0" encoding="utf-8"?>
 <p:sld xmlns:a="http://schemas.openxmlformats.org/drawingml/2006/main" xmlns:r="http://schemas.openxmlformats.org/officeDocument/2006/relationships" xmlns:p="http://schemas.openxmlformats.org/presentationml/2006/main">
   <p:cSld>
     <p:spTree>
@@ -18524,7 +20180,7 @@
 </p:sld>
 </file>
 
-<file path=ppt/slides/slide12.xml><?xml version="1.0" encoding="utf-8"?>
+<file path=ppt/slides/slide14.xml><?xml version="1.0" encoding="utf-8"?>
 <p:sld xmlns:a="http://schemas.openxmlformats.org/drawingml/2006/main" xmlns:r="http://schemas.openxmlformats.org/officeDocument/2006/relationships" xmlns:p="http://schemas.openxmlformats.org/presentationml/2006/main">
   <p:cSld>
     <p:bg>
@@ -19352,7 +21008,7 @@
 </p:sld>
 </file>
 
-<file path=ppt/slides/slide13.xml><?xml version="1.0" encoding="utf-8"?>
+<file path=ppt/slides/slide15.xml><?xml version="1.0" encoding="utf-8"?>
 <p:sld xmlns:a="http://schemas.openxmlformats.org/drawingml/2006/main" xmlns:r="http://schemas.openxmlformats.org/officeDocument/2006/relationships" xmlns:p="http://schemas.openxmlformats.org/presentationml/2006/main">
   <p:cSld>
     <p:bg>

--- a/Project_Presentation_Employee_Attrition_Prediction.pptx
+++ b/Project_Presentation_Employee_Attrition_Prediction.pptx
@@ -17491,7 +17491,7 @@
               <a:buChar char="•"/>
             </a:pPr>
             <a:r>
-              <a:rPr lang="en-US" sz="1400" b="1" i="0" u="none" strike="noStrike">
+              <a:rPr lang="en-US" sz="1400" b="1" i="0" u="none" strike="noStrike" dirty="0">
                 <a:solidFill>
                   <a:schemeClr val="tx1">
                     <a:alpha val="80000"/>
@@ -17503,7 +17503,7 @@
             </a:r>
           </a:p>
           <a:p>
-            <a:pPr indent="-228600">
+            <a:pPr lvl="1" indent="-228600">
               <a:lnSpc>
                 <a:spcPct val="90000"/>
               </a:lnSpc>
@@ -17514,7 +17514,7 @@
               <a:buChar char="•"/>
             </a:pPr>
             <a:r>
-              <a:rPr lang="en-US" sz="1400" b="0" i="0" u="none" strike="noStrike">
+              <a:rPr lang="en-US" sz="1400" b="0" i="0" u="none" strike="noStrike" dirty="0">
                 <a:solidFill>
                   <a:schemeClr val="tx1">
                     <a:alpha val="80000"/>
@@ -17526,7 +17526,7 @@
             </a:r>
           </a:p>
           <a:p>
-            <a:pPr indent="-228600">
+            <a:pPr lvl="1" indent="-228600">
               <a:lnSpc>
                 <a:spcPct val="90000"/>
               </a:lnSpc>
@@ -17537,7 +17537,7 @@
               <a:buChar char="•"/>
             </a:pPr>
             <a:r>
-              <a:rPr lang="en-US" sz="1400" b="0" i="0" u="none" strike="noStrike">
+              <a:rPr lang="en-US" sz="1400" b="0" i="0" u="none" strike="noStrike" dirty="0">
                 <a:solidFill>
                   <a:schemeClr val="tx1">
                     <a:alpha val="80000"/>
@@ -17560,7 +17560,7 @@
               <a:buChar char="•"/>
             </a:pPr>
             <a:r>
-              <a:rPr lang="en-US" sz="1400" b="1" i="0" u="none" strike="noStrike">
+              <a:rPr lang="en-US" sz="1400" b="1" i="0" u="none" strike="noStrike" dirty="0">
                 <a:solidFill>
                   <a:schemeClr val="tx1">
                     <a:alpha val="80000"/>
@@ -17572,7 +17572,7 @@
             </a:r>
           </a:p>
           <a:p>
-            <a:pPr indent="-228600">
+            <a:pPr lvl="1" indent="-228600">
               <a:lnSpc>
                 <a:spcPct val="90000"/>
               </a:lnSpc>
@@ -17583,7 +17583,7 @@
               <a:buChar char="•"/>
             </a:pPr>
             <a:r>
-              <a:rPr lang="en-US" sz="1400" b="1" i="0" u="none" strike="noStrike">
+              <a:rPr lang="en-US" sz="1400" b="1" i="0" u="none" strike="noStrike" dirty="0">
                 <a:solidFill>
                   <a:schemeClr val="tx1">
                     <a:alpha val="80000"/>
@@ -17594,7 +17594,7 @@
               <a:t>Cloud Deployment</a:t>
             </a:r>
             <a:r>
-              <a:rPr lang="en-US" sz="1400" b="0" i="0" u="none" strike="noStrike">
+              <a:rPr lang="en-US" sz="1400" b="0" i="0" u="none" strike="noStrike" dirty="0">
                 <a:solidFill>
                   <a:schemeClr val="tx1">
                     <a:alpha val="80000"/>
@@ -17617,7 +17617,7 @@
               <a:buChar char="•"/>
             </a:pPr>
             <a:r>
-              <a:rPr lang="en-US" sz="1400" b="0" i="0" u="none" strike="noStrike">
+              <a:rPr lang="en-US" sz="1400" b="0" i="0" u="none" strike="noStrike" dirty="0">
                 <a:solidFill>
                   <a:schemeClr val="tx1">
                     <a:alpha val="80000"/>
@@ -17640,7 +17640,7 @@
               <a:buChar char="•"/>
             </a:pPr>
             <a:r>
-              <a:rPr lang="en-US" sz="1400" b="0" i="0" u="none" strike="noStrike">
+              <a:rPr lang="en-US" sz="1400" b="0" i="0" u="none" strike="noStrike" dirty="0">
                 <a:solidFill>
                   <a:schemeClr val="tx1">
                     <a:alpha val="80000"/>

--- a/Project_Presentation_Employee_Attrition_Prediction.pptx
+++ b/Project_Presentation_Employee_Attrition_Prediction.pptx
@@ -5,24 +5,25 @@
     <p:sldMasterId id="2147483648" r:id="rId1"/>
   </p:sldMasterIdLst>
   <p:notesMasterIdLst>
-    <p:notesMasterId r:id="rId17"/>
+    <p:notesMasterId r:id="rId18"/>
   </p:notesMasterIdLst>
   <p:sldIdLst>
     <p:sldId id="259" r:id="rId2"/>
-    <p:sldId id="263" r:id="rId3"/>
-    <p:sldId id="1606" r:id="rId4"/>
-    <p:sldId id="1609" r:id="rId5"/>
-    <p:sldId id="1610" r:id="rId6"/>
-    <p:sldId id="1611" r:id="rId7"/>
-    <p:sldId id="257" r:id="rId8"/>
-    <p:sldId id="258" r:id="rId9"/>
-    <p:sldId id="1605" r:id="rId10"/>
-    <p:sldId id="261" r:id="rId11"/>
-    <p:sldId id="1612" r:id="rId12"/>
-    <p:sldId id="1613" r:id="rId13"/>
-    <p:sldId id="1603" r:id="rId14"/>
-    <p:sldId id="262" r:id="rId15"/>
-    <p:sldId id="265" r:id="rId16"/>
+    <p:sldId id="1614" r:id="rId3"/>
+    <p:sldId id="263" r:id="rId4"/>
+    <p:sldId id="1606" r:id="rId5"/>
+    <p:sldId id="1609" r:id="rId6"/>
+    <p:sldId id="1610" r:id="rId7"/>
+    <p:sldId id="1611" r:id="rId8"/>
+    <p:sldId id="257" r:id="rId9"/>
+    <p:sldId id="258" r:id="rId10"/>
+    <p:sldId id="1605" r:id="rId11"/>
+    <p:sldId id="261" r:id="rId12"/>
+    <p:sldId id="1612" r:id="rId13"/>
+    <p:sldId id="1613" r:id="rId14"/>
+    <p:sldId id="1603" r:id="rId15"/>
+    <p:sldId id="262" r:id="rId16"/>
+    <p:sldId id="265" r:id="rId17"/>
   </p:sldIdLst>
   <p:sldSz cx="12192000" cy="6858000"/>
   <p:notesSz cx="6858000" cy="9144000"/>
@@ -11800,7 +11801,7 @@
           <a:p>
             <a:fld id="{D9DC0902-B928-4F0F-BBCD-04DEB66ED9A2}" type="slidenum">
               <a:rPr lang="en-US" smtClean="0"/>
-              <a:t>8</a:t>
+              <a:t>4</a:t>
             </a:fld>
             <a:endParaRPr lang="en-US"/>
           </a:p>
@@ -11809,7 +11810,7 @@
     </p:spTree>
     <p:extLst>
       <p:ext uri="{BB962C8B-B14F-4D97-AF65-F5344CB8AC3E}">
-        <p14:creationId xmlns:p14="http://schemas.microsoft.com/office/powerpoint/2010/main" val="3674954994"/>
+        <p14:creationId xmlns:p14="http://schemas.microsoft.com/office/powerpoint/2010/main" val="4148062861"/>
       </p:ext>
     </p:extLst>
   </p:cSld>
@@ -11884,7 +11885,91 @@
           <a:p>
             <a:fld id="{D9DC0902-B928-4F0F-BBCD-04DEB66ED9A2}" type="slidenum">
               <a:rPr lang="en-US" smtClean="0"/>
-              <a:t>15</a:t>
+              <a:t>9</a:t>
+            </a:fld>
+            <a:endParaRPr lang="en-US"/>
+          </a:p>
+        </p:txBody>
+      </p:sp>
+    </p:spTree>
+    <p:extLst>
+      <p:ext uri="{BB962C8B-B14F-4D97-AF65-F5344CB8AC3E}">
+        <p14:creationId xmlns:p14="http://schemas.microsoft.com/office/powerpoint/2010/main" val="3674954994"/>
+      </p:ext>
+    </p:extLst>
+  </p:cSld>
+  <p:clrMapOvr>
+    <a:masterClrMapping/>
+  </p:clrMapOvr>
+</p:notes>
+</file>
+
+<file path=ppt/notesSlides/notesSlide3.xml><?xml version="1.0" encoding="utf-8"?>
+<p:notes xmlns:a="http://schemas.openxmlformats.org/drawingml/2006/main" xmlns:r="http://schemas.openxmlformats.org/officeDocument/2006/relationships" xmlns:p="http://schemas.openxmlformats.org/presentationml/2006/main">
+  <p:cSld>
+    <p:spTree>
+      <p:nvGrpSpPr>
+        <p:cNvPr id="1" name=""/>
+        <p:cNvGrpSpPr/>
+        <p:nvPr/>
+      </p:nvGrpSpPr>
+      <p:grpSpPr>
+        <a:xfrm>
+          <a:off x="0" y="0"/>
+          <a:ext cx="0" cy="0"/>
+          <a:chOff x="0" y="0"/>
+          <a:chExt cx="0" cy="0"/>
+        </a:xfrm>
+      </p:grpSpPr>
+      <p:sp>
+        <p:nvSpPr>
+          <p:cNvPr id="2" name="Slide Image Placeholder 1"/>
+          <p:cNvSpPr>
+            <a:spLocks noGrp="1" noRot="1" noChangeAspect="1"/>
+          </p:cNvSpPr>
+          <p:nvPr>
+            <p:ph type="sldImg"/>
+          </p:nvPr>
+        </p:nvSpPr>
+        <p:spPr/>
+      </p:sp>
+      <p:sp>
+        <p:nvSpPr>
+          <p:cNvPr id="3" name="Notes Placeholder 2"/>
+          <p:cNvSpPr>
+            <a:spLocks noGrp="1"/>
+          </p:cNvSpPr>
+          <p:nvPr>
+            <p:ph type="body" idx="1"/>
+          </p:nvPr>
+        </p:nvSpPr>
+        <p:spPr/>
+        <p:txBody>
+          <a:bodyPr/>
+          <a:lstStyle/>
+          <a:p>
+            <a:endParaRPr lang="en-US" dirty="0"/>
+          </a:p>
+        </p:txBody>
+      </p:sp>
+      <p:sp>
+        <p:nvSpPr>
+          <p:cNvPr id="4" name="Slide Number Placeholder 3"/>
+          <p:cNvSpPr>
+            <a:spLocks noGrp="1"/>
+          </p:cNvSpPr>
+          <p:nvPr>
+            <p:ph type="sldNum" sz="quarter" idx="5"/>
+          </p:nvPr>
+        </p:nvSpPr>
+        <p:spPr/>
+        <p:txBody>
+          <a:bodyPr/>
+          <a:lstStyle/>
+          <a:p>
+            <a:fld id="{D9DC0902-B928-4F0F-BBCD-04DEB66ED9A2}" type="slidenum">
+              <a:rPr lang="en-US" smtClean="0"/>
+              <a:t>16</a:t>
             </a:fld>
             <a:endParaRPr lang="en-US"/>
           </a:p>
@@ -16306,6 +16391,410 @@
           <a:chExt cx="0" cy="0"/>
         </a:xfrm>
       </p:grpSpPr>
+      <p:pic>
+        <p:nvPicPr>
+          <p:cNvPr id="4" name="Picture 3" descr="A blue squares with white text&#10;&#10;Description automatically generated">
+            <a:extLst>
+              <a:ext uri="{FF2B5EF4-FFF2-40B4-BE49-F238E27FC236}">
+                <a16:creationId xmlns:a16="http://schemas.microsoft.com/office/drawing/2014/main" id="{E8CCB4C3-A1E3-C498-4505-DC6818B92938}"/>
+              </a:ext>
+            </a:extLst>
+          </p:cNvPr>
+          <p:cNvPicPr>
+            <a:picLocks noChangeAspect="1"/>
+          </p:cNvPicPr>
+          <p:nvPr/>
+        </p:nvPicPr>
+        <p:blipFill>
+          <a:blip r:embed="rId2"/>
+          <a:stretch>
+            <a:fillRect/>
+          </a:stretch>
+        </p:blipFill>
+        <p:spPr>
+          <a:xfrm>
+            <a:off x="4322200" y="1773903"/>
+            <a:ext cx="3517119" cy="3270920"/>
+          </a:xfrm>
+          <a:prstGeom prst="rect">
+            <a:avLst/>
+          </a:prstGeom>
+        </p:spPr>
+      </p:pic>
+      <p:cxnSp>
+        <p:nvCxnSpPr>
+          <p:cNvPr id="11" name="Straight Connector 10">
+            <a:extLst>
+              <a:ext uri="{FF2B5EF4-FFF2-40B4-BE49-F238E27FC236}">
+                <a16:creationId xmlns:a16="http://schemas.microsoft.com/office/drawing/2014/main" id="{DCD67800-37AC-4E14-89B0-F79DCB3FB86D}"/>
+              </a:ext>
+              <a:ext uri="{C183D7F6-B498-43B3-948B-1728B52AA6E4}">
+                <adec:decorative xmlns:adec="http://schemas.microsoft.com/office/drawing/2017/decorative" val="1"/>
+              </a:ext>
+            </a:extLst>
+          </p:cNvPr>
+          <p:cNvCxnSpPr>
+            <a:cxnSpLocks noGrp="1" noRot="1" noChangeAspect="1" noMove="1" noResize="1" noEditPoints="1" noAdjustHandles="1" noChangeArrowheads="1" noChangeShapeType="1"/>
+          </p:cNvCxnSpPr>
+          <p:nvPr>
+            <p:extLst>
+              <p:ext uri="{386F3935-93C4-4BCD-93E2-E3B085C9AB24}">
+                <p16:designElem xmlns:p16="http://schemas.microsoft.com/office/powerpoint/2015/main" val="1"/>
+              </p:ext>
+            </p:extLst>
+          </p:nvPr>
+        </p:nvCxnSpPr>
+        <p:spPr>
+          <a:xfrm>
+            <a:off x="4165600" y="1573887"/>
+            <a:ext cx="0" cy="3710227"/>
+          </a:xfrm>
+          <a:prstGeom prst="line">
+            <a:avLst/>
+          </a:prstGeom>
+          <a:ln w="19050">
+            <a:solidFill>
+              <a:srgbClr val="7F7F7F"/>
+            </a:solidFill>
+          </a:ln>
+        </p:spPr>
+        <p:style>
+          <a:lnRef idx="1">
+            <a:schemeClr val="accent1"/>
+          </a:lnRef>
+          <a:fillRef idx="0">
+            <a:schemeClr val="accent1"/>
+          </a:fillRef>
+          <a:effectRef idx="0">
+            <a:schemeClr val="accent1"/>
+          </a:effectRef>
+          <a:fontRef idx="minor">
+            <a:schemeClr val="tx1"/>
+          </a:fontRef>
+        </p:style>
+      </p:cxnSp>
+      <p:pic>
+        <p:nvPicPr>
+          <p:cNvPr id="5" name="Content Placeholder 9" descr="A blue squares with white text&#10;&#10;Description automatically generated">
+            <a:extLst>
+              <a:ext uri="{FF2B5EF4-FFF2-40B4-BE49-F238E27FC236}">
+                <a16:creationId xmlns:a16="http://schemas.microsoft.com/office/drawing/2014/main" id="{51257B1A-7131-4C21-57DB-A94CCD2D56AC}"/>
+              </a:ext>
+            </a:extLst>
+          </p:cNvPr>
+          <p:cNvPicPr>
+            <a:picLocks noChangeAspect="1"/>
+          </p:cNvPicPr>
+          <p:nvPr/>
+        </p:nvPicPr>
+        <p:blipFill>
+          <a:blip r:embed="rId3"/>
+          <a:stretch>
+            <a:fillRect/>
+          </a:stretch>
+        </p:blipFill>
+        <p:spPr>
+          <a:xfrm>
+            <a:off x="7869801" y="1790467"/>
+            <a:ext cx="3537345" cy="3254356"/>
+          </a:xfrm>
+          <a:prstGeom prst="rect">
+            <a:avLst/>
+          </a:prstGeom>
+        </p:spPr>
+      </p:pic>
+      <p:cxnSp>
+        <p:nvCxnSpPr>
+          <p:cNvPr id="13" name="Straight Connector 12">
+            <a:extLst>
+              <a:ext uri="{FF2B5EF4-FFF2-40B4-BE49-F238E27FC236}">
+                <a16:creationId xmlns:a16="http://schemas.microsoft.com/office/drawing/2014/main" id="{20F1788F-A5AE-4188-8274-F7F2E3833ECD}"/>
+              </a:ext>
+              <a:ext uri="{C183D7F6-B498-43B3-948B-1728B52AA6E4}">
+                <adec:decorative xmlns:adec="http://schemas.microsoft.com/office/drawing/2017/decorative" val="1"/>
+              </a:ext>
+            </a:extLst>
+          </p:cNvPr>
+          <p:cNvCxnSpPr>
+            <a:cxnSpLocks noGrp="1" noRot="1" noChangeAspect="1" noMove="1" noResize="1" noEditPoints="1" noAdjustHandles="1" noChangeArrowheads="1" noChangeShapeType="1"/>
+          </p:cNvCxnSpPr>
+          <p:nvPr>
+            <p:extLst>
+              <p:ext uri="{386F3935-93C4-4BCD-93E2-E3B085C9AB24}">
+                <p16:designElem xmlns:p16="http://schemas.microsoft.com/office/powerpoint/2015/main" val="1"/>
+              </p:ext>
+            </p:extLst>
+          </p:nvPr>
+        </p:nvCxnSpPr>
+        <p:spPr>
+          <a:xfrm>
+            <a:off x="7995920" y="1573887"/>
+            <a:ext cx="0" cy="3710227"/>
+          </a:xfrm>
+          <a:prstGeom prst="line">
+            <a:avLst/>
+          </a:prstGeom>
+          <a:ln w="19050">
+            <a:solidFill>
+              <a:srgbClr val="7F7F7F"/>
+            </a:solidFill>
+          </a:ln>
+        </p:spPr>
+        <p:style>
+          <a:lnRef idx="1">
+            <a:schemeClr val="accent1"/>
+          </a:lnRef>
+          <a:fillRef idx="0">
+            <a:schemeClr val="accent1"/>
+          </a:fillRef>
+          <a:effectRef idx="0">
+            <a:schemeClr val="accent1"/>
+          </a:effectRef>
+          <a:fontRef idx="minor">
+            <a:schemeClr val="tx1"/>
+          </a:fontRef>
+        </p:style>
+      </p:cxnSp>
+      <p:pic>
+        <p:nvPicPr>
+          <p:cNvPr id="6" name="Content Placeholder 15" descr="A blue and white graph&#10;&#10;Description automatically generated">
+            <a:extLst>
+              <a:ext uri="{FF2B5EF4-FFF2-40B4-BE49-F238E27FC236}">
+                <a16:creationId xmlns:a16="http://schemas.microsoft.com/office/drawing/2014/main" id="{7A9D9373-1E99-1F6B-1EE4-10E10364F865}"/>
+              </a:ext>
+            </a:extLst>
+          </p:cNvPr>
+          <p:cNvPicPr>
+            <a:picLocks noChangeAspect="1"/>
+          </p:cNvPicPr>
+          <p:nvPr/>
+        </p:nvPicPr>
+        <p:blipFill>
+          <a:blip r:embed="rId4"/>
+          <a:stretch>
+            <a:fillRect/>
+          </a:stretch>
+        </p:blipFill>
+        <p:spPr>
+          <a:xfrm>
+            <a:off x="461400" y="1773903"/>
+            <a:ext cx="3517120" cy="3244543"/>
+          </a:xfrm>
+          <a:prstGeom prst="rect">
+            <a:avLst/>
+          </a:prstGeom>
+          <a:solidFill>
+            <a:srgbClr val="FFFFFF">
+              <a:shade val="85000"/>
+            </a:srgbClr>
+          </a:solidFill>
+          <a:scene3d>
+            <a:camera prst="orthographicFront"/>
+            <a:lightRig rig="twoPt" dir="t">
+              <a:rot lat="0" lon="0" rev="7200000"/>
+            </a:lightRig>
+          </a:scene3d>
+          <a:sp3d>
+            <a:bevelT w="25400" h="19050"/>
+            <a:contourClr>
+              <a:srgbClr val="FFFFFF"/>
+            </a:contourClr>
+          </a:sp3d>
+        </p:spPr>
+      </p:pic>
+      <p:sp>
+        <p:nvSpPr>
+          <p:cNvPr id="7" name="&quot;Not Allowed&quot; Symbol 6">
+            <a:extLst>
+              <a:ext uri="{FF2B5EF4-FFF2-40B4-BE49-F238E27FC236}">
+                <a16:creationId xmlns:a16="http://schemas.microsoft.com/office/drawing/2014/main" id="{E1D54D72-ED59-C6A9-1DB3-EE69161881A4}"/>
+              </a:ext>
+            </a:extLst>
+          </p:cNvPr>
+          <p:cNvSpPr/>
+          <p:nvPr/>
+        </p:nvSpPr>
+        <p:spPr>
+          <a:xfrm>
+            <a:off x="1371600" y="4280170"/>
+            <a:ext cx="214009" cy="204281"/>
+          </a:xfrm>
+          <a:prstGeom prst="noSmoking">
+            <a:avLst/>
+          </a:prstGeom>
+          <a:solidFill>
+            <a:schemeClr val="accent2"/>
+          </a:solidFill>
+        </p:spPr>
+        <p:style>
+          <a:lnRef idx="2">
+            <a:schemeClr val="accent1">
+              <a:shade val="15000"/>
+            </a:schemeClr>
+          </a:lnRef>
+          <a:fillRef idx="1">
+            <a:schemeClr val="accent1"/>
+          </a:fillRef>
+          <a:effectRef idx="0">
+            <a:schemeClr val="accent1"/>
+          </a:effectRef>
+          <a:fontRef idx="minor">
+            <a:schemeClr val="lt1"/>
+          </a:fontRef>
+        </p:style>
+        <p:txBody>
+          <a:bodyPr rtlCol="0" anchor="ctr"/>
+          <a:lstStyle/>
+          <a:p>
+            <a:pPr algn="ctr"/>
+            <a:endParaRPr lang="en-US">
+              <a:solidFill>
+                <a:schemeClr val="tx1"/>
+              </a:solidFill>
+            </a:endParaRPr>
+          </a:p>
+        </p:txBody>
+      </p:sp>
+      <p:sp>
+        <p:nvSpPr>
+          <p:cNvPr id="8" name="&quot;Not Allowed&quot; Symbol 7">
+            <a:extLst>
+              <a:ext uri="{FF2B5EF4-FFF2-40B4-BE49-F238E27FC236}">
+                <a16:creationId xmlns:a16="http://schemas.microsoft.com/office/drawing/2014/main" id="{C154E393-62AE-0634-D826-132AEA4DB35B}"/>
+              </a:ext>
+            </a:extLst>
+          </p:cNvPr>
+          <p:cNvSpPr/>
+          <p:nvPr/>
+        </p:nvSpPr>
+        <p:spPr>
+          <a:xfrm>
+            <a:off x="5078998" y="4280170"/>
+            <a:ext cx="214009" cy="204281"/>
+          </a:xfrm>
+          <a:prstGeom prst="noSmoking">
+            <a:avLst/>
+          </a:prstGeom>
+          <a:solidFill>
+            <a:schemeClr val="accent2"/>
+          </a:solidFill>
+        </p:spPr>
+        <p:style>
+          <a:lnRef idx="2">
+            <a:schemeClr val="accent1">
+              <a:shade val="15000"/>
+            </a:schemeClr>
+          </a:lnRef>
+          <a:fillRef idx="1">
+            <a:schemeClr val="accent1"/>
+          </a:fillRef>
+          <a:effectRef idx="0">
+            <a:schemeClr val="accent1"/>
+          </a:effectRef>
+          <a:fontRef idx="minor">
+            <a:schemeClr val="lt1"/>
+          </a:fontRef>
+        </p:style>
+        <p:txBody>
+          <a:bodyPr rtlCol="0" anchor="ctr"/>
+          <a:lstStyle/>
+          <a:p>
+            <a:pPr algn="ctr"/>
+            <a:endParaRPr lang="en-US">
+              <a:solidFill>
+                <a:schemeClr val="tx1"/>
+              </a:solidFill>
+            </a:endParaRPr>
+          </a:p>
+        </p:txBody>
+      </p:sp>
+      <p:sp>
+        <p:nvSpPr>
+          <p:cNvPr id="9" name="Smiley Face 8">
+            <a:extLst>
+              <a:ext uri="{FF2B5EF4-FFF2-40B4-BE49-F238E27FC236}">
+                <a16:creationId xmlns:a16="http://schemas.microsoft.com/office/drawing/2014/main" id="{EBB507D8-7FDC-7945-4CF3-370117E96D55}"/>
+              </a:ext>
+            </a:extLst>
+          </p:cNvPr>
+          <p:cNvSpPr/>
+          <p:nvPr/>
+        </p:nvSpPr>
+        <p:spPr>
+          <a:xfrm>
+            <a:off x="8791470" y="4280170"/>
+            <a:ext cx="214003" cy="204281"/>
+          </a:xfrm>
+          <a:prstGeom prst="smileyFace">
+            <a:avLst/>
+          </a:prstGeom>
+          <a:solidFill>
+            <a:schemeClr val="accent2"/>
+          </a:solidFill>
+        </p:spPr>
+        <p:style>
+          <a:lnRef idx="2">
+            <a:schemeClr val="accent1">
+              <a:shade val="15000"/>
+            </a:schemeClr>
+          </a:lnRef>
+          <a:fillRef idx="1">
+            <a:schemeClr val="accent1"/>
+          </a:fillRef>
+          <a:effectRef idx="0">
+            <a:schemeClr val="accent1"/>
+          </a:effectRef>
+          <a:fontRef idx="minor">
+            <a:schemeClr val="lt1"/>
+          </a:fontRef>
+        </p:style>
+        <p:txBody>
+          <a:bodyPr rtlCol="0" anchor="ctr"/>
+          <a:lstStyle/>
+          <a:p>
+            <a:pPr algn="ctr"/>
+            <a:endParaRPr lang="en-US"/>
+          </a:p>
+        </p:txBody>
+      </p:sp>
+    </p:spTree>
+    <p:extLst>
+      <p:ext uri="{BB962C8B-B14F-4D97-AF65-F5344CB8AC3E}">
+        <p14:creationId xmlns:p14="http://schemas.microsoft.com/office/powerpoint/2010/main" val="3805467070"/>
+      </p:ext>
+    </p:extLst>
+  </p:cSld>
+  <p:clrMapOvr>
+    <a:masterClrMapping/>
+  </p:clrMapOvr>
+</p:sld>
+</file>
+
+<file path=ppt/slides/slide11.xml><?xml version="1.0" encoding="utf-8"?>
+<p:sld xmlns:a="http://schemas.openxmlformats.org/drawingml/2006/main" xmlns:r="http://schemas.openxmlformats.org/officeDocument/2006/relationships" xmlns:p="http://schemas.openxmlformats.org/presentationml/2006/main">
+  <p:cSld>
+    <p:bg>
+      <p:bgPr>
+        <a:solidFill>
+          <a:schemeClr val="bg1"/>
+        </a:solidFill>
+        <a:effectLst/>
+      </p:bgPr>
+    </p:bg>
+    <p:spTree>
+      <p:nvGrpSpPr>
+        <p:cNvPr id="1" name=""/>
+        <p:cNvGrpSpPr/>
+        <p:nvPr/>
+      </p:nvGrpSpPr>
+      <p:grpSpPr>
+        <a:xfrm>
+          <a:off x="0" y="0"/>
+          <a:ext cx="0" cy="0"/>
+          <a:chOff x="0" y="0"/>
+          <a:chExt cx="0" cy="0"/>
+        </a:xfrm>
+      </p:grpSpPr>
       <p:sp useBgFill="1">
         <p:nvSpPr>
           <p:cNvPr id="10" name="Rectangle 9">
@@ -16801,7 +17290,7 @@
 </p:sld>
 </file>
 
-<file path=ppt/slides/slide11.xml><?xml version="1.0" encoding="utf-8"?>
+<file path=ppt/slides/slide12.xml><?xml version="1.0" encoding="utf-8"?>
 <p:sld xmlns:a="http://schemas.openxmlformats.org/drawingml/2006/main" xmlns:r="http://schemas.openxmlformats.org/officeDocument/2006/relationships" xmlns:p="http://schemas.openxmlformats.org/presentationml/2006/main">
   <p:cSld>
     <p:bg>
@@ -17835,7 +18324,7 @@
 </p:sld>
 </file>
 
-<file path=ppt/slides/slide12.xml><?xml version="1.0" encoding="utf-8"?>
+<file path=ppt/slides/slide13.xml><?xml version="1.0" encoding="utf-8"?>
 <p:sld xmlns:a="http://schemas.openxmlformats.org/drawingml/2006/main" xmlns:r="http://schemas.openxmlformats.org/officeDocument/2006/relationships" xmlns:p="http://schemas.openxmlformats.org/presentationml/2006/main">
   <p:cSld>
     <p:bg>
@@ -18455,7 +18944,7 @@
 </p:sld>
 </file>
 
-<file path=ppt/slides/slide13.xml><?xml version="1.0" encoding="utf-8"?>
+<file path=ppt/slides/slide14.xml><?xml version="1.0" encoding="utf-8"?>
 <p:sld xmlns:a="http://schemas.openxmlformats.org/drawingml/2006/main" xmlns:r="http://schemas.openxmlformats.org/officeDocument/2006/relationships" xmlns:p="http://schemas.openxmlformats.org/presentationml/2006/main">
   <p:cSld>
     <p:spTree>
@@ -20180,7 +20669,7 @@
 </p:sld>
 </file>
 
-<file path=ppt/slides/slide14.xml><?xml version="1.0" encoding="utf-8"?>
+<file path=ppt/slides/slide15.xml><?xml version="1.0" encoding="utf-8"?>
 <p:sld xmlns:a="http://schemas.openxmlformats.org/drawingml/2006/main" xmlns:r="http://schemas.openxmlformats.org/officeDocument/2006/relationships" xmlns:p="http://schemas.openxmlformats.org/presentationml/2006/main">
   <p:cSld>
     <p:bg>
@@ -21008,7 +21497,7 @@
 </p:sld>
 </file>
 
-<file path=ppt/slides/slide15.xml><?xml version="1.0" encoding="utf-8"?>
+<file path=ppt/slides/slide16.xml><?xml version="1.0" encoding="utf-8"?>
 <p:sld xmlns:a="http://schemas.openxmlformats.org/drawingml/2006/main" xmlns:r="http://schemas.openxmlformats.org/officeDocument/2006/relationships" xmlns:p="http://schemas.openxmlformats.org/presentationml/2006/main">
   <p:cSld>
     <p:bg>
@@ -21600,10 +22089,10 @@
       </p:grpSpPr>
       <p:sp useBgFill="1">
         <p:nvSpPr>
-          <p:cNvPr id="10" name="Rectangle 9">
+          <p:cNvPr id="18" name="Rectangle 17">
             <a:extLst>
               <a:ext uri="{FF2B5EF4-FFF2-40B4-BE49-F238E27FC236}">
-                <a16:creationId xmlns:a16="http://schemas.microsoft.com/office/drawing/2014/main" id="{B14C2221-2B8C-494D-9442-F812DF4E8794}"/>
+                <a16:creationId xmlns:a16="http://schemas.microsoft.com/office/drawing/2014/main" id="{7B831B6F-405A-4B47-B9BB-5CA88F285844}"/>
               </a:ext>
               <a:ext uri="{C183D7F6-B498-43B3-948B-1728B52AA6E4}">
                 <adec:decorative xmlns:adec="http://schemas.microsoft.com/office/drawing/2017/decorative" val="1"/>
@@ -21623,7 +22112,867 @@
         </p:nvSpPr>
         <p:spPr>
           <a:xfrm>
-            <a:off x="0" y="-1"/>
+            <a:off x="0" y="0"/>
+            <a:ext cx="12192000" cy="6858000"/>
+          </a:xfrm>
+          <a:prstGeom prst="rect">
+            <a:avLst/>
+          </a:prstGeom>
+          <a:ln>
+            <a:noFill/>
+          </a:ln>
+        </p:spPr>
+        <p:style>
+          <a:lnRef idx="2">
+            <a:schemeClr val="accent1">
+              <a:shade val="50000"/>
+            </a:schemeClr>
+          </a:lnRef>
+          <a:fillRef idx="1">
+            <a:schemeClr val="accent1"/>
+          </a:fillRef>
+          <a:effectRef idx="0">
+            <a:schemeClr val="accent1"/>
+          </a:effectRef>
+          <a:fontRef idx="minor">
+            <a:schemeClr val="lt1"/>
+          </a:fontRef>
+        </p:style>
+        <p:txBody>
+          <a:bodyPr rtlCol="0" anchor="ctr"/>
+          <a:lstStyle/>
+          <a:p>
+            <a:pPr algn="ctr"/>
+            <a:endParaRPr lang="en-US"/>
+          </a:p>
+        </p:txBody>
+      </p:sp>
+      <p:pic>
+        <p:nvPicPr>
+          <p:cNvPr id="7" name="Graphic 6" descr="Group Brainstorm">
+            <a:extLst>
+              <a:ext uri="{FF2B5EF4-FFF2-40B4-BE49-F238E27FC236}">
+                <a16:creationId xmlns:a16="http://schemas.microsoft.com/office/drawing/2014/main" id="{914605AD-87B0-DB25-F507-4077C213479A}"/>
+              </a:ext>
+            </a:extLst>
+          </p:cNvPr>
+          <p:cNvPicPr>
+            <a:picLocks noChangeAspect="1"/>
+          </p:cNvPicPr>
+          <p:nvPr/>
+        </p:nvPicPr>
+        <p:blipFill>
+          <a:blip r:embed="rId2">
+            <a:extLst>
+              <a:ext uri="{28A0092B-C50C-407E-A947-70E740481C1C}">
+                <a14:useLocalDpi xmlns:a14="http://schemas.microsoft.com/office/drawing/2010/main" val="0"/>
+              </a:ext>
+              <a:ext uri="{96DAC541-7B7A-43D3-8B79-37D633B846F1}">
+                <asvg:svgBlip xmlns:asvg="http://schemas.microsoft.com/office/drawing/2016/SVG/main" r:embed="rId3"/>
+              </a:ext>
+            </a:extLst>
+          </a:blip>
+          <a:stretch>
+            <a:fillRect/>
+          </a:stretch>
+        </p:blipFill>
+        <p:spPr>
+          <a:xfrm>
+            <a:off x="764988" y="1744515"/>
+            <a:ext cx="3368969" cy="3368969"/>
+          </a:xfrm>
+          <a:prstGeom prst="rect">
+            <a:avLst/>
+          </a:prstGeom>
+        </p:spPr>
+      </p:pic>
+      <p:sp>
+        <p:nvSpPr>
+          <p:cNvPr id="19" name="Freeform: Shape 13">
+            <a:extLst>
+              <a:ext uri="{FF2B5EF4-FFF2-40B4-BE49-F238E27FC236}">
+                <a16:creationId xmlns:a16="http://schemas.microsoft.com/office/drawing/2014/main" id="{15109354-9C5D-4F8C-B0E6-D1043C7BF20A}"/>
+              </a:ext>
+              <a:ext uri="{C183D7F6-B498-43B3-948B-1728B52AA6E4}">
+                <adec:decorative xmlns:adec="http://schemas.microsoft.com/office/drawing/2017/decorative" val="1"/>
+              </a:ext>
+            </a:extLst>
+          </p:cNvPr>
+          <p:cNvSpPr>
+            <a:spLocks noGrp="1" noRot="1" noChangeAspect="1" noMove="1" noResize="1" noEditPoints="1" noAdjustHandles="1" noChangeArrowheads="1" noChangeShapeType="1" noTextEdit="1"/>
+          </p:cNvSpPr>
+          <p:nvPr>
+            <p:extLst>
+              <p:ext uri="{386F3935-93C4-4BCD-93E2-E3B085C9AB24}">
+                <p16:designElem xmlns:p16="http://schemas.microsoft.com/office/powerpoint/2015/main" val="1"/>
+              </p:ext>
+            </p:extLst>
+          </p:nvPr>
+        </p:nvSpPr>
+        <p:spPr>
+          <a:xfrm>
+            <a:off x="4629992" y="0"/>
+            <a:ext cx="7562008" cy="6858000"/>
+          </a:xfrm>
+          <a:custGeom>
+            <a:avLst/>
+            <a:gdLst>
+              <a:gd name="connsiteX0" fmla="*/ 7529613 w 7529613"/>
+              <a:gd name="connsiteY0" fmla="*/ 0 h 6858000"/>
+              <a:gd name="connsiteX1" fmla="*/ 1222331 w 7529613"/>
+              <a:gd name="connsiteY1" fmla="*/ 0 h 6858000"/>
+              <a:gd name="connsiteX2" fmla="*/ 1126483 w 7529613"/>
+              <a:gd name="connsiteY2" fmla="*/ 148742 h 6858000"/>
+              <a:gd name="connsiteX3" fmla="*/ 767554 w 7529613"/>
+              <a:gd name="connsiteY3" fmla="*/ 819975 h 6858000"/>
+              <a:gd name="connsiteX4" fmla="*/ 742103 w 7529613"/>
+              <a:gd name="connsiteY4" fmla="*/ 854514 h 6858000"/>
+              <a:gd name="connsiteX5" fmla="*/ 785881 w 7529613"/>
+              <a:gd name="connsiteY5" fmla="*/ 750263 h 6858000"/>
+              <a:gd name="connsiteX6" fmla="*/ 978978 w 7529613"/>
+              <a:gd name="connsiteY6" fmla="*/ 331786 h 6858000"/>
+              <a:gd name="connsiteX7" fmla="*/ 1155717 w 7529613"/>
+              <a:gd name="connsiteY7" fmla="*/ 0 h 6858000"/>
+              <a:gd name="connsiteX8" fmla="*/ 1098249 w 7529613"/>
+              <a:gd name="connsiteY8" fmla="*/ 0 h 6858000"/>
+              <a:gd name="connsiteX9" fmla="*/ 991458 w 7529613"/>
+              <a:gd name="connsiteY9" fmla="*/ 196614 h 6858000"/>
+              <a:gd name="connsiteX10" fmla="*/ 493941 w 7529613"/>
+              <a:gd name="connsiteY10" fmla="*/ 1371196 h 6858000"/>
+              <a:gd name="connsiteX11" fmla="*/ 46485 w 7529613"/>
+              <a:gd name="connsiteY11" fmla="*/ 3331516 h 6858000"/>
+              <a:gd name="connsiteX12" fmla="*/ 12252 w 7529613"/>
+              <a:gd name="connsiteY12" fmla="*/ 4357388 h 6858000"/>
+              <a:gd name="connsiteX13" fmla="*/ 170821 w 7529613"/>
+              <a:gd name="connsiteY13" fmla="*/ 5552906 h 6858000"/>
+              <a:gd name="connsiteX14" fmla="*/ 537265 w 7529613"/>
+              <a:gd name="connsiteY14" fmla="*/ 6828295 h 6858000"/>
+              <a:gd name="connsiteX15" fmla="*/ 549692 w 7529613"/>
+              <a:gd name="connsiteY15" fmla="*/ 6858000 h 6858000"/>
+              <a:gd name="connsiteX16" fmla="*/ 602234 w 7529613"/>
+              <a:gd name="connsiteY16" fmla="*/ 6858000 h 6858000"/>
+              <a:gd name="connsiteX17" fmla="*/ 595414 w 7529613"/>
+              <a:gd name="connsiteY17" fmla="*/ 6841549 h 6858000"/>
+              <a:gd name="connsiteX18" fmla="*/ 364260 w 7529613"/>
+              <a:gd name="connsiteY18" fmla="*/ 6142729 h 6858000"/>
+              <a:gd name="connsiteX19" fmla="*/ 213071 w 7529613"/>
+              <a:gd name="connsiteY19" fmla="*/ 5513923 h 6858000"/>
+              <a:gd name="connsiteX20" fmla="*/ 211290 w 7529613"/>
+              <a:gd name="connsiteY20" fmla="*/ 5480401 h 6858000"/>
+              <a:gd name="connsiteX21" fmla="*/ 311446 w 7529613"/>
+              <a:gd name="connsiteY21" fmla="*/ 5830359 h 6858000"/>
+              <a:gd name="connsiteX22" fmla="*/ 622963 w 7529613"/>
+              <a:gd name="connsiteY22" fmla="*/ 6670527 h 6858000"/>
+              <a:gd name="connsiteX23" fmla="*/ 710464 w 7529613"/>
+              <a:gd name="connsiteY23" fmla="*/ 6858000 h 6858000"/>
+              <a:gd name="connsiteX24" fmla="*/ 7529613 w 7529613"/>
+              <a:gd name="connsiteY24" fmla="*/ 6858000 h 6858000"/>
+            </a:gdLst>
+            <a:ahLst/>
+            <a:cxnLst>
+              <a:cxn ang="0">
+                <a:pos x="connsiteX0" y="connsiteY0"/>
+              </a:cxn>
+              <a:cxn ang="0">
+                <a:pos x="connsiteX1" y="connsiteY1"/>
+              </a:cxn>
+              <a:cxn ang="0">
+                <a:pos x="connsiteX2" y="connsiteY2"/>
+              </a:cxn>
+              <a:cxn ang="0">
+                <a:pos x="connsiteX3" y="connsiteY3"/>
+              </a:cxn>
+              <a:cxn ang="0">
+                <a:pos x="connsiteX4" y="connsiteY4"/>
+              </a:cxn>
+              <a:cxn ang="0">
+                <a:pos x="connsiteX5" y="connsiteY5"/>
+              </a:cxn>
+              <a:cxn ang="0">
+                <a:pos x="connsiteX6" y="connsiteY6"/>
+              </a:cxn>
+              <a:cxn ang="0">
+                <a:pos x="connsiteX7" y="connsiteY7"/>
+              </a:cxn>
+              <a:cxn ang="0">
+                <a:pos x="connsiteX8" y="connsiteY8"/>
+              </a:cxn>
+              <a:cxn ang="0">
+                <a:pos x="connsiteX9" y="connsiteY9"/>
+              </a:cxn>
+              <a:cxn ang="0">
+                <a:pos x="connsiteX10" y="connsiteY10"/>
+              </a:cxn>
+              <a:cxn ang="0">
+                <a:pos x="connsiteX11" y="connsiteY11"/>
+              </a:cxn>
+              <a:cxn ang="0">
+                <a:pos x="connsiteX12" y="connsiteY12"/>
+              </a:cxn>
+              <a:cxn ang="0">
+                <a:pos x="connsiteX13" y="connsiteY13"/>
+              </a:cxn>
+              <a:cxn ang="0">
+                <a:pos x="connsiteX14" y="connsiteY14"/>
+              </a:cxn>
+              <a:cxn ang="0">
+                <a:pos x="connsiteX15" y="connsiteY15"/>
+              </a:cxn>
+              <a:cxn ang="0">
+                <a:pos x="connsiteX16" y="connsiteY16"/>
+              </a:cxn>
+              <a:cxn ang="0">
+                <a:pos x="connsiteX17" y="connsiteY17"/>
+              </a:cxn>
+              <a:cxn ang="0">
+                <a:pos x="connsiteX18" y="connsiteY18"/>
+              </a:cxn>
+              <a:cxn ang="0">
+                <a:pos x="connsiteX19" y="connsiteY19"/>
+              </a:cxn>
+              <a:cxn ang="0">
+                <a:pos x="connsiteX20" y="connsiteY20"/>
+              </a:cxn>
+              <a:cxn ang="0">
+                <a:pos x="connsiteX21" y="connsiteY21"/>
+              </a:cxn>
+              <a:cxn ang="0">
+                <a:pos x="connsiteX22" y="connsiteY22"/>
+              </a:cxn>
+              <a:cxn ang="0">
+                <a:pos x="connsiteX23" y="connsiteY23"/>
+              </a:cxn>
+              <a:cxn ang="0">
+                <a:pos x="connsiteX24" y="connsiteY24"/>
+              </a:cxn>
+            </a:cxnLst>
+            <a:rect l="l" t="t" r="r" b="b"/>
+            <a:pathLst>
+              <a:path w="7529613" h="6858000">
+                <a:moveTo>
+                  <a:pt x="7529613" y="0"/>
+                </a:moveTo>
+                <a:lnTo>
+                  <a:pt x="1222331" y="0"/>
+                </a:lnTo>
+                <a:lnTo>
+                  <a:pt x="1126483" y="148742"/>
+                </a:lnTo>
+                <a:cubicBezTo>
+                  <a:pt x="995323" y="365513"/>
+                  <a:pt x="876174" y="589569"/>
+                  <a:pt x="767554" y="819975"/>
+                </a:cubicBezTo>
+                <a:cubicBezTo>
+                  <a:pt x="762210" y="833492"/>
+                  <a:pt x="753441" y="845393"/>
+                  <a:pt x="742103" y="854514"/>
+                </a:cubicBezTo>
+                <a:cubicBezTo>
+                  <a:pt x="756737" y="819849"/>
+                  <a:pt x="770991" y="784928"/>
+                  <a:pt x="785881" y="750263"/>
+                </a:cubicBezTo>
+                <a:cubicBezTo>
+                  <a:pt x="846713" y="608712"/>
+                  <a:pt x="910948" y="469145"/>
+                  <a:pt x="978978" y="331786"/>
+                </a:cubicBezTo>
+                <a:lnTo>
+                  <a:pt x="1155717" y="0"/>
+                </a:lnTo>
+                <a:lnTo>
+                  <a:pt x="1098249" y="0"/>
+                </a:lnTo>
+                <a:lnTo>
+                  <a:pt x="991458" y="196614"/>
+                </a:lnTo>
+                <a:cubicBezTo>
+                  <a:pt x="797017" y="573253"/>
+                  <a:pt x="633548" y="966066"/>
+                  <a:pt x="493941" y="1371196"/>
+                </a:cubicBezTo>
+                <a:cubicBezTo>
+                  <a:pt x="276630" y="2007265"/>
+                  <a:pt x="126659" y="2664286"/>
+                  <a:pt x="46485" y="3331516"/>
+                </a:cubicBezTo>
+                <a:cubicBezTo>
+                  <a:pt x="4488" y="3672965"/>
+                  <a:pt x="-14219" y="4013908"/>
+                  <a:pt x="12252" y="4357388"/>
+                </a:cubicBezTo>
+                <a:cubicBezTo>
+                  <a:pt x="43558" y="4758899"/>
+                  <a:pt x="90773" y="5157998"/>
+                  <a:pt x="170821" y="5552906"/>
+                </a:cubicBezTo>
+                <a:cubicBezTo>
+                  <a:pt x="259109" y="5988893"/>
+                  <a:pt x="378967" y="6414594"/>
+                  <a:pt x="537265" y="6828295"/>
+                </a:cubicBezTo>
+                <a:lnTo>
+                  <a:pt x="549692" y="6858000"/>
+                </a:lnTo>
+                <a:lnTo>
+                  <a:pt x="602234" y="6858000"/>
+                </a:lnTo>
+                <a:lnTo>
+                  <a:pt x="595414" y="6841549"/>
+                </a:lnTo>
+                <a:cubicBezTo>
+                  <a:pt x="507884" y="6614016"/>
+                  <a:pt x="431296" y="6380817"/>
+                  <a:pt x="364260" y="6142729"/>
+                </a:cubicBezTo>
+                <a:cubicBezTo>
+                  <a:pt x="305974" y="5935370"/>
+                  <a:pt x="262958" y="5723695"/>
+                  <a:pt x="213071" y="5513923"/>
+                </a:cubicBezTo>
+                <a:cubicBezTo>
+                  <a:pt x="211892" y="5502788"/>
+                  <a:pt x="211299" y="5491601"/>
+                  <a:pt x="211290" y="5480401"/>
+                </a:cubicBezTo>
+                <a:cubicBezTo>
+                  <a:pt x="247814" y="5607635"/>
+                  <a:pt x="276958" y="5719759"/>
+                  <a:pt x="311446" y="5830359"/>
+                </a:cubicBezTo>
+                <a:cubicBezTo>
+                  <a:pt x="401357" y="6118381"/>
+                  <a:pt x="505060" y="6398531"/>
+                  <a:pt x="622963" y="6670527"/>
+                </a:cubicBezTo>
+                <a:lnTo>
+                  <a:pt x="710464" y="6858000"/>
+                </a:lnTo>
+                <a:lnTo>
+                  <a:pt x="7529613" y="6858000"/>
+                </a:lnTo>
+                <a:close/>
+              </a:path>
+            </a:pathLst>
+          </a:custGeom>
+          <a:solidFill>
+            <a:schemeClr val="accent2"/>
+          </a:solidFill>
+          <a:ln w="6857" cap="flat">
+            <a:noFill/>
+            <a:prstDash val="solid"/>
+            <a:miter/>
+          </a:ln>
+        </p:spPr>
+        <p:txBody>
+          <a:bodyPr wrap="square" rtlCol="0" anchor="ctr">
+            <a:noAutofit/>
+          </a:bodyPr>
+          <a:lstStyle/>
+          <a:p>
+            <a:endParaRPr lang="en-US"/>
+          </a:p>
+        </p:txBody>
+      </p:sp>
+      <p:sp>
+        <p:nvSpPr>
+          <p:cNvPr id="2" name="Title 1"/>
+          <p:cNvSpPr>
+            <a:spLocks noGrp="1"/>
+          </p:cNvSpPr>
+          <p:nvPr>
+            <p:ph type="title"/>
+          </p:nvPr>
+        </p:nvSpPr>
+        <p:spPr>
+          <a:xfrm>
+            <a:off x="5759354" y="457201"/>
+            <a:ext cx="5337270" cy="1835911"/>
+          </a:xfrm>
+        </p:spPr>
+        <p:txBody>
+          <a:bodyPr anchor="b">
+            <a:normAutofit/>
+          </a:bodyPr>
+          <a:lstStyle/>
+          <a:p>
+            <a:r>
+              <a:rPr lang="en-IN" sz="5400">
+                <a:solidFill>
+                  <a:srgbClr val="FFFFFF"/>
+                </a:solidFill>
+              </a:rPr>
+              <a:t>Abstract</a:t>
+            </a:r>
+          </a:p>
+        </p:txBody>
+      </p:sp>
+      <p:sp>
+        <p:nvSpPr>
+          <p:cNvPr id="20" name="sketch line">
+            <a:extLst>
+              <a:ext uri="{FF2B5EF4-FFF2-40B4-BE49-F238E27FC236}">
+                <a16:creationId xmlns:a16="http://schemas.microsoft.com/office/drawing/2014/main" id="{49B530FE-A87D-41A0-A920-ADC6539EAA44}"/>
+              </a:ext>
+              <a:ext uri="{C183D7F6-B498-43B3-948B-1728B52AA6E4}">
+                <adec:decorative xmlns:adec="http://schemas.microsoft.com/office/drawing/2017/decorative" val="1"/>
+              </a:ext>
+            </a:extLst>
+          </p:cNvPr>
+          <p:cNvSpPr>
+            <a:spLocks noGrp="1" noRot="1" noChangeAspect="1" noMove="1" noResize="1" noEditPoints="1" noAdjustHandles="1" noChangeArrowheads="1" noChangeShapeType="1" noTextEdit="1"/>
+          </p:cNvSpPr>
+          <p:nvPr>
+            <p:extLst>
+              <p:ext uri="{386F3935-93C4-4BCD-93E2-E3B085C9AB24}">
+                <p16:designElem xmlns:p16="http://schemas.microsoft.com/office/powerpoint/2015/main" val="1"/>
+              </p:ext>
+            </p:extLst>
+          </p:nvPr>
+        </p:nvSpPr>
+        <p:spPr>
+          <a:xfrm>
+            <a:off x="5759353" y="2560829"/>
+            <a:ext cx="5029200" cy="18288"/>
+          </a:xfrm>
+          <a:custGeom>
+            <a:avLst/>
+            <a:gdLst>
+              <a:gd name="connsiteX0" fmla="*/ 0 w 5029200"/>
+              <a:gd name="connsiteY0" fmla="*/ 0 h 18288"/>
+              <a:gd name="connsiteX1" fmla="*/ 528066 w 5029200"/>
+              <a:gd name="connsiteY1" fmla="*/ 0 h 18288"/>
+              <a:gd name="connsiteX2" fmla="*/ 1207008 w 5029200"/>
+              <a:gd name="connsiteY2" fmla="*/ 0 h 18288"/>
+              <a:gd name="connsiteX3" fmla="*/ 1785366 w 5029200"/>
+              <a:gd name="connsiteY3" fmla="*/ 0 h 18288"/>
+              <a:gd name="connsiteX4" fmla="*/ 2313432 w 5029200"/>
+              <a:gd name="connsiteY4" fmla="*/ 0 h 18288"/>
+              <a:gd name="connsiteX5" fmla="*/ 2992374 w 5029200"/>
+              <a:gd name="connsiteY5" fmla="*/ 0 h 18288"/>
+              <a:gd name="connsiteX6" fmla="*/ 3621024 w 5029200"/>
+              <a:gd name="connsiteY6" fmla="*/ 0 h 18288"/>
+              <a:gd name="connsiteX7" fmla="*/ 4249674 w 5029200"/>
+              <a:gd name="connsiteY7" fmla="*/ 0 h 18288"/>
+              <a:gd name="connsiteX8" fmla="*/ 5029200 w 5029200"/>
+              <a:gd name="connsiteY8" fmla="*/ 0 h 18288"/>
+              <a:gd name="connsiteX9" fmla="*/ 5029200 w 5029200"/>
+              <a:gd name="connsiteY9" fmla="*/ 18288 h 18288"/>
+              <a:gd name="connsiteX10" fmla="*/ 4501134 w 5029200"/>
+              <a:gd name="connsiteY10" fmla="*/ 18288 h 18288"/>
+              <a:gd name="connsiteX11" fmla="*/ 4023360 w 5029200"/>
+              <a:gd name="connsiteY11" fmla="*/ 18288 h 18288"/>
+              <a:gd name="connsiteX12" fmla="*/ 3344418 w 5029200"/>
+              <a:gd name="connsiteY12" fmla="*/ 18288 h 18288"/>
+              <a:gd name="connsiteX13" fmla="*/ 2816352 w 5029200"/>
+              <a:gd name="connsiteY13" fmla="*/ 18288 h 18288"/>
+              <a:gd name="connsiteX14" fmla="*/ 2137410 w 5029200"/>
+              <a:gd name="connsiteY14" fmla="*/ 18288 h 18288"/>
+              <a:gd name="connsiteX15" fmla="*/ 1408176 w 5029200"/>
+              <a:gd name="connsiteY15" fmla="*/ 18288 h 18288"/>
+              <a:gd name="connsiteX16" fmla="*/ 829818 w 5029200"/>
+              <a:gd name="connsiteY16" fmla="*/ 18288 h 18288"/>
+              <a:gd name="connsiteX17" fmla="*/ 0 w 5029200"/>
+              <a:gd name="connsiteY17" fmla="*/ 18288 h 18288"/>
+              <a:gd name="connsiteX18" fmla="*/ 0 w 5029200"/>
+              <a:gd name="connsiteY18" fmla="*/ 0 h 18288"/>
+            </a:gdLst>
+            <a:ahLst/>
+            <a:cxnLst>
+              <a:cxn ang="0">
+                <a:pos x="connsiteX0" y="connsiteY0"/>
+              </a:cxn>
+              <a:cxn ang="0">
+                <a:pos x="connsiteX1" y="connsiteY1"/>
+              </a:cxn>
+              <a:cxn ang="0">
+                <a:pos x="connsiteX2" y="connsiteY2"/>
+              </a:cxn>
+              <a:cxn ang="0">
+                <a:pos x="connsiteX3" y="connsiteY3"/>
+              </a:cxn>
+              <a:cxn ang="0">
+                <a:pos x="connsiteX4" y="connsiteY4"/>
+              </a:cxn>
+              <a:cxn ang="0">
+                <a:pos x="connsiteX5" y="connsiteY5"/>
+              </a:cxn>
+              <a:cxn ang="0">
+                <a:pos x="connsiteX6" y="connsiteY6"/>
+              </a:cxn>
+              <a:cxn ang="0">
+                <a:pos x="connsiteX7" y="connsiteY7"/>
+              </a:cxn>
+              <a:cxn ang="0">
+                <a:pos x="connsiteX8" y="connsiteY8"/>
+              </a:cxn>
+              <a:cxn ang="0">
+                <a:pos x="connsiteX9" y="connsiteY9"/>
+              </a:cxn>
+              <a:cxn ang="0">
+                <a:pos x="connsiteX10" y="connsiteY10"/>
+              </a:cxn>
+              <a:cxn ang="0">
+                <a:pos x="connsiteX11" y="connsiteY11"/>
+              </a:cxn>
+              <a:cxn ang="0">
+                <a:pos x="connsiteX12" y="connsiteY12"/>
+              </a:cxn>
+              <a:cxn ang="0">
+                <a:pos x="connsiteX13" y="connsiteY13"/>
+              </a:cxn>
+              <a:cxn ang="0">
+                <a:pos x="connsiteX14" y="connsiteY14"/>
+              </a:cxn>
+              <a:cxn ang="0">
+                <a:pos x="connsiteX15" y="connsiteY15"/>
+              </a:cxn>
+              <a:cxn ang="0">
+                <a:pos x="connsiteX16" y="connsiteY16"/>
+              </a:cxn>
+              <a:cxn ang="0">
+                <a:pos x="connsiteX17" y="connsiteY17"/>
+              </a:cxn>
+              <a:cxn ang="0">
+                <a:pos x="connsiteX18" y="connsiteY18"/>
+              </a:cxn>
+            </a:cxnLst>
+            <a:rect l="l" t="t" r="r" b="b"/>
+            <a:pathLst>
+              <a:path w="5029200" h="18288" fill="none" extrusionOk="0">
+                <a:moveTo>
+                  <a:pt x="0" y="0"/>
+                </a:moveTo>
+                <a:cubicBezTo>
+                  <a:pt x="142937" y="1696"/>
+                  <a:pt x="371859" y="12840"/>
+                  <a:pt x="528066" y="0"/>
+                </a:cubicBezTo>
+                <a:cubicBezTo>
+                  <a:pt x="684273" y="-12840"/>
+                  <a:pt x="928949" y="-5725"/>
+                  <a:pt x="1207008" y="0"/>
+                </a:cubicBezTo>
+                <a:cubicBezTo>
+                  <a:pt x="1485067" y="5725"/>
+                  <a:pt x="1562886" y="-21331"/>
+                  <a:pt x="1785366" y="0"/>
+                </a:cubicBezTo>
+                <a:cubicBezTo>
+                  <a:pt x="2007846" y="21331"/>
+                  <a:pt x="2056226" y="25221"/>
+                  <a:pt x="2313432" y="0"/>
+                </a:cubicBezTo>
+                <a:cubicBezTo>
+                  <a:pt x="2570638" y="-25221"/>
+                  <a:pt x="2732455" y="16294"/>
+                  <a:pt x="2992374" y="0"/>
+                </a:cubicBezTo>
+                <a:cubicBezTo>
+                  <a:pt x="3252293" y="-16294"/>
+                  <a:pt x="3319267" y="-29774"/>
+                  <a:pt x="3621024" y="0"/>
+                </a:cubicBezTo>
+                <a:cubicBezTo>
+                  <a:pt x="3922781" y="29774"/>
+                  <a:pt x="3998107" y="-1004"/>
+                  <a:pt x="4249674" y="0"/>
+                </a:cubicBezTo>
+                <a:cubicBezTo>
+                  <a:pt x="4501241" y="1004"/>
+                  <a:pt x="4792523" y="-4510"/>
+                  <a:pt x="5029200" y="0"/>
+                </a:cubicBezTo>
+                <a:cubicBezTo>
+                  <a:pt x="5029730" y="6954"/>
+                  <a:pt x="5029934" y="12839"/>
+                  <a:pt x="5029200" y="18288"/>
+                </a:cubicBezTo>
+                <a:cubicBezTo>
+                  <a:pt x="4805432" y="23154"/>
+                  <a:pt x="4715801" y="17034"/>
+                  <a:pt x="4501134" y="18288"/>
+                </a:cubicBezTo>
+                <a:cubicBezTo>
+                  <a:pt x="4286467" y="19542"/>
+                  <a:pt x="4193719" y="41701"/>
+                  <a:pt x="4023360" y="18288"/>
+                </a:cubicBezTo>
+                <a:cubicBezTo>
+                  <a:pt x="3853001" y="-5125"/>
+                  <a:pt x="3676466" y="16909"/>
+                  <a:pt x="3344418" y="18288"/>
+                </a:cubicBezTo>
+                <a:cubicBezTo>
+                  <a:pt x="3012370" y="19667"/>
+                  <a:pt x="2945824" y="14410"/>
+                  <a:pt x="2816352" y="18288"/>
+                </a:cubicBezTo>
+                <a:cubicBezTo>
+                  <a:pt x="2686880" y="22166"/>
+                  <a:pt x="2438351" y="13507"/>
+                  <a:pt x="2137410" y="18288"/>
+                </a:cubicBezTo>
+                <a:cubicBezTo>
+                  <a:pt x="1836469" y="23069"/>
+                  <a:pt x="1581391" y="46111"/>
+                  <a:pt x="1408176" y="18288"/>
+                </a:cubicBezTo>
+                <a:cubicBezTo>
+                  <a:pt x="1234961" y="-9535"/>
+                  <a:pt x="1040489" y="-7495"/>
+                  <a:pt x="829818" y="18288"/>
+                </a:cubicBezTo>
+                <a:cubicBezTo>
+                  <a:pt x="619147" y="44071"/>
+                  <a:pt x="238626" y="37568"/>
+                  <a:pt x="0" y="18288"/>
+                </a:cubicBezTo>
+                <a:cubicBezTo>
+                  <a:pt x="-570" y="9279"/>
+                  <a:pt x="132" y="5100"/>
+                  <a:pt x="0" y="0"/>
+                </a:cubicBezTo>
+                <a:close/>
+              </a:path>
+              <a:path w="5029200" h="18288" stroke="0" extrusionOk="0">
+                <a:moveTo>
+                  <a:pt x="0" y="0"/>
+                </a:moveTo>
+                <a:cubicBezTo>
+                  <a:pt x="165412" y="-21137"/>
+                  <a:pt x="322344" y="-21985"/>
+                  <a:pt x="578358" y="0"/>
+                </a:cubicBezTo>
+                <a:cubicBezTo>
+                  <a:pt x="834372" y="21985"/>
+                  <a:pt x="907099" y="-19195"/>
+                  <a:pt x="1056132" y="0"/>
+                </a:cubicBezTo>
+                <a:cubicBezTo>
+                  <a:pt x="1205165" y="19195"/>
+                  <a:pt x="1612834" y="-24928"/>
+                  <a:pt x="1785366" y="0"/>
+                </a:cubicBezTo>
+                <a:cubicBezTo>
+                  <a:pt x="1957898" y="24928"/>
+                  <a:pt x="2149044" y="19108"/>
+                  <a:pt x="2363724" y="0"/>
+                </a:cubicBezTo>
+                <a:cubicBezTo>
+                  <a:pt x="2578404" y="-19108"/>
+                  <a:pt x="2759981" y="-21788"/>
+                  <a:pt x="2942082" y="0"/>
+                </a:cubicBezTo>
+                <a:cubicBezTo>
+                  <a:pt x="3124183" y="21788"/>
+                  <a:pt x="3482217" y="8836"/>
+                  <a:pt x="3671316" y="0"/>
+                </a:cubicBezTo>
+                <a:cubicBezTo>
+                  <a:pt x="3860415" y="-8836"/>
+                  <a:pt x="4058665" y="-25048"/>
+                  <a:pt x="4199382" y="0"/>
+                </a:cubicBezTo>
+                <a:cubicBezTo>
+                  <a:pt x="4340099" y="25048"/>
+                  <a:pt x="4735096" y="-22088"/>
+                  <a:pt x="5029200" y="0"/>
+                </a:cubicBezTo>
+                <a:cubicBezTo>
+                  <a:pt x="5028517" y="5414"/>
+                  <a:pt x="5028480" y="12510"/>
+                  <a:pt x="5029200" y="18288"/>
+                </a:cubicBezTo>
+                <a:cubicBezTo>
+                  <a:pt x="4891577" y="31493"/>
+                  <a:pt x="4684146" y="-2509"/>
+                  <a:pt x="4501134" y="18288"/>
+                </a:cubicBezTo>
+                <a:cubicBezTo>
+                  <a:pt x="4318122" y="39085"/>
+                  <a:pt x="4030703" y="3672"/>
+                  <a:pt x="3872484" y="18288"/>
+                </a:cubicBezTo>
+                <a:cubicBezTo>
+                  <a:pt x="3714265" y="32905"/>
+                  <a:pt x="3546134" y="7501"/>
+                  <a:pt x="3294126" y="18288"/>
+                </a:cubicBezTo>
+                <a:cubicBezTo>
+                  <a:pt x="3042118" y="29075"/>
+                  <a:pt x="2912116" y="11153"/>
+                  <a:pt x="2564892" y="18288"/>
+                </a:cubicBezTo>
+                <a:cubicBezTo>
+                  <a:pt x="2217668" y="25423"/>
+                  <a:pt x="2095118" y="11659"/>
+                  <a:pt x="1835658" y="18288"/>
+                </a:cubicBezTo>
+                <a:cubicBezTo>
+                  <a:pt x="1576198" y="24917"/>
+                  <a:pt x="1500897" y="19889"/>
+                  <a:pt x="1307592" y="18288"/>
+                </a:cubicBezTo>
+                <a:cubicBezTo>
+                  <a:pt x="1114287" y="16687"/>
+                  <a:pt x="961527" y="47453"/>
+                  <a:pt x="678942" y="18288"/>
+                </a:cubicBezTo>
+                <a:cubicBezTo>
+                  <a:pt x="396357" y="-10877"/>
+                  <a:pt x="271066" y="23005"/>
+                  <a:pt x="0" y="18288"/>
+                </a:cubicBezTo>
+                <a:cubicBezTo>
+                  <a:pt x="-306" y="11061"/>
+                  <a:pt x="-655" y="7751"/>
+                  <a:pt x="0" y="0"/>
+                </a:cubicBezTo>
+                <a:close/>
+              </a:path>
+            </a:pathLst>
+          </a:custGeom>
+          <a:solidFill>
+            <a:srgbClr val="FFFFFF"/>
+          </a:solidFill>
+          <a:ln w="38100" cap="rnd">
+            <a:solidFill>
+              <a:srgbClr val="FFFFFF"/>
+            </a:solidFill>
+            <a:round/>
+            <a:extLst>
+              <a:ext uri="{C807C97D-BFC1-408E-A445-0C87EB9F89A2}">
+                <ask:lineSketchStyleProps xmlns:ask="http://schemas.microsoft.com/office/drawing/2018/sketchyshapes" sd="1219033472">
+                  <a:prstGeom prst="rect">
+                    <a:avLst/>
+                  </a:prstGeom>
+                  <ask:type>
+                    <ask:lineSketchFreehand/>
+                  </ask:type>
+                </ask:lineSketchStyleProps>
+              </a:ext>
+            </a:extLst>
+          </a:ln>
+        </p:spPr>
+        <p:style>
+          <a:lnRef idx="2">
+            <a:schemeClr val="accent1">
+              <a:shade val="50000"/>
+            </a:schemeClr>
+          </a:lnRef>
+          <a:fillRef idx="1">
+            <a:schemeClr val="accent1"/>
+          </a:fillRef>
+          <a:effectRef idx="0">
+            <a:schemeClr val="accent1"/>
+          </a:effectRef>
+          <a:fontRef idx="minor">
+            <a:schemeClr val="lt1"/>
+          </a:fontRef>
+        </p:style>
+        <p:txBody>
+          <a:bodyPr rtlCol="0" anchor="ctr"/>
+          <a:lstStyle/>
+          <a:p>
+            <a:pPr algn="ctr"/>
+            <a:endParaRPr lang="en-US"/>
+          </a:p>
+        </p:txBody>
+      </p:sp>
+      <p:sp>
+        <p:nvSpPr>
+          <p:cNvPr id="3" name="Content Placeholder 2"/>
+          <p:cNvSpPr>
+            <a:spLocks noGrp="1"/>
+          </p:cNvSpPr>
+          <p:nvPr>
+            <p:ph idx="1"/>
+          </p:nvPr>
+        </p:nvSpPr>
+        <p:spPr>
+          <a:xfrm>
+            <a:off x="5759354" y="2798064"/>
+            <a:ext cx="5461095" cy="3417611"/>
+          </a:xfrm>
+        </p:spPr>
+        <p:txBody>
+          <a:bodyPr anchor="t">
+            <a:normAutofit/>
+          </a:bodyPr>
+          <a:lstStyle/>
+          <a:p>
+            <a:r>
+              <a:rPr lang="en-IN" sz="2200">
+                <a:solidFill>
+                  <a:srgbClr val="FFFFFF"/>
+                </a:solidFill>
+              </a:rPr>
+              <a:t>Employee attrition increases recruitment costs and disrupts organizational workflows. This presentation explores machine learning models for attrition prediction, using techniques to address class imbalance, feature selection, and hyperparameter tuning.</a:t>
+            </a:r>
+          </a:p>
+        </p:txBody>
+      </p:sp>
+    </p:spTree>
+  </p:cSld>
+  <p:clrMapOvr>
+    <a:masterClrMapping/>
+  </p:clrMapOvr>
+</p:sld>
+</file>
+
+<file path=ppt/slides/slide3.xml><?xml version="1.0" encoding="utf-8"?>
+<p:sld xmlns:a="http://schemas.openxmlformats.org/drawingml/2006/main" xmlns:r="http://schemas.openxmlformats.org/officeDocument/2006/relationships" xmlns:p="http://schemas.openxmlformats.org/presentationml/2006/main">
+  <p:cSld>
+    <p:bg>
+      <p:bgPr>
+        <a:solidFill>
+          <a:schemeClr val="bg1"/>
+        </a:solidFill>
+        <a:effectLst/>
+      </p:bgPr>
+    </p:bg>
+    <p:spTree>
+      <p:nvGrpSpPr>
+        <p:cNvPr id="1" name=""/>
+        <p:cNvGrpSpPr/>
+        <p:nvPr/>
+      </p:nvGrpSpPr>
+      <p:grpSpPr>
+        <a:xfrm>
+          <a:off x="0" y="0"/>
+          <a:ext cx="0" cy="0"/>
+          <a:chOff x="0" y="0"/>
+          <a:chExt cx="0" cy="0"/>
+        </a:xfrm>
+      </p:grpSpPr>
+      <p:sp useBgFill="1">
+        <p:nvSpPr>
+          <p:cNvPr id="15" name="Rectangle 14">
+            <a:extLst>
+              <a:ext uri="{FF2B5EF4-FFF2-40B4-BE49-F238E27FC236}">
+                <a16:creationId xmlns:a16="http://schemas.microsoft.com/office/drawing/2014/main" id="{85F55C16-BC21-49EF-A4FF-C3155BB93BD3}"/>
+              </a:ext>
+              <a:ext uri="{C183D7F6-B498-43B3-948B-1728B52AA6E4}">
+                <adec:decorative xmlns:adec="http://schemas.microsoft.com/office/drawing/2017/decorative" val="1"/>
+              </a:ext>
+            </a:extLst>
+          </p:cNvPr>
+          <p:cNvSpPr>
+            <a:spLocks noGrp="1" noRot="1" noChangeAspect="1" noMove="1" noResize="1" noEditPoints="1" noAdjustHandles="1" noChangeArrowheads="1" noChangeShapeType="1" noTextEdit="1"/>
+          </p:cNvSpPr>
+          <p:nvPr>
+            <p:extLst>
+              <p:ext uri="{386F3935-93C4-4BCD-93E2-E3B085C9AB24}">
+                <p16:designElem xmlns:p16="http://schemas.microsoft.com/office/powerpoint/2015/main" val="1"/>
+              </p:ext>
+            </p:extLst>
+          </p:nvPr>
+        </p:nvSpPr>
+        <p:spPr>
+          <a:xfrm>
+            <a:off x="0" y="0"/>
             <a:ext cx="12188952" cy="6858000"/>
           </a:xfrm>
           <a:prstGeom prst="rect">
@@ -21676,21 +23025,768 @@
         </p:nvSpPr>
         <p:spPr>
           <a:xfrm>
-            <a:off x="838200" y="3513931"/>
-            <a:ext cx="3143250" cy="2601119"/>
+            <a:off x="6248400" y="365125"/>
+            <a:ext cx="5105398" cy="1952744"/>
           </a:xfrm>
         </p:spPr>
         <p:txBody>
-          <a:bodyPr anchor="t">
+          <a:bodyPr>
             <a:normAutofit/>
           </a:bodyPr>
           <a:lstStyle/>
           <a:p>
-            <a:pPr algn="ctr"/>
             <a:r>
-              <a:rPr lang="en-US" sz="4000"/>
+              <a:rPr lang="en-US"/>
               <a:t>Problem Statement </a:t>
             </a:r>
+          </a:p>
+        </p:txBody>
+      </p:sp>
+      <p:sp>
+        <p:nvSpPr>
+          <p:cNvPr id="17" name="Freeform: Shape 16">
+            <a:extLst>
+              <a:ext uri="{FF2B5EF4-FFF2-40B4-BE49-F238E27FC236}">
+                <a16:creationId xmlns:a16="http://schemas.microsoft.com/office/drawing/2014/main" id="{0C5F069E-AFE6-4825-8945-46F2918A5019}"/>
+              </a:ext>
+              <a:ext uri="{C183D7F6-B498-43B3-948B-1728B52AA6E4}">
+                <adec:decorative xmlns:adec="http://schemas.microsoft.com/office/drawing/2017/decorative" val="1"/>
+              </a:ext>
+            </a:extLst>
+          </p:cNvPr>
+          <p:cNvSpPr>
+            <a:spLocks noGrp="1" noRot="1" noChangeAspect="1" noMove="1" noResize="1" noEditPoints="1" noAdjustHandles="1" noChangeArrowheads="1" noChangeShapeType="1" noTextEdit="1"/>
+          </p:cNvSpPr>
+          <p:nvPr>
+            <p:extLst>
+              <p:ext uri="{386F3935-93C4-4BCD-93E2-E3B085C9AB24}">
+                <p16:designElem xmlns:p16="http://schemas.microsoft.com/office/powerpoint/2015/main" val="1"/>
+              </p:ext>
+            </p:extLst>
+          </p:nvPr>
+        </p:nvSpPr>
+        <p:spPr>
+          <a:xfrm>
+            <a:off x="3" y="0"/>
+            <a:ext cx="6116569" cy="6858000"/>
+          </a:xfrm>
+          <a:custGeom>
+            <a:avLst/>
+            <a:gdLst>
+              <a:gd name="connsiteX0" fmla="*/ 0 w 6116569"/>
+              <a:gd name="connsiteY0" fmla="*/ 0 h 6879321"/>
+              <a:gd name="connsiteX1" fmla="*/ 2935851 w 6116569"/>
+              <a:gd name="connsiteY1" fmla="*/ 0 h 6879321"/>
+              <a:gd name="connsiteX2" fmla="*/ 3238280 w 6116569"/>
+              <a:gd name="connsiteY2" fmla="*/ 31980 h 6879321"/>
+              <a:gd name="connsiteX3" fmla="*/ 3660541 w 6116569"/>
+              <a:gd name="connsiteY3" fmla="*/ 550772 h 6879321"/>
+              <a:gd name="connsiteX4" fmla="*/ 3808902 w 6116569"/>
+              <a:gd name="connsiteY4" fmla="*/ 589860 h 6879321"/>
+              <a:gd name="connsiteX5" fmla="*/ 4413762 w 6116569"/>
+              <a:gd name="connsiteY5" fmla="*/ 625393 h 6879321"/>
+              <a:gd name="connsiteX6" fmla="*/ 4567830 w 6116569"/>
+              <a:gd name="connsiteY6" fmla="*/ 721333 h 6879321"/>
+              <a:gd name="connsiteX7" fmla="*/ 4171247 w 6116569"/>
+              <a:gd name="connsiteY7" fmla="*/ 792401 h 6879321"/>
+              <a:gd name="connsiteX8" fmla="*/ 4376671 w 6116569"/>
+              <a:gd name="connsiteY8" fmla="*/ 842148 h 6879321"/>
+              <a:gd name="connsiteX9" fmla="*/ 4527887 w 6116569"/>
+              <a:gd name="connsiteY9" fmla="*/ 813722 h 6879321"/>
+              <a:gd name="connsiteX10" fmla="*/ 4633452 w 6116569"/>
+              <a:gd name="connsiteY10" fmla="*/ 799508 h 6879321"/>
+              <a:gd name="connsiteX11" fmla="*/ 4947293 w 6116569"/>
+              <a:gd name="connsiteY11" fmla="*/ 870576 h 6879321"/>
+              <a:gd name="connsiteX12" fmla="*/ 5263988 w 6116569"/>
+              <a:gd name="connsiteY12" fmla="*/ 820828 h 6879321"/>
+              <a:gd name="connsiteX13" fmla="*/ 5249723 w 6116569"/>
+              <a:gd name="connsiteY13" fmla="*/ 895449 h 6879321"/>
+              <a:gd name="connsiteX14" fmla="*/ 4744723 w 6116569"/>
+              <a:gd name="connsiteY14" fmla="*/ 1197485 h 6879321"/>
+              <a:gd name="connsiteX15" fmla="*/ 4767548 w 6116569"/>
+              <a:gd name="connsiteY15" fmla="*/ 1346727 h 6879321"/>
+              <a:gd name="connsiteX16" fmla="*/ 4539299 w 6116569"/>
+              <a:gd name="connsiteY16" fmla="*/ 1421348 h 6879321"/>
+              <a:gd name="connsiteX17" fmla="*/ 4607773 w 6116569"/>
+              <a:gd name="connsiteY17" fmla="*/ 1485309 h 6879321"/>
+              <a:gd name="connsiteX18" fmla="*/ 4579242 w 6116569"/>
+              <a:gd name="connsiteY18" fmla="*/ 1535055 h 6879321"/>
+              <a:gd name="connsiteX19" fmla="*/ 5278255 w 6116569"/>
+              <a:gd name="connsiteY19" fmla="*/ 1609676 h 6879321"/>
+              <a:gd name="connsiteX20" fmla="*/ 5771843 w 6116569"/>
+              <a:gd name="connsiteY20" fmla="*/ 1630997 h 6879321"/>
+              <a:gd name="connsiteX21" fmla="*/ 6105656 w 6116569"/>
+              <a:gd name="connsiteY21" fmla="*/ 1748257 h 6879321"/>
+              <a:gd name="connsiteX22" fmla="*/ 5691955 w 6116569"/>
+              <a:gd name="connsiteY22" fmla="*/ 2167555 h 6879321"/>
+              <a:gd name="connsiteX23" fmla="*/ 5475118 w 6116569"/>
+              <a:gd name="connsiteY23" fmla="*/ 2348776 h 6879321"/>
+              <a:gd name="connsiteX24" fmla="*/ 5826051 w 6116569"/>
+              <a:gd name="connsiteY24" fmla="*/ 2291922 h 6879321"/>
+              <a:gd name="connsiteX25" fmla="*/ 5552153 w 6116569"/>
+              <a:gd name="connsiteY25" fmla="*/ 2597513 h 6879321"/>
+              <a:gd name="connsiteX26" fmla="*/ 5603508 w 6116569"/>
+              <a:gd name="connsiteY26" fmla="*/ 2647260 h 6879321"/>
+              <a:gd name="connsiteX27" fmla="*/ 5700515 w 6116569"/>
+              <a:gd name="connsiteY27" fmla="*/ 2679240 h 6879321"/>
+              <a:gd name="connsiteX28" fmla="*/ 5246870 w 6116569"/>
+              <a:gd name="connsiteY28" fmla="*/ 2888889 h 6879321"/>
+              <a:gd name="connsiteX29" fmla="*/ 4836022 w 6116569"/>
+              <a:gd name="connsiteY29" fmla="*/ 3169605 h 6879321"/>
+              <a:gd name="connsiteX30" fmla="*/ 4736163 w 6116569"/>
+              <a:gd name="connsiteY30" fmla="*/ 3233565 h 6879321"/>
+              <a:gd name="connsiteX31" fmla="*/ 4853141 w 6116569"/>
+              <a:gd name="connsiteY31" fmla="*/ 3233565 h 6879321"/>
+              <a:gd name="connsiteX32" fmla="*/ 4944440 w 6116569"/>
+              <a:gd name="connsiteY32" fmla="*/ 3226459 h 6879321"/>
+              <a:gd name="connsiteX33" fmla="*/ 5109921 w 6116569"/>
+              <a:gd name="connsiteY33" fmla="*/ 3283313 h 6879321"/>
+              <a:gd name="connsiteX34" fmla="*/ 5694809 w 6116569"/>
+              <a:gd name="connsiteY34" fmla="*/ 3141178 h 6879321"/>
+              <a:gd name="connsiteX35" fmla="*/ 5566419 w 6116569"/>
+              <a:gd name="connsiteY35" fmla="*/ 3301079 h 6879321"/>
+              <a:gd name="connsiteX36" fmla="*/ 5415203 w 6116569"/>
+              <a:gd name="connsiteY36" fmla="*/ 3397020 h 6879321"/>
+              <a:gd name="connsiteX37" fmla="*/ 5612068 w 6116569"/>
+              <a:gd name="connsiteY37" fmla="*/ 3432554 h 6879321"/>
+              <a:gd name="connsiteX38" fmla="*/ 5206927 w 6116569"/>
+              <a:gd name="connsiteY38" fmla="*/ 3599562 h 6879321"/>
+              <a:gd name="connsiteX39" fmla="*/ 5301079 w 6116569"/>
+              <a:gd name="connsiteY39" fmla="*/ 3723930 h 6879321"/>
+              <a:gd name="connsiteX40" fmla="*/ 4507915 w 6116569"/>
+              <a:gd name="connsiteY40" fmla="*/ 4306683 h 6879321"/>
+              <a:gd name="connsiteX41" fmla="*/ 3982942 w 6116569"/>
+              <a:gd name="connsiteY41" fmla="*/ 4587399 h 6879321"/>
+              <a:gd name="connsiteX42" fmla="*/ 4185513 w 6116569"/>
+              <a:gd name="connsiteY42" fmla="*/ 4541205 h 6879321"/>
+              <a:gd name="connsiteX43" fmla="*/ 5212633 w 6116569"/>
+              <a:gd name="connsiteY43" fmla="*/ 4455924 h 6879321"/>
+              <a:gd name="connsiteX44" fmla="*/ 5312492 w 6116569"/>
+              <a:gd name="connsiteY44" fmla="*/ 4473691 h 6879321"/>
+              <a:gd name="connsiteX45" fmla="*/ 4596361 w 6116569"/>
+              <a:gd name="connsiteY45" fmla="*/ 4818368 h 6879321"/>
+              <a:gd name="connsiteX46" fmla="*/ 4873113 w 6116569"/>
+              <a:gd name="connsiteY46" fmla="*/ 4885882 h 6879321"/>
+              <a:gd name="connsiteX47" fmla="*/ 4935881 w 6116569"/>
+              <a:gd name="connsiteY47" fmla="*/ 4914309 h 6879321"/>
+              <a:gd name="connsiteX48" fmla="*/ 4873113 w 6116569"/>
+              <a:gd name="connsiteY48" fmla="*/ 5003143 h 6879321"/>
+              <a:gd name="connsiteX49" fmla="*/ 4721898 w 6116569"/>
+              <a:gd name="connsiteY49" fmla="*/ 5095530 h 6879321"/>
+              <a:gd name="connsiteX50" fmla="*/ 5132745 w 6116569"/>
+              <a:gd name="connsiteY50" fmla="*/ 4949842 h 6879321"/>
+              <a:gd name="connsiteX51" fmla="*/ 5101362 w 6116569"/>
+              <a:gd name="connsiteY51" fmla="*/ 5081317 h 6879321"/>
+              <a:gd name="connsiteX52" fmla="*/ 5138452 w 6116569"/>
+              <a:gd name="connsiteY52" fmla="*/ 5198578 h 6879321"/>
+              <a:gd name="connsiteX53" fmla="*/ 4904497 w 6116569"/>
+              <a:gd name="connsiteY53" fmla="*/ 5362033 h 6879321"/>
+              <a:gd name="connsiteX54" fmla="*/ 4579242 w 6116569"/>
+              <a:gd name="connsiteY54" fmla="*/ 5674729 h 6879321"/>
+              <a:gd name="connsiteX55" fmla="*/ 4253988 w 6116569"/>
+              <a:gd name="connsiteY55" fmla="*/ 5884379 h 6879321"/>
+              <a:gd name="connsiteX56" fmla="*/ 3985795 w 6116569"/>
+              <a:gd name="connsiteY56" fmla="*/ 6069153 h 6879321"/>
+              <a:gd name="connsiteX57" fmla="*/ 4231163 w 6116569"/>
+              <a:gd name="connsiteY57" fmla="*/ 6030066 h 6879321"/>
+              <a:gd name="connsiteX58" fmla="*/ 3814609 w 6116569"/>
+              <a:gd name="connsiteY58" fmla="*/ 6317889 h 6879321"/>
+              <a:gd name="connsiteX59" fmla="*/ 3751840 w 6116569"/>
+              <a:gd name="connsiteY59" fmla="*/ 6339209 h 6879321"/>
+              <a:gd name="connsiteX60" fmla="*/ 3089919 w 6116569"/>
+              <a:gd name="connsiteY60" fmla="*/ 6563071 h 6879321"/>
+              <a:gd name="connsiteX61" fmla="*/ 2961529 w 6116569"/>
+              <a:gd name="connsiteY61" fmla="*/ 6662566 h 6879321"/>
+              <a:gd name="connsiteX62" fmla="*/ 3107038 w 6116569"/>
+              <a:gd name="connsiteY62" fmla="*/ 6673226 h 6879321"/>
+              <a:gd name="connsiteX63" fmla="*/ 3594919 w 6116569"/>
+              <a:gd name="connsiteY63" fmla="*/ 6591499 h 6879321"/>
+              <a:gd name="connsiteX64" fmla="*/ 3261106 w 6116569"/>
+              <a:gd name="connsiteY64" fmla="*/ 6726527 h 6879321"/>
+              <a:gd name="connsiteX65" fmla="*/ 3620597 w 6116569"/>
+              <a:gd name="connsiteY65" fmla="*/ 6740740 h 6879321"/>
+              <a:gd name="connsiteX66" fmla="*/ 3703337 w 6116569"/>
+              <a:gd name="connsiteY66" fmla="*/ 6826020 h 6879321"/>
+              <a:gd name="connsiteX67" fmla="*/ 3689072 w 6116569"/>
+              <a:gd name="connsiteY67" fmla="*/ 6879321 h 6879321"/>
+              <a:gd name="connsiteX68" fmla="*/ 0 w 6116569"/>
+              <a:gd name="connsiteY68" fmla="*/ 6879321 h 6879321"/>
+            </a:gdLst>
+            <a:ahLst/>
+            <a:cxnLst>
+              <a:cxn ang="0">
+                <a:pos x="connsiteX0" y="connsiteY0"/>
+              </a:cxn>
+              <a:cxn ang="0">
+                <a:pos x="connsiteX1" y="connsiteY1"/>
+              </a:cxn>
+              <a:cxn ang="0">
+                <a:pos x="connsiteX2" y="connsiteY2"/>
+              </a:cxn>
+              <a:cxn ang="0">
+                <a:pos x="connsiteX3" y="connsiteY3"/>
+              </a:cxn>
+              <a:cxn ang="0">
+                <a:pos x="connsiteX4" y="connsiteY4"/>
+              </a:cxn>
+              <a:cxn ang="0">
+                <a:pos x="connsiteX5" y="connsiteY5"/>
+              </a:cxn>
+              <a:cxn ang="0">
+                <a:pos x="connsiteX6" y="connsiteY6"/>
+              </a:cxn>
+              <a:cxn ang="0">
+                <a:pos x="connsiteX7" y="connsiteY7"/>
+              </a:cxn>
+              <a:cxn ang="0">
+                <a:pos x="connsiteX8" y="connsiteY8"/>
+              </a:cxn>
+              <a:cxn ang="0">
+                <a:pos x="connsiteX9" y="connsiteY9"/>
+              </a:cxn>
+              <a:cxn ang="0">
+                <a:pos x="connsiteX10" y="connsiteY10"/>
+              </a:cxn>
+              <a:cxn ang="0">
+                <a:pos x="connsiteX11" y="connsiteY11"/>
+              </a:cxn>
+              <a:cxn ang="0">
+                <a:pos x="connsiteX12" y="connsiteY12"/>
+              </a:cxn>
+              <a:cxn ang="0">
+                <a:pos x="connsiteX13" y="connsiteY13"/>
+              </a:cxn>
+              <a:cxn ang="0">
+                <a:pos x="connsiteX14" y="connsiteY14"/>
+              </a:cxn>
+              <a:cxn ang="0">
+                <a:pos x="connsiteX15" y="connsiteY15"/>
+              </a:cxn>
+              <a:cxn ang="0">
+                <a:pos x="connsiteX16" y="connsiteY16"/>
+              </a:cxn>
+              <a:cxn ang="0">
+                <a:pos x="connsiteX17" y="connsiteY17"/>
+              </a:cxn>
+              <a:cxn ang="0">
+                <a:pos x="connsiteX18" y="connsiteY18"/>
+              </a:cxn>
+              <a:cxn ang="0">
+                <a:pos x="connsiteX19" y="connsiteY19"/>
+              </a:cxn>
+              <a:cxn ang="0">
+                <a:pos x="connsiteX20" y="connsiteY20"/>
+              </a:cxn>
+              <a:cxn ang="0">
+                <a:pos x="connsiteX21" y="connsiteY21"/>
+              </a:cxn>
+              <a:cxn ang="0">
+                <a:pos x="connsiteX22" y="connsiteY22"/>
+              </a:cxn>
+              <a:cxn ang="0">
+                <a:pos x="connsiteX23" y="connsiteY23"/>
+              </a:cxn>
+              <a:cxn ang="0">
+                <a:pos x="connsiteX24" y="connsiteY24"/>
+              </a:cxn>
+              <a:cxn ang="0">
+                <a:pos x="connsiteX25" y="connsiteY25"/>
+              </a:cxn>
+              <a:cxn ang="0">
+                <a:pos x="connsiteX26" y="connsiteY26"/>
+              </a:cxn>
+              <a:cxn ang="0">
+                <a:pos x="connsiteX27" y="connsiteY27"/>
+              </a:cxn>
+              <a:cxn ang="0">
+                <a:pos x="connsiteX28" y="connsiteY28"/>
+              </a:cxn>
+              <a:cxn ang="0">
+                <a:pos x="connsiteX29" y="connsiteY29"/>
+              </a:cxn>
+              <a:cxn ang="0">
+                <a:pos x="connsiteX30" y="connsiteY30"/>
+              </a:cxn>
+              <a:cxn ang="0">
+                <a:pos x="connsiteX31" y="connsiteY31"/>
+              </a:cxn>
+              <a:cxn ang="0">
+                <a:pos x="connsiteX32" y="connsiteY32"/>
+              </a:cxn>
+              <a:cxn ang="0">
+                <a:pos x="connsiteX33" y="connsiteY33"/>
+              </a:cxn>
+              <a:cxn ang="0">
+                <a:pos x="connsiteX34" y="connsiteY34"/>
+              </a:cxn>
+              <a:cxn ang="0">
+                <a:pos x="connsiteX35" y="connsiteY35"/>
+              </a:cxn>
+              <a:cxn ang="0">
+                <a:pos x="connsiteX36" y="connsiteY36"/>
+              </a:cxn>
+              <a:cxn ang="0">
+                <a:pos x="connsiteX37" y="connsiteY37"/>
+              </a:cxn>
+              <a:cxn ang="0">
+                <a:pos x="connsiteX38" y="connsiteY38"/>
+              </a:cxn>
+              <a:cxn ang="0">
+                <a:pos x="connsiteX39" y="connsiteY39"/>
+              </a:cxn>
+              <a:cxn ang="0">
+                <a:pos x="connsiteX40" y="connsiteY40"/>
+              </a:cxn>
+              <a:cxn ang="0">
+                <a:pos x="connsiteX41" y="connsiteY41"/>
+              </a:cxn>
+              <a:cxn ang="0">
+                <a:pos x="connsiteX42" y="connsiteY42"/>
+              </a:cxn>
+              <a:cxn ang="0">
+                <a:pos x="connsiteX43" y="connsiteY43"/>
+              </a:cxn>
+              <a:cxn ang="0">
+                <a:pos x="connsiteX44" y="connsiteY44"/>
+              </a:cxn>
+              <a:cxn ang="0">
+                <a:pos x="connsiteX45" y="connsiteY45"/>
+              </a:cxn>
+              <a:cxn ang="0">
+                <a:pos x="connsiteX46" y="connsiteY46"/>
+              </a:cxn>
+              <a:cxn ang="0">
+                <a:pos x="connsiteX47" y="connsiteY47"/>
+              </a:cxn>
+              <a:cxn ang="0">
+                <a:pos x="connsiteX48" y="connsiteY48"/>
+              </a:cxn>
+              <a:cxn ang="0">
+                <a:pos x="connsiteX49" y="connsiteY49"/>
+              </a:cxn>
+              <a:cxn ang="0">
+                <a:pos x="connsiteX50" y="connsiteY50"/>
+              </a:cxn>
+              <a:cxn ang="0">
+                <a:pos x="connsiteX51" y="connsiteY51"/>
+              </a:cxn>
+              <a:cxn ang="0">
+                <a:pos x="connsiteX52" y="connsiteY52"/>
+              </a:cxn>
+              <a:cxn ang="0">
+                <a:pos x="connsiteX53" y="connsiteY53"/>
+              </a:cxn>
+              <a:cxn ang="0">
+                <a:pos x="connsiteX54" y="connsiteY54"/>
+              </a:cxn>
+              <a:cxn ang="0">
+                <a:pos x="connsiteX55" y="connsiteY55"/>
+              </a:cxn>
+              <a:cxn ang="0">
+                <a:pos x="connsiteX56" y="connsiteY56"/>
+              </a:cxn>
+              <a:cxn ang="0">
+                <a:pos x="connsiteX57" y="connsiteY57"/>
+              </a:cxn>
+              <a:cxn ang="0">
+                <a:pos x="connsiteX58" y="connsiteY58"/>
+              </a:cxn>
+              <a:cxn ang="0">
+                <a:pos x="connsiteX59" y="connsiteY59"/>
+              </a:cxn>
+              <a:cxn ang="0">
+                <a:pos x="connsiteX60" y="connsiteY60"/>
+              </a:cxn>
+              <a:cxn ang="0">
+                <a:pos x="connsiteX61" y="connsiteY61"/>
+              </a:cxn>
+              <a:cxn ang="0">
+                <a:pos x="connsiteX62" y="connsiteY62"/>
+              </a:cxn>
+              <a:cxn ang="0">
+                <a:pos x="connsiteX63" y="connsiteY63"/>
+              </a:cxn>
+              <a:cxn ang="0">
+                <a:pos x="connsiteX64" y="connsiteY64"/>
+              </a:cxn>
+              <a:cxn ang="0">
+                <a:pos x="connsiteX65" y="connsiteY65"/>
+              </a:cxn>
+              <a:cxn ang="0">
+                <a:pos x="connsiteX66" y="connsiteY66"/>
+              </a:cxn>
+              <a:cxn ang="0">
+                <a:pos x="connsiteX67" y="connsiteY67"/>
+              </a:cxn>
+              <a:cxn ang="0">
+                <a:pos x="connsiteX68" y="connsiteY68"/>
+              </a:cxn>
+            </a:cxnLst>
+            <a:rect l="l" t="t" r="r" b="b"/>
+            <a:pathLst>
+              <a:path w="6116569" h="6879321">
+                <a:moveTo>
+                  <a:pt x="0" y="0"/>
+                </a:moveTo>
+                <a:lnTo>
+                  <a:pt x="2935851" y="0"/>
+                </a:lnTo>
+                <a:cubicBezTo>
+                  <a:pt x="3035710" y="10660"/>
+                  <a:pt x="3138421" y="17767"/>
+                  <a:pt x="3238280" y="31980"/>
+                </a:cubicBezTo>
+                <a:cubicBezTo>
+                  <a:pt x="3817462" y="106602"/>
+                  <a:pt x="3127009" y="277163"/>
+                  <a:pt x="3660541" y="550772"/>
+                </a:cubicBezTo>
+                <a:cubicBezTo>
+                  <a:pt x="3706191" y="575645"/>
+                  <a:pt x="3757546" y="579199"/>
+                  <a:pt x="3808902" y="589860"/>
+                </a:cubicBezTo>
+                <a:cubicBezTo>
+                  <a:pt x="4008620" y="625393"/>
+                  <a:pt x="4211192" y="618286"/>
+                  <a:pt x="4413762" y="625393"/>
+                </a:cubicBezTo>
+                <a:cubicBezTo>
+                  <a:pt x="4465118" y="628946"/>
+                  <a:pt x="4525033" y="625393"/>
+                  <a:pt x="4567830" y="721333"/>
+                </a:cubicBezTo>
+                <a:cubicBezTo>
+                  <a:pt x="4425175" y="724888"/>
+                  <a:pt x="4305344" y="731994"/>
+                  <a:pt x="4171247" y="792401"/>
+                </a:cubicBezTo>
+                <a:cubicBezTo>
+                  <a:pt x="4239722" y="859916"/>
+                  <a:pt x="4322462" y="795955"/>
+                  <a:pt x="4376671" y="842148"/>
+                </a:cubicBezTo>
+                <a:cubicBezTo>
+                  <a:pt x="4428027" y="888342"/>
+                  <a:pt x="4470824" y="891896"/>
+                  <a:pt x="4527887" y="813722"/>
+                </a:cubicBezTo>
+                <a:cubicBezTo>
+                  <a:pt x="4556417" y="774634"/>
+                  <a:pt x="4604920" y="778187"/>
+                  <a:pt x="4633452" y="799508"/>
+                </a:cubicBezTo>
+                <a:cubicBezTo>
+                  <a:pt x="4781813" y="913216"/>
+                  <a:pt x="4778960" y="909662"/>
+                  <a:pt x="4947293" y="870576"/>
+                </a:cubicBezTo>
+                <a:cubicBezTo>
+                  <a:pt x="5055712" y="845701"/>
+                  <a:pt x="5166983" y="806615"/>
+                  <a:pt x="5263988" y="820828"/>
+                </a:cubicBezTo>
+                <a:cubicBezTo>
+                  <a:pt x="5275401" y="867022"/>
+                  <a:pt x="5263988" y="888342"/>
+                  <a:pt x="5249723" y="895449"/>
+                </a:cubicBezTo>
+                <a:cubicBezTo>
+                  <a:pt x="5021475" y="1005604"/>
+                  <a:pt x="4975825" y="1122864"/>
+                  <a:pt x="4744723" y="1197485"/>
+                </a:cubicBezTo>
+                <a:cubicBezTo>
+                  <a:pt x="4724751" y="1268552"/>
+                  <a:pt x="4807491" y="1275660"/>
+                  <a:pt x="4767548" y="1346727"/>
+                </a:cubicBezTo>
+                <a:cubicBezTo>
+                  <a:pt x="4693367" y="1407134"/>
+                  <a:pt x="4610627" y="1346727"/>
+                  <a:pt x="4539299" y="1421348"/>
+                </a:cubicBezTo>
+                <a:cubicBezTo>
+                  <a:pt x="4550712" y="1471094"/>
+                  <a:pt x="4610627" y="1432008"/>
+                  <a:pt x="4607773" y="1485309"/>
+                </a:cubicBezTo>
+                <a:cubicBezTo>
+                  <a:pt x="4604920" y="1517288"/>
+                  <a:pt x="4593508" y="1527948"/>
+                  <a:pt x="4579242" y="1535055"/>
+                </a:cubicBezTo>
+                <a:cubicBezTo>
+                  <a:pt x="4776107" y="1538608"/>
+                  <a:pt x="5383820" y="1574142"/>
+                  <a:pt x="5278255" y="1609676"/>
+                </a:cubicBezTo>
+                <a:cubicBezTo>
+                  <a:pt x="5418057" y="1698511"/>
+                  <a:pt x="5623481" y="1609676"/>
+                  <a:pt x="5771843" y="1630997"/>
+                </a:cubicBezTo>
+                <a:cubicBezTo>
+                  <a:pt x="5925911" y="1652316"/>
+                  <a:pt x="6171278" y="1719830"/>
+                  <a:pt x="6105656" y="1748257"/>
+                </a:cubicBezTo>
+                <a:cubicBezTo>
+                  <a:pt x="6031475" y="1780238"/>
+                  <a:pt x="5766136" y="2146235"/>
+                  <a:pt x="5691955" y="2167555"/>
+                </a:cubicBezTo>
+                <a:cubicBezTo>
+                  <a:pt x="5606362" y="2188875"/>
+                  <a:pt x="5589243" y="2217302"/>
+                  <a:pt x="5475118" y="2348776"/>
+                </a:cubicBezTo>
+                <a:cubicBezTo>
+                  <a:pt x="5398085" y="2437610"/>
+                  <a:pt x="5709074" y="2238623"/>
+                  <a:pt x="5826051" y="2291922"/>
+                </a:cubicBezTo>
+                <a:cubicBezTo>
+                  <a:pt x="5868848" y="2309690"/>
+                  <a:pt x="5552153" y="2554872"/>
+                  <a:pt x="5552153" y="2597513"/>
+                </a:cubicBezTo>
+                <a:cubicBezTo>
+                  <a:pt x="5549300" y="2640153"/>
+                  <a:pt x="5577831" y="2647260"/>
+                  <a:pt x="5603508" y="2647260"/>
+                </a:cubicBezTo>
+                <a:cubicBezTo>
+                  <a:pt x="5660571" y="2647260"/>
+                  <a:pt x="5640599" y="2686346"/>
+                  <a:pt x="5700515" y="2679240"/>
+                </a:cubicBezTo>
+                <a:cubicBezTo>
+                  <a:pt x="5523622" y="2800055"/>
+                  <a:pt x="5418057" y="2778734"/>
+                  <a:pt x="5246870" y="2888889"/>
+                </a:cubicBezTo>
+                <a:cubicBezTo>
+                  <a:pt x="5164130" y="2942189"/>
+                  <a:pt x="4921615" y="3119857"/>
+                  <a:pt x="4836022" y="3169605"/>
+                </a:cubicBezTo>
+                <a:cubicBezTo>
+                  <a:pt x="4801785" y="3187371"/>
+                  <a:pt x="4758988" y="3173158"/>
+                  <a:pt x="4736163" y="3233565"/>
+                </a:cubicBezTo>
+                <a:cubicBezTo>
+                  <a:pt x="4770400" y="3279759"/>
+                  <a:pt x="4816050" y="3254885"/>
+                  <a:pt x="4853141" y="3233565"/>
+                </a:cubicBezTo>
+                <a:cubicBezTo>
+                  <a:pt x="4944440" y="3176711"/>
+                  <a:pt x="4935881" y="3190925"/>
+                  <a:pt x="4944440" y="3226459"/>
+                </a:cubicBezTo>
+                <a:cubicBezTo>
+                  <a:pt x="4972972" y="3350827"/>
+                  <a:pt x="5044300" y="3308186"/>
+                  <a:pt x="5109921" y="3283313"/>
+                </a:cubicBezTo>
+                <a:cubicBezTo>
+                  <a:pt x="5303932" y="3208692"/>
+                  <a:pt x="5500797" y="3215799"/>
+                  <a:pt x="5694809" y="3141178"/>
+                </a:cubicBezTo>
+                <a:cubicBezTo>
+                  <a:pt x="5714781" y="3134070"/>
+                  <a:pt x="5612068" y="3283313"/>
+                  <a:pt x="5566419" y="3301079"/>
+                </a:cubicBezTo>
+                <a:cubicBezTo>
+                  <a:pt x="5515063" y="3322399"/>
+                  <a:pt x="5452294" y="3311739"/>
+                  <a:pt x="5415203" y="3397020"/>
+                </a:cubicBezTo>
+                <a:cubicBezTo>
+                  <a:pt x="5477972" y="3414787"/>
+                  <a:pt x="5552153" y="3372147"/>
+                  <a:pt x="5612068" y="3432554"/>
+                </a:cubicBezTo>
+                <a:cubicBezTo>
+                  <a:pt x="5469413" y="3528494"/>
+                  <a:pt x="5329610" y="3535601"/>
+                  <a:pt x="5206927" y="3599562"/>
+                </a:cubicBezTo>
+                <a:cubicBezTo>
+                  <a:pt x="5192661" y="3706163"/>
+                  <a:pt x="5272548" y="3663523"/>
+                  <a:pt x="5301079" y="3723930"/>
+                </a:cubicBezTo>
+                <a:cubicBezTo>
+                  <a:pt x="5072830" y="3844745"/>
+                  <a:pt x="4564977" y="4232062"/>
+                  <a:pt x="4507915" y="4306683"/>
+                </a:cubicBezTo>
+                <a:cubicBezTo>
+                  <a:pt x="4390937" y="4463031"/>
+                  <a:pt x="3900202" y="4562525"/>
+                  <a:pt x="3982942" y="4587399"/>
+                </a:cubicBezTo>
+                <a:cubicBezTo>
+                  <a:pt x="4051417" y="4608719"/>
+                  <a:pt x="4119891" y="4587399"/>
+                  <a:pt x="4185513" y="4541205"/>
+                </a:cubicBezTo>
+                <a:cubicBezTo>
+                  <a:pt x="4291078" y="4466584"/>
+                  <a:pt x="5010062" y="4523438"/>
+                  <a:pt x="5212633" y="4455924"/>
+                </a:cubicBezTo>
+                <a:cubicBezTo>
+                  <a:pt x="5241164" y="4445264"/>
+                  <a:pt x="5283960" y="4409730"/>
+                  <a:pt x="5312492" y="4473691"/>
+                </a:cubicBezTo>
+                <a:cubicBezTo>
+                  <a:pt x="5098508" y="4704659"/>
+                  <a:pt x="4833169" y="4654913"/>
+                  <a:pt x="4596361" y="4818368"/>
+                </a:cubicBezTo>
+                <a:cubicBezTo>
+                  <a:pt x="4684807" y="4917861"/>
+                  <a:pt x="4776107" y="4907202"/>
+                  <a:pt x="4873113" y="4885882"/>
+                </a:cubicBezTo>
+                <a:cubicBezTo>
+                  <a:pt x="4895938" y="4878775"/>
+                  <a:pt x="4930175" y="4871668"/>
+                  <a:pt x="4935881" y="4914309"/>
+                </a:cubicBezTo>
+                <a:cubicBezTo>
+                  <a:pt x="4941587" y="4967609"/>
+                  <a:pt x="4898790" y="4978270"/>
+                  <a:pt x="4873113" y="5003143"/>
+                </a:cubicBezTo>
+                <a:cubicBezTo>
+                  <a:pt x="4833169" y="5038676"/>
+                  <a:pt x="4773254" y="4999590"/>
+                  <a:pt x="4721898" y="5095530"/>
+                </a:cubicBezTo>
+                <a:cubicBezTo>
+                  <a:pt x="4873113" y="5067104"/>
+                  <a:pt x="4998650" y="5020910"/>
+                  <a:pt x="5132745" y="4949842"/>
+                </a:cubicBezTo>
+                <a:cubicBezTo>
+                  <a:pt x="5121333" y="5006696"/>
+                  <a:pt x="5081390" y="5035123"/>
+                  <a:pt x="5101362" y="5081317"/>
+                </a:cubicBezTo>
+                <a:cubicBezTo>
+                  <a:pt x="5118480" y="5116850"/>
+                  <a:pt x="5164130" y="5131063"/>
+                  <a:pt x="5138452" y="5198578"/>
+                </a:cubicBezTo>
+                <a:cubicBezTo>
+                  <a:pt x="5067125" y="5273199"/>
+                  <a:pt x="4967265" y="5258986"/>
+                  <a:pt x="4904497" y="5362033"/>
+                </a:cubicBezTo>
+                <a:cubicBezTo>
+                  <a:pt x="4818903" y="5507721"/>
+                  <a:pt x="4684807" y="5564575"/>
+                  <a:pt x="4579242" y="5674729"/>
+                </a:cubicBezTo>
+                <a:cubicBezTo>
+                  <a:pt x="4545005" y="5713816"/>
+                  <a:pt x="4313903" y="5841738"/>
+                  <a:pt x="4253988" y="5884379"/>
+                </a:cubicBezTo>
+                <a:cubicBezTo>
+                  <a:pt x="4168395" y="5944786"/>
+                  <a:pt x="4071389" y="5966106"/>
+                  <a:pt x="3985795" y="6069153"/>
+                </a:cubicBezTo>
+                <a:cubicBezTo>
+                  <a:pt x="4065682" y="6086921"/>
+                  <a:pt x="4134157" y="5990979"/>
+                  <a:pt x="4231163" y="6030066"/>
+                </a:cubicBezTo>
+                <a:cubicBezTo>
+                  <a:pt x="4074242" y="6133114"/>
+                  <a:pt x="3931586" y="6182861"/>
+                  <a:pt x="3814609" y="6317889"/>
+                </a:cubicBezTo>
+                <a:cubicBezTo>
+                  <a:pt x="3800343" y="6335656"/>
+                  <a:pt x="3771812" y="6332102"/>
+                  <a:pt x="3751840" y="6339209"/>
+                </a:cubicBezTo>
+                <a:cubicBezTo>
+                  <a:pt x="3529298" y="6406723"/>
+                  <a:pt x="3309608" y="6467130"/>
+                  <a:pt x="3089919" y="6563071"/>
+                </a:cubicBezTo>
+                <a:cubicBezTo>
+                  <a:pt x="3041416" y="6584392"/>
+                  <a:pt x="2955823" y="6595052"/>
+                  <a:pt x="2961529" y="6662566"/>
+                </a:cubicBezTo>
+                <a:cubicBezTo>
+                  <a:pt x="2972941" y="6765613"/>
+                  <a:pt x="3055681" y="6687439"/>
+                  <a:pt x="3107038" y="6673226"/>
+                </a:cubicBezTo>
+                <a:cubicBezTo>
+                  <a:pt x="3269664" y="6634138"/>
+                  <a:pt x="3432292" y="6570178"/>
+                  <a:pt x="3594919" y="6591499"/>
+                </a:cubicBezTo>
+                <a:cubicBezTo>
+                  <a:pt x="3483648" y="6637693"/>
+                  <a:pt x="3372376" y="6680332"/>
+                  <a:pt x="3261106" y="6726527"/>
+                </a:cubicBezTo>
+                <a:cubicBezTo>
+                  <a:pt x="3386642" y="6705206"/>
+                  <a:pt x="3495061" y="6786934"/>
+                  <a:pt x="3620597" y="6740740"/>
+                </a:cubicBezTo>
+                <a:cubicBezTo>
+                  <a:pt x="3660541" y="6726527"/>
+                  <a:pt x="3700484" y="6765613"/>
+                  <a:pt x="3703337" y="6826020"/>
+                </a:cubicBezTo>
+                <a:cubicBezTo>
+                  <a:pt x="3706191" y="6847340"/>
+                  <a:pt x="3700484" y="6865108"/>
+                  <a:pt x="3689072" y="6879321"/>
+                </a:cubicBezTo>
+                <a:lnTo>
+                  <a:pt x="0" y="6879321"/>
+                </a:lnTo>
+                <a:close/>
+              </a:path>
+            </a:pathLst>
+          </a:custGeom>
+          <a:solidFill>
+            <a:schemeClr val="bg2">
+              <a:alpha val="50000"/>
+            </a:schemeClr>
+          </a:solidFill>
+          <a:ln w="32707" cap="flat">
+            <a:noFill/>
+            <a:prstDash val="solid"/>
+            <a:miter/>
+          </a:ln>
+        </p:spPr>
+        <p:txBody>
+          <a:bodyPr wrap="square" rtlCol="0" anchor="ctr">
+            <a:noAutofit/>
+          </a:bodyPr>
+          <a:lstStyle/>
+          <a:p>
+            <a:pPr algn="ctr"/>
+            <a:endParaRPr lang="en-US"/>
           </a:p>
         </p:txBody>
       </p:sp>
@@ -21725,8 +23821,8 @@
         </p:blipFill>
         <p:spPr>
           <a:xfrm>
-            <a:off x="1981200" y="2429670"/>
-            <a:ext cx="914400" cy="914400"/>
+            <a:off x="601134" y="1918107"/>
+            <a:ext cx="3195204" cy="3195204"/>
           </a:xfrm>
           <a:prstGeom prst="rect">
             <a:avLst/>
@@ -21751,12 +23847,12 @@
         </p:nvSpPr>
         <p:spPr>
           <a:xfrm>
-            <a:off x="4200652" y="730249"/>
-            <a:ext cx="7153147" cy="5384801"/>
+            <a:off x="6248400" y="2497257"/>
+            <a:ext cx="5105398" cy="3679705"/>
           </a:xfrm>
         </p:spPr>
         <p:txBody>
-          <a:bodyPr anchor="ctr">
+          <a:bodyPr>
             <a:normAutofit/>
           </a:bodyPr>
           <a:lstStyle/>
@@ -21765,13 +23861,13 @@
               <a:buNone/>
             </a:pPr>
             <a:r>
-              <a:rPr lang="en-US" sz="1800" dirty="0">
+              <a:rPr lang="en-US" sz="1600">
                 <a:latin typeface="+mn-lt"/>
               </a:rPr>
               <a:t>The goal is to predict employee attrition, which is a critical issue for fast-growing organizations. Attrition, caused by resignation leads to economic and operational challenges, including recruitment and training costs</a:t>
             </a:r>
             <a:r>
-              <a:rPr lang="en-US" sz="1800" dirty="0"/>
+              <a:rPr lang="en-US" sz="1600"/>
               <a:t>. Using a predictive model, HR teams can take proactive steps to minimize turnover and improve workforce stability.</a:t>
             </a:r>
           </a:p>
@@ -21780,32 +23876,32 @@
               <a:buNone/>
             </a:pPr>
             <a:r>
-              <a:rPr lang="en-US" sz="1800" b="1" dirty="0"/>
+              <a:rPr lang="en-US" sz="1600" b="1"/>
               <a:t>Key Idea : </a:t>
             </a:r>
           </a:p>
           <a:p>
             <a:r>
-              <a:rPr lang="en-US" sz="1800" dirty="0">
+              <a:rPr lang="en-US" sz="1600">
                 <a:latin typeface="+mn-lt"/>
               </a:rPr>
               <a:t>Manual methods </a:t>
             </a:r>
             <a:r>
-              <a:rPr lang="en-US" sz="1800" dirty="0"/>
+              <a:rPr lang="en-US" sz="1600"/>
               <a:t>to predict attrition are time-consuming and lack accuracy .</a:t>
             </a:r>
-            <a:endParaRPr lang="en-US" sz="1800" dirty="0">
+            <a:endParaRPr lang="en-US" sz="1600">
               <a:latin typeface="+mn-lt"/>
             </a:endParaRPr>
           </a:p>
           <a:p>
             <a:r>
-              <a:rPr lang="en-US" sz="1800" dirty="0"/>
+              <a:rPr lang="en-US" sz="1600"/>
               <a:t>Use machine learning models to analyze employee data and predict attrition.</a:t>
             </a:r>
             <a:r>
-              <a:rPr lang="en-US" sz="1800" dirty="0">
+              <a:rPr lang="en-US" sz="1600">
                 <a:latin typeface="+mn-lt"/>
               </a:rPr>
               <a:t> </a:t>
@@ -21813,7 +23909,7 @@
           </a:p>
           <a:p>
             <a:r>
-              <a:rPr lang="en-US" sz="1800" dirty="0">
+              <a:rPr lang="en-US" sz="1600">
                 <a:latin typeface="+mn-lt"/>
               </a:rPr>
               <a:t>Identifying employees likely to leave can help organizations take proactive measures.</a:t>
@@ -21834,7 +23930,7 @@
 </p:sld>
 </file>
 
-<file path=ppt/slides/slide3.xml><?xml version="1.0" encoding="utf-8"?>
+<file path=ppt/slides/slide4.xml><?xml version="1.0" encoding="utf-8"?>
 <p:sld xmlns:a="http://schemas.openxmlformats.org/drawingml/2006/main" xmlns:r="http://schemas.openxmlformats.org/officeDocument/2006/relationships" xmlns:p="http://schemas.openxmlformats.org/presentationml/2006/main">
   <p:cSld>
     <p:bg>
@@ -22255,7 +24351,7 @@
           </p:nvPr>
         </p:nvPicPr>
         <p:blipFill>
-          <a:blip r:embed="rId2"/>
+          <a:blip r:embed="rId3"/>
           <a:stretch>
             <a:fillRect/>
           </a:stretch>
@@ -22285,7 +24381,7 @@
           <p:nvPr/>
         </p:nvPicPr>
         <p:blipFill>
-          <a:blip r:embed="rId3"/>
+          <a:blip r:embed="rId4"/>
           <a:stretch>
             <a:fillRect/>
           </a:stretch>
@@ -22313,7 +24409,7 @@
 </p:sld>
 </file>
 
-<file path=ppt/slides/slide4.xml><?xml version="1.0" encoding="utf-8"?>
+<file path=ppt/slides/slide5.xml><?xml version="1.0" encoding="utf-8"?>
 <p:sld xmlns:a="http://schemas.openxmlformats.org/drawingml/2006/main" xmlns:r="http://schemas.openxmlformats.org/officeDocument/2006/relationships" xmlns:p="http://schemas.openxmlformats.org/presentationml/2006/main">
   <p:cSld>
     <p:bg>
@@ -22794,7 +24890,7 @@
 </p:sld>
 </file>
 
-<file path=ppt/slides/slide5.xml><?xml version="1.0" encoding="utf-8"?>
+<file path=ppt/slides/slide6.xml><?xml version="1.0" encoding="utf-8"?>
 <p:sld xmlns:a="http://schemas.openxmlformats.org/drawingml/2006/main" xmlns:r="http://schemas.openxmlformats.org/officeDocument/2006/relationships" xmlns:p="http://schemas.openxmlformats.org/presentationml/2006/main">
   <p:cSld>
     <p:bg>
@@ -23250,7 +25346,7 @@
 </p:sld>
 </file>
 
-<file path=ppt/slides/slide6.xml><?xml version="1.0" encoding="utf-8"?>
+<file path=ppt/slides/slide7.xml><?xml version="1.0" encoding="utf-8"?>
 <p:sld xmlns:a="http://schemas.openxmlformats.org/drawingml/2006/main" xmlns:r="http://schemas.openxmlformats.org/officeDocument/2006/relationships" xmlns:p="http://schemas.openxmlformats.org/presentationml/2006/main">
   <p:cSld>
     <p:bg>
@@ -23611,7 +25707,7 @@
 </p:sld>
 </file>
 
-<file path=ppt/slides/slide7.xml><?xml version="1.0" encoding="utf-8"?>
+<file path=ppt/slides/slide8.xml><?xml version="1.0" encoding="utf-8"?>
 <p:sld xmlns:a="http://schemas.openxmlformats.org/drawingml/2006/main" xmlns:r="http://schemas.openxmlformats.org/officeDocument/2006/relationships" xmlns:p="http://schemas.openxmlformats.org/presentationml/2006/main">
   <p:cSld>
     <p:bg>
@@ -24148,7 +26244,7 @@
 </p:sld>
 </file>
 
-<file path=ppt/slides/slide8.xml><?xml version="1.0" encoding="utf-8"?>
+<file path=ppt/slides/slide9.xml><?xml version="1.0" encoding="utf-8"?>
 <p:sld xmlns:a="http://schemas.openxmlformats.org/drawingml/2006/main" xmlns:r="http://schemas.openxmlformats.org/officeDocument/2006/relationships" xmlns:p="http://schemas.openxmlformats.org/presentationml/2006/main">
   <p:cSld>
     <p:bg>
@@ -24626,410 +26722,6 @@
     <p:extLst>
       <p:ext uri="{BB962C8B-B14F-4D97-AF65-F5344CB8AC3E}">
         <p14:creationId xmlns:p14="http://schemas.microsoft.com/office/powerpoint/2010/main" val="320234465"/>
-      </p:ext>
-    </p:extLst>
-  </p:cSld>
-  <p:clrMapOvr>
-    <a:masterClrMapping/>
-  </p:clrMapOvr>
-</p:sld>
-</file>
-
-<file path=ppt/slides/slide9.xml><?xml version="1.0" encoding="utf-8"?>
-<p:sld xmlns:a="http://schemas.openxmlformats.org/drawingml/2006/main" xmlns:r="http://schemas.openxmlformats.org/officeDocument/2006/relationships" xmlns:p="http://schemas.openxmlformats.org/presentationml/2006/main">
-  <p:cSld>
-    <p:bg>
-      <p:bgPr>
-        <a:solidFill>
-          <a:schemeClr val="bg1"/>
-        </a:solidFill>
-        <a:effectLst/>
-      </p:bgPr>
-    </p:bg>
-    <p:spTree>
-      <p:nvGrpSpPr>
-        <p:cNvPr id="1" name=""/>
-        <p:cNvGrpSpPr/>
-        <p:nvPr/>
-      </p:nvGrpSpPr>
-      <p:grpSpPr>
-        <a:xfrm>
-          <a:off x="0" y="0"/>
-          <a:ext cx="0" cy="0"/>
-          <a:chOff x="0" y="0"/>
-          <a:chExt cx="0" cy="0"/>
-        </a:xfrm>
-      </p:grpSpPr>
-      <p:pic>
-        <p:nvPicPr>
-          <p:cNvPr id="4" name="Picture 3" descr="A blue squares with white text&#10;&#10;Description automatically generated">
-            <a:extLst>
-              <a:ext uri="{FF2B5EF4-FFF2-40B4-BE49-F238E27FC236}">
-                <a16:creationId xmlns:a16="http://schemas.microsoft.com/office/drawing/2014/main" id="{E8CCB4C3-A1E3-C498-4505-DC6818B92938}"/>
-              </a:ext>
-            </a:extLst>
-          </p:cNvPr>
-          <p:cNvPicPr>
-            <a:picLocks noChangeAspect="1"/>
-          </p:cNvPicPr>
-          <p:nvPr/>
-        </p:nvPicPr>
-        <p:blipFill>
-          <a:blip r:embed="rId2"/>
-          <a:stretch>
-            <a:fillRect/>
-          </a:stretch>
-        </p:blipFill>
-        <p:spPr>
-          <a:xfrm>
-            <a:off x="4322200" y="1773903"/>
-            <a:ext cx="3517119" cy="3270920"/>
-          </a:xfrm>
-          <a:prstGeom prst="rect">
-            <a:avLst/>
-          </a:prstGeom>
-        </p:spPr>
-      </p:pic>
-      <p:cxnSp>
-        <p:nvCxnSpPr>
-          <p:cNvPr id="11" name="Straight Connector 10">
-            <a:extLst>
-              <a:ext uri="{FF2B5EF4-FFF2-40B4-BE49-F238E27FC236}">
-                <a16:creationId xmlns:a16="http://schemas.microsoft.com/office/drawing/2014/main" id="{DCD67800-37AC-4E14-89B0-F79DCB3FB86D}"/>
-              </a:ext>
-              <a:ext uri="{C183D7F6-B498-43B3-948B-1728B52AA6E4}">
-                <adec:decorative xmlns:adec="http://schemas.microsoft.com/office/drawing/2017/decorative" val="1"/>
-              </a:ext>
-            </a:extLst>
-          </p:cNvPr>
-          <p:cNvCxnSpPr>
-            <a:cxnSpLocks noGrp="1" noRot="1" noChangeAspect="1" noMove="1" noResize="1" noEditPoints="1" noAdjustHandles="1" noChangeArrowheads="1" noChangeShapeType="1"/>
-          </p:cNvCxnSpPr>
-          <p:nvPr>
-            <p:extLst>
-              <p:ext uri="{386F3935-93C4-4BCD-93E2-E3B085C9AB24}">
-                <p16:designElem xmlns:p16="http://schemas.microsoft.com/office/powerpoint/2015/main" val="1"/>
-              </p:ext>
-            </p:extLst>
-          </p:nvPr>
-        </p:nvCxnSpPr>
-        <p:spPr>
-          <a:xfrm>
-            <a:off x="4165600" y="1573887"/>
-            <a:ext cx="0" cy="3710227"/>
-          </a:xfrm>
-          <a:prstGeom prst="line">
-            <a:avLst/>
-          </a:prstGeom>
-          <a:ln w="19050">
-            <a:solidFill>
-              <a:srgbClr val="7F7F7F"/>
-            </a:solidFill>
-          </a:ln>
-        </p:spPr>
-        <p:style>
-          <a:lnRef idx="1">
-            <a:schemeClr val="accent1"/>
-          </a:lnRef>
-          <a:fillRef idx="0">
-            <a:schemeClr val="accent1"/>
-          </a:fillRef>
-          <a:effectRef idx="0">
-            <a:schemeClr val="accent1"/>
-          </a:effectRef>
-          <a:fontRef idx="minor">
-            <a:schemeClr val="tx1"/>
-          </a:fontRef>
-        </p:style>
-      </p:cxnSp>
-      <p:pic>
-        <p:nvPicPr>
-          <p:cNvPr id="5" name="Content Placeholder 9" descr="A blue squares with white text&#10;&#10;Description automatically generated">
-            <a:extLst>
-              <a:ext uri="{FF2B5EF4-FFF2-40B4-BE49-F238E27FC236}">
-                <a16:creationId xmlns:a16="http://schemas.microsoft.com/office/drawing/2014/main" id="{51257B1A-7131-4C21-57DB-A94CCD2D56AC}"/>
-              </a:ext>
-            </a:extLst>
-          </p:cNvPr>
-          <p:cNvPicPr>
-            <a:picLocks noChangeAspect="1"/>
-          </p:cNvPicPr>
-          <p:nvPr/>
-        </p:nvPicPr>
-        <p:blipFill>
-          <a:blip r:embed="rId3"/>
-          <a:stretch>
-            <a:fillRect/>
-          </a:stretch>
-        </p:blipFill>
-        <p:spPr>
-          <a:xfrm>
-            <a:off x="7869801" y="1790467"/>
-            <a:ext cx="3537345" cy="3254356"/>
-          </a:xfrm>
-          <a:prstGeom prst="rect">
-            <a:avLst/>
-          </a:prstGeom>
-        </p:spPr>
-      </p:pic>
-      <p:cxnSp>
-        <p:nvCxnSpPr>
-          <p:cNvPr id="13" name="Straight Connector 12">
-            <a:extLst>
-              <a:ext uri="{FF2B5EF4-FFF2-40B4-BE49-F238E27FC236}">
-                <a16:creationId xmlns:a16="http://schemas.microsoft.com/office/drawing/2014/main" id="{20F1788F-A5AE-4188-8274-F7F2E3833ECD}"/>
-              </a:ext>
-              <a:ext uri="{C183D7F6-B498-43B3-948B-1728B52AA6E4}">
-                <adec:decorative xmlns:adec="http://schemas.microsoft.com/office/drawing/2017/decorative" val="1"/>
-              </a:ext>
-            </a:extLst>
-          </p:cNvPr>
-          <p:cNvCxnSpPr>
-            <a:cxnSpLocks noGrp="1" noRot="1" noChangeAspect="1" noMove="1" noResize="1" noEditPoints="1" noAdjustHandles="1" noChangeArrowheads="1" noChangeShapeType="1"/>
-          </p:cNvCxnSpPr>
-          <p:nvPr>
-            <p:extLst>
-              <p:ext uri="{386F3935-93C4-4BCD-93E2-E3B085C9AB24}">
-                <p16:designElem xmlns:p16="http://schemas.microsoft.com/office/powerpoint/2015/main" val="1"/>
-              </p:ext>
-            </p:extLst>
-          </p:nvPr>
-        </p:nvCxnSpPr>
-        <p:spPr>
-          <a:xfrm>
-            <a:off x="7995920" y="1573887"/>
-            <a:ext cx="0" cy="3710227"/>
-          </a:xfrm>
-          <a:prstGeom prst="line">
-            <a:avLst/>
-          </a:prstGeom>
-          <a:ln w="19050">
-            <a:solidFill>
-              <a:srgbClr val="7F7F7F"/>
-            </a:solidFill>
-          </a:ln>
-        </p:spPr>
-        <p:style>
-          <a:lnRef idx="1">
-            <a:schemeClr val="accent1"/>
-          </a:lnRef>
-          <a:fillRef idx="0">
-            <a:schemeClr val="accent1"/>
-          </a:fillRef>
-          <a:effectRef idx="0">
-            <a:schemeClr val="accent1"/>
-          </a:effectRef>
-          <a:fontRef idx="minor">
-            <a:schemeClr val="tx1"/>
-          </a:fontRef>
-        </p:style>
-      </p:cxnSp>
-      <p:pic>
-        <p:nvPicPr>
-          <p:cNvPr id="6" name="Content Placeholder 15" descr="A blue and white graph&#10;&#10;Description automatically generated">
-            <a:extLst>
-              <a:ext uri="{FF2B5EF4-FFF2-40B4-BE49-F238E27FC236}">
-                <a16:creationId xmlns:a16="http://schemas.microsoft.com/office/drawing/2014/main" id="{7A9D9373-1E99-1F6B-1EE4-10E10364F865}"/>
-              </a:ext>
-            </a:extLst>
-          </p:cNvPr>
-          <p:cNvPicPr>
-            <a:picLocks noChangeAspect="1"/>
-          </p:cNvPicPr>
-          <p:nvPr/>
-        </p:nvPicPr>
-        <p:blipFill>
-          <a:blip r:embed="rId4"/>
-          <a:stretch>
-            <a:fillRect/>
-          </a:stretch>
-        </p:blipFill>
-        <p:spPr>
-          <a:xfrm>
-            <a:off x="461400" y="1773903"/>
-            <a:ext cx="3517120" cy="3244543"/>
-          </a:xfrm>
-          <a:prstGeom prst="rect">
-            <a:avLst/>
-          </a:prstGeom>
-          <a:solidFill>
-            <a:srgbClr val="FFFFFF">
-              <a:shade val="85000"/>
-            </a:srgbClr>
-          </a:solidFill>
-          <a:scene3d>
-            <a:camera prst="orthographicFront"/>
-            <a:lightRig rig="twoPt" dir="t">
-              <a:rot lat="0" lon="0" rev="7200000"/>
-            </a:lightRig>
-          </a:scene3d>
-          <a:sp3d>
-            <a:bevelT w="25400" h="19050"/>
-            <a:contourClr>
-              <a:srgbClr val="FFFFFF"/>
-            </a:contourClr>
-          </a:sp3d>
-        </p:spPr>
-      </p:pic>
-      <p:sp>
-        <p:nvSpPr>
-          <p:cNvPr id="7" name="&quot;Not Allowed&quot; Symbol 6">
-            <a:extLst>
-              <a:ext uri="{FF2B5EF4-FFF2-40B4-BE49-F238E27FC236}">
-                <a16:creationId xmlns:a16="http://schemas.microsoft.com/office/drawing/2014/main" id="{E1D54D72-ED59-C6A9-1DB3-EE69161881A4}"/>
-              </a:ext>
-            </a:extLst>
-          </p:cNvPr>
-          <p:cNvSpPr/>
-          <p:nvPr/>
-        </p:nvSpPr>
-        <p:spPr>
-          <a:xfrm>
-            <a:off x="1371600" y="4280170"/>
-            <a:ext cx="214009" cy="204281"/>
-          </a:xfrm>
-          <a:prstGeom prst="noSmoking">
-            <a:avLst/>
-          </a:prstGeom>
-          <a:solidFill>
-            <a:schemeClr val="accent2"/>
-          </a:solidFill>
-        </p:spPr>
-        <p:style>
-          <a:lnRef idx="2">
-            <a:schemeClr val="accent1">
-              <a:shade val="15000"/>
-            </a:schemeClr>
-          </a:lnRef>
-          <a:fillRef idx="1">
-            <a:schemeClr val="accent1"/>
-          </a:fillRef>
-          <a:effectRef idx="0">
-            <a:schemeClr val="accent1"/>
-          </a:effectRef>
-          <a:fontRef idx="minor">
-            <a:schemeClr val="lt1"/>
-          </a:fontRef>
-        </p:style>
-        <p:txBody>
-          <a:bodyPr rtlCol="0" anchor="ctr"/>
-          <a:lstStyle/>
-          <a:p>
-            <a:pPr algn="ctr"/>
-            <a:endParaRPr lang="en-US">
-              <a:solidFill>
-                <a:schemeClr val="tx1"/>
-              </a:solidFill>
-            </a:endParaRPr>
-          </a:p>
-        </p:txBody>
-      </p:sp>
-      <p:sp>
-        <p:nvSpPr>
-          <p:cNvPr id="8" name="&quot;Not Allowed&quot; Symbol 7">
-            <a:extLst>
-              <a:ext uri="{FF2B5EF4-FFF2-40B4-BE49-F238E27FC236}">
-                <a16:creationId xmlns:a16="http://schemas.microsoft.com/office/drawing/2014/main" id="{C154E393-62AE-0634-D826-132AEA4DB35B}"/>
-              </a:ext>
-            </a:extLst>
-          </p:cNvPr>
-          <p:cNvSpPr/>
-          <p:nvPr/>
-        </p:nvSpPr>
-        <p:spPr>
-          <a:xfrm>
-            <a:off x="5078998" y="4280170"/>
-            <a:ext cx="214009" cy="204281"/>
-          </a:xfrm>
-          <a:prstGeom prst="noSmoking">
-            <a:avLst/>
-          </a:prstGeom>
-          <a:solidFill>
-            <a:schemeClr val="accent2"/>
-          </a:solidFill>
-        </p:spPr>
-        <p:style>
-          <a:lnRef idx="2">
-            <a:schemeClr val="accent1">
-              <a:shade val="15000"/>
-            </a:schemeClr>
-          </a:lnRef>
-          <a:fillRef idx="1">
-            <a:schemeClr val="accent1"/>
-          </a:fillRef>
-          <a:effectRef idx="0">
-            <a:schemeClr val="accent1"/>
-          </a:effectRef>
-          <a:fontRef idx="minor">
-            <a:schemeClr val="lt1"/>
-          </a:fontRef>
-        </p:style>
-        <p:txBody>
-          <a:bodyPr rtlCol="0" anchor="ctr"/>
-          <a:lstStyle/>
-          <a:p>
-            <a:pPr algn="ctr"/>
-            <a:endParaRPr lang="en-US">
-              <a:solidFill>
-                <a:schemeClr val="tx1"/>
-              </a:solidFill>
-            </a:endParaRPr>
-          </a:p>
-        </p:txBody>
-      </p:sp>
-      <p:sp>
-        <p:nvSpPr>
-          <p:cNvPr id="9" name="Smiley Face 8">
-            <a:extLst>
-              <a:ext uri="{FF2B5EF4-FFF2-40B4-BE49-F238E27FC236}">
-                <a16:creationId xmlns:a16="http://schemas.microsoft.com/office/drawing/2014/main" id="{EBB507D8-7FDC-7945-4CF3-370117E96D55}"/>
-              </a:ext>
-            </a:extLst>
-          </p:cNvPr>
-          <p:cNvSpPr/>
-          <p:nvPr/>
-        </p:nvSpPr>
-        <p:spPr>
-          <a:xfrm>
-            <a:off x="8791470" y="4280170"/>
-            <a:ext cx="214003" cy="204281"/>
-          </a:xfrm>
-          <a:prstGeom prst="smileyFace">
-            <a:avLst/>
-          </a:prstGeom>
-          <a:solidFill>
-            <a:schemeClr val="accent2"/>
-          </a:solidFill>
-        </p:spPr>
-        <p:style>
-          <a:lnRef idx="2">
-            <a:schemeClr val="accent1">
-              <a:shade val="15000"/>
-            </a:schemeClr>
-          </a:lnRef>
-          <a:fillRef idx="1">
-            <a:schemeClr val="accent1"/>
-          </a:fillRef>
-          <a:effectRef idx="0">
-            <a:schemeClr val="accent1"/>
-          </a:effectRef>
-          <a:fontRef idx="minor">
-            <a:schemeClr val="lt1"/>
-          </a:fontRef>
-        </p:style>
-        <p:txBody>
-          <a:bodyPr rtlCol="0" anchor="ctr"/>
-          <a:lstStyle/>
-          <a:p>
-            <a:pPr algn="ctr"/>
-            <a:endParaRPr lang="en-US"/>
-          </a:p>
-        </p:txBody>
-      </p:sp>
-    </p:spTree>
-    <p:extLst>
-      <p:ext uri="{BB962C8B-B14F-4D97-AF65-F5344CB8AC3E}">
-        <p14:creationId xmlns:p14="http://schemas.microsoft.com/office/powerpoint/2010/main" val="3805467070"/>
       </p:ext>
     </p:extLst>
   </p:cSld>

--- a/Project_Presentation_Employee_Attrition_Prediction.pptx
+++ b/Project_Presentation_Employee_Attrition_Prediction.pptx
@@ -17,12 +17,12 @@
     <p:sldId id="1611" r:id="rId8"/>
     <p:sldId id="257" r:id="rId9"/>
     <p:sldId id="258" r:id="rId10"/>
-    <p:sldId id="1605" r:id="rId11"/>
-    <p:sldId id="261" r:id="rId12"/>
+    <p:sldId id="261" r:id="rId11"/>
+    <p:sldId id="1605" r:id="rId12"/>
     <p:sldId id="1612" r:id="rId13"/>
     <p:sldId id="1613" r:id="rId14"/>
-    <p:sldId id="1603" r:id="rId15"/>
-    <p:sldId id="262" r:id="rId16"/>
+    <p:sldId id="262" r:id="rId15"/>
+    <p:sldId id="1603" r:id="rId16"/>
     <p:sldId id="265" r:id="rId17"/>
   </p:sldIdLst>
   <p:sldSz cx="12192000" cy="6858000"/>
@@ -3139,10 +3139,10 @@
     <dgm:cxn modelId="{2506FF35-0B73-4924-B3A6-CDA6CCE4D254}" type="presOf" srcId="{7D29E4BA-724A-4F0F-AAAC-896F91B289D5}" destId="{8F35218B-0B29-4537-A959-F065B533DCA0}" srcOrd="0" destOrd="0" presId="urn:microsoft.com/office/officeart/2005/8/layout/default"/>
     <dgm:cxn modelId="{DB22C239-922F-472F-B8EF-519C934D9D76}" srcId="{ED784AFE-1B07-45C6-BE33-1AEB9AC9BAAC}" destId="{BB1F6F43-E23D-4EA9-AC40-2EC9712A8DB0}" srcOrd="1" destOrd="0" parTransId="{D97ACDAA-3921-409E-84A8-BEAE666BA87D}" sibTransId="{87317E56-7708-421D-A8AA-D0A8FB135E10}"/>
     <dgm:cxn modelId="{327A003A-95FF-4036-879E-395A761AE4AE}" type="presOf" srcId="{A48216D7-7077-4AD6-9795-06A1DEBB9070}" destId="{2F70ABAD-FD34-4D55-B5C9-FDB43501D535}" srcOrd="0" destOrd="0" presId="urn:microsoft.com/office/officeart/2005/8/layout/default"/>
+    <dgm:cxn modelId="{56FB655D-01C2-4A56-9E24-E34DBD47A63F}" srcId="{ED784AFE-1B07-45C6-BE33-1AEB9AC9BAAC}" destId="{4292E375-61D9-4158-9C09-DF8F34317D5D}" srcOrd="0" destOrd="0" parTransId="{EF2C9413-C3D8-4BAA-8B47-8B63D4B1AABB}" sibTransId="{7C2E2CE5-EC43-4804-9BB2-DB62C8021990}"/>
     <dgm:cxn modelId="{EAE6F147-9D6A-4D7B-A86B-150AAD957A6A}" srcId="{7D29E4BA-724A-4F0F-AAAC-896F91B289D5}" destId="{4E005EB3-5501-40C1-AF1B-54CE7CD9360F}" srcOrd="0" destOrd="0" parTransId="{6D40B7BD-16CA-414B-AF09-504801BA60EF}" sibTransId="{E7EE611D-3CF4-481C-BC7C-5BE7048D352B}"/>
+    <dgm:cxn modelId="{47013673-3601-4AD8-9B2E-44F7DCB11541}" srcId="{BED7FE2B-2E73-4F95-AD2C-1BE75880880B}" destId="{CC050EFE-8108-43FE-9F48-9E70F52489C1}" srcOrd="5" destOrd="0" parTransId="{EA30F8A1-BD9A-4A76-B111-44A1361C01EE}" sibTransId="{93B753EF-65FD-42AF-8845-FD099EDAA830}"/>
     <dgm:cxn modelId="{CE694954-9E6A-418D-9B79-5F79324B5D44}" type="presOf" srcId="{B180E4AB-9ED3-4A31-8DF4-1A84E957DC34}" destId="{4841FE55-6EF3-474D-A028-5B9AFFAF4649}" srcOrd="0" destOrd="0" presId="urn:microsoft.com/office/officeart/2005/8/layout/default"/>
-    <dgm:cxn modelId="{56FB655D-01C2-4A56-9E24-E34DBD47A63F}" srcId="{ED784AFE-1B07-45C6-BE33-1AEB9AC9BAAC}" destId="{4292E375-61D9-4158-9C09-DF8F34317D5D}" srcOrd="0" destOrd="0" parTransId="{EF2C9413-C3D8-4BAA-8B47-8B63D4B1AABB}" sibTransId="{7C2E2CE5-EC43-4804-9BB2-DB62C8021990}"/>
-    <dgm:cxn modelId="{47013673-3601-4AD8-9B2E-44F7DCB11541}" srcId="{BED7FE2B-2E73-4F95-AD2C-1BE75880880B}" destId="{CC050EFE-8108-43FE-9F48-9E70F52489C1}" srcOrd="5" destOrd="0" parTransId="{EA30F8A1-BD9A-4A76-B111-44A1361C01EE}" sibTransId="{93B753EF-65FD-42AF-8845-FD099EDAA830}"/>
     <dgm:cxn modelId="{9B0FA176-374C-4017-9629-4C63A679BF5F}" type="presOf" srcId="{5D257861-C90E-41A1-8ADC-2F2D32BC6AC3}" destId="{4841FE55-6EF3-474D-A028-5B9AFFAF4649}" srcOrd="0" destOrd="1" presId="urn:microsoft.com/office/officeart/2005/8/layout/default"/>
     <dgm:cxn modelId="{34EB947B-4D41-42BA-8B62-03BC2F67A1E2}" type="presOf" srcId="{CF233DCB-DD28-4106-B364-7A95CAD6200C}" destId="{D4F68EC4-739F-407B-AE53-0ACC131A628B}" srcOrd="0" destOrd="2" presId="urn:microsoft.com/office/officeart/2005/8/layout/default"/>
     <dgm:cxn modelId="{D4A9857D-8319-428D-9776-D23067CB4F28}" srcId="{BED7FE2B-2E73-4F95-AD2C-1BE75880880B}" destId="{B180E4AB-9ED3-4A31-8DF4-1A84E957DC34}" srcOrd="0" destOrd="0" parTransId="{0AB4E1F8-BA5D-47ED-9E09-55F151C86E00}" sibTransId="{1FA59D29-EC3F-4EB6-848D-B86E0825326F}"/>
@@ -11469,7 +11469,7 @@
           <a:p>
             <a:fld id="{55EBF7F1-AB8B-45B9-85D6-EEAB5CA0B4C8}" type="datetimeFigureOut">
               <a:rPr lang="en-US" smtClean="0"/>
-              <a:t>12/5/24</a:t>
+              <a:t>12/5/2024</a:t>
             </a:fld>
             <a:endParaRPr lang="en-US"/>
           </a:p>
@@ -12135,7 +12135,7 @@
           <a:p>
             <a:fld id="{84B92407-704D-4C58-9180-B5C5B3785A42}" type="datetimeFigureOut">
               <a:rPr lang="en-US" smtClean="0"/>
-              <a:t>12/5/24</a:t>
+              <a:t>12/5/2024</a:t>
             </a:fld>
             <a:endParaRPr lang="en-US"/>
           </a:p>
@@ -12333,7 +12333,7 @@
           <a:p>
             <a:fld id="{84B92407-704D-4C58-9180-B5C5B3785A42}" type="datetimeFigureOut">
               <a:rPr lang="en-US" smtClean="0"/>
-              <a:t>12/5/24</a:t>
+              <a:t>12/5/2024</a:t>
             </a:fld>
             <a:endParaRPr lang="en-US"/>
           </a:p>
@@ -12541,7 +12541,7 @@
           <a:p>
             <a:fld id="{84B92407-704D-4C58-9180-B5C5B3785A42}" type="datetimeFigureOut">
               <a:rPr lang="en-US" smtClean="0"/>
-              <a:t>12/5/24</a:t>
+              <a:t>12/5/2024</a:t>
             </a:fld>
             <a:endParaRPr lang="en-US"/>
           </a:p>
@@ -12739,7 +12739,7 @@
           <a:p>
             <a:fld id="{84B92407-704D-4C58-9180-B5C5B3785A42}" type="datetimeFigureOut">
               <a:rPr lang="en-US" smtClean="0"/>
-              <a:t>12/5/24</a:t>
+              <a:t>12/5/2024</a:t>
             </a:fld>
             <a:endParaRPr lang="en-US"/>
           </a:p>
@@ -13014,7 +13014,7 @@
           <a:p>
             <a:fld id="{84B92407-704D-4C58-9180-B5C5B3785A42}" type="datetimeFigureOut">
               <a:rPr lang="en-US" smtClean="0"/>
-              <a:t>12/5/24</a:t>
+              <a:t>12/5/2024</a:t>
             </a:fld>
             <a:endParaRPr lang="en-US"/>
           </a:p>
@@ -13279,7 +13279,7 @@
           <a:p>
             <a:fld id="{84B92407-704D-4C58-9180-B5C5B3785A42}" type="datetimeFigureOut">
               <a:rPr lang="en-US" smtClean="0"/>
-              <a:t>12/5/24</a:t>
+              <a:t>12/5/2024</a:t>
             </a:fld>
             <a:endParaRPr lang="en-US"/>
           </a:p>
@@ -13691,7 +13691,7 @@
           <a:p>
             <a:fld id="{84B92407-704D-4C58-9180-B5C5B3785A42}" type="datetimeFigureOut">
               <a:rPr lang="en-US" smtClean="0"/>
-              <a:t>12/5/24</a:t>
+              <a:t>12/5/2024</a:t>
             </a:fld>
             <a:endParaRPr lang="en-US"/>
           </a:p>
@@ -13832,7 +13832,7 @@
           <a:p>
             <a:fld id="{84B92407-704D-4C58-9180-B5C5B3785A42}" type="datetimeFigureOut">
               <a:rPr lang="en-US" smtClean="0"/>
-              <a:t>12/5/24</a:t>
+              <a:t>12/5/2024</a:t>
             </a:fld>
             <a:endParaRPr lang="en-US"/>
           </a:p>
@@ -13945,7 +13945,7 @@
           <a:p>
             <a:fld id="{84B92407-704D-4C58-9180-B5C5B3785A42}" type="datetimeFigureOut">
               <a:rPr lang="en-US" smtClean="0"/>
-              <a:t>12/5/24</a:t>
+              <a:t>12/5/2024</a:t>
             </a:fld>
             <a:endParaRPr lang="en-US"/>
           </a:p>
@@ -14256,7 +14256,7 @@
           <a:p>
             <a:fld id="{84B92407-704D-4C58-9180-B5C5B3785A42}" type="datetimeFigureOut">
               <a:rPr lang="en-US" smtClean="0"/>
-              <a:t>12/5/24</a:t>
+              <a:t>12/5/2024</a:t>
             </a:fld>
             <a:endParaRPr lang="en-US"/>
           </a:p>
@@ -14544,7 +14544,7 @@
           <a:p>
             <a:fld id="{84B92407-704D-4C58-9180-B5C5B3785A42}" type="datetimeFigureOut">
               <a:rPr lang="en-US" smtClean="0"/>
-              <a:t>12/5/24</a:t>
+              <a:t>12/5/2024</a:t>
             </a:fld>
             <a:endParaRPr lang="en-US"/>
           </a:p>
@@ -14785,7 +14785,7 @@
           <a:p>
             <a:fld id="{84B92407-704D-4C58-9180-B5C5B3785A42}" type="datetimeFigureOut">
               <a:rPr lang="en-US" smtClean="0"/>
-              <a:t>12/5/24</a:t>
+              <a:t>12/5/2024</a:t>
             </a:fld>
             <a:endParaRPr lang="en-US"/>
           </a:p>
@@ -16391,6 +16391,526 @@
           <a:chExt cx="0" cy="0"/>
         </a:xfrm>
       </p:grpSpPr>
+      <p:sp useBgFill="1">
+        <p:nvSpPr>
+          <p:cNvPr id="10" name="Rectangle 9">
+            <a:extLst>
+              <a:ext uri="{FF2B5EF4-FFF2-40B4-BE49-F238E27FC236}">
+                <a16:creationId xmlns:a16="http://schemas.microsoft.com/office/drawing/2014/main" id="{743AA782-23D1-4521-8CAD-47662984AA08}"/>
+              </a:ext>
+              <a:ext uri="{C183D7F6-B498-43B3-948B-1728B52AA6E4}">
+                <adec:decorative xmlns:adec="http://schemas.microsoft.com/office/drawing/2017/decorative" val="1"/>
+              </a:ext>
+            </a:extLst>
+          </p:cNvPr>
+          <p:cNvSpPr>
+            <a:spLocks noGrp="1" noRot="1" noChangeAspect="1" noMove="1" noResize="1" noEditPoints="1" noAdjustHandles="1" noChangeArrowheads="1" noChangeShapeType="1" noTextEdit="1"/>
+          </p:cNvSpPr>
+          <p:nvPr>
+            <p:extLst>
+              <p:ext uri="{386F3935-93C4-4BCD-93E2-E3B085C9AB24}">
+                <p16:designElem xmlns:p16="http://schemas.microsoft.com/office/powerpoint/2015/main" val="1"/>
+              </p:ext>
+            </p:extLst>
+          </p:nvPr>
+        </p:nvSpPr>
+        <p:spPr>
+          <a:xfrm>
+            <a:off x="0" y="0"/>
+            <a:ext cx="12192000" cy="6858000"/>
+          </a:xfrm>
+          <a:prstGeom prst="rect">
+            <a:avLst/>
+          </a:prstGeom>
+          <a:ln>
+            <a:noFill/>
+          </a:ln>
+        </p:spPr>
+        <p:style>
+          <a:lnRef idx="2">
+            <a:schemeClr val="accent1">
+              <a:shade val="50000"/>
+            </a:schemeClr>
+          </a:lnRef>
+          <a:fillRef idx="1">
+            <a:schemeClr val="accent1"/>
+          </a:fillRef>
+          <a:effectRef idx="0">
+            <a:schemeClr val="accent1"/>
+          </a:effectRef>
+          <a:fontRef idx="minor">
+            <a:schemeClr val="lt1"/>
+          </a:fontRef>
+        </p:style>
+        <p:txBody>
+          <a:bodyPr rtlCol="0" anchor="ctr"/>
+          <a:lstStyle/>
+          <a:p>
+            <a:pPr algn="ctr"/>
+            <a:endParaRPr lang="en-US"/>
+          </a:p>
+        </p:txBody>
+      </p:sp>
+      <p:sp>
+        <p:nvSpPr>
+          <p:cNvPr id="2" name="Title 1">
+            <a:extLst>
+              <a:ext uri="{FF2B5EF4-FFF2-40B4-BE49-F238E27FC236}">
+                <a16:creationId xmlns:a16="http://schemas.microsoft.com/office/drawing/2014/main" id="{813117B0-1D65-49CA-95E9-828CF423B6A0}"/>
+              </a:ext>
+            </a:extLst>
+          </p:cNvPr>
+          <p:cNvSpPr>
+            <a:spLocks noGrp="1"/>
+          </p:cNvSpPr>
+          <p:nvPr>
+            <p:ph type="title"/>
+          </p:nvPr>
+        </p:nvSpPr>
+        <p:spPr>
+          <a:xfrm>
+            <a:off x="630936" y="640080"/>
+            <a:ext cx="4818888" cy="1481328"/>
+          </a:xfrm>
+        </p:spPr>
+        <p:txBody>
+          <a:bodyPr vert="horz" lIns="91440" tIns="45720" rIns="91440" bIns="45720" rtlCol="0" anchor="b">
+            <a:normAutofit/>
+          </a:bodyPr>
+          <a:lstStyle/>
+          <a:p>
+            <a:r>
+              <a:rPr lang="en-US" sz="3800" b="1" kern="1200" dirty="0">
+                <a:solidFill>
+                  <a:schemeClr val="tx1"/>
+                </a:solidFill>
+                <a:latin typeface="+mj-lt"/>
+                <a:ea typeface="+mj-ea"/>
+                <a:cs typeface="+mj-cs"/>
+              </a:rPr>
+              <a:t>Can we improve using neural network ? </a:t>
+            </a:r>
+          </a:p>
+        </p:txBody>
+      </p:sp>
+      <p:sp>
+        <p:nvSpPr>
+          <p:cNvPr id="12" name="sketch line">
+            <a:extLst>
+              <a:ext uri="{FF2B5EF4-FFF2-40B4-BE49-F238E27FC236}">
+                <a16:creationId xmlns:a16="http://schemas.microsoft.com/office/drawing/2014/main" id="{71877DBC-BB60-40F0-AC93-2ACDBAAE60CE}"/>
+              </a:ext>
+              <a:ext uri="{C183D7F6-B498-43B3-948B-1728B52AA6E4}">
+                <adec:decorative xmlns:adec="http://schemas.microsoft.com/office/drawing/2017/decorative" val="1"/>
+              </a:ext>
+            </a:extLst>
+          </p:cNvPr>
+          <p:cNvSpPr>
+            <a:spLocks noGrp="1" noRot="1" noChangeAspect="1" noMove="1" noResize="1" noEditPoints="1" noAdjustHandles="1" noChangeArrowheads="1" noChangeShapeType="1" noTextEdit="1"/>
+          </p:cNvSpPr>
+          <p:nvPr>
+            <p:extLst>
+              <p:ext uri="{386F3935-93C4-4BCD-93E2-E3B085C9AB24}">
+                <p16:designElem xmlns:p16="http://schemas.microsoft.com/office/powerpoint/2015/main" val="1"/>
+              </p:ext>
+            </p:extLst>
+          </p:nvPr>
+        </p:nvSpPr>
+        <p:spPr>
+          <a:xfrm>
+            <a:off x="643278" y="2372868"/>
+            <a:ext cx="3255095" cy="18288"/>
+          </a:xfrm>
+          <a:custGeom>
+            <a:avLst/>
+            <a:gdLst>
+              <a:gd name="connsiteX0" fmla="*/ 0 w 3255095"/>
+              <a:gd name="connsiteY0" fmla="*/ 0 h 18288"/>
+              <a:gd name="connsiteX1" fmla="*/ 618468 w 3255095"/>
+              <a:gd name="connsiteY1" fmla="*/ 0 h 18288"/>
+              <a:gd name="connsiteX2" fmla="*/ 1269487 w 3255095"/>
+              <a:gd name="connsiteY2" fmla="*/ 0 h 18288"/>
+              <a:gd name="connsiteX3" fmla="*/ 1953057 w 3255095"/>
+              <a:gd name="connsiteY3" fmla="*/ 0 h 18288"/>
+              <a:gd name="connsiteX4" fmla="*/ 2636627 w 3255095"/>
+              <a:gd name="connsiteY4" fmla="*/ 0 h 18288"/>
+              <a:gd name="connsiteX5" fmla="*/ 3255095 w 3255095"/>
+              <a:gd name="connsiteY5" fmla="*/ 0 h 18288"/>
+              <a:gd name="connsiteX6" fmla="*/ 3255095 w 3255095"/>
+              <a:gd name="connsiteY6" fmla="*/ 18288 h 18288"/>
+              <a:gd name="connsiteX7" fmla="*/ 2538974 w 3255095"/>
+              <a:gd name="connsiteY7" fmla="*/ 18288 h 18288"/>
+              <a:gd name="connsiteX8" fmla="*/ 1822853 w 3255095"/>
+              <a:gd name="connsiteY8" fmla="*/ 18288 h 18288"/>
+              <a:gd name="connsiteX9" fmla="*/ 1171834 w 3255095"/>
+              <a:gd name="connsiteY9" fmla="*/ 18288 h 18288"/>
+              <a:gd name="connsiteX10" fmla="*/ 0 w 3255095"/>
+              <a:gd name="connsiteY10" fmla="*/ 18288 h 18288"/>
+              <a:gd name="connsiteX11" fmla="*/ 0 w 3255095"/>
+              <a:gd name="connsiteY11" fmla="*/ 0 h 18288"/>
+            </a:gdLst>
+            <a:ahLst/>
+            <a:cxnLst>
+              <a:cxn ang="0">
+                <a:pos x="connsiteX0" y="connsiteY0"/>
+              </a:cxn>
+              <a:cxn ang="0">
+                <a:pos x="connsiteX1" y="connsiteY1"/>
+              </a:cxn>
+              <a:cxn ang="0">
+                <a:pos x="connsiteX2" y="connsiteY2"/>
+              </a:cxn>
+              <a:cxn ang="0">
+                <a:pos x="connsiteX3" y="connsiteY3"/>
+              </a:cxn>
+              <a:cxn ang="0">
+                <a:pos x="connsiteX4" y="connsiteY4"/>
+              </a:cxn>
+              <a:cxn ang="0">
+                <a:pos x="connsiteX5" y="connsiteY5"/>
+              </a:cxn>
+              <a:cxn ang="0">
+                <a:pos x="connsiteX6" y="connsiteY6"/>
+              </a:cxn>
+              <a:cxn ang="0">
+                <a:pos x="connsiteX7" y="connsiteY7"/>
+              </a:cxn>
+              <a:cxn ang="0">
+                <a:pos x="connsiteX8" y="connsiteY8"/>
+              </a:cxn>
+              <a:cxn ang="0">
+                <a:pos x="connsiteX9" y="connsiteY9"/>
+              </a:cxn>
+              <a:cxn ang="0">
+                <a:pos x="connsiteX10" y="connsiteY10"/>
+              </a:cxn>
+              <a:cxn ang="0">
+                <a:pos x="connsiteX11" y="connsiteY11"/>
+              </a:cxn>
+            </a:cxnLst>
+            <a:rect l="l" t="t" r="r" b="b"/>
+            <a:pathLst>
+              <a:path w="3255095" h="18288" fill="none" extrusionOk="0">
+                <a:moveTo>
+                  <a:pt x="0" y="0"/>
+                </a:moveTo>
+                <a:cubicBezTo>
+                  <a:pt x="240201" y="-22123"/>
+                  <a:pt x="462021" y="-19623"/>
+                  <a:pt x="618468" y="0"/>
+                </a:cubicBezTo>
+                <a:cubicBezTo>
+                  <a:pt x="774915" y="19623"/>
+                  <a:pt x="974734" y="2035"/>
+                  <a:pt x="1269487" y="0"/>
+                </a:cubicBezTo>
+                <a:cubicBezTo>
+                  <a:pt x="1564240" y="-2035"/>
+                  <a:pt x="1733579" y="10639"/>
+                  <a:pt x="1953057" y="0"/>
+                </a:cubicBezTo>
+                <a:cubicBezTo>
+                  <a:pt x="2172535" y="-10639"/>
+                  <a:pt x="2453962" y="14018"/>
+                  <a:pt x="2636627" y="0"/>
+                </a:cubicBezTo>
+                <a:cubicBezTo>
+                  <a:pt x="2819292" y="-14018"/>
+                  <a:pt x="3121375" y="5399"/>
+                  <a:pt x="3255095" y="0"/>
+                </a:cubicBezTo>
+                <a:cubicBezTo>
+                  <a:pt x="3254386" y="8157"/>
+                  <a:pt x="3254682" y="12125"/>
+                  <a:pt x="3255095" y="18288"/>
+                </a:cubicBezTo>
+                <a:cubicBezTo>
+                  <a:pt x="3088545" y="23203"/>
+                  <a:pt x="2687475" y="7419"/>
+                  <a:pt x="2538974" y="18288"/>
+                </a:cubicBezTo>
+                <a:cubicBezTo>
+                  <a:pt x="2390473" y="29157"/>
+                  <a:pt x="2137381" y="-8959"/>
+                  <a:pt x="1822853" y="18288"/>
+                </a:cubicBezTo>
+                <a:cubicBezTo>
+                  <a:pt x="1508325" y="45535"/>
+                  <a:pt x="1466437" y="20385"/>
+                  <a:pt x="1171834" y="18288"/>
+                </a:cubicBezTo>
+                <a:cubicBezTo>
+                  <a:pt x="877231" y="16191"/>
+                  <a:pt x="561097" y="37643"/>
+                  <a:pt x="0" y="18288"/>
+                </a:cubicBezTo>
+                <a:cubicBezTo>
+                  <a:pt x="-46" y="12483"/>
+                  <a:pt x="-203" y="6491"/>
+                  <a:pt x="0" y="0"/>
+                </a:cubicBezTo>
+                <a:close/>
+              </a:path>
+              <a:path w="3255095" h="18288" stroke="0" extrusionOk="0">
+                <a:moveTo>
+                  <a:pt x="0" y="0"/>
+                </a:moveTo>
+                <a:cubicBezTo>
+                  <a:pt x="291965" y="19429"/>
+                  <a:pt x="363155" y="8568"/>
+                  <a:pt x="618468" y="0"/>
+                </a:cubicBezTo>
+                <a:cubicBezTo>
+                  <a:pt x="873781" y="-8568"/>
+                  <a:pt x="904459" y="-19505"/>
+                  <a:pt x="1171834" y="0"/>
+                </a:cubicBezTo>
+                <a:cubicBezTo>
+                  <a:pt x="1439209" y="19505"/>
+                  <a:pt x="1744369" y="9790"/>
+                  <a:pt x="1887955" y="0"/>
+                </a:cubicBezTo>
+                <a:cubicBezTo>
+                  <a:pt x="2031541" y="-9790"/>
+                  <a:pt x="2346378" y="21240"/>
+                  <a:pt x="2506423" y="0"/>
+                </a:cubicBezTo>
+                <a:cubicBezTo>
+                  <a:pt x="2666468" y="-21240"/>
+                  <a:pt x="2990257" y="30414"/>
+                  <a:pt x="3255095" y="0"/>
+                </a:cubicBezTo>
+                <a:cubicBezTo>
+                  <a:pt x="3254831" y="4493"/>
+                  <a:pt x="3255479" y="9472"/>
+                  <a:pt x="3255095" y="18288"/>
+                </a:cubicBezTo>
+                <a:cubicBezTo>
+                  <a:pt x="3120743" y="16690"/>
+                  <a:pt x="2759628" y="42462"/>
+                  <a:pt x="2604076" y="18288"/>
+                </a:cubicBezTo>
+                <a:cubicBezTo>
+                  <a:pt x="2448524" y="-5886"/>
+                  <a:pt x="2184336" y="19599"/>
+                  <a:pt x="1887955" y="18288"/>
+                </a:cubicBezTo>
+                <a:cubicBezTo>
+                  <a:pt x="1591574" y="16977"/>
+                  <a:pt x="1548845" y="6870"/>
+                  <a:pt x="1334589" y="18288"/>
+                </a:cubicBezTo>
+                <a:cubicBezTo>
+                  <a:pt x="1120333" y="29706"/>
+                  <a:pt x="996014" y="9662"/>
+                  <a:pt x="683570" y="18288"/>
+                </a:cubicBezTo>
+                <a:cubicBezTo>
+                  <a:pt x="371126" y="26914"/>
+                  <a:pt x="198687" y="16167"/>
+                  <a:pt x="0" y="18288"/>
+                </a:cubicBezTo>
+                <a:cubicBezTo>
+                  <a:pt x="843" y="9577"/>
+                  <a:pt x="371" y="6900"/>
+                  <a:pt x="0" y="0"/>
+                </a:cubicBezTo>
+                <a:close/>
+              </a:path>
+            </a:pathLst>
+          </a:custGeom>
+          <a:solidFill>
+            <a:schemeClr val="accent2"/>
+          </a:solidFill>
+          <a:ln w="38100" cap="rnd">
+            <a:solidFill>
+              <a:schemeClr val="accent2"/>
+            </a:solidFill>
+            <a:round/>
+            <a:extLst>
+              <a:ext uri="{C807C97D-BFC1-408E-A445-0C87EB9F89A2}">
+                <ask:lineSketchStyleProps xmlns:ask="http://schemas.microsoft.com/office/drawing/2018/sketchyshapes" sd="1219033472">
+                  <a:prstGeom prst="rect">
+                    <a:avLst/>
+                  </a:prstGeom>
+                  <ask:type>
+                    <ask:lineSketchFreehand/>
+                  </ask:type>
+                </ask:lineSketchStyleProps>
+              </a:ext>
+            </a:extLst>
+          </a:ln>
+        </p:spPr>
+        <p:style>
+          <a:lnRef idx="2">
+            <a:schemeClr val="accent1">
+              <a:shade val="50000"/>
+            </a:schemeClr>
+          </a:lnRef>
+          <a:fillRef idx="1">
+            <a:schemeClr val="accent1"/>
+          </a:fillRef>
+          <a:effectRef idx="0">
+            <a:schemeClr val="accent1"/>
+          </a:effectRef>
+          <a:fontRef idx="minor">
+            <a:schemeClr val="lt1"/>
+          </a:fontRef>
+        </p:style>
+        <p:txBody>
+          <a:bodyPr rtlCol="0" anchor="ctr"/>
+          <a:lstStyle/>
+          <a:p>
+            <a:pPr algn="ctr"/>
+            <a:endParaRPr lang="en-US"/>
+          </a:p>
+        </p:txBody>
+      </p:sp>
+      <p:sp>
+        <p:nvSpPr>
+          <p:cNvPr id="4" name="Content Placeholder 3">
+            <a:extLst>
+              <a:ext uri="{FF2B5EF4-FFF2-40B4-BE49-F238E27FC236}">
+                <a16:creationId xmlns:a16="http://schemas.microsoft.com/office/drawing/2014/main" id="{F0364838-53A3-C1E5-BE6F-9E27F00B48DD}"/>
+              </a:ext>
+            </a:extLst>
+          </p:cNvPr>
+          <p:cNvSpPr>
+            <a:spLocks noGrp="1"/>
+          </p:cNvSpPr>
+          <p:nvPr>
+            <p:ph sz="half" idx="2"/>
+          </p:nvPr>
+        </p:nvSpPr>
+        <p:spPr>
+          <a:xfrm>
+            <a:off x="630936" y="2660904"/>
+            <a:ext cx="4818888" cy="3547872"/>
+          </a:xfrm>
+        </p:spPr>
+        <p:txBody>
+          <a:bodyPr vert="horz" lIns="91440" tIns="45720" rIns="91440" bIns="45720" rtlCol="0" anchor="t">
+            <a:normAutofit/>
+          </a:bodyPr>
+          <a:lstStyle/>
+          <a:p>
+            <a:r>
+              <a:rPr lang="en-US" sz="2000" dirty="0"/>
+              <a:t>f1 score 91% in single try . </a:t>
+            </a:r>
+          </a:p>
+          <a:p>
+            <a:r>
+              <a:rPr lang="en-US" sz="2000" dirty="0"/>
+              <a:t>Accuracy reduces when we add more layer and number of neurons in each layer  ( f1 reduces to 61% also )</a:t>
+            </a:r>
+          </a:p>
+          <a:p>
+            <a:r>
+              <a:rPr lang="en-US" sz="2000" b="1" dirty="0"/>
+              <a:t>Random forest is still best for our problem.</a:t>
+            </a:r>
+          </a:p>
+          <a:p>
+            <a:r>
+              <a:rPr lang="en-US" sz="2000" dirty="0"/>
+              <a:t>Even though using sigmoid at the output layer this will not give 0 and 1 directly .</a:t>
+            </a:r>
+          </a:p>
+          <a:p>
+            <a:r>
+              <a:rPr lang="en-US" sz="2000" dirty="0"/>
+              <a:t>Use (</a:t>
+            </a:r>
+            <a:r>
+              <a:rPr lang="en-US" sz="2000" dirty="0" err="1"/>
+              <a:t>y_pred</a:t>
+            </a:r>
+            <a:r>
+              <a:rPr lang="en-US" sz="2000" dirty="0"/>
+              <a:t> &gt; 0.6).</a:t>
+            </a:r>
+            <a:r>
+              <a:rPr lang="en-US" sz="2000" dirty="0" err="1"/>
+              <a:t>astype</a:t>
+            </a:r>
+            <a:r>
+              <a:rPr lang="en-US" sz="2000" dirty="0"/>
+              <a:t>(int) to get binary prediction .</a:t>
+            </a:r>
+          </a:p>
+        </p:txBody>
+      </p:sp>
+      <p:pic>
+        <p:nvPicPr>
+          <p:cNvPr id="5" name="Content Placeholder 4" descr="A screenshot of a computer&#10;&#10;Description automatically generated">
+            <a:extLst>
+              <a:ext uri="{FF2B5EF4-FFF2-40B4-BE49-F238E27FC236}">
+                <a16:creationId xmlns:a16="http://schemas.microsoft.com/office/drawing/2014/main" id="{EA8E0A5F-73AA-27D0-684F-EBD45C094503}"/>
+              </a:ext>
+            </a:extLst>
+          </p:cNvPr>
+          <p:cNvPicPr>
+            <a:picLocks noGrp="1" noChangeAspect="1"/>
+          </p:cNvPicPr>
+          <p:nvPr>
+            <p:ph sz="half" idx="1"/>
+          </p:nvPr>
+        </p:nvPicPr>
+        <p:blipFill>
+          <a:blip r:embed="rId2"/>
+          <a:stretch>
+            <a:fillRect/>
+          </a:stretch>
+        </p:blipFill>
+        <p:spPr>
+          <a:xfrm>
+            <a:off x="6099048" y="1880018"/>
+            <a:ext cx="5458968" cy="3097964"/>
+          </a:xfrm>
+          <a:prstGeom prst="rect">
+            <a:avLst/>
+          </a:prstGeom>
+        </p:spPr>
+      </p:pic>
+    </p:spTree>
+    <p:extLst>
+      <p:ext uri="{BB962C8B-B14F-4D97-AF65-F5344CB8AC3E}">
+        <p14:creationId xmlns:p14="http://schemas.microsoft.com/office/powerpoint/2010/main" val="1295955427"/>
+      </p:ext>
+    </p:extLst>
+  </p:cSld>
+  <p:clrMapOvr>
+    <a:masterClrMapping/>
+  </p:clrMapOvr>
+</p:sld>
+</file>
+
+<file path=ppt/slides/slide11.xml><?xml version="1.0" encoding="utf-8"?>
+<p:sld xmlns:a="http://schemas.openxmlformats.org/drawingml/2006/main" xmlns:r="http://schemas.openxmlformats.org/officeDocument/2006/relationships" xmlns:p="http://schemas.openxmlformats.org/presentationml/2006/main">
+  <p:cSld>
+    <p:bg>
+      <p:bgPr>
+        <a:solidFill>
+          <a:schemeClr val="bg1"/>
+        </a:solidFill>
+        <a:effectLst/>
+      </p:bgPr>
+    </p:bg>
+    <p:spTree>
+      <p:nvGrpSpPr>
+        <p:cNvPr id="1" name=""/>
+        <p:cNvGrpSpPr/>
+        <p:nvPr/>
+      </p:nvGrpSpPr>
+      <p:grpSpPr>
+        <a:xfrm>
+          <a:off x="0" y="0"/>
+          <a:ext cx="0" cy="0"/>
+          <a:chOff x="0" y="0"/>
+          <a:chExt cx="0" cy="0"/>
+        </a:xfrm>
+      </p:grpSpPr>
       <p:pic>
         <p:nvPicPr>
           <p:cNvPr id="4" name="Picture 3" descr="A blue squares with white text&#10;&#10;Description automatically generated">
@@ -16761,526 +17281,6 @@
     <p:extLst>
       <p:ext uri="{BB962C8B-B14F-4D97-AF65-F5344CB8AC3E}">
         <p14:creationId xmlns:p14="http://schemas.microsoft.com/office/powerpoint/2010/main" val="3805467070"/>
-      </p:ext>
-    </p:extLst>
-  </p:cSld>
-  <p:clrMapOvr>
-    <a:masterClrMapping/>
-  </p:clrMapOvr>
-</p:sld>
-</file>
-
-<file path=ppt/slides/slide11.xml><?xml version="1.0" encoding="utf-8"?>
-<p:sld xmlns:a="http://schemas.openxmlformats.org/drawingml/2006/main" xmlns:r="http://schemas.openxmlformats.org/officeDocument/2006/relationships" xmlns:p="http://schemas.openxmlformats.org/presentationml/2006/main">
-  <p:cSld>
-    <p:bg>
-      <p:bgPr>
-        <a:solidFill>
-          <a:schemeClr val="bg1"/>
-        </a:solidFill>
-        <a:effectLst/>
-      </p:bgPr>
-    </p:bg>
-    <p:spTree>
-      <p:nvGrpSpPr>
-        <p:cNvPr id="1" name=""/>
-        <p:cNvGrpSpPr/>
-        <p:nvPr/>
-      </p:nvGrpSpPr>
-      <p:grpSpPr>
-        <a:xfrm>
-          <a:off x="0" y="0"/>
-          <a:ext cx="0" cy="0"/>
-          <a:chOff x="0" y="0"/>
-          <a:chExt cx="0" cy="0"/>
-        </a:xfrm>
-      </p:grpSpPr>
-      <p:sp useBgFill="1">
-        <p:nvSpPr>
-          <p:cNvPr id="10" name="Rectangle 9">
-            <a:extLst>
-              <a:ext uri="{FF2B5EF4-FFF2-40B4-BE49-F238E27FC236}">
-                <a16:creationId xmlns:a16="http://schemas.microsoft.com/office/drawing/2014/main" id="{743AA782-23D1-4521-8CAD-47662984AA08}"/>
-              </a:ext>
-              <a:ext uri="{C183D7F6-B498-43B3-948B-1728B52AA6E4}">
-                <adec:decorative xmlns:adec="http://schemas.microsoft.com/office/drawing/2017/decorative" val="1"/>
-              </a:ext>
-            </a:extLst>
-          </p:cNvPr>
-          <p:cNvSpPr>
-            <a:spLocks noGrp="1" noRot="1" noChangeAspect="1" noMove="1" noResize="1" noEditPoints="1" noAdjustHandles="1" noChangeArrowheads="1" noChangeShapeType="1" noTextEdit="1"/>
-          </p:cNvSpPr>
-          <p:nvPr>
-            <p:extLst>
-              <p:ext uri="{386F3935-93C4-4BCD-93E2-E3B085C9AB24}">
-                <p16:designElem xmlns:p16="http://schemas.microsoft.com/office/powerpoint/2015/main" val="1"/>
-              </p:ext>
-            </p:extLst>
-          </p:nvPr>
-        </p:nvSpPr>
-        <p:spPr>
-          <a:xfrm>
-            <a:off x="0" y="0"/>
-            <a:ext cx="12192000" cy="6858000"/>
-          </a:xfrm>
-          <a:prstGeom prst="rect">
-            <a:avLst/>
-          </a:prstGeom>
-          <a:ln>
-            <a:noFill/>
-          </a:ln>
-        </p:spPr>
-        <p:style>
-          <a:lnRef idx="2">
-            <a:schemeClr val="accent1">
-              <a:shade val="50000"/>
-            </a:schemeClr>
-          </a:lnRef>
-          <a:fillRef idx="1">
-            <a:schemeClr val="accent1"/>
-          </a:fillRef>
-          <a:effectRef idx="0">
-            <a:schemeClr val="accent1"/>
-          </a:effectRef>
-          <a:fontRef idx="minor">
-            <a:schemeClr val="lt1"/>
-          </a:fontRef>
-        </p:style>
-        <p:txBody>
-          <a:bodyPr rtlCol="0" anchor="ctr"/>
-          <a:lstStyle/>
-          <a:p>
-            <a:pPr algn="ctr"/>
-            <a:endParaRPr lang="en-US"/>
-          </a:p>
-        </p:txBody>
-      </p:sp>
-      <p:sp>
-        <p:nvSpPr>
-          <p:cNvPr id="2" name="Title 1">
-            <a:extLst>
-              <a:ext uri="{FF2B5EF4-FFF2-40B4-BE49-F238E27FC236}">
-                <a16:creationId xmlns:a16="http://schemas.microsoft.com/office/drawing/2014/main" id="{813117B0-1D65-49CA-95E9-828CF423B6A0}"/>
-              </a:ext>
-            </a:extLst>
-          </p:cNvPr>
-          <p:cNvSpPr>
-            <a:spLocks noGrp="1"/>
-          </p:cNvSpPr>
-          <p:nvPr>
-            <p:ph type="title"/>
-          </p:nvPr>
-        </p:nvSpPr>
-        <p:spPr>
-          <a:xfrm>
-            <a:off x="630936" y="640080"/>
-            <a:ext cx="4818888" cy="1481328"/>
-          </a:xfrm>
-        </p:spPr>
-        <p:txBody>
-          <a:bodyPr vert="horz" lIns="91440" tIns="45720" rIns="91440" bIns="45720" rtlCol="0" anchor="b">
-            <a:normAutofit/>
-          </a:bodyPr>
-          <a:lstStyle/>
-          <a:p>
-            <a:r>
-              <a:rPr lang="en-US" sz="3800" b="1" kern="1200" dirty="0">
-                <a:solidFill>
-                  <a:schemeClr val="tx1"/>
-                </a:solidFill>
-                <a:latin typeface="+mj-lt"/>
-                <a:ea typeface="+mj-ea"/>
-                <a:cs typeface="+mj-cs"/>
-              </a:rPr>
-              <a:t>Can we improve using neural network ? </a:t>
-            </a:r>
-          </a:p>
-        </p:txBody>
-      </p:sp>
-      <p:sp>
-        <p:nvSpPr>
-          <p:cNvPr id="12" name="sketch line">
-            <a:extLst>
-              <a:ext uri="{FF2B5EF4-FFF2-40B4-BE49-F238E27FC236}">
-                <a16:creationId xmlns:a16="http://schemas.microsoft.com/office/drawing/2014/main" id="{71877DBC-BB60-40F0-AC93-2ACDBAAE60CE}"/>
-              </a:ext>
-              <a:ext uri="{C183D7F6-B498-43B3-948B-1728B52AA6E4}">
-                <adec:decorative xmlns:adec="http://schemas.microsoft.com/office/drawing/2017/decorative" val="1"/>
-              </a:ext>
-            </a:extLst>
-          </p:cNvPr>
-          <p:cNvSpPr>
-            <a:spLocks noGrp="1" noRot="1" noChangeAspect="1" noMove="1" noResize="1" noEditPoints="1" noAdjustHandles="1" noChangeArrowheads="1" noChangeShapeType="1" noTextEdit="1"/>
-          </p:cNvSpPr>
-          <p:nvPr>
-            <p:extLst>
-              <p:ext uri="{386F3935-93C4-4BCD-93E2-E3B085C9AB24}">
-                <p16:designElem xmlns:p16="http://schemas.microsoft.com/office/powerpoint/2015/main" val="1"/>
-              </p:ext>
-            </p:extLst>
-          </p:nvPr>
-        </p:nvSpPr>
-        <p:spPr>
-          <a:xfrm>
-            <a:off x="643278" y="2372868"/>
-            <a:ext cx="3255095" cy="18288"/>
-          </a:xfrm>
-          <a:custGeom>
-            <a:avLst/>
-            <a:gdLst>
-              <a:gd name="connsiteX0" fmla="*/ 0 w 3255095"/>
-              <a:gd name="connsiteY0" fmla="*/ 0 h 18288"/>
-              <a:gd name="connsiteX1" fmla="*/ 618468 w 3255095"/>
-              <a:gd name="connsiteY1" fmla="*/ 0 h 18288"/>
-              <a:gd name="connsiteX2" fmla="*/ 1269487 w 3255095"/>
-              <a:gd name="connsiteY2" fmla="*/ 0 h 18288"/>
-              <a:gd name="connsiteX3" fmla="*/ 1953057 w 3255095"/>
-              <a:gd name="connsiteY3" fmla="*/ 0 h 18288"/>
-              <a:gd name="connsiteX4" fmla="*/ 2636627 w 3255095"/>
-              <a:gd name="connsiteY4" fmla="*/ 0 h 18288"/>
-              <a:gd name="connsiteX5" fmla="*/ 3255095 w 3255095"/>
-              <a:gd name="connsiteY5" fmla="*/ 0 h 18288"/>
-              <a:gd name="connsiteX6" fmla="*/ 3255095 w 3255095"/>
-              <a:gd name="connsiteY6" fmla="*/ 18288 h 18288"/>
-              <a:gd name="connsiteX7" fmla="*/ 2538974 w 3255095"/>
-              <a:gd name="connsiteY7" fmla="*/ 18288 h 18288"/>
-              <a:gd name="connsiteX8" fmla="*/ 1822853 w 3255095"/>
-              <a:gd name="connsiteY8" fmla="*/ 18288 h 18288"/>
-              <a:gd name="connsiteX9" fmla="*/ 1171834 w 3255095"/>
-              <a:gd name="connsiteY9" fmla="*/ 18288 h 18288"/>
-              <a:gd name="connsiteX10" fmla="*/ 0 w 3255095"/>
-              <a:gd name="connsiteY10" fmla="*/ 18288 h 18288"/>
-              <a:gd name="connsiteX11" fmla="*/ 0 w 3255095"/>
-              <a:gd name="connsiteY11" fmla="*/ 0 h 18288"/>
-            </a:gdLst>
-            <a:ahLst/>
-            <a:cxnLst>
-              <a:cxn ang="0">
-                <a:pos x="connsiteX0" y="connsiteY0"/>
-              </a:cxn>
-              <a:cxn ang="0">
-                <a:pos x="connsiteX1" y="connsiteY1"/>
-              </a:cxn>
-              <a:cxn ang="0">
-                <a:pos x="connsiteX2" y="connsiteY2"/>
-              </a:cxn>
-              <a:cxn ang="0">
-                <a:pos x="connsiteX3" y="connsiteY3"/>
-              </a:cxn>
-              <a:cxn ang="0">
-                <a:pos x="connsiteX4" y="connsiteY4"/>
-              </a:cxn>
-              <a:cxn ang="0">
-                <a:pos x="connsiteX5" y="connsiteY5"/>
-              </a:cxn>
-              <a:cxn ang="0">
-                <a:pos x="connsiteX6" y="connsiteY6"/>
-              </a:cxn>
-              <a:cxn ang="0">
-                <a:pos x="connsiteX7" y="connsiteY7"/>
-              </a:cxn>
-              <a:cxn ang="0">
-                <a:pos x="connsiteX8" y="connsiteY8"/>
-              </a:cxn>
-              <a:cxn ang="0">
-                <a:pos x="connsiteX9" y="connsiteY9"/>
-              </a:cxn>
-              <a:cxn ang="0">
-                <a:pos x="connsiteX10" y="connsiteY10"/>
-              </a:cxn>
-              <a:cxn ang="0">
-                <a:pos x="connsiteX11" y="connsiteY11"/>
-              </a:cxn>
-            </a:cxnLst>
-            <a:rect l="l" t="t" r="r" b="b"/>
-            <a:pathLst>
-              <a:path w="3255095" h="18288" fill="none" extrusionOk="0">
-                <a:moveTo>
-                  <a:pt x="0" y="0"/>
-                </a:moveTo>
-                <a:cubicBezTo>
-                  <a:pt x="240201" y="-22123"/>
-                  <a:pt x="462021" y="-19623"/>
-                  <a:pt x="618468" y="0"/>
-                </a:cubicBezTo>
-                <a:cubicBezTo>
-                  <a:pt x="774915" y="19623"/>
-                  <a:pt x="974734" y="2035"/>
-                  <a:pt x="1269487" y="0"/>
-                </a:cubicBezTo>
-                <a:cubicBezTo>
-                  <a:pt x="1564240" y="-2035"/>
-                  <a:pt x="1733579" y="10639"/>
-                  <a:pt x="1953057" y="0"/>
-                </a:cubicBezTo>
-                <a:cubicBezTo>
-                  <a:pt x="2172535" y="-10639"/>
-                  <a:pt x="2453962" y="14018"/>
-                  <a:pt x="2636627" y="0"/>
-                </a:cubicBezTo>
-                <a:cubicBezTo>
-                  <a:pt x="2819292" y="-14018"/>
-                  <a:pt x="3121375" y="5399"/>
-                  <a:pt x="3255095" y="0"/>
-                </a:cubicBezTo>
-                <a:cubicBezTo>
-                  <a:pt x="3254386" y="8157"/>
-                  <a:pt x="3254682" y="12125"/>
-                  <a:pt x="3255095" y="18288"/>
-                </a:cubicBezTo>
-                <a:cubicBezTo>
-                  <a:pt x="3088545" y="23203"/>
-                  <a:pt x="2687475" y="7419"/>
-                  <a:pt x="2538974" y="18288"/>
-                </a:cubicBezTo>
-                <a:cubicBezTo>
-                  <a:pt x="2390473" y="29157"/>
-                  <a:pt x="2137381" y="-8959"/>
-                  <a:pt x="1822853" y="18288"/>
-                </a:cubicBezTo>
-                <a:cubicBezTo>
-                  <a:pt x="1508325" y="45535"/>
-                  <a:pt x="1466437" y="20385"/>
-                  <a:pt x="1171834" y="18288"/>
-                </a:cubicBezTo>
-                <a:cubicBezTo>
-                  <a:pt x="877231" y="16191"/>
-                  <a:pt x="561097" y="37643"/>
-                  <a:pt x="0" y="18288"/>
-                </a:cubicBezTo>
-                <a:cubicBezTo>
-                  <a:pt x="-46" y="12483"/>
-                  <a:pt x="-203" y="6491"/>
-                  <a:pt x="0" y="0"/>
-                </a:cubicBezTo>
-                <a:close/>
-              </a:path>
-              <a:path w="3255095" h="18288" stroke="0" extrusionOk="0">
-                <a:moveTo>
-                  <a:pt x="0" y="0"/>
-                </a:moveTo>
-                <a:cubicBezTo>
-                  <a:pt x="291965" y="19429"/>
-                  <a:pt x="363155" y="8568"/>
-                  <a:pt x="618468" y="0"/>
-                </a:cubicBezTo>
-                <a:cubicBezTo>
-                  <a:pt x="873781" y="-8568"/>
-                  <a:pt x="904459" y="-19505"/>
-                  <a:pt x="1171834" y="0"/>
-                </a:cubicBezTo>
-                <a:cubicBezTo>
-                  <a:pt x="1439209" y="19505"/>
-                  <a:pt x="1744369" y="9790"/>
-                  <a:pt x="1887955" y="0"/>
-                </a:cubicBezTo>
-                <a:cubicBezTo>
-                  <a:pt x="2031541" y="-9790"/>
-                  <a:pt x="2346378" y="21240"/>
-                  <a:pt x="2506423" y="0"/>
-                </a:cubicBezTo>
-                <a:cubicBezTo>
-                  <a:pt x="2666468" y="-21240"/>
-                  <a:pt x="2990257" y="30414"/>
-                  <a:pt x="3255095" y="0"/>
-                </a:cubicBezTo>
-                <a:cubicBezTo>
-                  <a:pt x="3254831" y="4493"/>
-                  <a:pt x="3255479" y="9472"/>
-                  <a:pt x="3255095" y="18288"/>
-                </a:cubicBezTo>
-                <a:cubicBezTo>
-                  <a:pt x="3120743" y="16690"/>
-                  <a:pt x="2759628" y="42462"/>
-                  <a:pt x="2604076" y="18288"/>
-                </a:cubicBezTo>
-                <a:cubicBezTo>
-                  <a:pt x="2448524" y="-5886"/>
-                  <a:pt x="2184336" y="19599"/>
-                  <a:pt x="1887955" y="18288"/>
-                </a:cubicBezTo>
-                <a:cubicBezTo>
-                  <a:pt x="1591574" y="16977"/>
-                  <a:pt x="1548845" y="6870"/>
-                  <a:pt x="1334589" y="18288"/>
-                </a:cubicBezTo>
-                <a:cubicBezTo>
-                  <a:pt x="1120333" y="29706"/>
-                  <a:pt x="996014" y="9662"/>
-                  <a:pt x="683570" y="18288"/>
-                </a:cubicBezTo>
-                <a:cubicBezTo>
-                  <a:pt x="371126" y="26914"/>
-                  <a:pt x="198687" y="16167"/>
-                  <a:pt x="0" y="18288"/>
-                </a:cubicBezTo>
-                <a:cubicBezTo>
-                  <a:pt x="843" y="9577"/>
-                  <a:pt x="371" y="6900"/>
-                  <a:pt x="0" y="0"/>
-                </a:cubicBezTo>
-                <a:close/>
-              </a:path>
-            </a:pathLst>
-          </a:custGeom>
-          <a:solidFill>
-            <a:schemeClr val="accent2"/>
-          </a:solidFill>
-          <a:ln w="38100" cap="rnd">
-            <a:solidFill>
-              <a:schemeClr val="accent2"/>
-            </a:solidFill>
-            <a:round/>
-            <a:extLst>
-              <a:ext uri="{C807C97D-BFC1-408E-A445-0C87EB9F89A2}">
-                <ask:lineSketchStyleProps xmlns:ask="http://schemas.microsoft.com/office/drawing/2018/sketchyshapes" sd="1219033472">
-                  <a:prstGeom prst="rect">
-                    <a:avLst/>
-                  </a:prstGeom>
-                  <ask:type>
-                    <ask:lineSketchFreehand/>
-                  </ask:type>
-                </ask:lineSketchStyleProps>
-              </a:ext>
-            </a:extLst>
-          </a:ln>
-        </p:spPr>
-        <p:style>
-          <a:lnRef idx="2">
-            <a:schemeClr val="accent1">
-              <a:shade val="50000"/>
-            </a:schemeClr>
-          </a:lnRef>
-          <a:fillRef idx="1">
-            <a:schemeClr val="accent1"/>
-          </a:fillRef>
-          <a:effectRef idx="0">
-            <a:schemeClr val="accent1"/>
-          </a:effectRef>
-          <a:fontRef idx="minor">
-            <a:schemeClr val="lt1"/>
-          </a:fontRef>
-        </p:style>
-        <p:txBody>
-          <a:bodyPr rtlCol="0" anchor="ctr"/>
-          <a:lstStyle/>
-          <a:p>
-            <a:pPr algn="ctr"/>
-            <a:endParaRPr lang="en-US"/>
-          </a:p>
-        </p:txBody>
-      </p:sp>
-      <p:sp>
-        <p:nvSpPr>
-          <p:cNvPr id="4" name="Content Placeholder 3">
-            <a:extLst>
-              <a:ext uri="{FF2B5EF4-FFF2-40B4-BE49-F238E27FC236}">
-                <a16:creationId xmlns:a16="http://schemas.microsoft.com/office/drawing/2014/main" id="{F0364838-53A3-C1E5-BE6F-9E27F00B48DD}"/>
-              </a:ext>
-            </a:extLst>
-          </p:cNvPr>
-          <p:cNvSpPr>
-            <a:spLocks noGrp="1"/>
-          </p:cNvSpPr>
-          <p:nvPr>
-            <p:ph sz="half" idx="2"/>
-          </p:nvPr>
-        </p:nvSpPr>
-        <p:spPr>
-          <a:xfrm>
-            <a:off x="630936" y="2660904"/>
-            <a:ext cx="4818888" cy="3547872"/>
-          </a:xfrm>
-        </p:spPr>
-        <p:txBody>
-          <a:bodyPr vert="horz" lIns="91440" tIns="45720" rIns="91440" bIns="45720" rtlCol="0" anchor="t">
-            <a:normAutofit/>
-          </a:bodyPr>
-          <a:lstStyle/>
-          <a:p>
-            <a:r>
-              <a:rPr lang="en-US" sz="2000" dirty="0"/>
-              <a:t>f1 score 91% in single try . </a:t>
-            </a:r>
-          </a:p>
-          <a:p>
-            <a:r>
-              <a:rPr lang="en-US" sz="2000" dirty="0"/>
-              <a:t>Accuracy reduces when we add more layer and number of neurons in each layer  ( f1 reduces to 61% also )</a:t>
-            </a:r>
-          </a:p>
-          <a:p>
-            <a:r>
-              <a:rPr lang="en-US" sz="2000" b="1" dirty="0"/>
-              <a:t>Random forest is still best for our problem.</a:t>
-            </a:r>
-          </a:p>
-          <a:p>
-            <a:r>
-              <a:rPr lang="en-US" sz="2000" dirty="0"/>
-              <a:t>Even though using sigmoid at the output layer this will not give 0 and 1 directly .</a:t>
-            </a:r>
-          </a:p>
-          <a:p>
-            <a:r>
-              <a:rPr lang="en-US" sz="2000" dirty="0"/>
-              <a:t>Use (</a:t>
-            </a:r>
-            <a:r>
-              <a:rPr lang="en-US" sz="2000" dirty="0" err="1"/>
-              <a:t>y_pred</a:t>
-            </a:r>
-            <a:r>
-              <a:rPr lang="en-US" sz="2000" dirty="0"/>
-              <a:t> &gt; 0.6).</a:t>
-            </a:r>
-            <a:r>
-              <a:rPr lang="en-US" sz="2000" dirty="0" err="1"/>
-              <a:t>astype</a:t>
-            </a:r>
-            <a:r>
-              <a:rPr lang="en-US" sz="2000" dirty="0"/>
-              <a:t>(int) to get binary prediction .</a:t>
-            </a:r>
-          </a:p>
-        </p:txBody>
-      </p:sp>
-      <p:pic>
-        <p:nvPicPr>
-          <p:cNvPr id="5" name="Content Placeholder 4" descr="A screenshot of a computer&#10;&#10;Description automatically generated">
-            <a:extLst>
-              <a:ext uri="{FF2B5EF4-FFF2-40B4-BE49-F238E27FC236}">
-                <a16:creationId xmlns:a16="http://schemas.microsoft.com/office/drawing/2014/main" id="{EA8E0A5F-73AA-27D0-684F-EBD45C094503}"/>
-              </a:ext>
-            </a:extLst>
-          </p:cNvPr>
-          <p:cNvPicPr>
-            <a:picLocks noGrp="1" noChangeAspect="1"/>
-          </p:cNvPicPr>
-          <p:nvPr>
-            <p:ph sz="half" idx="1"/>
-          </p:nvPr>
-        </p:nvPicPr>
-        <p:blipFill>
-          <a:blip r:embed="rId2"/>
-          <a:stretch>
-            <a:fillRect/>
-          </a:stretch>
-        </p:blipFill>
-        <p:spPr>
-          <a:xfrm>
-            <a:off x="6099048" y="1880018"/>
-            <a:ext cx="5458968" cy="3097964"/>
-          </a:xfrm>
-          <a:prstGeom prst="rect">
-            <a:avLst/>
-          </a:prstGeom>
-        </p:spPr>
-      </p:pic>
-    </p:spTree>
-    <p:extLst>
-      <p:ext uri="{BB962C8B-B14F-4D97-AF65-F5344CB8AC3E}">
-        <p14:creationId xmlns:p14="http://schemas.microsoft.com/office/powerpoint/2010/main" val="1295955427"/>
       </p:ext>
     </p:extLst>
   </p:cSld>
@@ -18947,6 +18947,834 @@
 <file path=ppt/slides/slide14.xml><?xml version="1.0" encoding="utf-8"?>
 <p:sld xmlns:a="http://schemas.openxmlformats.org/drawingml/2006/main" xmlns:r="http://schemas.openxmlformats.org/officeDocument/2006/relationships" xmlns:p="http://schemas.openxmlformats.org/presentationml/2006/main">
   <p:cSld>
+    <p:bg>
+      <p:bgPr>
+        <a:solidFill>
+          <a:schemeClr val="bg1"/>
+        </a:solidFill>
+        <a:effectLst/>
+      </p:bgPr>
+    </p:bg>
+    <p:spTree>
+      <p:nvGrpSpPr>
+        <p:cNvPr id="1" name=""/>
+        <p:cNvGrpSpPr/>
+        <p:nvPr/>
+      </p:nvGrpSpPr>
+      <p:grpSpPr>
+        <a:xfrm>
+          <a:off x="0" y="0"/>
+          <a:ext cx="0" cy="0"/>
+          <a:chOff x="0" y="0"/>
+          <a:chExt cx="0" cy="0"/>
+        </a:xfrm>
+      </p:grpSpPr>
+      <p:sp useBgFill="1">
+        <p:nvSpPr>
+          <p:cNvPr id="8" name="Rectangle 7">
+            <a:extLst>
+              <a:ext uri="{FF2B5EF4-FFF2-40B4-BE49-F238E27FC236}">
+                <a16:creationId xmlns:a16="http://schemas.microsoft.com/office/drawing/2014/main" id="{100EDD19-6802-4EC3-95CE-CFFAB042CFD6}"/>
+              </a:ext>
+              <a:ext uri="{C183D7F6-B498-43B3-948B-1728B52AA6E4}">
+                <adec:decorative xmlns:adec="http://schemas.microsoft.com/office/drawing/2017/decorative" val="1"/>
+              </a:ext>
+            </a:extLst>
+          </p:cNvPr>
+          <p:cNvSpPr>
+            <a:spLocks noGrp="1" noRot="1" noChangeAspect="1" noMove="1" noResize="1" noEditPoints="1" noAdjustHandles="1" noChangeArrowheads="1" noChangeShapeType="1" noTextEdit="1"/>
+          </p:cNvSpPr>
+          <p:nvPr>
+            <p:extLst>
+              <p:ext uri="{386F3935-93C4-4BCD-93E2-E3B085C9AB24}">
+                <p16:designElem xmlns:p16="http://schemas.microsoft.com/office/powerpoint/2015/main" val="1"/>
+              </p:ext>
+            </p:extLst>
+          </p:nvPr>
+        </p:nvSpPr>
+        <p:spPr>
+          <a:xfrm>
+            <a:off x="0" y="0"/>
+            <a:ext cx="12188952" cy="6858000"/>
+          </a:xfrm>
+          <a:prstGeom prst="rect">
+            <a:avLst/>
+          </a:prstGeom>
+          <a:ln>
+            <a:noFill/>
+          </a:ln>
+        </p:spPr>
+        <p:style>
+          <a:lnRef idx="2">
+            <a:schemeClr val="accent1">
+              <a:shade val="50000"/>
+            </a:schemeClr>
+          </a:lnRef>
+          <a:fillRef idx="1">
+            <a:schemeClr val="accent1"/>
+          </a:fillRef>
+          <a:effectRef idx="0">
+            <a:schemeClr val="accent1"/>
+          </a:effectRef>
+          <a:fontRef idx="minor">
+            <a:schemeClr val="lt1"/>
+          </a:fontRef>
+        </p:style>
+        <p:txBody>
+          <a:bodyPr rtlCol="0" anchor="ctr"/>
+          <a:lstStyle/>
+          <a:p>
+            <a:pPr algn="ctr"/>
+            <a:endParaRPr lang="en-US"/>
+          </a:p>
+        </p:txBody>
+      </p:sp>
+      <p:sp>
+        <p:nvSpPr>
+          <p:cNvPr id="2" name="Title 1">
+            <a:extLst>
+              <a:ext uri="{FF2B5EF4-FFF2-40B4-BE49-F238E27FC236}">
+                <a16:creationId xmlns:a16="http://schemas.microsoft.com/office/drawing/2014/main" id="{61FA5EF8-1A38-9B9C-920B-F2B3D9DD9B18}"/>
+              </a:ext>
+            </a:extLst>
+          </p:cNvPr>
+          <p:cNvSpPr>
+            <a:spLocks noGrp="1"/>
+          </p:cNvSpPr>
+          <p:nvPr>
+            <p:ph type="title"/>
+          </p:nvPr>
+        </p:nvSpPr>
+        <p:spPr>
+          <a:xfrm>
+            <a:off x="838200" y="365125"/>
+            <a:ext cx="10515600" cy="1325563"/>
+          </a:xfrm>
+        </p:spPr>
+        <p:txBody>
+          <a:bodyPr>
+            <a:normAutofit/>
+          </a:bodyPr>
+          <a:lstStyle/>
+          <a:p>
+            <a:r>
+              <a:rPr lang="en-US" sz="5400" b="1" dirty="0"/>
+              <a:t>Conclusion</a:t>
+            </a:r>
+            <a:r>
+              <a:rPr lang="en-US" sz="5400" dirty="0"/>
+              <a:t> </a:t>
+            </a:r>
+          </a:p>
+        </p:txBody>
+      </p:sp>
+      <p:sp>
+        <p:nvSpPr>
+          <p:cNvPr id="10" name="sketch line">
+            <a:extLst>
+              <a:ext uri="{FF2B5EF4-FFF2-40B4-BE49-F238E27FC236}">
+                <a16:creationId xmlns:a16="http://schemas.microsoft.com/office/drawing/2014/main" id="{DB17E863-922E-4C26-BD64-E8FD41D28661}"/>
+              </a:ext>
+              <a:ext uri="{C183D7F6-B498-43B3-948B-1728B52AA6E4}">
+                <adec:decorative xmlns:adec="http://schemas.microsoft.com/office/drawing/2017/decorative" val="1"/>
+              </a:ext>
+            </a:extLst>
+          </p:cNvPr>
+          <p:cNvSpPr>
+            <a:spLocks noGrp="1" noRot="1" noChangeAspect="1" noMove="1" noResize="1" noEditPoints="1" noAdjustHandles="1" noChangeArrowheads="1" noChangeShapeType="1" noTextEdit="1"/>
+          </p:cNvSpPr>
+          <p:nvPr>
+            <p:extLst>
+              <p:ext uri="{386F3935-93C4-4BCD-93E2-E3B085C9AB24}">
+                <p16:designElem xmlns:p16="http://schemas.microsoft.com/office/powerpoint/2015/main" val="1"/>
+              </p:ext>
+            </p:extLst>
+          </p:nvPr>
+        </p:nvSpPr>
+        <p:spPr>
+          <a:xfrm>
+            <a:off x="669036" y="1677373"/>
+            <a:ext cx="10853928" cy="18288"/>
+          </a:xfrm>
+          <a:custGeom>
+            <a:avLst/>
+            <a:gdLst>
+              <a:gd name="connsiteX0" fmla="*/ 0 w 10853928"/>
+              <a:gd name="connsiteY0" fmla="*/ 0 h 18288"/>
+              <a:gd name="connsiteX1" fmla="*/ 461292 w 10853928"/>
+              <a:gd name="connsiteY1" fmla="*/ 0 h 18288"/>
+              <a:gd name="connsiteX2" fmla="*/ 1139662 w 10853928"/>
+              <a:gd name="connsiteY2" fmla="*/ 0 h 18288"/>
+              <a:gd name="connsiteX3" fmla="*/ 1926572 w 10853928"/>
+              <a:gd name="connsiteY3" fmla="*/ 0 h 18288"/>
+              <a:gd name="connsiteX4" fmla="*/ 2279325 w 10853928"/>
+              <a:gd name="connsiteY4" fmla="*/ 0 h 18288"/>
+              <a:gd name="connsiteX5" fmla="*/ 2632078 w 10853928"/>
+              <a:gd name="connsiteY5" fmla="*/ 0 h 18288"/>
+              <a:gd name="connsiteX6" fmla="*/ 3527527 w 10853928"/>
+              <a:gd name="connsiteY6" fmla="*/ 0 h 18288"/>
+              <a:gd name="connsiteX7" fmla="*/ 4205897 w 10853928"/>
+              <a:gd name="connsiteY7" fmla="*/ 0 h 18288"/>
+              <a:gd name="connsiteX8" fmla="*/ 4558650 w 10853928"/>
+              <a:gd name="connsiteY8" fmla="*/ 0 h 18288"/>
+              <a:gd name="connsiteX9" fmla="*/ 5237020 w 10853928"/>
+              <a:gd name="connsiteY9" fmla="*/ 0 h 18288"/>
+              <a:gd name="connsiteX10" fmla="*/ 6132469 w 10853928"/>
+              <a:gd name="connsiteY10" fmla="*/ 0 h 18288"/>
+              <a:gd name="connsiteX11" fmla="*/ 6702301 w 10853928"/>
+              <a:gd name="connsiteY11" fmla="*/ 0 h 18288"/>
+              <a:gd name="connsiteX12" fmla="*/ 7272132 w 10853928"/>
+              <a:gd name="connsiteY12" fmla="*/ 0 h 18288"/>
+              <a:gd name="connsiteX13" fmla="*/ 7950502 w 10853928"/>
+              <a:gd name="connsiteY13" fmla="*/ 0 h 18288"/>
+              <a:gd name="connsiteX14" fmla="*/ 8737412 w 10853928"/>
+              <a:gd name="connsiteY14" fmla="*/ 0 h 18288"/>
+              <a:gd name="connsiteX15" fmla="*/ 9524322 w 10853928"/>
+              <a:gd name="connsiteY15" fmla="*/ 0 h 18288"/>
+              <a:gd name="connsiteX16" fmla="*/ 10853928 w 10853928"/>
+              <a:gd name="connsiteY16" fmla="*/ 0 h 18288"/>
+              <a:gd name="connsiteX17" fmla="*/ 10853928 w 10853928"/>
+              <a:gd name="connsiteY17" fmla="*/ 18288 h 18288"/>
+              <a:gd name="connsiteX18" fmla="*/ 10392636 w 10853928"/>
+              <a:gd name="connsiteY18" fmla="*/ 18288 h 18288"/>
+              <a:gd name="connsiteX19" fmla="*/ 9497187 w 10853928"/>
+              <a:gd name="connsiteY19" fmla="*/ 18288 h 18288"/>
+              <a:gd name="connsiteX20" fmla="*/ 8818817 w 10853928"/>
+              <a:gd name="connsiteY20" fmla="*/ 18288 h 18288"/>
+              <a:gd name="connsiteX21" fmla="*/ 8466064 w 10853928"/>
+              <a:gd name="connsiteY21" fmla="*/ 18288 h 18288"/>
+              <a:gd name="connsiteX22" fmla="*/ 7787693 w 10853928"/>
+              <a:gd name="connsiteY22" fmla="*/ 18288 h 18288"/>
+              <a:gd name="connsiteX23" fmla="*/ 7217862 w 10853928"/>
+              <a:gd name="connsiteY23" fmla="*/ 18288 h 18288"/>
+              <a:gd name="connsiteX24" fmla="*/ 6648031 w 10853928"/>
+              <a:gd name="connsiteY24" fmla="*/ 18288 h 18288"/>
+              <a:gd name="connsiteX25" fmla="*/ 6078200 w 10853928"/>
+              <a:gd name="connsiteY25" fmla="*/ 18288 h 18288"/>
+              <a:gd name="connsiteX26" fmla="*/ 5508368 w 10853928"/>
+              <a:gd name="connsiteY26" fmla="*/ 18288 h 18288"/>
+              <a:gd name="connsiteX27" fmla="*/ 4721459 w 10853928"/>
+              <a:gd name="connsiteY27" fmla="*/ 18288 h 18288"/>
+              <a:gd name="connsiteX28" fmla="*/ 4043088 w 10853928"/>
+              <a:gd name="connsiteY28" fmla="*/ 18288 h 18288"/>
+              <a:gd name="connsiteX29" fmla="*/ 3690336 w 10853928"/>
+              <a:gd name="connsiteY29" fmla="*/ 18288 h 18288"/>
+              <a:gd name="connsiteX30" fmla="*/ 3120504 w 10853928"/>
+              <a:gd name="connsiteY30" fmla="*/ 18288 h 18288"/>
+              <a:gd name="connsiteX31" fmla="*/ 2333595 w 10853928"/>
+              <a:gd name="connsiteY31" fmla="*/ 18288 h 18288"/>
+              <a:gd name="connsiteX32" fmla="*/ 1872303 w 10853928"/>
+              <a:gd name="connsiteY32" fmla="*/ 18288 h 18288"/>
+              <a:gd name="connsiteX33" fmla="*/ 976854 w 10853928"/>
+              <a:gd name="connsiteY33" fmla="*/ 18288 h 18288"/>
+              <a:gd name="connsiteX34" fmla="*/ 0 w 10853928"/>
+              <a:gd name="connsiteY34" fmla="*/ 18288 h 18288"/>
+              <a:gd name="connsiteX35" fmla="*/ 0 w 10853928"/>
+              <a:gd name="connsiteY35" fmla="*/ 0 h 18288"/>
+            </a:gdLst>
+            <a:ahLst/>
+            <a:cxnLst>
+              <a:cxn ang="0">
+                <a:pos x="connsiteX0" y="connsiteY0"/>
+              </a:cxn>
+              <a:cxn ang="0">
+                <a:pos x="connsiteX1" y="connsiteY1"/>
+              </a:cxn>
+              <a:cxn ang="0">
+                <a:pos x="connsiteX2" y="connsiteY2"/>
+              </a:cxn>
+              <a:cxn ang="0">
+                <a:pos x="connsiteX3" y="connsiteY3"/>
+              </a:cxn>
+              <a:cxn ang="0">
+                <a:pos x="connsiteX4" y="connsiteY4"/>
+              </a:cxn>
+              <a:cxn ang="0">
+                <a:pos x="connsiteX5" y="connsiteY5"/>
+              </a:cxn>
+              <a:cxn ang="0">
+                <a:pos x="connsiteX6" y="connsiteY6"/>
+              </a:cxn>
+              <a:cxn ang="0">
+                <a:pos x="connsiteX7" y="connsiteY7"/>
+              </a:cxn>
+              <a:cxn ang="0">
+                <a:pos x="connsiteX8" y="connsiteY8"/>
+              </a:cxn>
+              <a:cxn ang="0">
+                <a:pos x="connsiteX9" y="connsiteY9"/>
+              </a:cxn>
+              <a:cxn ang="0">
+                <a:pos x="connsiteX10" y="connsiteY10"/>
+              </a:cxn>
+              <a:cxn ang="0">
+                <a:pos x="connsiteX11" y="connsiteY11"/>
+              </a:cxn>
+              <a:cxn ang="0">
+                <a:pos x="connsiteX12" y="connsiteY12"/>
+              </a:cxn>
+              <a:cxn ang="0">
+                <a:pos x="connsiteX13" y="connsiteY13"/>
+              </a:cxn>
+              <a:cxn ang="0">
+                <a:pos x="connsiteX14" y="connsiteY14"/>
+              </a:cxn>
+              <a:cxn ang="0">
+                <a:pos x="connsiteX15" y="connsiteY15"/>
+              </a:cxn>
+              <a:cxn ang="0">
+                <a:pos x="connsiteX16" y="connsiteY16"/>
+              </a:cxn>
+              <a:cxn ang="0">
+                <a:pos x="connsiteX17" y="connsiteY17"/>
+              </a:cxn>
+              <a:cxn ang="0">
+                <a:pos x="connsiteX18" y="connsiteY18"/>
+              </a:cxn>
+              <a:cxn ang="0">
+                <a:pos x="connsiteX19" y="connsiteY19"/>
+              </a:cxn>
+              <a:cxn ang="0">
+                <a:pos x="connsiteX20" y="connsiteY20"/>
+              </a:cxn>
+              <a:cxn ang="0">
+                <a:pos x="connsiteX21" y="connsiteY21"/>
+              </a:cxn>
+              <a:cxn ang="0">
+                <a:pos x="connsiteX22" y="connsiteY22"/>
+              </a:cxn>
+              <a:cxn ang="0">
+                <a:pos x="connsiteX23" y="connsiteY23"/>
+              </a:cxn>
+              <a:cxn ang="0">
+                <a:pos x="connsiteX24" y="connsiteY24"/>
+              </a:cxn>
+              <a:cxn ang="0">
+                <a:pos x="connsiteX25" y="connsiteY25"/>
+              </a:cxn>
+              <a:cxn ang="0">
+                <a:pos x="connsiteX26" y="connsiteY26"/>
+              </a:cxn>
+              <a:cxn ang="0">
+                <a:pos x="connsiteX27" y="connsiteY27"/>
+              </a:cxn>
+              <a:cxn ang="0">
+                <a:pos x="connsiteX28" y="connsiteY28"/>
+              </a:cxn>
+              <a:cxn ang="0">
+                <a:pos x="connsiteX29" y="connsiteY29"/>
+              </a:cxn>
+              <a:cxn ang="0">
+                <a:pos x="connsiteX30" y="connsiteY30"/>
+              </a:cxn>
+              <a:cxn ang="0">
+                <a:pos x="connsiteX31" y="connsiteY31"/>
+              </a:cxn>
+              <a:cxn ang="0">
+                <a:pos x="connsiteX32" y="connsiteY32"/>
+              </a:cxn>
+              <a:cxn ang="0">
+                <a:pos x="connsiteX33" y="connsiteY33"/>
+              </a:cxn>
+              <a:cxn ang="0">
+                <a:pos x="connsiteX34" y="connsiteY34"/>
+              </a:cxn>
+              <a:cxn ang="0">
+                <a:pos x="connsiteX35" y="connsiteY35"/>
+              </a:cxn>
+            </a:cxnLst>
+            <a:rect l="l" t="t" r="r" b="b"/>
+            <a:pathLst>
+              <a:path w="10853928" h="18288" fill="none" extrusionOk="0">
+                <a:moveTo>
+                  <a:pt x="0" y="0"/>
+                </a:moveTo>
+                <a:cubicBezTo>
+                  <a:pt x="146993" y="-19076"/>
+                  <a:pt x="347684" y="-4790"/>
+                  <a:pt x="461292" y="0"/>
+                </a:cubicBezTo>
+                <a:cubicBezTo>
+                  <a:pt x="574900" y="4790"/>
+                  <a:pt x="808367" y="19821"/>
+                  <a:pt x="1139662" y="0"/>
+                </a:cubicBezTo>
+                <a:cubicBezTo>
+                  <a:pt x="1470957" y="-19821"/>
+                  <a:pt x="1627405" y="5721"/>
+                  <a:pt x="1926572" y="0"/>
+                </a:cubicBezTo>
+                <a:cubicBezTo>
+                  <a:pt x="2225739" y="-5721"/>
+                  <a:pt x="2137730" y="-3235"/>
+                  <a:pt x="2279325" y="0"/>
+                </a:cubicBezTo>
+                <a:cubicBezTo>
+                  <a:pt x="2420920" y="3235"/>
+                  <a:pt x="2456518" y="9685"/>
+                  <a:pt x="2632078" y="0"/>
+                </a:cubicBezTo>
+                <a:cubicBezTo>
+                  <a:pt x="2807638" y="-9685"/>
+                  <a:pt x="3211516" y="-43007"/>
+                  <a:pt x="3527527" y="0"/>
+                </a:cubicBezTo>
+                <a:cubicBezTo>
+                  <a:pt x="3843538" y="43007"/>
+                  <a:pt x="4058833" y="22042"/>
+                  <a:pt x="4205897" y="0"/>
+                </a:cubicBezTo>
+                <a:cubicBezTo>
+                  <a:pt x="4352961" y="-22042"/>
+                  <a:pt x="4474805" y="-11846"/>
+                  <a:pt x="4558650" y="0"/>
+                </a:cubicBezTo>
+                <a:cubicBezTo>
+                  <a:pt x="4642495" y="11846"/>
+                  <a:pt x="5041928" y="-6069"/>
+                  <a:pt x="5237020" y="0"/>
+                </a:cubicBezTo>
+                <a:cubicBezTo>
+                  <a:pt x="5432112" y="6069"/>
+                  <a:pt x="5943266" y="-17479"/>
+                  <a:pt x="6132469" y="0"/>
+                </a:cubicBezTo>
+                <a:cubicBezTo>
+                  <a:pt x="6321672" y="17479"/>
+                  <a:pt x="6483872" y="26234"/>
+                  <a:pt x="6702301" y="0"/>
+                </a:cubicBezTo>
+                <a:cubicBezTo>
+                  <a:pt x="6920730" y="-26234"/>
+                  <a:pt x="6991194" y="-15156"/>
+                  <a:pt x="7272132" y="0"/>
+                </a:cubicBezTo>
+                <a:cubicBezTo>
+                  <a:pt x="7553070" y="15156"/>
+                  <a:pt x="7684444" y="-32961"/>
+                  <a:pt x="7950502" y="0"/>
+                </a:cubicBezTo>
+                <a:cubicBezTo>
+                  <a:pt x="8216560" y="32961"/>
+                  <a:pt x="8493290" y="-10491"/>
+                  <a:pt x="8737412" y="0"/>
+                </a:cubicBezTo>
+                <a:cubicBezTo>
+                  <a:pt x="8981534" y="10491"/>
+                  <a:pt x="9191586" y="-13899"/>
+                  <a:pt x="9524322" y="0"/>
+                </a:cubicBezTo>
+                <a:cubicBezTo>
+                  <a:pt x="9857058" y="13899"/>
+                  <a:pt x="10297509" y="7485"/>
+                  <a:pt x="10853928" y="0"/>
+                </a:cubicBezTo>
+                <a:cubicBezTo>
+                  <a:pt x="10854574" y="4451"/>
+                  <a:pt x="10854418" y="9226"/>
+                  <a:pt x="10853928" y="18288"/>
+                </a:cubicBezTo>
+                <a:cubicBezTo>
+                  <a:pt x="10691638" y="28522"/>
+                  <a:pt x="10574319" y="29578"/>
+                  <a:pt x="10392636" y="18288"/>
+                </a:cubicBezTo>
+                <a:cubicBezTo>
+                  <a:pt x="10210953" y="6998"/>
+                  <a:pt x="9836277" y="-16742"/>
+                  <a:pt x="9497187" y="18288"/>
+                </a:cubicBezTo>
+                <a:cubicBezTo>
+                  <a:pt x="9158097" y="53318"/>
+                  <a:pt x="9119479" y="30714"/>
+                  <a:pt x="8818817" y="18288"/>
+                </a:cubicBezTo>
+                <a:cubicBezTo>
+                  <a:pt x="8518155" y="5863"/>
+                  <a:pt x="8640037" y="6483"/>
+                  <a:pt x="8466064" y="18288"/>
+                </a:cubicBezTo>
+                <a:cubicBezTo>
+                  <a:pt x="8292091" y="30093"/>
+                  <a:pt x="7997656" y="18914"/>
+                  <a:pt x="7787693" y="18288"/>
+                </a:cubicBezTo>
+                <a:cubicBezTo>
+                  <a:pt x="7577730" y="17662"/>
+                  <a:pt x="7412468" y="21416"/>
+                  <a:pt x="7217862" y="18288"/>
+                </a:cubicBezTo>
+                <a:cubicBezTo>
+                  <a:pt x="7023256" y="15160"/>
+                  <a:pt x="6898018" y="14824"/>
+                  <a:pt x="6648031" y="18288"/>
+                </a:cubicBezTo>
+                <a:cubicBezTo>
+                  <a:pt x="6398044" y="21752"/>
+                  <a:pt x="6254402" y="38625"/>
+                  <a:pt x="6078200" y="18288"/>
+                </a:cubicBezTo>
+                <a:cubicBezTo>
+                  <a:pt x="5901998" y="-2049"/>
+                  <a:pt x="5622886" y="3213"/>
+                  <a:pt x="5508368" y="18288"/>
+                </a:cubicBezTo>
+                <a:cubicBezTo>
+                  <a:pt x="5393850" y="33363"/>
+                  <a:pt x="5036260" y="26830"/>
+                  <a:pt x="4721459" y="18288"/>
+                </a:cubicBezTo>
+                <a:cubicBezTo>
+                  <a:pt x="4406658" y="9746"/>
+                  <a:pt x="4239221" y="41551"/>
+                  <a:pt x="4043088" y="18288"/>
+                </a:cubicBezTo>
+                <a:cubicBezTo>
+                  <a:pt x="3846955" y="-4975"/>
+                  <a:pt x="3818802" y="34658"/>
+                  <a:pt x="3690336" y="18288"/>
+                </a:cubicBezTo>
+                <a:cubicBezTo>
+                  <a:pt x="3561870" y="1918"/>
+                  <a:pt x="3265491" y="42194"/>
+                  <a:pt x="3120504" y="18288"/>
+                </a:cubicBezTo>
+                <a:cubicBezTo>
+                  <a:pt x="2975517" y="-5618"/>
+                  <a:pt x="2720254" y="36673"/>
+                  <a:pt x="2333595" y="18288"/>
+                </a:cubicBezTo>
+                <a:cubicBezTo>
+                  <a:pt x="1946936" y="-97"/>
+                  <a:pt x="2097241" y="5776"/>
+                  <a:pt x="1872303" y="18288"/>
+                </a:cubicBezTo>
+                <a:cubicBezTo>
+                  <a:pt x="1647365" y="30800"/>
+                  <a:pt x="1282708" y="45380"/>
+                  <a:pt x="976854" y="18288"/>
+                </a:cubicBezTo>
+                <a:cubicBezTo>
+                  <a:pt x="671000" y="-8804"/>
+                  <a:pt x="408401" y="-12775"/>
+                  <a:pt x="0" y="18288"/>
+                </a:cubicBezTo>
+                <a:cubicBezTo>
+                  <a:pt x="-213" y="9468"/>
+                  <a:pt x="187" y="4459"/>
+                  <a:pt x="0" y="0"/>
+                </a:cubicBezTo>
+                <a:close/>
+              </a:path>
+              <a:path w="10853928" h="18288" stroke="0" extrusionOk="0">
+                <a:moveTo>
+                  <a:pt x="0" y="0"/>
+                </a:moveTo>
+                <a:cubicBezTo>
+                  <a:pt x="267322" y="15284"/>
+                  <a:pt x="415388" y="-21048"/>
+                  <a:pt x="569831" y="0"/>
+                </a:cubicBezTo>
+                <a:cubicBezTo>
+                  <a:pt x="724274" y="21048"/>
+                  <a:pt x="769333" y="-2353"/>
+                  <a:pt x="922584" y="0"/>
+                </a:cubicBezTo>
+                <a:cubicBezTo>
+                  <a:pt x="1075835" y="2353"/>
+                  <a:pt x="1399490" y="-145"/>
+                  <a:pt x="1818033" y="0"/>
+                </a:cubicBezTo>
+                <a:cubicBezTo>
+                  <a:pt x="2236576" y="145"/>
+                  <a:pt x="2145330" y="5482"/>
+                  <a:pt x="2387864" y="0"/>
+                </a:cubicBezTo>
+                <a:cubicBezTo>
+                  <a:pt x="2630398" y="-5482"/>
+                  <a:pt x="2793207" y="18487"/>
+                  <a:pt x="2957695" y="0"/>
+                </a:cubicBezTo>
+                <a:cubicBezTo>
+                  <a:pt x="3122183" y="-18487"/>
+                  <a:pt x="3579141" y="19003"/>
+                  <a:pt x="3853144" y="0"/>
+                </a:cubicBezTo>
+                <a:cubicBezTo>
+                  <a:pt x="4127147" y="-19003"/>
+                  <a:pt x="4209857" y="12211"/>
+                  <a:pt x="4314436" y="0"/>
+                </a:cubicBezTo>
+                <a:cubicBezTo>
+                  <a:pt x="4419015" y="-12211"/>
+                  <a:pt x="4762459" y="-17220"/>
+                  <a:pt x="5209885" y="0"/>
+                </a:cubicBezTo>
+                <a:cubicBezTo>
+                  <a:pt x="5657311" y="17220"/>
+                  <a:pt x="5692663" y="-3290"/>
+                  <a:pt x="6105335" y="0"/>
+                </a:cubicBezTo>
+                <a:cubicBezTo>
+                  <a:pt x="6518007" y="3290"/>
+                  <a:pt x="6455516" y="-5124"/>
+                  <a:pt x="6783705" y="0"/>
+                </a:cubicBezTo>
+                <a:cubicBezTo>
+                  <a:pt x="7111894" y="5124"/>
+                  <a:pt x="7441941" y="-17829"/>
+                  <a:pt x="7679154" y="0"/>
+                </a:cubicBezTo>
+                <a:cubicBezTo>
+                  <a:pt x="7916367" y="17829"/>
+                  <a:pt x="8102967" y="-24363"/>
+                  <a:pt x="8248985" y="0"/>
+                </a:cubicBezTo>
+                <a:cubicBezTo>
+                  <a:pt x="8395003" y="24363"/>
+                  <a:pt x="8552393" y="25505"/>
+                  <a:pt x="8818817" y="0"/>
+                </a:cubicBezTo>
+                <a:cubicBezTo>
+                  <a:pt x="9085241" y="-25505"/>
+                  <a:pt x="9411308" y="38000"/>
+                  <a:pt x="9605726" y="0"/>
+                </a:cubicBezTo>
+                <a:cubicBezTo>
+                  <a:pt x="9800144" y="-38000"/>
+                  <a:pt x="10006468" y="-25741"/>
+                  <a:pt x="10175558" y="0"/>
+                </a:cubicBezTo>
+                <a:cubicBezTo>
+                  <a:pt x="10344648" y="25741"/>
+                  <a:pt x="10696282" y="695"/>
+                  <a:pt x="10853928" y="0"/>
+                </a:cubicBezTo>
+                <a:cubicBezTo>
+                  <a:pt x="10853521" y="8690"/>
+                  <a:pt x="10853774" y="14141"/>
+                  <a:pt x="10853928" y="18288"/>
+                </a:cubicBezTo>
+                <a:cubicBezTo>
+                  <a:pt x="10608124" y="24255"/>
+                  <a:pt x="10343415" y="22307"/>
+                  <a:pt x="10067018" y="18288"/>
+                </a:cubicBezTo>
+                <a:cubicBezTo>
+                  <a:pt x="9790621" y="14270"/>
+                  <a:pt x="9843266" y="3564"/>
+                  <a:pt x="9714266" y="18288"/>
+                </a:cubicBezTo>
+                <a:cubicBezTo>
+                  <a:pt x="9585266" y="33012"/>
+                  <a:pt x="9379484" y="1875"/>
+                  <a:pt x="9252974" y="18288"/>
+                </a:cubicBezTo>
+                <a:cubicBezTo>
+                  <a:pt x="9126464" y="34701"/>
+                  <a:pt x="8580678" y="-4904"/>
+                  <a:pt x="8357525" y="18288"/>
+                </a:cubicBezTo>
+                <a:cubicBezTo>
+                  <a:pt x="8134372" y="41480"/>
+                  <a:pt x="7903199" y="26458"/>
+                  <a:pt x="7679154" y="18288"/>
+                </a:cubicBezTo>
+                <a:cubicBezTo>
+                  <a:pt x="7455109" y="10118"/>
+                  <a:pt x="7435944" y="27109"/>
+                  <a:pt x="7217862" y="18288"/>
+                </a:cubicBezTo>
+                <a:cubicBezTo>
+                  <a:pt x="6999780" y="9467"/>
+                  <a:pt x="6680409" y="18985"/>
+                  <a:pt x="6539492" y="18288"/>
+                </a:cubicBezTo>
+                <a:cubicBezTo>
+                  <a:pt x="6398575" y="17592"/>
+                  <a:pt x="6312077" y="33018"/>
+                  <a:pt x="6186739" y="18288"/>
+                </a:cubicBezTo>
+                <a:cubicBezTo>
+                  <a:pt x="6061401" y="3558"/>
+                  <a:pt x="5947033" y="12075"/>
+                  <a:pt x="5833986" y="18288"/>
+                </a:cubicBezTo>
+                <a:cubicBezTo>
+                  <a:pt x="5720939" y="24501"/>
+                  <a:pt x="5482226" y="8586"/>
+                  <a:pt x="5155616" y="18288"/>
+                </a:cubicBezTo>
+                <a:cubicBezTo>
+                  <a:pt x="4829006" y="27991"/>
+                  <a:pt x="4841274" y="29316"/>
+                  <a:pt x="4694324" y="18288"/>
+                </a:cubicBezTo>
+                <a:cubicBezTo>
+                  <a:pt x="4547374" y="7260"/>
+                  <a:pt x="4077675" y="7013"/>
+                  <a:pt x="3907414" y="18288"/>
+                </a:cubicBezTo>
+                <a:cubicBezTo>
+                  <a:pt x="3737153" y="29564"/>
+                  <a:pt x="3538393" y="21630"/>
+                  <a:pt x="3446122" y="18288"/>
+                </a:cubicBezTo>
+                <a:cubicBezTo>
+                  <a:pt x="3353851" y="14946"/>
+                  <a:pt x="2990320" y="-8091"/>
+                  <a:pt x="2659212" y="18288"/>
+                </a:cubicBezTo>
+                <a:cubicBezTo>
+                  <a:pt x="2328104" y="44667"/>
+                  <a:pt x="2427653" y="9607"/>
+                  <a:pt x="2306460" y="18288"/>
+                </a:cubicBezTo>
+                <a:cubicBezTo>
+                  <a:pt x="2185267" y="26969"/>
+                  <a:pt x="1719763" y="3717"/>
+                  <a:pt x="1519550" y="18288"/>
+                </a:cubicBezTo>
+                <a:cubicBezTo>
+                  <a:pt x="1319337" y="32860"/>
+                  <a:pt x="1167371" y="17040"/>
+                  <a:pt x="1058258" y="18288"/>
+                </a:cubicBezTo>
+                <a:cubicBezTo>
+                  <a:pt x="949145" y="19536"/>
+                  <a:pt x="780234" y="31447"/>
+                  <a:pt x="705505" y="18288"/>
+                </a:cubicBezTo>
+                <a:cubicBezTo>
+                  <a:pt x="630776" y="5129"/>
+                  <a:pt x="215796" y="30056"/>
+                  <a:pt x="0" y="18288"/>
+                </a:cubicBezTo>
+                <a:cubicBezTo>
+                  <a:pt x="-53" y="11301"/>
+                  <a:pt x="-649" y="7756"/>
+                  <a:pt x="0" y="0"/>
+                </a:cubicBezTo>
+                <a:close/>
+              </a:path>
+            </a:pathLst>
+          </a:custGeom>
+          <a:solidFill>
+            <a:schemeClr val="accent2"/>
+          </a:solidFill>
+          <a:ln w="41275" cap="rnd">
+            <a:solidFill>
+              <a:schemeClr val="accent2"/>
+            </a:solidFill>
+            <a:round/>
+            <a:extLst>
+              <a:ext uri="{C807C97D-BFC1-408E-A445-0C87EB9F89A2}">
+                <ask:lineSketchStyleProps xmlns:ask="http://schemas.microsoft.com/office/drawing/2018/sketchyshapes" sd="1219033472">
+                  <a:prstGeom prst="rect">
+                    <a:avLst/>
+                  </a:prstGeom>
+                  <ask:type>
+                    <ask:lineSketchFreehand/>
+                  </ask:type>
+                </ask:lineSketchStyleProps>
+              </a:ext>
+            </a:extLst>
+          </a:ln>
+        </p:spPr>
+        <p:style>
+          <a:lnRef idx="2">
+            <a:schemeClr val="accent1">
+              <a:shade val="50000"/>
+            </a:schemeClr>
+          </a:lnRef>
+          <a:fillRef idx="1">
+            <a:schemeClr val="accent1"/>
+          </a:fillRef>
+          <a:effectRef idx="0">
+            <a:schemeClr val="accent1"/>
+          </a:effectRef>
+          <a:fontRef idx="minor">
+            <a:schemeClr val="lt1"/>
+          </a:fontRef>
+        </p:style>
+        <p:txBody>
+          <a:bodyPr rtlCol="0" anchor="ctr"/>
+          <a:lstStyle/>
+          <a:p>
+            <a:pPr algn="ctr"/>
+            <a:endParaRPr lang="en-US"/>
+          </a:p>
+        </p:txBody>
+      </p:sp>
+      <p:sp>
+        <p:nvSpPr>
+          <p:cNvPr id="3" name="Content Placeholder 2">
+            <a:extLst>
+              <a:ext uri="{FF2B5EF4-FFF2-40B4-BE49-F238E27FC236}">
+                <a16:creationId xmlns:a16="http://schemas.microsoft.com/office/drawing/2014/main" id="{0911F5E1-7BBF-D15E-5EA5-249DBD4D1D04}"/>
+              </a:ext>
+            </a:extLst>
+          </p:cNvPr>
+          <p:cNvSpPr>
+            <a:spLocks noGrp="1"/>
+          </p:cNvSpPr>
+          <p:nvPr>
+            <p:ph idx="1"/>
+          </p:nvPr>
+        </p:nvSpPr>
+        <p:spPr>
+          <a:xfrm>
+            <a:off x="838200" y="1929384"/>
+            <a:ext cx="10515600" cy="4251960"/>
+          </a:xfrm>
+        </p:spPr>
+        <p:txBody>
+          <a:bodyPr>
+            <a:normAutofit/>
+          </a:bodyPr>
+          <a:lstStyle/>
+          <a:p>
+            <a:r>
+              <a:rPr lang="en-US" sz="2200" dirty="0"/>
+              <a:t>Feature selection based on correlation also helped us here . </a:t>
+            </a:r>
+          </a:p>
+          <a:p>
+            <a:r>
+              <a:rPr lang="en-US" sz="2200" dirty="0"/>
+              <a:t>Data Cleaning also helps improve the model .</a:t>
+            </a:r>
+          </a:p>
+          <a:p>
+            <a:r>
+              <a:rPr lang="en-US" sz="2200" dirty="0"/>
+              <a:t>Hyper Parameter tunning is important to improve the model . </a:t>
+            </a:r>
+          </a:p>
+          <a:p>
+            <a:r>
+              <a:rPr lang="en-US" sz="2200" dirty="0"/>
+              <a:t>Exploring advanced techniques like ensemble models or deep learning could enhance predictive performance but not always not to jump directly on them .  </a:t>
+            </a:r>
+          </a:p>
+        </p:txBody>
+      </p:sp>
+    </p:spTree>
+    <p:extLst>
+      <p:ext uri="{BB962C8B-B14F-4D97-AF65-F5344CB8AC3E}">
+        <p14:creationId xmlns:p14="http://schemas.microsoft.com/office/powerpoint/2010/main" val="2145175431"/>
+      </p:ext>
+    </p:extLst>
+  </p:cSld>
+  <p:clrMapOvr>
+    <a:masterClrMapping/>
+  </p:clrMapOvr>
+</p:sld>
+</file>
+
+<file path=ppt/slides/slide15.xml><?xml version="1.0" encoding="utf-8"?>
+<p:sld xmlns:a="http://schemas.openxmlformats.org/drawingml/2006/main" xmlns:r="http://schemas.openxmlformats.org/officeDocument/2006/relationships" xmlns:p="http://schemas.openxmlformats.org/presentationml/2006/main">
+  <p:cSld>
     <p:spTree>
       <p:nvGrpSpPr>
         <p:cNvPr id="1" name=""/>
@@ -18976,7 +19804,7 @@
           <p:nvPr>
             <p:extLst>
               <p:ext uri="{D42A27DB-BD31-4B8C-83A1-F6EECF244321}">
-                <p14:modId xmlns:p14="http://schemas.microsoft.com/office/powerpoint/2010/main" val="3634625122"/>
+                <p14:modId xmlns:p14="http://schemas.microsoft.com/office/powerpoint/2010/main" val="1757763289"/>
               </p:ext>
             </p:extLst>
           </p:nvPr>
@@ -19426,7 +20254,7 @@
                           <a:latin typeface="Arial" panose="020B0604020202020204" pitchFamily="34" charset="0"/>
                           <a:cs typeface="Arial" panose="020B0604020202020204" pitchFamily="34" charset="0"/>
                         </a:rPr>
-                        <a:t>Team No 15</a:t>
+                        <a:t>Chandan, Monika, Mukesh and Rishabh</a:t>
                       </a:r>
                     </a:p>
                   </a:txBody>
@@ -20669,834 +21497,6 @@
 </p:sld>
 </file>
 
-<file path=ppt/slides/slide15.xml><?xml version="1.0" encoding="utf-8"?>
-<p:sld xmlns:a="http://schemas.openxmlformats.org/drawingml/2006/main" xmlns:r="http://schemas.openxmlformats.org/officeDocument/2006/relationships" xmlns:p="http://schemas.openxmlformats.org/presentationml/2006/main">
-  <p:cSld>
-    <p:bg>
-      <p:bgPr>
-        <a:solidFill>
-          <a:schemeClr val="bg1"/>
-        </a:solidFill>
-        <a:effectLst/>
-      </p:bgPr>
-    </p:bg>
-    <p:spTree>
-      <p:nvGrpSpPr>
-        <p:cNvPr id="1" name=""/>
-        <p:cNvGrpSpPr/>
-        <p:nvPr/>
-      </p:nvGrpSpPr>
-      <p:grpSpPr>
-        <a:xfrm>
-          <a:off x="0" y="0"/>
-          <a:ext cx="0" cy="0"/>
-          <a:chOff x="0" y="0"/>
-          <a:chExt cx="0" cy="0"/>
-        </a:xfrm>
-      </p:grpSpPr>
-      <p:sp useBgFill="1">
-        <p:nvSpPr>
-          <p:cNvPr id="8" name="Rectangle 7">
-            <a:extLst>
-              <a:ext uri="{FF2B5EF4-FFF2-40B4-BE49-F238E27FC236}">
-                <a16:creationId xmlns:a16="http://schemas.microsoft.com/office/drawing/2014/main" id="{100EDD19-6802-4EC3-95CE-CFFAB042CFD6}"/>
-              </a:ext>
-              <a:ext uri="{C183D7F6-B498-43B3-948B-1728B52AA6E4}">
-                <adec:decorative xmlns:adec="http://schemas.microsoft.com/office/drawing/2017/decorative" val="1"/>
-              </a:ext>
-            </a:extLst>
-          </p:cNvPr>
-          <p:cNvSpPr>
-            <a:spLocks noGrp="1" noRot="1" noChangeAspect="1" noMove="1" noResize="1" noEditPoints="1" noAdjustHandles="1" noChangeArrowheads="1" noChangeShapeType="1" noTextEdit="1"/>
-          </p:cNvSpPr>
-          <p:nvPr>
-            <p:extLst>
-              <p:ext uri="{386F3935-93C4-4BCD-93E2-E3B085C9AB24}">
-                <p16:designElem xmlns:p16="http://schemas.microsoft.com/office/powerpoint/2015/main" val="1"/>
-              </p:ext>
-            </p:extLst>
-          </p:nvPr>
-        </p:nvSpPr>
-        <p:spPr>
-          <a:xfrm>
-            <a:off x="0" y="0"/>
-            <a:ext cx="12188952" cy="6858000"/>
-          </a:xfrm>
-          <a:prstGeom prst="rect">
-            <a:avLst/>
-          </a:prstGeom>
-          <a:ln>
-            <a:noFill/>
-          </a:ln>
-        </p:spPr>
-        <p:style>
-          <a:lnRef idx="2">
-            <a:schemeClr val="accent1">
-              <a:shade val="50000"/>
-            </a:schemeClr>
-          </a:lnRef>
-          <a:fillRef idx="1">
-            <a:schemeClr val="accent1"/>
-          </a:fillRef>
-          <a:effectRef idx="0">
-            <a:schemeClr val="accent1"/>
-          </a:effectRef>
-          <a:fontRef idx="minor">
-            <a:schemeClr val="lt1"/>
-          </a:fontRef>
-        </p:style>
-        <p:txBody>
-          <a:bodyPr rtlCol="0" anchor="ctr"/>
-          <a:lstStyle/>
-          <a:p>
-            <a:pPr algn="ctr"/>
-            <a:endParaRPr lang="en-US"/>
-          </a:p>
-        </p:txBody>
-      </p:sp>
-      <p:sp>
-        <p:nvSpPr>
-          <p:cNvPr id="2" name="Title 1">
-            <a:extLst>
-              <a:ext uri="{FF2B5EF4-FFF2-40B4-BE49-F238E27FC236}">
-                <a16:creationId xmlns:a16="http://schemas.microsoft.com/office/drawing/2014/main" id="{61FA5EF8-1A38-9B9C-920B-F2B3D9DD9B18}"/>
-              </a:ext>
-            </a:extLst>
-          </p:cNvPr>
-          <p:cNvSpPr>
-            <a:spLocks noGrp="1"/>
-          </p:cNvSpPr>
-          <p:nvPr>
-            <p:ph type="title"/>
-          </p:nvPr>
-        </p:nvSpPr>
-        <p:spPr>
-          <a:xfrm>
-            <a:off x="838200" y="365125"/>
-            <a:ext cx="10515600" cy="1325563"/>
-          </a:xfrm>
-        </p:spPr>
-        <p:txBody>
-          <a:bodyPr>
-            <a:normAutofit/>
-          </a:bodyPr>
-          <a:lstStyle/>
-          <a:p>
-            <a:r>
-              <a:rPr lang="en-US" sz="5400" b="1" dirty="0"/>
-              <a:t>Conclusion</a:t>
-            </a:r>
-            <a:r>
-              <a:rPr lang="en-US" sz="5400" dirty="0"/>
-              <a:t> </a:t>
-            </a:r>
-          </a:p>
-        </p:txBody>
-      </p:sp>
-      <p:sp>
-        <p:nvSpPr>
-          <p:cNvPr id="10" name="sketch line">
-            <a:extLst>
-              <a:ext uri="{FF2B5EF4-FFF2-40B4-BE49-F238E27FC236}">
-                <a16:creationId xmlns:a16="http://schemas.microsoft.com/office/drawing/2014/main" id="{DB17E863-922E-4C26-BD64-E8FD41D28661}"/>
-              </a:ext>
-              <a:ext uri="{C183D7F6-B498-43B3-948B-1728B52AA6E4}">
-                <adec:decorative xmlns:adec="http://schemas.microsoft.com/office/drawing/2017/decorative" val="1"/>
-              </a:ext>
-            </a:extLst>
-          </p:cNvPr>
-          <p:cNvSpPr>
-            <a:spLocks noGrp="1" noRot="1" noChangeAspect="1" noMove="1" noResize="1" noEditPoints="1" noAdjustHandles="1" noChangeArrowheads="1" noChangeShapeType="1" noTextEdit="1"/>
-          </p:cNvSpPr>
-          <p:nvPr>
-            <p:extLst>
-              <p:ext uri="{386F3935-93C4-4BCD-93E2-E3B085C9AB24}">
-                <p16:designElem xmlns:p16="http://schemas.microsoft.com/office/powerpoint/2015/main" val="1"/>
-              </p:ext>
-            </p:extLst>
-          </p:nvPr>
-        </p:nvSpPr>
-        <p:spPr>
-          <a:xfrm>
-            <a:off x="669036" y="1677373"/>
-            <a:ext cx="10853928" cy="18288"/>
-          </a:xfrm>
-          <a:custGeom>
-            <a:avLst/>
-            <a:gdLst>
-              <a:gd name="connsiteX0" fmla="*/ 0 w 10853928"/>
-              <a:gd name="connsiteY0" fmla="*/ 0 h 18288"/>
-              <a:gd name="connsiteX1" fmla="*/ 461292 w 10853928"/>
-              <a:gd name="connsiteY1" fmla="*/ 0 h 18288"/>
-              <a:gd name="connsiteX2" fmla="*/ 1139662 w 10853928"/>
-              <a:gd name="connsiteY2" fmla="*/ 0 h 18288"/>
-              <a:gd name="connsiteX3" fmla="*/ 1926572 w 10853928"/>
-              <a:gd name="connsiteY3" fmla="*/ 0 h 18288"/>
-              <a:gd name="connsiteX4" fmla="*/ 2279325 w 10853928"/>
-              <a:gd name="connsiteY4" fmla="*/ 0 h 18288"/>
-              <a:gd name="connsiteX5" fmla="*/ 2632078 w 10853928"/>
-              <a:gd name="connsiteY5" fmla="*/ 0 h 18288"/>
-              <a:gd name="connsiteX6" fmla="*/ 3527527 w 10853928"/>
-              <a:gd name="connsiteY6" fmla="*/ 0 h 18288"/>
-              <a:gd name="connsiteX7" fmla="*/ 4205897 w 10853928"/>
-              <a:gd name="connsiteY7" fmla="*/ 0 h 18288"/>
-              <a:gd name="connsiteX8" fmla="*/ 4558650 w 10853928"/>
-              <a:gd name="connsiteY8" fmla="*/ 0 h 18288"/>
-              <a:gd name="connsiteX9" fmla="*/ 5237020 w 10853928"/>
-              <a:gd name="connsiteY9" fmla="*/ 0 h 18288"/>
-              <a:gd name="connsiteX10" fmla="*/ 6132469 w 10853928"/>
-              <a:gd name="connsiteY10" fmla="*/ 0 h 18288"/>
-              <a:gd name="connsiteX11" fmla="*/ 6702301 w 10853928"/>
-              <a:gd name="connsiteY11" fmla="*/ 0 h 18288"/>
-              <a:gd name="connsiteX12" fmla="*/ 7272132 w 10853928"/>
-              <a:gd name="connsiteY12" fmla="*/ 0 h 18288"/>
-              <a:gd name="connsiteX13" fmla="*/ 7950502 w 10853928"/>
-              <a:gd name="connsiteY13" fmla="*/ 0 h 18288"/>
-              <a:gd name="connsiteX14" fmla="*/ 8737412 w 10853928"/>
-              <a:gd name="connsiteY14" fmla="*/ 0 h 18288"/>
-              <a:gd name="connsiteX15" fmla="*/ 9524322 w 10853928"/>
-              <a:gd name="connsiteY15" fmla="*/ 0 h 18288"/>
-              <a:gd name="connsiteX16" fmla="*/ 10853928 w 10853928"/>
-              <a:gd name="connsiteY16" fmla="*/ 0 h 18288"/>
-              <a:gd name="connsiteX17" fmla="*/ 10853928 w 10853928"/>
-              <a:gd name="connsiteY17" fmla="*/ 18288 h 18288"/>
-              <a:gd name="connsiteX18" fmla="*/ 10392636 w 10853928"/>
-              <a:gd name="connsiteY18" fmla="*/ 18288 h 18288"/>
-              <a:gd name="connsiteX19" fmla="*/ 9497187 w 10853928"/>
-              <a:gd name="connsiteY19" fmla="*/ 18288 h 18288"/>
-              <a:gd name="connsiteX20" fmla="*/ 8818817 w 10853928"/>
-              <a:gd name="connsiteY20" fmla="*/ 18288 h 18288"/>
-              <a:gd name="connsiteX21" fmla="*/ 8466064 w 10853928"/>
-              <a:gd name="connsiteY21" fmla="*/ 18288 h 18288"/>
-              <a:gd name="connsiteX22" fmla="*/ 7787693 w 10853928"/>
-              <a:gd name="connsiteY22" fmla="*/ 18288 h 18288"/>
-              <a:gd name="connsiteX23" fmla="*/ 7217862 w 10853928"/>
-              <a:gd name="connsiteY23" fmla="*/ 18288 h 18288"/>
-              <a:gd name="connsiteX24" fmla="*/ 6648031 w 10853928"/>
-              <a:gd name="connsiteY24" fmla="*/ 18288 h 18288"/>
-              <a:gd name="connsiteX25" fmla="*/ 6078200 w 10853928"/>
-              <a:gd name="connsiteY25" fmla="*/ 18288 h 18288"/>
-              <a:gd name="connsiteX26" fmla="*/ 5508368 w 10853928"/>
-              <a:gd name="connsiteY26" fmla="*/ 18288 h 18288"/>
-              <a:gd name="connsiteX27" fmla="*/ 4721459 w 10853928"/>
-              <a:gd name="connsiteY27" fmla="*/ 18288 h 18288"/>
-              <a:gd name="connsiteX28" fmla="*/ 4043088 w 10853928"/>
-              <a:gd name="connsiteY28" fmla="*/ 18288 h 18288"/>
-              <a:gd name="connsiteX29" fmla="*/ 3690336 w 10853928"/>
-              <a:gd name="connsiteY29" fmla="*/ 18288 h 18288"/>
-              <a:gd name="connsiteX30" fmla="*/ 3120504 w 10853928"/>
-              <a:gd name="connsiteY30" fmla="*/ 18288 h 18288"/>
-              <a:gd name="connsiteX31" fmla="*/ 2333595 w 10853928"/>
-              <a:gd name="connsiteY31" fmla="*/ 18288 h 18288"/>
-              <a:gd name="connsiteX32" fmla="*/ 1872303 w 10853928"/>
-              <a:gd name="connsiteY32" fmla="*/ 18288 h 18288"/>
-              <a:gd name="connsiteX33" fmla="*/ 976854 w 10853928"/>
-              <a:gd name="connsiteY33" fmla="*/ 18288 h 18288"/>
-              <a:gd name="connsiteX34" fmla="*/ 0 w 10853928"/>
-              <a:gd name="connsiteY34" fmla="*/ 18288 h 18288"/>
-              <a:gd name="connsiteX35" fmla="*/ 0 w 10853928"/>
-              <a:gd name="connsiteY35" fmla="*/ 0 h 18288"/>
-            </a:gdLst>
-            <a:ahLst/>
-            <a:cxnLst>
-              <a:cxn ang="0">
-                <a:pos x="connsiteX0" y="connsiteY0"/>
-              </a:cxn>
-              <a:cxn ang="0">
-                <a:pos x="connsiteX1" y="connsiteY1"/>
-              </a:cxn>
-              <a:cxn ang="0">
-                <a:pos x="connsiteX2" y="connsiteY2"/>
-              </a:cxn>
-              <a:cxn ang="0">
-                <a:pos x="connsiteX3" y="connsiteY3"/>
-              </a:cxn>
-              <a:cxn ang="0">
-                <a:pos x="connsiteX4" y="connsiteY4"/>
-              </a:cxn>
-              <a:cxn ang="0">
-                <a:pos x="connsiteX5" y="connsiteY5"/>
-              </a:cxn>
-              <a:cxn ang="0">
-                <a:pos x="connsiteX6" y="connsiteY6"/>
-              </a:cxn>
-              <a:cxn ang="0">
-                <a:pos x="connsiteX7" y="connsiteY7"/>
-              </a:cxn>
-              <a:cxn ang="0">
-                <a:pos x="connsiteX8" y="connsiteY8"/>
-              </a:cxn>
-              <a:cxn ang="0">
-                <a:pos x="connsiteX9" y="connsiteY9"/>
-              </a:cxn>
-              <a:cxn ang="0">
-                <a:pos x="connsiteX10" y="connsiteY10"/>
-              </a:cxn>
-              <a:cxn ang="0">
-                <a:pos x="connsiteX11" y="connsiteY11"/>
-              </a:cxn>
-              <a:cxn ang="0">
-                <a:pos x="connsiteX12" y="connsiteY12"/>
-              </a:cxn>
-              <a:cxn ang="0">
-                <a:pos x="connsiteX13" y="connsiteY13"/>
-              </a:cxn>
-              <a:cxn ang="0">
-                <a:pos x="connsiteX14" y="connsiteY14"/>
-              </a:cxn>
-              <a:cxn ang="0">
-                <a:pos x="connsiteX15" y="connsiteY15"/>
-              </a:cxn>
-              <a:cxn ang="0">
-                <a:pos x="connsiteX16" y="connsiteY16"/>
-              </a:cxn>
-              <a:cxn ang="0">
-                <a:pos x="connsiteX17" y="connsiteY17"/>
-              </a:cxn>
-              <a:cxn ang="0">
-                <a:pos x="connsiteX18" y="connsiteY18"/>
-              </a:cxn>
-              <a:cxn ang="0">
-                <a:pos x="connsiteX19" y="connsiteY19"/>
-              </a:cxn>
-              <a:cxn ang="0">
-                <a:pos x="connsiteX20" y="connsiteY20"/>
-              </a:cxn>
-              <a:cxn ang="0">
-                <a:pos x="connsiteX21" y="connsiteY21"/>
-              </a:cxn>
-              <a:cxn ang="0">
-                <a:pos x="connsiteX22" y="connsiteY22"/>
-              </a:cxn>
-              <a:cxn ang="0">
-                <a:pos x="connsiteX23" y="connsiteY23"/>
-              </a:cxn>
-              <a:cxn ang="0">
-                <a:pos x="connsiteX24" y="connsiteY24"/>
-              </a:cxn>
-              <a:cxn ang="0">
-                <a:pos x="connsiteX25" y="connsiteY25"/>
-              </a:cxn>
-              <a:cxn ang="0">
-                <a:pos x="connsiteX26" y="connsiteY26"/>
-              </a:cxn>
-              <a:cxn ang="0">
-                <a:pos x="connsiteX27" y="connsiteY27"/>
-              </a:cxn>
-              <a:cxn ang="0">
-                <a:pos x="connsiteX28" y="connsiteY28"/>
-              </a:cxn>
-              <a:cxn ang="0">
-                <a:pos x="connsiteX29" y="connsiteY29"/>
-              </a:cxn>
-              <a:cxn ang="0">
-                <a:pos x="connsiteX30" y="connsiteY30"/>
-              </a:cxn>
-              <a:cxn ang="0">
-                <a:pos x="connsiteX31" y="connsiteY31"/>
-              </a:cxn>
-              <a:cxn ang="0">
-                <a:pos x="connsiteX32" y="connsiteY32"/>
-              </a:cxn>
-              <a:cxn ang="0">
-                <a:pos x="connsiteX33" y="connsiteY33"/>
-              </a:cxn>
-              <a:cxn ang="0">
-                <a:pos x="connsiteX34" y="connsiteY34"/>
-              </a:cxn>
-              <a:cxn ang="0">
-                <a:pos x="connsiteX35" y="connsiteY35"/>
-              </a:cxn>
-            </a:cxnLst>
-            <a:rect l="l" t="t" r="r" b="b"/>
-            <a:pathLst>
-              <a:path w="10853928" h="18288" fill="none" extrusionOk="0">
-                <a:moveTo>
-                  <a:pt x="0" y="0"/>
-                </a:moveTo>
-                <a:cubicBezTo>
-                  <a:pt x="146993" y="-19076"/>
-                  <a:pt x="347684" y="-4790"/>
-                  <a:pt x="461292" y="0"/>
-                </a:cubicBezTo>
-                <a:cubicBezTo>
-                  <a:pt x="574900" y="4790"/>
-                  <a:pt x="808367" y="19821"/>
-                  <a:pt x="1139662" y="0"/>
-                </a:cubicBezTo>
-                <a:cubicBezTo>
-                  <a:pt x="1470957" y="-19821"/>
-                  <a:pt x="1627405" y="5721"/>
-                  <a:pt x="1926572" y="0"/>
-                </a:cubicBezTo>
-                <a:cubicBezTo>
-                  <a:pt x="2225739" y="-5721"/>
-                  <a:pt x="2137730" y="-3235"/>
-                  <a:pt x="2279325" y="0"/>
-                </a:cubicBezTo>
-                <a:cubicBezTo>
-                  <a:pt x="2420920" y="3235"/>
-                  <a:pt x="2456518" y="9685"/>
-                  <a:pt x="2632078" y="0"/>
-                </a:cubicBezTo>
-                <a:cubicBezTo>
-                  <a:pt x="2807638" y="-9685"/>
-                  <a:pt x="3211516" y="-43007"/>
-                  <a:pt x="3527527" y="0"/>
-                </a:cubicBezTo>
-                <a:cubicBezTo>
-                  <a:pt x="3843538" y="43007"/>
-                  <a:pt x="4058833" y="22042"/>
-                  <a:pt x="4205897" y="0"/>
-                </a:cubicBezTo>
-                <a:cubicBezTo>
-                  <a:pt x="4352961" y="-22042"/>
-                  <a:pt x="4474805" y="-11846"/>
-                  <a:pt x="4558650" y="0"/>
-                </a:cubicBezTo>
-                <a:cubicBezTo>
-                  <a:pt x="4642495" y="11846"/>
-                  <a:pt x="5041928" y="-6069"/>
-                  <a:pt x="5237020" y="0"/>
-                </a:cubicBezTo>
-                <a:cubicBezTo>
-                  <a:pt x="5432112" y="6069"/>
-                  <a:pt x="5943266" y="-17479"/>
-                  <a:pt x="6132469" y="0"/>
-                </a:cubicBezTo>
-                <a:cubicBezTo>
-                  <a:pt x="6321672" y="17479"/>
-                  <a:pt x="6483872" y="26234"/>
-                  <a:pt x="6702301" y="0"/>
-                </a:cubicBezTo>
-                <a:cubicBezTo>
-                  <a:pt x="6920730" y="-26234"/>
-                  <a:pt x="6991194" y="-15156"/>
-                  <a:pt x="7272132" y="0"/>
-                </a:cubicBezTo>
-                <a:cubicBezTo>
-                  <a:pt x="7553070" y="15156"/>
-                  <a:pt x="7684444" y="-32961"/>
-                  <a:pt x="7950502" y="0"/>
-                </a:cubicBezTo>
-                <a:cubicBezTo>
-                  <a:pt x="8216560" y="32961"/>
-                  <a:pt x="8493290" y="-10491"/>
-                  <a:pt x="8737412" y="0"/>
-                </a:cubicBezTo>
-                <a:cubicBezTo>
-                  <a:pt x="8981534" y="10491"/>
-                  <a:pt x="9191586" y="-13899"/>
-                  <a:pt x="9524322" y="0"/>
-                </a:cubicBezTo>
-                <a:cubicBezTo>
-                  <a:pt x="9857058" y="13899"/>
-                  <a:pt x="10297509" y="7485"/>
-                  <a:pt x="10853928" y="0"/>
-                </a:cubicBezTo>
-                <a:cubicBezTo>
-                  <a:pt x="10854574" y="4451"/>
-                  <a:pt x="10854418" y="9226"/>
-                  <a:pt x="10853928" y="18288"/>
-                </a:cubicBezTo>
-                <a:cubicBezTo>
-                  <a:pt x="10691638" y="28522"/>
-                  <a:pt x="10574319" y="29578"/>
-                  <a:pt x="10392636" y="18288"/>
-                </a:cubicBezTo>
-                <a:cubicBezTo>
-                  <a:pt x="10210953" y="6998"/>
-                  <a:pt x="9836277" y="-16742"/>
-                  <a:pt x="9497187" y="18288"/>
-                </a:cubicBezTo>
-                <a:cubicBezTo>
-                  <a:pt x="9158097" y="53318"/>
-                  <a:pt x="9119479" y="30714"/>
-                  <a:pt x="8818817" y="18288"/>
-                </a:cubicBezTo>
-                <a:cubicBezTo>
-                  <a:pt x="8518155" y="5863"/>
-                  <a:pt x="8640037" y="6483"/>
-                  <a:pt x="8466064" y="18288"/>
-                </a:cubicBezTo>
-                <a:cubicBezTo>
-                  <a:pt x="8292091" y="30093"/>
-                  <a:pt x="7997656" y="18914"/>
-                  <a:pt x="7787693" y="18288"/>
-                </a:cubicBezTo>
-                <a:cubicBezTo>
-                  <a:pt x="7577730" y="17662"/>
-                  <a:pt x="7412468" y="21416"/>
-                  <a:pt x="7217862" y="18288"/>
-                </a:cubicBezTo>
-                <a:cubicBezTo>
-                  <a:pt x="7023256" y="15160"/>
-                  <a:pt x="6898018" y="14824"/>
-                  <a:pt x="6648031" y="18288"/>
-                </a:cubicBezTo>
-                <a:cubicBezTo>
-                  <a:pt x="6398044" y="21752"/>
-                  <a:pt x="6254402" y="38625"/>
-                  <a:pt x="6078200" y="18288"/>
-                </a:cubicBezTo>
-                <a:cubicBezTo>
-                  <a:pt x="5901998" y="-2049"/>
-                  <a:pt x="5622886" y="3213"/>
-                  <a:pt x="5508368" y="18288"/>
-                </a:cubicBezTo>
-                <a:cubicBezTo>
-                  <a:pt x="5393850" y="33363"/>
-                  <a:pt x="5036260" y="26830"/>
-                  <a:pt x="4721459" y="18288"/>
-                </a:cubicBezTo>
-                <a:cubicBezTo>
-                  <a:pt x="4406658" y="9746"/>
-                  <a:pt x="4239221" y="41551"/>
-                  <a:pt x="4043088" y="18288"/>
-                </a:cubicBezTo>
-                <a:cubicBezTo>
-                  <a:pt x="3846955" y="-4975"/>
-                  <a:pt x="3818802" y="34658"/>
-                  <a:pt x="3690336" y="18288"/>
-                </a:cubicBezTo>
-                <a:cubicBezTo>
-                  <a:pt x="3561870" y="1918"/>
-                  <a:pt x="3265491" y="42194"/>
-                  <a:pt x="3120504" y="18288"/>
-                </a:cubicBezTo>
-                <a:cubicBezTo>
-                  <a:pt x="2975517" y="-5618"/>
-                  <a:pt x="2720254" y="36673"/>
-                  <a:pt x="2333595" y="18288"/>
-                </a:cubicBezTo>
-                <a:cubicBezTo>
-                  <a:pt x="1946936" y="-97"/>
-                  <a:pt x="2097241" y="5776"/>
-                  <a:pt x="1872303" y="18288"/>
-                </a:cubicBezTo>
-                <a:cubicBezTo>
-                  <a:pt x="1647365" y="30800"/>
-                  <a:pt x="1282708" y="45380"/>
-                  <a:pt x="976854" y="18288"/>
-                </a:cubicBezTo>
-                <a:cubicBezTo>
-                  <a:pt x="671000" y="-8804"/>
-                  <a:pt x="408401" y="-12775"/>
-                  <a:pt x="0" y="18288"/>
-                </a:cubicBezTo>
-                <a:cubicBezTo>
-                  <a:pt x="-213" y="9468"/>
-                  <a:pt x="187" y="4459"/>
-                  <a:pt x="0" y="0"/>
-                </a:cubicBezTo>
-                <a:close/>
-              </a:path>
-              <a:path w="10853928" h="18288" stroke="0" extrusionOk="0">
-                <a:moveTo>
-                  <a:pt x="0" y="0"/>
-                </a:moveTo>
-                <a:cubicBezTo>
-                  <a:pt x="267322" y="15284"/>
-                  <a:pt x="415388" y="-21048"/>
-                  <a:pt x="569831" y="0"/>
-                </a:cubicBezTo>
-                <a:cubicBezTo>
-                  <a:pt x="724274" y="21048"/>
-                  <a:pt x="769333" y="-2353"/>
-                  <a:pt x="922584" y="0"/>
-                </a:cubicBezTo>
-                <a:cubicBezTo>
-                  <a:pt x="1075835" y="2353"/>
-                  <a:pt x="1399490" y="-145"/>
-                  <a:pt x="1818033" y="0"/>
-                </a:cubicBezTo>
-                <a:cubicBezTo>
-                  <a:pt x="2236576" y="145"/>
-                  <a:pt x="2145330" y="5482"/>
-                  <a:pt x="2387864" y="0"/>
-                </a:cubicBezTo>
-                <a:cubicBezTo>
-                  <a:pt x="2630398" y="-5482"/>
-                  <a:pt x="2793207" y="18487"/>
-                  <a:pt x="2957695" y="0"/>
-                </a:cubicBezTo>
-                <a:cubicBezTo>
-                  <a:pt x="3122183" y="-18487"/>
-                  <a:pt x="3579141" y="19003"/>
-                  <a:pt x="3853144" y="0"/>
-                </a:cubicBezTo>
-                <a:cubicBezTo>
-                  <a:pt x="4127147" y="-19003"/>
-                  <a:pt x="4209857" y="12211"/>
-                  <a:pt x="4314436" y="0"/>
-                </a:cubicBezTo>
-                <a:cubicBezTo>
-                  <a:pt x="4419015" y="-12211"/>
-                  <a:pt x="4762459" y="-17220"/>
-                  <a:pt x="5209885" y="0"/>
-                </a:cubicBezTo>
-                <a:cubicBezTo>
-                  <a:pt x="5657311" y="17220"/>
-                  <a:pt x="5692663" y="-3290"/>
-                  <a:pt x="6105335" y="0"/>
-                </a:cubicBezTo>
-                <a:cubicBezTo>
-                  <a:pt x="6518007" y="3290"/>
-                  <a:pt x="6455516" y="-5124"/>
-                  <a:pt x="6783705" y="0"/>
-                </a:cubicBezTo>
-                <a:cubicBezTo>
-                  <a:pt x="7111894" y="5124"/>
-                  <a:pt x="7441941" y="-17829"/>
-                  <a:pt x="7679154" y="0"/>
-                </a:cubicBezTo>
-                <a:cubicBezTo>
-                  <a:pt x="7916367" y="17829"/>
-                  <a:pt x="8102967" y="-24363"/>
-                  <a:pt x="8248985" y="0"/>
-                </a:cubicBezTo>
-                <a:cubicBezTo>
-                  <a:pt x="8395003" y="24363"/>
-                  <a:pt x="8552393" y="25505"/>
-                  <a:pt x="8818817" y="0"/>
-                </a:cubicBezTo>
-                <a:cubicBezTo>
-                  <a:pt x="9085241" y="-25505"/>
-                  <a:pt x="9411308" y="38000"/>
-                  <a:pt x="9605726" y="0"/>
-                </a:cubicBezTo>
-                <a:cubicBezTo>
-                  <a:pt x="9800144" y="-38000"/>
-                  <a:pt x="10006468" y="-25741"/>
-                  <a:pt x="10175558" y="0"/>
-                </a:cubicBezTo>
-                <a:cubicBezTo>
-                  <a:pt x="10344648" y="25741"/>
-                  <a:pt x="10696282" y="695"/>
-                  <a:pt x="10853928" y="0"/>
-                </a:cubicBezTo>
-                <a:cubicBezTo>
-                  <a:pt x="10853521" y="8690"/>
-                  <a:pt x="10853774" y="14141"/>
-                  <a:pt x="10853928" y="18288"/>
-                </a:cubicBezTo>
-                <a:cubicBezTo>
-                  <a:pt x="10608124" y="24255"/>
-                  <a:pt x="10343415" y="22307"/>
-                  <a:pt x="10067018" y="18288"/>
-                </a:cubicBezTo>
-                <a:cubicBezTo>
-                  <a:pt x="9790621" y="14270"/>
-                  <a:pt x="9843266" y="3564"/>
-                  <a:pt x="9714266" y="18288"/>
-                </a:cubicBezTo>
-                <a:cubicBezTo>
-                  <a:pt x="9585266" y="33012"/>
-                  <a:pt x="9379484" y="1875"/>
-                  <a:pt x="9252974" y="18288"/>
-                </a:cubicBezTo>
-                <a:cubicBezTo>
-                  <a:pt x="9126464" y="34701"/>
-                  <a:pt x="8580678" y="-4904"/>
-                  <a:pt x="8357525" y="18288"/>
-                </a:cubicBezTo>
-                <a:cubicBezTo>
-                  <a:pt x="8134372" y="41480"/>
-                  <a:pt x="7903199" y="26458"/>
-                  <a:pt x="7679154" y="18288"/>
-                </a:cubicBezTo>
-                <a:cubicBezTo>
-                  <a:pt x="7455109" y="10118"/>
-                  <a:pt x="7435944" y="27109"/>
-                  <a:pt x="7217862" y="18288"/>
-                </a:cubicBezTo>
-                <a:cubicBezTo>
-                  <a:pt x="6999780" y="9467"/>
-                  <a:pt x="6680409" y="18985"/>
-                  <a:pt x="6539492" y="18288"/>
-                </a:cubicBezTo>
-                <a:cubicBezTo>
-                  <a:pt x="6398575" y="17592"/>
-                  <a:pt x="6312077" y="33018"/>
-                  <a:pt x="6186739" y="18288"/>
-                </a:cubicBezTo>
-                <a:cubicBezTo>
-                  <a:pt x="6061401" y="3558"/>
-                  <a:pt x="5947033" y="12075"/>
-                  <a:pt x="5833986" y="18288"/>
-                </a:cubicBezTo>
-                <a:cubicBezTo>
-                  <a:pt x="5720939" y="24501"/>
-                  <a:pt x="5482226" y="8586"/>
-                  <a:pt x="5155616" y="18288"/>
-                </a:cubicBezTo>
-                <a:cubicBezTo>
-                  <a:pt x="4829006" y="27991"/>
-                  <a:pt x="4841274" y="29316"/>
-                  <a:pt x="4694324" y="18288"/>
-                </a:cubicBezTo>
-                <a:cubicBezTo>
-                  <a:pt x="4547374" y="7260"/>
-                  <a:pt x="4077675" y="7013"/>
-                  <a:pt x="3907414" y="18288"/>
-                </a:cubicBezTo>
-                <a:cubicBezTo>
-                  <a:pt x="3737153" y="29564"/>
-                  <a:pt x="3538393" y="21630"/>
-                  <a:pt x="3446122" y="18288"/>
-                </a:cubicBezTo>
-                <a:cubicBezTo>
-                  <a:pt x="3353851" y="14946"/>
-                  <a:pt x="2990320" y="-8091"/>
-                  <a:pt x="2659212" y="18288"/>
-                </a:cubicBezTo>
-                <a:cubicBezTo>
-                  <a:pt x="2328104" y="44667"/>
-                  <a:pt x="2427653" y="9607"/>
-                  <a:pt x="2306460" y="18288"/>
-                </a:cubicBezTo>
-                <a:cubicBezTo>
-                  <a:pt x="2185267" y="26969"/>
-                  <a:pt x="1719763" y="3717"/>
-                  <a:pt x="1519550" y="18288"/>
-                </a:cubicBezTo>
-                <a:cubicBezTo>
-                  <a:pt x="1319337" y="32860"/>
-                  <a:pt x="1167371" y="17040"/>
-                  <a:pt x="1058258" y="18288"/>
-                </a:cubicBezTo>
-                <a:cubicBezTo>
-                  <a:pt x="949145" y="19536"/>
-                  <a:pt x="780234" y="31447"/>
-                  <a:pt x="705505" y="18288"/>
-                </a:cubicBezTo>
-                <a:cubicBezTo>
-                  <a:pt x="630776" y="5129"/>
-                  <a:pt x="215796" y="30056"/>
-                  <a:pt x="0" y="18288"/>
-                </a:cubicBezTo>
-                <a:cubicBezTo>
-                  <a:pt x="-53" y="11301"/>
-                  <a:pt x="-649" y="7756"/>
-                  <a:pt x="0" y="0"/>
-                </a:cubicBezTo>
-                <a:close/>
-              </a:path>
-            </a:pathLst>
-          </a:custGeom>
-          <a:solidFill>
-            <a:schemeClr val="accent2"/>
-          </a:solidFill>
-          <a:ln w="41275" cap="rnd">
-            <a:solidFill>
-              <a:schemeClr val="accent2"/>
-            </a:solidFill>
-            <a:round/>
-            <a:extLst>
-              <a:ext uri="{C807C97D-BFC1-408E-A445-0C87EB9F89A2}">
-                <ask:lineSketchStyleProps xmlns:ask="http://schemas.microsoft.com/office/drawing/2018/sketchyshapes" sd="1219033472">
-                  <a:prstGeom prst="rect">
-                    <a:avLst/>
-                  </a:prstGeom>
-                  <ask:type>
-                    <ask:lineSketchFreehand/>
-                  </ask:type>
-                </ask:lineSketchStyleProps>
-              </a:ext>
-            </a:extLst>
-          </a:ln>
-        </p:spPr>
-        <p:style>
-          <a:lnRef idx="2">
-            <a:schemeClr val="accent1">
-              <a:shade val="50000"/>
-            </a:schemeClr>
-          </a:lnRef>
-          <a:fillRef idx="1">
-            <a:schemeClr val="accent1"/>
-          </a:fillRef>
-          <a:effectRef idx="0">
-            <a:schemeClr val="accent1"/>
-          </a:effectRef>
-          <a:fontRef idx="minor">
-            <a:schemeClr val="lt1"/>
-          </a:fontRef>
-        </p:style>
-        <p:txBody>
-          <a:bodyPr rtlCol="0" anchor="ctr"/>
-          <a:lstStyle/>
-          <a:p>
-            <a:pPr algn="ctr"/>
-            <a:endParaRPr lang="en-US"/>
-          </a:p>
-        </p:txBody>
-      </p:sp>
-      <p:sp>
-        <p:nvSpPr>
-          <p:cNvPr id="3" name="Content Placeholder 2">
-            <a:extLst>
-              <a:ext uri="{FF2B5EF4-FFF2-40B4-BE49-F238E27FC236}">
-                <a16:creationId xmlns:a16="http://schemas.microsoft.com/office/drawing/2014/main" id="{0911F5E1-7BBF-D15E-5EA5-249DBD4D1D04}"/>
-              </a:ext>
-            </a:extLst>
-          </p:cNvPr>
-          <p:cNvSpPr>
-            <a:spLocks noGrp="1"/>
-          </p:cNvSpPr>
-          <p:nvPr>
-            <p:ph idx="1"/>
-          </p:nvPr>
-        </p:nvSpPr>
-        <p:spPr>
-          <a:xfrm>
-            <a:off x="838200" y="1929384"/>
-            <a:ext cx="10515600" cy="4251960"/>
-          </a:xfrm>
-        </p:spPr>
-        <p:txBody>
-          <a:bodyPr>
-            <a:normAutofit/>
-          </a:bodyPr>
-          <a:lstStyle/>
-          <a:p>
-            <a:r>
-              <a:rPr lang="en-US" sz="2200" dirty="0"/>
-              <a:t>Feature selection based on correlation also helped us here . </a:t>
-            </a:r>
-          </a:p>
-          <a:p>
-            <a:r>
-              <a:rPr lang="en-US" sz="2200" dirty="0"/>
-              <a:t>Data Cleaning also helps improve the model .</a:t>
-            </a:r>
-          </a:p>
-          <a:p>
-            <a:r>
-              <a:rPr lang="en-US" sz="2200" dirty="0"/>
-              <a:t>Hyper Parameter tunning is important to improve the model . </a:t>
-            </a:r>
-          </a:p>
-          <a:p>
-            <a:r>
-              <a:rPr lang="en-US" sz="2200" dirty="0"/>
-              <a:t>Exploring advanced techniques like ensemble models or deep learning could enhance predictive performance but not always not to jump directly on them .  </a:t>
-            </a:r>
-          </a:p>
-        </p:txBody>
-      </p:sp>
-    </p:spTree>
-    <p:extLst>
-      <p:ext uri="{BB962C8B-B14F-4D97-AF65-F5344CB8AC3E}">
-        <p14:creationId xmlns:p14="http://schemas.microsoft.com/office/powerpoint/2010/main" val="2145175431"/>
-      </p:ext>
-    </p:extLst>
-  </p:cSld>
-  <p:clrMapOvr>
-    <a:masterClrMapping/>
-  </p:clrMapOvr>
-</p:sld>
-</file>
-
 <file path=ppt/slides/slide16.xml><?xml version="1.0" encoding="utf-8"?>
 <p:sld xmlns:a="http://schemas.openxmlformats.org/drawingml/2006/main" xmlns:r="http://schemas.openxmlformats.org/officeDocument/2006/relationships" xmlns:p="http://schemas.openxmlformats.org/presentationml/2006/main">
   <p:cSld>

--- a/Project_Presentation_Employee_Attrition_Prediction.pptx
+++ b/Project_Presentation_Employee_Attrition_Prediction.pptx
@@ -5,25 +5,24 @@
     <p:sldMasterId id="2147483648" r:id="rId1"/>
   </p:sldMasterIdLst>
   <p:notesMasterIdLst>
-    <p:notesMasterId r:id="rId18"/>
+    <p:notesMasterId r:id="rId17"/>
   </p:notesMasterIdLst>
   <p:sldIdLst>
     <p:sldId id="259" r:id="rId2"/>
-    <p:sldId id="1614" r:id="rId3"/>
-    <p:sldId id="263" r:id="rId4"/>
-    <p:sldId id="1606" r:id="rId5"/>
-    <p:sldId id="1609" r:id="rId6"/>
-    <p:sldId id="1610" r:id="rId7"/>
-    <p:sldId id="1611" r:id="rId8"/>
-    <p:sldId id="257" r:id="rId9"/>
-    <p:sldId id="258" r:id="rId10"/>
-    <p:sldId id="261" r:id="rId11"/>
-    <p:sldId id="1605" r:id="rId12"/>
-    <p:sldId id="1612" r:id="rId13"/>
-    <p:sldId id="1613" r:id="rId14"/>
-    <p:sldId id="262" r:id="rId15"/>
-    <p:sldId id="1603" r:id="rId16"/>
-    <p:sldId id="265" r:id="rId17"/>
+    <p:sldId id="263" r:id="rId3"/>
+    <p:sldId id="1606" r:id="rId4"/>
+    <p:sldId id="1609" r:id="rId5"/>
+    <p:sldId id="1610" r:id="rId6"/>
+    <p:sldId id="1611" r:id="rId7"/>
+    <p:sldId id="257" r:id="rId8"/>
+    <p:sldId id="258" r:id="rId9"/>
+    <p:sldId id="261" r:id="rId10"/>
+    <p:sldId id="1605" r:id="rId11"/>
+    <p:sldId id="1612" r:id="rId12"/>
+    <p:sldId id="1613" r:id="rId13"/>
+    <p:sldId id="262" r:id="rId14"/>
+    <p:sldId id="1603" r:id="rId15"/>
+    <p:sldId id="265" r:id="rId16"/>
   </p:sldIdLst>
   <p:sldSz cx="12192000" cy="6858000"/>
   <p:notesSz cx="6858000" cy="9144000"/>
@@ -3139,10 +3138,10 @@
     <dgm:cxn modelId="{2506FF35-0B73-4924-B3A6-CDA6CCE4D254}" type="presOf" srcId="{7D29E4BA-724A-4F0F-AAAC-896F91B289D5}" destId="{8F35218B-0B29-4537-A959-F065B533DCA0}" srcOrd="0" destOrd="0" presId="urn:microsoft.com/office/officeart/2005/8/layout/default"/>
     <dgm:cxn modelId="{DB22C239-922F-472F-B8EF-519C934D9D76}" srcId="{ED784AFE-1B07-45C6-BE33-1AEB9AC9BAAC}" destId="{BB1F6F43-E23D-4EA9-AC40-2EC9712A8DB0}" srcOrd="1" destOrd="0" parTransId="{D97ACDAA-3921-409E-84A8-BEAE666BA87D}" sibTransId="{87317E56-7708-421D-A8AA-D0A8FB135E10}"/>
     <dgm:cxn modelId="{327A003A-95FF-4036-879E-395A761AE4AE}" type="presOf" srcId="{A48216D7-7077-4AD6-9795-06A1DEBB9070}" destId="{2F70ABAD-FD34-4D55-B5C9-FDB43501D535}" srcOrd="0" destOrd="0" presId="urn:microsoft.com/office/officeart/2005/8/layout/default"/>
+    <dgm:cxn modelId="{EAE6F147-9D6A-4D7B-A86B-150AAD957A6A}" srcId="{7D29E4BA-724A-4F0F-AAAC-896F91B289D5}" destId="{4E005EB3-5501-40C1-AF1B-54CE7CD9360F}" srcOrd="0" destOrd="0" parTransId="{6D40B7BD-16CA-414B-AF09-504801BA60EF}" sibTransId="{E7EE611D-3CF4-481C-BC7C-5BE7048D352B}"/>
+    <dgm:cxn modelId="{CE694954-9E6A-418D-9B79-5F79324B5D44}" type="presOf" srcId="{B180E4AB-9ED3-4A31-8DF4-1A84E957DC34}" destId="{4841FE55-6EF3-474D-A028-5B9AFFAF4649}" srcOrd="0" destOrd="0" presId="urn:microsoft.com/office/officeart/2005/8/layout/default"/>
     <dgm:cxn modelId="{56FB655D-01C2-4A56-9E24-E34DBD47A63F}" srcId="{ED784AFE-1B07-45C6-BE33-1AEB9AC9BAAC}" destId="{4292E375-61D9-4158-9C09-DF8F34317D5D}" srcOrd="0" destOrd="0" parTransId="{EF2C9413-C3D8-4BAA-8B47-8B63D4B1AABB}" sibTransId="{7C2E2CE5-EC43-4804-9BB2-DB62C8021990}"/>
-    <dgm:cxn modelId="{EAE6F147-9D6A-4D7B-A86B-150AAD957A6A}" srcId="{7D29E4BA-724A-4F0F-AAAC-896F91B289D5}" destId="{4E005EB3-5501-40C1-AF1B-54CE7CD9360F}" srcOrd="0" destOrd="0" parTransId="{6D40B7BD-16CA-414B-AF09-504801BA60EF}" sibTransId="{E7EE611D-3CF4-481C-BC7C-5BE7048D352B}"/>
     <dgm:cxn modelId="{47013673-3601-4AD8-9B2E-44F7DCB11541}" srcId="{BED7FE2B-2E73-4F95-AD2C-1BE75880880B}" destId="{CC050EFE-8108-43FE-9F48-9E70F52489C1}" srcOrd="5" destOrd="0" parTransId="{EA30F8A1-BD9A-4A76-B111-44A1361C01EE}" sibTransId="{93B753EF-65FD-42AF-8845-FD099EDAA830}"/>
-    <dgm:cxn modelId="{CE694954-9E6A-418D-9B79-5F79324B5D44}" type="presOf" srcId="{B180E4AB-9ED3-4A31-8DF4-1A84E957DC34}" destId="{4841FE55-6EF3-474D-A028-5B9AFFAF4649}" srcOrd="0" destOrd="0" presId="urn:microsoft.com/office/officeart/2005/8/layout/default"/>
     <dgm:cxn modelId="{9B0FA176-374C-4017-9629-4C63A679BF5F}" type="presOf" srcId="{5D257861-C90E-41A1-8ADC-2F2D32BC6AC3}" destId="{4841FE55-6EF3-474D-A028-5B9AFFAF4649}" srcOrd="0" destOrd="1" presId="urn:microsoft.com/office/officeart/2005/8/layout/default"/>
     <dgm:cxn modelId="{34EB947B-4D41-42BA-8B62-03BC2F67A1E2}" type="presOf" srcId="{CF233DCB-DD28-4106-B364-7A95CAD6200C}" destId="{D4F68EC4-739F-407B-AE53-0ACC131A628B}" srcOrd="0" destOrd="2" presId="urn:microsoft.com/office/officeart/2005/8/layout/default"/>
     <dgm:cxn modelId="{D4A9857D-8319-428D-9776-D23067CB4F28}" srcId="{BED7FE2B-2E73-4F95-AD2C-1BE75880880B}" destId="{B180E4AB-9ED3-4A31-8DF4-1A84E957DC34}" srcOrd="0" destOrd="0" parTransId="{0AB4E1F8-BA5D-47ED-9E09-55F151C86E00}" sibTransId="{1FA59D29-EC3F-4EB6-848D-B86E0825326F}"/>
@@ -11469,7 +11468,7 @@
           <a:p>
             <a:fld id="{55EBF7F1-AB8B-45B9-85D6-EEAB5CA0B4C8}" type="datetimeFigureOut">
               <a:rPr lang="en-US" smtClean="0"/>
-              <a:t>12/5/2024</a:t>
+              <a:t>12/5/24</a:t>
             </a:fld>
             <a:endParaRPr lang="en-US"/>
           </a:p>
@@ -11801,7 +11800,7 @@
           <a:p>
             <a:fld id="{D9DC0902-B928-4F0F-BBCD-04DEB66ED9A2}" type="slidenum">
               <a:rPr lang="en-US" smtClean="0"/>
-              <a:t>4</a:t>
+              <a:t>3</a:t>
             </a:fld>
             <a:endParaRPr lang="en-US"/>
           </a:p>
@@ -11885,7 +11884,7 @@
           <a:p>
             <a:fld id="{D9DC0902-B928-4F0F-BBCD-04DEB66ED9A2}" type="slidenum">
               <a:rPr lang="en-US" smtClean="0"/>
-              <a:t>9</a:t>
+              <a:t>8</a:t>
             </a:fld>
             <a:endParaRPr lang="en-US"/>
           </a:p>
@@ -11969,7 +11968,7 @@
           <a:p>
             <a:fld id="{D9DC0902-B928-4F0F-BBCD-04DEB66ED9A2}" type="slidenum">
               <a:rPr lang="en-US" smtClean="0"/>
-              <a:t>16</a:t>
+              <a:t>15</a:t>
             </a:fld>
             <a:endParaRPr lang="en-US"/>
           </a:p>
@@ -12135,7 +12134,7 @@
           <a:p>
             <a:fld id="{84B92407-704D-4C58-9180-B5C5B3785A42}" type="datetimeFigureOut">
               <a:rPr lang="en-US" smtClean="0"/>
-              <a:t>12/5/2024</a:t>
+              <a:t>12/5/24</a:t>
             </a:fld>
             <a:endParaRPr lang="en-US"/>
           </a:p>
@@ -12333,7 +12332,7 @@
           <a:p>
             <a:fld id="{84B92407-704D-4C58-9180-B5C5B3785A42}" type="datetimeFigureOut">
               <a:rPr lang="en-US" smtClean="0"/>
-              <a:t>12/5/2024</a:t>
+              <a:t>12/5/24</a:t>
             </a:fld>
             <a:endParaRPr lang="en-US"/>
           </a:p>
@@ -12541,7 +12540,7 @@
           <a:p>
             <a:fld id="{84B92407-704D-4C58-9180-B5C5B3785A42}" type="datetimeFigureOut">
               <a:rPr lang="en-US" smtClean="0"/>
-              <a:t>12/5/2024</a:t>
+              <a:t>12/5/24</a:t>
             </a:fld>
             <a:endParaRPr lang="en-US"/>
           </a:p>
@@ -12739,7 +12738,7 @@
           <a:p>
             <a:fld id="{84B92407-704D-4C58-9180-B5C5B3785A42}" type="datetimeFigureOut">
               <a:rPr lang="en-US" smtClean="0"/>
-              <a:t>12/5/2024</a:t>
+              <a:t>12/5/24</a:t>
             </a:fld>
             <a:endParaRPr lang="en-US"/>
           </a:p>
@@ -13014,7 +13013,7 @@
           <a:p>
             <a:fld id="{84B92407-704D-4C58-9180-B5C5B3785A42}" type="datetimeFigureOut">
               <a:rPr lang="en-US" smtClean="0"/>
-              <a:t>12/5/2024</a:t>
+              <a:t>12/5/24</a:t>
             </a:fld>
             <a:endParaRPr lang="en-US"/>
           </a:p>
@@ -13279,7 +13278,7 @@
           <a:p>
             <a:fld id="{84B92407-704D-4C58-9180-B5C5B3785A42}" type="datetimeFigureOut">
               <a:rPr lang="en-US" smtClean="0"/>
-              <a:t>12/5/2024</a:t>
+              <a:t>12/5/24</a:t>
             </a:fld>
             <a:endParaRPr lang="en-US"/>
           </a:p>
@@ -13691,7 +13690,7 @@
           <a:p>
             <a:fld id="{84B92407-704D-4C58-9180-B5C5B3785A42}" type="datetimeFigureOut">
               <a:rPr lang="en-US" smtClean="0"/>
-              <a:t>12/5/2024</a:t>
+              <a:t>12/5/24</a:t>
             </a:fld>
             <a:endParaRPr lang="en-US"/>
           </a:p>
@@ -13832,7 +13831,7 @@
           <a:p>
             <a:fld id="{84B92407-704D-4C58-9180-B5C5B3785A42}" type="datetimeFigureOut">
               <a:rPr lang="en-US" smtClean="0"/>
-              <a:t>12/5/2024</a:t>
+              <a:t>12/5/24</a:t>
             </a:fld>
             <a:endParaRPr lang="en-US"/>
           </a:p>
@@ -13945,7 +13944,7 @@
           <a:p>
             <a:fld id="{84B92407-704D-4C58-9180-B5C5B3785A42}" type="datetimeFigureOut">
               <a:rPr lang="en-US" smtClean="0"/>
-              <a:t>12/5/2024</a:t>
+              <a:t>12/5/24</a:t>
             </a:fld>
             <a:endParaRPr lang="en-US"/>
           </a:p>
@@ -14256,7 +14255,7 @@
           <a:p>
             <a:fld id="{84B92407-704D-4C58-9180-B5C5B3785A42}" type="datetimeFigureOut">
               <a:rPr lang="en-US" smtClean="0"/>
-              <a:t>12/5/2024</a:t>
+              <a:t>12/5/24</a:t>
             </a:fld>
             <a:endParaRPr lang="en-US"/>
           </a:p>
@@ -14544,7 +14543,7 @@
           <a:p>
             <a:fld id="{84B92407-704D-4C58-9180-B5C5B3785A42}" type="datetimeFigureOut">
               <a:rPr lang="en-US" smtClean="0"/>
-              <a:t>12/5/2024</a:t>
+              <a:t>12/5/24</a:t>
             </a:fld>
             <a:endParaRPr lang="en-US"/>
           </a:p>
@@ -14785,7 +14784,7 @@
           <a:p>
             <a:fld id="{84B92407-704D-4C58-9180-B5C5B3785A42}" type="datetimeFigureOut">
               <a:rPr lang="en-US" smtClean="0"/>
-              <a:t>12/5/2024</a:t>
+              <a:t>12/5/24</a:t>
             </a:fld>
             <a:endParaRPr lang="en-US"/>
           </a:p>
@@ -16391,526 +16390,6 @@
           <a:chExt cx="0" cy="0"/>
         </a:xfrm>
       </p:grpSpPr>
-      <p:sp useBgFill="1">
-        <p:nvSpPr>
-          <p:cNvPr id="10" name="Rectangle 9">
-            <a:extLst>
-              <a:ext uri="{FF2B5EF4-FFF2-40B4-BE49-F238E27FC236}">
-                <a16:creationId xmlns:a16="http://schemas.microsoft.com/office/drawing/2014/main" id="{743AA782-23D1-4521-8CAD-47662984AA08}"/>
-              </a:ext>
-              <a:ext uri="{C183D7F6-B498-43B3-948B-1728B52AA6E4}">
-                <adec:decorative xmlns:adec="http://schemas.microsoft.com/office/drawing/2017/decorative" val="1"/>
-              </a:ext>
-            </a:extLst>
-          </p:cNvPr>
-          <p:cNvSpPr>
-            <a:spLocks noGrp="1" noRot="1" noChangeAspect="1" noMove="1" noResize="1" noEditPoints="1" noAdjustHandles="1" noChangeArrowheads="1" noChangeShapeType="1" noTextEdit="1"/>
-          </p:cNvSpPr>
-          <p:nvPr>
-            <p:extLst>
-              <p:ext uri="{386F3935-93C4-4BCD-93E2-E3B085C9AB24}">
-                <p16:designElem xmlns:p16="http://schemas.microsoft.com/office/powerpoint/2015/main" val="1"/>
-              </p:ext>
-            </p:extLst>
-          </p:nvPr>
-        </p:nvSpPr>
-        <p:spPr>
-          <a:xfrm>
-            <a:off x="0" y="0"/>
-            <a:ext cx="12192000" cy="6858000"/>
-          </a:xfrm>
-          <a:prstGeom prst="rect">
-            <a:avLst/>
-          </a:prstGeom>
-          <a:ln>
-            <a:noFill/>
-          </a:ln>
-        </p:spPr>
-        <p:style>
-          <a:lnRef idx="2">
-            <a:schemeClr val="accent1">
-              <a:shade val="50000"/>
-            </a:schemeClr>
-          </a:lnRef>
-          <a:fillRef idx="1">
-            <a:schemeClr val="accent1"/>
-          </a:fillRef>
-          <a:effectRef idx="0">
-            <a:schemeClr val="accent1"/>
-          </a:effectRef>
-          <a:fontRef idx="minor">
-            <a:schemeClr val="lt1"/>
-          </a:fontRef>
-        </p:style>
-        <p:txBody>
-          <a:bodyPr rtlCol="0" anchor="ctr"/>
-          <a:lstStyle/>
-          <a:p>
-            <a:pPr algn="ctr"/>
-            <a:endParaRPr lang="en-US"/>
-          </a:p>
-        </p:txBody>
-      </p:sp>
-      <p:sp>
-        <p:nvSpPr>
-          <p:cNvPr id="2" name="Title 1">
-            <a:extLst>
-              <a:ext uri="{FF2B5EF4-FFF2-40B4-BE49-F238E27FC236}">
-                <a16:creationId xmlns:a16="http://schemas.microsoft.com/office/drawing/2014/main" id="{813117B0-1D65-49CA-95E9-828CF423B6A0}"/>
-              </a:ext>
-            </a:extLst>
-          </p:cNvPr>
-          <p:cNvSpPr>
-            <a:spLocks noGrp="1"/>
-          </p:cNvSpPr>
-          <p:nvPr>
-            <p:ph type="title"/>
-          </p:nvPr>
-        </p:nvSpPr>
-        <p:spPr>
-          <a:xfrm>
-            <a:off x="630936" y="640080"/>
-            <a:ext cx="4818888" cy="1481328"/>
-          </a:xfrm>
-        </p:spPr>
-        <p:txBody>
-          <a:bodyPr vert="horz" lIns="91440" tIns="45720" rIns="91440" bIns="45720" rtlCol="0" anchor="b">
-            <a:normAutofit/>
-          </a:bodyPr>
-          <a:lstStyle/>
-          <a:p>
-            <a:r>
-              <a:rPr lang="en-US" sz="3800" b="1" kern="1200" dirty="0">
-                <a:solidFill>
-                  <a:schemeClr val="tx1"/>
-                </a:solidFill>
-                <a:latin typeface="+mj-lt"/>
-                <a:ea typeface="+mj-ea"/>
-                <a:cs typeface="+mj-cs"/>
-              </a:rPr>
-              <a:t>Can we improve using neural network ? </a:t>
-            </a:r>
-          </a:p>
-        </p:txBody>
-      </p:sp>
-      <p:sp>
-        <p:nvSpPr>
-          <p:cNvPr id="12" name="sketch line">
-            <a:extLst>
-              <a:ext uri="{FF2B5EF4-FFF2-40B4-BE49-F238E27FC236}">
-                <a16:creationId xmlns:a16="http://schemas.microsoft.com/office/drawing/2014/main" id="{71877DBC-BB60-40F0-AC93-2ACDBAAE60CE}"/>
-              </a:ext>
-              <a:ext uri="{C183D7F6-B498-43B3-948B-1728B52AA6E4}">
-                <adec:decorative xmlns:adec="http://schemas.microsoft.com/office/drawing/2017/decorative" val="1"/>
-              </a:ext>
-            </a:extLst>
-          </p:cNvPr>
-          <p:cNvSpPr>
-            <a:spLocks noGrp="1" noRot="1" noChangeAspect="1" noMove="1" noResize="1" noEditPoints="1" noAdjustHandles="1" noChangeArrowheads="1" noChangeShapeType="1" noTextEdit="1"/>
-          </p:cNvSpPr>
-          <p:nvPr>
-            <p:extLst>
-              <p:ext uri="{386F3935-93C4-4BCD-93E2-E3B085C9AB24}">
-                <p16:designElem xmlns:p16="http://schemas.microsoft.com/office/powerpoint/2015/main" val="1"/>
-              </p:ext>
-            </p:extLst>
-          </p:nvPr>
-        </p:nvSpPr>
-        <p:spPr>
-          <a:xfrm>
-            <a:off x="643278" y="2372868"/>
-            <a:ext cx="3255095" cy="18288"/>
-          </a:xfrm>
-          <a:custGeom>
-            <a:avLst/>
-            <a:gdLst>
-              <a:gd name="connsiteX0" fmla="*/ 0 w 3255095"/>
-              <a:gd name="connsiteY0" fmla="*/ 0 h 18288"/>
-              <a:gd name="connsiteX1" fmla="*/ 618468 w 3255095"/>
-              <a:gd name="connsiteY1" fmla="*/ 0 h 18288"/>
-              <a:gd name="connsiteX2" fmla="*/ 1269487 w 3255095"/>
-              <a:gd name="connsiteY2" fmla="*/ 0 h 18288"/>
-              <a:gd name="connsiteX3" fmla="*/ 1953057 w 3255095"/>
-              <a:gd name="connsiteY3" fmla="*/ 0 h 18288"/>
-              <a:gd name="connsiteX4" fmla="*/ 2636627 w 3255095"/>
-              <a:gd name="connsiteY4" fmla="*/ 0 h 18288"/>
-              <a:gd name="connsiteX5" fmla="*/ 3255095 w 3255095"/>
-              <a:gd name="connsiteY5" fmla="*/ 0 h 18288"/>
-              <a:gd name="connsiteX6" fmla="*/ 3255095 w 3255095"/>
-              <a:gd name="connsiteY6" fmla="*/ 18288 h 18288"/>
-              <a:gd name="connsiteX7" fmla="*/ 2538974 w 3255095"/>
-              <a:gd name="connsiteY7" fmla="*/ 18288 h 18288"/>
-              <a:gd name="connsiteX8" fmla="*/ 1822853 w 3255095"/>
-              <a:gd name="connsiteY8" fmla="*/ 18288 h 18288"/>
-              <a:gd name="connsiteX9" fmla="*/ 1171834 w 3255095"/>
-              <a:gd name="connsiteY9" fmla="*/ 18288 h 18288"/>
-              <a:gd name="connsiteX10" fmla="*/ 0 w 3255095"/>
-              <a:gd name="connsiteY10" fmla="*/ 18288 h 18288"/>
-              <a:gd name="connsiteX11" fmla="*/ 0 w 3255095"/>
-              <a:gd name="connsiteY11" fmla="*/ 0 h 18288"/>
-            </a:gdLst>
-            <a:ahLst/>
-            <a:cxnLst>
-              <a:cxn ang="0">
-                <a:pos x="connsiteX0" y="connsiteY0"/>
-              </a:cxn>
-              <a:cxn ang="0">
-                <a:pos x="connsiteX1" y="connsiteY1"/>
-              </a:cxn>
-              <a:cxn ang="0">
-                <a:pos x="connsiteX2" y="connsiteY2"/>
-              </a:cxn>
-              <a:cxn ang="0">
-                <a:pos x="connsiteX3" y="connsiteY3"/>
-              </a:cxn>
-              <a:cxn ang="0">
-                <a:pos x="connsiteX4" y="connsiteY4"/>
-              </a:cxn>
-              <a:cxn ang="0">
-                <a:pos x="connsiteX5" y="connsiteY5"/>
-              </a:cxn>
-              <a:cxn ang="0">
-                <a:pos x="connsiteX6" y="connsiteY6"/>
-              </a:cxn>
-              <a:cxn ang="0">
-                <a:pos x="connsiteX7" y="connsiteY7"/>
-              </a:cxn>
-              <a:cxn ang="0">
-                <a:pos x="connsiteX8" y="connsiteY8"/>
-              </a:cxn>
-              <a:cxn ang="0">
-                <a:pos x="connsiteX9" y="connsiteY9"/>
-              </a:cxn>
-              <a:cxn ang="0">
-                <a:pos x="connsiteX10" y="connsiteY10"/>
-              </a:cxn>
-              <a:cxn ang="0">
-                <a:pos x="connsiteX11" y="connsiteY11"/>
-              </a:cxn>
-            </a:cxnLst>
-            <a:rect l="l" t="t" r="r" b="b"/>
-            <a:pathLst>
-              <a:path w="3255095" h="18288" fill="none" extrusionOk="0">
-                <a:moveTo>
-                  <a:pt x="0" y="0"/>
-                </a:moveTo>
-                <a:cubicBezTo>
-                  <a:pt x="240201" y="-22123"/>
-                  <a:pt x="462021" y="-19623"/>
-                  <a:pt x="618468" y="0"/>
-                </a:cubicBezTo>
-                <a:cubicBezTo>
-                  <a:pt x="774915" y="19623"/>
-                  <a:pt x="974734" y="2035"/>
-                  <a:pt x="1269487" y="0"/>
-                </a:cubicBezTo>
-                <a:cubicBezTo>
-                  <a:pt x="1564240" y="-2035"/>
-                  <a:pt x="1733579" y="10639"/>
-                  <a:pt x="1953057" y="0"/>
-                </a:cubicBezTo>
-                <a:cubicBezTo>
-                  <a:pt x="2172535" y="-10639"/>
-                  <a:pt x="2453962" y="14018"/>
-                  <a:pt x="2636627" y="0"/>
-                </a:cubicBezTo>
-                <a:cubicBezTo>
-                  <a:pt x="2819292" y="-14018"/>
-                  <a:pt x="3121375" y="5399"/>
-                  <a:pt x="3255095" y="0"/>
-                </a:cubicBezTo>
-                <a:cubicBezTo>
-                  <a:pt x="3254386" y="8157"/>
-                  <a:pt x="3254682" y="12125"/>
-                  <a:pt x="3255095" y="18288"/>
-                </a:cubicBezTo>
-                <a:cubicBezTo>
-                  <a:pt x="3088545" y="23203"/>
-                  <a:pt x="2687475" y="7419"/>
-                  <a:pt x="2538974" y="18288"/>
-                </a:cubicBezTo>
-                <a:cubicBezTo>
-                  <a:pt x="2390473" y="29157"/>
-                  <a:pt x="2137381" y="-8959"/>
-                  <a:pt x="1822853" y="18288"/>
-                </a:cubicBezTo>
-                <a:cubicBezTo>
-                  <a:pt x="1508325" y="45535"/>
-                  <a:pt x="1466437" y="20385"/>
-                  <a:pt x="1171834" y="18288"/>
-                </a:cubicBezTo>
-                <a:cubicBezTo>
-                  <a:pt x="877231" y="16191"/>
-                  <a:pt x="561097" y="37643"/>
-                  <a:pt x="0" y="18288"/>
-                </a:cubicBezTo>
-                <a:cubicBezTo>
-                  <a:pt x="-46" y="12483"/>
-                  <a:pt x="-203" y="6491"/>
-                  <a:pt x="0" y="0"/>
-                </a:cubicBezTo>
-                <a:close/>
-              </a:path>
-              <a:path w="3255095" h="18288" stroke="0" extrusionOk="0">
-                <a:moveTo>
-                  <a:pt x="0" y="0"/>
-                </a:moveTo>
-                <a:cubicBezTo>
-                  <a:pt x="291965" y="19429"/>
-                  <a:pt x="363155" y="8568"/>
-                  <a:pt x="618468" y="0"/>
-                </a:cubicBezTo>
-                <a:cubicBezTo>
-                  <a:pt x="873781" y="-8568"/>
-                  <a:pt x="904459" y="-19505"/>
-                  <a:pt x="1171834" y="0"/>
-                </a:cubicBezTo>
-                <a:cubicBezTo>
-                  <a:pt x="1439209" y="19505"/>
-                  <a:pt x="1744369" y="9790"/>
-                  <a:pt x="1887955" y="0"/>
-                </a:cubicBezTo>
-                <a:cubicBezTo>
-                  <a:pt x="2031541" y="-9790"/>
-                  <a:pt x="2346378" y="21240"/>
-                  <a:pt x="2506423" y="0"/>
-                </a:cubicBezTo>
-                <a:cubicBezTo>
-                  <a:pt x="2666468" y="-21240"/>
-                  <a:pt x="2990257" y="30414"/>
-                  <a:pt x="3255095" y="0"/>
-                </a:cubicBezTo>
-                <a:cubicBezTo>
-                  <a:pt x="3254831" y="4493"/>
-                  <a:pt x="3255479" y="9472"/>
-                  <a:pt x="3255095" y="18288"/>
-                </a:cubicBezTo>
-                <a:cubicBezTo>
-                  <a:pt x="3120743" y="16690"/>
-                  <a:pt x="2759628" y="42462"/>
-                  <a:pt x="2604076" y="18288"/>
-                </a:cubicBezTo>
-                <a:cubicBezTo>
-                  <a:pt x="2448524" y="-5886"/>
-                  <a:pt x="2184336" y="19599"/>
-                  <a:pt x="1887955" y="18288"/>
-                </a:cubicBezTo>
-                <a:cubicBezTo>
-                  <a:pt x="1591574" y="16977"/>
-                  <a:pt x="1548845" y="6870"/>
-                  <a:pt x="1334589" y="18288"/>
-                </a:cubicBezTo>
-                <a:cubicBezTo>
-                  <a:pt x="1120333" y="29706"/>
-                  <a:pt x="996014" y="9662"/>
-                  <a:pt x="683570" y="18288"/>
-                </a:cubicBezTo>
-                <a:cubicBezTo>
-                  <a:pt x="371126" y="26914"/>
-                  <a:pt x="198687" y="16167"/>
-                  <a:pt x="0" y="18288"/>
-                </a:cubicBezTo>
-                <a:cubicBezTo>
-                  <a:pt x="843" y="9577"/>
-                  <a:pt x="371" y="6900"/>
-                  <a:pt x="0" y="0"/>
-                </a:cubicBezTo>
-                <a:close/>
-              </a:path>
-            </a:pathLst>
-          </a:custGeom>
-          <a:solidFill>
-            <a:schemeClr val="accent2"/>
-          </a:solidFill>
-          <a:ln w="38100" cap="rnd">
-            <a:solidFill>
-              <a:schemeClr val="accent2"/>
-            </a:solidFill>
-            <a:round/>
-            <a:extLst>
-              <a:ext uri="{C807C97D-BFC1-408E-A445-0C87EB9F89A2}">
-                <ask:lineSketchStyleProps xmlns:ask="http://schemas.microsoft.com/office/drawing/2018/sketchyshapes" sd="1219033472">
-                  <a:prstGeom prst="rect">
-                    <a:avLst/>
-                  </a:prstGeom>
-                  <ask:type>
-                    <ask:lineSketchFreehand/>
-                  </ask:type>
-                </ask:lineSketchStyleProps>
-              </a:ext>
-            </a:extLst>
-          </a:ln>
-        </p:spPr>
-        <p:style>
-          <a:lnRef idx="2">
-            <a:schemeClr val="accent1">
-              <a:shade val="50000"/>
-            </a:schemeClr>
-          </a:lnRef>
-          <a:fillRef idx="1">
-            <a:schemeClr val="accent1"/>
-          </a:fillRef>
-          <a:effectRef idx="0">
-            <a:schemeClr val="accent1"/>
-          </a:effectRef>
-          <a:fontRef idx="minor">
-            <a:schemeClr val="lt1"/>
-          </a:fontRef>
-        </p:style>
-        <p:txBody>
-          <a:bodyPr rtlCol="0" anchor="ctr"/>
-          <a:lstStyle/>
-          <a:p>
-            <a:pPr algn="ctr"/>
-            <a:endParaRPr lang="en-US"/>
-          </a:p>
-        </p:txBody>
-      </p:sp>
-      <p:sp>
-        <p:nvSpPr>
-          <p:cNvPr id="4" name="Content Placeholder 3">
-            <a:extLst>
-              <a:ext uri="{FF2B5EF4-FFF2-40B4-BE49-F238E27FC236}">
-                <a16:creationId xmlns:a16="http://schemas.microsoft.com/office/drawing/2014/main" id="{F0364838-53A3-C1E5-BE6F-9E27F00B48DD}"/>
-              </a:ext>
-            </a:extLst>
-          </p:cNvPr>
-          <p:cNvSpPr>
-            <a:spLocks noGrp="1"/>
-          </p:cNvSpPr>
-          <p:nvPr>
-            <p:ph sz="half" idx="2"/>
-          </p:nvPr>
-        </p:nvSpPr>
-        <p:spPr>
-          <a:xfrm>
-            <a:off x="630936" y="2660904"/>
-            <a:ext cx="4818888" cy="3547872"/>
-          </a:xfrm>
-        </p:spPr>
-        <p:txBody>
-          <a:bodyPr vert="horz" lIns="91440" tIns="45720" rIns="91440" bIns="45720" rtlCol="0" anchor="t">
-            <a:normAutofit/>
-          </a:bodyPr>
-          <a:lstStyle/>
-          <a:p>
-            <a:r>
-              <a:rPr lang="en-US" sz="2000" dirty="0"/>
-              <a:t>f1 score 91% in single try . </a:t>
-            </a:r>
-          </a:p>
-          <a:p>
-            <a:r>
-              <a:rPr lang="en-US" sz="2000" dirty="0"/>
-              <a:t>Accuracy reduces when we add more layer and number of neurons in each layer  ( f1 reduces to 61% also )</a:t>
-            </a:r>
-          </a:p>
-          <a:p>
-            <a:r>
-              <a:rPr lang="en-US" sz="2000" b="1" dirty="0"/>
-              <a:t>Random forest is still best for our problem.</a:t>
-            </a:r>
-          </a:p>
-          <a:p>
-            <a:r>
-              <a:rPr lang="en-US" sz="2000" dirty="0"/>
-              <a:t>Even though using sigmoid at the output layer this will not give 0 and 1 directly .</a:t>
-            </a:r>
-          </a:p>
-          <a:p>
-            <a:r>
-              <a:rPr lang="en-US" sz="2000" dirty="0"/>
-              <a:t>Use (</a:t>
-            </a:r>
-            <a:r>
-              <a:rPr lang="en-US" sz="2000" dirty="0" err="1"/>
-              <a:t>y_pred</a:t>
-            </a:r>
-            <a:r>
-              <a:rPr lang="en-US" sz="2000" dirty="0"/>
-              <a:t> &gt; 0.6).</a:t>
-            </a:r>
-            <a:r>
-              <a:rPr lang="en-US" sz="2000" dirty="0" err="1"/>
-              <a:t>astype</a:t>
-            </a:r>
-            <a:r>
-              <a:rPr lang="en-US" sz="2000" dirty="0"/>
-              <a:t>(int) to get binary prediction .</a:t>
-            </a:r>
-          </a:p>
-        </p:txBody>
-      </p:sp>
-      <p:pic>
-        <p:nvPicPr>
-          <p:cNvPr id="5" name="Content Placeholder 4" descr="A screenshot of a computer&#10;&#10;Description automatically generated">
-            <a:extLst>
-              <a:ext uri="{FF2B5EF4-FFF2-40B4-BE49-F238E27FC236}">
-                <a16:creationId xmlns:a16="http://schemas.microsoft.com/office/drawing/2014/main" id="{EA8E0A5F-73AA-27D0-684F-EBD45C094503}"/>
-              </a:ext>
-            </a:extLst>
-          </p:cNvPr>
-          <p:cNvPicPr>
-            <a:picLocks noGrp="1" noChangeAspect="1"/>
-          </p:cNvPicPr>
-          <p:nvPr>
-            <p:ph sz="half" idx="1"/>
-          </p:nvPr>
-        </p:nvPicPr>
-        <p:blipFill>
-          <a:blip r:embed="rId2"/>
-          <a:stretch>
-            <a:fillRect/>
-          </a:stretch>
-        </p:blipFill>
-        <p:spPr>
-          <a:xfrm>
-            <a:off x="6099048" y="1880018"/>
-            <a:ext cx="5458968" cy="3097964"/>
-          </a:xfrm>
-          <a:prstGeom prst="rect">
-            <a:avLst/>
-          </a:prstGeom>
-        </p:spPr>
-      </p:pic>
-    </p:spTree>
-    <p:extLst>
-      <p:ext uri="{BB962C8B-B14F-4D97-AF65-F5344CB8AC3E}">
-        <p14:creationId xmlns:p14="http://schemas.microsoft.com/office/powerpoint/2010/main" val="1295955427"/>
-      </p:ext>
-    </p:extLst>
-  </p:cSld>
-  <p:clrMapOvr>
-    <a:masterClrMapping/>
-  </p:clrMapOvr>
-</p:sld>
-</file>
-
-<file path=ppt/slides/slide11.xml><?xml version="1.0" encoding="utf-8"?>
-<p:sld xmlns:a="http://schemas.openxmlformats.org/drawingml/2006/main" xmlns:r="http://schemas.openxmlformats.org/officeDocument/2006/relationships" xmlns:p="http://schemas.openxmlformats.org/presentationml/2006/main">
-  <p:cSld>
-    <p:bg>
-      <p:bgPr>
-        <a:solidFill>
-          <a:schemeClr val="bg1"/>
-        </a:solidFill>
-        <a:effectLst/>
-      </p:bgPr>
-    </p:bg>
-    <p:spTree>
-      <p:nvGrpSpPr>
-        <p:cNvPr id="1" name=""/>
-        <p:cNvGrpSpPr/>
-        <p:nvPr/>
-      </p:nvGrpSpPr>
-      <p:grpSpPr>
-        <a:xfrm>
-          <a:off x="0" y="0"/>
-          <a:ext cx="0" cy="0"/>
-          <a:chOff x="0" y="0"/>
-          <a:chExt cx="0" cy="0"/>
-        </a:xfrm>
-      </p:grpSpPr>
       <p:pic>
         <p:nvPicPr>
           <p:cNvPr id="4" name="Picture 3" descr="A blue squares with white text&#10;&#10;Description automatically generated">
@@ -17290,7 +16769,7 @@
 </p:sld>
 </file>
 
-<file path=ppt/slides/slide12.xml><?xml version="1.0" encoding="utf-8"?>
+<file path=ppt/slides/slide11.xml><?xml version="1.0" encoding="utf-8"?>
 <p:sld xmlns:a="http://schemas.openxmlformats.org/drawingml/2006/main" xmlns:r="http://schemas.openxmlformats.org/officeDocument/2006/relationships" xmlns:p="http://schemas.openxmlformats.org/presentationml/2006/main">
   <p:cSld>
     <p:bg>
@@ -18324,7 +17803,7 @@
 </p:sld>
 </file>
 
-<file path=ppt/slides/slide13.xml><?xml version="1.0" encoding="utf-8"?>
+<file path=ppt/slides/slide12.xml><?xml version="1.0" encoding="utf-8"?>
 <p:sld xmlns:a="http://schemas.openxmlformats.org/drawingml/2006/main" xmlns:r="http://schemas.openxmlformats.org/officeDocument/2006/relationships" xmlns:p="http://schemas.openxmlformats.org/presentationml/2006/main">
   <p:cSld>
     <p:bg>
@@ -18833,39 +18312,6 @@
           </a:p>
         </p:txBody>
       </p:sp>
-      <p:pic>
-        <p:nvPicPr>
-          <p:cNvPr id="5" name="Picture 4">
-            <a:extLst>
-              <a:ext uri="{FF2B5EF4-FFF2-40B4-BE49-F238E27FC236}">
-                <a16:creationId xmlns:a16="http://schemas.microsoft.com/office/drawing/2014/main" id="{D3AA70A0-7745-A6F3-D1D9-5C1D5A2C103C}"/>
-              </a:ext>
-            </a:extLst>
-          </p:cNvPr>
-          <p:cNvPicPr>
-            <a:picLocks noChangeAspect="1"/>
-          </p:cNvPicPr>
-          <p:nvPr/>
-        </p:nvPicPr>
-        <p:blipFill>
-          <a:blip r:embed="rId2"/>
-          <a:stretch>
-            <a:fillRect/>
-          </a:stretch>
-        </p:blipFill>
-        <p:spPr>
-          <a:xfrm>
-            <a:off x="3700443" y="643467"/>
-            <a:ext cx="4791114" cy="5571065"/>
-          </a:xfrm>
-          <a:prstGeom prst="rect">
-            <a:avLst/>
-          </a:prstGeom>
-          <a:ln>
-            <a:noFill/>
-          </a:ln>
-        </p:spPr>
-      </p:pic>
       <p:sp>
         <p:nvSpPr>
           <p:cNvPr id="22" name="Isosceles Triangle 21">
@@ -18931,6 +18377,36 @@
           </a:p>
         </p:txBody>
       </p:sp>
+      <p:pic>
+        <p:nvPicPr>
+          <p:cNvPr id="2" name="Picture 1">
+            <a:extLst>
+              <a:ext uri="{FF2B5EF4-FFF2-40B4-BE49-F238E27FC236}">
+                <a16:creationId xmlns:a16="http://schemas.microsoft.com/office/drawing/2014/main" id="{785E38F7-723F-6990-1873-890538594F87}"/>
+              </a:ext>
+            </a:extLst>
+          </p:cNvPr>
+          <p:cNvPicPr>
+            <a:picLocks noChangeAspect="1"/>
+          </p:cNvPicPr>
+          <p:nvPr/>
+        </p:nvPicPr>
+        <p:blipFill>
+          <a:blip r:embed="rId2"/>
+          <a:stretch>
+            <a:fillRect/>
+          </a:stretch>
+        </p:blipFill>
+        <p:spPr>
+          <a:xfrm>
+            <a:off x="4387850" y="787400"/>
+            <a:ext cx="3416300" cy="5283200"/>
+          </a:xfrm>
+          <a:prstGeom prst="rect">
+            <a:avLst/>
+          </a:prstGeom>
+        </p:spPr>
+      </p:pic>
     </p:spTree>
     <p:extLst>
       <p:ext uri="{BB962C8B-B14F-4D97-AF65-F5344CB8AC3E}">
@@ -18944,7 +18420,7 @@
 </p:sld>
 </file>
 
-<file path=ppt/slides/slide14.xml><?xml version="1.0" encoding="utf-8"?>
+<file path=ppt/slides/slide13.xml><?xml version="1.0" encoding="utf-8"?>
 <p:sld xmlns:a="http://schemas.openxmlformats.org/drawingml/2006/main" xmlns:r="http://schemas.openxmlformats.org/officeDocument/2006/relationships" xmlns:p="http://schemas.openxmlformats.org/presentationml/2006/main">
   <p:cSld>
     <p:bg>
@@ -19772,7 +19248,7 @@
 </p:sld>
 </file>
 
-<file path=ppt/slides/slide15.xml><?xml version="1.0" encoding="utf-8"?>
+<file path=ppt/slides/slide14.xml><?xml version="1.0" encoding="utf-8"?>
 <p:sld xmlns:a="http://schemas.openxmlformats.org/drawingml/2006/main" xmlns:r="http://schemas.openxmlformats.org/officeDocument/2006/relationships" xmlns:p="http://schemas.openxmlformats.org/presentationml/2006/main">
   <p:cSld>
     <p:spTree>
@@ -21497,7 +20973,7 @@
 </p:sld>
 </file>
 
-<file path=ppt/slides/slide16.xml><?xml version="1.0" encoding="utf-8"?>
+<file path=ppt/slides/slide15.xml><?xml version="1.0" encoding="utf-8"?>
 <p:sld xmlns:a="http://schemas.openxmlformats.org/drawingml/2006/main" xmlns:r="http://schemas.openxmlformats.org/officeDocument/2006/relationships" xmlns:p="http://schemas.openxmlformats.org/presentationml/2006/main">
   <p:cSld>
     <p:bg>
@@ -22089,866 +21565,6 @@
       </p:grpSpPr>
       <p:sp useBgFill="1">
         <p:nvSpPr>
-          <p:cNvPr id="18" name="Rectangle 17">
-            <a:extLst>
-              <a:ext uri="{FF2B5EF4-FFF2-40B4-BE49-F238E27FC236}">
-                <a16:creationId xmlns:a16="http://schemas.microsoft.com/office/drawing/2014/main" id="{7B831B6F-405A-4B47-B9BB-5CA88F285844}"/>
-              </a:ext>
-              <a:ext uri="{C183D7F6-B498-43B3-948B-1728B52AA6E4}">
-                <adec:decorative xmlns:adec="http://schemas.microsoft.com/office/drawing/2017/decorative" val="1"/>
-              </a:ext>
-            </a:extLst>
-          </p:cNvPr>
-          <p:cNvSpPr>
-            <a:spLocks noGrp="1" noRot="1" noChangeAspect="1" noMove="1" noResize="1" noEditPoints="1" noAdjustHandles="1" noChangeArrowheads="1" noChangeShapeType="1" noTextEdit="1"/>
-          </p:cNvSpPr>
-          <p:nvPr>
-            <p:extLst>
-              <p:ext uri="{386F3935-93C4-4BCD-93E2-E3B085C9AB24}">
-                <p16:designElem xmlns:p16="http://schemas.microsoft.com/office/powerpoint/2015/main" val="1"/>
-              </p:ext>
-            </p:extLst>
-          </p:nvPr>
-        </p:nvSpPr>
-        <p:spPr>
-          <a:xfrm>
-            <a:off x="0" y="0"/>
-            <a:ext cx="12192000" cy="6858000"/>
-          </a:xfrm>
-          <a:prstGeom prst="rect">
-            <a:avLst/>
-          </a:prstGeom>
-          <a:ln>
-            <a:noFill/>
-          </a:ln>
-        </p:spPr>
-        <p:style>
-          <a:lnRef idx="2">
-            <a:schemeClr val="accent1">
-              <a:shade val="50000"/>
-            </a:schemeClr>
-          </a:lnRef>
-          <a:fillRef idx="1">
-            <a:schemeClr val="accent1"/>
-          </a:fillRef>
-          <a:effectRef idx="0">
-            <a:schemeClr val="accent1"/>
-          </a:effectRef>
-          <a:fontRef idx="minor">
-            <a:schemeClr val="lt1"/>
-          </a:fontRef>
-        </p:style>
-        <p:txBody>
-          <a:bodyPr rtlCol="0" anchor="ctr"/>
-          <a:lstStyle/>
-          <a:p>
-            <a:pPr algn="ctr"/>
-            <a:endParaRPr lang="en-US"/>
-          </a:p>
-        </p:txBody>
-      </p:sp>
-      <p:pic>
-        <p:nvPicPr>
-          <p:cNvPr id="7" name="Graphic 6" descr="Group Brainstorm">
-            <a:extLst>
-              <a:ext uri="{FF2B5EF4-FFF2-40B4-BE49-F238E27FC236}">
-                <a16:creationId xmlns:a16="http://schemas.microsoft.com/office/drawing/2014/main" id="{914605AD-87B0-DB25-F507-4077C213479A}"/>
-              </a:ext>
-            </a:extLst>
-          </p:cNvPr>
-          <p:cNvPicPr>
-            <a:picLocks noChangeAspect="1"/>
-          </p:cNvPicPr>
-          <p:nvPr/>
-        </p:nvPicPr>
-        <p:blipFill>
-          <a:blip r:embed="rId2">
-            <a:extLst>
-              <a:ext uri="{28A0092B-C50C-407E-A947-70E740481C1C}">
-                <a14:useLocalDpi xmlns:a14="http://schemas.microsoft.com/office/drawing/2010/main" val="0"/>
-              </a:ext>
-              <a:ext uri="{96DAC541-7B7A-43D3-8B79-37D633B846F1}">
-                <asvg:svgBlip xmlns:asvg="http://schemas.microsoft.com/office/drawing/2016/SVG/main" r:embed="rId3"/>
-              </a:ext>
-            </a:extLst>
-          </a:blip>
-          <a:stretch>
-            <a:fillRect/>
-          </a:stretch>
-        </p:blipFill>
-        <p:spPr>
-          <a:xfrm>
-            <a:off x="764988" y="1744515"/>
-            <a:ext cx="3368969" cy="3368969"/>
-          </a:xfrm>
-          <a:prstGeom prst="rect">
-            <a:avLst/>
-          </a:prstGeom>
-        </p:spPr>
-      </p:pic>
-      <p:sp>
-        <p:nvSpPr>
-          <p:cNvPr id="19" name="Freeform: Shape 13">
-            <a:extLst>
-              <a:ext uri="{FF2B5EF4-FFF2-40B4-BE49-F238E27FC236}">
-                <a16:creationId xmlns:a16="http://schemas.microsoft.com/office/drawing/2014/main" id="{15109354-9C5D-4F8C-B0E6-D1043C7BF20A}"/>
-              </a:ext>
-              <a:ext uri="{C183D7F6-B498-43B3-948B-1728B52AA6E4}">
-                <adec:decorative xmlns:adec="http://schemas.microsoft.com/office/drawing/2017/decorative" val="1"/>
-              </a:ext>
-            </a:extLst>
-          </p:cNvPr>
-          <p:cNvSpPr>
-            <a:spLocks noGrp="1" noRot="1" noChangeAspect="1" noMove="1" noResize="1" noEditPoints="1" noAdjustHandles="1" noChangeArrowheads="1" noChangeShapeType="1" noTextEdit="1"/>
-          </p:cNvSpPr>
-          <p:nvPr>
-            <p:extLst>
-              <p:ext uri="{386F3935-93C4-4BCD-93E2-E3B085C9AB24}">
-                <p16:designElem xmlns:p16="http://schemas.microsoft.com/office/powerpoint/2015/main" val="1"/>
-              </p:ext>
-            </p:extLst>
-          </p:nvPr>
-        </p:nvSpPr>
-        <p:spPr>
-          <a:xfrm>
-            <a:off x="4629992" y="0"/>
-            <a:ext cx="7562008" cy="6858000"/>
-          </a:xfrm>
-          <a:custGeom>
-            <a:avLst/>
-            <a:gdLst>
-              <a:gd name="connsiteX0" fmla="*/ 7529613 w 7529613"/>
-              <a:gd name="connsiteY0" fmla="*/ 0 h 6858000"/>
-              <a:gd name="connsiteX1" fmla="*/ 1222331 w 7529613"/>
-              <a:gd name="connsiteY1" fmla="*/ 0 h 6858000"/>
-              <a:gd name="connsiteX2" fmla="*/ 1126483 w 7529613"/>
-              <a:gd name="connsiteY2" fmla="*/ 148742 h 6858000"/>
-              <a:gd name="connsiteX3" fmla="*/ 767554 w 7529613"/>
-              <a:gd name="connsiteY3" fmla="*/ 819975 h 6858000"/>
-              <a:gd name="connsiteX4" fmla="*/ 742103 w 7529613"/>
-              <a:gd name="connsiteY4" fmla="*/ 854514 h 6858000"/>
-              <a:gd name="connsiteX5" fmla="*/ 785881 w 7529613"/>
-              <a:gd name="connsiteY5" fmla="*/ 750263 h 6858000"/>
-              <a:gd name="connsiteX6" fmla="*/ 978978 w 7529613"/>
-              <a:gd name="connsiteY6" fmla="*/ 331786 h 6858000"/>
-              <a:gd name="connsiteX7" fmla="*/ 1155717 w 7529613"/>
-              <a:gd name="connsiteY7" fmla="*/ 0 h 6858000"/>
-              <a:gd name="connsiteX8" fmla="*/ 1098249 w 7529613"/>
-              <a:gd name="connsiteY8" fmla="*/ 0 h 6858000"/>
-              <a:gd name="connsiteX9" fmla="*/ 991458 w 7529613"/>
-              <a:gd name="connsiteY9" fmla="*/ 196614 h 6858000"/>
-              <a:gd name="connsiteX10" fmla="*/ 493941 w 7529613"/>
-              <a:gd name="connsiteY10" fmla="*/ 1371196 h 6858000"/>
-              <a:gd name="connsiteX11" fmla="*/ 46485 w 7529613"/>
-              <a:gd name="connsiteY11" fmla="*/ 3331516 h 6858000"/>
-              <a:gd name="connsiteX12" fmla="*/ 12252 w 7529613"/>
-              <a:gd name="connsiteY12" fmla="*/ 4357388 h 6858000"/>
-              <a:gd name="connsiteX13" fmla="*/ 170821 w 7529613"/>
-              <a:gd name="connsiteY13" fmla="*/ 5552906 h 6858000"/>
-              <a:gd name="connsiteX14" fmla="*/ 537265 w 7529613"/>
-              <a:gd name="connsiteY14" fmla="*/ 6828295 h 6858000"/>
-              <a:gd name="connsiteX15" fmla="*/ 549692 w 7529613"/>
-              <a:gd name="connsiteY15" fmla="*/ 6858000 h 6858000"/>
-              <a:gd name="connsiteX16" fmla="*/ 602234 w 7529613"/>
-              <a:gd name="connsiteY16" fmla="*/ 6858000 h 6858000"/>
-              <a:gd name="connsiteX17" fmla="*/ 595414 w 7529613"/>
-              <a:gd name="connsiteY17" fmla="*/ 6841549 h 6858000"/>
-              <a:gd name="connsiteX18" fmla="*/ 364260 w 7529613"/>
-              <a:gd name="connsiteY18" fmla="*/ 6142729 h 6858000"/>
-              <a:gd name="connsiteX19" fmla="*/ 213071 w 7529613"/>
-              <a:gd name="connsiteY19" fmla="*/ 5513923 h 6858000"/>
-              <a:gd name="connsiteX20" fmla="*/ 211290 w 7529613"/>
-              <a:gd name="connsiteY20" fmla="*/ 5480401 h 6858000"/>
-              <a:gd name="connsiteX21" fmla="*/ 311446 w 7529613"/>
-              <a:gd name="connsiteY21" fmla="*/ 5830359 h 6858000"/>
-              <a:gd name="connsiteX22" fmla="*/ 622963 w 7529613"/>
-              <a:gd name="connsiteY22" fmla="*/ 6670527 h 6858000"/>
-              <a:gd name="connsiteX23" fmla="*/ 710464 w 7529613"/>
-              <a:gd name="connsiteY23" fmla="*/ 6858000 h 6858000"/>
-              <a:gd name="connsiteX24" fmla="*/ 7529613 w 7529613"/>
-              <a:gd name="connsiteY24" fmla="*/ 6858000 h 6858000"/>
-            </a:gdLst>
-            <a:ahLst/>
-            <a:cxnLst>
-              <a:cxn ang="0">
-                <a:pos x="connsiteX0" y="connsiteY0"/>
-              </a:cxn>
-              <a:cxn ang="0">
-                <a:pos x="connsiteX1" y="connsiteY1"/>
-              </a:cxn>
-              <a:cxn ang="0">
-                <a:pos x="connsiteX2" y="connsiteY2"/>
-              </a:cxn>
-              <a:cxn ang="0">
-                <a:pos x="connsiteX3" y="connsiteY3"/>
-              </a:cxn>
-              <a:cxn ang="0">
-                <a:pos x="connsiteX4" y="connsiteY4"/>
-              </a:cxn>
-              <a:cxn ang="0">
-                <a:pos x="connsiteX5" y="connsiteY5"/>
-              </a:cxn>
-              <a:cxn ang="0">
-                <a:pos x="connsiteX6" y="connsiteY6"/>
-              </a:cxn>
-              <a:cxn ang="0">
-                <a:pos x="connsiteX7" y="connsiteY7"/>
-              </a:cxn>
-              <a:cxn ang="0">
-                <a:pos x="connsiteX8" y="connsiteY8"/>
-              </a:cxn>
-              <a:cxn ang="0">
-                <a:pos x="connsiteX9" y="connsiteY9"/>
-              </a:cxn>
-              <a:cxn ang="0">
-                <a:pos x="connsiteX10" y="connsiteY10"/>
-              </a:cxn>
-              <a:cxn ang="0">
-                <a:pos x="connsiteX11" y="connsiteY11"/>
-              </a:cxn>
-              <a:cxn ang="0">
-                <a:pos x="connsiteX12" y="connsiteY12"/>
-              </a:cxn>
-              <a:cxn ang="0">
-                <a:pos x="connsiteX13" y="connsiteY13"/>
-              </a:cxn>
-              <a:cxn ang="0">
-                <a:pos x="connsiteX14" y="connsiteY14"/>
-              </a:cxn>
-              <a:cxn ang="0">
-                <a:pos x="connsiteX15" y="connsiteY15"/>
-              </a:cxn>
-              <a:cxn ang="0">
-                <a:pos x="connsiteX16" y="connsiteY16"/>
-              </a:cxn>
-              <a:cxn ang="0">
-                <a:pos x="connsiteX17" y="connsiteY17"/>
-              </a:cxn>
-              <a:cxn ang="0">
-                <a:pos x="connsiteX18" y="connsiteY18"/>
-              </a:cxn>
-              <a:cxn ang="0">
-                <a:pos x="connsiteX19" y="connsiteY19"/>
-              </a:cxn>
-              <a:cxn ang="0">
-                <a:pos x="connsiteX20" y="connsiteY20"/>
-              </a:cxn>
-              <a:cxn ang="0">
-                <a:pos x="connsiteX21" y="connsiteY21"/>
-              </a:cxn>
-              <a:cxn ang="0">
-                <a:pos x="connsiteX22" y="connsiteY22"/>
-              </a:cxn>
-              <a:cxn ang="0">
-                <a:pos x="connsiteX23" y="connsiteY23"/>
-              </a:cxn>
-              <a:cxn ang="0">
-                <a:pos x="connsiteX24" y="connsiteY24"/>
-              </a:cxn>
-            </a:cxnLst>
-            <a:rect l="l" t="t" r="r" b="b"/>
-            <a:pathLst>
-              <a:path w="7529613" h="6858000">
-                <a:moveTo>
-                  <a:pt x="7529613" y="0"/>
-                </a:moveTo>
-                <a:lnTo>
-                  <a:pt x="1222331" y="0"/>
-                </a:lnTo>
-                <a:lnTo>
-                  <a:pt x="1126483" y="148742"/>
-                </a:lnTo>
-                <a:cubicBezTo>
-                  <a:pt x="995323" y="365513"/>
-                  <a:pt x="876174" y="589569"/>
-                  <a:pt x="767554" y="819975"/>
-                </a:cubicBezTo>
-                <a:cubicBezTo>
-                  <a:pt x="762210" y="833492"/>
-                  <a:pt x="753441" y="845393"/>
-                  <a:pt x="742103" y="854514"/>
-                </a:cubicBezTo>
-                <a:cubicBezTo>
-                  <a:pt x="756737" y="819849"/>
-                  <a:pt x="770991" y="784928"/>
-                  <a:pt x="785881" y="750263"/>
-                </a:cubicBezTo>
-                <a:cubicBezTo>
-                  <a:pt x="846713" y="608712"/>
-                  <a:pt x="910948" y="469145"/>
-                  <a:pt x="978978" y="331786"/>
-                </a:cubicBezTo>
-                <a:lnTo>
-                  <a:pt x="1155717" y="0"/>
-                </a:lnTo>
-                <a:lnTo>
-                  <a:pt x="1098249" y="0"/>
-                </a:lnTo>
-                <a:lnTo>
-                  <a:pt x="991458" y="196614"/>
-                </a:lnTo>
-                <a:cubicBezTo>
-                  <a:pt x="797017" y="573253"/>
-                  <a:pt x="633548" y="966066"/>
-                  <a:pt x="493941" y="1371196"/>
-                </a:cubicBezTo>
-                <a:cubicBezTo>
-                  <a:pt x="276630" y="2007265"/>
-                  <a:pt x="126659" y="2664286"/>
-                  <a:pt x="46485" y="3331516"/>
-                </a:cubicBezTo>
-                <a:cubicBezTo>
-                  <a:pt x="4488" y="3672965"/>
-                  <a:pt x="-14219" y="4013908"/>
-                  <a:pt x="12252" y="4357388"/>
-                </a:cubicBezTo>
-                <a:cubicBezTo>
-                  <a:pt x="43558" y="4758899"/>
-                  <a:pt x="90773" y="5157998"/>
-                  <a:pt x="170821" y="5552906"/>
-                </a:cubicBezTo>
-                <a:cubicBezTo>
-                  <a:pt x="259109" y="5988893"/>
-                  <a:pt x="378967" y="6414594"/>
-                  <a:pt x="537265" y="6828295"/>
-                </a:cubicBezTo>
-                <a:lnTo>
-                  <a:pt x="549692" y="6858000"/>
-                </a:lnTo>
-                <a:lnTo>
-                  <a:pt x="602234" y="6858000"/>
-                </a:lnTo>
-                <a:lnTo>
-                  <a:pt x="595414" y="6841549"/>
-                </a:lnTo>
-                <a:cubicBezTo>
-                  <a:pt x="507884" y="6614016"/>
-                  <a:pt x="431296" y="6380817"/>
-                  <a:pt x="364260" y="6142729"/>
-                </a:cubicBezTo>
-                <a:cubicBezTo>
-                  <a:pt x="305974" y="5935370"/>
-                  <a:pt x="262958" y="5723695"/>
-                  <a:pt x="213071" y="5513923"/>
-                </a:cubicBezTo>
-                <a:cubicBezTo>
-                  <a:pt x="211892" y="5502788"/>
-                  <a:pt x="211299" y="5491601"/>
-                  <a:pt x="211290" y="5480401"/>
-                </a:cubicBezTo>
-                <a:cubicBezTo>
-                  <a:pt x="247814" y="5607635"/>
-                  <a:pt x="276958" y="5719759"/>
-                  <a:pt x="311446" y="5830359"/>
-                </a:cubicBezTo>
-                <a:cubicBezTo>
-                  <a:pt x="401357" y="6118381"/>
-                  <a:pt x="505060" y="6398531"/>
-                  <a:pt x="622963" y="6670527"/>
-                </a:cubicBezTo>
-                <a:lnTo>
-                  <a:pt x="710464" y="6858000"/>
-                </a:lnTo>
-                <a:lnTo>
-                  <a:pt x="7529613" y="6858000"/>
-                </a:lnTo>
-                <a:close/>
-              </a:path>
-            </a:pathLst>
-          </a:custGeom>
-          <a:solidFill>
-            <a:schemeClr val="accent2"/>
-          </a:solidFill>
-          <a:ln w="6857" cap="flat">
-            <a:noFill/>
-            <a:prstDash val="solid"/>
-            <a:miter/>
-          </a:ln>
-        </p:spPr>
-        <p:txBody>
-          <a:bodyPr wrap="square" rtlCol="0" anchor="ctr">
-            <a:noAutofit/>
-          </a:bodyPr>
-          <a:lstStyle/>
-          <a:p>
-            <a:endParaRPr lang="en-US"/>
-          </a:p>
-        </p:txBody>
-      </p:sp>
-      <p:sp>
-        <p:nvSpPr>
-          <p:cNvPr id="2" name="Title 1"/>
-          <p:cNvSpPr>
-            <a:spLocks noGrp="1"/>
-          </p:cNvSpPr>
-          <p:nvPr>
-            <p:ph type="title"/>
-          </p:nvPr>
-        </p:nvSpPr>
-        <p:spPr>
-          <a:xfrm>
-            <a:off x="5759354" y="457201"/>
-            <a:ext cx="5337270" cy="1835911"/>
-          </a:xfrm>
-        </p:spPr>
-        <p:txBody>
-          <a:bodyPr anchor="b">
-            <a:normAutofit/>
-          </a:bodyPr>
-          <a:lstStyle/>
-          <a:p>
-            <a:r>
-              <a:rPr lang="en-IN" sz="5400">
-                <a:solidFill>
-                  <a:srgbClr val="FFFFFF"/>
-                </a:solidFill>
-              </a:rPr>
-              <a:t>Abstract</a:t>
-            </a:r>
-          </a:p>
-        </p:txBody>
-      </p:sp>
-      <p:sp>
-        <p:nvSpPr>
-          <p:cNvPr id="20" name="sketch line">
-            <a:extLst>
-              <a:ext uri="{FF2B5EF4-FFF2-40B4-BE49-F238E27FC236}">
-                <a16:creationId xmlns:a16="http://schemas.microsoft.com/office/drawing/2014/main" id="{49B530FE-A87D-41A0-A920-ADC6539EAA44}"/>
-              </a:ext>
-              <a:ext uri="{C183D7F6-B498-43B3-948B-1728B52AA6E4}">
-                <adec:decorative xmlns:adec="http://schemas.microsoft.com/office/drawing/2017/decorative" val="1"/>
-              </a:ext>
-            </a:extLst>
-          </p:cNvPr>
-          <p:cNvSpPr>
-            <a:spLocks noGrp="1" noRot="1" noChangeAspect="1" noMove="1" noResize="1" noEditPoints="1" noAdjustHandles="1" noChangeArrowheads="1" noChangeShapeType="1" noTextEdit="1"/>
-          </p:cNvSpPr>
-          <p:nvPr>
-            <p:extLst>
-              <p:ext uri="{386F3935-93C4-4BCD-93E2-E3B085C9AB24}">
-                <p16:designElem xmlns:p16="http://schemas.microsoft.com/office/powerpoint/2015/main" val="1"/>
-              </p:ext>
-            </p:extLst>
-          </p:nvPr>
-        </p:nvSpPr>
-        <p:spPr>
-          <a:xfrm>
-            <a:off x="5759353" y="2560829"/>
-            <a:ext cx="5029200" cy="18288"/>
-          </a:xfrm>
-          <a:custGeom>
-            <a:avLst/>
-            <a:gdLst>
-              <a:gd name="connsiteX0" fmla="*/ 0 w 5029200"/>
-              <a:gd name="connsiteY0" fmla="*/ 0 h 18288"/>
-              <a:gd name="connsiteX1" fmla="*/ 528066 w 5029200"/>
-              <a:gd name="connsiteY1" fmla="*/ 0 h 18288"/>
-              <a:gd name="connsiteX2" fmla="*/ 1207008 w 5029200"/>
-              <a:gd name="connsiteY2" fmla="*/ 0 h 18288"/>
-              <a:gd name="connsiteX3" fmla="*/ 1785366 w 5029200"/>
-              <a:gd name="connsiteY3" fmla="*/ 0 h 18288"/>
-              <a:gd name="connsiteX4" fmla="*/ 2313432 w 5029200"/>
-              <a:gd name="connsiteY4" fmla="*/ 0 h 18288"/>
-              <a:gd name="connsiteX5" fmla="*/ 2992374 w 5029200"/>
-              <a:gd name="connsiteY5" fmla="*/ 0 h 18288"/>
-              <a:gd name="connsiteX6" fmla="*/ 3621024 w 5029200"/>
-              <a:gd name="connsiteY6" fmla="*/ 0 h 18288"/>
-              <a:gd name="connsiteX7" fmla="*/ 4249674 w 5029200"/>
-              <a:gd name="connsiteY7" fmla="*/ 0 h 18288"/>
-              <a:gd name="connsiteX8" fmla="*/ 5029200 w 5029200"/>
-              <a:gd name="connsiteY8" fmla="*/ 0 h 18288"/>
-              <a:gd name="connsiteX9" fmla="*/ 5029200 w 5029200"/>
-              <a:gd name="connsiteY9" fmla="*/ 18288 h 18288"/>
-              <a:gd name="connsiteX10" fmla="*/ 4501134 w 5029200"/>
-              <a:gd name="connsiteY10" fmla="*/ 18288 h 18288"/>
-              <a:gd name="connsiteX11" fmla="*/ 4023360 w 5029200"/>
-              <a:gd name="connsiteY11" fmla="*/ 18288 h 18288"/>
-              <a:gd name="connsiteX12" fmla="*/ 3344418 w 5029200"/>
-              <a:gd name="connsiteY12" fmla="*/ 18288 h 18288"/>
-              <a:gd name="connsiteX13" fmla="*/ 2816352 w 5029200"/>
-              <a:gd name="connsiteY13" fmla="*/ 18288 h 18288"/>
-              <a:gd name="connsiteX14" fmla="*/ 2137410 w 5029200"/>
-              <a:gd name="connsiteY14" fmla="*/ 18288 h 18288"/>
-              <a:gd name="connsiteX15" fmla="*/ 1408176 w 5029200"/>
-              <a:gd name="connsiteY15" fmla="*/ 18288 h 18288"/>
-              <a:gd name="connsiteX16" fmla="*/ 829818 w 5029200"/>
-              <a:gd name="connsiteY16" fmla="*/ 18288 h 18288"/>
-              <a:gd name="connsiteX17" fmla="*/ 0 w 5029200"/>
-              <a:gd name="connsiteY17" fmla="*/ 18288 h 18288"/>
-              <a:gd name="connsiteX18" fmla="*/ 0 w 5029200"/>
-              <a:gd name="connsiteY18" fmla="*/ 0 h 18288"/>
-            </a:gdLst>
-            <a:ahLst/>
-            <a:cxnLst>
-              <a:cxn ang="0">
-                <a:pos x="connsiteX0" y="connsiteY0"/>
-              </a:cxn>
-              <a:cxn ang="0">
-                <a:pos x="connsiteX1" y="connsiteY1"/>
-              </a:cxn>
-              <a:cxn ang="0">
-                <a:pos x="connsiteX2" y="connsiteY2"/>
-              </a:cxn>
-              <a:cxn ang="0">
-                <a:pos x="connsiteX3" y="connsiteY3"/>
-              </a:cxn>
-              <a:cxn ang="0">
-                <a:pos x="connsiteX4" y="connsiteY4"/>
-              </a:cxn>
-              <a:cxn ang="0">
-                <a:pos x="connsiteX5" y="connsiteY5"/>
-              </a:cxn>
-              <a:cxn ang="0">
-                <a:pos x="connsiteX6" y="connsiteY6"/>
-              </a:cxn>
-              <a:cxn ang="0">
-                <a:pos x="connsiteX7" y="connsiteY7"/>
-              </a:cxn>
-              <a:cxn ang="0">
-                <a:pos x="connsiteX8" y="connsiteY8"/>
-              </a:cxn>
-              <a:cxn ang="0">
-                <a:pos x="connsiteX9" y="connsiteY9"/>
-              </a:cxn>
-              <a:cxn ang="0">
-                <a:pos x="connsiteX10" y="connsiteY10"/>
-              </a:cxn>
-              <a:cxn ang="0">
-                <a:pos x="connsiteX11" y="connsiteY11"/>
-              </a:cxn>
-              <a:cxn ang="0">
-                <a:pos x="connsiteX12" y="connsiteY12"/>
-              </a:cxn>
-              <a:cxn ang="0">
-                <a:pos x="connsiteX13" y="connsiteY13"/>
-              </a:cxn>
-              <a:cxn ang="0">
-                <a:pos x="connsiteX14" y="connsiteY14"/>
-              </a:cxn>
-              <a:cxn ang="0">
-                <a:pos x="connsiteX15" y="connsiteY15"/>
-              </a:cxn>
-              <a:cxn ang="0">
-                <a:pos x="connsiteX16" y="connsiteY16"/>
-              </a:cxn>
-              <a:cxn ang="0">
-                <a:pos x="connsiteX17" y="connsiteY17"/>
-              </a:cxn>
-              <a:cxn ang="0">
-                <a:pos x="connsiteX18" y="connsiteY18"/>
-              </a:cxn>
-            </a:cxnLst>
-            <a:rect l="l" t="t" r="r" b="b"/>
-            <a:pathLst>
-              <a:path w="5029200" h="18288" fill="none" extrusionOk="0">
-                <a:moveTo>
-                  <a:pt x="0" y="0"/>
-                </a:moveTo>
-                <a:cubicBezTo>
-                  <a:pt x="142937" y="1696"/>
-                  <a:pt x="371859" y="12840"/>
-                  <a:pt x="528066" y="0"/>
-                </a:cubicBezTo>
-                <a:cubicBezTo>
-                  <a:pt x="684273" y="-12840"/>
-                  <a:pt x="928949" y="-5725"/>
-                  <a:pt x="1207008" y="0"/>
-                </a:cubicBezTo>
-                <a:cubicBezTo>
-                  <a:pt x="1485067" y="5725"/>
-                  <a:pt x="1562886" y="-21331"/>
-                  <a:pt x="1785366" y="0"/>
-                </a:cubicBezTo>
-                <a:cubicBezTo>
-                  <a:pt x="2007846" y="21331"/>
-                  <a:pt x="2056226" y="25221"/>
-                  <a:pt x="2313432" y="0"/>
-                </a:cubicBezTo>
-                <a:cubicBezTo>
-                  <a:pt x="2570638" y="-25221"/>
-                  <a:pt x="2732455" y="16294"/>
-                  <a:pt x="2992374" y="0"/>
-                </a:cubicBezTo>
-                <a:cubicBezTo>
-                  <a:pt x="3252293" y="-16294"/>
-                  <a:pt x="3319267" y="-29774"/>
-                  <a:pt x="3621024" y="0"/>
-                </a:cubicBezTo>
-                <a:cubicBezTo>
-                  <a:pt x="3922781" y="29774"/>
-                  <a:pt x="3998107" y="-1004"/>
-                  <a:pt x="4249674" y="0"/>
-                </a:cubicBezTo>
-                <a:cubicBezTo>
-                  <a:pt x="4501241" y="1004"/>
-                  <a:pt x="4792523" y="-4510"/>
-                  <a:pt x="5029200" y="0"/>
-                </a:cubicBezTo>
-                <a:cubicBezTo>
-                  <a:pt x="5029730" y="6954"/>
-                  <a:pt x="5029934" y="12839"/>
-                  <a:pt x="5029200" y="18288"/>
-                </a:cubicBezTo>
-                <a:cubicBezTo>
-                  <a:pt x="4805432" y="23154"/>
-                  <a:pt x="4715801" y="17034"/>
-                  <a:pt x="4501134" y="18288"/>
-                </a:cubicBezTo>
-                <a:cubicBezTo>
-                  <a:pt x="4286467" y="19542"/>
-                  <a:pt x="4193719" y="41701"/>
-                  <a:pt x="4023360" y="18288"/>
-                </a:cubicBezTo>
-                <a:cubicBezTo>
-                  <a:pt x="3853001" y="-5125"/>
-                  <a:pt x="3676466" y="16909"/>
-                  <a:pt x="3344418" y="18288"/>
-                </a:cubicBezTo>
-                <a:cubicBezTo>
-                  <a:pt x="3012370" y="19667"/>
-                  <a:pt x="2945824" y="14410"/>
-                  <a:pt x="2816352" y="18288"/>
-                </a:cubicBezTo>
-                <a:cubicBezTo>
-                  <a:pt x="2686880" y="22166"/>
-                  <a:pt x="2438351" y="13507"/>
-                  <a:pt x="2137410" y="18288"/>
-                </a:cubicBezTo>
-                <a:cubicBezTo>
-                  <a:pt x="1836469" y="23069"/>
-                  <a:pt x="1581391" y="46111"/>
-                  <a:pt x="1408176" y="18288"/>
-                </a:cubicBezTo>
-                <a:cubicBezTo>
-                  <a:pt x="1234961" y="-9535"/>
-                  <a:pt x="1040489" y="-7495"/>
-                  <a:pt x="829818" y="18288"/>
-                </a:cubicBezTo>
-                <a:cubicBezTo>
-                  <a:pt x="619147" y="44071"/>
-                  <a:pt x="238626" y="37568"/>
-                  <a:pt x="0" y="18288"/>
-                </a:cubicBezTo>
-                <a:cubicBezTo>
-                  <a:pt x="-570" y="9279"/>
-                  <a:pt x="132" y="5100"/>
-                  <a:pt x="0" y="0"/>
-                </a:cubicBezTo>
-                <a:close/>
-              </a:path>
-              <a:path w="5029200" h="18288" stroke="0" extrusionOk="0">
-                <a:moveTo>
-                  <a:pt x="0" y="0"/>
-                </a:moveTo>
-                <a:cubicBezTo>
-                  <a:pt x="165412" y="-21137"/>
-                  <a:pt x="322344" y="-21985"/>
-                  <a:pt x="578358" y="0"/>
-                </a:cubicBezTo>
-                <a:cubicBezTo>
-                  <a:pt x="834372" y="21985"/>
-                  <a:pt x="907099" y="-19195"/>
-                  <a:pt x="1056132" y="0"/>
-                </a:cubicBezTo>
-                <a:cubicBezTo>
-                  <a:pt x="1205165" y="19195"/>
-                  <a:pt x="1612834" y="-24928"/>
-                  <a:pt x="1785366" y="0"/>
-                </a:cubicBezTo>
-                <a:cubicBezTo>
-                  <a:pt x="1957898" y="24928"/>
-                  <a:pt x="2149044" y="19108"/>
-                  <a:pt x="2363724" y="0"/>
-                </a:cubicBezTo>
-                <a:cubicBezTo>
-                  <a:pt x="2578404" y="-19108"/>
-                  <a:pt x="2759981" y="-21788"/>
-                  <a:pt x="2942082" y="0"/>
-                </a:cubicBezTo>
-                <a:cubicBezTo>
-                  <a:pt x="3124183" y="21788"/>
-                  <a:pt x="3482217" y="8836"/>
-                  <a:pt x="3671316" y="0"/>
-                </a:cubicBezTo>
-                <a:cubicBezTo>
-                  <a:pt x="3860415" y="-8836"/>
-                  <a:pt x="4058665" y="-25048"/>
-                  <a:pt x="4199382" y="0"/>
-                </a:cubicBezTo>
-                <a:cubicBezTo>
-                  <a:pt x="4340099" y="25048"/>
-                  <a:pt x="4735096" y="-22088"/>
-                  <a:pt x="5029200" y="0"/>
-                </a:cubicBezTo>
-                <a:cubicBezTo>
-                  <a:pt x="5028517" y="5414"/>
-                  <a:pt x="5028480" y="12510"/>
-                  <a:pt x="5029200" y="18288"/>
-                </a:cubicBezTo>
-                <a:cubicBezTo>
-                  <a:pt x="4891577" y="31493"/>
-                  <a:pt x="4684146" y="-2509"/>
-                  <a:pt x="4501134" y="18288"/>
-                </a:cubicBezTo>
-                <a:cubicBezTo>
-                  <a:pt x="4318122" y="39085"/>
-                  <a:pt x="4030703" y="3672"/>
-                  <a:pt x="3872484" y="18288"/>
-                </a:cubicBezTo>
-                <a:cubicBezTo>
-                  <a:pt x="3714265" y="32905"/>
-                  <a:pt x="3546134" y="7501"/>
-                  <a:pt x="3294126" y="18288"/>
-                </a:cubicBezTo>
-                <a:cubicBezTo>
-                  <a:pt x="3042118" y="29075"/>
-                  <a:pt x="2912116" y="11153"/>
-                  <a:pt x="2564892" y="18288"/>
-                </a:cubicBezTo>
-                <a:cubicBezTo>
-                  <a:pt x="2217668" y="25423"/>
-                  <a:pt x="2095118" y="11659"/>
-                  <a:pt x="1835658" y="18288"/>
-                </a:cubicBezTo>
-                <a:cubicBezTo>
-                  <a:pt x="1576198" y="24917"/>
-                  <a:pt x="1500897" y="19889"/>
-                  <a:pt x="1307592" y="18288"/>
-                </a:cubicBezTo>
-                <a:cubicBezTo>
-                  <a:pt x="1114287" y="16687"/>
-                  <a:pt x="961527" y="47453"/>
-                  <a:pt x="678942" y="18288"/>
-                </a:cubicBezTo>
-                <a:cubicBezTo>
-                  <a:pt x="396357" y="-10877"/>
-                  <a:pt x="271066" y="23005"/>
-                  <a:pt x="0" y="18288"/>
-                </a:cubicBezTo>
-                <a:cubicBezTo>
-                  <a:pt x="-306" y="11061"/>
-                  <a:pt x="-655" y="7751"/>
-                  <a:pt x="0" y="0"/>
-                </a:cubicBezTo>
-                <a:close/>
-              </a:path>
-            </a:pathLst>
-          </a:custGeom>
-          <a:solidFill>
-            <a:srgbClr val="FFFFFF"/>
-          </a:solidFill>
-          <a:ln w="38100" cap="rnd">
-            <a:solidFill>
-              <a:srgbClr val="FFFFFF"/>
-            </a:solidFill>
-            <a:round/>
-            <a:extLst>
-              <a:ext uri="{C807C97D-BFC1-408E-A445-0C87EB9F89A2}">
-                <ask:lineSketchStyleProps xmlns:ask="http://schemas.microsoft.com/office/drawing/2018/sketchyshapes" sd="1219033472">
-                  <a:prstGeom prst="rect">
-                    <a:avLst/>
-                  </a:prstGeom>
-                  <ask:type>
-                    <ask:lineSketchFreehand/>
-                  </ask:type>
-                </ask:lineSketchStyleProps>
-              </a:ext>
-            </a:extLst>
-          </a:ln>
-        </p:spPr>
-        <p:style>
-          <a:lnRef idx="2">
-            <a:schemeClr val="accent1">
-              <a:shade val="50000"/>
-            </a:schemeClr>
-          </a:lnRef>
-          <a:fillRef idx="1">
-            <a:schemeClr val="accent1"/>
-          </a:fillRef>
-          <a:effectRef idx="0">
-            <a:schemeClr val="accent1"/>
-          </a:effectRef>
-          <a:fontRef idx="minor">
-            <a:schemeClr val="lt1"/>
-          </a:fontRef>
-        </p:style>
-        <p:txBody>
-          <a:bodyPr rtlCol="0" anchor="ctr"/>
-          <a:lstStyle/>
-          <a:p>
-            <a:pPr algn="ctr"/>
-            <a:endParaRPr lang="en-US"/>
-          </a:p>
-        </p:txBody>
-      </p:sp>
-      <p:sp>
-        <p:nvSpPr>
-          <p:cNvPr id="3" name="Content Placeholder 2"/>
-          <p:cNvSpPr>
-            <a:spLocks noGrp="1"/>
-          </p:cNvSpPr>
-          <p:nvPr>
-            <p:ph idx="1"/>
-          </p:nvPr>
-        </p:nvSpPr>
-        <p:spPr>
-          <a:xfrm>
-            <a:off x="5759354" y="2798064"/>
-            <a:ext cx="5461095" cy="3417611"/>
-          </a:xfrm>
-        </p:spPr>
-        <p:txBody>
-          <a:bodyPr anchor="t">
-            <a:normAutofit/>
-          </a:bodyPr>
-          <a:lstStyle/>
-          <a:p>
-            <a:r>
-              <a:rPr lang="en-IN" sz="2200">
-                <a:solidFill>
-                  <a:srgbClr val="FFFFFF"/>
-                </a:solidFill>
-              </a:rPr>
-              <a:t>Employee attrition increases recruitment costs and disrupts organizational workflows. This presentation explores machine learning models for attrition prediction, using techniques to address class imbalance, feature selection, and hyperparameter tuning.</a:t>
-            </a:r>
-          </a:p>
-        </p:txBody>
-      </p:sp>
-    </p:spTree>
-  </p:cSld>
-  <p:clrMapOvr>
-    <a:masterClrMapping/>
-  </p:clrMapOvr>
-</p:sld>
-</file>
-
-<file path=ppt/slides/slide3.xml><?xml version="1.0" encoding="utf-8"?>
-<p:sld xmlns:a="http://schemas.openxmlformats.org/drawingml/2006/main" xmlns:r="http://schemas.openxmlformats.org/officeDocument/2006/relationships" xmlns:p="http://schemas.openxmlformats.org/presentationml/2006/main">
-  <p:cSld>
-    <p:bg>
-      <p:bgPr>
-        <a:solidFill>
-          <a:schemeClr val="bg1"/>
-        </a:solidFill>
-        <a:effectLst/>
-      </p:bgPr>
-    </p:bg>
-    <p:spTree>
-      <p:nvGrpSpPr>
-        <p:cNvPr id="1" name=""/>
-        <p:cNvGrpSpPr/>
-        <p:nvPr/>
-      </p:nvGrpSpPr>
-      <p:grpSpPr>
-        <a:xfrm>
-          <a:off x="0" y="0"/>
-          <a:ext cx="0" cy="0"/>
-          <a:chOff x="0" y="0"/>
-          <a:chExt cx="0" cy="0"/>
-        </a:xfrm>
-      </p:grpSpPr>
-      <p:sp useBgFill="1">
-        <p:nvSpPr>
           <p:cNvPr id="15" name="Rectangle 14">
             <a:extLst>
               <a:ext uri="{FF2B5EF4-FFF2-40B4-BE49-F238E27FC236}">
@@ -23930,7 +22546,7 @@
 </p:sld>
 </file>
 
-<file path=ppt/slides/slide4.xml><?xml version="1.0" encoding="utf-8"?>
+<file path=ppt/slides/slide3.xml><?xml version="1.0" encoding="utf-8"?>
 <p:sld xmlns:a="http://schemas.openxmlformats.org/drawingml/2006/main" xmlns:r="http://schemas.openxmlformats.org/officeDocument/2006/relationships" xmlns:p="http://schemas.openxmlformats.org/presentationml/2006/main">
   <p:cSld>
     <p:bg>
@@ -24409,7 +23025,7 @@
 </p:sld>
 </file>
 
-<file path=ppt/slides/slide5.xml><?xml version="1.0" encoding="utf-8"?>
+<file path=ppt/slides/slide4.xml><?xml version="1.0" encoding="utf-8"?>
 <p:sld xmlns:a="http://schemas.openxmlformats.org/drawingml/2006/main" xmlns:r="http://schemas.openxmlformats.org/officeDocument/2006/relationships" xmlns:p="http://schemas.openxmlformats.org/presentationml/2006/main">
   <p:cSld>
     <p:bg>
@@ -24890,7 +23506,7 @@
 </p:sld>
 </file>
 
-<file path=ppt/slides/slide6.xml><?xml version="1.0" encoding="utf-8"?>
+<file path=ppt/slides/slide5.xml><?xml version="1.0" encoding="utf-8"?>
 <p:sld xmlns:a="http://schemas.openxmlformats.org/drawingml/2006/main" xmlns:r="http://schemas.openxmlformats.org/officeDocument/2006/relationships" xmlns:p="http://schemas.openxmlformats.org/presentationml/2006/main">
   <p:cSld>
     <p:bg>
@@ -25346,7 +23962,7 @@
 </p:sld>
 </file>
 
-<file path=ppt/slides/slide7.xml><?xml version="1.0" encoding="utf-8"?>
+<file path=ppt/slides/slide6.xml><?xml version="1.0" encoding="utf-8"?>
 <p:sld xmlns:a="http://schemas.openxmlformats.org/drawingml/2006/main" xmlns:r="http://schemas.openxmlformats.org/officeDocument/2006/relationships" xmlns:p="http://schemas.openxmlformats.org/presentationml/2006/main">
   <p:cSld>
     <p:bg>
@@ -25707,7 +24323,7 @@
 </p:sld>
 </file>
 
-<file path=ppt/slides/slide8.xml><?xml version="1.0" encoding="utf-8"?>
+<file path=ppt/slides/slide7.xml><?xml version="1.0" encoding="utf-8"?>
 <p:sld xmlns:a="http://schemas.openxmlformats.org/drawingml/2006/main" xmlns:r="http://schemas.openxmlformats.org/officeDocument/2006/relationships" xmlns:p="http://schemas.openxmlformats.org/presentationml/2006/main">
   <p:cSld>
     <p:bg>
@@ -26244,7 +24860,7 @@
 </p:sld>
 </file>
 
-<file path=ppt/slides/slide9.xml><?xml version="1.0" encoding="utf-8"?>
+<file path=ppt/slides/slide8.xml><?xml version="1.0" encoding="utf-8"?>
 <p:sld xmlns:a="http://schemas.openxmlformats.org/drawingml/2006/main" xmlns:r="http://schemas.openxmlformats.org/officeDocument/2006/relationships" xmlns:p="http://schemas.openxmlformats.org/presentationml/2006/main">
   <p:cSld>
     <p:bg>
@@ -26722,6 +25338,526 @@
     <p:extLst>
       <p:ext uri="{BB962C8B-B14F-4D97-AF65-F5344CB8AC3E}">
         <p14:creationId xmlns:p14="http://schemas.microsoft.com/office/powerpoint/2010/main" val="320234465"/>
+      </p:ext>
+    </p:extLst>
+  </p:cSld>
+  <p:clrMapOvr>
+    <a:masterClrMapping/>
+  </p:clrMapOvr>
+</p:sld>
+</file>
+
+<file path=ppt/slides/slide9.xml><?xml version="1.0" encoding="utf-8"?>
+<p:sld xmlns:a="http://schemas.openxmlformats.org/drawingml/2006/main" xmlns:r="http://schemas.openxmlformats.org/officeDocument/2006/relationships" xmlns:p="http://schemas.openxmlformats.org/presentationml/2006/main">
+  <p:cSld>
+    <p:bg>
+      <p:bgPr>
+        <a:solidFill>
+          <a:schemeClr val="bg1"/>
+        </a:solidFill>
+        <a:effectLst/>
+      </p:bgPr>
+    </p:bg>
+    <p:spTree>
+      <p:nvGrpSpPr>
+        <p:cNvPr id="1" name=""/>
+        <p:cNvGrpSpPr/>
+        <p:nvPr/>
+      </p:nvGrpSpPr>
+      <p:grpSpPr>
+        <a:xfrm>
+          <a:off x="0" y="0"/>
+          <a:ext cx="0" cy="0"/>
+          <a:chOff x="0" y="0"/>
+          <a:chExt cx="0" cy="0"/>
+        </a:xfrm>
+      </p:grpSpPr>
+      <p:sp useBgFill="1">
+        <p:nvSpPr>
+          <p:cNvPr id="10" name="Rectangle 9">
+            <a:extLst>
+              <a:ext uri="{FF2B5EF4-FFF2-40B4-BE49-F238E27FC236}">
+                <a16:creationId xmlns:a16="http://schemas.microsoft.com/office/drawing/2014/main" id="{743AA782-23D1-4521-8CAD-47662984AA08}"/>
+              </a:ext>
+              <a:ext uri="{C183D7F6-B498-43B3-948B-1728B52AA6E4}">
+                <adec:decorative xmlns:adec="http://schemas.microsoft.com/office/drawing/2017/decorative" val="1"/>
+              </a:ext>
+            </a:extLst>
+          </p:cNvPr>
+          <p:cNvSpPr>
+            <a:spLocks noGrp="1" noRot="1" noChangeAspect="1" noMove="1" noResize="1" noEditPoints="1" noAdjustHandles="1" noChangeArrowheads="1" noChangeShapeType="1" noTextEdit="1"/>
+          </p:cNvSpPr>
+          <p:nvPr>
+            <p:extLst>
+              <p:ext uri="{386F3935-93C4-4BCD-93E2-E3B085C9AB24}">
+                <p16:designElem xmlns:p16="http://schemas.microsoft.com/office/powerpoint/2015/main" val="1"/>
+              </p:ext>
+            </p:extLst>
+          </p:nvPr>
+        </p:nvSpPr>
+        <p:spPr>
+          <a:xfrm>
+            <a:off x="0" y="0"/>
+            <a:ext cx="12192000" cy="6858000"/>
+          </a:xfrm>
+          <a:prstGeom prst="rect">
+            <a:avLst/>
+          </a:prstGeom>
+          <a:ln>
+            <a:noFill/>
+          </a:ln>
+        </p:spPr>
+        <p:style>
+          <a:lnRef idx="2">
+            <a:schemeClr val="accent1">
+              <a:shade val="50000"/>
+            </a:schemeClr>
+          </a:lnRef>
+          <a:fillRef idx="1">
+            <a:schemeClr val="accent1"/>
+          </a:fillRef>
+          <a:effectRef idx="0">
+            <a:schemeClr val="accent1"/>
+          </a:effectRef>
+          <a:fontRef idx="minor">
+            <a:schemeClr val="lt1"/>
+          </a:fontRef>
+        </p:style>
+        <p:txBody>
+          <a:bodyPr rtlCol="0" anchor="ctr"/>
+          <a:lstStyle/>
+          <a:p>
+            <a:pPr algn="ctr"/>
+            <a:endParaRPr lang="en-US"/>
+          </a:p>
+        </p:txBody>
+      </p:sp>
+      <p:sp>
+        <p:nvSpPr>
+          <p:cNvPr id="2" name="Title 1">
+            <a:extLst>
+              <a:ext uri="{FF2B5EF4-FFF2-40B4-BE49-F238E27FC236}">
+                <a16:creationId xmlns:a16="http://schemas.microsoft.com/office/drawing/2014/main" id="{813117B0-1D65-49CA-95E9-828CF423B6A0}"/>
+              </a:ext>
+            </a:extLst>
+          </p:cNvPr>
+          <p:cNvSpPr>
+            <a:spLocks noGrp="1"/>
+          </p:cNvSpPr>
+          <p:nvPr>
+            <p:ph type="title"/>
+          </p:nvPr>
+        </p:nvSpPr>
+        <p:spPr>
+          <a:xfrm>
+            <a:off x="630936" y="640080"/>
+            <a:ext cx="4818888" cy="1481328"/>
+          </a:xfrm>
+        </p:spPr>
+        <p:txBody>
+          <a:bodyPr vert="horz" lIns="91440" tIns="45720" rIns="91440" bIns="45720" rtlCol="0" anchor="b">
+            <a:normAutofit/>
+          </a:bodyPr>
+          <a:lstStyle/>
+          <a:p>
+            <a:r>
+              <a:rPr lang="en-US" sz="3800" b="1" kern="1200" dirty="0">
+                <a:solidFill>
+                  <a:schemeClr val="tx1"/>
+                </a:solidFill>
+                <a:latin typeface="+mj-lt"/>
+                <a:ea typeface="+mj-ea"/>
+                <a:cs typeface="+mj-cs"/>
+              </a:rPr>
+              <a:t>Can we improve using neural network ? </a:t>
+            </a:r>
+          </a:p>
+        </p:txBody>
+      </p:sp>
+      <p:sp>
+        <p:nvSpPr>
+          <p:cNvPr id="12" name="sketch line">
+            <a:extLst>
+              <a:ext uri="{FF2B5EF4-FFF2-40B4-BE49-F238E27FC236}">
+                <a16:creationId xmlns:a16="http://schemas.microsoft.com/office/drawing/2014/main" id="{71877DBC-BB60-40F0-AC93-2ACDBAAE60CE}"/>
+              </a:ext>
+              <a:ext uri="{C183D7F6-B498-43B3-948B-1728B52AA6E4}">
+                <adec:decorative xmlns:adec="http://schemas.microsoft.com/office/drawing/2017/decorative" val="1"/>
+              </a:ext>
+            </a:extLst>
+          </p:cNvPr>
+          <p:cNvSpPr>
+            <a:spLocks noGrp="1" noRot="1" noChangeAspect="1" noMove="1" noResize="1" noEditPoints="1" noAdjustHandles="1" noChangeArrowheads="1" noChangeShapeType="1" noTextEdit="1"/>
+          </p:cNvSpPr>
+          <p:nvPr>
+            <p:extLst>
+              <p:ext uri="{386F3935-93C4-4BCD-93E2-E3B085C9AB24}">
+                <p16:designElem xmlns:p16="http://schemas.microsoft.com/office/powerpoint/2015/main" val="1"/>
+              </p:ext>
+            </p:extLst>
+          </p:nvPr>
+        </p:nvSpPr>
+        <p:spPr>
+          <a:xfrm>
+            <a:off x="643278" y="2372868"/>
+            <a:ext cx="3255095" cy="18288"/>
+          </a:xfrm>
+          <a:custGeom>
+            <a:avLst/>
+            <a:gdLst>
+              <a:gd name="connsiteX0" fmla="*/ 0 w 3255095"/>
+              <a:gd name="connsiteY0" fmla="*/ 0 h 18288"/>
+              <a:gd name="connsiteX1" fmla="*/ 618468 w 3255095"/>
+              <a:gd name="connsiteY1" fmla="*/ 0 h 18288"/>
+              <a:gd name="connsiteX2" fmla="*/ 1269487 w 3255095"/>
+              <a:gd name="connsiteY2" fmla="*/ 0 h 18288"/>
+              <a:gd name="connsiteX3" fmla="*/ 1953057 w 3255095"/>
+              <a:gd name="connsiteY3" fmla="*/ 0 h 18288"/>
+              <a:gd name="connsiteX4" fmla="*/ 2636627 w 3255095"/>
+              <a:gd name="connsiteY4" fmla="*/ 0 h 18288"/>
+              <a:gd name="connsiteX5" fmla="*/ 3255095 w 3255095"/>
+              <a:gd name="connsiteY5" fmla="*/ 0 h 18288"/>
+              <a:gd name="connsiteX6" fmla="*/ 3255095 w 3255095"/>
+              <a:gd name="connsiteY6" fmla="*/ 18288 h 18288"/>
+              <a:gd name="connsiteX7" fmla="*/ 2538974 w 3255095"/>
+              <a:gd name="connsiteY7" fmla="*/ 18288 h 18288"/>
+              <a:gd name="connsiteX8" fmla="*/ 1822853 w 3255095"/>
+              <a:gd name="connsiteY8" fmla="*/ 18288 h 18288"/>
+              <a:gd name="connsiteX9" fmla="*/ 1171834 w 3255095"/>
+              <a:gd name="connsiteY9" fmla="*/ 18288 h 18288"/>
+              <a:gd name="connsiteX10" fmla="*/ 0 w 3255095"/>
+              <a:gd name="connsiteY10" fmla="*/ 18288 h 18288"/>
+              <a:gd name="connsiteX11" fmla="*/ 0 w 3255095"/>
+              <a:gd name="connsiteY11" fmla="*/ 0 h 18288"/>
+            </a:gdLst>
+            <a:ahLst/>
+            <a:cxnLst>
+              <a:cxn ang="0">
+                <a:pos x="connsiteX0" y="connsiteY0"/>
+              </a:cxn>
+              <a:cxn ang="0">
+                <a:pos x="connsiteX1" y="connsiteY1"/>
+              </a:cxn>
+              <a:cxn ang="0">
+                <a:pos x="connsiteX2" y="connsiteY2"/>
+              </a:cxn>
+              <a:cxn ang="0">
+                <a:pos x="connsiteX3" y="connsiteY3"/>
+              </a:cxn>
+              <a:cxn ang="0">
+                <a:pos x="connsiteX4" y="connsiteY4"/>
+              </a:cxn>
+              <a:cxn ang="0">
+                <a:pos x="connsiteX5" y="connsiteY5"/>
+              </a:cxn>
+              <a:cxn ang="0">
+                <a:pos x="connsiteX6" y="connsiteY6"/>
+              </a:cxn>
+              <a:cxn ang="0">
+                <a:pos x="connsiteX7" y="connsiteY7"/>
+              </a:cxn>
+              <a:cxn ang="0">
+                <a:pos x="connsiteX8" y="connsiteY8"/>
+              </a:cxn>
+              <a:cxn ang="0">
+                <a:pos x="connsiteX9" y="connsiteY9"/>
+              </a:cxn>
+              <a:cxn ang="0">
+                <a:pos x="connsiteX10" y="connsiteY10"/>
+              </a:cxn>
+              <a:cxn ang="0">
+                <a:pos x="connsiteX11" y="connsiteY11"/>
+              </a:cxn>
+            </a:cxnLst>
+            <a:rect l="l" t="t" r="r" b="b"/>
+            <a:pathLst>
+              <a:path w="3255095" h="18288" fill="none" extrusionOk="0">
+                <a:moveTo>
+                  <a:pt x="0" y="0"/>
+                </a:moveTo>
+                <a:cubicBezTo>
+                  <a:pt x="240201" y="-22123"/>
+                  <a:pt x="462021" y="-19623"/>
+                  <a:pt x="618468" y="0"/>
+                </a:cubicBezTo>
+                <a:cubicBezTo>
+                  <a:pt x="774915" y="19623"/>
+                  <a:pt x="974734" y="2035"/>
+                  <a:pt x="1269487" y="0"/>
+                </a:cubicBezTo>
+                <a:cubicBezTo>
+                  <a:pt x="1564240" y="-2035"/>
+                  <a:pt x="1733579" y="10639"/>
+                  <a:pt x="1953057" y="0"/>
+                </a:cubicBezTo>
+                <a:cubicBezTo>
+                  <a:pt x="2172535" y="-10639"/>
+                  <a:pt x="2453962" y="14018"/>
+                  <a:pt x="2636627" y="0"/>
+                </a:cubicBezTo>
+                <a:cubicBezTo>
+                  <a:pt x="2819292" y="-14018"/>
+                  <a:pt x="3121375" y="5399"/>
+                  <a:pt x="3255095" y="0"/>
+                </a:cubicBezTo>
+                <a:cubicBezTo>
+                  <a:pt x="3254386" y="8157"/>
+                  <a:pt x="3254682" y="12125"/>
+                  <a:pt x="3255095" y="18288"/>
+                </a:cubicBezTo>
+                <a:cubicBezTo>
+                  <a:pt x="3088545" y="23203"/>
+                  <a:pt x="2687475" y="7419"/>
+                  <a:pt x="2538974" y="18288"/>
+                </a:cubicBezTo>
+                <a:cubicBezTo>
+                  <a:pt x="2390473" y="29157"/>
+                  <a:pt x="2137381" y="-8959"/>
+                  <a:pt x="1822853" y="18288"/>
+                </a:cubicBezTo>
+                <a:cubicBezTo>
+                  <a:pt x="1508325" y="45535"/>
+                  <a:pt x="1466437" y="20385"/>
+                  <a:pt x="1171834" y="18288"/>
+                </a:cubicBezTo>
+                <a:cubicBezTo>
+                  <a:pt x="877231" y="16191"/>
+                  <a:pt x="561097" y="37643"/>
+                  <a:pt x="0" y="18288"/>
+                </a:cubicBezTo>
+                <a:cubicBezTo>
+                  <a:pt x="-46" y="12483"/>
+                  <a:pt x="-203" y="6491"/>
+                  <a:pt x="0" y="0"/>
+                </a:cubicBezTo>
+                <a:close/>
+              </a:path>
+              <a:path w="3255095" h="18288" stroke="0" extrusionOk="0">
+                <a:moveTo>
+                  <a:pt x="0" y="0"/>
+                </a:moveTo>
+                <a:cubicBezTo>
+                  <a:pt x="291965" y="19429"/>
+                  <a:pt x="363155" y="8568"/>
+                  <a:pt x="618468" y="0"/>
+                </a:cubicBezTo>
+                <a:cubicBezTo>
+                  <a:pt x="873781" y="-8568"/>
+                  <a:pt x="904459" y="-19505"/>
+                  <a:pt x="1171834" y="0"/>
+                </a:cubicBezTo>
+                <a:cubicBezTo>
+                  <a:pt x="1439209" y="19505"/>
+                  <a:pt x="1744369" y="9790"/>
+                  <a:pt x="1887955" y="0"/>
+                </a:cubicBezTo>
+                <a:cubicBezTo>
+                  <a:pt x="2031541" y="-9790"/>
+                  <a:pt x="2346378" y="21240"/>
+                  <a:pt x="2506423" y="0"/>
+                </a:cubicBezTo>
+                <a:cubicBezTo>
+                  <a:pt x="2666468" y="-21240"/>
+                  <a:pt x="2990257" y="30414"/>
+                  <a:pt x="3255095" y="0"/>
+                </a:cubicBezTo>
+                <a:cubicBezTo>
+                  <a:pt x="3254831" y="4493"/>
+                  <a:pt x="3255479" y="9472"/>
+                  <a:pt x="3255095" y="18288"/>
+                </a:cubicBezTo>
+                <a:cubicBezTo>
+                  <a:pt x="3120743" y="16690"/>
+                  <a:pt x="2759628" y="42462"/>
+                  <a:pt x="2604076" y="18288"/>
+                </a:cubicBezTo>
+                <a:cubicBezTo>
+                  <a:pt x="2448524" y="-5886"/>
+                  <a:pt x="2184336" y="19599"/>
+                  <a:pt x="1887955" y="18288"/>
+                </a:cubicBezTo>
+                <a:cubicBezTo>
+                  <a:pt x="1591574" y="16977"/>
+                  <a:pt x="1548845" y="6870"/>
+                  <a:pt x="1334589" y="18288"/>
+                </a:cubicBezTo>
+                <a:cubicBezTo>
+                  <a:pt x="1120333" y="29706"/>
+                  <a:pt x="996014" y="9662"/>
+                  <a:pt x="683570" y="18288"/>
+                </a:cubicBezTo>
+                <a:cubicBezTo>
+                  <a:pt x="371126" y="26914"/>
+                  <a:pt x="198687" y="16167"/>
+                  <a:pt x="0" y="18288"/>
+                </a:cubicBezTo>
+                <a:cubicBezTo>
+                  <a:pt x="843" y="9577"/>
+                  <a:pt x="371" y="6900"/>
+                  <a:pt x="0" y="0"/>
+                </a:cubicBezTo>
+                <a:close/>
+              </a:path>
+            </a:pathLst>
+          </a:custGeom>
+          <a:solidFill>
+            <a:schemeClr val="accent2"/>
+          </a:solidFill>
+          <a:ln w="38100" cap="rnd">
+            <a:solidFill>
+              <a:schemeClr val="accent2"/>
+            </a:solidFill>
+            <a:round/>
+            <a:extLst>
+              <a:ext uri="{C807C97D-BFC1-408E-A445-0C87EB9F89A2}">
+                <ask:lineSketchStyleProps xmlns:ask="http://schemas.microsoft.com/office/drawing/2018/sketchyshapes" sd="1219033472">
+                  <a:prstGeom prst="rect">
+                    <a:avLst/>
+                  </a:prstGeom>
+                  <ask:type>
+                    <ask:lineSketchFreehand/>
+                  </ask:type>
+                </ask:lineSketchStyleProps>
+              </a:ext>
+            </a:extLst>
+          </a:ln>
+        </p:spPr>
+        <p:style>
+          <a:lnRef idx="2">
+            <a:schemeClr val="accent1">
+              <a:shade val="50000"/>
+            </a:schemeClr>
+          </a:lnRef>
+          <a:fillRef idx="1">
+            <a:schemeClr val="accent1"/>
+          </a:fillRef>
+          <a:effectRef idx="0">
+            <a:schemeClr val="accent1"/>
+          </a:effectRef>
+          <a:fontRef idx="minor">
+            <a:schemeClr val="lt1"/>
+          </a:fontRef>
+        </p:style>
+        <p:txBody>
+          <a:bodyPr rtlCol="0" anchor="ctr"/>
+          <a:lstStyle/>
+          <a:p>
+            <a:pPr algn="ctr"/>
+            <a:endParaRPr lang="en-US"/>
+          </a:p>
+        </p:txBody>
+      </p:sp>
+      <p:sp>
+        <p:nvSpPr>
+          <p:cNvPr id="4" name="Content Placeholder 3">
+            <a:extLst>
+              <a:ext uri="{FF2B5EF4-FFF2-40B4-BE49-F238E27FC236}">
+                <a16:creationId xmlns:a16="http://schemas.microsoft.com/office/drawing/2014/main" id="{F0364838-53A3-C1E5-BE6F-9E27F00B48DD}"/>
+              </a:ext>
+            </a:extLst>
+          </p:cNvPr>
+          <p:cNvSpPr>
+            <a:spLocks noGrp="1"/>
+          </p:cNvSpPr>
+          <p:nvPr>
+            <p:ph sz="half" idx="2"/>
+          </p:nvPr>
+        </p:nvSpPr>
+        <p:spPr>
+          <a:xfrm>
+            <a:off x="630936" y="2660904"/>
+            <a:ext cx="4818888" cy="3547872"/>
+          </a:xfrm>
+        </p:spPr>
+        <p:txBody>
+          <a:bodyPr vert="horz" lIns="91440" tIns="45720" rIns="91440" bIns="45720" rtlCol="0" anchor="t">
+            <a:normAutofit/>
+          </a:bodyPr>
+          <a:lstStyle/>
+          <a:p>
+            <a:r>
+              <a:rPr lang="en-US" sz="2000" dirty="0"/>
+              <a:t>f1 score 91% in single try . </a:t>
+            </a:r>
+          </a:p>
+          <a:p>
+            <a:r>
+              <a:rPr lang="en-US" sz="2000" dirty="0"/>
+              <a:t>Accuracy reduces when we add more layer and number of neurons in each layer  ( f1 reduces to 61% also )</a:t>
+            </a:r>
+          </a:p>
+          <a:p>
+            <a:r>
+              <a:rPr lang="en-US" sz="2000" b="1" dirty="0"/>
+              <a:t>Random forest is still best for our problem.</a:t>
+            </a:r>
+          </a:p>
+          <a:p>
+            <a:r>
+              <a:rPr lang="en-US" sz="2000" dirty="0"/>
+              <a:t>Even though using sigmoid at the output layer this will not give 0 and 1 directly .</a:t>
+            </a:r>
+          </a:p>
+          <a:p>
+            <a:r>
+              <a:rPr lang="en-US" sz="2000" dirty="0"/>
+              <a:t>Use (</a:t>
+            </a:r>
+            <a:r>
+              <a:rPr lang="en-US" sz="2000" dirty="0" err="1"/>
+              <a:t>y_pred</a:t>
+            </a:r>
+            <a:r>
+              <a:rPr lang="en-US" sz="2000" dirty="0"/>
+              <a:t> &gt; 0.6).</a:t>
+            </a:r>
+            <a:r>
+              <a:rPr lang="en-US" sz="2000" dirty="0" err="1"/>
+              <a:t>astype</a:t>
+            </a:r>
+            <a:r>
+              <a:rPr lang="en-US" sz="2000" dirty="0"/>
+              <a:t>(int) to get binary prediction .</a:t>
+            </a:r>
+          </a:p>
+        </p:txBody>
+      </p:sp>
+      <p:pic>
+        <p:nvPicPr>
+          <p:cNvPr id="5" name="Content Placeholder 4" descr="A screenshot of a computer&#10;&#10;Description automatically generated">
+            <a:extLst>
+              <a:ext uri="{FF2B5EF4-FFF2-40B4-BE49-F238E27FC236}">
+                <a16:creationId xmlns:a16="http://schemas.microsoft.com/office/drawing/2014/main" id="{EA8E0A5F-73AA-27D0-684F-EBD45C094503}"/>
+              </a:ext>
+            </a:extLst>
+          </p:cNvPr>
+          <p:cNvPicPr>
+            <a:picLocks noGrp="1" noChangeAspect="1"/>
+          </p:cNvPicPr>
+          <p:nvPr>
+            <p:ph sz="half" idx="1"/>
+          </p:nvPr>
+        </p:nvPicPr>
+        <p:blipFill>
+          <a:blip r:embed="rId2"/>
+          <a:stretch>
+            <a:fillRect/>
+          </a:stretch>
+        </p:blipFill>
+        <p:spPr>
+          <a:xfrm>
+            <a:off x="6099048" y="1880018"/>
+            <a:ext cx="5458968" cy="3097964"/>
+          </a:xfrm>
+          <a:prstGeom prst="rect">
+            <a:avLst/>
+          </a:prstGeom>
+        </p:spPr>
+      </p:pic>
+    </p:spTree>
+    <p:extLst>
+      <p:ext uri="{BB962C8B-B14F-4D97-AF65-F5344CB8AC3E}">
+        <p14:creationId xmlns:p14="http://schemas.microsoft.com/office/powerpoint/2010/main" val="1295955427"/>
       </p:ext>
     </p:extLst>
   </p:cSld>

--- a/Project_Presentation_Employee_Attrition_Prediction.pptx
+++ b/Project_Presentation_Employee_Attrition_Prediction.pptx
@@ -10,7 +10,7 @@
   <p:sldIdLst>
     <p:sldId id="259" r:id="rId2"/>
     <p:sldId id="263" r:id="rId3"/>
-    <p:sldId id="1606" r:id="rId4"/>
+    <p:sldId id="1594" r:id="rId4"/>
     <p:sldId id="1609" r:id="rId5"/>
     <p:sldId id="1610" r:id="rId6"/>
     <p:sldId id="1611" r:id="rId7"/>
@@ -130,6 +130,755 @@
 </file>
 
 <file path=ppt/diagrams/colors1.xml><?xml version="1.0" encoding="utf-8"?>
+<dgm:colorsDef xmlns:dgm="http://schemas.openxmlformats.org/drawingml/2006/diagram" xmlns:a="http://schemas.openxmlformats.org/drawingml/2006/main" uniqueId="urn:microsoft.com/office/officeart/2018/5/colors/Iconchunking_neutralicontext_accent2_2">
+  <dgm:title val=""/>
+  <dgm:desc val=""/>
+  <dgm:catLst>
+    <dgm:cat type="accent2" pri="11200"/>
+  </dgm:catLst>
+  <dgm:styleLbl name="node0">
+    <dgm:fillClrLst meth="repeat">
+      <a:schemeClr val="accent2"/>
+    </dgm:fillClrLst>
+    <dgm:linClrLst meth="repeat">
+      <a:schemeClr val="lt1"/>
+    </dgm:linClrLst>
+    <dgm:effectClrLst/>
+    <dgm:txLinClrLst/>
+    <dgm:txFillClrLst/>
+    <dgm:txEffectClrLst/>
+  </dgm:styleLbl>
+  <dgm:styleLbl name="node1">
+    <dgm:fillClrLst meth="repeat">
+      <a:schemeClr val="bg1"/>
+    </dgm:fillClrLst>
+    <dgm:linClrLst meth="repeat">
+      <a:schemeClr val="lt1">
+        <a:alpha val="0"/>
+      </a:schemeClr>
+    </dgm:linClrLst>
+    <dgm:effectClrLst/>
+    <dgm:txLinClrLst/>
+    <dgm:txFillClrLst meth="repeat">
+      <a:schemeClr val="dk1"/>
+    </dgm:txFillClrLst>
+    <dgm:txEffectClrLst/>
+  </dgm:styleLbl>
+  <dgm:styleLbl name="alignNode1">
+    <dgm:fillClrLst meth="repeat">
+      <a:schemeClr val="accent2"/>
+    </dgm:fillClrLst>
+    <dgm:linClrLst meth="repeat">
+      <a:schemeClr val="accent2"/>
+    </dgm:linClrLst>
+    <dgm:effectClrLst/>
+    <dgm:txLinClrLst/>
+    <dgm:txFillClrLst/>
+    <dgm:txEffectClrLst/>
+  </dgm:styleLbl>
+  <dgm:styleLbl name="lnNode1">
+    <dgm:fillClrLst meth="repeat">
+      <a:schemeClr val="accent2"/>
+    </dgm:fillClrLst>
+    <dgm:linClrLst meth="repeat">
+      <a:schemeClr val="lt1"/>
+    </dgm:linClrLst>
+    <dgm:effectClrLst/>
+    <dgm:txLinClrLst/>
+    <dgm:txFillClrLst/>
+    <dgm:txEffectClrLst/>
+  </dgm:styleLbl>
+  <dgm:styleLbl name="vennNode1">
+    <dgm:fillClrLst meth="repeat">
+      <a:schemeClr val="accent2">
+        <a:alpha val="50000"/>
+      </a:schemeClr>
+    </dgm:fillClrLst>
+    <dgm:linClrLst meth="repeat">
+      <a:schemeClr val="lt1"/>
+    </dgm:linClrLst>
+    <dgm:effectClrLst/>
+    <dgm:txLinClrLst/>
+    <dgm:txFillClrLst/>
+    <dgm:txEffectClrLst/>
+  </dgm:styleLbl>
+  <dgm:styleLbl name="node2">
+    <dgm:fillClrLst meth="repeat">
+      <a:schemeClr val="accent2"/>
+    </dgm:fillClrLst>
+    <dgm:linClrLst meth="repeat">
+      <a:schemeClr val="lt1"/>
+    </dgm:linClrLst>
+    <dgm:effectClrLst/>
+    <dgm:txLinClrLst/>
+    <dgm:txFillClrLst/>
+    <dgm:txEffectClrLst/>
+  </dgm:styleLbl>
+  <dgm:styleLbl name="node3">
+    <dgm:fillClrLst meth="repeat">
+      <a:schemeClr val="accent2"/>
+    </dgm:fillClrLst>
+    <dgm:linClrLst meth="repeat">
+      <a:schemeClr val="lt1"/>
+    </dgm:linClrLst>
+    <dgm:effectClrLst/>
+    <dgm:txLinClrLst/>
+    <dgm:txFillClrLst/>
+    <dgm:txEffectClrLst/>
+  </dgm:styleLbl>
+  <dgm:styleLbl name="node4">
+    <dgm:fillClrLst meth="repeat">
+      <a:schemeClr val="accent2"/>
+    </dgm:fillClrLst>
+    <dgm:linClrLst meth="repeat">
+      <a:schemeClr val="lt1"/>
+    </dgm:linClrLst>
+    <dgm:effectClrLst/>
+    <dgm:txLinClrLst/>
+    <dgm:txFillClrLst/>
+    <dgm:txEffectClrLst/>
+  </dgm:styleLbl>
+  <dgm:styleLbl name="fgImgPlace1">
+    <dgm:fillClrLst meth="repeat">
+      <a:schemeClr val="accent2">
+        <a:tint val="50000"/>
+      </a:schemeClr>
+    </dgm:fillClrLst>
+    <dgm:linClrLst meth="repeat">
+      <a:schemeClr val="lt1"/>
+    </dgm:linClrLst>
+    <dgm:effectClrLst/>
+    <dgm:txLinClrLst/>
+    <dgm:txFillClrLst meth="repeat">
+      <a:schemeClr val="lt1"/>
+    </dgm:txFillClrLst>
+    <dgm:txEffectClrLst/>
+  </dgm:styleLbl>
+  <dgm:styleLbl name="alignImgPlace1">
+    <dgm:fillClrLst meth="repeat">
+      <a:schemeClr val="accent2">
+        <a:tint val="50000"/>
+      </a:schemeClr>
+    </dgm:fillClrLst>
+    <dgm:linClrLst meth="repeat">
+      <a:schemeClr val="lt1"/>
+    </dgm:linClrLst>
+    <dgm:effectClrLst/>
+    <dgm:txLinClrLst/>
+    <dgm:txFillClrLst meth="repeat">
+      <a:schemeClr val="lt1"/>
+    </dgm:txFillClrLst>
+    <dgm:txEffectClrLst/>
+  </dgm:styleLbl>
+  <dgm:styleLbl name="bgImgPlace1">
+    <dgm:fillClrLst meth="repeat">
+      <a:schemeClr val="accent2">
+        <a:tint val="50000"/>
+      </a:schemeClr>
+    </dgm:fillClrLst>
+    <dgm:linClrLst meth="repeat">
+      <a:schemeClr val="lt1"/>
+    </dgm:linClrLst>
+    <dgm:effectClrLst/>
+    <dgm:txLinClrLst/>
+    <dgm:txFillClrLst meth="repeat">
+      <a:schemeClr val="lt1"/>
+    </dgm:txFillClrLst>
+    <dgm:txEffectClrLst/>
+  </dgm:styleLbl>
+  <dgm:styleLbl name="sibTrans2D1">
+    <dgm:fillClrLst meth="repeat">
+      <a:schemeClr val="accent2">
+        <a:tint val="60000"/>
+      </a:schemeClr>
+    </dgm:fillClrLst>
+    <dgm:linClrLst meth="repeat">
+      <a:schemeClr val="accent2">
+        <a:tint val="60000"/>
+      </a:schemeClr>
+    </dgm:linClrLst>
+    <dgm:effectClrLst/>
+    <dgm:txLinClrLst/>
+    <dgm:txFillClrLst/>
+    <dgm:txEffectClrLst/>
+  </dgm:styleLbl>
+  <dgm:styleLbl name="fgSibTrans2D1">
+    <dgm:fillClrLst meth="repeat">
+      <a:schemeClr val="accent2">
+        <a:tint val="60000"/>
+      </a:schemeClr>
+    </dgm:fillClrLst>
+    <dgm:linClrLst meth="repeat">
+      <a:schemeClr val="accent2">
+        <a:tint val="60000"/>
+      </a:schemeClr>
+    </dgm:linClrLst>
+    <dgm:effectClrLst/>
+    <dgm:txLinClrLst/>
+    <dgm:txFillClrLst/>
+    <dgm:txEffectClrLst/>
+  </dgm:styleLbl>
+  <dgm:styleLbl name="bgSibTrans2D1">
+    <dgm:fillClrLst meth="repeat">
+      <a:schemeClr val="accent2">
+        <a:tint val="60000"/>
+      </a:schemeClr>
+    </dgm:fillClrLst>
+    <dgm:linClrLst meth="repeat">
+      <a:schemeClr val="accent2">
+        <a:tint val="60000"/>
+      </a:schemeClr>
+    </dgm:linClrLst>
+    <dgm:effectClrLst/>
+    <dgm:txLinClrLst/>
+    <dgm:txFillClrLst/>
+    <dgm:txEffectClrLst/>
+  </dgm:styleLbl>
+  <dgm:styleLbl name="sibTrans1D1">
+    <dgm:fillClrLst meth="repeat">
+      <a:schemeClr val="accent2"/>
+    </dgm:fillClrLst>
+    <dgm:linClrLst meth="repeat">
+      <a:schemeClr val="accent2"/>
+    </dgm:linClrLst>
+    <dgm:effectClrLst/>
+    <dgm:txLinClrLst/>
+    <dgm:txFillClrLst meth="repeat">
+      <a:schemeClr val="tx1"/>
+    </dgm:txFillClrLst>
+    <dgm:txEffectClrLst/>
+  </dgm:styleLbl>
+  <dgm:styleLbl name="callout">
+    <dgm:fillClrLst meth="repeat">
+      <a:schemeClr val="accent2"/>
+    </dgm:fillClrLst>
+    <dgm:linClrLst meth="repeat">
+      <a:schemeClr val="accent2">
+        <a:tint val="50000"/>
+      </a:schemeClr>
+    </dgm:linClrLst>
+    <dgm:effectClrLst/>
+    <dgm:txLinClrLst/>
+    <dgm:txFillClrLst meth="repeat">
+      <a:schemeClr val="tx1"/>
+    </dgm:txFillClrLst>
+    <dgm:txEffectClrLst/>
+  </dgm:styleLbl>
+  <dgm:styleLbl name="asst0">
+    <dgm:fillClrLst meth="repeat">
+      <a:schemeClr val="accent2"/>
+    </dgm:fillClrLst>
+    <dgm:linClrLst meth="repeat">
+      <a:schemeClr val="lt1"/>
+    </dgm:linClrLst>
+    <dgm:effectClrLst/>
+    <dgm:txLinClrLst/>
+    <dgm:txFillClrLst/>
+    <dgm:txEffectClrLst/>
+  </dgm:styleLbl>
+  <dgm:styleLbl name="asst1">
+    <dgm:fillClrLst meth="repeat">
+      <a:schemeClr val="accent2"/>
+    </dgm:fillClrLst>
+    <dgm:linClrLst meth="repeat">
+      <a:schemeClr val="lt1"/>
+    </dgm:linClrLst>
+    <dgm:effectClrLst/>
+    <dgm:txLinClrLst/>
+    <dgm:txFillClrLst/>
+    <dgm:txEffectClrLst/>
+  </dgm:styleLbl>
+  <dgm:styleLbl name="asst2">
+    <dgm:fillClrLst meth="repeat">
+      <a:schemeClr val="accent2"/>
+    </dgm:fillClrLst>
+    <dgm:linClrLst meth="repeat">
+      <a:schemeClr val="lt1"/>
+    </dgm:linClrLst>
+    <dgm:effectClrLst/>
+    <dgm:txLinClrLst/>
+    <dgm:txFillClrLst/>
+    <dgm:txEffectClrLst/>
+  </dgm:styleLbl>
+  <dgm:styleLbl name="asst3">
+    <dgm:fillClrLst meth="repeat">
+      <a:schemeClr val="accent2"/>
+    </dgm:fillClrLst>
+    <dgm:linClrLst meth="repeat">
+      <a:schemeClr val="lt1"/>
+    </dgm:linClrLst>
+    <dgm:effectClrLst/>
+    <dgm:txLinClrLst/>
+    <dgm:txFillClrLst/>
+    <dgm:txEffectClrLst/>
+  </dgm:styleLbl>
+  <dgm:styleLbl name="asst4">
+    <dgm:fillClrLst meth="repeat">
+      <a:schemeClr val="accent2"/>
+    </dgm:fillClrLst>
+    <dgm:linClrLst meth="repeat">
+      <a:schemeClr val="lt1"/>
+    </dgm:linClrLst>
+    <dgm:effectClrLst/>
+    <dgm:txLinClrLst/>
+    <dgm:txFillClrLst/>
+    <dgm:txEffectClrLst/>
+  </dgm:styleLbl>
+  <dgm:styleLbl name="parChTrans2D1">
+    <dgm:fillClrLst meth="repeat">
+      <a:schemeClr val="accent2">
+        <a:tint val="60000"/>
+      </a:schemeClr>
+    </dgm:fillClrLst>
+    <dgm:linClrLst meth="repeat">
+      <a:schemeClr val="accent2">
+        <a:tint val="60000"/>
+      </a:schemeClr>
+    </dgm:linClrLst>
+    <dgm:effectClrLst/>
+    <dgm:txLinClrLst/>
+    <dgm:txFillClrLst meth="repeat">
+      <a:schemeClr val="lt1"/>
+    </dgm:txFillClrLst>
+    <dgm:txEffectClrLst/>
+  </dgm:styleLbl>
+  <dgm:styleLbl name="parChTrans2D2">
+    <dgm:fillClrLst meth="repeat">
+      <a:schemeClr val="accent2"/>
+    </dgm:fillClrLst>
+    <dgm:linClrLst meth="repeat">
+      <a:schemeClr val="accent2"/>
+    </dgm:linClrLst>
+    <dgm:effectClrLst/>
+    <dgm:txLinClrLst/>
+    <dgm:txFillClrLst meth="repeat">
+      <a:schemeClr val="lt1"/>
+    </dgm:txFillClrLst>
+    <dgm:txEffectClrLst/>
+  </dgm:styleLbl>
+  <dgm:styleLbl name="parChTrans2D3">
+    <dgm:fillClrLst meth="repeat">
+      <a:schemeClr val="accent2"/>
+    </dgm:fillClrLst>
+    <dgm:linClrLst meth="repeat">
+      <a:schemeClr val="accent2"/>
+    </dgm:linClrLst>
+    <dgm:effectClrLst/>
+    <dgm:txLinClrLst/>
+    <dgm:txFillClrLst meth="repeat">
+      <a:schemeClr val="lt1"/>
+    </dgm:txFillClrLst>
+    <dgm:txEffectClrLst/>
+  </dgm:styleLbl>
+  <dgm:styleLbl name="parChTrans2D4">
+    <dgm:fillClrLst meth="repeat">
+      <a:schemeClr val="accent2"/>
+    </dgm:fillClrLst>
+    <dgm:linClrLst meth="repeat">
+      <a:schemeClr val="accent2"/>
+    </dgm:linClrLst>
+    <dgm:effectClrLst/>
+    <dgm:txLinClrLst/>
+    <dgm:txFillClrLst meth="repeat">
+      <a:schemeClr val="lt1"/>
+    </dgm:txFillClrLst>
+    <dgm:txEffectClrLst/>
+  </dgm:styleLbl>
+  <dgm:styleLbl name="parChTrans1D1">
+    <dgm:fillClrLst meth="repeat">
+      <a:schemeClr val="accent2"/>
+    </dgm:fillClrLst>
+    <dgm:linClrLst meth="repeat">
+      <a:schemeClr val="accent2">
+        <a:shade val="60000"/>
+      </a:schemeClr>
+    </dgm:linClrLst>
+    <dgm:effectClrLst/>
+    <dgm:txLinClrLst/>
+    <dgm:txFillClrLst meth="repeat">
+      <a:schemeClr val="tx1"/>
+    </dgm:txFillClrLst>
+    <dgm:txEffectClrLst/>
+  </dgm:styleLbl>
+  <dgm:styleLbl name="parChTrans1D2">
+    <dgm:fillClrLst meth="repeat">
+      <a:schemeClr val="accent2"/>
+    </dgm:fillClrLst>
+    <dgm:linClrLst meth="repeat">
+      <a:schemeClr val="accent2">
+        <a:shade val="60000"/>
+      </a:schemeClr>
+    </dgm:linClrLst>
+    <dgm:effectClrLst/>
+    <dgm:txLinClrLst/>
+    <dgm:txFillClrLst meth="repeat">
+      <a:schemeClr val="tx1"/>
+    </dgm:txFillClrLst>
+    <dgm:txEffectClrLst/>
+  </dgm:styleLbl>
+  <dgm:styleLbl name="parChTrans1D3">
+    <dgm:fillClrLst meth="repeat">
+      <a:schemeClr val="accent2"/>
+    </dgm:fillClrLst>
+    <dgm:linClrLst meth="repeat">
+      <a:schemeClr val="accent2">
+        <a:shade val="80000"/>
+      </a:schemeClr>
+    </dgm:linClrLst>
+    <dgm:effectClrLst/>
+    <dgm:txLinClrLst/>
+    <dgm:txFillClrLst meth="repeat">
+      <a:schemeClr val="tx1"/>
+    </dgm:txFillClrLst>
+    <dgm:txEffectClrLst/>
+  </dgm:styleLbl>
+  <dgm:styleLbl name="parChTrans1D4">
+    <dgm:fillClrLst meth="repeat">
+      <a:schemeClr val="accent2"/>
+    </dgm:fillClrLst>
+    <dgm:linClrLst meth="repeat">
+      <a:schemeClr val="accent2">
+        <a:shade val="80000"/>
+      </a:schemeClr>
+    </dgm:linClrLst>
+    <dgm:effectClrLst/>
+    <dgm:txLinClrLst/>
+    <dgm:txFillClrLst meth="repeat">
+      <a:schemeClr val="tx1"/>
+    </dgm:txFillClrLst>
+    <dgm:txEffectClrLst/>
+  </dgm:styleLbl>
+  <dgm:styleLbl name="fgAcc1">
+    <dgm:fillClrLst meth="repeat">
+      <a:schemeClr val="lt1">
+        <a:alpha val="90000"/>
+      </a:schemeClr>
+    </dgm:fillClrLst>
+    <dgm:linClrLst meth="repeat">
+      <a:schemeClr val="accent2"/>
+    </dgm:linClrLst>
+    <dgm:effectClrLst/>
+    <dgm:txLinClrLst/>
+    <dgm:txFillClrLst meth="repeat">
+      <a:schemeClr val="dk1"/>
+    </dgm:txFillClrLst>
+    <dgm:txEffectClrLst/>
+  </dgm:styleLbl>
+  <dgm:styleLbl name="conFgAcc1">
+    <dgm:fillClrLst meth="repeat">
+      <a:schemeClr val="lt1">
+        <a:alpha val="90000"/>
+      </a:schemeClr>
+    </dgm:fillClrLst>
+    <dgm:linClrLst meth="repeat">
+      <a:schemeClr val="accent2"/>
+    </dgm:linClrLst>
+    <dgm:effectClrLst/>
+    <dgm:txLinClrLst/>
+    <dgm:txFillClrLst meth="repeat">
+      <a:schemeClr val="dk1"/>
+    </dgm:txFillClrLst>
+    <dgm:txEffectClrLst/>
+  </dgm:styleLbl>
+  <dgm:styleLbl name="alignAcc1">
+    <dgm:fillClrLst meth="repeat">
+      <a:schemeClr val="lt1">
+        <a:alpha val="90000"/>
+      </a:schemeClr>
+    </dgm:fillClrLst>
+    <dgm:linClrLst meth="repeat">
+      <a:schemeClr val="accent2"/>
+    </dgm:linClrLst>
+    <dgm:effectClrLst/>
+    <dgm:txLinClrLst/>
+    <dgm:txFillClrLst meth="repeat">
+      <a:schemeClr val="dk1"/>
+    </dgm:txFillClrLst>
+    <dgm:txEffectClrLst/>
+  </dgm:styleLbl>
+  <dgm:styleLbl name="trAlignAcc1">
+    <dgm:fillClrLst meth="repeat">
+      <a:schemeClr val="lt1">
+        <a:alpha val="40000"/>
+      </a:schemeClr>
+    </dgm:fillClrLst>
+    <dgm:linClrLst meth="repeat">
+      <a:schemeClr val="accent2"/>
+    </dgm:linClrLst>
+    <dgm:effectClrLst/>
+    <dgm:txLinClrLst/>
+    <dgm:txFillClrLst meth="repeat">
+      <a:schemeClr val="dk1"/>
+    </dgm:txFillClrLst>
+    <dgm:txEffectClrLst/>
+  </dgm:styleLbl>
+  <dgm:styleLbl name="bgAcc1">
+    <dgm:fillClrLst meth="repeat">
+      <a:schemeClr val="lt1">
+        <a:alpha val="90000"/>
+      </a:schemeClr>
+    </dgm:fillClrLst>
+    <dgm:linClrLst meth="repeat">
+      <a:schemeClr val="accent2"/>
+    </dgm:linClrLst>
+    <dgm:effectClrLst/>
+    <dgm:txLinClrLst/>
+    <dgm:txFillClrLst meth="repeat">
+      <a:schemeClr val="dk1"/>
+    </dgm:txFillClrLst>
+    <dgm:txEffectClrLst/>
+  </dgm:styleLbl>
+  <dgm:styleLbl name="solidFgAcc1">
+    <dgm:fillClrLst meth="repeat">
+      <a:schemeClr val="lt1"/>
+    </dgm:fillClrLst>
+    <dgm:linClrLst meth="repeat">
+      <a:schemeClr val="accent2"/>
+    </dgm:linClrLst>
+    <dgm:effectClrLst/>
+    <dgm:txLinClrLst/>
+    <dgm:txFillClrLst meth="repeat">
+      <a:schemeClr val="dk1"/>
+    </dgm:txFillClrLst>
+    <dgm:txEffectClrLst/>
+  </dgm:styleLbl>
+  <dgm:styleLbl name="solidAlignAcc1">
+    <dgm:fillClrLst meth="repeat">
+      <a:schemeClr val="lt1"/>
+    </dgm:fillClrLst>
+    <dgm:linClrLst meth="repeat">
+      <a:schemeClr val="accent2"/>
+    </dgm:linClrLst>
+    <dgm:effectClrLst/>
+    <dgm:txLinClrLst/>
+    <dgm:txFillClrLst meth="repeat">
+      <a:schemeClr val="dk1"/>
+    </dgm:txFillClrLst>
+    <dgm:txEffectClrLst/>
+  </dgm:styleLbl>
+  <dgm:styleLbl name="solidBgAcc1">
+    <dgm:fillClrLst meth="repeat">
+      <a:schemeClr val="lt1"/>
+    </dgm:fillClrLst>
+    <dgm:linClrLst meth="repeat">
+      <a:schemeClr val="accent2"/>
+    </dgm:linClrLst>
+    <dgm:effectClrLst/>
+    <dgm:txLinClrLst/>
+    <dgm:txFillClrLst meth="repeat">
+      <a:schemeClr val="dk1"/>
+    </dgm:txFillClrLst>
+    <dgm:txEffectClrLst/>
+  </dgm:styleLbl>
+  <dgm:styleLbl name="fgAccFollowNode1">
+    <dgm:fillClrLst meth="repeat">
+      <a:schemeClr val="accent2">
+        <a:alpha val="90000"/>
+        <a:tint val="40000"/>
+      </a:schemeClr>
+    </dgm:fillClrLst>
+    <dgm:linClrLst meth="repeat">
+      <a:schemeClr val="accent2">
+        <a:alpha val="90000"/>
+        <a:tint val="40000"/>
+      </a:schemeClr>
+    </dgm:linClrLst>
+    <dgm:effectClrLst/>
+    <dgm:txLinClrLst/>
+    <dgm:txFillClrLst meth="repeat">
+      <a:schemeClr val="dk1"/>
+    </dgm:txFillClrLst>
+    <dgm:txEffectClrLst/>
+  </dgm:styleLbl>
+  <dgm:styleLbl name="alignAccFollowNode1">
+    <dgm:fillClrLst meth="repeat">
+      <a:schemeClr val="accent2">
+        <a:alpha val="90000"/>
+        <a:tint val="40000"/>
+      </a:schemeClr>
+    </dgm:fillClrLst>
+    <dgm:linClrLst meth="repeat">
+      <a:schemeClr val="accent2">
+        <a:alpha val="90000"/>
+        <a:tint val="40000"/>
+      </a:schemeClr>
+    </dgm:linClrLst>
+    <dgm:effectClrLst/>
+    <dgm:txLinClrLst/>
+    <dgm:txFillClrLst meth="repeat">
+      <a:schemeClr val="dk1"/>
+    </dgm:txFillClrLst>
+    <dgm:txEffectClrLst/>
+  </dgm:styleLbl>
+  <dgm:styleLbl name="bgAccFollowNode1">
+    <dgm:fillClrLst meth="repeat">
+      <a:schemeClr val="accent2">
+        <a:alpha val="90000"/>
+        <a:tint val="40000"/>
+      </a:schemeClr>
+    </dgm:fillClrLst>
+    <dgm:linClrLst meth="repeat">
+      <a:schemeClr val="accent2">
+        <a:alpha val="90000"/>
+        <a:tint val="40000"/>
+      </a:schemeClr>
+    </dgm:linClrLst>
+    <dgm:effectClrLst/>
+    <dgm:txLinClrLst/>
+    <dgm:txFillClrLst meth="repeat">
+      <a:schemeClr val="dk1"/>
+    </dgm:txFillClrLst>
+    <dgm:txEffectClrLst/>
+  </dgm:styleLbl>
+  <dgm:styleLbl name="fgAcc0">
+    <dgm:fillClrLst meth="repeat">
+      <a:schemeClr val="lt1">
+        <a:alpha val="90000"/>
+      </a:schemeClr>
+    </dgm:fillClrLst>
+    <dgm:linClrLst meth="repeat">
+      <a:schemeClr val="accent2"/>
+    </dgm:linClrLst>
+    <dgm:effectClrLst/>
+    <dgm:txLinClrLst/>
+    <dgm:txFillClrLst meth="repeat">
+      <a:schemeClr val="dk1"/>
+    </dgm:txFillClrLst>
+    <dgm:txEffectClrLst/>
+  </dgm:styleLbl>
+  <dgm:styleLbl name="fgAcc2">
+    <dgm:fillClrLst meth="repeat">
+      <a:schemeClr val="lt1">
+        <a:alpha val="90000"/>
+      </a:schemeClr>
+    </dgm:fillClrLst>
+    <dgm:linClrLst meth="repeat">
+      <a:schemeClr val="accent2"/>
+    </dgm:linClrLst>
+    <dgm:effectClrLst/>
+    <dgm:txLinClrLst/>
+    <dgm:txFillClrLst meth="repeat">
+      <a:schemeClr val="dk1"/>
+    </dgm:txFillClrLst>
+    <dgm:txEffectClrLst/>
+  </dgm:styleLbl>
+  <dgm:styleLbl name="fgAcc3">
+    <dgm:fillClrLst meth="repeat">
+      <a:schemeClr val="lt1">
+        <a:alpha val="90000"/>
+      </a:schemeClr>
+    </dgm:fillClrLst>
+    <dgm:linClrLst meth="repeat">
+      <a:schemeClr val="accent2"/>
+    </dgm:linClrLst>
+    <dgm:effectClrLst/>
+    <dgm:txLinClrLst/>
+    <dgm:txFillClrLst meth="repeat">
+      <a:schemeClr val="dk1"/>
+    </dgm:txFillClrLst>
+    <dgm:txEffectClrLst/>
+  </dgm:styleLbl>
+  <dgm:styleLbl name="fgAcc4">
+    <dgm:fillClrLst meth="repeat">
+      <a:schemeClr val="lt1">
+        <a:alpha val="90000"/>
+      </a:schemeClr>
+    </dgm:fillClrLst>
+    <dgm:linClrLst meth="repeat">
+      <a:schemeClr val="accent2"/>
+    </dgm:linClrLst>
+    <dgm:effectClrLst/>
+    <dgm:txLinClrLst/>
+    <dgm:txFillClrLst meth="repeat">
+      <a:schemeClr val="dk1"/>
+    </dgm:txFillClrLst>
+    <dgm:txEffectClrLst/>
+  </dgm:styleLbl>
+  <dgm:styleLbl name="bgShp">
+    <dgm:fillClrLst meth="repeat">
+      <a:schemeClr val="accent2"/>
+    </dgm:fillClrLst>
+    <dgm:linClrLst meth="repeat">
+      <a:schemeClr val="lt1">
+        <a:alpha val="0"/>
+      </a:schemeClr>
+    </dgm:linClrLst>
+    <dgm:effectClrLst/>
+    <dgm:txLinClrLst/>
+    <dgm:txFillClrLst/>
+    <dgm:txEffectClrLst/>
+  </dgm:styleLbl>
+  <dgm:styleLbl name="dkBgShp">
+    <dgm:fillClrLst meth="repeat">
+      <a:schemeClr val="accent2">
+        <a:shade val="80000"/>
+      </a:schemeClr>
+    </dgm:fillClrLst>
+    <dgm:linClrLst meth="repeat">
+      <a:schemeClr val="accent2"/>
+    </dgm:linClrLst>
+    <dgm:effectClrLst/>
+    <dgm:txLinClrLst/>
+    <dgm:txFillClrLst meth="repeat">
+      <a:schemeClr val="lt1"/>
+    </dgm:txFillClrLst>
+    <dgm:txEffectClrLst/>
+  </dgm:styleLbl>
+  <dgm:styleLbl name="trBgShp">
+    <dgm:fillClrLst meth="repeat">
+      <a:schemeClr val="accent2">
+        <a:tint val="50000"/>
+        <a:alpha val="40000"/>
+      </a:schemeClr>
+    </dgm:fillClrLst>
+    <dgm:linClrLst meth="repeat">
+      <a:schemeClr val="accent2"/>
+    </dgm:linClrLst>
+    <dgm:effectClrLst/>
+    <dgm:txLinClrLst/>
+    <dgm:txFillClrLst meth="repeat">
+      <a:schemeClr val="lt1"/>
+    </dgm:txFillClrLst>
+    <dgm:txEffectClrLst/>
+  </dgm:styleLbl>
+  <dgm:styleLbl name="fgShp">
+    <dgm:fillClrLst meth="repeat">
+      <a:schemeClr val="accent2">
+        <a:tint val="60000"/>
+      </a:schemeClr>
+    </dgm:fillClrLst>
+    <dgm:linClrLst meth="repeat">
+      <a:schemeClr val="lt1"/>
+    </dgm:linClrLst>
+    <dgm:effectClrLst/>
+    <dgm:txLinClrLst/>
+    <dgm:txFillClrLst meth="repeat">
+      <a:schemeClr val="dk1"/>
+    </dgm:txFillClrLst>
+    <dgm:txEffectClrLst/>
+  </dgm:styleLbl>
+  <dgm:styleLbl name="revTx">
+    <dgm:fillClrLst meth="repeat">
+      <a:schemeClr val="lt1">
+        <a:alpha val="0"/>
+      </a:schemeClr>
+    </dgm:fillClrLst>
+    <dgm:linClrLst meth="repeat">
+      <a:schemeClr val="dk1">
+        <a:alpha val="0"/>
+      </a:schemeClr>
+    </dgm:linClrLst>
+    <dgm:effectClrLst/>
+    <dgm:txLinClrLst/>
+    <dgm:txFillClrLst meth="repeat">
+      <a:schemeClr val="bg1"/>
+    </dgm:txFillClrLst>
+    <dgm:txEffectClrLst/>
+  </dgm:styleLbl>
+</dgm:colorsDef>
+</file>
+
+<file path=ppt/diagrams/colors2.xml><?xml version="1.0" encoding="utf-8"?>
 <dgm:colorsDef xmlns:dgm="http://schemas.openxmlformats.org/drawingml/2006/diagram" xmlns:a="http://schemas.openxmlformats.org/drawingml/2006/main" uniqueId="urn:microsoft.com/office/officeart/2005/8/colors/colorful5">
   <dgm:title val=""/>
   <dgm:desc val=""/>
@@ -911,7 +1660,7 @@
 </dgm:colorsDef>
 </file>
 
-<file path=ppt/diagrams/colors2.xml><?xml version="1.0" encoding="utf-8"?>
+<file path=ppt/diagrams/colors3.xml><?xml version="1.0" encoding="utf-8"?>
 <dgm:colorsDef xmlns:dgm="http://schemas.openxmlformats.org/drawingml/2006/diagram" xmlns:a="http://schemas.openxmlformats.org/drawingml/2006/main" uniqueId="urn:microsoft.com/office/officeart/2005/8/colors/colorful2">
   <dgm:title val=""/>
   <dgm:desc val=""/>
@@ -1693,7 +2442,7 @@
 </dgm:colorsDef>
 </file>
 
-<file path=ppt/diagrams/colors3.xml><?xml version="1.0" encoding="utf-8"?>
+<file path=ppt/diagrams/colors4.xml><?xml version="1.0" encoding="utf-8"?>
 <dgm:colorsDef xmlns:dgm="http://schemas.openxmlformats.org/drawingml/2006/diagram" xmlns:a="http://schemas.openxmlformats.org/drawingml/2006/main" uniqueId="urn:microsoft.com/office/officeart/2005/8/colors/colorful2">
   <dgm:title val=""/>
   <dgm:desc val=""/>
@@ -2476,6 +3225,393 @@
 </file>
 
 <file path=ppt/diagrams/data1.xml><?xml version="1.0" encoding="utf-8"?>
+<dgm:dataModel xmlns:dgm="http://schemas.openxmlformats.org/drawingml/2006/diagram" xmlns:a="http://schemas.openxmlformats.org/drawingml/2006/main">
+  <dgm:ptLst>
+    <dgm:pt modelId="{60D37D99-CFF9-46C2-9BA8-20198EC56264}" type="doc">
+      <dgm:prSet loTypeId="urn:microsoft.com/office/officeart/2018/2/layout/IconVerticalSolidList" loCatId="icon" qsTypeId="urn:microsoft.com/office/officeart/2005/8/quickstyle/simple1" qsCatId="simple" csTypeId="urn:microsoft.com/office/officeart/2018/5/colors/Iconchunking_neutralicontext_accent2_2" csCatId="accent2" phldr="1"/>
+      <dgm:spPr/>
+      <dgm:t>
+        <a:bodyPr/>
+        <a:lstStyle/>
+        <a:p>
+          <a:endParaRPr lang="en-US"/>
+        </a:p>
+      </dgm:t>
+    </dgm:pt>
+    <dgm:pt modelId="{EF85D8F5-E82A-4655-9770-7E95307F5E6E}">
+      <dgm:prSet/>
+      <dgm:spPr/>
+      <dgm:t>
+        <a:bodyPr/>
+        <a:lstStyle/>
+        <a:p>
+          <a:r>
+            <a:rPr lang="en-GB" dirty="0"/>
+            <a:t>The dataset </a:t>
+          </a:r>
+          <a:r>
+            <a:rPr lang="en-GB" dirty="0" err="1"/>
+            <a:t>splitted</a:t>
+          </a:r>
+          <a:r>
+            <a:rPr lang="en-GB" dirty="0"/>
+            <a:t> into two subsets:</a:t>
+          </a:r>
+          <a:br>
+            <a:rPr lang="en-GB" dirty="0"/>
+          </a:br>
+          <a:r>
+            <a:rPr lang="en-US" dirty="0"/>
+            <a:t>Training Set : Contains employee features and attrition details for model development.</a:t>
+          </a:r>
+        </a:p>
+        <a:p>
+          <a:r>
+            <a:rPr lang="en-US" dirty="0"/>
+            <a:t>Test Set: Used to evaluate the model's performance</a:t>
+          </a:r>
+        </a:p>
+      </dgm:t>
+    </dgm:pt>
+    <dgm:pt modelId="{D50246E9-1522-453C-A50A-37515B69A8A6}" type="parTrans" cxnId="{35888189-BA79-4994-91ED-65AEC25C825E}">
+      <dgm:prSet/>
+      <dgm:spPr/>
+      <dgm:t>
+        <a:bodyPr/>
+        <a:lstStyle/>
+        <a:p>
+          <a:endParaRPr lang="en-US"/>
+        </a:p>
+      </dgm:t>
+    </dgm:pt>
+    <dgm:pt modelId="{655C95AC-CF7C-4812-B56D-1653E21DF175}" type="sibTrans" cxnId="{35888189-BA79-4994-91ED-65AEC25C825E}">
+      <dgm:prSet/>
+      <dgm:spPr/>
+      <dgm:t>
+        <a:bodyPr/>
+        <a:lstStyle/>
+        <a:p>
+          <a:endParaRPr lang="en-US"/>
+        </a:p>
+      </dgm:t>
+    </dgm:pt>
+    <dgm:pt modelId="{FC59D7E9-BD59-45E0-AFCF-F98660D9537D}">
+      <dgm:prSet/>
+      <dgm:spPr/>
+      <dgm:t>
+        <a:bodyPr/>
+        <a:lstStyle/>
+        <a:p>
+          <a:endParaRPr lang="en-US"/>
+        </a:p>
+      </dgm:t>
+    </dgm:pt>
+    <dgm:pt modelId="{D6A9AC13-8977-4608-94F5-968B49A76466}" type="parTrans" cxnId="{6E43ECD5-9F1C-4DDF-A5E9-285926646543}">
+      <dgm:prSet/>
+      <dgm:spPr/>
+      <dgm:t>
+        <a:bodyPr/>
+        <a:lstStyle/>
+        <a:p>
+          <a:endParaRPr lang="en-US"/>
+        </a:p>
+      </dgm:t>
+    </dgm:pt>
+    <dgm:pt modelId="{F9A4CD71-63DD-4559-AD5F-CDEA8E57FE22}" type="sibTrans" cxnId="{6E43ECD5-9F1C-4DDF-A5E9-285926646543}">
+      <dgm:prSet/>
+      <dgm:spPr/>
+      <dgm:t>
+        <a:bodyPr/>
+        <a:lstStyle/>
+        <a:p>
+          <a:endParaRPr lang="en-US"/>
+        </a:p>
+      </dgm:t>
+    </dgm:pt>
+    <dgm:pt modelId="{3F8F9B61-1FA1-4CE3-8257-7566056E1A91}">
+      <dgm:prSet/>
+      <dgm:spPr/>
+      <dgm:t>
+        <a:bodyPr/>
+        <a:lstStyle/>
+        <a:p>
+          <a:r>
+            <a:rPr lang="en-US" dirty="0"/>
+            <a:t>Key features include employee demographic information, performance metrics, and HR-related variables. Preprocessing involves handling missing data, feature scaling, and encoding categorical variables.</a:t>
+          </a:r>
+        </a:p>
+      </dgm:t>
+    </dgm:pt>
+    <dgm:pt modelId="{2C375202-9B36-4138-9011-7322AF8DE028}" type="parTrans" cxnId="{436E2A9F-6168-488F-B26D-D117E226D208}">
+      <dgm:prSet/>
+      <dgm:spPr/>
+      <dgm:t>
+        <a:bodyPr/>
+        <a:lstStyle/>
+        <a:p>
+          <a:endParaRPr lang="en-US"/>
+        </a:p>
+      </dgm:t>
+    </dgm:pt>
+    <dgm:pt modelId="{15F1B0A1-03AA-4542-9B09-DAC95630081D}" type="sibTrans" cxnId="{436E2A9F-6168-488F-B26D-D117E226D208}">
+      <dgm:prSet/>
+      <dgm:spPr/>
+      <dgm:t>
+        <a:bodyPr/>
+        <a:lstStyle/>
+        <a:p>
+          <a:endParaRPr lang="en-US"/>
+        </a:p>
+      </dgm:t>
+    </dgm:pt>
+    <dgm:pt modelId="{EC9518B9-4EFC-4FC1-8C5B-733101B22D49}">
+      <dgm:prSet/>
+      <dgm:spPr/>
+      <dgm:t>
+        <a:bodyPr/>
+        <a:lstStyle/>
+        <a:p>
+          <a:r>
+            <a:rPr lang="en-IN"/>
+            <a:t>Data source: https://www.kaggle.com/datasets/sree1ekha/employee-data</a:t>
+          </a:r>
+          <a:endParaRPr lang="en-US"/>
+        </a:p>
+      </dgm:t>
+    </dgm:pt>
+    <dgm:pt modelId="{F9B7AE49-B596-4F49-A00F-D42A33AB0C3E}" type="parTrans" cxnId="{D5D5E5DB-A8F7-43DE-ACB9-DB20AA9AF0CD}">
+      <dgm:prSet/>
+      <dgm:spPr/>
+      <dgm:t>
+        <a:bodyPr/>
+        <a:lstStyle/>
+        <a:p>
+          <a:endParaRPr lang="en-US"/>
+        </a:p>
+      </dgm:t>
+    </dgm:pt>
+    <dgm:pt modelId="{C02CFD6F-515B-491A-8F64-7634F8417F6F}" type="sibTrans" cxnId="{D5D5E5DB-A8F7-43DE-ACB9-DB20AA9AF0CD}">
+      <dgm:prSet/>
+      <dgm:spPr/>
+      <dgm:t>
+        <a:bodyPr/>
+        <a:lstStyle/>
+        <a:p>
+          <a:endParaRPr lang="en-US"/>
+        </a:p>
+      </dgm:t>
+    </dgm:pt>
+    <dgm:pt modelId="{1F3C9072-E483-493E-BB52-17C694FEF091}" type="pres">
+      <dgm:prSet presAssocID="{60D37D99-CFF9-46C2-9BA8-20198EC56264}" presName="root" presStyleCnt="0">
+        <dgm:presLayoutVars>
+          <dgm:dir/>
+          <dgm:resizeHandles val="exact"/>
+        </dgm:presLayoutVars>
+      </dgm:prSet>
+      <dgm:spPr/>
+    </dgm:pt>
+    <dgm:pt modelId="{31E74BEE-7484-4A24-BA13-1AF2F674EB20}" type="pres">
+      <dgm:prSet presAssocID="{EF85D8F5-E82A-4655-9770-7E95307F5E6E}" presName="compNode" presStyleCnt="0"/>
+      <dgm:spPr/>
+    </dgm:pt>
+    <dgm:pt modelId="{7501D510-2D4C-4981-AB0B-211446C68DD9}" type="pres">
+      <dgm:prSet presAssocID="{EF85D8F5-E82A-4655-9770-7E95307F5E6E}" presName="bgRect" presStyleLbl="bgShp" presStyleIdx="0" presStyleCnt="3"/>
+      <dgm:spPr/>
+    </dgm:pt>
+    <dgm:pt modelId="{D3B6AEFD-E595-4AF5-AF58-D2732BF56CB0}" type="pres">
+      <dgm:prSet presAssocID="{EF85D8F5-E82A-4655-9770-7E95307F5E6E}" presName="iconRect" presStyleLbl="node1" presStyleIdx="0" presStyleCnt="3"/>
+      <dgm:spPr>
+        <a:blipFill>
+          <a:blip xmlns:r="http://schemas.openxmlformats.org/officeDocument/2006/relationships" r:embed="rId1">
+            <a:extLst>
+              <a:ext uri="{28A0092B-C50C-407E-A947-70E740481C1C}">
+                <a14:useLocalDpi xmlns:a14="http://schemas.microsoft.com/office/drawing/2010/main" val="0"/>
+              </a:ext>
+              <a:ext uri="{96DAC541-7B7A-43D3-8B79-37D633B846F1}">
+                <asvg:svgBlip xmlns:asvg="http://schemas.microsoft.com/office/drawing/2016/SVG/main" r:embed="rId2"/>
+              </a:ext>
+            </a:extLst>
+          </a:blip>
+          <a:stretch>
+            <a:fillRect/>
+          </a:stretch>
+        </a:blipFill>
+        <a:ln>
+          <a:noFill/>
+        </a:ln>
+      </dgm:spPr>
+      <dgm:extLst>
+        <a:ext uri="{E40237B7-FDA0-4F09-8148-C483321AD2D9}">
+          <dgm14:cNvPr xmlns:dgm14="http://schemas.microsoft.com/office/drawing/2010/diagram" id="0" name="" descr="Flowchart"/>
+        </a:ext>
+      </dgm:extLst>
+    </dgm:pt>
+    <dgm:pt modelId="{F775732C-15AA-468E-A2BD-05ECEE65583F}" type="pres">
+      <dgm:prSet presAssocID="{EF85D8F5-E82A-4655-9770-7E95307F5E6E}" presName="spaceRect" presStyleCnt="0"/>
+      <dgm:spPr/>
+    </dgm:pt>
+    <dgm:pt modelId="{BA5594DE-5D80-4256-A9E3-6494AB0CB34D}" type="pres">
+      <dgm:prSet presAssocID="{EF85D8F5-E82A-4655-9770-7E95307F5E6E}" presName="parTx" presStyleLbl="revTx" presStyleIdx="0" presStyleCnt="4">
+        <dgm:presLayoutVars>
+          <dgm:chMax val="0"/>
+          <dgm:chPref val="0"/>
+        </dgm:presLayoutVars>
+      </dgm:prSet>
+      <dgm:spPr/>
+    </dgm:pt>
+    <dgm:pt modelId="{F62DB53D-3F3C-4B24-922B-2BD94E7CFC98}" type="pres">
+      <dgm:prSet presAssocID="{EF85D8F5-E82A-4655-9770-7E95307F5E6E}" presName="desTx" presStyleLbl="revTx" presStyleIdx="1" presStyleCnt="4">
+        <dgm:presLayoutVars/>
+      </dgm:prSet>
+      <dgm:spPr/>
+    </dgm:pt>
+    <dgm:pt modelId="{9C92156B-950C-4FCB-A5CE-FAFD10E519DE}" type="pres">
+      <dgm:prSet presAssocID="{655C95AC-CF7C-4812-B56D-1653E21DF175}" presName="sibTrans" presStyleCnt="0"/>
+      <dgm:spPr/>
+    </dgm:pt>
+    <dgm:pt modelId="{0B0F162D-42C6-45CD-ACE0-1F1EF59E5A5C}" type="pres">
+      <dgm:prSet presAssocID="{3F8F9B61-1FA1-4CE3-8257-7566056E1A91}" presName="compNode" presStyleCnt="0"/>
+      <dgm:spPr/>
+    </dgm:pt>
+    <dgm:pt modelId="{6D57B3DA-BB1A-478B-8B33-57B5AA36825D}" type="pres">
+      <dgm:prSet presAssocID="{3F8F9B61-1FA1-4CE3-8257-7566056E1A91}" presName="bgRect" presStyleLbl="bgShp" presStyleIdx="1" presStyleCnt="3"/>
+      <dgm:spPr/>
+    </dgm:pt>
+    <dgm:pt modelId="{90CDD310-40A6-441A-9333-C7BD7FC906BC}" type="pres">
+      <dgm:prSet presAssocID="{3F8F9B61-1FA1-4CE3-8257-7566056E1A91}" presName="iconRect" presStyleLbl="node1" presStyleIdx="1" presStyleCnt="3"/>
+      <dgm:spPr>
+        <a:blipFill>
+          <a:blip xmlns:r="http://schemas.openxmlformats.org/officeDocument/2006/relationships" r:embed="rId3">
+            <a:extLst>
+              <a:ext uri="{28A0092B-C50C-407E-A947-70E740481C1C}">
+                <a14:useLocalDpi xmlns:a14="http://schemas.microsoft.com/office/drawing/2010/main" val="0"/>
+              </a:ext>
+              <a:ext uri="{96DAC541-7B7A-43D3-8B79-37D633B846F1}">
+                <asvg:svgBlip xmlns:asvg="http://schemas.microsoft.com/office/drawing/2016/SVG/main" r:embed="rId4"/>
+              </a:ext>
+            </a:extLst>
+          </a:blip>
+          <a:stretch>
+            <a:fillRect/>
+          </a:stretch>
+        </a:blipFill>
+        <a:ln>
+          <a:noFill/>
+        </a:ln>
+      </dgm:spPr>
+      <dgm:extLst>
+        <a:ext uri="{E40237B7-FDA0-4F09-8148-C483321AD2D9}">
+          <dgm14:cNvPr xmlns:dgm14="http://schemas.microsoft.com/office/drawing/2010/diagram" id="0" name="" descr="CheckList"/>
+        </a:ext>
+      </dgm:extLst>
+    </dgm:pt>
+    <dgm:pt modelId="{97148850-0DA9-4D21-950A-E69F31A87B98}" type="pres">
+      <dgm:prSet presAssocID="{3F8F9B61-1FA1-4CE3-8257-7566056E1A91}" presName="spaceRect" presStyleCnt="0"/>
+      <dgm:spPr/>
+    </dgm:pt>
+    <dgm:pt modelId="{4E706F58-E3E4-4044-9927-AB9C819261FC}" type="pres">
+      <dgm:prSet presAssocID="{3F8F9B61-1FA1-4CE3-8257-7566056E1A91}" presName="parTx" presStyleLbl="revTx" presStyleIdx="2" presStyleCnt="4">
+        <dgm:presLayoutVars>
+          <dgm:chMax val="0"/>
+          <dgm:chPref val="0"/>
+        </dgm:presLayoutVars>
+      </dgm:prSet>
+      <dgm:spPr/>
+    </dgm:pt>
+    <dgm:pt modelId="{31260FB7-0BAB-4570-A959-82B2A9BCAF12}" type="pres">
+      <dgm:prSet presAssocID="{15F1B0A1-03AA-4542-9B09-DAC95630081D}" presName="sibTrans" presStyleCnt="0"/>
+      <dgm:spPr/>
+    </dgm:pt>
+    <dgm:pt modelId="{B44DC388-FC40-4278-A8C6-056F1C8F2375}" type="pres">
+      <dgm:prSet presAssocID="{EC9518B9-4EFC-4FC1-8C5B-733101B22D49}" presName="compNode" presStyleCnt="0"/>
+      <dgm:spPr/>
+    </dgm:pt>
+    <dgm:pt modelId="{F1907746-27B5-4F5E-A006-6F9292466453}" type="pres">
+      <dgm:prSet presAssocID="{EC9518B9-4EFC-4FC1-8C5B-733101B22D49}" presName="bgRect" presStyleLbl="bgShp" presStyleIdx="2" presStyleCnt="3"/>
+      <dgm:spPr/>
+    </dgm:pt>
+    <dgm:pt modelId="{A436F85F-2276-4135-AB23-9E77174CC397}" type="pres">
+      <dgm:prSet presAssocID="{EC9518B9-4EFC-4FC1-8C5B-733101B22D49}" presName="iconRect" presStyleLbl="node1" presStyleIdx="2" presStyleCnt="3"/>
+      <dgm:spPr>
+        <a:blipFill>
+          <a:blip xmlns:r="http://schemas.openxmlformats.org/officeDocument/2006/relationships" r:embed="rId1">
+            <a:extLst>
+              <a:ext uri="{28A0092B-C50C-407E-A947-70E740481C1C}">
+                <a14:useLocalDpi xmlns:a14="http://schemas.microsoft.com/office/drawing/2010/main" val="0"/>
+              </a:ext>
+              <a:ext uri="{96DAC541-7B7A-43D3-8B79-37D633B846F1}">
+                <asvg:svgBlip xmlns:asvg="http://schemas.microsoft.com/office/drawing/2016/SVG/main" r:embed="rId2"/>
+              </a:ext>
+            </a:extLst>
+          </a:blip>
+          <a:stretch>
+            <a:fillRect/>
+          </a:stretch>
+        </a:blipFill>
+        <a:ln>
+          <a:noFill/>
+        </a:ln>
+      </dgm:spPr>
+      <dgm:extLst>
+        <a:ext uri="{E40237B7-FDA0-4F09-8148-C483321AD2D9}">
+          <dgm14:cNvPr xmlns:dgm14="http://schemas.microsoft.com/office/drawing/2010/diagram" id="0" name="" descr="Flowchart"/>
+        </a:ext>
+      </dgm:extLst>
+    </dgm:pt>
+    <dgm:pt modelId="{B592CE9B-82BC-4D47-AEBA-B04E3B38C9E3}" type="pres">
+      <dgm:prSet presAssocID="{EC9518B9-4EFC-4FC1-8C5B-733101B22D49}" presName="spaceRect" presStyleCnt="0"/>
+      <dgm:spPr/>
+    </dgm:pt>
+    <dgm:pt modelId="{C209FD29-8D89-4A18-B0C3-29D696DC6BAA}" type="pres">
+      <dgm:prSet presAssocID="{EC9518B9-4EFC-4FC1-8C5B-733101B22D49}" presName="parTx" presStyleLbl="revTx" presStyleIdx="3" presStyleCnt="4">
+        <dgm:presLayoutVars>
+          <dgm:chMax val="0"/>
+          <dgm:chPref val="0"/>
+        </dgm:presLayoutVars>
+      </dgm:prSet>
+      <dgm:spPr/>
+    </dgm:pt>
+  </dgm:ptLst>
+  <dgm:cxnLst>
+    <dgm:cxn modelId="{51C9CF09-15DB-3343-A320-BEA3AE0ABCF4}" type="presOf" srcId="{EC9518B9-4EFC-4FC1-8C5B-733101B22D49}" destId="{C209FD29-8D89-4A18-B0C3-29D696DC6BAA}" srcOrd="0" destOrd="0" presId="urn:microsoft.com/office/officeart/2018/2/layout/IconVerticalSolidList"/>
+    <dgm:cxn modelId="{01ED9518-13D3-D340-9DFA-447CEB357799}" type="presOf" srcId="{EF85D8F5-E82A-4655-9770-7E95307F5E6E}" destId="{BA5594DE-5D80-4256-A9E3-6494AB0CB34D}" srcOrd="0" destOrd="0" presId="urn:microsoft.com/office/officeart/2018/2/layout/IconVerticalSolidList"/>
+    <dgm:cxn modelId="{35888189-BA79-4994-91ED-65AEC25C825E}" srcId="{60D37D99-CFF9-46C2-9BA8-20198EC56264}" destId="{EF85D8F5-E82A-4655-9770-7E95307F5E6E}" srcOrd="0" destOrd="0" parTransId="{D50246E9-1522-453C-A50A-37515B69A8A6}" sibTransId="{655C95AC-CF7C-4812-B56D-1653E21DF175}"/>
+    <dgm:cxn modelId="{2F11828B-37F7-B542-813C-90FDA6CD7E04}" type="presOf" srcId="{FC59D7E9-BD59-45E0-AFCF-F98660D9537D}" destId="{F62DB53D-3F3C-4B24-922B-2BD94E7CFC98}" srcOrd="0" destOrd="0" presId="urn:microsoft.com/office/officeart/2018/2/layout/IconVerticalSolidList"/>
+    <dgm:cxn modelId="{436E2A9F-6168-488F-B26D-D117E226D208}" srcId="{60D37D99-CFF9-46C2-9BA8-20198EC56264}" destId="{3F8F9B61-1FA1-4CE3-8257-7566056E1A91}" srcOrd="1" destOrd="0" parTransId="{2C375202-9B36-4138-9011-7322AF8DE028}" sibTransId="{15F1B0A1-03AA-4542-9B09-DAC95630081D}"/>
+    <dgm:cxn modelId="{61CEA9CA-0A8E-7B48-AAD1-BF4DAA0F9468}" type="presOf" srcId="{60D37D99-CFF9-46C2-9BA8-20198EC56264}" destId="{1F3C9072-E483-493E-BB52-17C694FEF091}" srcOrd="0" destOrd="0" presId="urn:microsoft.com/office/officeart/2018/2/layout/IconVerticalSolidList"/>
+    <dgm:cxn modelId="{6E43ECD5-9F1C-4DDF-A5E9-285926646543}" srcId="{EF85D8F5-E82A-4655-9770-7E95307F5E6E}" destId="{FC59D7E9-BD59-45E0-AFCF-F98660D9537D}" srcOrd="0" destOrd="0" parTransId="{D6A9AC13-8977-4608-94F5-968B49A76466}" sibTransId="{F9A4CD71-63DD-4559-AD5F-CDEA8E57FE22}"/>
+    <dgm:cxn modelId="{D5D5E5DB-A8F7-43DE-ACB9-DB20AA9AF0CD}" srcId="{60D37D99-CFF9-46C2-9BA8-20198EC56264}" destId="{EC9518B9-4EFC-4FC1-8C5B-733101B22D49}" srcOrd="2" destOrd="0" parTransId="{F9B7AE49-B596-4F49-A00F-D42A33AB0C3E}" sibTransId="{C02CFD6F-515B-491A-8F64-7634F8417F6F}"/>
+    <dgm:cxn modelId="{EE1943F4-F606-D341-81DA-0EBF230B55E5}" type="presOf" srcId="{3F8F9B61-1FA1-4CE3-8257-7566056E1A91}" destId="{4E706F58-E3E4-4044-9927-AB9C819261FC}" srcOrd="0" destOrd="0" presId="urn:microsoft.com/office/officeart/2018/2/layout/IconVerticalSolidList"/>
+    <dgm:cxn modelId="{1D4D2831-8309-7040-B779-0AD4FF455643}" type="presParOf" srcId="{1F3C9072-E483-493E-BB52-17C694FEF091}" destId="{31E74BEE-7484-4A24-BA13-1AF2F674EB20}" srcOrd="0" destOrd="0" presId="urn:microsoft.com/office/officeart/2018/2/layout/IconVerticalSolidList"/>
+    <dgm:cxn modelId="{ECB4DB75-4B5F-1C4C-AF76-AD30C4A5DE3E}" type="presParOf" srcId="{31E74BEE-7484-4A24-BA13-1AF2F674EB20}" destId="{7501D510-2D4C-4981-AB0B-211446C68DD9}" srcOrd="0" destOrd="0" presId="urn:microsoft.com/office/officeart/2018/2/layout/IconVerticalSolidList"/>
+    <dgm:cxn modelId="{C0B57A32-E559-3145-9BE6-AB99D1D0AD17}" type="presParOf" srcId="{31E74BEE-7484-4A24-BA13-1AF2F674EB20}" destId="{D3B6AEFD-E595-4AF5-AF58-D2732BF56CB0}" srcOrd="1" destOrd="0" presId="urn:microsoft.com/office/officeart/2018/2/layout/IconVerticalSolidList"/>
+    <dgm:cxn modelId="{726CAC6C-D727-1746-8FA5-D356DEE3BE51}" type="presParOf" srcId="{31E74BEE-7484-4A24-BA13-1AF2F674EB20}" destId="{F775732C-15AA-468E-A2BD-05ECEE65583F}" srcOrd="2" destOrd="0" presId="urn:microsoft.com/office/officeart/2018/2/layout/IconVerticalSolidList"/>
+    <dgm:cxn modelId="{D381EB68-4DCF-1A44-B335-C1231E5BA56B}" type="presParOf" srcId="{31E74BEE-7484-4A24-BA13-1AF2F674EB20}" destId="{BA5594DE-5D80-4256-A9E3-6494AB0CB34D}" srcOrd="3" destOrd="0" presId="urn:microsoft.com/office/officeart/2018/2/layout/IconVerticalSolidList"/>
+    <dgm:cxn modelId="{927E13C4-551C-084A-9D1B-AAB8912C6B75}" type="presParOf" srcId="{31E74BEE-7484-4A24-BA13-1AF2F674EB20}" destId="{F62DB53D-3F3C-4B24-922B-2BD94E7CFC98}" srcOrd="4" destOrd="0" presId="urn:microsoft.com/office/officeart/2018/2/layout/IconVerticalSolidList"/>
+    <dgm:cxn modelId="{7ADD8F0F-86A6-614F-93DC-82174C73B883}" type="presParOf" srcId="{1F3C9072-E483-493E-BB52-17C694FEF091}" destId="{9C92156B-950C-4FCB-A5CE-FAFD10E519DE}" srcOrd="1" destOrd="0" presId="urn:microsoft.com/office/officeart/2018/2/layout/IconVerticalSolidList"/>
+    <dgm:cxn modelId="{9DA2453A-1297-C448-917A-DADC5CC7D302}" type="presParOf" srcId="{1F3C9072-E483-493E-BB52-17C694FEF091}" destId="{0B0F162D-42C6-45CD-ACE0-1F1EF59E5A5C}" srcOrd="2" destOrd="0" presId="urn:microsoft.com/office/officeart/2018/2/layout/IconVerticalSolidList"/>
+    <dgm:cxn modelId="{EBD93FB7-E193-2A45-873A-8215E94A28A8}" type="presParOf" srcId="{0B0F162D-42C6-45CD-ACE0-1F1EF59E5A5C}" destId="{6D57B3DA-BB1A-478B-8B33-57B5AA36825D}" srcOrd="0" destOrd="0" presId="urn:microsoft.com/office/officeart/2018/2/layout/IconVerticalSolidList"/>
+    <dgm:cxn modelId="{BFD0B67D-D6ED-2246-BB35-CA94476BB181}" type="presParOf" srcId="{0B0F162D-42C6-45CD-ACE0-1F1EF59E5A5C}" destId="{90CDD310-40A6-441A-9333-C7BD7FC906BC}" srcOrd="1" destOrd="0" presId="urn:microsoft.com/office/officeart/2018/2/layout/IconVerticalSolidList"/>
+    <dgm:cxn modelId="{E82773BA-136A-5F4F-A879-2CD5CA5A5D4B}" type="presParOf" srcId="{0B0F162D-42C6-45CD-ACE0-1F1EF59E5A5C}" destId="{97148850-0DA9-4D21-950A-E69F31A87B98}" srcOrd="2" destOrd="0" presId="urn:microsoft.com/office/officeart/2018/2/layout/IconVerticalSolidList"/>
+    <dgm:cxn modelId="{F10EEC41-2D8F-7848-BD56-46D4B625E04F}" type="presParOf" srcId="{0B0F162D-42C6-45CD-ACE0-1F1EF59E5A5C}" destId="{4E706F58-E3E4-4044-9927-AB9C819261FC}" srcOrd="3" destOrd="0" presId="urn:microsoft.com/office/officeart/2018/2/layout/IconVerticalSolidList"/>
+    <dgm:cxn modelId="{137903F4-309D-BC4E-AC3F-CD36FD0E8BC3}" type="presParOf" srcId="{1F3C9072-E483-493E-BB52-17C694FEF091}" destId="{31260FB7-0BAB-4570-A959-82B2A9BCAF12}" srcOrd="3" destOrd="0" presId="urn:microsoft.com/office/officeart/2018/2/layout/IconVerticalSolidList"/>
+    <dgm:cxn modelId="{DF439F9E-F0D2-E44B-81BF-2CA78832F4C9}" type="presParOf" srcId="{1F3C9072-E483-493E-BB52-17C694FEF091}" destId="{B44DC388-FC40-4278-A8C6-056F1C8F2375}" srcOrd="4" destOrd="0" presId="urn:microsoft.com/office/officeart/2018/2/layout/IconVerticalSolidList"/>
+    <dgm:cxn modelId="{3D3BC79A-C65C-AA45-A718-575F61D70CCD}" type="presParOf" srcId="{B44DC388-FC40-4278-A8C6-056F1C8F2375}" destId="{F1907746-27B5-4F5E-A006-6F9292466453}" srcOrd="0" destOrd="0" presId="urn:microsoft.com/office/officeart/2018/2/layout/IconVerticalSolidList"/>
+    <dgm:cxn modelId="{7473B27D-B54F-7F44-B64E-6EFEF62D3E23}" type="presParOf" srcId="{B44DC388-FC40-4278-A8C6-056F1C8F2375}" destId="{A436F85F-2276-4135-AB23-9E77174CC397}" srcOrd="1" destOrd="0" presId="urn:microsoft.com/office/officeart/2018/2/layout/IconVerticalSolidList"/>
+    <dgm:cxn modelId="{A1CFD579-F3C8-7B4B-810A-EFFDBC705806}" type="presParOf" srcId="{B44DC388-FC40-4278-A8C6-056F1C8F2375}" destId="{B592CE9B-82BC-4D47-AEBA-B04E3B38C9E3}" srcOrd="2" destOrd="0" presId="urn:microsoft.com/office/officeart/2018/2/layout/IconVerticalSolidList"/>
+    <dgm:cxn modelId="{18FFF1AC-C8C1-8044-BB0D-254B72FB89C7}" type="presParOf" srcId="{B44DC388-FC40-4278-A8C6-056F1C8F2375}" destId="{C209FD29-8D89-4A18-B0C3-29D696DC6BAA}" srcOrd="3" destOrd="0" presId="urn:microsoft.com/office/officeart/2018/2/layout/IconVerticalSolidList"/>
+  </dgm:cxnLst>
+  <dgm:bg/>
+  <dgm:whole/>
+  <dgm:extLst>
+    <a:ext uri="http://schemas.microsoft.com/office/drawing/2008/diagram">
+      <dsp:dataModelExt xmlns:dsp="http://schemas.microsoft.com/office/drawing/2008/diagram" relId="rId6" minVer="http://schemas.openxmlformats.org/drawingml/2006/diagram"/>
+    </a:ext>
+  </dgm:extLst>
+</dgm:dataModel>
+</file>
+
+<file path=ppt/diagrams/data2.xml><?xml version="1.0" encoding="utf-8"?>
 <dgm:dataModel xmlns:dgm="http://schemas.openxmlformats.org/drawingml/2006/diagram" xmlns:a="http://schemas.openxmlformats.org/drawingml/2006/main">
   <dgm:ptLst>
     <dgm:pt modelId="{BED7FE2B-2E73-4F95-AD2C-1BE75880880B}" type="doc">
@@ -3182,7 +4318,7 @@
 </dgm:dataModel>
 </file>
 
-<file path=ppt/diagrams/data2.xml><?xml version="1.0" encoding="utf-8"?>
+<file path=ppt/diagrams/data3.xml><?xml version="1.0" encoding="utf-8"?>
 <dgm:dataModel xmlns:dgm="http://schemas.openxmlformats.org/drawingml/2006/diagram" xmlns:a="http://schemas.openxmlformats.org/drawingml/2006/main">
   <dgm:ptLst>
     <dgm:pt modelId="{9A387EDD-22C2-4EC0-BEA6-20E074C9D7C1}" type="doc">
@@ -3549,7 +4685,7 @@
 </dgm:dataModel>
 </file>
 
-<file path=ppt/diagrams/data3.xml><?xml version="1.0" encoding="utf-8"?>
+<file path=ppt/diagrams/data4.xml><?xml version="1.0" encoding="utf-8"?>
 <dgm:dataModel xmlns:dgm="http://schemas.openxmlformats.org/drawingml/2006/diagram" xmlns:a="http://schemas.openxmlformats.org/drawingml/2006/main">
   <dgm:ptLst>
     <dgm:pt modelId="{9A387EDD-22C2-4EC0-BEA6-20E074C9D7C1}" type="doc">
@@ -3917,6 +5053,562 @@
 </file>
 
 <file path=ppt/diagrams/drawing1.xml><?xml version="1.0" encoding="utf-8"?>
+<dsp:drawing xmlns:dgm="http://schemas.openxmlformats.org/drawingml/2006/diagram" xmlns:dsp="http://schemas.microsoft.com/office/drawing/2008/diagram" xmlns:a="http://schemas.openxmlformats.org/drawingml/2006/main">
+  <dsp:spTree>
+    <dsp:nvGrpSpPr>
+      <dsp:cNvPr id="0" name=""/>
+      <dsp:cNvGrpSpPr/>
+    </dsp:nvGrpSpPr>
+    <dsp:grpSpPr/>
+    <dsp:sp modelId="{7501D510-2D4C-4981-AB0B-211446C68DD9}">
+      <dsp:nvSpPr>
+        <dsp:cNvPr id="0" name=""/>
+        <dsp:cNvSpPr/>
+      </dsp:nvSpPr>
+      <dsp:spPr>
+        <a:xfrm>
+          <a:off x="0" y="5498"/>
+          <a:ext cx="6263640" cy="1618858"/>
+        </a:xfrm>
+        <a:prstGeom prst="roundRect">
+          <a:avLst>
+            <a:gd name="adj" fmla="val 10000"/>
+          </a:avLst>
+        </a:prstGeom>
+        <a:solidFill>
+          <a:schemeClr val="accent2">
+            <a:hueOff val="0"/>
+            <a:satOff val="0"/>
+            <a:lumOff val="0"/>
+            <a:alphaOff val="0"/>
+          </a:schemeClr>
+        </a:solidFill>
+        <a:ln>
+          <a:noFill/>
+        </a:ln>
+        <a:effectLst/>
+      </dsp:spPr>
+      <dsp:style>
+        <a:lnRef idx="0">
+          <a:scrgbClr r="0" g="0" b="0"/>
+        </a:lnRef>
+        <a:fillRef idx="1">
+          <a:scrgbClr r="0" g="0" b="0"/>
+        </a:fillRef>
+        <a:effectRef idx="0">
+          <a:scrgbClr r="0" g="0" b="0"/>
+        </a:effectRef>
+        <a:fontRef idx="minor"/>
+      </dsp:style>
+    </dsp:sp>
+    <dsp:sp modelId="{D3B6AEFD-E595-4AF5-AF58-D2732BF56CB0}">
+      <dsp:nvSpPr>
+        <dsp:cNvPr id="0" name=""/>
+        <dsp:cNvSpPr/>
+      </dsp:nvSpPr>
+      <dsp:spPr>
+        <a:xfrm>
+          <a:off x="489704" y="369742"/>
+          <a:ext cx="891242" cy="890372"/>
+        </a:xfrm>
+        <a:prstGeom prst="rect">
+          <a:avLst/>
+        </a:prstGeom>
+        <a:blipFill>
+          <a:blip xmlns:r="http://schemas.openxmlformats.org/officeDocument/2006/relationships" r:embed="rId1">
+            <a:extLst>
+              <a:ext uri="{28A0092B-C50C-407E-A947-70E740481C1C}">
+                <a14:useLocalDpi xmlns:a14="http://schemas.microsoft.com/office/drawing/2010/main" val="0"/>
+              </a:ext>
+              <a:ext uri="{96DAC541-7B7A-43D3-8B79-37D633B846F1}">
+                <asvg:svgBlip xmlns:asvg="http://schemas.microsoft.com/office/drawing/2016/SVG/main" r:embed="rId2"/>
+              </a:ext>
+            </a:extLst>
+          </a:blip>
+          <a:stretch>
+            <a:fillRect/>
+          </a:stretch>
+        </a:blipFill>
+        <a:ln w="19050" cap="flat" cmpd="sng" algn="ctr">
+          <a:noFill/>
+          <a:prstDash val="solid"/>
+          <a:miter lim="800000"/>
+        </a:ln>
+        <a:effectLst/>
+      </dsp:spPr>
+      <dsp:style>
+        <a:lnRef idx="2">
+          <a:scrgbClr r="0" g="0" b="0"/>
+        </a:lnRef>
+        <a:fillRef idx="1">
+          <a:scrgbClr r="0" g="0" b="0"/>
+        </a:fillRef>
+        <a:effectRef idx="0">
+          <a:scrgbClr r="0" g="0" b="0"/>
+        </a:effectRef>
+        <a:fontRef idx="minor">
+          <a:schemeClr val="lt1"/>
+        </a:fontRef>
+      </dsp:style>
+    </dsp:sp>
+    <dsp:sp modelId="{BA5594DE-5D80-4256-A9E3-6494AB0CB34D}">
+      <dsp:nvSpPr>
+        <dsp:cNvPr id="0" name=""/>
+        <dsp:cNvSpPr/>
+      </dsp:nvSpPr>
+      <dsp:spPr>
+        <a:xfrm>
+          <a:off x="1870651" y="5498"/>
+          <a:ext cx="2818638" cy="1620440"/>
+        </a:xfrm>
+        <a:prstGeom prst="rect">
+          <a:avLst/>
+        </a:prstGeom>
+        <a:noFill/>
+        <a:ln>
+          <a:noFill/>
+        </a:ln>
+        <a:effectLst/>
+      </dsp:spPr>
+      <dsp:style>
+        <a:lnRef idx="0">
+          <a:scrgbClr r="0" g="0" b="0"/>
+        </a:lnRef>
+        <a:fillRef idx="0">
+          <a:scrgbClr r="0" g="0" b="0"/>
+        </a:fillRef>
+        <a:effectRef idx="0">
+          <a:scrgbClr r="0" g="0" b="0"/>
+        </a:effectRef>
+        <a:fontRef idx="minor"/>
+      </dsp:style>
+      <dsp:txBody>
+        <a:bodyPr spcFirstLastPara="0" vert="horz" wrap="square" lIns="171497" tIns="171497" rIns="171497" bIns="171497" numCol="1" spcCol="1270" anchor="ctr" anchorCtr="0">
+          <a:noAutofit/>
+        </a:bodyPr>
+        <a:lstStyle/>
+        <a:p>
+          <a:pPr marL="0" lvl="0" indent="0" algn="l" defTabSz="622300">
+            <a:lnSpc>
+              <a:spcPct val="90000"/>
+            </a:lnSpc>
+            <a:spcBef>
+              <a:spcPct val="0"/>
+            </a:spcBef>
+            <a:spcAft>
+              <a:spcPct val="35000"/>
+            </a:spcAft>
+            <a:buNone/>
+          </a:pPr>
+          <a:r>
+            <a:rPr lang="en-GB" sz="1400" kern="1200" dirty="0"/>
+            <a:t>The dataset </a:t>
+          </a:r>
+          <a:r>
+            <a:rPr lang="en-GB" sz="1400" kern="1200" dirty="0" err="1"/>
+            <a:t>splitted</a:t>
+          </a:r>
+          <a:r>
+            <a:rPr lang="en-GB" sz="1400" kern="1200" dirty="0"/>
+            <a:t> into two subsets:</a:t>
+          </a:r>
+          <a:br>
+            <a:rPr lang="en-GB" sz="1400" kern="1200" dirty="0"/>
+          </a:br>
+          <a:r>
+            <a:rPr lang="en-US" sz="1400" kern="1200" dirty="0"/>
+            <a:t>Training Set : Contains employee features and attrition details for model development.</a:t>
+          </a:r>
+        </a:p>
+        <a:p>
+          <a:pPr marL="0" lvl="0" indent="0" algn="l" defTabSz="622300">
+            <a:lnSpc>
+              <a:spcPct val="90000"/>
+            </a:lnSpc>
+            <a:spcBef>
+              <a:spcPct val="0"/>
+            </a:spcBef>
+            <a:spcAft>
+              <a:spcPct val="35000"/>
+            </a:spcAft>
+            <a:buNone/>
+          </a:pPr>
+          <a:r>
+            <a:rPr lang="en-US" sz="1400" kern="1200" dirty="0"/>
+            <a:t>Test Set: Used to evaluate the model's performance</a:t>
+          </a:r>
+        </a:p>
+      </dsp:txBody>
+      <dsp:txXfrm>
+        <a:off x="1870651" y="5498"/>
+        <a:ext cx="2818638" cy="1620440"/>
+      </dsp:txXfrm>
+    </dsp:sp>
+    <dsp:sp modelId="{F62DB53D-3F3C-4B24-922B-2BD94E7CFC98}">
+      <dsp:nvSpPr>
+        <dsp:cNvPr id="0" name=""/>
+        <dsp:cNvSpPr/>
+      </dsp:nvSpPr>
+      <dsp:spPr>
+        <a:xfrm>
+          <a:off x="4689289" y="5498"/>
+          <a:ext cx="1299951" cy="1618858"/>
+        </a:xfrm>
+        <a:prstGeom prst="rect">
+          <a:avLst/>
+        </a:prstGeom>
+        <a:noFill/>
+        <a:ln>
+          <a:noFill/>
+        </a:ln>
+        <a:effectLst/>
+      </dsp:spPr>
+      <dsp:style>
+        <a:lnRef idx="0">
+          <a:scrgbClr r="0" g="0" b="0"/>
+        </a:lnRef>
+        <a:fillRef idx="0">
+          <a:scrgbClr r="0" g="0" b="0"/>
+        </a:fillRef>
+        <a:effectRef idx="0">
+          <a:scrgbClr r="0" g="0" b="0"/>
+        </a:effectRef>
+        <a:fontRef idx="minor"/>
+      </dsp:style>
+      <dsp:txBody>
+        <a:bodyPr spcFirstLastPara="0" vert="horz" wrap="square" lIns="171329" tIns="171329" rIns="171329" bIns="171329" numCol="1" spcCol="1270" anchor="ctr" anchorCtr="0">
+          <a:noAutofit/>
+        </a:bodyPr>
+        <a:lstStyle/>
+        <a:p>
+          <a:pPr marL="0" lvl="0" indent="0" algn="l" defTabSz="488950">
+            <a:lnSpc>
+              <a:spcPct val="90000"/>
+            </a:lnSpc>
+            <a:spcBef>
+              <a:spcPct val="0"/>
+            </a:spcBef>
+            <a:spcAft>
+              <a:spcPct val="35000"/>
+            </a:spcAft>
+            <a:buNone/>
+          </a:pPr>
+          <a:endParaRPr lang="en-US" sz="1100" kern="1200"/>
+        </a:p>
+      </dsp:txBody>
+      <dsp:txXfrm>
+        <a:off x="4689289" y="5498"/>
+        <a:ext cx="1299951" cy="1618858"/>
+      </dsp:txXfrm>
+    </dsp:sp>
+    <dsp:sp modelId="{6D57B3DA-BB1A-478B-8B33-57B5AA36825D}">
+      <dsp:nvSpPr>
+        <dsp:cNvPr id="0" name=""/>
+        <dsp:cNvSpPr/>
+      </dsp:nvSpPr>
+      <dsp:spPr>
+        <a:xfrm>
+          <a:off x="0" y="1942123"/>
+          <a:ext cx="6263640" cy="1618858"/>
+        </a:xfrm>
+        <a:prstGeom prst="roundRect">
+          <a:avLst>
+            <a:gd name="adj" fmla="val 10000"/>
+          </a:avLst>
+        </a:prstGeom>
+        <a:solidFill>
+          <a:schemeClr val="accent2">
+            <a:hueOff val="0"/>
+            <a:satOff val="0"/>
+            <a:lumOff val="0"/>
+            <a:alphaOff val="0"/>
+          </a:schemeClr>
+        </a:solidFill>
+        <a:ln>
+          <a:noFill/>
+        </a:ln>
+        <a:effectLst/>
+      </dsp:spPr>
+      <dsp:style>
+        <a:lnRef idx="0">
+          <a:scrgbClr r="0" g="0" b="0"/>
+        </a:lnRef>
+        <a:fillRef idx="1">
+          <a:scrgbClr r="0" g="0" b="0"/>
+        </a:fillRef>
+        <a:effectRef idx="0">
+          <a:scrgbClr r="0" g="0" b="0"/>
+        </a:effectRef>
+        <a:fontRef idx="minor"/>
+      </dsp:style>
+    </dsp:sp>
+    <dsp:sp modelId="{90CDD310-40A6-441A-9333-C7BD7FC906BC}">
+      <dsp:nvSpPr>
+        <dsp:cNvPr id="0" name=""/>
+        <dsp:cNvSpPr/>
+      </dsp:nvSpPr>
+      <dsp:spPr>
+        <a:xfrm>
+          <a:off x="489704" y="2306366"/>
+          <a:ext cx="891242" cy="890372"/>
+        </a:xfrm>
+        <a:prstGeom prst="rect">
+          <a:avLst/>
+        </a:prstGeom>
+        <a:blipFill>
+          <a:blip xmlns:r="http://schemas.openxmlformats.org/officeDocument/2006/relationships" r:embed="rId3">
+            <a:extLst>
+              <a:ext uri="{28A0092B-C50C-407E-A947-70E740481C1C}">
+                <a14:useLocalDpi xmlns:a14="http://schemas.microsoft.com/office/drawing/2010/main" val="0"/>
+              </a:ext>
+              <a:ext uri="{96DAC541-7B7A-43D3-8B79-37D633B846F1}">
+                <asvg:svgBlip xmlns:asvg="http://schemas.microsoft.com/office/drawing/2016/SVG/main" r:embed="rId4"/>
+              </a:ext>
+            </a:extLst>
+          </a:blip>
+          <a:stretch>
+            <a:fillRect/>
+          </a:stretch>
+        </a:blipFill>
+        <a:ln w="19050" cap="flat" cmpd="sng" algn="ctr">
+          <a:noFill/>
+          <a:prstDash val="solid"/>
+          <a:miter lim="800000"/>
+        </a:ln>
+        <a:effectLst/>
+      </dsp:spPr>
+      <dsp:style>
+        <a:lnRef idx="2">
+          <a:scrgbClr r="0" g="0" b="0"/>
+        </a:lnRef>
+        <a:fillRef idx="1">
+          <a:scrgbClr r="0" g="0" b="0"/>
+        </a:fillRef>
+        <a:effectRef idx="0">
+          <a:scrgbClr r="0" g="0" b="0"/>
+        </a:effectRef>
+        <a:fontRef idx="minor">
+          <a:schemeClr val="lt1"/>
+        </a:fontRef>
+      </dsp:style>
+    </dsp:sp>
+    <dsp:sp modelId="{4E706F58-E3E4-4044-9927-AB9C819261FC}">
+      <dsp:nvSpPr>
+        <dsp:cNvPr id="0" name=""/>
+        <dsp:cNvSpPr/>
+      </dsp:nvSpPr>
+      <dsp:spPr>
+        <a:xfrm>
+          <a:off x="1870651" y="1942123"/>
+          <a:ext cx="4118589" cy="1620440"/>
+        </a:xfrm>
+        <a:prstGeom prst="rect">
+          <a:avLst/>
+        </a:prstGeom>
+        <a:noFill/>
+        <a:ln>
+          <a:noFill/>
+        </a:ln>
+        <a:effectLst/>
+      </dsp:spPr>
+      <dsp:style>
+        <a:lnRef idx="0">
+          <a:scrgbClr r="0" g="0" b="0"/>
+        </a:lnRef>
+        <a:fillRef idx="0">
+          <a:scrgbClr r="0" g="0" b="0"/>
+        </a:fillRef>
+        <a:effectRef idx="0">
+          <a:scrgbClr r="0" g="0" b="0"/>
+        </a:effectRef>
+        <a:fontRef idx="minor"/>
+      </dsp:style>
+      <dsp:txBody>
+        <a:bodyPr spcFirstLastPara="0" vert="horz" wrap="square" lIns="171497" tIns="171497" rIns="171497" bIns="171497" numCol="1" spcCol="1270" anchor="ctr" anchorCtr="0">
+          <a:noAutofit/>
+        </a:bodyPr>
+        <a:lstStyle/>
+        <a:p>
+          <a:pPr marL="0" lvl="0" indent="0" algn="l" defTabSz="622300">
+            <a:lnSpc>
+              <a:spcPct val="90000"/>
+            </a:lnSpc>
+            <a:spcBef>
+              <a:spcPct val="0"/>
+            </a:spcBef>
+            <a:spcAft>
+              <a:spcPct val="35000"/>
+            </a:spcAft>
+            <a:buNone/>
+          </a:pPr>
+          <a:r>
+            <a:rPr lang="en-US" sz="1400" kern="1200" dirty="0"/>
+            <a:t>Key features include employee demographic information, performance metrics, and HR-related variables. Preprocessing involves handling missing data, feature scaling, and encoding categorical variables.</a:t>
+          </a:r>
+        </a:p>
+      </dsp:txBody>
+      <dsp:txXfrm>
+        <a:off x="1870651" y="1942123"/>
+        <a:ext cx="4118589" cy="1620440"/>
+      </dsp:txXfrm>
+    </dsp:sp>
+    <dsp:sp modelId="{F1907746-27B5-4F5E-A006-6F9292466453}">
+      <dsp:nvSpPr>
+        <dsp:cNvPr id="0" name=""/>
+        <dsp:cNvSpPr/>
+      </dsp:nvSpPr>
+      <dsp:spPr>
+        <a:xfrm>
+          <a:off x="0" y="3878748"/>
+          <a:ext cx="6263640" cy="1618858"/>
+        </a:xfrm>
+        <a:prstGeom prst="roundRect">
+          <a:avLst>
+            <a:gd name="adj" fmla="val 10000"/>
+          </a:avLst>
+        </a:prstGeom>
+        <a:solidFill>
+          <a:schemeClr val="accent2">
+            <a:hueOff val="0"/>
+            <a:satOff val="0"/>
+            <a:lumOff val="0"/>
+            <a:alphaOff val="0"/>
+          </a:schemeClr>
+        </a:solidFill>
+        <a:ln>
+          <a:noFill/>
+        </a:ln>
+        <a:effectLst/>
+      </dsp:spPr>
+      <dsp:style>
+        <a:lnRef idx="0">
+          <a:scrgbClr r="0" g="0" b="0"/>
+        </a:lnRef>
+        <a:fillRef idx="1">
+          <a:scrgbClr r="0" g="0" b="0"/>
+        </a:fillRef>
+        <a:effectRef idx="0">
+          <a:scrgbClr r="0" g="0" b="0"/>
+        </a:effectRef>
+        <a:fontRef idx="minor"/>
+      </dsp:style>
+    </dsp:sp>
+    <dsp:sp modelId="{A436F85F-2276-4135-AB23-9E77174CC397}">
+      <dsp:nvSpPr>
+        <dsp:cNvPr id="0" name=""/>
+        <dsp:cNvSpPr/>
+      </dsp:nvSpPr>
+      <dsp:spPr>
+        <a:xfrm>
+          <a:off x="489704" y="4242991"/>
+          <a:ext cx="891242" cy="890372"/>
+        </a:xfrm>
+        <a:prstGeom prst="rect">
+          <a:avLst/>
+        </a:prstGeom>
+        <a:blipFill>
+          <a:blip xmlns:r="http://schemas.openxmlformats.org/officeDocument/2006/relationships" r:embed="rId1">
+            <a:extLst>
+              <a:ext uri="{28A0092B-C50C-407E-A947-70E740481C1C}">
+                <a14:useLocalDpi xmlns:a14="http://schemas.microsoft.com/office/drawing/2010/main" val="0"/>
+              </a:ext>
+              <a:ext uri="{96DAC541-7B7A-43D3-8B79-37D633B846F1}">
+                <asvg:svgBlip xmlns:asvg="http://schemas.microsoft.com/office/drawing/2016/SVG/main" r:embed="rId2"/>
+              </a:ext>
+            </a:extLst>
+          </a:blip>
+          <a:stretch>
+            <a:fillRect/>
+          </a:stretch>
+        </a:blipFill>
+        <a:ln w="19050" cap="flat" cmpd="sng" algn="ctr">
+          <a:noFill/>
+          <a:prstDash val="solid"/>
+          <a:miter lim="800000"/>
+        </a:ln>
+        <a:effectLst/>
+      </dsp:spPr>
+      <dsp:style>
+        <a:lnRef idx="2">
+          <a:scrgbClr r="0" g="0" b="0"/>
+        </a:lnRef>
+        <a:fillRef idx="1">
+          <a:scrgbClr r="0" g="0" b="0"/>
+        </a:fillRef>
+        <a:effectRef idx="0">
+          <a:scrgbClr r="0" g="0" b="0"/>
+        </a:effectRef>
+        <a:fontRef idx="minor">
+          <a:schemeClr val="lt1"/>
+        </a:fontRef>
+      </dsp:style>
+    </dsp:sp>
+    <dsp:sp modelId="{C209FD29-8D89-4A18-B0C3-29D696DC6BAA}">
+      <dsp:nvSpPr>
+        <dsp:cNvPr id="0" name=""/>
+        <dsp:cNvSpPr/>
+      </dsp:nvSpPr>
+      <dsp:spPr>
+        <a:xfrm>
+          <a:off x="1870651" y="3878748"/>
+          <a:ext cx="4118589" cy="1620440"/>
+        </a:xfrm>
+        <a:prstGeom prst="rect">
+          <a:avLst/>
+        </a:prstGeom>
+        <a:noFill/>
+        <a:ln>
+          <a:noFill/>
+        </a:ln>
+        <a:effectLst/>
+      </dsp:spPr>
+      <dsp:style>
+        <a:lnRef idx="0">
+          <a:scrgbClr r="0" g="0" b="0"/>
+        </a:lnRef>
+        <a:fillRef idx="0">
+          <a:scrgbClr r="0" g="0" b="0"/>
+        </a:fillRef>
+        <a:effectRef idx="0">
+          <a:scrgbClr r="0" g="0" b="0"/>
+        </a:effectRef>
+        <a:fontRef idx="minor"/>
+      </dsp:style>
+      <dsp:txBody>
+        <a:bodyPr spcFirstLastPara="0" vert="horz" wrap="square" lIns="171497" tIns="171497" rIns="171497" bIns="171497" numCol="1" spcCol="1270" anchor="ctr" anchorCtr="0">
+          <a:noAutofit/>
+        </a:bodyPr>
+        <a:lstStyle/>
+        <a:p>
+          <a:pPr marL="0" lvl="0" indent="0" algn="l" defTabSz="622300">
+            <a:lnSpc>
+              <a:spcPct val="90000"/>
+            </a:lnSpc>
+            <a:spcBef>
+              <a:spcPct val="0"/>
+            </a:spcBef>
+            <a:spcAft>
+              <a:spcPct val="35000"/>
+            </a:spcAft>
+            <a:buNone/>
+          </a:pPr>
+          <a:r>
+            <a:rPr lang="en-IN" sz="1400" kern="1200"/>
+            <a:t>Data source: https://www.kaggle.com/datasets/sree1ekha/employee-data</a:t>
+          </a:r>
+          <a:endParaRPr lang="en-US" sz="1400" kern="1200"/>
+        </a:p>
+      </dsp:txBody>
+      <dsp:txXfrm>
+        <a:off x="1870651" y="3878748"/>
+        <a:ext cx="4118589" cy="1620440"/>
+      </dsp:txXfrm>
+    </dsp:sp>
+  </dsp:spTree>
+</dsp:drawing>
+</file>
+
+<file path=ppt/diagrams/drawing2.xml><?xml version="1.0" encoding="utf-8"?>
 <dsp:drawing xmlns:dgm="http://schemas.openxmlformats.org/drawingml/2006/diagram" xmlns:dsp="http://schemas.microsoft.com/office/drawing/2008/diagram" xmlns:a="http://schemas.openxmlformats.org/drawingml/2006/main">
   <dsp:spTree>
     <dsp:nvGrpSpPr>
@@ -4669,7 +6361,7 @@
 </dsp:drawing>
 </file>
 
-<file path=ppt/diagrams/drawing2.xml><?xml version="1.0" encoding="utf-8"?>
+<file path=ppt/diagrams/drawing3.xml><?xml version="1.0" encoding="utf-8"?>
 <dsp:drawing xmlns:dgm="http://schemas.openxmlformats.org/drawingml/2006/diagram" xmlns:dsp="http://schemas.microsoft.com/office/drawing/2008/diagram" xmlns:a="http://schemas.openxmlformats.org/drawingml/2006/main">
   <dsp:spTree>
     <dsp:nvGrpSpPr>
@@ -5257,7 +6949,7 @@
 </dsp:drawing>
 </file>
 
-<file path=ppt/diagrams/drawing3.xml><?xml version="1.0" encoding="utf-8"?>
+<file path=ppt/diagrams/drawing4.xml><?xml version="1.0" encoding="utf-8"?>
 <dsp:drawing xmlns:dgm="http://schemas.openxmlformats.org/drawingml/2006/diagram" xmlns:dsp="http://schemas.microsoft.com/office/drawing/2008/diagram" xmlns:a="http://schemas.openxmlformats.org/drawingml/2006/main">
   <dsp:spTree>
     <dsp:nvGrpSpPr>
@@ -5846,6 +7538,300 @@
 </file>
 
 <file path=ppt/diagrams/layout1.xml><?xml version="1.0" encoding="utf-8"?>
+<dgm:layoutDef xmlns:dgm="http://schemas.openxmlformats.org/drawingml/2006/diagram" xmlns:a="http://schemas.openxmlformats.org/drawingml/2006/main" uniqueId="urn:microsoft.com/office/officeart/2018/2/layout/IconVerticalSolidList">
+  <dgm:title val="Icon Vertical Solid List"/>
+  <dgm:desc val="Use to show a series of visuals from top to bottom with Level 1 or Level 1 and Level 2 text grouped in a shape. Works best with icons or small pictures with lengthier descriptions."/>
+  <dgm:catLst>
+    <dgm:cat type="icon" pri="500"/>
+  </dgm:catLst>
+  <dgm:sampData useDef="1">
+    <dgm:dataModel>
+      <dgm:ptLst/>
+      <dgm:bg/>
+      <dgm:whole/>
+    </dgm:dataModel>
+  </dgm:sampData>
+  <dgm:styleData useDef="1">
+    <dgm:dataModel>
+      <dgm:ptLst/>
+      <dgm:bg/>
+      <dgm:whole/>
+    </dgm:dataModel>
+  </dgm:styleData>
+  <dgm:clrData useDef="1">
+    <dgm:dataModel>
+      <dgm:ptLst/>
+      <dgm:bg/>
+      <dgm:whole/>
+    </dgm:dataModel>
+  </dgm:clrData>
+  <dgm:layoutNode name="root">
+    <dgm:varLst>
+      <dgm:dir/>
+      <dgm:resizeHandles val="exact"/>
+    </dgm:varLst>
+    <dgm:choose name="Name0">
+      <dgm:if name="Name1" axis="self" func="var" arg="dir" op="equ" val="norm">
+        <dgm:alg type="lin">
+          <dgm:param type="linDir" val="fromT"/>
+          <dgm:param type="nodeHorzAlign" val="l"/>
+        </dgm:alg>
+      </dgm:if>
+      <dgm:else name="Name2">
+        <dgm:alg type="lin">
+          <dgm:param type="linDir" val="fromT"/>
+          <dgm:param type="nodeHorzAlign" val="r"/>
+        </dgm:alg>
+      </dgm:else>
+    </dgm:choose>
+    <dgm:shape xmlns:r="http://schemas.openxmlformats.org/officeDocument/2006/relationships" r:blip="">
+      <dgm:adjLst/>
+    </dgm:shape>
+    <dgm:presOf/>
+    <dgm:choose name="Name3">
+      <dgm:if name="Name4" axis="ch" ptType="node" func="cnt" op="lte" val="3">
+        <dgm:constrLst>
+          <dgm:constr type="h" for="ch" forName="compNode" refType="h" fact="0.3"/>
+          <dgm:constr type="w" for="ch" forName="compNode" refType="w"/>
+          <dgm:constr type="h" for="ch" forName="sibTrans" refType="h" refFor="ch" refForName="compNode" fact="0.25"/>
+          <dgm:constr type="primFontSz" for="des" forName="parTx" val="25"/>
+          <dgm:constr type="primFontSz" for="des" forName="desTx" refType="primFontSz" refFor="des" refForName="parTx" op="lte" fact="0.75"/>
+          <dgm:constr type="h" for="des" forName="compNode" op="equ"/>
+          <dgm:constr type="h" for="des" forName="bgRect" op="equ"/>
+          <dgm:constr type="h" for="des" forName="iconRect" op="equ"/>
+          <dgm:constr type="w" for="des" forName="iconRect" op="equ"/>
+          <dgm:constr type="h" for="des" forName="spaceRect" op="equ"/>
+          <dgm:constr type="h" for="des" forName="parTx" op="equ"/>
+          <dgm:constr type="h" for="des" forName="desTx" op="equ"/>
+        </dgm:constrLst>
+      </dgm:if>
+      <dgm:if name="Name5" axis="ch" ptType="node" func="cnt" op="lte" val="4">
+        <dgm:constrLst>
+          <dgm:constr type="h" for="ch" forName="compNode" refType="h" fact="0.3"/>
+          <dgm:constr type="w" for="ch" forName="compNode" refType="w"/>
+          <dgm:constr type="h" for="ch" forName="sibTrans" refType="h" refFor="ch" refForName="compNode" fact="0.25"/>
+          <dgm:constr type="primFontSz" for="des" forName="parTx" val="22"/>
+          <dgm:constr type="primFontSz" for="des" forName="desTx" refType="primFontSz" refFor="des" refForName="parTx" op="lte" fact="0.75"/>
+          <dgm:constr type="h" for="des" forName="compNode" op="equ"/>
+          <dgm:constr type="h" for="des" forName="bgRect" op="equ"/>
+          <dgm:constr type="h" for="des" forName="iconRect" op="equ"/>
+          <dgm:constr type="w" for="des" forName="iconRect" op="equ"/>
+          <dgm:constr type="h" for="des" forName="spaceRect" op="equ"/>
+          <dgm:constr type="h" for="des" forName="parTx" op="equ"/>
+          <dgm:constr type="h" for="des" forName="desTx" op="equ"/>
+        </dgm:constrLst>
+      </dgm:if>
+      <dgm:if name="Name6" axis="ch" ptType="node" func="cnt" op="lte" val="6">
+        <dgm:constrLst>
+          <dgm:constr type="h" for="ch" forName="compNode" refType="h" fact="0.3"/>
+          <dgm:constr type="w" for="ch" forName="compNode" refType="w"/>
+          <dgm:constr type="h" for="ch" forName="sibTrans" refType="h" refFor="ch" refForName="compNode" fact="0.25"/>
+          <dgm:constr type="primFontSz" for="des" forName="parTx" val="19"/>
+          <dgm:constr type="primFontSz" for="des" forName="desTx" refType="primFontSz" refFor="des" refForName="parTx" op="lte" fact="0.75"/>
+          <dgm:constr type="h" for="des" forName="compNode" op="equ"/>
+          <dgm:constr type="h" for="des" forName="bgRect" op="equ"/>
+          <dgm:constr type="h" for="des" forName="iconRect" op="equ"/>
+          <dgm:constr type="w" for="des" forName="iconRect" op="equ"/>
+          <dgm:constr type="h" for="des" forName="spaceRect" op="equ"/>
+          <dgm:constr type="h" for="des" forName="parTx" op="equ"/>
+          <dgm:constr type="h" for="des" forName="desTx" op="equ"/>
+        </dgm:constrLst>
+      </dgm:if>
+      <dgm:else name="Name7">
+        <dgm:constrLst>
+          <dgm:constr type="h" for="ch" forName="compNode" refType="h" fact="0.3"/>
+          <dgm:constr type="w" for="ch" forName="compNode" refType="w"/>
+          <dgm:constr type="h" for="ch" forName="sibTrans" refType="h" refFor="ch" refForName="compNode" fact="0.25"/>
+          <dgm:constr type="primFontSz" for="des" forName="parTx" val="16"/>
+          <dgm:constr type="primFontSz" for="des" forName="desTx" refType="primFontSz" refFor="des" refForName="parTx" op="lte" fact="0.75"/>
+          <dgm:constr type="h" for="des" forName="compNode" op="equ"/>
+          <dgm:constr type="h" for="des" forName="bgRect" op="equ"/>
+          <dgm:constr type="h" for="des" forName="iconRect" op="equ"/>
+          <dgm:constr type="w" for="des" forName="iconRect" op="equ"/>
+          <dgm:constr type="h" for="des" forName="spaceRect" op="equ"/>
+          <dgm:constr type="h" for="des" forName="parTx" op="equ"/>
+          <dgm:constr type="h" for="des" forName="desTx" op="equ"/>
+        </dgm:constrLst>
+      </dgm:else>
+    </dgm:choose>
+    <dgm:ruleLst>
+      <dgm:rule type="h" for="ch" forName="compNode" val="0" fact="NaN" max="NaN"/>
+    </dgm:ruleLst>
+    <dgm:forEach name="Name8" axis="ch" ptType="node">
+      <dgm:layoutNode name="compNode">
+        <dgm:alg type="composite"/>
+        <dgm:shape xmlns:r="http://schemas.openxmlformats.org/officeDocument/2006/relationships" r:blip="">
+          <dgm:adjLst/>
+        </dgm:shape>
+        <dgm:presOf axis="self"/>
+        <dgm:choose name="Name9">
+          <dgm:if name="Name10" axis="ch" ptType="node" func="cnt" op="gte" val="1">
+            <dgm:constrLst>
+              <dgm:constr type="w" for="ch" forName="bgRect" refType="w"/>
+              <dgm:constr type="h" for="ch" forName="bgRect" refType="h"/>
+              <dgm:constr type="l" for="ch" forName="bgRect"/>
+              <dgm:constr type="t" for="ch" forName="bgRect"/>
+              <dgm:constr type="h" for="ch" forName="iconRect" refType="h" fact="0.55"/>
+              <dgm:constr type="w" for="ch" forName="iconRect" refType="h" refFor="ch" refForName="iconRect"/>
+              <dgm:constr type="l" for="ch" forName="iconRect" refType="h" refFor="ch" refForName="iconRect" fact="0.55"/>
+              <dgm:constr type="ctrY" for="ch" forName="iconRect" refType="ctrY" refFor="ch" refForName="bgRect"/>
+              <dgm:constr type="w" for="ch" forName="spaceRect" refType="l" refFor="ch" refForName="iconRect"/>
+              <dgm:constr type="h" for="ch" forName="spaceRect" refType="h"/>
+              <dgm:constr type="l" for="ch" forName="spaceRect" refType="r" refFor="ch" refForName="iconRect"/>
+              <dgm:constr type="t" for="ch" forName="spaceRect"/>
+              <dgm:constr type="w" for="ch" forName="parTx" refType="w" fact="0.45"/>
+              <dgm:constr type="h" for="ch" forName="parTx" refType="h"/>
+              <dgm:constr type="l" for="ch" forName="parTx" refType="r" refFor="ch" refForName="spaceRect"/>
+              <dgm:constr type="t" for="ch" forName="parTx"/>
+              <dgm:constr type="h" for="ch" forName="desTx" refType="h"/>
+              <dgm:constr type="l" for="ch" forName="desTx" refType="r" refFor="ch" refForName="parTx"/>
+              <dgm:constr type="t" for="ch" forName="desTx"/>
+            </dgm:constrLst>
+          </dgm:if>
+          <dgm:else name="Name11">
+            <dgm:constrLst>
+              <dgm:constr type="w" for="ch" forName="bgRect" refType="w"/>
+              <dgm:constr type="h" for="ch" forName="bgRect" refType="h"/>
+              <dgm:constr type="l" for="ch" forName="bgRect"/>
+              <dgm:constr type="t" for="ch" forName="bgRect"/>
+              <dgm:constr type="h" for="ch" forName="iconRect" refType="h" fact="0.55"/>
+              <dgm:constr type="w" for="ch" forName="iconRect" refType="h" refFor="ch" refForName="iconRect"/>
+              <dgm:constr type="l" for="ch" forName="iconRect" refType="h" refFor="ch" refForName="iconRect" fact="0.55"/>
+              <dgm:constr type="ctrY" for="ch" forName="iconRect" refType="ctrY" refFor="ch" refForName="bgRect"/>
+              <dgm:constr type="w" for="ch" forName="spaceRect" refType="l" refFor="ch" refForName="iconRect"/>
+              <dgm:constr type="h" for="ch" forName="spaceRect" refType="h"/>
+              <dgm:constr type="l" for="ch" forName="spaceRect" refType="r" refFor="ch" refForName="iconRect"/>
+              <dgm:constr type="t" for="ch" forName="spaceRect"/>
+              <dgm:constr type="h" for="ch" forName="parTx" refType="h"/>
+              <dgm:constr type="l" for="ch" forName="parTx" refType="r" refFor="ch" refForName="spaceRect"/>
+              <dgm:constr type="t" for="ch" forName="parTx"/>
+            </dgm:constrLst>
+          </dgm:else>
+        </dgm:choose>
+        <dgm:ruleLst>
+          <dgm:rule type="h" val="INF" fact="NaN" max="NaN"/>
+        </dgm:ruleLst>
+        <dgm:layoutNode name="bgRect" styleLbl="bgShp">
+          <dgm:alg type="sp"/>
+          <dgm:shape xmlns:r="http://schemas.openxmlformats.org/officeDocument/2006/relationships" type="roundRect" r:blip="">
+            <dgm:adjLst>
+              <dgm:adj idx="1" val="0.1"/>
+            </dgm:adjLst>
+          </dgm:shape>
+          <dgm:presOf/>
+          <dgm:constrLst/>
+          <dgm:ruleLst/>
+        </dgm:layoutNode>
+        <dgm:layoutNode name="iconRect" styleLbl="node1">
+          <dgm:alg type="sp"/>
+          <dgm:shape xmlns:r="http://schemas.openxmlformats.org/officeDocument/2006/relationships" type="rect" r:blip="" blipPhldr="1">
+            <dgm:adjLst/>
+          </dgm:shape>
+          <dgm:presOf/>
+          <dgm:constrLst/>
+          <dgm:ruleLst/>
+        </dgm:layoutNode>
+        <dgm:layoutNode name="spaceRect">
+          <dgm:alg type="sp"/>
+          <dgm:shape xmlns:r="http://schemas.openxmlformats.org/officeDocument/2006/relationships" r:blip="">
+            <dgm:adjLst/>
+          </dgm:shape>
+          <dgm:presOf/>
+          <dgm:constrLst/>
+          <dgm:ruleLst/>
+        </dgm:layoutNode>
+        <dgm:layoutNode name="parTx" styleLbl="revTx">
+          <dgm:varLst>
+            <dgm:chMax val="0"/>
+            <dgm:chPref val="0"/>
+          </dgm:varLst>
+          <dgm:alg type="tx">
+            <dgm:param type="txAnchorVert" val="mid"/>
+            <dgm:param type="parTxLTRAlign" val="l"/>
+            <dgm:param type="shpTxLTRAlignCh" val="l"/>
+            <dgm:param type="parTxRTLAlign" val="r"/>
+            <dgm:param type="shpTxRTLAlignCh" val="r"/>
+          </dgm:alg>
+          <dgm:shape xmlns:r="http://schemas.openxmlformats.org/officeDocument/2006/relationships" type="rect" r:blip="">
+            <dgm:adjLst/>
+          </dgm:shape>
+          <dgm:presOf axis="self" ptType="node"/>
+          <dgm:constrLst>
+            <dgm:constr type="lMarg" refType="h" fact="0.3"/>
+            <dgm:constr type="rMarg" refType="h" fact="0.3"/>
+            <dgm:constr type="tMarg" refType="h" fact="0.3"/>
+            <dgm:constr type="bMarg" refType="h" fact="0.3"/>
+          </dgm:constrLst>
+          <dgm:ruleLst>
+            <dgm:rule type="primFontSz" val="14" fact="NaN" max="NaN"/>
+            <dgm:rule type="h" val="INF" fact="NaN" max="NaN"/>
+          </dgm:ruleLst>
+        </dgm:layoutNode>
+        <dgm:choose name="Name12">
+          <dgm:if name="Name13" axis="ch" ptType="node" func="cnt" op="gte" val="1">
+            <dgm:layoutNode name="desTx" styleLbl="revTx">
+              <dgm:varLst/>
+              <dgm:alg type="tx">
+                <dgm:param type="txAnchorVertCh" val="mid"/>
+                <dgm:param type="parTxLTRAlign" val="l"/>
+                <dgm:param type="shpTxLTRAlignCh" val="l"/>
+                <dgm:param type="parTxRTLAlign" val="r"/>
+                <dgm:param type="shpTxRTLAlignCh" val="r"/>
+                <dgm:param type="stBulletLvl" val="0"/>
+              </dgm:alg>
+              <dgm:shape xmlns:r="http://schemas.openxmlformats.org/officeDocument/2006/relationships" type="rect" r:blip="">
+                <dgm:adjLst/>
+              </dgm:shape>
+              <dgm:presOf axis="des" ptType="node"/>
+              <dgm:constrLst>
+                <dgm:constr type="primFontSz" val="18"/>
+                <dgm:constr type="secFontSz" refType="primFontSz"/>
+                <dgm:constr type="lMarg" refType="h" fact="0.3"/>
+                <dgm:constr type="rMarg" refType="h" fact="0.3"/>
+                <dgm:constr type="tMarg" refType="h" fact="0.3"/>
+                <dgm:constr type="bMarg" refType="h" fact="0.3"/>
+              </dgm:constrLst>
+              <dgm:ruleLst>
+                <dgm:rule type="primFontSz" val="11" fact="NaN" max="NaN"/>
+              </dgm:ruleLst>
+            </dgm:layoutNode>
+          </dgm:if>
+          <dgm:else name="Name14"/>
+        </dgm:choose>
+      </dgm:layoutNode>
+      <dgm:forEach name="Name15" axis="followSib" ptType="sibTrans" cnt="1">
+        <dgm:layoutNode name="sibTrans">
+          <dgm:alg type="sp"/>
+          <dgm:shape xmlns:r="http://schemas.openxmlformats.org/officeDocument/2006/relationships" r:blip="">
+            <dgm:adjLst/>
+          </dgm:shape>
+          <dgm:presOf axis="self"/>
+          <dgm:constrLst/>
+          <dgm:ruleLst/>
+        </dgm:layoutNode>
+      </dgm:forEach>
+    </dgm:forEach>
+  </dgm:layoutNode>
+  <dgm:extLst>
+    <a:ext uri="{68A01E43-0DF5-4B5B-8FA6-DAF915123BFB}">
+      <dgm1612:lstStyle xmlns:dgm1612="http://schemas.microsoft.com/office/drawing/2016/12/diagram">
+        <a:lvl1pPr>
+          <a:lnSpc>
+            <a:spcPct val="100000"/>
+          </a:lnSpc>
+        </a:lvl1pPr>
+        <a:lvl2pPr>
+          <a:lnSpc>
+            <a:spcPct val="100000"/>
+          </a:lnSpc>
+        </a:lvl2pPr>
+      </dgm1612:lstStyle>
+    </a:ext>
+  </dgm:extLst>
+</dgm:layoutDef>
+</file>
+
+<file path=ppt/diagrams/layout2.xml><?xml version="1.0" encoding="utf-8"?>
 <dgm:layoutDef xmlns:dgm="http://schemas.openxmlformats.org/drawingml/2006/diagram" xmlns:a="http://schemas.openxmlformats.org/drawingml/2006/main" uniqueId="urn:microsoft.com/office/officeart/2005/8/layout/default">
   <dgm:title val=""/>
   <dgm:desc val=""/>
@@ -5992,7 +7978,7 @@
 </dgm:layoutDef>
 </file>
 
-<file path=ppt/diagrams/layout2.xml><?xml version="1.0" encoding="utf-8"?>
+<file path=ppt/diagrams/layout3.xml><?xml version="1.0" encoding="utf-8"?>
 <dgm:layoutDef xmlns:dgm="http://schemas.openxmlformats.org/drawingml/2006/diagram" xmlns:a="http://schemas.openxmlformats.org/drawingml/2006/main" uniqueId="urn:microsoft.com/office/officeart/2005/8/layout/orgChart1">
   <dgm:title val=""/>
   <dgm:desc val=""/>
@@ -7138,7 +9124,7 @@
 </dgm:layoutDef>
 </file>
 
-<file path=ppt/diagrams/layout3.xml><?xml version="1.0" encoding="utf-8"?>
+<file path=ppt/diagrams/layout4.xml><?xml version="1.0" encoding="utf-8"?>
 <dgm:layoutDef xmlns:dgm="http://schemas.openxmlformats.org/drawingml/2006/diagram" xmlns:a="http://schemas.openxmlformats.org/drawingml/2006/main" uniqueId="urn:microsoft.com/office/officeart/2005/8/layout/orgChart1">
   <dgm:title val=""/>
   <dgm:desc val=""/>
@@ -9319,6 +11305,1040 @@
 </file>
 
 <file path=ppt/diagrams/quickStyle2.xml><?xml version="1.0" encoding="utf-8"?>
+<dgm:styleDef xmlns:dgm="http://schemas.openxmlformats.org/drawingml/2006/diagram" xmlns:a="http://schemas.openxmlformats.org/drawingml/2006/main" uniqueId="urn:microsoft.com/office/officeart/2005/8/quickstyle/simple1">
+  <dgm:title val=""/>
+  <dgm:desc val=""/>
+  <dgm:catLst>
+    <dgm:cat type="simple" pri="10100"/>
+  </dgm:catLst>
+  <dgm:scene3d>
+    <a:camera prst="orthographicFront"/>
+    <a:lightRig rig="threePt" dir="t"/>
+  </dgm:scene3d>
+  <dgm:styleLbl name="node0">
+    <dgm:scene3d>
+      <a:camera prst="orthographicFront"/>
+      <a:lightRig rig="threePt" dir="t"/>
+    </dgm:scene3d>
+    <dgm:sp3d/>
+    <dgm:txPr/>
+    <dgm:style>
+      <a:lnRef idx="2">
+        <a:scrgbClr r="0" g="0" b="0"/>
+      </a:lnRef>
+      <a:fillRef idx="1">
+        <a:scrgbClr r="0" g="0" b="0"/>
+      </a:fillRef>
+      <a:effectRef idx="0">
+        <a:scrgbClr r="0" g="0" b="0"/>
+      </a:effectRef>
+      <a:fontRef idx="minor">
+        <a:schemeClr val="lt1"/>
+      </a:fontRef>
+    </dgm:style>
+  </dgm:styleLbl>
+  <dgm:styleLbl name="lnNode1">
+    <dgm:scene3d>
+      <a:camera prst="orthographicFront"/>
+      <a:lightRig rig="threePt" dir="t"/>
+    </dgm:scene3d>
+    <dgm:sp3d/>
+    <dgm:txPr/>
+    <dgm:style>
+      <a:lnRef idx="2">
+        <a:scrgbClr r="0" g="0" b="0"/>
+      </a:lnRef>
+      <a:fillRef idx="1">
+        <a:scrgbClr r="0" g="0" b="0"/>
+      </a:fillRef>
+      <a:effectRef idx="0">
+        <a:scrgbClr r="0" g="0" b="0"/>
+      </a:effectRef>
+      <a:fontRef idx="minor">
+        <a:schemeClr val="lt1"/>
+      </a:fontRef>
+    </dgm:style>
+  </dgm:styleLbl>
+  <dgm:styleLbl name="vennNode1">
+    <dgm:scene3d>
+      <a:camera prst="orthographicFront"/>
+      <a:lightRig rig="threePt" dir="t"/>
+    </dgm:scene3d>
+    <dgm:sp3d/>
+    <dgm:txPr/>
+    <dgm:style>
+      <a:lnRef idx="2">
+        <a:scrgbClr r="0" g="0" b="0"/>
+      </a:lnRef>
+      <a:fillRef idx="1">
+        <a:scrgbClr r="0" g="0" b="0"/>
+      </a:fillRef>
+      <a:effectRef idx="0">
+        <a:scrgbClr r="0" g="0" b="0"/>
+      </a:effectRef>
+      <a:fontRef idx="minor">
+        <a:schemeClr val="tx1"/>
+      </a:fontRef>
+    </dgm:style>
+  </dgm:styleLbl>
+  <dgm:styleLbl name="alignNode1">
+    <dgm:scene3d>
+      <a:camera prst="orthographicFront"/>
+      <a:lightRig rig="threePt" dir="t"/>
+    </dgm:scene3d>
+    <dgm:sp3d/>
+    <dgm:txPr/>
+    <dgm:style>
+      <a:lnRef idx="2">
+        <a:scrgbClr r="0" g="0" b="0"/>
+      </a:lnRef>
+      <a:fillRef idx="1">
+        <a:scrgbClr r="0" g="0" b="0"/>
+      </a:fillRef>
+      <a:effectRef idx="0">
+        <a:scrgbClr r="0" g="0" b="0"/>
+      </a:effectRef>
+      <a:fontRef idx="minor">
+        <a:schemeClr val="lt1"/>
+      </a:fontRef>
+    </dgm:style>
+  </dgm:styleLbl>
+  <dgm:styleLbl name="node1">
+    <dgm:scene3d>
+      <a:camera prst="orthographicFront"/>
+      <a:lightRig rig="threePt" dir="t"/>
+    </dgm:scene3d>
+    <dgm:sp3d/>
+    <dgm:txPr/>
+    <dgm:style>
+      <a:lnRef idx="2">
+        <a:scrgbClr r="0" g="0" b="0"/>
+      </a:lnRef>
+      <a:fillRef idx="1">
+        <a:scrgbClr r="0" g="0" b="0"/>
+      </a:fillRef>
+      <a:effectRef idx="0">
+        <a:scrgbClr r="0" g="0" b="0"/>
+      </a:effectRef>
+      <a:fontRef idx="minor">
+        <a:schemeClr val="lt1"/>
+      </a:fontRef>
+    </dgm:style>
+  </dgm:styleLbl>
+  <dgm:styleLbl name="node2">
+    <dgm:scene3d>
+      <a:camera prst="orthographicFront"/>
+      <a:lightRig rig="threePt" dir="t"/>
+    </dgm:scene3d>
+    <dgm:sp3d/>
+    <dgm:txPr/>
+    <dgm:style>
+      <a:lnRef idx="2">
+        <a:scrgbClr r="0" g="0" b="0"/>
+      </a:lnRef>
+      <a:fillRef idx="1">
+        <a:scrgbClr r="0" g="0" b="0"/>
+      </a:fillRef>
+      <a:effectRef idx="0">
+        <a:scrgbClr r="0" g="0" b="0"/>
+      </a:effectRef>
+      <a:fontRef idx="minor">
+        <a:schemeClr val="lt1"/>
+      </a:fontRef>
+    </dgm:style>
+  </dgm:styleLbl>
+  <dgm:styleLbl name="node3">
+    <dgm:scene3d>
+      <a:camera prst="orthographicFront"/>
+      <a:lightRig rig="threePt" dir="t"/>
+    </dgm:scene3d>
+    <dgm:sp3d/>
+    <dgm:txPr/>
+    <dgm:style>
+      <a:lnRef idx="2">
+        <a:scrgbClr r="0" g="0" b="0"/>
+      </a:lnRef>
+      <a:fillRef idx="1">
+        <a:scrgbClr r="0" g="0" b="0"/>
+      </a:fillRef>
+      <a:effectRef idx="0">
+        <a:scrgbClr r="0" g="0" b="0"/>
+      </a:effectRef>
+      <a:fontRef idx="minor">
+        <a:schemeClr val="lt1"/>
+      </a:fontRef>
+    </dgm:style>
+  </dgm:styleLbl>
+  <dgm:styleLbl name="node4">
+    <dgm:scene3d>
+      <a:camera prst="orthographicFront"/>
+      <a:lightRig rig="threePt" dir="t"/>
+    </dgm:scene3d>
+    <dgm:sp3d/>
+    <dgm:txPr/>
+    <dgm:style>
+      <a:lnRef idx="2">
+        <a:scrgbClr r="0" g="0" b="0"/>
+      </a:lnRef>
+      <a:fillRef idx="1">
+        <a:scrgbClr r="0" g="0" b="0"/>
+      </a:fillRef>
+      <a:effectRef idx="0">
+        <a:scrgbClr r="0" g="0" b="0"/>
+      </a:effectRef>
+      <a:fontRef idx="minor">
+        <a:schemeClr val="lt1"/>
+      </a:fontRef>
+    </dgm:style>
+  </dgm:styleLbl>
+  <dgm:styleLbl name="fgImgPlace1">
+    <dgm:scene3d>
+      <a:camera prst="orthographicFront"/>
+      <a:lightRig rig="threePt" dir="t"/>
+    </dgm:scene3d>
+    <dgm:sp3d/>
+    <dgm:txPr/>
+    <dgm:style>
+      <a:lnRef idx="2">
+        <a:scrgbClr r="0" g="0" b="0"/>
+      </a:lnRef>
+      <a:fillRef idx="1">
+        <a:scrgbClr r="0" g="0" b="0"/>
+      </a:fillRef>
+      <a:effectRef idx="0">
+        <a:scrgbClr r="0" g="0" b="0"/>
+      </a:effectRef>
+      <a:fontRef idx="minor"/>
+    </dgm:style>
+  </dgm:styleLbl>
+  <dgm:styleLbl name="alignImgPlace1">
+    <dgm:scene3d>
+      <a:camera prst="orthographicFront"/>
+      <a:lightRig rig="threePt" dir="t"/>
+    </dgm:scene3d>
+    <dgm:sp3d/>
+    <dgm:txPr/>
+    <dgm:style>
+      <a:lnRef idx="2">
+        <a:scrgbClr r="0" g="0" b="0"/>
+      </a:lnRef>
+      <a:fillRef idx="1">
+        <a:scrgbClr r="0" g="0" b="0"/>
+      </a:fillRef>
+      <a:effectRef idx="0">
+        <a:scrgbClr r="0" g="0" b="0"/>
+      </a:effectRef>
+      <a:fontRef idx="minor"/>
+    </dgm:style>
+  </dgm:styleLbl>
+  <dgm:styleLbl name="bgImgPlace1">
+    <dgm:scene3d>
+      <a:camera prst="orthographicFront"/>
+      <a:lightRig rig="threePt" dir="t"/>
+    </dgm:scene3d>
+    <dgm:sp3d/>
+    <dgm:txPr/>
+    <dgm:style>
+      <a:lnRef idx="2">
+        <a:scrgbClr r="0" g="0" b="0"/>
+      </a:lnRef>
+      <a:fillRef idx="1">
+        <a:scrgbClr r="0" g="0" b="0"/>
+      </a:fillRef>
+      <a:effectRef idx="0">
+        <a:scrgbClr r="0" g="0" b="0"/>
+      </a:effectRef>
+      <a:fontRef idx="minor"/>
+    </dgm:style>
+  </dgm:styleLbl>
+  <dgm:styleLbl name="sibTrans2D1">
+    <dgm:scene3d>
+      <a:camera prst="orthographicFront"/>
+      <a:lightRig rig="threePt" dir="t"/>
+    </dgm:scene3d>
+    <dgm:sp3d/>
+    <dgm:txPr/>
+    <dgm:style>
+      <a:lnRef idx="0">
+        <a:scrgbClr r="0" g="0" b="0"/>
+      </a:lnRef>
+      <a:fillRef idx="1">
+        <a:scrgbClr r="0" g="0" b="0"/>
+      </a:fillRef>
+      <a:effectRef idx="0">
+        <a:scrgbClr r="0" g="0" b="0"/>
+      </a:effectRef>
+      <a:fontRef idx="minor">
+        <a:schemeClr val="lt1"/>
+      </a:fontRef>
+    </dgm:style>
+  </dgm:styleLbl>
+  <dgm:styleLbl name="fgSibTrans2D1">
+    <dgm:scene3d>
+      <a:camera prst="orthographicFront"/>
+      <a:lightRig rig="threePt" dir="t"/>
+    </dgm:scene3d>
+    <dgm:sp3d/>
+    <dgm:txPr/>
+    <dgm:style>
+      <a:lnRef idx="0">
+        <a:scrgbClr r="0" g="0" b="0"/>
+      </a:lnRef>
+      <a:fillRef idx="1">
+        <a:scrgbClr r="0" g="0" b="0"/>
+      </a:fillRef>
+      <a:effectRef idx="0">
+        <a:scrgbClr r="0" g="0" b="0"/>
+      </a:effectRef>
+      <a:fontRef idx="minor">
+        <a:schemeClr val="lt1"/>
+      </a:fontRef>
+    </dgm:style>
+  </dgm:styleLbl>
+  <dgm:styleLbl name="bgSibTrans2D1">
+    <dgm:scene3d>
+      <a:camera prst="orthographicFront"/>
+      <a:lightRig rig="threePt" dir="t"/>
+    </dgm:scene3d>
+    <dgm:sp3d/>
+    <dgm:txPr/>
+    <dgm:style>
+      <a:lnRef idx="0">
+        <a:scrgbClr r="0" g="0" b="0"/>
+      </a:lnRef>
+      <a:fillRef idx="1">
+        <a:scrgbClr r="0" g="0" b="0"/>
+      </a:fillRef>
+      <a:effectRef idx="0">
+        <a:scrgbClr r="0" g="0" b="0"/>
+      </a:effectRef>
+      <a:fontRef idx="minor">
+        <a:schemeClr val="lt1"/>
+      </a:fontRef>
+    </dgm:style>
+  </dgm:styleLbl>
+  <dgm:styleLbl name="sibTrans1D1">
+    <dgm:scene3d>
+      <a:camera prst="orthographicFront"/>
+      <a:lightRig rig="threePt" dir="t"/>
+    </dgm:scene3d>
+    <dgm:sp3d/>
+    <dgm:txPr/>
+    <dgm:style>
+      <a:lnRef idx="1">
+        <a:scrgbClr r="0" g="0" b="0"/>
+      </a:lnRef>
+      <a:fillRef idx="0">
+        <a:scrgbClr r="0" g="0" b="0"/>
+      </a:fillRef>
+      <a:effectRef idx="0">
+        <a:scrgbClr r="0" g="0" b="0"/>
+      </a:effectRef>
+      <a:fontRef idx="minor"/>
+    </dgm:style>
+  </dgm:styleLbl>
+  <dgm:styleLbl name="callout">
+    <dgm:scene3d>
+      <a:camera prst="orthographicFront"/>
+      <a:lightRig rig="threePt" dir="t"/>
+    </dgm:scene3d>
+    <dgm:sp3d/>
+    <dgm:txPr/>
+    <dgm:style>
+      <a:lnRef idx="2">
+        <a:scrgbClr r="0" g="0" b="0"/>
+      </a:lnRef>
+      <a:fillRef idx="1">
+        <a:scrgbClr r="0" g="0" b="0"/>
+      </a:fillRef>
+      <a:effectRef idx="0">
+        <a:scrgbClr r="0" g="0" b="0"/>
+      </a:effectRef>
+      <a:fontRef idx="minor"/>
+    </dgm:style>
+  </dgm:styleLbl>
+  <dgm:styleLbl name="asst0">
+    <dgm:scene3d>
+      <a:camera prst="orthographicFront"/>
+      <a:lightRig rig="threePt" dir="t"/>
+    </dgm:scene3d>
+    <dgm:sp3d/>
+    <dgm:txPr/>
+    <dgm:style>
+      <a:lnRef idx="2">
+        <a:scrgbClr r="0" g="0" b="0"/>
+      </a:lnRef>
+      <a:fillRef idx="1">
+        <a:scrgbClr r="0" g="0" b="0"/>
+      </a:fillRef>
+      <a:effectRef idx="0">
+        <a:scrgbClr r="0" g="0" b="0"/>
+      </a:effectRef>
+      <a:fontRef idx="minor">
+        <a:schemeClr val="lt1"/>
+      </a:fontRef>
+    </dgm:style>
+  </dgm:styleLbl>
+  <dgm:styleLbl name="asst1">
+    <dgm:scene3d>
+      <a:camera prst="orthographicFront"/>
+      <a:lightRig rig="threePt" dir="t"/>
+    </dgm:scene3d>
+    <dgm:sp3d/>
+    <dgm:txPr/>
+    <dgm:style>
+      <a:lnRef idx="2">
+        <a:scrgbClr r="0" g="0" b="0"/>
+      </a:lnRef>
+      <a:fillRef idx="1">
+        <a:scrgbClr r="0" g="0" b="0"/>
+      </a:fillRef>
+      <a:effectRef idx="0">
+        <a:scrgbClr r="0" g="0" b="0"/>
+      </a:effectRef>
+      <a:fontRef idx="minor">
+        <a:schemeClr val="lt1"/>
+      </a:fontRef>
+    </dgm:style>
+  </dgm:styleLbl>
+  <dgm:styleLbl name="asst2">
+    <dgm:scene3d>
+      <a:camera prst="orthographicFront"/>
+      <a:lightRig rig="threePt" dir="t"/>
+    </dgm:scene3d>
+    <dgm:sp3d/>
+    <dgm:txPr/>
+    <dgm:style>
+      <a:lnRef idx="2">
+        <a:scrgbClr r="0" g="0" b="0"/>
+      </a:lnRef>
+      <a:fillRef idx="1">
+        <a:scrgbClr r="0" g="0" b="0"/>
+      </a:fillRef>
+      <a:effectRef idx="0">
+        <a:scrgbClr r="0" g="0" b="0"/>
+      </a:effectRef>
+      <a:fontRef idx="minor">
+        <a:schemeClr val="lt1"/>
+      </a:fontRef>
+    </dgm:style>
+  </dgm:styleLbl>
+  <dgm:styleLbl name="asst3">
+    <dgm:scene3d>
+      <a:camera prst="orthographicFront"/>
+      <a:lightRig rig="threePt" dir="t"/>
+    </dgm:scene3d>
+    <dgm:sp3d/>
+    <dgm:txPr/>
+    <dgm:style>
+      <a:lnRef idx="2">
+        <a:scrgbClr r="0" g="0" b="0"/>
+      </a:lnRef>
+      <a:fillRef idx="1">
+        <a:scrgbClr r="0" g="0" b="0"/>
+      </a:fillRef>
+      <a:effectRef idx="0">
+        <a:scrgbClr r="0" g="0" b="0"/>
+      </a:effectRef>
+      <a:fontRef idx="minor">
+        <a:schemeClr val="lt1"/>
+      </a:fontRef>
+    </dgm:style>
+  </dgm:styleLbl>
+  <dgm:styleLbl name="asst4">
+    <dgm:scene3d>
+      <a:camera prst="orthographicFront"/>
+      <a:lightRig rig="threePt" dir="t"/>
+    </dgm:scene3d>
+    <dgm:sp3d/>
+    <dgm:txPr/>
+    <dgm:style>
+      <a:lnRef idx="2">
+        <a:scrgbClr r="0" g="0" b="0"/>
+      </a:lnRef>
+      <a:fillRef idx="1">
+        <a:scrgbClr r="0" g="0" b="0"/>
+      </a:fillRef>
+      <a:effectRef idx="0">
+        <a:scrgbClr r="0" g="0" b="0"/>
+      </a:effectRef>
+      <a:fontRef idx="minor">
+        <a:schemeClr val="lt1"/>
+      </a:fontRef>
+    </dgm:style>
+  </dgm:styleLbl>
+  <dgm:styleLbl name="parChTrans2D1">
+    <dgm:scene3d>
+      <a:camera prst="orthographicFront"/>
+      <a:lightRig rig="threePt" dir="t"/>
+    </dgm:scene3d>
+    <dgm:sp3d/>
+    <dgm:txPr/>
+    <dgm:style>
+      <a:lnRef idx="2">
+        <a:scrgbClr r="0" g="0" b="0"/>
+      </a:lnRef>
+      <a:fillRef idx="1">
+        <a:scrgbClr r="0" g="0" b="0"/>
+      </a:fillRef>
+      <a:effectRef idx="0">
+        <a:scrgbClr r="0" g="0" b="0"/>
+      </a:effectRef>
+      <a:fontRef idx="minor">
+        <a:schemeClr val="lt1"/>
+      </a:fontRef>
+    </dgm:style>
+  </dgm:styleLbl>
+  <dgm:styleLbl name="parChTrans2D2">
+    <dgm:scene3d>
+      <a:camera prst="orthographicFront"/>
+      <a:lightRig rig="threePt" dir="t"/>
+    </dgm:scene3d>
+    <dgm:sp3d/>
+    <dgm:txPr/>
+    <dgm:style>
+      <a:lnRef idx="2">
+        <a:scrgbClr r="0" g="0" b="0"/>
+      </a:lnRef>
+      <a:fillRef idx="1">
+        <a:scrgbClr r="0" g="0" b="0"/>
+      </a:fillRef>
+      <a:effectRef idx="0">
+        <a:scrgbClr r="0" g="0" b="0"/>
+      </a:effectRef>
+      <a:fontRef idx="minor">
+        <a:schemeClr val="lt1"/>
+      </a:fontRef>
+    </dgm:style>
+  </dgm:styleLbl>
+  <dgm:styleLbl name="parChTrans2D3">
+    <dgm:scene3d>
+      <a:camera prst="orthographicFront"/>
+      <a:lightRig rig="threePt" dir="t"/>
+    </dgm:scene3d>
+    <dgm:sp3d/>
+    <dgm:txPr/>
+    <dgm:style>
+      <a:lnRef idx="2">
+        <a:scrgbClr r="0" g="0" b="0"/>
+      </a:lnRef>
+      <a:fillRef idx="1">
+        <a:scrgbClr r="0" g="0" b="0"/>
+      </a:fillRef>
+      <a:effectRef idx="0">
+        <a:scrgbClr r="0" g="0" b="0"/>
+      </a:effectRef>
+      <a:fontRef idx="minor">
+        <a:schemeClr val="lt1"/>
+      </a:fontRef>
+    </dgm:style>
+  </dgm:styleLbl>
+  <dgm:styleLbl name="parChTrans2D4">
+    <dgm:scene3d>
+      <a:camera prst="orthographicFront"/>
+      <a:lightRig rig="threePt" dir="t"/>
+    </dgm:scene3d>
+    <dgm:sp3d/>
+    <dgm:txPr/>
+    <dgm:style>
+      <a:lnRef idx="2">
+        <a:scrgbClr r="0" g="0" b="0"/>
+      </a:lnRef>
+      <a:fillRef idx="1">
+        <a:scrgbClr r="0" g="0" b="0"/>
+      </a:fillRef>
+      <a:effectRef idx="0">
+        <a:scrgbClr r="0" g="0" b="0"/>
+      </a:effectRef>
+      <a:fontRef idx="minor">
+        <a:schemeClr val="lt1"/>
+      </a:fontRef>
+    </dgm:style>
+  </dgm:styleLbl>
+  <dgm:styleLbl name="parChTrans1D1">
+    <dgm:scene3d>
+      <a:camera prst="orthographicFront"/>
+      <a:lightRig rig="threePt" dir="t"/>
+    </dgm:scene3d>
+    <dgm:sp3d/>
+    <dgm:txPr/>
+    <dgm:style>
+      <a:lnRef idx="2">
+        <a:scrgbClr r="0" g="0" b="0"/>
+      </a:lnRef>
+      <a:fillRef idx="0">
+        <a:scrgbClr r="0" g="0" b="0"/>
+      </a:fillRef>
+      <a:effectRef idx="0">
+        <a:scrgbClr r="0" g="0" b="0"/>
+      </a:effectRef>
+      <a:fontRef idx="minor"/>
+    </dgm:style>
+  </dgm:styleLbl>
+  <dgm:styleLbl name="parChTrans1D2">
+    <dgm:scene3d>
+      <a:camera prst="orthographicFront"/>
+      <a:lightRig rig="threePt" dir="t"/>
+    </dgm:scene3d>
+    <dgm:sp3d/>
+    <dgm:txPr/>
+    <dgm:style>
+      <a:lnRef idx="2">
+        <a:scrgbClr r="0" g="0" b="0"/>
+      </a:lnRef>
+      <a:fillRef idx="0">
+        <a:scrgbClr r="0" g="0" b="0"/>
+      </a:fillRef>
+      <a:effectRef idx="0">
+        <a:scrgbClr r="0" g="0" b="0"/>
+      </a:effectRef>
+      <a:fontRef idx="minor"/>
+    </dgm:style>
+  </dgm:styleLbl>
+  <dgm:styleLbl name="parChTrans1D3">
+    <dgm:scene3d>
+      <a:camera prst="orthographicFront"/>
+      <a:lightRig rig="threePt" dir="t"/>
+    </dgm:scene3d>
+    <dgm:sp3d/>
+    <dgm:txPr/>
+    <dgm:style>
+      <a:lnRef idx="2">
+        <a:scrgbClr r="0" g="0" b="0"/>
+      </a:lnRef>
+      <a:fillRef idx="0">
+        <a:scrgbClr r="0" g="0" b="0"/>
+      </a:fillRef>
+      <a:effectRef idx="0">
+        <a:scrgbClr r="0" g="0" b="0"/>
+      </a:effectRef>
+      <a:fontRef idx="minor"/>
+    </dgm:style>
+  </dgm:styleLbl>
+  <dgm:styleLbl name="parChTrans1D4">
+    <dgm:scene3d>
+      <a:camera prst="orthographicFront"/>
+      <a:lightRig rig="threePt" dir="t"/>
+    </dgm:scene3d>
+    <dgm:sp3d/>
+    <dgm:txPr/>
+    <dgm:style>
+      <a:lnRef idx="2">
+        <a:scrgbClr r="0" g="0" b="0"/>
+      </a:lnRef>
+      <a:fillRef idx="0">
+        <a:scrgbClr r="0" g="0" b="0"/>
+      </a:fillRef>
+      <a:effectRef idx="0">
+        <a:scrgbClr r="0" g="0" b="0"/>
+      </a:effectRef>
+      <a:fontRef idx="minor"/>
+    </dgm:style>
+  </dgm:styleLbl>
+  <dgm:styleLbl name="fgAcc1">
+    <dgm:scene3d>
+      <a:camera prst="orthographicFront"/>
+      <a:lightRig rig="threePt" dir="t"/>
+    </dgm:scene3d>
+    <dgm:sp3d/>
+    <dgm:txPr/>
+    <dgm:style>
+      <a:lnRef idx="2">
+        <a:scrgbClr r="0" g="0" b="0"/>
+      </a:lnRef>
+      <a:fillRef idx="1">
+        <a:scrgbClr r="0" g="0" b="0"/>
+      </a:fillRef>
+      <a:effectRef idx="0">
+        <a:scrgbClr r="0" g="0" b="0"/>
+      </a:effectRef>
+      <a:fontRef idx="minor"/>
+    </dgm:style>
+  </dgm:styleLbl>
+  <dgm:styleLbl name="conFgAcc1">
+    <dgm:scene3d>
+      <a:camera prst="orthographicFront"/>
+      <a:lightRig rig="threePt" dir="t"/>
+    </dgm:scene3d>
+    <dgm:sp3d/>
+    <dgm:txPr/>
+    <dgm:style>
+      <a:lnRef idx="2">
+        <a:scrgbClr r="0" g="0" b="0"/>
+      </a:lnRef>
+      <a:fillRef idx="1">
+        <a:scrgbClr r="0" g="0" b="0"/>
+      </a:fillRef>
+      <a:effectRef idx="0">
+        <a:scrgbClr r="0" g="0" b="0"/>
+      </a:effectRef>
+      <a:fontRef idx="minor"/>
+    </dgm:style>
+  </dgm:styleLbl>
+  <dgm:styleLbl name="alignAcc1">
+    <dgm:scene3d>
+      <a:camera prst="orthographicFront"/>
+      <a:lightRig rig="threePt" dir="t"/>
+    </dgm:scene3d>
+    <dgm:sp3d/>
+    <dgm:txPr/>
+    <dgm:style>
+      <a:lnRef idx="2">
+        <a:scrgbClr r="0" g="0" b="0"/>
+      </a:lnRef>
+      <a:fillRef idx="1">
+        <a:scrgbClr r="0" g="0" b="0"/>
+      </a:fillRef>
+      <a:effectRef idx="0">
+        <a:scrgbClr r="0" g="0" b="0"/>
+      </a:effectRef>
+      <a:fontRef idx="minor"/>
+    </dgm:style>
+  </dgm:styleLbl>
+  <dgm:styleLbl name="trAlignAcc1">
+    <dgm:scene3d>
+      <a:camera prst="orthographicFront"/>
+      <a:lightRig rig="threePt" dir="t"/>
+    </dgm:scene3d>
+    <dgm:sp3d/>
+    <dgm:txPr/>
+    <dgm:style>
+      <a:lnRef idx="1">
+        <a:scrgbClr r="0" g="0" b="0"/>
+      </a:lnRef>
+      <a:fillRef idx="1">
+        <a:scrgbClr r="0" g="0" b="0"/>
+      </a:fillRef>
+      <a:effectRef idx="0">
+        <a:scrgbClr r="0" g="0" b="0"/>
+      </a:effectRef>
+      <a:fontRef idx="minor"/>
+    </dgm:style>
+  </dgm:styleLbl>
+  <dgm:styleLbl name="bgAcc1">
+    <dgm:scene3d>
+      <a:camera prst="orthographicFront"/>
+      <a:lightRig rig="threePt" dir="t"/>
+    </dgm:scene3d>
+    <dgm:sp3d/>
+    <dgm:txPr/>
+    <dgm:style>
+      <a:lnRef idx="2">
+        <a:scrgbClr r="0" g="0" b="0"/>
+      </a:lnRef>
+      <a:fillRef idx="1">
+        <a:scrgbClr r="0" g="0" b="0"/>
+      </a:fillRef>
+      <a:effectRef idx="0">
+        <a:scrgbClr r="0" g="0" b="0"/>
+      </a:effectRef>
+      <a:fontRef idx="minor"/>
+    </dgm:style>
+  </dgm:styleLbl>
+  <dgm:styleLbl name="solidFgAcc1">
+    <dgm:scene3d>
+      <a:camera prst="orthographicFront"/>
+      <a:lightRig rig="threePt" dir="t"/>
+    </dgm:scene3d>
+    <dgm:sp3d/>
+    <dgm:txPr/>
+    <dgm:style>
+      <a:lnRef idx="2">
+        <a:scrgbClr r="0" g="0" b="0"/>
+      </a:lnRef>
+      <a:fillRef idx="1">
+        <a:scrgbClr r="0" g="0" b="0"/>
+      </a:fillRef>
+      <a:effectRef idx="0">
+        <a:scrgbClr r="0" g="0" b="0"/>
+      </a:effectRef>
+      <a:fontRef idx="minor"/>
+    </dgm:style>
+  </dgm:styleLbl>
+  <dgm:styleLbl name="solidAlignAcc1">
+    <dgm:scene3d>
+      <a:camera prst="orthographicFront"/>
+      <a:lightRig rig="threePt" dir="t"/>
+    </dgm:scene3d>
+    <dgm:sp3d/>
+    <dgm:txPr/>
+    <dgm:style>
+      <a:lnRef idx="2">
+        <a:scrgbClr r="0" g="0" b="0"/>
+      </a:lnRef>
+      <a:fillRef idx="1">
+        <a:scrgbClr r="0" g="0" b="0"/>
+      </a:fillRef>
+      <a:effectRef idx="0">
+        <a:scrgbClr r="0" g="0" b="0"/>
+      </a:effectRef>
+      <a:fontRef idx="minor"/>
+    </dgm:style>
+  </dgm:styleLbl>
+  <dgm:styleLbl name="solidBgAcc1">
+    <dgm:scene3d>
+      <a:camera prst="orthographicFront"/>
+      <a:lightRig rig="threePt" dir="t"/>
+    </dgm:scene3d>
+    <dgm:sp3d/>
+    <dgm:txPr/>
+    <dgm:style>
+      <a:lnRef idx="2">
+        <a:scrgbClr r="0" g="0" b="0"/>
+      </a:lnRef>
+      <a:fillRef idx="1">
+        <a:scrgbClr r="0" g="0" b="0"/>
+      </a:fillRef>
+      <a:effectRef idx="0">
+        <a:scrgbClr r="0" g="0" b="0"/>
+      </a:effectRef>
+      <a:fontRef idx="minor"/>
+    </dgm:style>
+  </dgm:styleLbl>
+  <dgm:styleLbl name="fgAccFollowNode1">
+    <dgm:scene3d>
+      <a:camera prst="orthographicFront"/>
+      <a:lightRig rig="threePt" dir="t"/>
+    </dgm:scene3d>
+    <dgm:sp3d/>
+    <dgm:txPr/>
+    <dgm:style>
+      <a:lnRef idx="2">
+        <a:scrgbClr r="0" g="0" b="0"/>
+      </a:lnRef>
+      <a:fillRef idx="1">
+        <a:scrgbClr r="0" g="0" b="0"/>
+      </a:fillRef>
+      <a:effectRef idx="0">
+        <a:scrgbClr r="0" g="0" b="0"/>
+      </a:effectRef>
+      <a:fontRef idx="minor"/>
+    </dgm:style>
+  </dgm:styleLbl>
+  <dgm:styleLbl name="alignAccFollowNode1">
+    <dgm:scene3d>
+      <a:camera prst="orthographicFront"/>
+      <a:lightRig rig="threePt" dir="t"/>
+    </dgm:scene3d>
+    <dgm:sp3d/>
+    <dgm:txPr/>
+    <dgm:style>
+      <a:lnRef idx="2">
+        <a:scrgbClr r="0" g="0" b="0"/>
+      </a:lnRef>
+      <a:fillRef idx="1">
+        <a:scrgbClr r="0" g="0" b="0"/>
+      </a:fillRef>
+      <a:effectRef idx="0">
+        <a:scrgbClr r="0" g="0" b="0"/>
+      </a:effectRef>
+      <a:fontRef idx="minor"/>
+    </dgm:style>
+  </dgm:styleLbl>
+  <dgm:styleLbl name="bgAccFollowNode1">
+    <dgm:scene3d>
+      <a:camera prst="orthographicFront"/>
+      <a:lightRig rig="threePt" dir="t"/>
+    </dgm:scene3d>
+    <dgm:sp3d/>
+    <dgm:txPr/>
+    <dgm:style>
+      <a:lnRef idx="2">
+        <a:scrgbClr r="0" g="0" b="0"/>
+      </a:lnRef>
+      <a:fillRef idx="1">
+        <a:scrgbClr r="0" g="0" b="0"/>
+      </a:fillRef>
+      <a:effectRef idx="0">
+        <a:scrgbClr r="0" g="0" b="0"/>
+      </a:effectRef>
+      <a:fontRef idx="minor"/>
+    </dgm:style>
+  </dgm:styleLbl>
+  <dgm:styleLbl name="fgAcc0">
+    <dgm:scene3d>
+      <a:camera prst="orthographicFront"/>
+      <a:lightRig rig="threePt" dir="t"/>
+    </dgm:scene3d>
+    <dgm:sp3d/>
+    <dgm:txPr/>
+    <dgm:style>
+      <a:lnRef idx="2">
+        <a:scrgbClr r="0" g="0" b="0"/>
+      </a:lnRef>
+      <a:fillRef idx="1">
+        <a:scrgbClr r="0" g="0" b="0"/>
+      </a:fillRef>
+      <a:effectRef idx="0">
+        <a:scrgbClr r="0" g="0" b="0"/>
+      </a:effectRef>
+      <a:fontRef idx="minor"/>
+    </dgm:style>
+  </dgm:styleLbl>
+  <dgm:styleLbl name="fgAcc2">
+    <dgm:scene3d>
+      <a:camera prst="orthographicFront"/>
+      <a:lightRig rig="threePt" dir="t"/>
+    </dgm:scene3d>
+    <dgm:sp3d/>
+    <dgm:txPr/>
+    <dgm:style>
+      <a:lnRef idx="2">
+        <a:scrgbClr r="0" g="0" b="0"/>
+      </a:lnRef>
+      <a:fillRef idx="1">
+        <a:scrgbClr r="0" g="0" b="0"/>
+      </a:fillRef>
+      <a:effectRef idx="0">
+        <a:scrgbClr r="0" g="0" b="0"/>
+      </a:effectRef>
+      <a:fontRef idx="minor"/>
+    </dgm:style>
+  </dgm:styleLbl>
+  <dgm:styleLbl name="fgAcc3">
+    <dgm:scene3d>
+      <a:camera prst="orthographicFront"/>
+      <a:lightRig rig="threePt" dir="t"/>
+    </dgm:scene3d>
+    <dgm:sp3d/>
+    <dgm:txPr/>
+    <dgm:style>
+      <a:lnRef idx="2">
+        <a:scrgbClr r="0" g="0" b="0"/>
+      </a:lnRef>
+      <a:fillRef idx="1">
+        <a:scrgbClr r="0" g="0" b="0"/>
+      </a:fillRef>
+      <a:effectRef idx="0">
+        <a:scrgbClr r="0" g="0" b="0"/>
+      </a:effectRef>
+      <a:fontRef idx="minor"/>
+    </dgm:style>
+  </dgm:styleLbl>
+  <dgm:styleLbl name="fgAcc4">
+    <dgm:scene3d>
+      <a:camera prst="orthographicFront"/>
+      <a:lightRig rig="threePt" dir="t"/>
+    </dgm:scene3d>
+    <dgm:sp3d/>
+    <dgm:txPr/>
+    <dgm:style>
+      <a:lnRef idx="2">
+        <a:scrgbClr r="0" g="0" b="0"/>
+      </a:lnRef>
+      <a:fillRef idx="1">
+        <a:scrgbClr r="0" g="0" b="0"/>
+      </a:fillRef>
+      <a:effectRef idx="0">
+        <a:scrgbClr r="0" g="0" b="0"/>
+      </a:effectRef>
+      <a:fontRef idx="minor"/>
+    </dgm:style>
+  </dgm:styleLbl>
+  <dgm:styleLbl name="bgShp">
+    <dgm:scene3d>
+      <a:camera prst="orthographicFront"/>
+      <a:lightRig rig="threePt" dir="t"/>
+    </dgm:scene3d>
+    <dgm:sp3d/>
+    <dgm:txPr/>
+    <dgm:style>
+      <a:lnRef idx="0">
+        <a:scrgbClr r="0" g="0" b="0"/>
+      </a:lnRef>
+      <a:fillRef idx="1">
+        <a:scrgbClr r="0" g="0" b="0"/>
+      </a:fillRef>
+      <a:effectRef idx="0">
+        <a:scrgbClr r="0" g="0" b="0"/>
+      </a:effectRef>
+      <a:fontRef idx="minor"/>
+    </dgm:style>
+  </dgm:styleLbl>
+  <dgm:styleLbl name="dkBgShp">
+    <dgm:scene3d>
+      <a:camera prst="orthographicFront"/>
+      <a:lightRig rig="threePt" dir="t"/>
+    </dgm:scene3d>
+    <dgm:sp3d/>
+    <dgm:txPr/>
+    <dgm:style>
+      <a:lnRef idx="0">
+        <a:scrgbClr r="0" g="0" b="0"/>
+      </a:lnRef>
+      <a:fillRef idx="1">
+        <a:scrgbClr r="0" g="0" b="0"/>
+      </a:fillRef>
+      <a:effectRef idx="0">
+        <a:scrgbClr r="0" g="0" b="0"/>
+      </a:effectRef>
+      <a:fontRef idx="minor"/>
+    </dgm:style>
+  </dgm:styleLbl>
+  <dgm:styleLbl name="trBgShp">
+    <dgm:scene3d>
+      <a:camera prst="orthographicFront"/>
+      <a:lightRig rig="threePt" dir="t"/>
+    </dgm:scene3d>
+    <dgm:sp3d/>
+    <dgm:txPr/>
+    <dgm:style>
+      <a:lnRef idx="0">
+        <a:scrgbClr r="0" g="0" b="0"/>
+      </a:lnRef>
+      <a:fillRef idx="1">
+        <a:scrgbClr r="0" g="0" b="0"/>
+      </a:fillRef>
+      <a:effectRef idx="0">
+        <a:scrgbClr r="0" g="0" b="0"/>
+      </a:effectRef>
+      <a:fontRef idx="minor"/>
+    </dgm:style>
+  </dgm:styleLbl>
+  <dgm:styleLbl name="fgShp">
+    <dgm:scene3d>
+      <a:camera prst="orthographicFront"/>
+      <a:lightRig rig="threePt" dir="t"/>
+    </dgm:scene3d>
+    <dgm:sp3d/>
+    <dgm:txPr/>
+    <dgm:style>
+      <a:lnRef idx="2">
+        <a:scrgbClr r="0" g="0" b="0"/>
+      </a:lnRef>
+      <a:fillRef idx="1">
+        <a:scrgbClr r="0" g="0" b="0"/>
+      </a:fillRef>
+      <a:effectRef idx="0">
+        <a:scrgbClr r="0" g="0" b="0"/>
+      </a:effectRef>
+      <a:fontRef idx="minor"/>
+    </dgm:style>
+  </dgm:styleLbl>
+  <dgm:styleLbl name="revTx">
+    <dgm:scene3d>
+      <a:camera prst="orthographicFront"/>
+      <a:lightRig rig="threePt" dir="t"/>
+    </dgm:scene3d>
+    <dgm:sp3d/>
+    <dgm:txPr/>
+    <dgm:style>
+      <a:lnRef idx="0">
+        <a:scrgbClr r="0" g="0" b="0"/>
+      </a:lnRef>
+      <a:fillRef idx="0">
+        <a:scrgbClr r="0" g="0" b="0"/>
+      </a:fillRef>
+      <a:effectRef idx="0">
+        <a:scrgbClr r="0" g="0" b="0"/>
+      </a:effectRef>
+      <a:fontRef idx="minor"/>
+    </dgm:style>
+  </dgm:styleLbl>
+</dgm:styleDef>
+</file>
+
+<file path=ppt/diagrams/quickStyle3.xml><?xml version="1.0" encoding="utf-8"?>
 <dgm:styleDef xmlns:dgm="http://schemas.openxmlformats.org/drawingml/2006/diagram" xmlns:a="http://schemas.openxmlformats.org/drawingml/2006/main" uniqueId="urn:microsoft.com/office/officeart/2005/8/quickstyle/simple4">
   <dgm:title val=""/>
   <dgm:desc val=""/>
@@ -10352,7 +13372,7 @@
 </dgm:styleDef>
 </file>
 
-<file path=ppt/diagrams/quickStyle3.xml><?xml version="1.0" encoding="utf-8"?>
+<file path=ppt/diagrams/quickStyle4.xml><?xml version="1.0" encoding="utf-8"?>
 <dgm:styleDef xmlns:dgm="http://schemas.openxmlformats.org/drawingml/2006/diagram" xmlns:a="http://schemas.openxmlformats.org/drawingml/2006/main" uniqueId="urn:microsoft.com/office/officeart/2005/8/quickstyle/simple4">
   <dgm:title val=""/>
   <dgm:desc val=""/>
@@ -11800,90 +14820,6 @@
           <a:p>
             <a:fld id="{D9DC0902-B928-4F0F-BBCD-04DEB66ED9A2}" type="slidenum">
               <a:rPr lang="en-US" smtClean="0"/>
-              <a:t>3</a:t>
-            </a:fld>
-            <a:endParaRPr lang="en-US"/>
-          </a:p>
-        </p:txBody>
-      </p:sp>
-    </p:spTree>
-    <p:extLst>
-      <p:ext uri="{BB962C8B-B14F-4D97-AF65-F5344CB8AC3E}">
-        <p14:creationId xmlns:p14="http://schemas.microsoft.com/office/powerpoint/2010/main" val="4148062861"/>
-      </p:ext>
-    </p:extLst>
-  </p:cSld>
-  <p:clrMapOvr>
-    <a:masterClrMapping/>
-  </p:clrMapOvr>
-</p:notes>
-</file>
-
-<file path=ppt/notesSlides/notesSlide2.xml><?xml version="1.0" encoding="utf-8"?>
-<p:notes xmlns:a="http://schemas.openxmlformats.org/drawingml/2006/main" xmlns:r="http://schemas.openxmlformats.org/officeDocument/2006/relationships" xmlns:p="http://schemas.openxmlformats.org/presentationml/2006/main">
-  <p:cSld>
-    <p:spTree>
-      <p:nvGrpSpPr>
-        <p:cNvPr id="1" name=""/>
-        <p:cNvGrpSpPr/>
-        <p:nvPr/>
-      </p:nvGrpSpPr>
-      <p:grpSpPr>
-        <a:xfrm>
-          <a:off x="0" y="0"/>
-          <a:ext cx="0" cy="0"/>
-          <a:chOff x="0" y="0"/>
-          <a:chExt cx="0" cy="0"/>
-        </a:xfrm>
-      </p:grpSpPr>
-      <p:sp>
-        <p:nvSpPr>
-          <p:cNvPr id="2" name="Slide Image Placeholder 1"/>
-          <p:cNvSpPr>
-            <a:spLocks noGrp="1" noRot="1" noChangeAspect="1"/>
-          </p:cNvSpPr>
-          <p:nvPr>
-            <p:ph type="sldImg"/>
-          </p:nvPr>
-        </p:nvSpPr>
-        <p:spPr/>
-      </p:sp>
-      <p:sp>
-        <p:nvSpPr>
-          <p:cNvPr id="3" name="Notes Placeholder 2"/>
-          <p:cNvSpPr>
-            <a:spLocks noGrp="1"/>
-          </p:cNvSpPr>
-          <p:nvPr>
-            <p:ph type="body" idx="1"/>
-          </p:nvPr>
-        </p:nvSpPr>
-        <p:spPr/>
-        <p:txBody>
-          <a:bodyPr/>
-          <a:lstStyle/>
-          <a:p>
-            <a:endParaRPr lang="en-US" dirty="0"/>
-          </a:p>
-        </p:txBody>
-      </p:sp>
-      <p:sp>
-        <p:nvSpPr>
-          <p:cNvPr id="4" name="Slide Number Placeholder 3"/>
-          <p:cNvSpPr>
-            <a:spLocks noGrp="1"/>
-          </p:cNvSpPr>
-          <p:nvPr>
-            <p:ph type="sldNum" sz="quarter" idx="5"/>
-          </p:nvPr>
-        </p:nvSpPr>
-        <p:spPr/>
-        <p:txBody>
-          <a:bodyPr/>
-          <a:lstStyle/>
-          <a:p>
-            <a:fld id="{D9DC0902-B928-4F0F-BBCD-04DEB66ED9A2}" type="slidenum">
-              <a:rPr lang="en-US" smtClean="0"/>
               <a:t>8</a:t>
             </a:fld>
             <a:endParaRPr lang="en-US"/>
@@ -11903,7 +14839,7 @@
 </p:notes>
 </file>
 
-<file path=ppt/notesSlides/notesSlide3.xml><?xml version="1.0" encoding="utf-8"?>
+<file path=ppt/notesSlides/notesSlide2.xml><?xml version="1.0" encoding="utf-8"?>
 <p:notes xmlns:a="http://schemas.openxmlformats.org/drawingml/2006/main" xmlns:r="http://schemas.openxmlformats.org/officeDocument/2006/relationships" xmlns:p="http://schemas.openxmlformats.org/presentationml/2006/main">
   <p:cSld>
     <p:spTree>
@@ -22573,10 +25509,10 @@
       </p:grpSpPr>
       <p:sp useBgFill="1">
         <p:nvSpPr>
-          <p:cNvPr id="16" name="Rectangle 15">
+          <p:cNvPr id="36" name="Rectangle 35">
             <a:extLst>
               <a:ext uri="{FF2B5EF4-FFF2-40B4-BE49-F238E27FC236}">
-                <a16:creationId xmlns:a16="http://schemas.microsoft.com/office/drawing/2014/main" id="{C4879EFC-8E62-4E00-973C-C45EE9EC676D}"/>
+                <a16:creationId xmlns:a16="http://schemas.microsoft.com/office/drawing/2014/main" id="{DCC231C8-C761-4B31-9B1C-C6D19248C6B3}"/>
               </a:ext>
               <a:ext uri="{C183D7F6-B498-43B3-948B-1728B52AA6E4}">
                 <adec:decorative xmlns:adec="http://schemas.microsoft.com/office/drawing/2017/decorative" val="1"/>
@@ -22596,7 +25532,7 @@
         </p:nvSpPr>
         <p:spPr>
           <a:xfrm>
-            <a:off x="0" y="0"/>
+            <a:off x="-1" y="0"/>
             <a:ext cx="12188952" cy="6858000"/>
           </a:xfrm>
           <a:prstGeom prst="rect">
@@ -22633,10 +25569,10 @@
       </p:sp>
       <p:sp>
         <p:nvSpPr>
-          <p:cNvPr id="2" name="Title 1">
+          <p:cNvPr id="8" name="Title 7">
             <a:extLst>
               <a:ext uri="{FF2B5EF4-FFF2-40B4-BE49-F238E27FC236}">
-                <a16:creationId xmlns:a16="http://schemas.microsoft.com/office/drawing/2014/main" id="{6A93A010-1ABF-AC8D-6FBF-9FB0DEAF6792}"/>
+                <a16:creationId xmlns:a16="http://schemas.microsoft.com/office/drawing/2014/main" id="{2D62B7CA-2E81-3E7A-4178-D85ECE58B860}"/>
               </a:ext>
             </a:extLst>
           </p:cNvPr>
@@ -22649,8 +25585,8 @@
         </p:nvSpPr>
         <p:spPr>
           <a:xfrm>
-            <a:off x="638881" y="457200"/>
-            <a:ext cx="10909640" cy="1368614"/>
+            <a:off x="838200" y="557189"/>
+            <a:ext cx="3374136" cy="5567891"/>
           </a:xfrm>
         </p:spPr>
         <p:txBody>
@@ -22659,363 +25595,170 @@
           </a:bodyPr>
           <a:lstStyle/>
           <a:p>
-            <a:pPr algn="ctr"/>
             <a:r>
-              <a:rPr lang="en-US" sz="6600" b="1"/>
-              <a:t>Know the Data</a:t>
+              <a:rPr lang="en-US" sz="5200" b="1" kern="1200" spc="-50">
+                <a:solidFill>
+                  <a:schemeClr val="tx1"/>
+                </a:solidFill>
+                <a:latin typeface="+mj-lt"/>
+                <a:ea typeface="+mj-ea"/>
+                <a:cs typeface="+mj-cs"/>
+              </a:rPr>
+              <a:t>Data Collection and Preparation</a:t>
+            </a:r>
+            <a:endParaRPr lang="en-US" sz="5200" kern="1200" spc="-50">
+              <a:solidFill>
+                <a:schemeClr val="tx1"/>
+              </a:solidFill>
+              <a:latin typeface="+mj-lt"/>
+              <a:ea typeface="+mj-ea"/>
+              <a:cs typeface="+mj-cs"/>
+            </a:endParaRPr>
+          </a:p>
+        </p:txBody>
+      </p:sp>
+      <p:sp>
+        <p:nvSpPr>
+          <p:cNvPr id="6" name="Footer Placeholder 5">
+            <a:extLst>
+              <a:ext uri="{FF2B5EF4-FFF2-40B4-BE49-F238E27FC236}">
+                <a16:creationId xmlns:a16="http://schemas.microsoft.com/office/drawing/2014/main" id="{209F87E3-EF85-5975-5843-8C317E72C3E7}"/>
+              </a:ext>
+            </a:extLst>
+          </p:cNvPr>
+          <p:cNvSpPr>
+            <a:spLocks noGrp="1"/>
+          </p:cNvSpPr>
+          <p:nvPr>
+            <p:ph type="ftr" sz="quarter" idx="11"/>
+          </p:nvPr>
+        </p:nvSpPr>
+        <p:spPr>
+          <a:xfrm>
+            <a:off x="4038600" y="6356350"/>
+            <a:ext cx="4114800" cy="365125"/>
+          </a:xfrm>
+        </p:spPr>
+        <p:txBody>
+          <a:bodyPr vert="horz" lIns="91440" tIns="45720" rIns="91440" bIns="45720" rtlCol="0" anchor="ctr">
+            <a:normAutofit/>
+          </a:bodyPr>
+          <a:lstStyle/>
+          <a:p>
+            <a:pPr>
+              <a:spcAft>
+                <a:spcPts val="600"/>
+              </a:spcAft>
+            </a:pPr>
+            <a:r>
+              <a:rPr lang="en-US" kern="1200" cap="all">
+                <a:solidFill>
+                  <a:schemeClr val="tx1">
+                    <a:tint val="75000"/>
+                  </a:schemeClr>
+                </a:solidFill>
+                <a:latin typeface="+mn-lt"/>
+                <a:ea typeface="+mn-ea"/>
+                <a:cs typeface="+mn-cs"/>
+              </a:rPr>
+              <a:t>DA 204o: Data Science in Practice</a:t>
             </a:r>
           </a:p>
         </p:txBody>
       </p:sp>
       <p:sp>
         <p:nvSpPr>
-          <p:cNvPr id="18" name="sketch line">
+          <p:cNvPr id="7" name="Slide Number Placeholder 6">
             <a:extLst>
               <a:ext uri="{FF2B5EF4-FFF2-40B4-BE49-F238E27FC236}">
-                <a16:creationId xmlns:a16="http://schemas.microsoft.com/office/drawing/2014/main" id="{D6A9C53F-5F90-40A5-8C85-5412D39C8C68}"/>
-              </a:ext>
-              <a:ext uri="{C183D7F6-B498-43B3-948B-1728B52AA6E4}">
-                <adec:decorative xmlns:adec="http://schemas.microsoft.com/office/drawing/2017/decorative" val="1"/>
+                <a16:creationId xmlns:a16="http://schemas.microsoft.com/office/drawing/2014/main" id="{F3833D9B-569A-42CE-E61E-A2EF51AAA919}"/>
               </a:ext>
             </a:extLst>
           </p:cNvPr>
           <p:cNvSpPr>
-            <a:spLocks noGrp="1" noRot="1" noChangeAspect="1" noMove="1" noResize="1" noEditPoints="1" noAdjustHandles="1" noChangeArrowheads="1" noChangeShapeType="1" noTextEdit="1"/>
+            <a:spLocks noGrp="1"/>
           </p:cNvSpPr>
           <p:nvPr>
-            <p:extLst>
-              <p:ext uri="{386F3935-93C4-4BCD-93E2-E3B085C9AB24}">
-                <p16:designElem xmlns:p16="http://schemas.microsoft.com/office/powerpoint/2015/main" val="1"/>
-              </p:ext>
-            </p:extLst>
+            <p:ph type="sldNum" sz="quarter" idx="12"/>
           </p:nvPr>
         </p:nvSpPr>
         <p:spPr>
           <a:xfrm>
-            <a:off x="4450080" y="1850683"/>
-            <a:ext cx="3291840" cy="18288"/>
+            <a:off x="8610600" y="6356350"/>
+            <a:ext cx="2743200" cy="365125"/>
           </a:xfrm>
-          <a:custGeom>
-            <a:avLst/>
-            <a:gdLst>
-              <a:gd name="connsiteX0" fmla="*/ 0 w 3291840"/>
-              <a:gd name="connsiteY0" fmla="*/ 0 h 18288"/>
-              <a:gd name="connsiteX1" fmla="*/ 658368 w 3291840"/>
-              <a:gd name="connsiteY1" fmla="*/ 0 h 18288"/>
-              <a:gd name="connsiteX2" fmla="*/ 1283818 w 3291840"/>
-              <a:gd name="connsiteY2" fmla="*/ 0 h 18288"/>
-              <a:gd name="connsiteX3" fmla="*/ 1909267 w 3291840"/>
-              <a:gd name="connsiteY3" fmla="*/ 0 h 18288"/>
-              <a:gd name="connsiteX4" fmla="*/ 2633472 w 3291840"/>
-              <a:gd name="connsiteY4" fmla="*/ 0 h 18288"/>
-              <a:gd name="connsiteX5" fmla="*/ 3291840 w 3291840"/>
-              <a:gd name="connsiteY5" fmla="*/ 0 h 18288"/>
-              <a:gd name="connsiteX6" fmla="*/ 3291840 w 3291840"/>
-              <a:gd name="connsiteY6" fmla="*/ 18288 h 18288"/>
-              <a:gd name="connsiteX7" fmla="*/ 2633472 w 3291840"/>
-              <a:gd name="connsiteY7" fmla="*/ 18288 h 18288"/>
-              <a:gd name="connsiteX8" fmla="*/ 2073859 w 3291840"/>
-              <a:gd name="connsiteY8" fmla="*/ 18288 h 18288"/>
-              <a:gd name="connsiteX9" fmla="*/ 1448410 w 3291840"/>
-              <a:gd name="connsiteY9" fmla="*/ 18288 h 18288"/>
-              <a:gd name="connsiteX10" fmla="*/ 822960 w 3291840"/>
-              <a:gd name="connsiteY10" fmla="*/ 18288 h 18288"/>
-              <a:gd name="connsiteX11" fmla="*/ 0 w 3291840"/>
-              <a:gd name="connsiteY11" fmla="*/ 18288 h 18288"/>
-              <a:gd name="connsiteX12" fmla="*/ 0 w 3291840"/>
-              <a:gd name="connsiteY12" fmla="*/ 0 h 18288"/>
-            </a:gdLst>
-            <a:ahLst/>
-            <a:cxnLst>
-              <a:cxn ang="0">
-                <a:pos x="connsiteX0" y="connsiteY0"/>
-              </a:cxn>
-              <a:cxn ang="0">
-                <a:pos x="connsiteX1" y="connsiteY1"/>
-              </a:cxn>
-              <a:cxn ang="0">
-                <a:pos x="connsiteX2" y="connsiteY2"/>
-              </a:cxn>
-              <a:cxn ang="0">
-                <a:pos x="connsiteX3" y="connsiteY3"/>
-              </a:cxn>
-              <a:cxn ang="0">
-                <a:pos x="connsiteX4" y="connsiteY4"/>
-              </a:cxn>
-              <a:cxn ang="0">
-                <a:pos x="connsiteX5" y="connsiteY5"/>
-              </a:cxn>
-              <a:cxn ang="0">
-                <a:pos x="connsiteX6" y="connsiteY6"/>
-              </a:cxn>
-              <a:cxn ang="0">
-                <a:pos x="connsiteX7" y="connsiteY7"/>
-              </a:cxn>
-              <a:cxn ang="0">
-                <a:pos x="connsiteX8" y="connsiteY8"/>
-              </a:cxn>
-              <a:cxn ang="0">
-                <a:pos x="connsiteX9" y="connsiteY9"/>
-              </a:cxn>
-              <a:cxn ang="0">
-                <a:pos x="connsiteX10" y="connsiteY10"/>
-              </a:cxn>
-              <a:cxn ang="0">
-                <a:pos x="connsiteX11" y="connsiteY11"/>
-              </a:cxn>
-              <a:cxn ang="0">
-                <a:pos x="connsiteX12" y="connsiteY12"/>
-              </a:cxn>
-            </a:cxnLst>
-            <a:rect l="l" t="t" r="r" b="b"/>
-            <a:pathLst>
-              <a:path w="3291840" h="18288" fill="none" extrusionOk="0">
-                <a:moveTo>
-                  <a:pt x="0" y="0"/>
-                </a:moveTo>
-                <a:cubicBezTo>
-                  <a:pt x="173077" y="-20031"/>
-                  <a:pt x="443104" y="6424"/>
-                  <a:pt x="658368" y="0"/>
-                </a:cubicBezTo>
-                <a:cubicBezTo>
-                  <a:pt x="873632" y="-6424"/>
-                  <a:pt x="1034028" y="11764"/>
-                  <a:pt x="1283818" y="0"/>
-                </a:cubicBezTo>
-                <a:cubicBezTo>
-                  <a:pt x="1533608" y="-11764"/>
-                  <a:pt x="1691227" y="-30112"/>
-                  <a:pt x="1909267" y="0"/>
-                </a:cubicBezTo>
-                <a:cubicBezTo>
-                  <a:pt x="2127307" y="30112"/>
-                  <a:pt x="2272465" y="-18735"/>
-                  <a:pt x="2633472" y="0"/>
-                </a:cubicBezTo>
-                <a:cubicBezTo>
-                  <a:pt x="2994479" y="18735"/>
-                  <a:pt x="3023324" y="-32030"/>
-                  <a:pt x="3291840" y="0"/>
-                </a:cubicBezTo>
-                <a:cubicBezTo>
-                  <a:pt x="3291406" y="7551"/>
-                  <a:pt x="3291373" y="9822"/>
-                  <a:pt x="3291840" y="18288"/>
-                </a:cubicBezTo>
-                <a:cubicBezTo>
-                  <a:pt x="3048445" y="38989"/>
-                  <a:pt x="2846548" y="-14400"/>
-                  <a:pt x="2633472" y="18288"/>
-                </a:cubicBezTo>
-                <a:cubicBezTo>
-                  <a:pt x="2420396" y="50976"/>
-                  <a:pt x="2304099" y="6336"/>
-                  <a:pt x="2073859" y="18288"/>
-                </a:cubicBezTo>
-                <a:cubicBezTo>
-                  <a:pt x="1843619" y="30240"/>
-                  <a:pt x="1706926" y="10778"/>
-                  <a:pt x="1448410" y="18288"/>
-                </a:cubicBezTo>
-                <a:cubicBezTo>
-                  <a:pt x="1189894" y="25798"/>
-                  <a:pt x="1002278" y="8992"/>
-                  <a:pt x="822960" y="18288"/>
-                </a:cubicBezTo>
-                <a:cubicBezTo>
-                  <a:pt x="643642" y="27585"/>
-                  <a:pt x="307039" y="38051"/>
-                  <a:pt x="0" y="18288"/>
-                </a:cubicBezTo>
-                <a:cubicBezTo>
-                  <a:pt x="60" y="11696"/>
-                  <a:pt x="66" y="3758"/>
-                  <a:pt x="0" y="0"/>
-                </a:cubicBezTo>
-                <a:close/>
-              </a:path>
-              <a:path w="3291840" h="18288" stroke="0" extrusionOk="0">
-                <a:moveTo>
-                  <a:pt x="0" y="0"/>
-                </a:moveTo>
-                <a:cubicBezTo>
-                  <a:pt x="195850" y="28018"/>
-                  <a:pt x="434891" y="17390"/>
-                  <a:pt x="592531" y="0"/>
-                </a:cubicBezTo>
-                <a:cubicBezTo>
-                  <a:pt x="750171" y="-17390"/>
-                  <a:pt x="1018709" y="32200"/>
-                  <a:pt x="1316736" y="0"/>
-                </a:cubicBezTo>
-                <a:cubicBezTo>
-                  <a:pt x="1614763" y="-32200"/>
-                  <a:pt x="1696480" y="-11367"/>
-                  <a:pt x="1876349" y="0"/>
-                </a:cubicBezTo>
-                <a:cubicBezTo>
-                  <a:pt x="2056218" y="11367"/>
-                  <a:pt x="2193364" y="13433"/>
-                  <a:pt x="2435962" y="0"/>
-                </a:cubicBezTo>
-                <a:cubicBezTo>
-                  <a:pt x="2678560" y="-13433"/>
-                  <a:pt x="3010901" y="-42367"/>
-                  <a:pt x="3291840" y="0"/>
-                </a:cubicBezTo>
-                <a:cubicBezTo>
-                  <a:pt x="3291758" y="4406"/>
-                  <a:pt x="3291751" y="9982"/>
-                  <a:pt x="3291840" y="18288"/>
-                </a:cubicBezTo>
-                <a:cubicBezTo>
-                  <a:pt x="3108993" y="14228"/>
-                  <a:pt x="2952658" y="46900"/>
-                  <a:pt x="2666390" y="18288"/>
-                </a:cubicBezTo>
-                <a:cubicBezTo>
-                  <a:pt x="2380122" y="-10324"/>
-                  <a:pt x="2263855" y="41055"/>
-                  <a:pt x="2040941" y="18288"/>
-                </a:cubicBezTo>
-                <a:cubicBezTo>
-                  <a:pt x="1818027" y="-4479"/>
-                  <a:pt x="1675097" y="6509"/>
-                  <a:pt x="1415491" y="18288"/>
-                </a:cubicBezTo>
-                <a:cubicBezTo>
-                  <a:pt x="1155885" y="30068"/>
-                  <a:pt x="852976" y="36210"/>
-                  <a:pt x="691286" y="18288"/>
-                </a:cubicBezTo>
-                <a:cubicBezTo>
-                  <a:pt x="529596" y="366"/>
-                  <a:pt x="187183" y="13912"/>
-                  <a:pt x="0" y="18288"/>
-                </a:cubicBezTo>
-                <a:cubicBezTo>
-                  <a:pt x="189" y="14288"/>
-                  <a:pt x="-703" y="3747"/>
-                  <a:pt x="0" y="0"/>
-                </a:cubicBezTo>
-                <a:close/>
-              </a:path>
-            </a:pathLst>
-          </a:custGeom>
-          <a:solidFill>
-            <a:schemeClr val="accent2"/>
-          </a:solidFill>
-          <a:ln w="41275" cap="rnd">
-            <a:solidFill>
-              <a:schemeClr val="accent2"/>
-            </a:solidFill>
-            <a:round/>
-            <a:extLst>
-              <a:ext uri="{C807C97D-BFC1-408E-A445-0C87EB9F89A2}">
-                <ask:lineSketchStyleProps xmlns:ask="http://schemas.microsoft.com/office/drawing/2018/sketchyshapes" sd="2863741219">
-                  <a:prstGeom prst="rect">
-                    <a:avLst/>
-                  </a:prstGeom>
-                  <ask:type>
-                    <ask:lineSketchFreehand/>
-                  </ask:type>
-                </ask:lineSketchStyleProps>
-              </a:ext>
-            </a:extLst>
-          </a:ln>
         </p:spPr>
-        <p:style>
-          <a:lnRef idx="2">
-            <a:schemeClr val="accent1">
-              <a:shade val="50000"/>
-            </a:schemeClr>
-          </a:lnRef>
-          <a:fillRef idx="1">
-            <a:schemeClr val="accent1"/>
-          </a:fillRef>
-          <a:effectRef idx="0">
-            <a:schemeClr val="accent1"/>
-          </a:effectRef>
-          <a:fontRef idx="minor">
-            <a:schemeClr val="lt1"/>
-          </a:fontRef>
-        </p:style>
         <p:txBody>
-          <a:bodyPr rtlCol="0" anchor="ctr"/>
+          <a:bodyPr vert="horz" lIns="91440" tIns="45720" rIns="91440" bIns="45720" rtlCol="0" anchor="ctr">
+            <a:normAutofit/>
+          </a:bodyPr>
           <a:lstStyle/>
           <a:p>
-            <a:pPr algn="ctr"/>
-            <a:endParaRPr lang="en-US"/>
+            <a:pPr>
+              <a:spcAft>
+                <a:spcPts val="600"/>
+              </a:spcAft>
+            </a:pPr>
+            <a:fld id="{BF1758FF-0BF1-4103-A89A-38EC40E85429}" type="slidenum">
+              <a:rPr lang="en-US" smtClean="0">
+                <a:solidFill>
+                  <a:schemeClr val="tx1">
+                    <a:tint val="75000"/>
+                  </a:schemeClr>
+                </a:solidFill>
+              </a:rPr>
+              <a:pPr>
+                <a:spcAft>
+                  <a:spcPts val="600"/>
+                </a:spcAft>
+              </a:pPr>
+              <a:t>3</a:t>
+            </a:fld>
+            <a:endParaRPr lang="en-US">
+              <a:solidFill>
+                <a:schemeClr val="tx1">
+                  <a:tint val="75000"/>
+                </a:schemeClr>
+              </a:solidFill>
+            </a:endParaRPr>
           </a:p>
         </p:txBody>
       </p:sp>
-      <p:pic>
-        <p:nvPicPr>
-          <p:cNvPr id="5" name="Content Placeholder 4">
+      <p:graphicFrame>
+        <p:nvGraphicFramePr>
+          <p:cNvPr id="13" name="Content Placeholder 8">
             <a:extLst>
               <a:ext uri="{FF2B5EF4-FFF2-40B4-BE49-F238E27FC236}">
-                <a16:creationId xmlns:a16="http://schemas.microsoft.com/office/drawing/2014/main" id="{6AF20CBA-B516-9726-3537-9FB2251AF375}"/>
+                <a16:creationId xmlns:a16="http://schemas.microsoft.com/office/drawing/2014/main" id="{0393541A-3064-C5A0-9016-447F1DD1E828}"/>
               </a:ext>
             </a:extLst>
           </p:cNvPr>
-          <p:cNvPicPr>
-            <a:picLocks noGrp="1" noChangeAspect="1"/>
-          </p:cNvPicPr>
+          <p:cNvGraphicFramePr>
+            <a:graphicFrameLocks noGrp="1"/>
+          </p:cNvGraphicFramePr>
           <p:nvPr>
             <p:ph idx="1"/>
+            <p:extLst>
+              <p:ext uri="{D42A27DB-BD31-4B8C-83A1-F6EECF244321}">
+                <p14:modId xmlns:p14="http://schemas.microsoft.com/office/powerpoint/2010/main" val="2205670265"/>
+              </p:ext>
+            </p:extLst>
           </p:nvPr>
-        </p:nvPicPr>
-        <p:blipFill>
-          <a:blip r:embed="rId3"/>
-          <a:stretch>
-            <a:fillRect/>
-          </a:stretch>
-        </p:blipFill>
-        <p:spPr>
-          <a:xfrm>
-            <a:off x="412444" y="1948704"/>
-            <a:ext cx="4426283" cy="4608584"/>
-          </a:xfrm>
-          <a:prstGeom prst="rect">
-            <a:avLst/>
-          </a:prstGeom>
-        </p:spPr>
-      </p:pic>
-      <p:pic>
-        <p:nvPicPr>
-          <p:cNvPr id="11" name="Picture 10">
-            <a:extLst>
-              <a:ext uri="{FF2B5EF4-FFF2-40B4-BE49-F238E27FC236}">
-                <a16:creationId xmlns:a16="http://schemas.microsoft.com/office/drawing/2014/main" id="{00C7AFAE-3CDB-4498-6879-D724DCB0E137}"/>
-              </a:ext>
-            </a:extLst>
-          </p:cNvPr>
-          <p:cNvPicPr>
-            <a:picLocks noChangeAspect="1"/>
-          </p:cNvPicPr>
-          <p:nvPr/>
-        </p:nvPicPr>
-        <p:blipFill>
-          <a:blip r:embed="rId4"/>
-          <a:stretch>
-            <a:fillRect/>
-          </a:stretch>
-        </p:blipFill>
-        <p:spPr>
-          <a:xfrm>
-            <a:off x="5637125" y="2048303"/>
-            <a:ext cx="6389156" cy="4472409"/>
-          </a:xfrm>
-          <a:prstGeom prst="rect">
-            <a:avLst/>
-          </a:prstGeom>
-        </p:spPr>
-      </p:pic>
+        </p:nvGraphicFramePr>
+        <p:xfrm>
+          <a:off x="5093208" y="620392"/>
+          <a:ext cx="6263640" cy="5504688"/>
+        </p:xfrm>
+        <a:graphic>
+          <a:graphicData uri="http://schemas.openxmlformats.org/drawingml/2006/diagram">
+            <dgm:relIds xmlns:dgm="http://schemas.openxmlformats.org/drawingml/2006/diagram" xmlns:r="http://schemas.openxmlformats.org/officeDocument/2006/relationships" r:dm="rId2" r:lo="rId3" r:qs="rId4" r:cs="rId5"/>
+          </a:graphicData>
+        </a:graphic>
+      </p:graphicFrame>
     </p:spTree>
     <p:extLst>
       <p:ext uri="{BB962C8B-B14F-4D97-AF65-F5344CB8AC3E}">
-        <p14:creationId xmlns:p14="http://schemas.microsoft.com/office/powerpoint/2010/main" val="2284510628"/>
+        <p14:creationId xmlns:p14="http://schemas.microsoft.com/office/powerpoint/2010/main" val="3687015694"/>
       </p:ext>
     </p:extLst>
   </p:cSld>

--- a/Project_Presentation_Employee_Attrition_Prediction.pptx
+++ b/Project_Presentation_Employee_Attrition_Prediction.pptx
@@ -4274,10 +4274,10 @@
     <dgm:cxn modelId="{2506FF35-0B73-4924-B3A6-CDA6CCE4D254}" type="presOf" srcId="{7D29E4BA-724A-4F0F-AAAC-896F91B289D5}" destId="{8F35218B-0B29-4537-A959-F065B533DCA0}" srcOrd="0" destOrd="0" presId="urn:microsoft.com/office/officeart/2005/8/layout/default"/>
     <dgm:cxn modelId="{DB22C239-922F-472F-B8EF-519C934D9D76}" srcId="{ED784AFE-1B07-45C6-BE33-1AEB9AC9BAAC}" destId="{BB1F6F43-E23D-4EA9-AC40-2EC9712A8DB0}" srcOrd="1" destOrd="0" parTransId="{D97ACDAA-3921-409E-84A8-BEAE666BA87D}" sibTransId="{87317E56-7708-421D-A8AA-D0A8FB135E10}"/>
     <dgm:cxn modelId="{327A003A-95FF-4036-879E-395A761AE4AE}" type="presOf" srcId="{A48216D7-7077-4AD6-9795-06A1DEBB9070}" destId="{2F70ABAD-FD34-4D55-B5C9-FDB43501D535}" srcOrd="0" destOrd="0" presId="urn:microsoft.com/office/officeart/2005/8/layout/default"/>
+    <dgm:cxn modelId="{56FB655D-01C2-4A56-9E24-E34DBD47A63F}" srcId="{ED784AFE-1B07-45C6-BE33-1AEB9AC9BAAC}" destId="{4292E375-61D9-4158-9C09-DF8F34317D5D}" srcOrd="0" destOrd="0" parTransId="{EF2C9413-C3D8-4BAA-8B47-8B63D4B1AABB}" sibTransId="{7C2E2CE5-EC43-4804-9BB2-DB62C8021990}"/>
     <dgm:cxn modelId="{EAE6F147-9D6A-4D7B-A86B-150AAD957A6A}" srcId="{7D29E4BA-724A-4F0F-AAAC-896F91B289D5}" destId="{4E005EB3-5501-40C1-AF1B-54CE7CD9360F}" srcOrd="0" destOrd="0" parTransId="{6D40B7BD-16CA-414B-AF09-504801BA60EF}" sibTransId="{E7EE611D-3CF4-481C-BC7C-5BE7048D352B}"/>
+    <dgm:cxn modelId="{47013673-3601-4AD8-9B2E-44F7DCB11541}" srcId="{BED7FE2B-2E73-4F95-AD2C-1BE75880880B}" destId="{CC050EFE-8108-43FE-9F48-9E70F52489C1}" srcOrd="5" destOrd="0" parTransId="{EA30F8A1-BD9A-4A76-B111-44A1361C01EE}" sibTransId="{93B753EF-65FD-42AF-8845-FD099EDAA830}"/>
     <dgm:cxn modelId="{CE694954-9E6A-418D-9B79-5F79324B5D44}" type="presOf" srcId="{B180E4AB-9ED3-4A31-8DF4-1A84E957DC34}" destId="{4841FE55-6EF3-474D-A028-5B9AFFAF4649}" srcOrd="0" destOrd="0" presId="urn:microsoft.com/office/officeart/2005/8/layout/default"/>
-    <dgm:cxn modelId="{56FB655D-01C2-4A56-9E24-E34DBD47A63F}" srcId="{ED784AFE-1B07-45C6-BE33-1AEB9AC9BAAC}" destId="{4292E375-61D9-4158-9C09-DF8F34317D5D}" srcOrd="0" destOrd="0" parTransId="{EF2C9413-C3D8-4BAA-8B47-8B63D4B1AABB}" sibTransId="{7C2E2CE5-EC43-4804-9BB2-DB62C8021990}"/>
-    <dgm:cxn modelId="{47013673-3601-4AD8-9B2E-44F7DCB11541}" srcId="{BED7FE2B-2E73-4F95-AD2C-1BE75880880B}" destId="{CC050EFE-8108-43FE-9F48-9E70F52489C1}" srcOrd="5" destOrd="0" parTransId="{EA30F8A1-BD9A-4A76-B111-44A1361C01EE}" sibTransId="{93B753EF-65FD-42AF-8845-FD099EDAA830}"/>
     <dgm:cxn modelId="{9B0FA176-374C-4017-9629-4C63A679BF5F}" type="presOf" srcId="{5D257861-C90E-41A1-8ADC-2F2D32BC6AC3}" destId="{4841FE55-6EF3-474D-A028-5B9AFFAF4649}" srcOrd="0" destOrd="1" presId="urn:microsoft.com/office/officeart/2005/8/layout/default"/>
     <dgm:cxn modelId="{34EB947B-4D41-42BA-8B62-03BC2F67A1E2}" type="presOf" srcId="{CF233DCB-DD28-4106-B364-7A95CAD6200C}" destId="{D4F68EC4-739F-407B-AE53-0ACC131A628B}" srcOrd="0" destOrd="2" presId="urn:microsoft.com/office/officeart/2005/8/layout/default"/>
     <dgm:cxn modelId="{D4A9857D-8319-428D-9776-D23067CB4F28}" srcId="{BED7FE2B-2E73-4F95-AD2C-1BE75880880B}" destId="{B180E4AB-9ED3-4A31-8DF4-1A84E957DC34}" srcOrd="0" destOrd="0" parTransId="{0AB4E1F8-BA5D-47ED-9E09-55F151C86E00}" sibTransId="{1FA59D29-EC3F-4EB6-848D-B86E0825326F}"/>
@@ -14488,7 +14488,7 @@
           <a:p>
             <a:fld id="{55EBF7F1-AB8B-45B9-85D6-EEAB5CA0B4C8}" type="datetimeFigureOut">
               <a:rPr lang="en-US" smtClean="0"/>
-              <a:t>12/5/24</a:t>
+              <a:t>12/5/2024</a:t>
             </a:fld>
             <a:endParaRPr lang="en-US"/>
           </a:p>
@@ -15070,7 +15070,7 @@
           <a:p>
             <a:fld id="{84B92407-704D-4C58-9180-B5C5B3785A42}" type="datetimeFigureOut">
               <a:rPr lang="en-US" smtClean="0"/>
-              <a:t>12/5/24</a:t>
+              <a:t>12/5/2024</a:t>
             </a:fld>
             <a:endParaRPr lang="en-US"/>
           </a:p>
@@ -15268,7 +15268,7 @@
           <a:p>
             <a:fld id="{84B92407-704D-4C58-9180-B5C5B3785A42}" type="datetimeFigureOut">
               <a:rPr lang="en-US" smtClean="0"/>
-              <a:t>12/5/24</a:t>
+              <a:t>12/5/2024</a:t>
             </a:fld>
             <a:endParaRPr lang="en-US"/>
           </a:p>
@@ -15476,7 +15476,7 @@
           <a:p>
             <a:fld id="{84B92407-704D-4C58-9180-B5C5B3785A42}" type="datetimeFigureOut">
               <a:rPr lang="en-US" smtClean="0"/>
-              <a:t>12/5/24</a:t>
+              <a:t>12/5/2024</a:t>
             </a:fld>
             <a:endParaRPr lang="en-US"/>
           </a:p>
@@ -15674,7 +15674,7 @@
           <a:p>
             <a:fld id="{84B92407-704D-4C58-9180-B5C5B3785A42}" type="datetimeFigureOut">
               <a:rPr lang="en-US" smtClean="0"/>
-              <a:t>12/5/24</a:t>
+              <a:t>12/5/2024</a:t>
             </a:fld>
             <a:endParaRPr lang="en-US"/>
           </a:p>
@@ -15949,7 +15949,7 @@
           <a:p>
             <a:fld id="{84B92407-704D-4C58-9180-B5C5B3785A42}" type="datetimeFigureOut">
               <a:rPr lang="en-US" smtClean="0"/>
-              <a:t>12/5/24</a:t>
+              <a:t>12/5/2024</a:t>
             </a:fld>
             <a:endParaRPr lang="en-US"/>
           </a:p>
@@ -16214,7 +16214,7 @@
           <a:p>
             <a:fld id="{84B92407-704D-4C58-9180-B5C5B3785A42}" type="datetimeFigureOut">
               <a:rPr lang="en-US" smtClean="0"/>
-              <a:t>12/5/24</a:t>
+              <a:t>12/5/2024</a:t>
             </a:fld>
             <a:endParaRPr lang="en-US"/>
           </a:p>
@@ -16626,7 +16626,7 @@
           <a:p>
             <a:fld id="{84B92407-704D-4C58-9180-B5C5B3785A42}" type="datetimeFigureOut">
               <a:rPr lang="en-US" smtClean="0"/>
-              <a:t>12/5/24</a:t>
+              <a:t>12/5/2024</a:t>
             </a:fld>
             <a:endParaRPr lang="en-US"/>
           </a:p>
@@ -16767,7 +16767,7 @@
           <a:p>
             <a:fld id="{84B92407-704D-4C58-9180-B5C5B3785A42}" type="datetimeFigureOut">
               <a:rPr lang="en-US" smtClean="0"/>
-              <a:t>12/5/24</a:t>
+              <a:t>12/5/2024</a:t>
             </a:fld>
             <a:endParaRPr lang="en-US"/>
           </a:p>
@@ -16880,7 +16880,7 @@
           <a:p>
             <a:fld id="{84B92407-704D-4C58-9180-B5C5B3785A42}" type="datetimeFigureOut">
               <a:rPr lang="en-US" smtClean="0"/>
-              <a:t>12/5/24</a:t>
+              <a:t>12/5/2024</a:t>
             </a:fld>
             <a:endParaRPr lang="en-US"/>
           </a:p>
@@ -17191,7 +17191,7 @@
           <a:p>
             <a:fld id="{84B92407-704D-4C58-9180-B5C5B3785A42}" type="datetimeFigureOut">
               <a:rPr lang="en-US" smtClean="0"/>
-              <a:t>12/5/24</a:t>
+              <a:t>12/5/2024</a:t>
             </a:fld>
             <a:endParaRPr lang="en-US"/>
           </a:p>
@@ -17479,7 +17479,7 @@
           <a:p>
             <a:fld id="{84B92407-704D-4C58-9180-B5C5B3785A42}" type="datetimeFigureOut">
               <a:rPr lang="en-US" smtClean="0"/>
-              <a:t>12/5/24</a:t>
+              <a:t>12/5/2024</a:t>
             </a:fld>
             <a:endParaRPr lang="en-US"/>
           </a:p>
@@ -17720,7 +17720,7 @@
           <a:p>
             <a:fld id="{84B92407-704D-4C58-9180-B5C5B3785A42}" type="datetimeFigureOut">
               <a:rPr lang="en-US" smtClean="0"/>
-              <a:t>12/5/24</a:t>
+              <a:t>12/5/2024</a:t>
             </a:fld>
             <a:endParaRPr lang="en-US"/>
           </a:p>
@@ -26276,10 +26276,10 @@
       </p:grpSpPr>
       <p:sp useBgFill="1">
         <p:nvSpPr>
-          <p:cNvPr id="10" name="Rectangle 9">
+          <p:cNvPr id="27" name="Rectangle 26">
             <a:extLst>
               <a:ext uri="{FF2B5EF4-FFF2-40B4-BE49-F238E27FC236}">
-                <a16:creationId xmlns:a16="http://schemas.microsoft.com/office/drawing/2014/main" id="{665DBBEF-238B-476B-96AB-8AAC3224ECEA}"/>
+                <a16:creationId xmlns:a16="http://schemas.microsoft.com/office/drawing/2014/main" id="{F13C74B1-5B17-4795-BED0-7140497B445A}"/>
               </a:ext>
               <a:ext uri="{C183D7F6-B498-43B3-948B-1728B52AA6E4}">
                 <adec:decorative xmlns:adec="http://schemas.microsoft.com/office/drawing/2017/decorative" val="1"/>
@@ -26300,7 +26300,7 @@
         <p:spPr>
           <a:xfrm>
             <a:off x="0" y="0"/>
-            <a:ext cx="12192000" cy="6858000"/>
+            <a:ext cx="12188952" cy="6858000"/>
           </a:xfrm>
           <a:prstGeom prst="rect">
             <a:avLst/>
@@ -26352,8 +26352,8 @@
         </p:nvSpPr>
         <p:spPr>
           <a:xfrm>
-            <a:off x="638882" y="639193"/>
-            <a:ext cx="3571810" cy="3573516"/>
+            <a:off x="640080" y="325369"/>
+            <a:ext cx="4368602" cy="1956841"/>
           </a:xfrm>
         </p:spPr>
         <p:txBody>
@@ -26363,10 +26363,7 @@
           <a:lstStyle/>
           <a:p>
             <a:r>
-              <a:rPr lang="en-US" sz="5100" b="1" kern="1200">
-                <a:solidFill>
-                  <a:schemeClr val="tx1"/>
-                </a:solidFill>
+              <a:rPr lang="en-US" sz="5400" b="1" kern="1200">
                 <a:latin typeface="+mj-lt"/>
                 <a:ea typeface="+mj-ea"/>
                 <a:cs typeface="+mj-cs"/>
@@ -26374,10 +26371,7 @@
               <a:t>Correlation</a:t>
             </a:r>
             <a:r>
-              <a:rPr lang="en-US" sz="5100" kern="1200">
-                <a:solidFill>
-                  <a:schemeClr val="tx1"/>
-                </a:solidFill>
+              <a:rPr lang="en-US" sz="5400" kern="1200">
                 <a:latin typeface="+mj-lt"/>
                 <a:ea typeface="+mj-ea"/>
                 <a:cs typeface="+mj-cs"/>
@@ -26389,10 +26383,10 @@
       </p:sp>
       <p:sp>
         <p:nvSpPr>
-          <p:cNvPr id="12" name="sketch line">
+          <p:cNvPr id="28" name="sketchy line">
             <a:extLst>
               <a:ext uri="{FF2B5EF4-FFF2-40B4-BE49-F238E27FC236}">
-                <a16:creationId xmlns:a16="http://schemas.microsoft.com/office/drawing/2014/main" id="{3FCFB1DE-0B7E-48CC-BA90-B2AB0889F9D6}"/>
+                <a16:creationId xmlns:a16="http://schemas.microsoft.com/office/drawing/2014/main" id="{D4974D33-8DC5-464E-8C6D-BE58F0669C17}"/>
               </a:ext>
               <a:ext uri="{C183D7F6-B498-43B3-948B-1728B52AA6E4}">
                 <adec:decorative xmlns:adec="http://schemas.microsoft.com/office/drawing/2017/decorative" val="1"/>
@@ -26412,36 +26406,38 @@
         </p:nvSpPr>
         <p:spPr>
           <a:xfrm>
-            <a:off x="643278" y="4409267"/>
-            <a:ext cx="3255095" cy="18288"/>
+            <a:off x="640080" y="2586994"/>
+            <a:ext cx="3474720" cy="18288"/>
           </a:xfrm>
           <a:custGeom>
             <a:avLst/>
             <a:gdLst>
-              <a:gd name="connsiteX0" fmla="*/ 0 w 3255095"/>
+              <a:gd name="connsiteX0" fmla="*/ 0 w 3474720"/>
               <a:gd name="connsiteY0" fmla="*/ 0 h 18288"/>
-              <a:gd name="connsiteX1" fmla="*/ 618468 w 3255095"/>
+              <a:gd name="connsiteX1" fmla="*/ 694944 w 3474720"/>
               <a:gd name="connsiteY1" fmla="*/ 0 h 18288"/>
-              <a:gd name="connsiteX2" fmla="*/ 1269487 w 3255095"/>
+              <a:gd name="connsiteX2" fmla="*/ 1355141 w 3474720"/>
               <a:gd name="connsiteY2" fmla="*/ 0 h 18288"/>
-              <a:gd name="connsiteX3" fmla="*/ 1953057 w 3255095"/>
+              <a:gd name="connsiteX3" fmla="*/ 2015338 w 3474720"/>
               <a:gd name="connsiteY3" fmla="*/ 0 h 18288"/>
-              <a:gd name="connsiteX4" fmla="*/ 2636627 w 3255095"/>
+              <a:gd name="connsiteX4" fmla="*/ 2779776 w 3474720"/>
               <a:gd name="connsiteY4" fmla="*/ 0 h 18288"/>
-              <a:gd name="connsiteX5" fmla="*/ 3255095 w 3255095"/>
+              <a:gd name="connsiteX5" fmla="*/ 3474720 w 3474720"/>
               <a:gd name="connsiteY5" fmla="*/ 0 h 18288"/>
-              <a:gd name="connsiteX6" fmla="*/ 3255095 w 3255095"/>
+              <a:gd name="connsiteX6" fmla="*/ 3474720 w 3474720"/>
               <a:gd name="connsiteY6" fmla="*/ 18288 h 18288"/>
-              <a:gd name="connsiteX7" fmla="*/ 2538974 w 3255095"/>
+              <a:gd name="connsiteX7" fmla="*/ 2779776 w 3474720"/>
               <a:gd name="connsiteY7" fmla="*/ 18288 h 18288"/>
-              <a:gd name="connsiteX8" fmla="*/ 1822853 w 3255095"/>
+              <a:gd name="connsiteX8" fmla="*/ 2189074 w 3474720"/>
               <a:gd name="connsiteY8" fmla="*/ 18288 h 18288"/>
-              <a:gd name="connsiteX9" fmla="*/ 1171834 w 3255095"/>
+              <a:gd name="connsiteX9" fmla="*/ 1528877 w 3474720"/>
               <a:gd name="connsiteY9" fmla="*/ 18288 h 18288"/>
-              <a:gd name="connsiteX10" fmla="*/ 0 w 3255095"/>
+              <a:gd name="connsiteX10" fmla="*/ 868680 w 3474720"/>
               <a:gd name="connsiteY10" fmla="*/ 18288 h 18288"/>
-              <a:gd name="connsiteX11" fmla="*/ 0 w 3255095"/>
-              <a:gd name="connsiteY11" fmla="*/ 0 h 18288"/>
+              <a:gd name="connsiteX11" fmla="*/ 0 w 3474720"/>
+              <a:gd name="connsiteY11" fmla="*/ 18288 h 18288"/>
+              <a:gd name="connsiteX12" fmla="*/ 0 w 3474720"/>
+              <a:gd name="connsiteY12" fmla="*/ 0 h 18288"/>
             </a:gdLst>
             <a:ahLst/>
             <a:cxnLst>
@@ -26481,132 +26477,140 @@
               <a:cxn ang="0">
                 <a:pos x="connsiteX11" y="connsiteY11"/>
               </a:cxn>
+              <a:cxn ang="0">
+                <a:pos x="connsiteX12" y="connsiteY12"/>
+              </a:cxn>
             </a:cxnLst>
             <a:rect l="l" t="t" r="r" b="b"/>
             <a:pathLst>
-              <a:path w="3255095" h="18288" fill="none" extrusionOk="0">
+              <a:path w="3474720" h="18288" fill="none" extrusionOk="0">
                 <a:moveTo>
                   <a:pt x="0" y="0"/>
                 </a:moveTo>
                 <a:cubicBezTo>
-                  <a:pt x="240201" y="-22123"/>
-                  <a:pt x="462021" y="-19623"/>
-                  <a:pt x="618468" y="0"/>
-                </a:cubicBezTo>
-                <a:cubicBezTo>
-                  <a:pt x="774915" y="19623"/>
-                  <a:pt x="974734" y="2035"/>
-                  <a:pt x="1269487" y="0"/>
-                </a:cubicBezTo>
-                <a:cubicBezTo>
-                  <a:pt x="1564240" y="-2035"/>
-                  <a:pt x="1733579" y="10639"/>
-                  <a:pt x="1953057" y="0"/>
-                </a:cubicBezTo>
-                <a:cubicBezTo>
-                  <a:pt x="2172535" y="-10639"/>
-                  <a:pt x="2453962" y="14018"/>
-                  <a:pt x="2636627" y="0"/>
-                </a:cubicBezTo>
-                <a:cubicBezTo>
-                  <a:pt x="2819292" y="-14018"/>
-                  <a:pt x="3121375" y="5399"/>
-                  <a:pt x="3255095" y="0"/>
-                </a:cubicBezTo>
-                <a:cubicBezTo>
-                  <a:pt x="3254386" y="8157"/>
-                  <a:pt x="3254682" y="12125"/>
-                  <a:pt x="3255095" y="18288"/>
-                </a:cubicBezTo>
-                <a:cubicBezTo>
-                  <a:pt x="3088545" y="23203"/>
-                  <a:pt x="2687475" y="7419"/>
-                  <a:pt x="2538974" y="18288"/>
-                </a:cubicBezTo>
-                <a:cubicBezTo>
-                  <a:pt x="2390473" y="29157"/>
-                  <a:pt x="2137381" y="-8959"/>
-                  <a:pt x="1822853" y="18288"/>
-                </a:cubicBezTo>
-                <a:cubicBezTo>
-                  <a:pt x="1508325" y="45535"/>
-                  <a:pt x="1466437" y="20385"/>
-                  <a:pt x="1171834" y="18288"/>
-                </a:cubicBezTo>
-                <a:cubicBezTo>
-                  <a:pt x="877231" y="16191"/>
-                  <a:pt x="561097" y="37643"/>
+                  <a:pt x="224454" y="-14544"/>
+                  <a:pt x="495407" y="26540"/>
+                  <a:pt x="694944" y="0"/>
+                </a:cubicBezTo>
+                <a:cubicBezTo>
+                  <a:pt x="894481" y="-26540"/>
+                  <a:pt x="1130063" y="24713"/>
+                  <a:pt x="1355141" y="0"/>
+                </a:cubicBezTo>
+                <a:cubicBezTo>
+                  <a:pt x="1580219" y="-24713"/>
+                  <a:pt x="1820099" y="26695"/>
+                  <a:pt x="2015338" y="0"/>
+                </a:cubicBezTo>
+                <a:cubicBezTo>
+                  <a:pt x="2210577" y="-26695"/>
+                  <a:pt x="2402045" y="165"/>
+                  <a:pt x="2779776" y="0"/>
+                </a:cubicBezTo>
+                <a:cubicBezTo>
+                  <a:pt x="3157507" y="-165"/>
+                  <a:pt x="3286859" y="-15571"/>
+                  <a:pt x="3474720" y="0"/>
+                </a:cubicBezTo>
+                <a:cubicBezTo>
+                  <a:pt x="3474286" y="7551"/>
+                  <a:pt x="3474253" y="9822"/>
+                  <a:pt x="3474720" y="18288"/>
+                </a:cubicBezTo>
+                <a:cubicBezTo>
+                  <a:pt x="3233904" y="29845"/>
+                  <a:pt x="2945134" y="-5256"/>
+                  <a:pt x="2779776" y="18288"/>
+                </a:cubicBezTo>
+                <a:cubicBezTo>
+                  <a:pt x="2614418" y="41832"/>
+                  <a:pt x="2339768" y="22709"/>
+                  <a:pt x="2189074" y="18288"/>
+                </a:cubicBezTo>
+                <a:cubicBezTo>
+                  <a:pt x="2038380" y="13867"/>
+                  <a:pt x="1817434" y="-4947"/>
+                  <a:pt x="1528877" y="18288"/>
+                </a:cubicBezTo>
+                <a:cubicBezTo>
+                  <a:pt x="1240320" y="41523"/>
+                  <a:pt x="1042447" y="37198"/>
+                  <a:pt x="868680" y="18288"/>
+                </a:cubicBezTo>
+                <a:cubicBezTo>
+                  <a:pt x="694913" y="-622"/>
+                  <a:pt x="233232" y="44909"/>
                   <a:pt x="0" y="18288"/>
                 </a:cubicBezTo>
                 <a:cubicBezTo>
-                  <a:pt x="-46" y="12483"/>
-                  <a:pt x="-203" y="6491"/>
+                  <a:pt x="60" y="11696"/>
+                  <a:pt x="66" y="3758"/>
                   <a:pt x="0" y="0"/>
                 </a:cubicBezTo>
                 <a:close/>
               </a:path>
-              <a:path w="3255095" h="18288" stroke="0" extrusionOk="0">
+              <a:path w="3474720" h="18288" stroke="0" extrusionOk="0">
                 <a:moveTo>
                   <a:pt x="0" y="0"/>
                 </a:moveTo>
                 <a:cubicBezTo>
-                  <a:pt x="291965" y="19429"/>
-                  <a:pt x="363155" y="8568"/>
-                  <a:pt x="618468" y="0"/>
-                </a:cubicBezTo>
-                <a:cubicBezTo>
-                  <a:pt x="873781" y="-8568"/>
-                  <a:pt x="904459" y="-19505"/>
-                  <a:pt x="1171834" y="0"/>
-                </a:cubicBezTo>
-                <a:cubicBezTo>
-                  <a:pt x="1439209" y="19505"/>
-                  <a:pt x="1744369" y="9790"/>
-                  <a:pt x="1887955" y="0"/>
-                </a:cubicBezTo>
-                <a:cubicBezTo>
-                  <a:pt x="2031541" y="-9790"/>
-                  <a:pt x="2346378" y="21240"/>
-                  <a:pt x="2506423" y="0"/>
-                </a:cubicBezTo>
-                <a:cubicBezTo>
-                  <a:pt x="2666468" y="-21240"/>
-                  <a:pt x="2990257" y="30414"/>
-                  <a:pt x="3255095" y="0"/>
-                </a:cubicBezTo>
-                <a:cubicBezTo>
-                  <a:pt x="3254831" y="4493"/>
-                  <a:pt x="3255479" y="9472"/>
-                  <a:pt x="3255095" y="18288"/>
-                </a:cubicBezTo>
-                <a:cubicBezTo>
-                  <a:pt x="3120743" y="16690"/>
-                  <a:pt x="2759628" y="42462"/>
-                  <a:pt x="2604076" y="18288"/>
-                </a:cubicBezTo>
-                <a:cubicBezTo>
-                  <a:pt x="2448524" y="-5886"/>
-                  <a:pt x="2184336" y="19599"/>
-                  <a:pt x="1887955" y="18288"/>
-                </a:cubicBezTo>
-                <a:cubicBezTo>
-                  <a:pt x="1591574" y="16977"/>
-                  <a:pt x="1548845" y="6870"/>
-                  <a:pt x="1334589" y="18288"/>
-                </a:cubicBezTo>
-                <a:cubicBezTo>
-                  <a:pt x="1120333" y="29706"/>
-                  <a:pt x="996014" y="9662"/>
-                  <a:pt x="683570" y="18288"/>
-                </a:cubicBezTo>
-                <a:cubicBezTo>
-                  <a:pt x="371126" y="26914"/>
-                  <a:pt x="198687" y="16167"/>
+                  <a:pt x="202328" y="-14716"/>
+                  <a:pt x="332722" y="-11499"/>
+                  <a:pt x="625450" y="0"/>
+                </a:cubicBezTo>
+                <a:cubicBezTo>
+                  <a:pt x="918178" y="11499"/>
+                  <a:pt x="1096688" y="5123"/>
+                  <a:pt x="1389888" y="0"/>
+                </a:cubicBezTo>
+                <a:cubicBezTo>
+                  <a:pt x="1683088" y="-5123"/>
+                  <a:pt x="1835981" y="-14038"/>
+                  <a:pt x="1980590" y="0"/>
+                </a:cubicBezTo>
+                <a:cubicBezTo>
+                  <a:pt x="2125199" y="14038"/>
+                  <a:pt x="2396099" y="-7203"/>
+                  <a:pt x="2571293" y="0"/>
+                </a:cubicBezTo>
+                <a:cubicBezTo>
+                  <a:pt x="2746487" y="7203"/>
+                  <a:pt x="3041609" y="-12036"/>
+                  <a:pt x="3474720" y="0"/>
+                </a:cubicBezTo>
+                <a:cubicBezTo>
+                  <a:pt x="3474638" y="4406"/>
+                  <a:pt x="3474631" y="9982"/>
+                  <a:pt x="3474720" y="18288"/>
+                </a:cubicBezTo>
+                <a:cubicBezTo>
+                  <a:pt x="3324873" y="21876"/>
+                  <a:pt x="3136771" y="12587"/>
+                  <a:pt x="2814523" y="18288"/>
+                </a:cubicBezTo>
+                <a:cubicBezTo>
+                  <a:pt x="2492275" y="23989"/>
+                  <a:pt x="2294402" y="47111"/>
+                  <a:pt x="2154326" y="18288"/>
+                </a:cubicBezTo>
+                <a:cubicBezTo>
+                  <a:pt x="2014250" y="-10535"/>
+                  <a:pt x="1820317" y="33903"/>
+                  <a:pt x="1494130" y="18288"/>
+                </a:cubicBezTo>
+                <a:cubicBezTo>
+                  <a:pt x="1167943" y="2673"/>
+                  <a:pt x="948432" y="14868"/>
+                  <a:pt x="729691" y="18288"/>
+                </a:cubicBezTo>
+                <a:cubicBezTo>
+                  <a:pt x="510950" y="21708"/>
+                  <a:pt x="264032" y="24354"/>
                   <a:pt x="0" y="18288"/>
                 </a:cubicBezTo>
                 <a:cubicBezTo>
-                  <a:pt x="843" y="9577"/>
-                  <a:pt x="371" y="6900"/>
+                  <a:pt x="189" y="14288"/>
+                  <a:pt x="-703" y="3747"/>
                   <a:pt x="0" y="0"/>
                 </a:cubicBezTo>
                 <a:close/>
@@ -26616,14 +26620,14 @@
           <a:solidFill>
             <a:schemeClr val="accent2"/>
           </a:solidFill>
-          <a:ln w="38100" cap="rnd">
+          <a:ln w="44450" cap="rnd">
             <a:solidFill>
               <a:schemeClr val="accent2"/>
             </a:solidFill>
             <a:round/>
             <a:extLst>
               <a:ext uri="{C807C97D-BFC1-408E-A445-0C87EB9F89A2}">
-                <ask:lineSketchStyleProps xmlns:ask="http://schemas.microsoft.com/office/drawing/2018/sketchyshapes" sd="1219033472">
+                <ask:lineSketchStyleProps xmlns:ask="http://schemas.microsoft.com/office/drawing/2018/sketchyshapes" sd="2863741219">
                   <a:prstGeom prst="rect">
                     <a:avLst/>
                   </a:prstGeom>
@@ -26662,10 +26666,10 @@
       </p:sp>
       <p:pic>
         <p:nvPicPr>
-          <p:cNvPr id="5" name="Content Placeholder 4" descr="A colorful squares with black text&#10;&#10;Description automatically generated with medium confidence">
+          <p:cNvPr id="13" name="Content Placeholder 12" descr="Research outline">
             <a:extLst>
               <a:ext uri="{FF2B5EF4-FFF2-40B4-BE49-F238E27FC236}">
-                <a16:creationId xmlns:a16="http://schemas.microsoft.com/office/drawing/2014/main" id="{1E2A12EB-9970-45B1-9DBC-B6955FE55D75}"/>
+                <a16:creationId xmlns:a16="http://schemas.microsoft.com/office/drawing/2014/main" id="{2282AD88-59BE-26E6-920B-69BFE2F5C0F1}"/>
               </a:ext>
             </a:extLst>
           </p:cNvPr>
@@ -26677,15 +26681,48 @@
           </p:nvPr>
         </p:nvPicPr>
         <p:blipFill>
-          <a:blip r:embed="rId2"/>
+          <a:blip r:embed="rId2">
+            <a:extLst>
+              <a:ext uri="{96DAC541-7B7A-43D3-8B79-37D633B846F1}">
+                <asvg:svgBlip xmlns:asvg="http://schemas.microsoft.com/office/drawing/2016/SVG/main" r:embed="rId3"/>
+              </a:ext>
+            </a:extLst>
+          </a:blip>
           <a:stretch>
             <a:fillRect/>
           </a:stretch>
         </p:blipFill>
         <p:spPr>
           <a:xfrm>
-            <a:off x="4654296" y="926242"/>
-            <a:ext cx="7214616" cy="4978084"/>
+            <a:off x="1909981" y="3655705"/>
+            <a:ext cx="914400" cy="914400"/>
+          </a:xfrm>
+        </p:spPr>
+      </p:pic>
+      <p:pic>
+        <p:nvPicPr>
+          <p:cNvPr id="9" name="Picture 8">
+            <a:extLst>
+              <a:ext uri="{FF2B5EF4-FFF2-40B4-BE49-F238E27FC236}">
+                <a16:creationId xmlns:a16="http://schemas.microsoft.com/office/drawing/2014/main" id="{7AD64BF4-F2C4-A7D6-5BC3-D078C4924FC3}"/>
+              </a:ext>
+            </a:extLst>
+          </p:cNvPr>
+          <p:cNvPicPr>
+            <a:picLocks noChangeAspect="1"/>
+          </p:cNvPicPr>
+          <p:nvPr/>
+        </p:nvPicPr>
+        <p:blipFill>
+          <a:blip r:embed="rId4"/>
+          <a:stretch>
+            <a:fillRect/>
+          </a:stretch>
+        </p:blipFill>
+        <p:spPr>
+          <a:xfrm>
+            <a:off x="4370451" y="1403012"/>
+            <a:ext cx="7562850" cy="5238750"/>
           </a:xfrm>
           <a:prstGeom prst="rect">
             <a:avLst/>

--- a/Project_Presentation_Employee_Attrition_Prediction.pptx
+++ b/Project_Presentation_Employee_Attrition_Prediction.pptx
@@ -19732,10 +19732,10 @@
       </p:grpSpPr>
       <p:sp useBgFill="1">
         <p:nvSpPr>
-          <p:cNvPr id="46" name="Rectangle 45">
+          <p:cNvPr id="61" name="Rectangle 60">
             <a:extLst>
               <a:ext uri="{FF2B5EF4-FFF2-40B4-BE49-F238E27FC236}">
-                <a16:creationId xmlns:a16="http://schemas.microsoft.com/office/drawing/2014/main" id="{327D73B4-9F5C-4A64-A179-51B9500CB8B5}"/>
+                <a16:creationId xmlns:a16="http://schemas.microsoft.com/office/drawing/2014/main" id="{7B831B6F-405A-4B47-B9BB-5CA88F285844}"/>
               </a:ext>
               <a:ext uri="{C183D7F6-B498-43B3-948B-1728B52AA6E4}">
                 <adec:decorative xmlns:adec="http://schemas.microsoft.com/office/drawing/2017/decorative" val="1"/>
@@ -19786,7 +19786,7 @@
           <a:lstStyle/>
           <a:p>
             <a:pPr algn="ctr"/>
-            <a:endParaRPr lang="en-US" dirty="0"/>
+            <a:endParaRPr lang="en-US"/>
           </a:p>
         </p:txBody>
       </p:sp>
@@ -19808,8 +19808,8 @@
         </p:nvSpPr>
         <p:spPr>
           <a:xfrm>
-            <a:off x="6657715" y="467271"/>
-            <a:ext cx="4195674" cy="2052522"/>
+            <a:off x="6739128" y="638089"/>
+            <a:ext cx="4818888" cy="1476801"/>
           </a:xfrm>
         </p:spPr>
         <p:txBody>
@@ -19819,7 +19819,7 @@
           <a:lstStyle/>
           <a:p>
             <a:r>
-              <a:rPr lang="en-US" sz="3100" b="1" i="0" u="none" strike="noStrike" kern="1200">
+              <a:rPr lang="en-US" sz="2200" b="1" i="0" u="none" strike="noStrike" kern="1200">
                 <a:solidFill>
                   <a:schemeClr val="tx1"/>
                 </a:solidFill>
@@ -19831,7 +19831,7 @@
               <a:t>Deployment Summary for Employee Attrition Web Application</a:t>
             </a:r>
             <a:br>
-              <a:rPr lang="en-US" sz="3100" b="1" i="0" u="none" strike="noStrike" kern="1200">
+              <a:rPr lang="en-US" sz="2200" b="1" i="0" u="none" strike="noStrike" kern="1200">
                 <a:solidFill>
                   <a:schemeClr val="tx1"/>
                 </a:solidFill>
@@ -19841,7 +19841,7 @@
                 <a:cs typeface="+mj-cs"/>
               </a:rPr>
             </a:br>
-            <a:endParaRPr lang="en-US" sz="3100" kern="1200">
+            <a:endParaRPr lang="en-US" sz="2200" kern="1200">
               <a:solidFill>
                 <a:schemeClr val="tx1"/>
               </a:solidFill>
@@ -19852,472 +19852,6 @@
           </a:p>
         </p:txBody>
       </p:sp>
-      <p:sp>
-        <p:nvSpPr>
-          <p:cNvPr id="48" name="Oval 47">
-            <a:extLst>
-              <a:ext uri="{FF2B5EF4-FFF2-40B4-BE49-F238E27FC236}">
-                <a16:creationId xmlns:a16="http://schemas.microsoft.com/office/drawing/2014/main" id="{C1F06963-6374-4B48-844F-071A9BAAAE02}"/>
-              </a:ext>
-              <a:ext uri="{C183D7F6-B498-43B3-948B-1728B52AA6E4}">
-                <adec:decorative xmlns:adec="http://schemas.microsoft.com/office/drawing/2017/decorative" val="1"/>
-              </a:ext>
-            </a:extLst>
-          </p:cNvPr>
-          <p:cNvSpPr>
-            <a:spLocks noGrp="1" noRot="1" noChangeAspect="1" noMove="1" noResize="1" noEditPoints="1" noAdjustHandles="1" noChangeArrowheads="1" noChangeShapeType="1" noTextEdit="1"/>
-          </p:cNvSpPr>
-          <p:nvPr>
-            <p:extLst>
-              <p:ext uri="{386F3935-93C4-4BCD-93E2-E3B085C9AB24}">
-                <p16:designElem xmlns:p16="http://schemas.microsoft.com/office/powerpoint/2015/main" val="1"/>
-              </p:ext>
-            </p:extLst>
-          </p:nvPr>
-        </p:nvSpPr>
-        <p:spPr>
-          <a:xfrm>
-            <a:off x="322965" y="554152"/>
-            <a:ext cx="5742189" cy="5742189"/>
-          </a:xfrm>
-          <a:prstGeom prst="ellipse">
-            <a:avLst/>
-          </a:prstGeom>
-          <a:gradFill flip="none" rotWithShape="1">
-            <a:gsLst>
-              <a:gs pos="0">
-                <a:schemeClr val="accent1"/>
-              </a:gs>
-              <a:gs pos="100000">
-                <a:schemeClr val="accent2"/>
-              </a:gs>
-            </a:gsLst>
-            <a:lin ang="2700000" scaled="1"/>
-            <a:tileRect/>
-          </a:gradFill>
-          <a:ln>
-            <a:noFill/>
-          </a:ln>
-        </p:spPr>
-        <p:style>
-          <a:lnRef idx="2">
-            <a:schemeClr val="accent1">
-              <a:shade val="50000"/>
-            </a:schemeClr>
-          </a:lnRef>
-          <a:fillRef idx="1">
-            <a:schemeClr val="accent1"/>
-          </a:fillRef>
-          <a:effectRef idx="0">
-            <a:schemeClr val="accent1"/>
-          </a:effectRef>
-          <a:fontRef idx="minor">
-            <a:schemeClr val="lt1"/>
-          </a:fontRef>
-        </p:style>
-        <p:txBody>
-          <a:bodyPr rtlCol="0" anchor="ctr"/>
-          <a:lstStyle/>
-          <a:p>
-            <a:pPr algn="ctr"/>
-            <a:endParaRPr lang="en-US"/>
-          </a:p>
-        </p:txBody>
-      </p:sp>
-      <p:grpSp>
-        <p:nvGrpSpPr>
-          <p:cNvPr id="50" name="Group 49">
-            <a:extLst>
-              <a:ext uri="{FF2B5EF4-FFF2-40B4-BE49-F238E27FC236}">
-                <a16:creationId xmlns:a16="http://schemas.microsoft.com/office/drawing/2014/main" id="{5614C7C0-FA1D-4105-8345-1DF76F9870A8}"/>
-              </a:ext>
-              <a:ext uri="{C183D7F6-B498-43B3-948B-1728B52AA6E4}">
-                <adec:decorative xmlns:adec="http://schemas.microsoft.com/office/drawing/2017/decorative" val="1"/>
-              </a:ext>
-            </a:extLst>
-          </p:cNvPr>
-          <p:cNvGrpSpPr>
-            <a:grpSpLocks noGrp="1" noUngrp="1" noRot="1" noChangeAspect="1" noMove="1" noResize="1"/>
-          </p:cNvGrpSpPr>
-          <p:nvPr>
-            <p:extLst>
-              <p:ext uri="{386F3935-93C4-4BCD-93E2-E3B085C9AB24}">
-                <p16:designElem xmlns:p16="http://schemas.microsoft.com/office/powerpoint/2015/main" val="1"/>
-              </p:ext>
-            </p:extLst>
-          </p:nvPr>
-        </p:nvGrpSpPr>
-        <p:grpSpPr>
-          <a:xfrm>
-            <a:off x="422753" y="703679"/>
-            <a:ext cx="753718" cy="1016562"/>
-            <a:chOff x="422753" y="703679"/>
-            <a:chExt cx="753718" cy="1016562"/>
-          </a:xfrm>
-        </p:grpSpPr>
-        <p:sp>
-          <p:nvSpPr>
-            <p:cNvPr id="51" name="Graphic 11">
-              <a:extLst>
-                <a:ext uri="{FF2B5EF4-FFF2-40B4-BE49-F238E27FC236}">
-                  <a16:creationId xmlns:a16="http://schemas.microsoft.com/office/drawing/2014/main" id="{6CB927A4-E432-4310-9CD5-E89FF5063179}"/>
-                </a:ext>
-                <a:ext uri="{C183D7F6-B498-43B3-948B-1728B52AA6E4}">
-                  <adec:decorative xmlns:adec="http://schemas.microsoft.com/office/drawing/2017/decorative" val="1"/>
-                </a:ext>
-              </a:extLst>
-            </p:cNvPr>
-            <p:cNvSpPr/>
-            <p:nvPr>
-              <p:extLst>
-                <p:ext uri="{386F3935-93C4-4BCD-93E2-E3B085C9AB24}">
-                  <p16:designElem xmlns:p16="http://schemas.microsoft.com/office/powerpoint/2015/main" val="1"/>
-                </p:ext>
-              </p:extLst>
-            </p:nvPr>
-          </p:nvSpPr>
-          <p:spPr>
-            <a:xfrm>
-              <a:off x="1004956" y="703679"/>
-              <a:ext cx="171515" cy="171515"/>
-            </a:xfrm>
-            <a:custGeom>
-              <a:avLst/>
-              <a:gdLst>
-                <a:gd name="connsiteX0" fmla="*/ 159874 w 171515"/>
-                <a:gd name="connsiteY0" fmla="*/ 74116 h 171515"/>
-                <a:gd name="connsiteX1" fmla="*/ 97399 w 171515"/>
-                <a:gd name="connsiteY1" fmla="*/ 74116 h 171515"/>
-                <a:gd name="connsiteX2" fmla="*/ 97399 w 171515"/>
-                <a:gd name="connsiteY2" fmla="*/ 11641 h 171515"/>
-                <a:gd name="connsiteX3" fmla="*/ 85758 w 171515"/>
-                <a:gd name="connsiteY3" fmla="*/ 0 h 171515"/>
-                <a:gd name="connsiteX4" fmla="*/ 74116 w 171515"/>
-                <a:gd name="connsiteY4" fmla="*/ 11641 h 171515"/>
-                <a:gd name="connsiteX5" fmla="*/ 74116 w 171515"/>
-                <a:gd name="connsiteY5" fmla="*/ 74116 h 171515"/>
-                <a:gd name="connsiteX6" fmla="*/ 11641 w 171515"/>
-                <a:gd name="connsiteY6" fmla="*/ 74116 h 171515"/>
-                <a:gd name="connsiteX7" fmla="*/ 0 w 171515"/>
-                <a:gd name="connsiteY7" fmla="*/ 85758 h 171515"/>
-                <a:gd name="connsiteX8" fmla="*/ 11641 w 171515"/>
-                <a:gd name="connsiteY8" fmla="*/ 97399 h 171515"/>
-                <a:gd name="connsiteX9" fmla="*/ 74116 w 171515"/>
-                <a:gd name="connsiteY9" fmla="*/ 97399 h 171515"/>
-                <a:gd name="connsiteX10" fmla="*/ 74116 w 171515"/>
-                <a:gd name="connsiteY10" fmla="*/ 159874 h 171515"/>
-                <a:gd name="connsiteX11" fmla="*/ 85758 w 171515"/>
-                <a:gd name="connsiteY11" fmla="*/ 171515 h 171515"/>
-                <a:gd name="connsiteX12" fmla="*/ 97399 w 171515"/>
-                <a:gd name="connsiteY12" fmla="*/ 159874 h 171515"/>
-                <a:gd name="connsiteX13" fmla="*/ 97399 w 171515"/>
-                <a:gd name="connsiteY13" fmla="*/ 97399 h 171515"/>
-                <a:gd name="connsiteX14" fmla="*/ 159874 w 171515"/>
-                <a:gd name="connsiteY14" fmla="*/ 97399 h 171515"/>
-                <a:gd name="connsiteX15" fmla="*/ 171515 w 171515"/>
-                <a:gd name="connsiteY15" fmla="*/ 85758 h 171515"/>
-                <a:gd name="connsiteX16" fmla="*/ 159874 w 171515"/>
-                <a:gd name="connsiteY16" fmla="*/ 74116 h 171515"/>
-              </a:gdLst>
-              <a:ahLst/>
-              <a:cxnLst>
-                <a:cxn ang="0">
-                  <a:pos x="connsiteX0" y="connsiteY0"/>
-                </a:cxn>
-                <a:cxn ang="0">
-                  <a:pos x="connsiteX1" y="connsiteY1"/>
-                </a:cxn>
-                <a:cxn ang="0">
-                  <a:pos x="connsiteX2" y="connsiteY2"/>
-                </a:cxn>
-                <a:cxn ang="0">
-                  <a:pos x="connsiteX3" y="connsiteY3"/>
-                </a:cxn>
-                <a:cxn ang="0">
-                  <a:pos x="connsiteX4" y="connsiteY4"/>
-                </a:cxn>
-                <a:cxn ang="0">
-                  <a:pos x="connsiteX5" y="connsiteY5"/>
-                </a:cxn>
-                <a:cxn ang="0">
-                  <a:pos x="connsiteX6" y="connsiteY6"/>
-                </a:cxn>
-                <a:cxn ang="0">
-                  <a:pos x="connsiteX7" y="connsiteY7"/>
-                </a:cxn>
-                <a:cxn ang="0">
-                  <a:pos x="connsiteX8" y="connsiteY8"/>
-                </a:cxn>
-                <a:cxn ang="0">
-                  <a:pos x="connsiteX9" y="connsiteY9"/>
-                </a:cxn>
-                <a:cxn ang="0">
-                  <a:pos x="connsiteX10" y="connsiteY10"/>
-                </a:cxn>
-                <a:cxn ang="0">
-                  <a:pos x="connsiteX11" y="connsiteY11"/>
-                </a:cxn>
-                <a:cxn ang="0">
-                  <a:pos x="connsiteX12" y="connsiteY12"/>
-                </a:cxn>
-                <a:cxn ang="0">
-                  <a:pos x="connsiteX13" y="connsiteY13"/>
-                </a:cxn>
-                <a:cxn ang="0">
-                  <a:pos x="connsiteX14" y="connsiteY14"/>
-                </a:cxn>
-                <a:cxn ang="0">
-                  <a:pos x="connsiteX15" y="connsiteY15"/>
-                </a:cxn>
-                <a:cxn ang="0">
-                  <a:pos x="connsiteX16" y="connsiteY16"/>
-                </a:cxn>
-              </a:cxnLst>
-              <a:rect l="l" t="t" r="r" b="b"/>
-              <a:pathLst>
-                <a:path w="171515" h="171515">
-                  <a:moveTo>
-                    <a:pt x="159874" y="74116"/>
-                  </a:moveTo>
-                  <a:lnTo>
-                    <a:pt x="97399" y="74116"/>
-                  </a:lnTo>
-                  <a:lnTo>
-                    <a:pt x="97399" y="11641"/>
-                  </a:lnTo>
-                  <a:cubicBezTo>
-                    <a:pt x="97399" y="5212"/>
-                    <a:pt x="92187" y="0"/>
-                    <a:pt x="85758" y="0"/>
-                  </a:cubicBezTo>
-                  <a:cubicBezTo>
-                    <a:pt x="79328" y="0"/>
-                    <a:pt x="74116" y="5212"/>
-                    <a:pt x="74116" y="11641"/>
-                  </a:cubicBezTo>
-                  <a:lnTo>
-                    <a:pt x="74116" y="74116"/>
-                  </a:lnTo>
-                  <a:lnTo>
-                    <a:pt x="11641" y="74116"/>
-                  </a:lnTo>
-                  <a:cubicBezTo>
-                    <a:pt x="5212" y="74116"/>
-                    <a:pt x="0" y="79328"/>
-                    <a:pt x="0" y="85758"/>
-                  </a:cubicBezTo>
-                  <a:cubicBezTo>
-                    <a:pt x="0" y="92187"/>
-                    <a:pt x="5212" y="97399"/>
-                    <a:pt x="11641" y="97399"/>
-                  </a:cubicBezTo>
-                  <a:lnTo>
-                    <a:pt x="74116" y="97399"/>
-                  </a:lnTo>
-                  <a:lnTo>
-                    <a:pt x="74116" y="159874"/>
-                  </a:lnTo>
-                  <a:cubicBezTo>
-                    <a:pt x="74116" y="166303"/>
-                    <a:pt x="79328" y="171515"/>
-                    <a:pt x="85758" y="171515"/>
-                  </a:cubicBezTo>
-                  <a:cubicBezTo>
-                    <a:pt x="92187" y="171515"/>
-                    <a:pt x="97399" y="166303"/>
-                    <a:pt x="97399" y="159874"/>
-                  </a:cubicBezTo>
-                  <a:lnTo>
-                    <a:pt x="97399" y="97399"/>
-                  </a:lnTo>
-                  <a:lnTo>
-                    <a:pt x="159874" y="97399"/>
-                  </a:lnTo>
-                  <a:cubicBezTo>
-                    <a:pt x="166303" y="97399"/>
-                    <a:pt x="171515" y="92187"/>
-                    <a:pt x="171515" y="85758"/>
-                  </a:cubicBezTo>
-                  <a:cubicBezTo>
-                    <a:pt x="171515" y="79328"/>
-                    <a:pt x="166303" y="74116"/>
-                    <a:pt x="159874" y="74116"/>
-                  </a:cubicBezTo>
-                  <a:close/>
-                </a:path>
-              </a:pathLst>
-            </a:custGeom>
-            <a:solidFill>
-              <a:schemeClr val="accent1"/>
-            </a:solidFill>
-            <a:ln w="776" cap="flat">
-              <a:noFill/>
-              <a:prstDash val="solid"/>
-              <a:miter/>
-            </a:ln>
-          </p:spPr>
-          <p:txBody>
-            <a:bodyPr rtlCol="0" anchor="ctr"/>
-            <a:lstStyle/>
-            <a:p>
-              <a:endParaRPr lang="en-US"/>
-            </a:p>
-          </p:txBody>
-        </p:sp>
-        <p:sp>
-          <p:nvSpPr>
-            <p:cNvPr id="52" name="Graphic 12">
-              <a:extLst>
-                <a:ext uri="{FF2B5EF4-FFF2-40B4-BE49-F238E27FC236}">
-                  <a16:creationId xmlns:a16="http://schemas.microsoft.com/office/drawing/2014/main" id="{1453BF6C-B012-48B7-B4E8-6D7AC7C27D02}"/>
-                </a:ext>
-                <a:ext uri="{C183D7F6-B498-43B3-948B-1728B52AA6E4}">
-                  <adec:decorative xmlns:adec="http://schemas.microsoft.com/office/drawing/2017/decorative" val="1"/>
-                </a:ext>
-              </a:extLst>
-            </p:cNvPr>
-            <p:cNvSpPr/>
-            <p:nvPr>
-              <p:extLst>
-                <p:ext uri="{386F3935-93C4-4BCD-93E2-E3B085C9AB24}">
-                  <p16:designElem xmlns:p16="http://schemas.microsoft.com/office/powerpoint/2015/main" val="1"/>
-                </p:ext>
-              </p:extLst>
-            </p:nvPr>
-          </p:nvSpPr>
-          <p:spPr>
-            <a:xfrm>
-              <a:off x="422753" y="1562696"/>
-              <a:ext cx="157545" cy="157545"/>
-            </a:xfrm>
-            <a:custGeom>
-              <a:avLst/>
-              <a:gdLst>
-                <a:gd name="connsiteX0" fmla="*/ 78773 w 157545"/>
-                <a:gd name="connsiteY0" fmla="*/ 23283 h 157545"/>
-                <a:gd name="connsiteX1" fmla="*/ 134262 w 157545"/>
-                <a:gd name="connsiteY1" fmla="*/ 78773 h 157545"/>
-                <a:gd name="connsiteX2" fmla="*/ 78773 w 157545"/>
-                <a:gd name="connsiteY2" fmla="*/ 134262 h 157545"/>
-                <a:gd name="connsiteX3" fmla="*/ 23283 w 157545"/>
-                <a:gd name="connsiteY3" fmla="*/ 78773 h 157545"/>
-                <a:gd name="connsiteX4" fmla="*/ 78773 w 157545"/>
-                <a:gd name="connsiteY4" fmla="*/ 23283 h 157545"/>
-                <a:gd name="connsiteX5" fmla="*/ 78773 w 157545"/>
-                <a:gd name="connsiteY5" fmla="*/ 0 h 157545"/>
-                <a:gd name="connsiteX6" fmla="*/ 0 w 157545"/>
-                <a:gd name="connsiteY6" fmla="*/ 78773 h 157545"/>
-                <a:gd name="connsiteX7" fmla="*/ 78773 w 157545"/>
-                <a:gd name="connsiteY7" fmla="*/ 157545 h 157545"/>
-                <a:gd name="connsiteX8" fmla="*/ 157545 w 157545"/>
-                <a:gd name="connsiteY8" fmla="*/ 78773 h 157545"/>
-                <a:gd name="connsiteX9" fmla="*/ 78773 w 157545"/>
-                <a:gd name="connsiteY9" fmla="*/ 0 h 157545"/>
-              </a:gdLst>
-              <a:ahLst/>
-              <a:cxnLst>
-                <a:cxn ang="0">
-                  <a:pos x="connsiteX0" y="connsiteY0"/>
-                </a:cxn>
-                <a:cxn ang="0">
-                  <a:pos x="connsiteX1" y="connsiteY1"/>
-                </a:cxn>
-                <a:cxn ang="0">
-                  <a:pos x="connsiteX2" y="connsiteY2"/>
-                </a:cxn>
-                <a:cxn ang="0">
-                  <a:pos x="connsiteX3" y="connsiteY3"/>
-                </a:cxn>
-                <a:cxn ang="0">
-                  <a:pos x="connsiteX4" y="connsiteY4"/>
-                </a:cxn>
-                <a:cxn ang="0">
-                  <a:pos x="connsiteX5" y="connsiteY5"/>
-                </a:cxn>
-                <a:cxn ang="0">
-                  <a:pos x="connsiteX6" y="connsiteY6"/>
-                </a:cxn>
-                <a:cxn ang="0">
-                  <a:pos x="connsiteX7" y="connsiteY7"/>
-                </a:cxn>
-                <a:cxn ang="0">
-                  <a:pos x="connsiteX8" y="connsiteY8"/>
-                </a:cxn>
-                <a:cxn ang="0">
-                  <a:pos x="connsiteX9" y="connsiteY9"/>
-                </a:cxn>
-              </a:cxnLst>
-              <a:rect l="l" t="t" r="r" b="b"/>
-              <a:pathLst>
-                <a:path w="157545" h="157545">
-                  <a:moveTo>
-                    <a:pt x="78773" y="23283"/>
-                  </a:moveTo>
-                  <a:cubicBezTo>
-                    <a:pt x="109419" y="23283"/>
-                    <a:pt x="134262" y="48126"/>
-                    <a:pt x="134262" y="78773"/>
-                  </a:cubicBezTo>
-                  <a:cubicBezTo>
-                    <a:pt x="134262" y="109419"/>
-                    <a:pt x="109419" y="134262"/>
-                    <a:pt x="78773" y="134262"/>
-                  </a:cubicBezTo>
-                  <a:cubicBezTo>
-                    <a:pt x="48126" y="134262"/>
-                    <a:pt x="23283" y="109419"/>
-                    <a:pt x="23283" y="78773"/>
-                  </a:cubicBezTo>
-                  <a:cubicBezTo>
-                    <a:pt x="23312" y="48139"/>
-                    <a:pt x="48139" y="23312"/>
-                    <a:pt x="78773" y="23283"/>
-                  </a:cubicBezTo>
-                  <a:moveTo>
-                    <a:pt x="78773" y="0"/>
-                  </a:moveTo>
-                  <a:cubicBezTo>
-                    <a:pt x="35268" y="0"/>
-                    <a:pt x="0" y="35268"/>
-                    <a:pt x="0" y="78773"/>
-                  </a:cubicBezTo>
-                  <a:cubicBezTo>
-                    <a:pt x="0" y="122277"/>
-                    <a:pt x="35268" y="157545"/>
-                    <a:pt x="78773" y="157545"/>
-                  </a:cubicBezTo>
-                  <a:cubicBezTo>
-                    <a:pt x="122277" y="157545"/>
-                    <a:pt x="157545" y="122277"/>
-                    <a:pt x="157545" y="78773"/>
-                  </a:cubicBezTo>
-                  <a:cubicBezTo>
-                    <a:pt x="157545" y="35268"/>
-                    <a:pt x="122277" y="0"/>
-                    <a:pt x="78773" y="0"/>
-                  </a:cubicBezTo>
-                  <a:close/>
-                </a:path>
-              </a:pathLst>
-            </a:custGeom>
-            <a:solidFill>
-              <a:schemeClr val="accent1"/>
-            </a:solidFill>
-            <a:ln w="751" cap="flat">
-              <a:noFill/>
-              <a:prstDash val="solid"/>
-              <a:miter/>
-            </a:ln>
-          </p:spPr>
-          <p:txBody>
-            <a:bodyPr rtlCol="0" anchor="ctr"/>
-            <a:lstStyle/>
-            <a:p>
-              <a:endParaRPr lang="en-US"/>
-            </a:p>
-          </p:txBody>
-        </p:sp>
-      </p:grpSp>
       <p:pic>
         <p:nvPicPr>
           <p:cNvPr id="24" name="Graphic 23" descr="Server">
@@ -20349,14 +19883,287 @@
         </p:blipFill>
         <p:spPr>
           <a:xfrm>
-            <a:off x="1217770" y="1448957"/>
-            <a:ext cx="3952579" cy="3952579"/>
+            <a:off x="630936" y="699516"/>
+            <a:ext cx="5458968" cy="5458968"/>
           </a:xfrm>
           <a:prstGeom prst="rect">
             <a:avLst/>
           </a:prstGeom>
         </p:spPr>
       </p:pic>
+      <p:sp>
+        <p:nvSpPr>
+          <p:cNvPr id="63" name="sketch line">
+            <a:extLst>
+              <a:ext uri="{FF2B5EF4-FFF2-40B4-BE49-F238E27FC236}">
+                <a16:creationId xmlns:a16="http://schemas.microsoft.com/office/drawing/2014/main" id="{953EE71A-6488-4203-A7C4-77102FD0DCCA}"/>
+              </a:ext>
+              <a:ext uri="{C183D7F6-B498-43B3-948B-1728B52AA6E4}">
+                <adec:decorative xmlns:adec="http://schemas.microsoft.com/office/drawing/2017/decorative" val="1"/>
+              </a:ext>
+            </a:extLst>
+          </p:cNvPr>
+          <p:cNvSpPr>
+            <a:spLocks noGrp="1" noRot="1" noChangeAspect="1" noMove="1" noResize="1" noEditPoints="1" noAdjustHandles="1" noChangeArrowheads="1" noChangeShapeType="1" noTextEdit="1"/>
+          </p:cNvSpPr>
+          <p:nvPr>
+            <p:extLst>
+              <p:ext uri="{386F3935-93C4-4BCD-93E2-E3B085C9AB24}">
+                <p16:designElem xmlns:p16="http://schemas.microsoft.com/office/powerpoint/2015/main" val="1"/>
+              </p:ext>
+            </p:extLst>
+          </p:nvPr>
+        </p:nvSpPr>
+        <p:spPr>
+          <a:xfrm>
+            <a:off x="6739128" y="2372868"/>
+            <a:ext cx="3255095" cy="18288"/>
+          </a:xfrm>
+          <a:custGeom>
+            <a:avLst/>
+            <a:gdLst>
+              <a:gd name="connsiteX0" fmla="*/ 0 w 3255095"/>
+              <a:gd name="connsiteY0" fmla="*/ 0 h 18288"/>
+              <a:gd name="connsiteX1" fmla="*/ 618468 w 3255095"/>
+              <a:gd name="connsiteY1" fmla="*/ 0 h 18288"/>
+              <a:gd name="connsiteX2" fmla="*/ 1269487 w 3255095"/>
+              <a:gd name="connsiteY2" fmla="*/ 0 h 18288"/>
+              <a:gd name="connsiteX3" fmla="*/ 1953057 w 3255095"/>
+              <a:gd name="connsiteY3" fmla="*/ 0 h 18288"/>
+              <a:gd name="connsiteX4" fmla="*/ 2636627 w 3255095"/>
+              <a:gd name="connsiteY4" fmla="*/ 0 h 18288"/>
+              <a:gd name="connsiteX5" fmla="*/ 3255095 w 3255095"/>
+              <a:gd name="connsiteY5" fmla="*/ 0 h 18288"/>
+              <a:gd name="connsiteX6" fmla="*/ 3255095 w 3255095"/>
+              <a:gd name="connsiteY6" fmla="*/ 18288 h 18288"/>
+              <a:gd name="connsiteX7" fmla="*/ 2538974 w 3255095"/>
+              <a:gd name="connsiteY7" fmla="*/ 18288 h 18288"/>
+              <a:gd name="connsiteX8" fmla="*/ 1822853 w 3255095"/>
+              <a:gd name="connsiteY8" fmla="*/ 18288 h 18288"/>
+              <a:gd name="connsiteX9" fmla="*/ 1171834 w 3255095"/>
+              <a:gd name="connsiteY9" fmla="*/ 18288 h 18288"/>
+              <a:gd name="connsiteX10" fmla="*/ 0 w 3255095"/>
+              <a:gd name="connsiteY10" fmla="*/ 18288 h 18288"/>
+              <a:gd name="connsiteX11" fmla="*/ 0 w 3255095"/>
+              <a:gd name="connsiteY11" fmla="*/ 0 h 18288"/>
+            </a:gdLst>
+            <a:ahLst/>
+            <a:cxnLst>
+              <a:cxn ang="0">
+                <a:pos x="connsiteX0" y="connsiteY0"/>
+              </a:cxn>
+              <a:cxn ang="0">
+                <a:pos x="connsiteX1" y="connsiteY1"/>
+              </a:cxn>
+              <a:cxn ang="0">
+                <a:pos x="connsiteX2" y="connsiteY2"/>
+              </a:cxn>
+              <a:cxn ang="0">
+                <a:pos x="connsiteX3" y="connsiteY3"/>
+              </a:cxn>
+              <a:cxn ang="0">
+                <a:pos x="connsiteX4" y="connsiteY4"/>
+              </a:cxn>
+              <a:cxn ang="0">
+                <a:pos x="connsiteX5" y="connsiteY5"/>
+              </a:cxn>
+              <a:cxn ang="0">
+                <a:pos x="connsiteX6" y="connsiteY6"/>
+              </a:cxn>
+              <a:cxn ang="0">
+                <a:pos x="connsiteX7" y="connsiteY7"/>
+              </a:cxn>
+              <a:cxn ang="0">
+                <a:pos x="connsiteX8" y="connsiteY8"/>
+              </a:cxn>
+              <a:cxn ang="0">
+                <a:pos x="connsiteX9" y="connsiteY9"/>
+              </a:cxn>
+              <a:cxn ang="0">
+                <a:pos x="connsiteX10" y="connsiteY10"/>
+              </a:cxn>
+              <a:cxn ang="0">
+                <a:pos x="connsiteX11" y="connsiteY11"/>
+              </a:cxn>
+            </a:cxnLst>
+            <a:rect l="l" t="t" r="r" b="b"/>
+            <a:pathLst>
+              <a:path w="3255095" h="18288" fill="none" extrusionOk="0">
+                <a:moveTo>
+                  <a:pt x="0" y="0"/>
+                </a:moveTo>
+                <a:cubicBezTo>
+                  <a:pt x="240201" y="-22123"/>
+                  <a:pt x="462021" y="-19623"/>
+                  <a:pt x="618468" y="0"/>
+                </a:cubicBezTo>
+                <a:cubicBezTo>
+                  <a:pt x="774915" y="19623"/>
+                  <a:pt x="974734" y="2035"/>
+                  <a:pt x="1269487" y="0"/>
+                </a:cubicBezTo>
+                <a:cubicBezTo>
+                  <a:pt x="1564240" y="-2035"/>
+                  <a:pt x="1733579" y="10639"/>
+                  <a:pt x="1953057" y="0"/>
+                </a:cubicBezTo>
+                <a:cubicBezTo>
+                  <a:pt x="2172535" y="-10639"/>
+                  <a:pt x="2453962" y="14018"/>
+                  <a:pt x="2636627" y="0"/>
+                </a:cubicBezTo>
+                <a:cubicBezTo>
+                  <a:pt x="2819292" y="-14018"/>
+                  <a:pt x="3121375" y="5399"/>
+                  <a:pt x="3255095" y="0"/>
+                </a:cubicBezTo>
+                <a:cubicBezTo>
+                  <a:pt x="3254386" y="8157"/>
+                  <a:pt x="3254682" y="12125"/>
+                  <a:pt x="3255095" y="18288"/>
+                </a:cubicBezTo>
+                <a:cubicBezTo>
+                  <a:pt x="3088545" y="23203"/>
+                  <a:pt x="2687475" y="7419"/>
+                  <a:pt x="2538974" y="18288"/>
+                </a:cubicBezTo>
+                <a:cubicBezTo>
+                  <a:pt x="2390473" y="29157"/>
+                  <a:pt x="2137381" y="-8959"/>
+                  <a:pt x="1822853" y="18288"/>
+                </a:cubicBezTo>
+                <a:cubicBezTo>
+                  <a:pt x="1508325" y="45535"/>
+                  <a:pt x="1466437" y="20385"/>
+                  <a:pt x="1171834" y="18288"/>
+                </a:cubicBezTo>
+                <a:cubicBezTo>
+                  <a:pt x="877231" y="16191"/>
+                  <a:pt x="561097" y="37643"/>
+                  <a:pt x="0" y="18288"/>
+                </a:cubicBezTo>
+                <a:cubicBezTo>
+                  <a:pt x="-46" y="12483"/>
+                  <a:pt x="-203" y="6491"/>
+                  <a:pt x="0" y="0"/>
+                </a:cubicBezTo>
+                <a:close/>
+              </a:path>
+              <a:path w="3255095" h="18288" stroke="0" extrusionOk="0">
+                <a:moveTo>
+                  <a:pt x="0" y="0"/>
+                </a:moveTo>
+                <a:cubicBezTo>
+                  <a:pt x="291965" y="19429"/>
+                  <a:pt x="363155" y="8568"/>
+                  <a:pt x="618468" y="0"/>
+                </a:cubicBezTo>
+                <a:cubicBezTo>
+                  <a:pt x="873781" y="-8568"/>
+                  <a:pt x="904459" y="-19505"/>
+                  <a:pt x="1171834" y="0"/>
+                </a:cubicBezTo>
+                <a:cubicBezTo>
+                  <a:pt x="1439209" y="19505"/>
+                  <a:pt x="1744369" y="9790"/>
+                  <a:pt x="1887955" y="0"/>
+                </a:cubicBezTo>
+                <a:cubicBezTo>
+                  <a:pt x="2031541" y="-9790"/>
+                  <a:pt x="2346378" y="21240"/>
+                  <a:pt x="2506423" y="0"/>
+                </a:cubicBezTo>
+                <a:cubicBezTo>
+                  <a:pt x="2666468" y="-21240"/>
+                  <a:pt x="2990257" y="30414"/>
+                  <a:pt x="3255095" y="0"/>
+                </a:cubicBezTo>
+                <a:cubicBezTo>
+                  <a:pt x="3254831" y="4493"/>
+                  <a:pt x="3255479" y="9472"/>
+                  <a:pt x="3255095" y="18288"/>
+                </a:cubicBezTo>
+                <a:cubicBezTo>
+                  <a:pt x="3120743" y="16690"/>
+                  <a:pt x="2759628" y="42462"/>
+                  <a:pt x="2604076" y="18288"/>
+                </a:cubicBezTo>
+                <a:cubicBezTo>
+                  <a:pt x="2448524" y="-5886"/>
+                  <a:pt x="2184336" y="19599"/>
+                  <a:pt x="1887955" y="18288"/>
+                </a:cubicBezTo>
+                <a:cubicBezTo>
+                  <a:pt x="1591574" y="16977"/>
+                  <a:pt x="1548845" y="6870"/>
+                  <a:pt x="1334589" y="18288"/>
+                </a:cubicBezTo>
+                <a:cubicBezTo>
+                  <a:pt x="1120333" y="29706"/>
+                  <a:pt x="996014" y="9662"/>
+                  <a:pt x="683570" y="18288"/>
+                </a:cubicBezTo>
+                <a:cubicBezTo>
+                  <a:pt x="371126" y="26914"/>
+                  <a:pt x="198687" y="16167"/>
+                  <a:pt x="0" y="18288"/>
+                </a:cubicBezTo>
+                <a:cubicBezTo>
+                  <a:pt x="843" y="9577"/>
+                  <a:pt x="371" y="6900"/>
+                  <a:pt x="0" y="0"/>
+                </a:cubicBezTo>
+                <a:close/>
+              </a:path>
+            </a:pathLst>
+          </a:custGeom>
+          <a:solidFill>
+            <a:schemeClr val="accent2"/>
+          </a:solidFill>
+          <a:ln w="38100" cap="rnd">
+            <a:solidFill>
+              <a:schemeClr val="accent2"/>
+            </a:solidFill>
+            <a:round/>
+            <a:extLst>
+              <a:ext uri="{C807C97D-BFC1-408E-A445-0C87EB9F89A2}">
+                <ask:lineSketchStyleProps xmlns:ask="http://schemas.microsoft.com/office/drawing/2018/sketchyshapes" sd="1219033472">
+                  <a:prstGeom prst="rect">
+                    <a:avLst/>
+                  </a:prstGeom>
+                  <ask:type>
+                    <ask:lineSketchFreehand/>
+                  </ask:type>
+                </ask:lineSketchStyleProps>
+              </a:ext>
+            </a:extLst>
+          </a:ln>
+        </p:spPr>
+        <p:style>
+          <a:lnRef idx="2">
+            <a:schemeClr val="accent1">
+              <a:shade val="50000"/>
+            </a:schemeClr>
+          </a:lnRef>
+          <a:fillRef idx="1">
+            <a:schemeClr val="accent1"/>
+          </a:fillRef>
+          <a:effectRef idx="0">
+            <a:schemeClr val="accent1"/>
+          </a:effectRef>
+          <a:fontRef idx="minor">
+            <a:schemeClr val="lt1"/>
+          </a:fontRef>
+        </p:style>
+        <p:txBody>
+          <a:bodyPr rtlCol="0" anchor="ctr"/>
+          <a:lstStyle/>
+          <a:p>
+            <a:pPr algn="ctr"/>
+            <a:endParaRPr lang="en-US"/>
+          </a:p>
+        </p:txBody>
+      </p:sp>
       <p:sp>
         <p:nvSpPr>
           <p:cNvPr id="6" name="TextBox 5">
@@ -20371,8 +20178,8 @@
         </p:nvSpPr>
         <p:spPr>
           <a:xfrm>
-            <a:off x="6695359" y="2990818"/>
-            <a:ext cx="4158031" cy="2913872"/>
+            <a:off x="6739128" y="2664886"/>
+            <a:ext cx="4818888" cy="3550789"/>
           </a:xfrm>
           <a:prstGeom prst="rect">
             <a:avLst/>
@@ -20395,12 +20202,7 @@
               <a:buChar char="•"/>
             </a:pPr>
             <a:r>
-              <a:rPr lang="en-US" sz="1400" b="1" i="0" u="none" strike="noStrike" dirty="0">
-                <a:solidFill>
-                  <a:schemeClr val="tx1">
-                    <a:alpha val="80000"/>
-                  </a:schemeClr>
-                </a:solidFill>
+              <a:rPr lang="en-US" sz="1900" b="1" i="0" u="none" strike="noStrike">
                 <a:effectLst/>
               </a:rPr>
               <a:t>Current State:</a:t>
@@ -20418,12 +20220,7 @@
               <a:buChar char="•"/>
             </a:pPr>
             <a:r>
-              <a:rPr lang="en-US" sz="1400" b="0" i="0" u="none" strike="noStrike" dirty="0">
-                <a:solidFill>
-                  <a:schemeClr val="tx1">
-                    <a:alpha val="80000"/>
-                  </a:schemeClr>
-                </a:solidFill>
+              <a:rPr lang="en-US" sz="1900" b="0" i="0" u="none" strike="noStrike">
                 <a:effectLst/>
               </a:rPr>
               <a:t>Local deployment for Front-End (FE) and Back-End (BE) services.</a:t>
@@ -20441,12 +20238,7 @@
               <a:buChar char="•"/>
             </a:pPr>
             <a:r>
-              <a:rPr lang="en-US" sz="1400" b="0" i="0" u="none" strike="noStrike" dirty="0">
-                <a:solidFill>
-                  <a:schemeClr val="tx1">
-                    <a:alpha val="80000"/>
-                  </a:schemeClr>
-                </a:solidFill>
+              <a:rPr lang="en-US" sz="1900" b="0" i="0" u="none" strike="noStrike">
                 <a:effectLst/>
               </a:rPr>
               <a:t>Accessible via tunneling tools for testing and development.</a:t>
@@ -20464,12 +20256,7 @@
               <a:buChar char="•"/>
             </a:pPr>
             <a:r>
-              <a:rPr lang="en-US" sz="1400" b="1" i="0" u="none" strike="noStrike" dirty="0">
-                <a:solidFill>
-                  <a:schemeClr val="tx1">
-                    <a:alpha val="80000"/>
-                  </a:schemeClr>
-                </a:solidFill>
+              <a:rPr lang="en-US" sz="1900" b="1" i="0" u="none" strike="noStrike">
                 <a:effectLst/>
               </a:rPr>
               <a:t>Future Plan:</a:t>
@@ -20487,23 +20274,13 @@
               <a:buChar char="•"/>
             </a:pPr>
             <a:r>
-              <a:rPr lang="en-US" sz="1400" b="1" i="0" u="none" strike="noStrike" dirty="0">
-                <a:solidFill>
-                  <a:schemeClr val="tx1">
-                    <a:alpha val="80000"/>
-                  </a:schemeClr>
-                </a:solidFill>
+              <a:rPr lang="en-US" sz="1900" b="1" i="0" u="none" strike="noStrike">
                 <a:effectLst/>
               </a:rPr>
               <a:t>Cloud Deployment</a:t>
             </a:r>
             <a:r>
-              <a:rPr lang="en-US" sz="1400" b="0" i="0" u="none" strike="noStrike" dirty="0">
-                <a:solidFill>
-                  <a:schemeClr val="tx1">
-                    <a:alpha val="80000"/>
-                  </a:schemeClr>
-                </a:solidFill>
+              <a:rPr lang="en-US" sz="1900" b="0" i="0" u="none" strike="noStrike">
                 <a:effectLst/>
               </a:rPr>
               <a:t>:</a:t>
@@ -20521,12 +20298,7 @@
               <a:buChar char="•"/>
             </a:pPr>
             <a:r>
-              <a:rPr lang="en-US" sz="1400" b="0" i="0" u="none" strike="noStrike" dirty="0">
-                <a:solidFill>
-                  <a:schemeClr val="tx1">
-                    <a:alpha val="80000"/>
-                  </a:schemeClr>
-                </a:solidFill>
+              <a:rPr lang="en-US" sz="1900" b="0" i="0" u="none" strike="noStrike">
                 <a:effectLst/>
               </a:rPr>
               <a:t>Target platforms: AWS, Azure, or Google Cloud.</a:t>
@@ -20544,12 +20316,7 @@
               <a:buChar char="•"/>
             </a:pPr>
             <a:r>
-              <a:rPr lang="en-US" sz="1400" b="0" i="0" u="none" strike="noStrike" dirty="0">
-                <a:solidFill>
-                  <a:schemeClr val="tx1">
-                    <a:alpha val="80000"/>
-                  </a:schemeClr>
-                </a:solidFill>
+              <a:rPr lang="en-US" sz="1900" b="0" i="0" u="none" strike="noStrike">
                 <a:effectLst/>
               </a:rPr>
               <a:t>Goals: High availability, scalability, and secure access.</a:t>
@@ -20557,175 +20324,6 @@
           </a:p>
         </p:txBody>
       </p:sp>
-      <p:sp>
-        <p:nvSpPr>
-          <p:cNvPr id="54" name="Graphic 10">
-            <a:extLst>
-              <a:ext uri="{FF2B5EF4-FFF2-40B4-BE49-F238E27FC236}">
-                <a16:creationId xmlns:a16="http://schemas.microsoft.com/office/drawing/2014/main" id="{E3020543-B24B-4EC4-8FFC-8DD88EEA91A8}"/>
-              </a:ext>
-              <a:ext uri="{C183D7F6-B498-43B3-948B-1728B52AA6E4}">
-                <adec:decorative xmlns:adec="http://schemas.microsoft.com/office/drawing/2017/decorative" val="1"/>
-              </a:ext>
-            </a:extLst>
-          </p:cNvPr>
-          <p:cNvSpPr>
-            <a:spLocks noGrp="1" noRot="1" noChangeAspect="1" noMove="1" noResize="1" noEditPoints="1" noAdjustHandles="1" noChangeArrowheads="1" noChangeShapeType="1" noTextEdit="1"/>
-          </p:cNvSpPr>
-          <p:nvPr>
-            <p:extLst>
-              <p:ext uri="{386F3935-93C4-4BCD-93E2-E3B085C9AB24}">
-                <p16:designElem xmlns:p16="http://schemas.microsoft.com/office/powerpoint/2015/main" val="1"/>
-              </p:ext>
-            </p:extLst>
-          </p:nvPr>
-        </p:nvSpPr>
-        <p:spPr>
-          <a:xfrm>
-            <a:off x="5454149" y="5775082"/>
-            <a:ext cx="112426" cy="112426"/>
-          </a:xfrm>
-          <a:custGeom>
-            <a:avLst/>
-            <a:gdLst>
-              <a:gd name="connsiteX0" fmla="*/ 112426 w 112426"/>
-              <a:gd name="connsiteY0" fmla="*/ 56213 h 112426"/>
-              <a:gd name="connsiteX1" fmla="*/ 56213 w 112426"/>
-              <a:gd name="connsiteY1" fmla="*/ 112426 h 112426"/>
-              <a:gd name="connsiteX2" fmla="*/ 0 w 112426"/>
-              <a:gd name="connsiteY2" fmla="*/ 56213 h 112426"/>
-              <a:gd name="connsiteX3" fmla="*/ 56213 w 112426"/>
-              <a:gd name="connsiteY3" fmla="*/ 0 h 112426"/>
-              <a:gd name="connsiteX4" fmla="*/ 112426 w 112426"/>
-              <a:gd name="connsiteY4" fmla="*/ 56213 h 112426"/>
-            </a:gdLst>
-            <a:ahLst/>
-            <a:cxnLst>
-              <a:cxn ang="0">
-                <a:pos x="connsiteX0" y="connsiteY0"/>
-              </a:cxn>
-              <a:cxn ang="0">
-                <a:pos x="connsiteX1" y="connsiteY1"/>
-              </a:cxn>
-              <a:cxn ang="0">
-                <a:pos x="connsiteX2" y="connsiteY2"/>
-              </a:cxn>
-              <a:cxn ang="0">
-                <a:pos x="connsiteX3" y="connsiteY3"/>
-              </a:cxn>
-              <a:cxn ang="0">
-                <a:pos x="connsiteX4" y="connsiteY4"/>
-              </a:cxn>
-            </a:cxnLst>
-            <a:rect l="l" t="t" r="r" b="b"/>
-            <a:pathLst>
-              <a:path w="112426" h="112426">
-                <a:moveTo>
-                  <a:pt x="112426" y="56213"/>
-                </a:moveTo>
-                <a:cubicBezTo>
-                  <a:pt x="112426" y="87259"/>
-                  <a:pt x="87259" y="112426"/>
-                  <a:pt x="56213" y="112426"/>
-                </a:cubicBezTo>
-                <a:cubicBezTo>
-                  <a:pt x="25167" y="112426"/>
-                  <a:pt x="0" y="87259"/>
-                  <a:pt x="0" y="56213"/>
-                </a:cubicBezTo>
-                <a:cubicBezTo>
-                  <a:pt x="0" y="25167"/>
-                  <a:pt x="25167" y="0"/>
-                  <a:pt x="56213" y="0"/>
-                </a:cubicBezTo>
-                <a:cubicBezTo>
-                  <a:pt x="87259" y="0"/>
-                  <a:pt x="112426" y="25167"/>
-                  <a:pt x="112426" y="56213"/>
-                </a:cubicBezTo>
-                <a:close/>
-              </a:path>
-            </a:pathLst>
-          </a:custGeom>
-          <a:solidFill>
-            <a:schemeClr val="accent1"/>
-          </a:solidFill>
-          <a:ln w="516" cap="flat">
-            <a:noFill/>
-            <a:prstDash val="solid"/>
-            <a:miter/>
-          </a:ln>
-        </p:spPr>
-        <p:txBody>
-          <a:bodyPr rtlCol="0" anchor="ctr"/>
-          <a:lstStyle/>
-          <a:p>
-            <a:endParaRPr lang="en-US"/>
-          </a:p>
-        </p:txBody>
-      </p:sp>
-      <p:cxnSp>
-        <p:nvCxnSpPr>
-          <p:cNvPr id="56" name="Straight Connector 55">
-            <a:extLst>
-              <a:ext uri="{FF2B5EF4-FFF2-40B4-BE49-F238E27FC236}">
-                <a16:creationId xmlns:a16="http://schemas.microsoft.com/office/drawing/2014/main" id="{C49DA8F6-BCC1-4447-B54C-57856834B94B}"/>
-              </a:ext>
-              <a:ext uri="{C183D7F6-B498-43B3-948B-1728B52AA6E4}">
-                <adec:decorative xmlns:adec="http://schemas.microsoft.com/office/drawing/2017/decorative" val="1"/>
-              </a:ext>
-            </a:extLst>
-          </p:cNvPr>
-          <p:cNvCxnSpPr>
-            <a:cxnSpLocks noGrp="1" noRot="1" noChangeAspect="1" noMove="1" noResize="1" noEditPoints="1" noAdjustHandles="1" noChangeArrowheads="1" noChangeShapeType="1"/>
-          </p:cNvCxnSpPr>
-          <p:nvPr>
-            <p:extLst>
-              <p:ext uri="{386F3935-93C4-4BCD-93E2-E3B085C9AB24}">
-                <p16:designElem xmlns:p16="http://schemas.microsoft.com/office/powerpoint/2015/main" val="1"/>
-              </p:ext>
-            </p:extLst>
-          </p:nvPr>
-        </p:nvCxnSpPr>
-        <p:spPr>
-          <a:xfrm>
-            <a:off x="11586162" y="3610394"/>
-            <a:ext cx="0" cy="3238728"/>
-          </a:xfrm>
-          <a:prstGeom prst="line">
-            <a:avLst/>
-          </a:prstGeom>
-          <a:ln w="25400" cap="sq">
-            <a:gradFill flip="none" rotWithShape="1">
-              <a:gsLst>
-                <a:gs pos="0">
-                  <a:schemeClr val="accent1"/>
-                </a:gs>
-                <a:gs pos="100000">
-                  <a:schemeClr val="accent2"/>
-                </a:gs>
-              </a:gsLst>
-              <a:lin ang="16200000" scaled="1"/>
-              <a:tileRect/>
-            </a:gradFill>
-            <a:bevel/>
-          </a:ln>
-        </p:spPr>
-        <p:style>
-          <a:lnRef idx="1">
-            <a:schemeClr val="accent1"/>
-          </a:lnRef>
-          <a:fillRef idx="0">
-            <a:schemeClr val="accent1"/>
-          </a:fillRef>
-          <a:effectRef idx="0">
-            <a:schemeClr val="accent1"/>
-          </a:effectRef>
-          <a:fontRef idx="minor">
-            <a:schemeClr val="tx1"/>
-          </a:fontRef>
-        </p:style>
-      </p:cxnSp>
     </p:spTree>
     <p:extLst>
       <p:ext uri="{BB962C8B-B14F-4D97-AF65-F5344CB8AC3E}">
@@ -20764,12 +20362,12 @@
           <a:chExt cx="0" cy="0"/>
         </a:xfrm>
       </p:grpSpPr>
-      <p:sp>
+      <p:sp useBgFill="1">
         <p:nvSpPr>
-          <p:cNvPr id="10" name="Rectangle 9">
+          <p:cNvPr id="27" name="Rectangle 26">
             <a:extLst>
               <a:ext uri="{FF2B5EF4-FFF2-40B4-BE49-F238E27FC236}">
-                <a16:creationId xmlns:a16="http://schemas.microsoft.com/office/drawing/2014/main" id="{F3060C83-F051-4F0E-ABAD-AA0DFC48B218}"/>
+                <a16:creationId xmlns:a16="http://schemas.microsoft.com/office/drawing/2014/main" id="{2D2B266D-3625-4584-A5C3-7D3F672CFF30}"/>
               </a:ext>
               <a:ext uri="{C183D7F6-B498-43B3-948B-1728B52AA6E4}">
                 <adec:decorative xmlns:adec="http://schemas.microsoft.com/office/drawing/2017/decorative" val="1"/>
@@ -20790,14 +20388,11 @@
         <p:spPr>
           <a:xfrm>
             <a:off x="0" y="0"/>
-            <a:ext cx="12192000" cy="6858000"/>
+            <a:ext cx="12188952" cy="6858000"/>
           </a:xfrm>
           <a:prstGeom prst="rect">
             <a:avLst/>
           </a:prstGeom>
-          <a:solidFill>
-            <a:schemeClr val="bg1"/>
-          </a:solidFill>
           <a:ln>
             <a:noFill/>
           </a:ln>
@@ -20823,16 +20418,16 @@
           <a:lstStyle/>
           <a:p>
             <a:pPr algn="ctr"/>
-            <a:endParaRPr lang="en-US" dirty="0"/>
+            <a:endParaRPr lang="en-US"/>
           </a:p>
         </p:txBody>
       </p:sp>
       <p:sp>
         <p:nvSpPr>
-          <p:cNvPr id="12" name="Freeform: Shape 11">
+          <p:cNvPr id="29" name="Rectangle 28">
             <a:extLst>
               <a:ext uri="{FF2B5EF4-FFF2-40B4-BE49-F238E27FC236}">
-                <a16:creationId xmlns:a16="http://schemas.microsoft.com/office/drawing/2014/main" id="{83C98ABE-055B-441F-B07E-44F97F083C39}"/>
+                <a16:creationId xmlns:a16="http://schemas.microsoft.com/office/drawing/2014/main" id="{C463B99A-73EE-4FBB-B7C4-F9F9BCC25C65}"/>
               </a:ext>
               <a:ext uri="{C183D7F6-B498-43B3-948B-1728B52AA6E4}">
                 <adec:decorative xmlns:adec="http://schemas.microsoft.com/office/drawing/2017/decorative" val="1"/>
@@ -20851,133 +20446,15 @@
           </p:nvPr>
         </p:nvSpPr>
         <p:spPr>
-          <a:xfrm rot="18900000" flipH="1">
-            <a:off x="-376156" y="-253670"/>
-            <a:ext cx="1827638" cy="1376989"/>
-          </a:xfrm>
-          <a:custGeom>
-            <a:avLst/>
-            <a:gdLst>
-              <a:gd name="connsiteX0" fmla="*/ 0 w 1827638"/>
-              <a:gd name="connsiteY0" fmla="*/ 987379 h 1376989"/>
-              <a:gd name="connsiteX1" fmla="*/ 987379 w 1827638"/>
-              <a:gd name="connsiteY1" fmla="*/ 0 h 1376989"/>
-              <a:gd name="connsiteX2" fmla="*/ 1827638 w 1827638"/>
-              <a:gd name="connsiteY2" fmla="*/ 840260 h 1376989"/>
-              <a:gd name="connsiteX3" fmla="*/ 1827638 w 1827638"/>
-              <a:gd name="connsiteY3" fmla="*/ 1376989 h 1376989"/>
-              <a:gd name="connsiteX4" fmla="*/ 0 w 1827638"/>
-              <a:gd name="connsiteY4" fmla="*/ 1376989 h 1376989"/>
-            </a:gdLst>
-            <a:ahLst/>
-            <a:cxnLst>
-              <a:cxn ang="0">
-                <a:pos x="connsiteX0" y="connsiteY0"/>
-              </a:cxn>
-              <a:cxn ang="0">
-                <a:pos x="connsiteX1" y="connsiteY1"/>
-              </a:cxn>
-              <a:cxn ang="0">
-                <a:pos x="connsiteX2" y="connsiteY2"/>
-              </a:cxn>
-              <a:cxn ang="0">
-                <a:pos x="connsiteX3" y="connsiteY3"/>
-              </a:cxn>
-              <a:cxn ang="0">
-                <a:pos x="connsiteX4" y="connsiteY4"/>
-              </a:cxn>
-            </a:cxnLst>
-            <a:rect l="l" t="t" r="r" b="b"/>
-            <a:pathLst>
-              <a:path w="1827638" h="1376989">
-                <a:moveTo>
-                  <a:pt x="0" y="987379"/>
-                </a:moveTo>
-                <a:lnTo>
-                  <a:pt x="987379" y="0"/>
-                </a:lnTo>
-                <a:lnTo>
-                  <a:pt x="1827638" y="840260"/>
-                </a:lnTo>
-                <a:lnTo>
-                  <a:pt x="1827638" y="1376989"/>
-                </a:lnTo>
-                <a:lnTo>
-                  <a:pt x="0" y="1376989"/>
-                </a:lnTo>
-                <a:close/>
-              </a:path>
-            </a:pathLst>
-          </a:custGeom>
-          <a:solidFill>
-            <a:schemeClr val="accent1">
-              <a:alpha val="30000"/>
-            </a:schemeClr>
-          </a:solidFill>
-          <a:ln>
-            <a:noFill/>
-          </a:ln>
-        </p:spPr>
-        <p:style>
-          <a:lnRef idx="2">
-            <a:schemeClr val="accent1">
-              <a:shade val="50000"/>
-            </a:schemeClr>
-          </a:lnRef>
-          <a:fillRef idx="1">
-            <a:schemeClr val="accent1"/>
-          </a:fillRef>
-          <a:effectRef idx="0">
-            <a:schemeClr val="accent1"/>
-          </a:effectRef>
-          <a:fontRef idx="minor">
-            <a:schemeClr val="lt1"/>
-          </a:fontRef>
-        </p:style>
-        <p:txBody>
-          <a:bodyPr rtlCol="0" anchor="ctr"/>
-          <a:lstStyle/>
-          <a:p>
-            <a:pPr algn="ctr"/>
-            <a:endParaRPr lang="en-US" dirty="0"/>
-          </a:p>
-        </p:txBody>
-      </p:sp>
-      <p:sp>
-        <p:nvSpPr>
-          <p:cNvPr id="14" name="Rectangle 13">
-            <a:extLst>
-              <a:ext uri="{FF2B5EF4-FFF2-40B4-BE49-F238E27FC236}">
-                <a16:creationId xmlns:a16="http://schemas.microsoft.com/office/drawing/2014/main" id="{29FDB030-9B49-4CED-8CCD-4D99382388AC}"/>
-              </a:ext>
-              <a:ext uri="{C183D7F6-B498-43B3-948B-1728B52AA6E4}">
-                <adec:decorative xmlns:adec="http://schemas.microsoft.com/office/drawing/2017/decorative" val="1"/>
-              </a:ext>
-            </a:extLst>
-          </p:cNvPr>
-          <p:cNvSpPr>
-            <a:spLocks noGrp="1" noRot="1" noChangeAspect="1" noMove="1" noResize="1" noEditPoints="1" noAdjustHandles="1" noChangeArrowheads="1" noChangeShapeType="1" noTextEdit="1"/>
-          </p:cNvSpPr>
-          <p:nvPr>
-            <p:extLst>
-              <p:ext uri="{386F3935-93C4-4BCD-93E2-E3B085C9AB24}">
-                <p16:designElem xmlns:p16="http://schemas.microsoft.com/office/powerpoint/2015/main" val="1"/>
-              </p:ext>
-            </p:extLst>
-          </p:nvPr>
-        </p:nvSpPr>
-        <p:spPr>
-          <a:xfrm rot="18900000" flipH="1">
-            <a:off x="891641" y="422146"/>
-            <a:ext cx="645368" cy="645368"/>
+          <a:xfrm>
+            <a:off x="0" y="0"/>
+            <a:ext cx="12188952" cy="6858000"/>
           </a:xfrm>
           <a:prstGeom prst="rect">
             <a:avLst/>
           </a:prstGeom>
           <a:solidFill>
-            <a:schemeClr val="accent1">
-              <a:alpha val="30000"/>
-            </a:schemeClr>
+            <a:schemeClr val="accent2"/>
           </a:solidFill>
           <a:ln>
             <a:noFill/>
@@ -21010,10 +20487,10 @@
       </p:sp>
       <p:sp>
         <p:nvSpPr>
-          <p:cNvPr id="16" name="Rectangle 15">
+          <p:cNvPr id="31" name="Freeform: Shape 30">
             <a:extLst>
               <a:ext uri="{FF2B5EF4-FFF2-40B4-BE49-F238E27FC236}">
-                <a16:creationId xmlns:a16="http://schemas.microsoft.com/office/drawing/2014/main" id="{3783CA14-24A1-485C-8B30-D6A5D87987AD}"/>
+                <a16:creationId xmlns:a16="http://schemas.microsoft.com/office/drawing/2014/main" id="{A5D2A5D1-BA0D-47D3-B051-DA7743C46E28}"/>
               </a:ext>
               <a:ext uri="{C183D7F6-B498-43B3-948B-1728B52AA6E4}">
                 <adec:decorative xmlns:adec="http://schemas.microsoft.com/office/drawing/2017/decorative" val="1"/>
@@ -21032,86 +20509,131 @@
           </p:nvPr>
         </p:nvSpPr>
         <p:spPr>
-          <a:xfrm rot="18900000" flipH="1">
-            <a:off x="10043482" y="655140"/>
-            <a:ext cx="687472" cy="687472"/>
-          </a:xfrm>
-          <a:prstGeom prst="rect">
-            <a:avLst/>
-          </a:prstGeom>
-          <a:solidFill>
-            <a:schemeClr val="accent4">
-              <a:alpha val="30000"/>
-            </a:schemeClr>
-          </a:solidFill>
-          <a:ln>
-            <a:noFill/>
-          </a:ln>
-        </p:spPr>
-        <p:style>
-          <a:lnRef idx="2">
-            <a:schemeClr val="accent1">
-              <a:shade val="50000"/>
-            </a:schemeClr>
-          </a:lnRef>
-          <a:fillRef idx="1">
-            <a:schemeClr val="accent1"/>
-          </a:fillRef>
-          <a:effectRef idx="0">
-            <a:schemeClr val="accent1"/>
-          </a:effectRef>
-          <a:fontRef idx="minor">
-            <a:schemeClr val="lt1"/>
-          </a:fontRef>
-        </p:style>
-        <p:txBody>
-          <a:bodyPr rtlCol="0" anchor="ctr"/>
-          <a:lstStyle/>
-          <a:p>
-            <a:pPr algn="ctr"/>
-            <a:endParaRPr lang="en-US"/>
-          </a:p>
-        </p:txBody>
-      </p:sp>
-      <p:sp>
-        <p:nvSpPr>
-          <p:cNvPr id="18" name="Freeform: Shape 17">
-            <a:extLst>
-              <a:ext uri="{FF2B5EF4-FFF2-40B4-BE49-F238E27FC236}">
-                <a16:creationId xmlns:a16="http://schemas.microsoft.com/office/drawing/2014/main" id="{9A97C86A-04D6-40F7-AE84-31AB43E6A846}"/>
-              </a:ext>
-              <a:ext uri="{C183D7F6-B498-43B3-948B-1728B52AA6E4}">
-                <adec:decorative xmlns:adec="http://schemas.microsoft.com/office/drawing/2017/decorative" val="1"/>
-              </a:ext>
-            </a:extLst>
-          </p:cNvPr>
-          <p:cNvSpPr>
-            <a:spLocks noGrp="1" noRot="1" noChangeAspect="1" noMove="1" noResize="1" noEditPoints="1" noAdjustHandles="1" noChangeArrowheads="1" noChangeShapeType="1" noTextEdit="1"/>
-          </p:cNvSpPr>
-          <p:nvPr>
-            <p:extLst>
-              <p:ext uri="{386F3935-93C4-4BCD-93E2-E3B085C9AB24}">
-                <p16:designElem xmlns:p16="http://schemas.microsoft.com/office/powerpoint/2015/main" val="1"/>
-              </p:ext>
-            </p:extLst>
-          </p:nvPr>
-        </p:nvSpPr>
-        <p:spPr>
-          <a:xfrm rot="10800000" flipH="1">
-            <a:off x="9356643" y="0"/>
-            <a:ext cx="2835357" cy="1480837"/>
+          <a:xfrm>
+            <a:off x="0" y="0"/>
+            <a:ext cx="12192000" cy="6219825"/>
           </a:xfrm>
           <a:custGeom>
             <a:avLst/>
             <a:gdLst>
-              <a:gd name="connsiteX0" fmla="*/ 2835357 w 2835357"/>
-              <a:gd name="connsiteY0" fmla="*/ 1480837 h 1480837"/>
-              <a:gd name="connsiteX1" fmla="*/ 0 w 2835357"/>
-              <a:gd name="connsiteY1" fmla="*/ 1480837 h 1480837"/>
-              <a:gd name="connsiteX2" fmla="*/ 1552727 w 2835357"/>
-              <a:gd name="connsiteY2" fmla="*/ 0 h 1480837"/>
-              <a:gd name="connsiteX3" fmla="*/ 2835357 w 2835357"/>
-              <a:gd name="connsiteY3" fmla="*/ 1223245 h 1480837"/>
+              <a:gd name="connsiteX0" fmla="*/ 6789701 w 12192000"/>
+              <a:gd name="connsiteY0" fmla="*/ 6151588 h 6219825"/>
+              <a:gd name="connsiteX1" fmla="*/ 6788702 w 12192000"/>
+              <a:gd name="connsiteY1" fmla="*/ 6151666 h 6219825"/>
+              <a:gd name="connsiteX2" fmla="*/ 6788476 w 12192000"/>
+              <a:gd name="connsiteY2" fmla="*/ 6152200 h 6219825"/>
+              <a:gd name="connsiteX3" fmla="*/ 9834 w 12192000"/>
+              <a:gd name="connsiteY3" fmla="*/ 0 h 6219825"/>
+              <a:gd name="connsiteX4" fmla="*/ 12357 w 12192000"/>
+              <a:gd name="connsiteY4" fmla="*/ 1 h 6219825"/>
+              <a:gd name="connsiteX5" fmla="*/ 12192000 w 12192000"/>
+              <a:gd name="connsiteY5" fmla="*/ 1 h 6219825"/>
+              <a:gd name="connsiteX6" fmla="*/ 12192000 w 12192000"/>
+              <a:gd name="connsiteY6" fmla="*/ 5105401 h 6219825"/>
+              <a:gd name="connsiteX7" fmla="*/ 12191716 w 12192000"/>
+              <a:gd name="connsiteY7" fmla="*/ 5105401 h 6219825"/>
+              <a:gd name="connsiteX8" fmla="*/ 12192000 w 12192000"/>
+              <a:gd name="connsiteY8" fmla="*/ 5256977 h 6219825"/>
+              <a:gd name="connsiteX9" fmla="*/ 12061096 w 12192000"/>
+              <a:gd name="connsiteY9" fmla="*/ 5296034 h 6219825"/>
+              <a:gd name="connsiteX10" fmla="*/ 11676800 w 12192000"/>
+              <a:gd name="connsiteY10" fmla="*/ 5399652 h 6219825"/>
+              <a:gd name="connsiteX11" fmla="*/ 10425355 w 12192000"/>
+              <a:gd name="connsiteY11" fmla="*/ 5683310 h 6219825"/>
+              <a:gd name="connsiteX12" fmla="*/ 9424022 w 12192000"/>
+              <a:gd name="connsiteY12" fmla="*/ 5858546 h 6219825"/>
+              <a:gd name="connsiteX13" fmla="*/ 8458419 w 12192000"/>
+              <a:gd name="connsiteY13" fmla="*/ 5992303 h 6219825"/>
+              <a:gd name="connsiteX14" fmla="*/ 7715970 w 12192000"/>
+              <a:gd name="connsiteY14" fmla="*/ 6072283 h 6219825"/>
+              <a:gd name="connsiteX15" fmla="*/ 6951716 w 12192000"/>
+              <a:gd name="connsiteY15" fmla="*/ 6138091 h 6219825"/>
+              <a:gd name="connsiteX16" fmla="*/ 6936303 w 12192000"/>
+              <a:gd name="connsiteY16" fmla="*/ 6140163 h 6219825"/>
+              <a:gd name="connsiteX17" fmla="*/ 6790448 w 12192000"/>
+              <a:gd name="connsiteY17" fmla="*/ 6151529 h 6219825"/>
+              <a:gd name="connsiteX18" fmla="*/ 6799941 w 12192000"/>
+              <a:gd name="connsiteY18" fmla="*/ 6153349 h 6219825"/>
+              <a:gd name="connsiteX19" fmla="*/ 6835432 w 12192000"/>
+              <a:gd name="connsiteY19" fmla="*/ 6151642 h 6219825"/>
+              <a:gd name="connsiteX20" fmla="*/ 6884003 w 12192000"/>
+              <a:gd name="connsiteY20" fmla="*/ 6148662 h 6219825"/>
+              <a:gd name="connsiteX21" fmla="*/ 7578771 w 12192000"/>
+              <a:gd name="connsiteY21" fmla="*/ 6116122 h 6219825"/>
+              <a:gd name="connsiteX22" fmla="*/ 8623845 w 12192000"/>
+              <a:gd name="connsiteY22" fmla="*/ 6029188 h 6219825"/>
+              <a:gd name="connsiteX23" fmla="*/ 9479970 w 12192000"/>
+              <a:gd name="connsiteY23" fmla="*/ 5925239 h 6219825"/>
+              <a:gd name="connsiteX24" fmla="*/ 10629308 w 12192000"/>
+              <a:gd name="connsiteY24" fmla="*/ 5731000 h 6219825"/>
+              <a:gd name="connsiteX25" fmla="*/ 11998498 w 12192000"/>
+              <a:gd name="connsiteY25" fmla="*/ 5404869 h 6219825"/>
+              <a:gd name="connsiteX26" fmla="*/ 12192000 w 12192000"/>
+              <a:gd name="connsiteY26" fmla="*/ 5347846 h 6219825"/>
+              <a:gd name="connsiteX27" fmla="*/ 12192000 w 12192000"/>
+              <a:gd name="connsiteY27" fmla="*/ 5402606 h 6219825"/>
+              <a:gd name="connsiteX28" fmla="*/ 11829257 w 12192000"/>
+              <a:gd name="connsiteY28" fmla="*/ 5507950 h 6219825"/>
+              <a:gd name="connsiteX29" fmla="*/ 10939183 w 12192000"/>
+              <a:gd name="connsiteY29" fmla="*/ 5722555 h 6219825"/>
+              <a:gd name="connsiteX30" fmla="*/ 9985530 w 12192000"/>
+              <a:gd name="connsiteY30" fmla="*/ 5902635 h 6219825"/>
+              <a:gd name="connsiteX31" fmla="*/ 9186882 w 12192000"/>
+              <a:gd name="connsiteY31" fmla="*/ 6018631 h 6219825"/>
+              <a:gd name="connsiteX32" fmla="*/ 8578198 w 12192000"/>
+              <a:gd name="connsiteY32" fmla="*/ 6088179 h 6219825"/>
+              <a:gd name="connsiteX33" fmla="*/ 7864358 w 12192000"/>
+              <a:gd name="connsiteY33" fmla="*/ 6149656 h 6219825"/>
+              <a:gd name="connsiteX34" fmla="*/ 6935502 w 12192000"/>
+              <a:gd name="connsiteY34" fmla="*/ 6201071 h 6219825"/>
+              <a:gd name="connsiteX35" fmla="*/ 6477750 w 12192000"/>
+              <a:gd name="connsiteY35" fmla="*/ 6214980 h 6219825"/>
+              <a:gd name="connsiteX36" fmla="*/ 6362294 w 12192000"/>
+              <a:gd name="connsiteY36" fmla="*/ 6219825 h 6219825"/>
+              <a:gd name="connsiteX37" fmla="*/ 6057129 w 12192000"/>
+              <a:gd name="connsiteY37" fmla="*/ 6219825 h 6219825"/>
+              <a:gd name="connsiteX38" fmla="*/ 5977784 w 12192000"/>
+              <a:gd name="connsiteY38" fmla="*/ 6215229 h 6219825"/>
+              <a:gd name="connsiteX39" fmla="*/ 5265087 w 12192000"/>
+              <a:gd name="connsiteY39" fmla="*/ 6178965 h 6219825"/>
+              <a:gd name="connsiteX40" fmla="*/ 4346277 w 12192000"/>
+              <a:gd name="connsiteY40" fmla="*/ 6116869 h 6219825"/>
+              <a:gd name="connsiteX41" fmla="*/ 3373045 w 12192000"/>
+              <a:gd name="connsiteY41" fmla="*/ 6018259 h 6219825"/>
+              <a:gd name="connsiteX42" fmla="*/ 2362173 w 12192000"/>
+              <a:gd name="connsiteY42" fmla="*/ 5899282 h 6219825"/>
+              <a:gd name="connsiteX43" fmla="*/ 1233178 w 12192000"/>
+              <a:gd name="connsiteY43" fmla="*/ 5726033 h 6219825"/>
+              <a:gd name="connsiteX44" fmla="*/ 68500 w 12192000"/>
+              <a:gd name="connsiteY44" fmla="*/ 5486226 h 6219825"/>
+              <a:gd name="connsiteX45" fmla="*/ 0 w 12192000"/>
+              <a:gd name="connsiteY45" fmla="*/ 5468863 h 6219825"/>
+              <a:gd name="connsiteX46" fmla="*/ 0 w 12192000"/>
+              <a:gd name="connsiteY46" fmla="*/ 5412351 h 6219825"/>
+              <a:gd name="connsiteX47" fmla="*/ 72441 w 12192000"/>
+              <a:gd name="connsiteY47" fmla="*/ 5431135 h 6219825"/>
+              <a:gd name="connsiteX48" fmla="*/ 600716 w 12192000"/>
+              <a:gd name="connsiteY48" fmla="*/ 5549555 h 6219825"/>
+              <a:gd name="connsiteX49" fmla="*/ 1769512 w 12192000"/>
+              <a:gd name="connsiteY49" fmla="*/ 5759811 h 6219825"/>
+              <a:gd name="connsiteX50" fmla="*/ 2613554 w 12192000"/>
+              <a:gd name="connsiteY50" fmla="*/ 5876802 h 6219825"/>
+              <a:gd name="connsiteX51" fmla="*/ 2581134 w 12192000"/>
+              <a:gd name="connsiteY51" fmla="*/ 5866867 h 6219825"/>
+              <a:gd name="connsiteX52" fmla="*/ 1112635 w 12192000"/>
+              <a:gd name="connsiteY52" fmla="*/ 5534031 h 6219825"/>
+              <a:gd name="connsiteX53" fmla="*/ 420412 w 12192000"/>
+              <a:gd name="connsiteY53" fmla="*/ 5334514 h 6219825"/>
+              <a:gd name="connsiteX54" fmla="*/ 0 w 12192000"/>
+              <a:gd name="connsiteY54" fmla="*/ 5195539 h 6219825"/>
+              <a:gd name="connsiteX55" fmla="*/ 60 w 12192000"/>
+              <a:gd name="connsiteY55" fmla="*/ 5105401 h 6219825"/>
+              <a:gd name="connsiteX56" fmla="*/ 0 w 12192000"/>
+              <a:gd name="connsiteY56" fmla="*/ 5105401 h 6219825"/>
+              <a:gd name="connsiteX57" fmla="*/ 0 w 12192000"/>
+              <a:gd name="connsiteY57" fmla="*/ 1 h 6219825"/>
+              <a:gd name="connsiteX58" fmla="*/ 9834 w 12192000"/>
+              <a:gd name="connsiteY58" fmla="*/ 1 h 6219825"/>
             </a:gdLst>
             <a:ahLst/>
             <a:cxnLst>
@@ -21127,30 +20649,417 @@
               <a:cxn ang="0">
                 <a:pos x="connsiteX3" y="connsiteY3"/>
               </a:cxn>
+              <a:cxn ang="0">
+                <a:pos x="connsiteX4" y="connsiteY4"/>
+              </a:cxn>
+              <a:cxn ang="0">
+                <a:pos x="connsiteX5" y="connsiteY5"/>
+              </a:cxn>
+              <a:cxn ang="0">
+                <a:pos x="connsiteX6" y="connsiteY6"/>
+              </a:cxn>
+              <a:cxn ang="0">
+                <a:pos x="connsiteX7" y="connsiteY7"/>
+              </a:cxn>
+              <a:cxn ang="0">
+                <a:pos x="connsiteX8" y="connsiteY8"/>
+              </a:cxn>
+              <a:cxn ang="0">
+                <a:pos x="connsiteX9" y="connsiteY9"/>
+              </a:cxn>
+              <a:cxn ang="0">
+                <a:pos x="connsiteX10" y="connsiteY10"/>
+              </a:cxn>
+              <a:cxn ang="0">
+                <a:pos x="connsiteX11" y="connsiteY11"/>
+              </a:cxn>
+              <a:cxn ang="0">
+                <a:pos x="connsiteX12" y="connsiteY12"/>
+              </a:cxn>
+              <a:cxn ang="0">
+                <a:pos x="connsiteX13" y="connsiteY13"/>
+              </a:cxn>
+              <a:cxn ang="0">
+                <a:pos x="connsiteX14" y="connsiteY14"/>
+              </a:cxn>
+              <a:cxn ang="0">
+                <a:pos x="connsiteX15" y="connsiteY15"/>
+              </a:cxn>
+              <a:cxn ang="0">
+                <a:pos x="connsiteX16" y="connsiteY16"/>
+              </a:cxn>
+              <a:cxn ang="0">
+                <a:pos x="connsiteX17" y="connsiteY17"/>
+              </a:cxn>
+              <a:cxn ang="0">
+                <a:pos x="connsiteX18" y="connsiteY18"/>
+              </a:cxn>
+              <a:cxn ang="0">
+                <a:pos x="connsiteX19" y="connsiteY19"/>
+              </a:cxn>
+              <a:cxn ang="0">
+                <a:pos x="connsiteX20" y="connsiteY20"/>
+              </a:cxn>
+              <a:cxn ang="0">
+                <a:pos x="connsiteX21" y="connsiteY21"/>
+              </a:cxn>
+              <a:cxn ang="0">
+                <a:pos x="connsiteX22" y="connsiteY22"/>
+              </a:cxn>
+              <a:cxn ang="0">
+                <a:pos x="connsiteX23" y="connsiteY23"/>
+              </a:cxn>
+              <a:cxn ang="0">
+                <a:pos x="connsiteX24" y="connsiteY24"/>
+              </a:cxn>
+              <a:cxn ang="0">
+                <a:pos x="connsiteX25" y="connsiteY25"/>
+              </a:cxn>
+              <a:cxn ang="0">
+                <a:pos x="connsiteX26" y="connsiteY26"/>
+              </a:cxn>
+              <a:cxn ang="0">
+                <a:pos x="connsiteX27" y="connsiteY27"/>
+              </a:cxn>
+              <a:cxn ang="0">
+                <a:pos x="connsiteX28" y="connsiteY28"/>
+              </a:cxn>
+              <a:cxn ang="0">
+                <a:pos x="connsiteX29" y="connsiteY29"/>
+              </a:cxn>
+              <a:cxn ang="0">
+                <a:pos x="connsiteX30" y="connsiteY30"/>
+              </a:cxn>
+              <a:cxn ang="0">
+                <a:pos x="connsiteX31" y="connsiteY31"/>
+              </a:cxn>
+              <a:cxn ang="0">
+                <a:pos x="connsiteX32" y="connsiteY32"/>
+              </a:cxn>
+              <a:cxn ang="0">
+                <a:pos x="connsiteX33" y="connsiteY33"/>
+              </a:cxn>
+              <a:cxn ang="0">
+                <a:pos x="connsiteX34" y="connsiteY34"/>
+              </a:cxn>
+              <a:cxn ang="0">
+                <a:pos x="connsiteX35" y="connsiteY35"/>
+              </a:cxn>
+              <a:cxn ang="0">
+                <a:pos x="connsiteX36" y="connsiteY36"/>
+              </a:cxn>
+              <a:cxn ang="0">
+                <a:pos x="connsiteX37" y="connsiteY37"/>
+              </a:cxn>
+              <a:cxn ang="0">
+                <a:pos x="connsiteX38" y="connsiteY38"/>
+              </a:cxn>
+              <a:cxn ang="0">
+                <a:pos x="connsiteX39" y="connsiteY39"/>
+              </a:cxn>
+              <a:cxn ang="0">
+                <a:pos x="connsiteX40" y="connsiteY40"/>
+              </a:cxn>
+              <a:cxn ang="0">
+                <a:pos x="connsiteX41" y="connsiteY41"/>
+              </a:cxn>
+              <a:cxn ang="0">
+                <a:pos x="connsiteX42" y="connsiteY42"/>
+              </a:cxn>
+              <a:cxn ang="0">
+                <a:pos x="connsiteX43" y="connsiteY43"/>
+              </a:cxn>
+              <a:cxn ang="0">
+                <a:pos x="connsiteX44" y="connsiteY44"/>
+              </a:cxn>
+              <a:cxn ang="0">
+                <a:pos x="connsiteX45" y="connsiteY45"/>
+              </a:cxn>
+              <a:cxn ang="0">
+                <a:pos x="connsiteX46" y="connsiteY46"/>
+              </a:cxn>
+              <a:cxn ang="0">
+                <a:pos x="connsiteX47" y="connsiteY47"/>
+              </a:cxn>
+              <a:cxn ang="0">
+                <a:pos x="connsiteX48" y="connsiteY48"/>
+              </a:cxn>
+              <a:cxn ang="0">
+                <a:pos x="connsiteX49" y="connsiteY49"/>
+              </a:cxn>
+              <a:cxn ang="0">
+                <a:pos x="connsiteX50" y="connsiteY50"/>
+              </a:cxn>
+              <a:cxn ang="0">
+                <a:pos x="connsiteX51" y="connsiteY51"/>
+              </a:cxn>
+              <a:cxn ang="0">
+                <a:pos x="connsiteX52" y="connsiteY52"/>
+              </a:cxn>
+              <a:cxn ang="0">
+                <a:pos x="connsiteX53" y="connsiteY53"/>
+              </a:cxn>
+              <a:cxn ang="0">
+                <a:pos x="connsiteX54" y="connsiteY54"/>
+              </a:cxn>
+              <a:cxn ang="0">
+                <a:pos x="connsiteX55" y="connsiteY55"/>
+              </a:cxn>
+              <a:cxn ang="0">
+                <a:pos x="connsiteX56" y="connsiteY56"/>
+              </a:cxn>
+              <a:cxn ang="0">
+                <a:pos x="connsiteX57" y="connsiteY57"/>
+              </a:cxn>
+              <a:cxn ang="0">
+                <a:pos x="connsiteX58" y="connsiteY58"/>
+              </a:cxn>
             </a:cxnLst>
             <a:rect l="l" t="t" r="r" b="b"/>
             <a:pathLst>
-              <a:path w="2835357" h="1480837">
+              <a:path w="12192000" h="6219825">
                 <a:moveTo>
-                  <a:pt x="2835357" y="1480837"/>
+                  <a:pt x="6789701" y="6151588"/>
                 </a:moveTo>
                 <a:lnTo>
-                  <a:pt x="0" y="1480837"/>
+                  <a:pt x="6788702" y="6151666"/>
+                </a:lnTo>
+                <a:cubicBezTo>
+                  <a:pt x="6788627" y="6151844"/>
+                  <a:pt x="6788551" y="6152022"/>
+                  <a:pt x="6788476" y="6152200"/>
+                </a:cubicBezTo>
+                <a:close/>
+                <a:moveTo>
+                  <a:pt x="9834" y="0"/>
+                </a:moveTo>
+                <a:lnTo>
+                  <a:pt x="12357" y="1"/>
                 </a:lnTo>
                 <a:lnTo>
-                  <a:pt x="1552727" y="0"/>
+                  <a:pt x="12192000" y="1"/>
                 </a:lnTo>
                 <a:lnTo>
-                  <a:pt x="2835357" y="1223245"/>
+                  <a:pt x="12192000" y="5105401"/>
+                </a:lnTo>
+                <a:lnTo>
+                  <a:pt x="12191716" y="5105401"/>
+                </a:lnTo>
+                <a:lnTo>
+                  <a:pt x="12192000" y="5256977"/>
+                </a:lnTo>
+                <a:lnTo>
+                  <a:pt x="12061096" y="5296034"/>
+                </a:lnTo>
+                <a:cubicBezTo>
+                  <a:pt x="11933500" y="5332263"/>
+                  <a:pt x="11805390" y="5366806"/>
+                  <a:pt x="11676800" y="5399652"/>
+                </a:cubicBezTo>
+                <a:cubicBezTo>
+                  <a:pt x="11262789" y="5507204"/>
+                  <a:pt x="10845343" y="5600846"/>
+                  <a:pt x="10425355" y="5683310"/>
+                </a:cubicBezTo>
+                <a:cubicBezTo>
+                  <a:pt x="10092810" y="5748549"/>
+                  <a:pt x="9759033" y="5806970"/>
+                  <a:pt x="9424022" y="5858546"/>
+                </a:cubicBezTo>
+                <a:cubicBezTo>
+                  <a:pt x="9102997" y="5908224"/>
+                  <a:pt x="8781133" y="5952809"/>
+                  <a:pt x="8458419" y="5992303"/>
+                </a:cubicBezTo>
+                <a:cubicBezTo>
+                  <a:pt x="8211360" y="6022481"/>
+                  <a:pt x="7963792" y="6048065"/>
+                  <a:pt x="7715970" y="6072283"/>
+                </a:cubicBezTo>
+                <a:lnTo>
+                  <a:pt x="6951716" y="6138091"/>
+                </a:lnTo>
+                <a:lnTo>
+                  <a:pt x="6936303" y="6140163"/>
+                </a:lnTo>
+                <a:lnTo>
+                  <a:pt x="6790448" y="6151529"/>
+                </a:lnTo>
+                <a:lnTo>
+                  <a:pt x="6799941" y="6153349"/>
+                </a:lnTo>
+                <a:cubicBezTo>
+                  <a:pt x="6811623" y="6153816"/>
+                  <a:pt x="6823734" y="6151642"/>
+                  <a:pt x="6835432" y="6151642"/>
+                </a:cubicBezTo>
+                <a:cubicBezTo>
+                  <a:pt x="6851580" y="6151642"/>
+                  <a:pt x="6867729" y="6149034"/>
+                  <a:pt x="6884003" y="6148662"/>
+                </a:cubicBezTo>
+                <a:cubicBezTo>
+                  <a:pt x="7115805" y="6143198"/>
+                  <a:pt x="7347351" y="6131026"/>
+                  <a:pt x="7578771" y="6116122"/>
+                </a:cubicBezTo>
+                <a:cubicBezTo>
+                  <a:pt x="7927552" y="6093644"/>
+                  <a:pt x="8276080" y="6065453"/>
+                  <a:pt x="8623845" y="6029188"/>
+                </a:cubicBezTo>
+                <a:cubicBezTo>
+                  <a:pt x="8909939" y="5999878"/>
+                  <a:pt x="9195310" y="5965228"/>
+                  <a:pt x="9479970" y="5925239"/>
+                </a:cubicBezTo>
+                <a:cubicBezTo>
+                  <a:pt x="9864901" y="5870842"/>
+                  <a:pt x="10248014" y="5806101"/>
+                  <a:pt x="10629308" y="5731000"/>
+                </a:cubicBezTo>
+                <a:cubicBezTo>
+                  <a:pt x="11090114" y="5639842"/>
+                  <a:pt x="11546975" y="5532291"/>
+                  <a:pt x="11998498" y="5404869"/>
+                </a:cubicBezTo>
+                <a:lnTo>
+                  <a:pt x="12192000" y="5347846"/>
+                </a:lnTo>
+                <a:lnTo>
+                  <a:pt x="12192000" y="5402606"/>
+                </a:lnTo>
+                <a:lnTo>
+                  <a:pt x="11829257" y="5507950"/>
+                </a:lnTo>
+                <a:cubicBezTo>
+                  <a:pt x="11534769" y="5587680"/>
+                  <a:pt x="11238120" y="5658596"/>
+                  <a:pt x="10939183" y="5722555"/>
+                </a:cubicBezTo>
+                <a:cubicBezTo>
+                  <a:pt x="10622824" y="5790365"/>
+                  <a:pt x="10304941" y="5850387"/>
+                  <a:pt x="9985530" y="5902635"/>
+                </a:cubicBezTo>
+                <a:cubicBezTo>
+                  <a:pt x="9720036" y="5946102"/>
+                  <a:pt x="9453814" y="5984764"/>
+                  <a:pt x="9186882" y="6018631"/>
+                </a:cubicBezTo>
+                <a:cubicBezTo>
+                  <a:pt x="8984197" y="6044216"/>
+                  <a:pt x="8781514" y="6068309"/>
+                  <a:pt x="8578198" y="6088179"/>
+                </a:cubicBezTo>
+                <a:lnTo>
+                  <a:pt x="7864358" y="6149656"/>
+                </a:lnTo>
+                <a:cubicBezTo>
+                  <a:pt x="7554994" y="6172009"/>
+                  <a:pt x="7245502" y="6189895"/>
+                  <a:pt x="6935502" y="6201071"/>
+                </a:cubicBezTo>
+                <a:lnTo>
+                  <a:pt x="6477750" y="6214980"/>
+                </a:lnTo>
+                <a:cubicBezTo>
+                  <a:pt x="6439195" y="6212895"/>
+                  <a:pt x="6400529" y="6214521"/>
+                  <a:pt x="6362294" y="6219825"/>
+                </a:cubicBezTo>
+                <a:lnTo>
+                  <a:pt x="6057129" y="6219825"/>
+                </a:lnTo>
+                <a:lnTo>
+                  <a:pt x="5977784" y="6215229"/>
+                </a:lnTo>
+                <a:lnTo>
+                  <a:pt x="5265087" y="6178965"/>
+                </a:lnTo>
+                <a:cubicBezTo>
+                  <a:pt x="4958267" y="6166544"/>
+                  <a:pt x="4651826" y="6146055"/>
+                  <a:pt x="4346277" y="6116869"/>
+                </a:cubicBezTo>
+                <a:lnTo>
+                  <a:pt x="3373045" y="6018259"/>
+                </a:lnTo>
+                <a:cubicBezTo>
+                  <a:pt x="3035412" y="5983982"/>
+                  <a:pt x="2698456" y="5944327"/>
+                  <a:pt x="2362173" y="5899282"/>
+                </a:cubicBezTo>
+                <a:cubicBezTo>
+                  <a:pt x="1984692" y="5849108"/>
+                  <a:pt x="1608364" y="5791358"/>
+                  <a:pt x="1233178" y="5726033"/>
+                </a:cubicBezTo>
+                <a:cubicBezTo>
+                  <a:pt x="842181" y="5657291"/>
+                  <a:pt x="453758" y="5578770"/>
+                  <a:pt x="68500" y="5486226"/>
+                </a:cubicBezTo>
+                <a:lnTo>
+                  <a:pt x="0" y="5468863"/>
+                </a:lnTo>
+                <a:lnTo>
+                  <a:pt x="0" y="5412351"/>
+                </a:lnTo>
+                <a:lnTo>
+                  <a:pt x="72441" y="5431135"/>
+                </a:lnTo>
+                <a:cubicBezTo>
+                  <a:pt x="247961" y="5473331"/>
+                  <a:pt x="424164" y="5512608"/>
+                  <a:pt x="600716" y="5549555"/>
+                </a:cubicBezTo>
+                <a:cubicBezTo>
+                  <a:pt x="988279" y="5630403"/>
+                  <a:pt x="1378133" y="5699330"/>
+                  <a:pt x="1769512" y="5759811"/>
+                </a:cubicBezTo>
+                <a:cubicBezTo>
+                  <a:pt x="2052426" y="5803406"/>
+                  <a:pt x="2335725" y="5843519"/>
+                  <a:pt x="2613554" y="5876802"/>
+                </a:cubicBezTo>
+                <a:cubicBezTo>
+                  <a:pt x="2605544" y="5879410"/>
+                  <a:pt x="2594611" y="5869350"/>
+                  <a:pt x="2581134" y="5866867"/>
+                </a:cubicBezTo>
+                <a:cubicBezTo>
+                  <a:pt x="2087178" y="5774877"/>
+                  <a:pt x="1597684" y="5663937"/>
+                  <a:pt x="1112635" y="5534031"/>
+                </a:cubicBezTo>
+                <a:cubicBezTo>
+                  <a:pt x="880453" y="5471934"/>
+                  <a:pt x="649713" y="5405428"/>
+                  <a:pt x="420412" y="5334514"/>
+                </a:cubicBezTo>
+                <a:lnTo>
+                  <a:pt x="0" y="5195539"/>
+                </a:lnTo>
+                <a:lnTo>
+                  <a:pt x="60" y="5105401"/>
+                </a:lnTo>
+                <a:lnTo>
+                  <a:pt x="0" y="5105401"/>
+                </a:lnTo>
+                <a:lnTo>
+                  <a:pt x="0" y="1"/>
+                </a:lnTo>
+                <a:lnTo>
+                  <a:pt x="9834" y="1"/>
                 </a:lnTo>
                 <a:close/>
               </a:path>
             </a:pathLst>
           </a:custGeom>
           <a:solidFill>
-            <a:schemeClr val="accent4">
-              <a:alpha val="30000"/>
-            </a:schemeClr>
+            <a:schemeClr val="bg1"/>
           </a:solidFill>
           <a:ln>
             <a:noFill/>
@@ -21176,136 +21085,6 @@
           <a:bodyPr wrap="square" rtlCol="0" anchor="ctr">
             <a:noAutofit/>
           </a:bodyPr>
-          <a:lstStyle/>
-          <a:p>
-            <a:pPr algn="ctr"/>
-            <a:endParaRPr lang="en-US" dirty="0"/>
-          </a:p>
-        </p:txBody>
-      </p:sp>
-      <p:sp>
-        <p:nvSpPr>
-          <p:cNvPr id="20" name="Isosceles Triangle 19">
-            <a:extLst>
-              <a:ext uri="{FF2B5EF4-FFF2-40B4-BE49-F238E27FC236}">
-                <a16:creationId xmlns:a16="http://schemas.microsoft.com/office/drawing/2014/main" id="{FF9F2414-84E8-453E-B1F3-389FDE8192D9}"/>
-              </a:ext>
-              <a:ext uri="{C183D7F6-B498-43B3-948B-1728B52AA6E4}">
-                <adec:decorative xmlns:adec="http://schemas.microsoft.com/office/drawing/2017/decorative" val="1"/>
-              </a:ext>
-            </a:extLst>
-          </p:cNvPr>
-          <p:cNvSpPr>
-            <a:spLocks noGrp="1" noRot="1" noChangeAspect="1" noMove="1" noResize="1" noEditPoints="1" noAdjustHandles="1" noChangeArrowheads="1" noChangeShapeType="1" noTextEdit="1"/>
-          </p:cNvSpPr>
-          <p:nvPr>
-            <p:extLst>
-              <p:ext uri="{386F3935-93C4-4BCD-93E2-E3B085C9AB24}">
-                <p16:designElem xmlns:p16="http://schemas.microsoft.com/office/powerpoint/2015/main" val="1"/>
-              </p:ext>
-            </p:extLst>
-          </p:nvPr>
-        </p:nvSpPr>
-        <p:spPr>
-          <a:xfrm flipH="1">
-            <a:off x="7976344" y="6115501"/>
-            <a:ext cx="1494513" cy="742499"/>
-          </a:xfrm>
-          <a:prstGeom prst="triangle">
-            <a:avLst/>
-          </a:prstGeom>
-          <a:solidFill>
-            <a:schemeClr val="accent1">
-              <a:alpha val="30000"/>
-            </a:schemeClr>
-          </a:solidFill>
-          <a:ln>
-            <a:noFill/>
-          </a:ln>
-        </p:spPr>
-        <p:style>
-          <a:lnRef idx="2">
-            <a:schemeClr val="accent1">
-              <a:shade val="50000"/>
-            </a:schemeClr>
-          </a:lnRef>
-          <a:fillRef idx="1">
-            <a:schemeClr val="accent1"/>
-          </a:fillRef>
-          <a:effectRef idx="0">
-            <a:schemeClr val="accent1"/>
-          </a:effectRef>
-          <a:fontRef idx="minor">
-            <a:schemeClr val="lt1"/>
-          </a:fontRef>
-        </p:style>
-        <p:txBody>
-          <a:bodyPr rtlCol="0" anchor="ctr"/>
-          <a:lstStyle/>
-          <a:p>
-            <a:pPr algn="ctr"/>
-            <a:endParaRPr lang="en-US"/>
-          </a:p>
-        </p:txBody>
-      </p:sp>
-      <p:sp>
-        <p:nvSpPr>
-          <p:cNvPr id="22" name="Isosceles Triangle 21">
-            <a:extLst>
-              <a:ext uri="{FF2B5EF4-FFF2-40B4-BE49-F238E27FC236}">
-                <a16:creationId xmlns:a16="http://schemas.microsoft.com/office/drawing/2014/main" id="{3ECA69A1-7536-43AC-85EF-C7106179F5ED}"/>
-              </a:ext>
-              <a:ext uri="{C183D7F6-B498-43B3-948B-1728B52AA6E4}">
-                <adec:decorative xmlns:adec="http://schemas.microsoft.com/office/drawing/2017/decorative" val="1"/>
-              </a:ext>
-            </a:extLst>
-          </p:cNvPr>
-          <p:cNvSpPr>
-            <a:spLocks noGrp="1" noRot="1" noChangeAspect="1" noMove="1" noResize="1" noEditPoints="1" noAdjustHandles="1" noChangeArrowheads="1" noChangeShapeType="1" noTextEdit="1"/>
-          </p:cNvSpPr>
-          <p:nvPr>
-            <p:extLst>
-              <p:ext uri="{386F3935-93C4-4BCD-93E2-E3B085C9AB24}">
-                <p16:designElem xmlns:p16="http://schemas.microsoft.com/office/powerpoint/2015/main" val="1"/>
-              </p:ext>
-            </p:extLst>
-          </p:nvPr>
-        </p:nvSpPr>
-        <p:spPr>
-          <a:xfrm flipH="1">
-            <a:off x="7604080" y="6453143"/>
-            <a:ext cx="814903" cy="404857"/>
-          </a:xfrm>
-          <a:prstGeom prst="triangle">
-            <a:avLst/>
-          </a:prstGeom>
-          <a:solidFill>
-            <a:schemeClr val="accent1">
-              <a:alpha val="30000"/>
-            </a:schemeClr>
-          </a:solidFill>
-          <a:ln>
-            <a:noFill/>
-          </a:ln>
-        </p:spPr>
-        <p:style>
-          <a:lnRef idx="2">
-            <a:schemeClr val="accent1">
-              <a:shade val="50000"/>
-            </a:schemeClr>
-          </a:lnRef>
-          <a:fillRef idx="1">
-            <a:schemeClr val="accent1"/>
-          </a:fillRef>
-          <a:effectRef idx="0">
-            <a:schemeClr val="accent1"/>
-          </a:effectRef>
-          <a:fontRef idx="minor">
-            <a:schemeClr val="lt1"/>
-          </a:fontRef>
-        </p:style>
-        <p:txBody>
-          <a:bodyPr rtlCol="0" anchor="ctr"/>
           <a:lstStyle/>
           <a:p>
             <a:pPr algn="ctr"/>
@@ -21335,8 +21114,8 @@
         </p:blipFill>
         <p:spPr>
           <a:xfrm>
-            <a:off x="4387850" y="787400"/>
-            <a:ext cx="3416300" cy="5283200"/>
+            <a:off x="4460558" y="228600"/>
+            <a:ext cx="3194684" cy="4953000"/>
           </a:xfrm>
           <a:prstGeom prst="rect">
             <a:avLst/>
